--- a/NguyenDuyHanLam_196005004/baocao.pptx
+++ b/NguyenDuyHanLam_196005004/baocao.pptx
@@ -31,12 +31,19 @@
     <p:sldId id="288" r:id="rId25"/>
     <p:sldId id="289" r:id="rId26"/>
     <p:sldId id="272" r:id="rId27"/>
-    <p:sldId id="273" r:id="rId28"/>
-    <p:sldId id="275" r:id="rId29"/>
-    <p:sldId id="279" r:id="rId30"/>
-    <p:sldId id="276" r:id="rId31"/>
-    <p:sldId id="277" r:id="rId32"/>
-    <p:sldId id="278" r:id="rId33"/>
+    <p:sldId id="291" r:id="rId28"/>
+    <p:sldId id="290" r:id="rId29"/>
+    <p:sldId id="292" r:id="rId30"/>
+    <p:sldId id="294" r:id="rId31"/>
+    <p:sldId id="293" r:id="rId32"/>
+    <p:sldId id="295" r:id="rId33"/>
+    <p:sldId id="296" r:id="rId34"/>
+    <p:sldId id="273" r:id="rId35"/>
+    <p:sldId id="275" r:id="rId36"/>
+    <p:sldId id="279" r:id="rId37"/>
+    <p:sldId id="276" r:id="rId38"/>
+    <p:sldId id="277" r:id="rId39"/>
+    <p:sldId id="278" r:id="rId40"/>
   </p:sldIdLst>
   <p:sldSz cx="12192000" cy="6858000"/>
   <p:notesSz cx="6858000" cy="9144000"/>
@@ -185,10 +192,9 @@
           </a:lstStyle>
           <a:p>
             <a:r>
-              <a:rPr lang="en-US" smtClean="0"/>
+              <a:rPr lang="en-US"/>
               <a:t>Click to edit Master title style</a:t>
             </a:r>
-            <a:endParaRPr lang="en-US"/>
           </a:p>
         </p:txBody>
       </p:sp>
@@ -250,10 +256,9 @@
           </a:lstStyle>
           <a:p>
             <a:r>
-              <a:rPr lang="en-US" smtClean="0"/>
+              <a:rPr lang="en-US"/>
               <a:t>Click to edit Master subtitle style</a:t>
             </a:r>
-            <a:endParaRPr lang="en-US"/>
           </a:p>
         </p:txBody>
       </p:sp>
@@ -274,7 +279,7 @@
           <a:p>
             <a:fld id="{E4DA84E2-8F3A-4836-87CF-485CC456B39E}" type="datetimeFigureOut">
               <a:rPr lang="en-US" smtClean="0"/>
-              <a:t>11/29/2020</a:t>
+              <a:t>12/1/2020</a:t>
             </a:fld>
             <a:endParaRPr lang="en-US"/>
           </a:p>
@@ -368,10 +373,9 @@
           <a:lstStyle/>
           <a:p>
             <a:r>
-              <a:rPr lang="en-US" smtClean="0"/>
+              <a:rPr lang="en-US"/>
               <a:t>Click to edit Master title style</a:t>
             </a:r>
-            <a:endParaRPr lang="en-US"/>
           </a:p>
         </p:txBody>
       </p:sp>
@@ -392,38 +396,37 @@
           <a:p>
             <a:pPr lvl="0"/>
             <a:r>
-              <a:rPr lang="en-US" smtClean="0"/>
+              <a:rPr lang="en-US"/>
               <a:t>Edit Master text styles</a:t>
             </a:r>
           </a:p>
           <a:p>
             <a:pPr lvl="1"/>
             <a:r>
-              <a:rPr lang="en-US" smtClean="0"/>
+              <a:rPr lang="en-US"/>
               <a:t>Second level</a:t>
             </a:r>
           </a:p>
           <a:p>
             <a:pPr lvl="2"/>
             <a:r>
-              <a:rPr lang="en-US" smtClean="0"/>
+              <a:rPr lang="en-US"/>
               <a:t>Third level</a:t>
             </a:r>
           </a:p>
           <a:p>
             <a:pPr lvl="3"/>
             <a:r>
-              <a:rPr lang="en-US" smtClean="0"/>
+              <a:rPr lang="en-US"/>
               <a:t>Fourth level</a:t>
             </a:r>
           </a:p>
           <a:p>
             <a:pPr lvl="4"/>
             <a:r>
-              <a:rPr lang="en-US" smtClean="0"/>
+              <a:rPr lang="en-US"/>
               <a:t>Fifth level</a:t>
             </a:r>
-            <a:endParaRPr lang="en-US"/>
           </a:p>
         </p:txBody>
       </p:sp>
@@ -444,7 +447,7 @@
           <a:p>
             <a:fld id="{E4DA84E2-8F3A-4836-87CF-485CC456B39E}" type="datetimeFigureOut">
               <a:rPr lang="en-US" smtClean="0"/>
-              <a:t>11/29/2020</a:t>
+              <a:t>12/1/2020</a:t>
             </a:fld>
             <a:endParaRPr lang="en-US"/>
           </a:p>
@@ -543,10 +546,9 @@
           <a:lstStyle/>
           <a:p>
             <a:r>
-              <a:rPr lang="en-US" smtClean="0"/>
+              <a:rPr lang="en-US"/>
               <a:t>Click to edit Master title style</a:t>
             </a:r>
-            <a:endParaRPr lang="en-US"/>
           </a:p>
         </p:txBody>
       </p:sp>
@@ -572,38 +574,37 @@
           <a:p>
             <a:pPr lvl="0"/>
             <a:r>
-              <a:rPr lang="en-US" smtClean="0"/>
+              <a:rPr lang="en-US"/>
               <a:t>Edit Master text styles</a:t>
             </a:r>
           </a:p>
           <a:p>
             <a:pPr lvl="1"/>
             <a:r>
-              <a:rPr lang="en-US" smtClean="0"/>
+              <a:rPr lang="en-US"/>
               <a:t>Second level</a:t>
             </a:r>
           </a:p>
           <a:p>
             <a:pPr lvl="2"/>
             <a:r>
-              <a:rPr lang="en-US" smtClean="0"/>
+              <a:rPr lang="en-US"/>
               <a:t>Third level</a:t>
             </a:r>
           </a:p>
           <a:p>
             <a:pPr lvl="3"/>
             <a:r>
-              <a:rPr lang="en-US" smtClean="0"/>
+              <a:rPr lang="en-US"/>
               <a:t>Fourth level</a:t>
             </a:r>
           </a:p>
           <a:p>
             <a:pPr lvl="4"/>
             <a:r>
-              <a:rPr lang="en-US" smtClean="0"/>
+              <a:rPr lang="en-US"/>
               <a:t>Fifth level</a:t>
             </a:r>
-            <a:endParaRPr lang="en-US"/>
           </a:p>
         </p:txBody>
       </p:sp>
@@ -624,7 +625,7 @@
           <a:p>
             <a:fld id="{E4DA84E2-8F3A-4836-87CF-485CC456B39E}" type="datetimeFigureOut">
               <a:rPr lang="en-US" smtClean="0"/>
-              <a:t>11/29/2020</a:t>
+              <a:t>12/1/2020</a:t>
             </a:fld>
             <a:endParaRPr lang="en-US"/>
           </a:p>
@@ -718,10 +719,9 @@
           <a:lstStyle/>
           <a:p>
             <a:r>
-              <a:rPr lang="en-US" smtClean="0"/>
+              <a:rPr lang="en-US"/>
               <a:t>Click to edit Master title style</a:t>
             </a:r>
-            <a:endParaRPr lang="en-US"/>
           </a:p>
         </p:txBody>
       </p:sp>
@@ -742,38 +742,37 @@
           <a:p>
             <a:pPr lvl="0"/>
             <a:r>
-              <a:rPr lang="en-US" smtClean="0"/>
+              <a:rPr lang="en-US"/>
               <a:t>Edit Master text styles</a:t>
             </a:r>
           </a:p>
           <a:p>
             <a:pPr lvl="1"/>
             <a:r>
-              <a:rPr lang="en-US" smtClean="0"/>
+              <a:rPr lang="en-US"/>
               <a:t>Second level</a:t>
             </a:r>
           </a:p>
           <a:p>
             <a:pPr lvl="2"/>
             <a:r>
-              <a:rPr lang="en-US" smtClean="0"/>
+              <a:rPr lang="en-US"/>
               <a:t>Third level</a:t>
             </a:r>
           </a:p>
           <a:p>
             <a:pPr lvl="3"/>
             <a:r>
-              <a:rPr lang="en-US" smtClean="0"/>
+              <a:rPr lang="en-US"/>
               <a:t>Fourth level</a:t>
             </a:r>
           </a:p>
           <a:p>
             <a:pPr lvl="4"/>
             <a:r>
-              <a:rPr lang="en-US" smtClean="0"/>
+              <a:rPr lang="en-US"/>
               <a:t>Fifth level</a:t>
             </a:r>
-            <a:endParaRPr lang="en-US"/>
           </a:p>
         </p:txBody>
       </p:sp>
@@ -794,7 +793,7 @@
           <a:p>
             <a:fld id="{E4DA84E2-8F3A-4836-87CF-485CC456B39E}" type="datetimeFigureOut">
               <a:rPr lang="en-US" smtClean="0"/>
-              <a:t>11/29/2020</a:t>
+              <a:t>12/1/2020</a:t>
             </a:fld>
             <a:endParaRPr lang="en-US"/>
           </a:p>
@@ -897,10 +896,9 @@
           </a:lstStyle>
           <a:p>
             <a:r>
-              <a:rPr lang="en-US" smtClean="0"/>
+              <a:rPr lang="en-US"/>
               <a:t>Click to edit Master title style</a:t>
             </a:r>
-            <a:endParaRPr lang="en-US"/>
           </a:p>
         </p:txBody>
       </p:sp>
@@ -1017,7 +1015,7 @@
           <a:p>
             <a:pPr lvl="0"/>
             <a:r>
-              <a:rPr lang="en-US" smtClean="0"/>
+              <a:rPr lang="en-US"/>
               <a:t>Edit Master text styles</a:t>
             </a:r>
           </a:p>
@@ -1040,7 +1038,7 @@
           <a:p>
             <a:fld id="{E4DA84E2-8F3A-4836-87CF-485CC456B39E}" type="datetimeFigureOut">
               <a:rPr lang="en-US" smtClean="0"/>
-              <a:t>11/29/2020</a:t>
+              <a:t>12/1/2020</a:t>
             </a:fld>
             <a:endParaRPr lang="en-US"/>
           </a:p>
@@ -1134,10 +1132,9 @@
           <a:lstStyle/>
           <a:p>
             <a:r>
-              <a:rPr lang="en-US" smtClean="0"/>
+              <a:rPr lang="en-US"/>
               <a:t>Click to edit Master title style</a:t>
             </a:r>
-            <a:endParaRPr lang="en-US"/>
           </a:p>
         </p:txBody>
       </p:sp>
@@ -1163,38 +1160,37 @@
           <a:p>
             <a:pPr lvl="0"/>
             <a:r>
-              <a:rPr lang="en-US" smtClean="0"/>
+              <a:rPr lang="en-US"/>
               <a:t>Edit Master text styles</a:t>
             </a:r>
           </a:p>
           <a:p>
             <a:pPr lvl="1"/>
             <a:r>
-              <a:rPr lang="en-US" smtClean="0"/>
+              <a:rPr lang="en-US"/>
               <a:t>Second level</a:t>
             </a:r>
           </a:p>
           <a:p>
             <a:pPr lvl="2"/>
             <a:r>
-              <a:rPr lang="en-US" smtClean="0"/>
+              <a:rPr lang="en-US"/>
               <a:t>Third level</a:t>
             </a:r>
           </a:p>
           <a:p>
             <a:pPr lvl="3"/>
             <a:r>
-              <a:rPr lang="en-US" smtClean="0"/>
+              <a:rPr lang="en-US"/>
               <a:t>Fourth level</a:t>
             </a:r>
           </a:p>
           <a:p>
             <a:pPr lvl="4"/>
             <a:r>
-              <a:rPr lang="en-US" smtClean="0"/>
+              <a:rPr lang="en-US"/>
               <a:t>Fifth level</a:t>
             </a:r>
-            <a:endParaRPr lang="en-US"/>
           </a:p>
         </p:txBody>
       </p:sp>
@@ -1220,38 +1216,37 @@
           <a:p>
             <a:pPr lvl="0"/>
             <a:r>
-              <a:rPr lang="en-US" smtClean="0"/>
+              <a:rPr lang="en-US"/>
               <a:t>Edit Master text styles</a:t>
             </a:r>
           </a:p>
           <a:p>
             <a:pPr lvl="1"/>
             <a:r>
-              <a:rPr lang="en-US" smtClean="0"/>
+              <a:rPr lang="en-US"/>
               <a:t>Second level</a:t>
             </a:r>
           </a:p>
           <a:p>
             <a:pPr lvl="2"/>
             <a:r>
-              <a:rPr lang="en-US" smtClean="0"/>
+              <a:rPr lang="en-US"/>
               <a:t>Third level</a:t>
             </a:r>
           </a:p>
           <a:p>
             <a:pPr lvl="3"/>
             <a:r>
-              <a:rPr lang="en-US" smtClean="0"/>
+              <a:rPr lang="en-US"/>
               <a:t>Fourth level</a:t>
             </a:r>
           </a:p>
           <a:p>
             <a:pPr lvl="4"/>
             <a:r>
-              <a:rPr lang="en-US" smtClean="0"/>
+              <a:rPr lang="en-US"/>
               <a:t>Fifth level</a:t>
             </a:r>
-            <a:endParaRPr lang="en-US"/>
           </a:p>
         </p:txBody>
       </p:sp>
@@ -1272,7 +1267,7 @@
           <a:p>
             <a:fld id="{E4DA84E2-8F3A-4836-87CF-485CC456B39E}" type="datetimeFigureOut">
               <a:rPr lang="en-US" smtClean="0"/>
-              <a:t>11/29/2020</a:t>
+              <a:t>12/1/2020</a:t>
             </a:fld>
             <a:endParaRPr lang="en-US"/>
           </a:p>
@@ -1371,10 +1366,9 @@
           <a:lstStyle/>
           <a:p>
             <a:r>
-              <a:rPr lang="en-US" smtClean="0"/>
+              <a:rPr lang="en-US"/>
               <a:t>Click to edit Master title style</a:t>
             </a:r>
-            <a:endParaRPr lang="en-US"/>
           </a:p>
         </p:txBody>
       </p:sp>
@@ -1437,7 +1431,7 @@
           <a:p>
             <a:pPr lvl="0"/>
             <a:r>
-              <a:rPr lang="en-US" smtClean="0"/>
+              <a:rPr lang="en-US"/>
               <a:t>Edit Master text styles</a:t>
             </a:r>
           </a:p>
@@ -1465,38 +1459,37 @@
           <a:p>
             <a:pPr lvl="0"/>
             <a:r>
-              <a:rPr lang="en-US" smtClean="0"/>
+              <a:rPr lang="en-US"/>
               <a:t>Edit Master text styles</a:t>
             </a:r>
           </a:p>
           <a:p>
             <a:pPr lvl="1"/>
             <a:r>
-              <a:rPr lang="en-US" smtClean="0"/>
+              <a:rPr lang="en-US"/>
               <a:t>Second level</a:t>
             </a:r>
           </a:p>
           <a:p>
             <a:pPr lvl="2"/>
             <a:r>
-              <a:rPr lang="en-US" smtClean="0"/>
+              <a:rPr lang="en-US"/>
               <a:t>Third level</a:t>
             </a:r>
           </a:p>
           <a:p>
             <a:pPr lvl="3"/>
             <a:r>
-              <a:rPr lang="en-US" smtClean="0"/>
+              <a:rPr lang="en-US"/>
               <a:t>Fourth level</a:t>
             </a:r>
           </a:p>
           <a:p>
             <a:pPr lvl="4"/>
             <a:r>
-              <a:rPr lang="en-US" smtClean="0"/>
+              <a:rPr lang="en-US"/>
               <a:t>Fifth level</a:t>
             </a:r>
-            <a:endParaRPr lang="en-US"/>
           </a:p>
         </p:txBody>
       </p:sp>
@@ -1559,7 +1552,7 @@
           <a:p>
             <a:pPr lvl="0"/>
             <a:r>
-              <a:rPr lang="en-US" smtClean="0"/>
+              <a:rPr lang="en-US"/>
               <a:t>Edit Master text styles</a:t>
             </a:r>
           </a:p>
@@ -1587,38 +1580,37 @@
           <a:p>
             <a:pPr lvl="0"/>
             <a:r>
-              <a:rPr lang="en-US" smtClean="0"/>
+              <a:rPr lang="en-US"/>
               <a:t>Edit Master text styles</a:t>
             </a:r>
           </a:p>
           <a:p>
             <a:pPr lvl="1"/>
             <a:r>
-              <a:rPr lang="en-US" smtClean="0"/>
+              <a:rPr lang="en-US"/>
               <a:t>Second level</a:t>
             </a:r>
           </a:p>
           <a:p>
             <a:pPr lvl="2"/>
             <a:r>
-              <a:rPr lang="en-US" smtClean="0"/>
+              <a:rPr lang="en-US"/>
               <a:t>Third level</a:t>
             </a:r>
           </a:p>
           <a:p>
             <a:pPr lvl="3"/>
             <a:r>
-              <a:rPr lang="en-US" smtClean="0"/>
+              <a:rPr lang="en-US"/>
               <a:t>Fourth level</a:t>
             </a:r>
           </a:p>
           <a:p>
             <a:pPr lvl="4"/>
             <a:r>
-              <a:rPr lang="en-US" smtClean="0"/>
+              <a:rPr lang="en-US"/>
               <a:t>Fifth level</a:t>
             </a:r>
-            <a:endParaRPr lang="en-US"/>
           </a:p>
         </p:txBody>
       </p:sp>
@@ -1639,7 +1631,7 @@
           <a:p>
             <a:fld id="{E4DA84E2-8F3A-4836-87CF-485CC456B39E}" type="datetimeFigureOut">
               <a:rPr lang="en-US" smtClean="0"/>
-              <a:t>11/29/2020</a:t>
+              <a:t>12/1/2020</a:t>
             </a:fld>
             <a:endParaRPr lang="en-US"/>
           </a:p>
@@ -1733,10 +1725,9 @@
           <a:lstStyle/>
           <a:p>
             <a:r>
-              <a:rPr lang="en-US" smtClean="0"/>
+              <a:rPr lang="en-US"/>
               <a:t>Click to edit Master title style</a:t>
             </a:r>
-            <a:endParaRPr lang="en-US"/>
           </a:p>
         </p:txBody>
       </p:sp>
@@ -1757,7 +1748,7 @@
           <a:p>
             <a:fld id="{E4DA84E2-8F3A-4836-87CF-485CC456B39E}" type="datetimeFigureOut">
               <a:rPr lang="en-US" smtClean="0"/>
-              <a:t>11/29/2020</a:t>
+              <a:t>12/1/2020</a:t>
             </a:fld>
             <a:endParaRPr lang="en-US"/>
           </a:p>
@@ -1852,7 +1843,7 @@
           <a:p>
             <a:fld id="{E4DA84E2-8F3A-4836-87CF-485CC456B39E}" type="datetimeFigureOut">
               <a:rPr lang="en-US" smtClean="0"/>
-              <a:t>11/29/2020</a:t>
+              <a:t>12/1/2020</a:t>
             </a:fld>
             <a:endParaRPr lang="en-US"/>
           </a:p>
@@ -1955,10 +1946,9 @@
           </a:lstStyle>
           <a:p>
             <a:r>
-              <a:rPr lang="en-US" smtClean="0"/>
+              <a:rPr lang="en-US"/>
               <a:t>Click to edit Master title style</a:t>
             </a:r>
-            <a:endParaRPr lang="en-US"/>
           </a:p>
         </p:txBody>
       </p:sp>
@@ -2012,38 +2002,37 @@
           <a:p>
             <a:pPr lvl="0"/>
             <a:r>
-              <a:rPr lang="en-US" smtClean="0"/>
+              <a:rPr lang="en-US"/>
               <a:t>Edit Master text styles</a:t>
             </a:r>
           </a:p>
           <a:p>
             <a:pPr lvl="1"/>
             <a:r>
-              <a:rPr lang="en-US" smtClean="0"/>
+              <a:rPr lang="en-US"/>
               <a:t>Second level</a:t>
             </a:r>
           </a:p>
           <a:p>
             <a:pPr lvl="2"/>
             <a:r>
-              <a:rPr lang="en-US" smtClean="0"/>
+              <a:rPr lang="en-US"/>
               <a:t>Third level</a:t>
             </a:r>
           </a:p>
           <a:p>
             <a:pPr lvl="3"/>
             <a:r>
-              <a:rPr lang="en-US" smtClean="0"/>
+              <a:rPr lang="en-US"/>
               <a:t>Fourth level</a:t>
             </a:r>
           </a:p>
           <a:p>
             <a:pPr lvl="4"/>
             <a:r>
-              <a:rPr lang="en-US" smtClean="0"/>
+              <a:rPr lang="en-US"/>
               <a:t>Fifth level</a:t>
             </a:r>
-            <a:endParaRPr lang="en-US"/>
           </a:p>
         </p:txBody>
       </p:sp>
@@ -2106,7 +2095,7 @@
           <a:p>
             <a:pPr lvl="0"/>
             <a:r>
-              <a:rPr lang="en-US" smtClean="0"/>
+              <a:rPr lang="en-US"/>
               <a:t>Edit Master text styles</a:t>
             </a:r>
           </a:p>
@@ -2129,7 +2118,7 @@
           <a:p>
             <a:fld id="{E4DA84E2-8F3A-4836-87CF-485CC456B39E}" type="datetimeFigureOut">
               <a:rPr lang="en-US" smtClean="0"/>
-              <a:t>11/29/2020</a:t>
+              <a:t>12/1/2020</a:t>
             </a:fld>
             <a:endParaRPr lang="en-US"/>
           </a:p>
@@ -2232,10 +2221,9 @@
           </a:lstStyle>
           <a:p>
             <a:r>
-              <a:rPr lang="en-US" smtClean="0"/>
+              <a:rPr lang="en-US"/>
               <a:t>Click to edit Master title style</a:t>
             </a:r>
-            <a:endParaRPr lang="en-US"/>
           </a:p>
         </p:txBody>
       </p:sp>
@@ -2359,7 +2347,7 @@
           <a:p>
             <a:pPr lvl="0"/>
             <a:r>
-              <a:rPr lang="en-US" smtClean="0"/>
+              <a:rPr lang="en-US"/>
               <a:t>Edit Master text styles</a:t>
             </a:r>
           </a:p>
@@ -2382,7 +2370,7 @@
           <a:p>
             <a:fld id="{E4DA84E2-8F3A-4836-87CF-485CC456B39E}" type="datetimeFigureOut">
               <a:rPr lang="en-US" smtClean="0"/>
-              <a:t>11/29/2020</a:t>
+              <a:t>12/1/2020</a:t>
             </a:fld>
             <a:endParaRPr lang="en-US"/>
           </a:p>
@@ -2491,10 +2479,9 @@
           <a:lstStyle/>
           <a:p>
             <a:r>
-              <a:rPr lang="en-US" smtClean="0"/>
+              <a:rPr lang="en-US"/>
               <a:t>Click to edit Master title style</a:t>
             </a:r>
-            <a:endParaRPr lang="en-US"/>
           </a:p>
         </p:txBody>
       </p:sp>
@@ -2525,38 +2512,37 @@
           <a:p>
             <a:pPr lvl="0"/>
             <a:r>
-              <a:rPr lang="en-US" smtClean="0"/>
+              <a:rPr lang="en-US"/>
               <a:t>Edit Master text styles</a:t>
             </a:r>
           </a:p>
           <a:p>
             <a:pPr lvl="1"/>
             <a:r>
-              <a:rPr lang="en-US" smtClean="0"/>
+              <a:rPr lang="en-US"/>
               <a:t>Second level</a:t>
             </a:r>
           </a:p>
           <a:p>
             <a:pPr lvl="2"/>
             <a:r>
-              <a:rPr lang="en-US" smtClean="0"/>
+              <a:rPr lang="en-US"/>
               <a:t>Third level</a:t>
             </a:r>
           </a:p>
           <a:p>
             <a:pPr lvl="3"/>
             <a:r>
-              <a:rPr lang="en-US" smtClean="0"/>
+              <a:rPr lang="en-US"/>
               <a:t>Fourth level</a:t>
             </a:r>
           </a:p>
           <a:p>
             <a:pPr lvl="4"/>
             <a:r>
-              <a:rPr lang="en-US" smtClean="0"/>
+              <a:rPr lang="en-US"/>
               <a:t>Fifth level</a:t>
             </a:r>
-            <a:endParaRPr lang="en-US"/>
           </a:p>
         </p:txBody>
       </p:sp>
@@ -2595,7 +2581,7 @@
           <a:p>
             <a:fld id="{E4DA84E2-8F3A-4836-87CF-485CC456B39E}" type="datetimeFigureOut">
               <a:rPr lang="en-US" smtClean="0"/>
-              <a:t>11/29/2020</a:t>
+              <a:t>12/1/2020</a:t>
             </a:fld>
             <a:endParaRPr lang="en-US"/>
           </a:p>
@@ -3016,10 +3002,9 @@
           <a:lstStyle/>
           <a:p>
             <a:r>
-              <a:rPr lang="en-US" smtClean="0"/>
+              <a:rPr lang="en-US"/>
               <a:t>Probabilistic Graphical Model</a:t>
             </a:r>
-            <a:endParaRPr lang="en-US"/>
           </a:p>
         </p:txBody>
       </p:sp>
@@ -3040,65 +3025,64 @@
           <a:p>
             <a:pPr algn="r"/>
             <a:r>
-              <a:rPr lang="en-US" dirty="0" err="1" smtClean="0"/>
+              <a:rPr lang="en-US" dirty="0" err="1"/>
               <a:t>Đào</a:t>
             </a:r>
             <a:r>
-              <a:rPr lang="en-US" dirty="0" smtClean="0"/>
+              <a:rPr lang="en-US" dirty="0"/>
               <a:t> </a:t>
             </a:r>
             <a:r>
-              <a:rPr lang="en-US" dirty="0" err="1" smtClean="0"/>
+              <a:rPr lang="en-US" dirty="0" err="1"/>
               <a:t>Việt</a:t>
             </a:r>
             <a:r>
-              <a:rPr lang="en-US" dirty="0" smtClean="0"/>
+              <a:rPr lang="en-US" dirty="0"/>
               <a:t> </a:t>
             </a:r>
             <a:r>
-              <a:rPr lang="en-US" dirty="0" err="1" smtClean="0"/>
+              <a:rPr lang="en-US" dirty="0" err="1"/>
               <a:t>Duy</a:t>
             </a:r>
             <a:r>
-              <a:rPr lang="en-US" smtClean="0"/>
+              <a:rPr lang="en-US"/>
               <a:t> – ID: 51603070</a:t>
             </a:r>
           </a:p>
           <a:p>
             <a:pPr algn="r"/>
             <a:r>
-              <a:rPr lang="en-US" dirty="0" err="1" smtClean="0"/>
+              <a:rPr lang="en-US" dirty="0" err="1"/>
               <a:t>Nguyễn</a:t>
             </a:r>
             <a:r>
-              <a:rPr lang="en-US" dirty="0" smtClean="0"/>
+              <a:rPr lang="en-US" dirty="0"/>
               <a:t> </a:t>
             </a:r>
             <a:r>
-              <a:rPr lang="en-US" dirty="0" err="1" smtClean="0"/>
+              <a:rPr lang="en-US" dirty="0" err="1"/>
               <a:t>Duy</a:t>
             </a:r>
             <a:r>
-              <a:rPr lang="en-US" dirty="0" smtClean="0"/>
+              <a:rPr lang="en-US" dirty="0"/>
               <a:t> </a:t>
             </a:r>
             <a:r>
-              <a:rPr lang="en-US" dirty="0" err="1" smtClean="0"/>
+              <a:rPr lang="en-US" dirty="0" err="1"/>
               <a:t>Hàn</a:t>
             </a:r>
             <a:r>
-              <a:rPr lang="en-US" dirty="0" smtClean="0"/>
+              <a:rPr lang="en-US" dirty="0"/>
               <a:t> </a:t>
             </a:r>
             <a:r>
-              <a:rPr lang="en-US" dirty="0" err="1" smtClean="0"/>
+              <a:rPr lang="en-US" dirty="0" err="1"/>
               <a:t>Lâm</a:t>
             </a:r>
             <a:r>
-              <a:rPr lang="en-US" dirty="0" smtClean="0"/>
+              <a:rPr lang="en-US" dirty="0"/>
               <a:t> – ID: 196005004</a:t>
             </a:r>
-            <a:endParaRPr lang="en-US" dirty="0"/>
           </a:p>
         </p:txBody>
       </p:sp>
@@ -3148,10 +3132,9 @@
           <a:lstStyle/>
           <a:p>
             <a:r>
-              <a:rPr lang="en-US" smtClean="0"/>
+              <a:rPr lang="en-US"/>
               <a:t>Inference</a:t>
             </a:r>
-            <a:endParaRPr lang="en-US"/>
           </a:p>
         </p:txBody>
       </p:sp>
@@ -3171,20 +3154,15 @@
           <a:lstStyle/>
           <a:p>
             <a:r>
-              <a:rPr lang="en-US" smtClean="0"/>
-              <a:t>Variable </a:t>
-            </a:r>
-            <a:r>
-              <a:rPr lang="en-US" smtClean="0"/>
-              <a:t>elimination</a:t>
+              <a:rPr lang="en-US"/>
+              <a:t>Variable elimination</a:t>
             </a:r>
           </a:p>
           <a:p>
             <a:r>
-              <a:rPr lang="en-US" smtClean="0"/>
+              <a:rPr lang="en-US"/>
               <a:t>Bayesian inference</a:t>
             </a:r>
-            <a:endParaRPr lang="en-US" smtClean="0"/>
           </a:p>
         </p:txBody>
       </p:sp>
@@ -3234,10 +3212,9 @@
           <a:lstStyle/>
           <a:p>
             <a:r>
-              <a:rPr lang="en-US" smtClean="0"/>
+              <a:rPr lang="en-US"/>
               <a:t>Marginal inference</a:t>
             </a:r>
-            <a:endParaRPr lang="en-US"/>
           </a:p>
         </p:txBody>
       </p:sp>
@@ -3313,8 +3290,8 @@
           </a:prstGeom>
         </p:spPr>
       </p:pic>
-      <mc:AlternateContent xmlns:mc="http://schemas.openxmlformats.org/markup-compatibility/2006">
-        <mc:Choice xmlns:a14="http://schemas.microsoft.com/office/drawing/2010/main" Requires="a14">
+      <mc:AlternateContent xmlns:mc="http://schemas.openxmlformats.org/markup-compatibility/2006" xmlns:a14="http://schemas.microsoft.com/office/drawing/2010/main">
+        <mc:Choice Requires="a14">
           <p:sp>
             <p:nvSpPr>
               <p:cNvPr id="3" name="Rectangle 2"/>
@@ -3407,7 +3384,7 @@
             </p:txBody>
           </p:sp>
         </mc:Choice>
-        <mc:Fallback>
+        <mc:Fallback xmlns="">
           <p:sp>
             <p:nvSpPr>
               <p:cNvPr id="3" name="Rectangle 2"/>
@@ -3492,10 +3469,9 @@
           <a:lstStyle/>
           <a:p>
             <a:r>
-              <a:rPr lang="en-US" smtClean="0"/>
+              <a:rPr lang="en-US"/>
               <a:t>Marginal inference</a:t>
             </a:r>
-            <a:endParaRPr lang="en-US"/>
           </a:p>
         </p:txBody>
       </p:sp>
@@ -3571,8 +3547,8 @@
           </a:prstGeom>
         </p:spPr>
       </p:pic>
-      <mc:AlternateContent xmlns:mc="http://schemas.openxmlformats.org/markup-compatibility/2006">
-        <mc:Choice xmlns:a14="http://schemas.microsoft.com/office/drawing/2010/main" Requires="a14">
+      <mc:AlternateContent xmlns:mc="http://schemas.openxmlformats.org/markup-compatibility/2006" xmlns:a14="http://schemas.microsoft.com/office/drawing/2010/main">
+        <mc:Choice Requires="a14">
           <p:sp>
             <p:nvSpPr>
               <p:cNvPr id="6" name="Rectangle 5"/>
@@ -3665,7 +3641,7 @@
             </p:txBody>
           </p:sp>
         </mc:Choice>
-        <mc:Fallback>
+        <mc:Fallback xmlns="">
           <p:sp>
             <p:nvSpPr>
               <p:cNvPr id="6" name="Rectangle 5"/>
@@ -3750,10 +3726,9 @@
           <a:lstStyle/>
           <a:p>
             <a:r>
-              <a:rPr lang="en-US" smtClean="0"/>
+              <a:rPr lang="en-US"/>
               <a:t>Variable elimination</a:t>
             </a:r>
-            <a:endParaRPr lang="en-US"/>
           </a:p>
         </p:txBody>
       </p:sp>
@@ -3950,10 +3925,9 @@
           <a:lstStyle/>
           <a:p>
             <a:r>
-              <a:rPr lang="en-US" smtClean="0"/>
+              <a:rPr lang="en-US"/>
               <a:t>Variable elimination</a:t>
             </a:r>
-            <a:endParaRPr lang="en-US"/>
           </a:p>
         </p:txBody>
       </p:sp>
@@ -4022,10 +3996,9 @@
               <a:buNone/>
             </a:pPr>
             <a:r>
-              <a:rPr lang="en-US" smtClean="0"/>
+              <a:rPr lang="en-US"/>
               <a:t>Clear d:</a:t>
             </a:r>
-            <a:endParaRPr lang="en-US"/>
           </a:p>
         </p:txBody>
       </p:sp>
@@ -4244,10 +4217,9 @@
               <a:buNone/>
             </a:pPr>
             <a:r>
-              <a:rPr lang="en-US" smtClean="0"/>
+              <a:rPr lang="en-US"/>
               <a:t>Clear i:</a:t>
             </a:r>
-            <a:endParaRPr lang="en-US"/>
           </a:p>
         </p:txBody>
       </p:sp>
@@ -4466,10 +4438,9 @@
               <a:buNone/>
             </a:pPr>
             <a:r>
-              <a:rPr lang="en-US" smtClean="0"/>
+              <a:rPr lang="en-US"/>
               <a:t>Clear s:</a:t>
             </a:r>
-            <a:endParaRPr lang="en-US"/>
           </a:p>
         </p:txBody>
       </p:sp>
@@ -4688,10 +4659,9 @@
               <a:buNone/>
             </a:pPr>
             <a:r>
-              <a:rPr lang="en-US" smtClean="0"/>
+              <a:rPr lang="en-US"/>
               <a:t>Clear g:</a:t>
             </a:r>
-            <a:endParaRPr lang="en-US"/>
           </a:p>
         </p:txBody>
       </p:sp>
@@ -4936,10 +4906,9 @@
           <a:lstStyle/>
           <a:p>
             <a:r>
-              <a:rPr lang="en-US" smtClean="0"/>
+              <a:rPr lang="en-US"/>
               <a:t>Variable elimination</a:t>
             </a:r>
-            <a:endParaRPr lang="en-US"/>
           </a:p>
         </p:txBody>
       </p:sp>
@@ -5372,10 +5341,9 @@
           <a:lstStyle/>
           <a:p>
             <a:r>
-              <a:rPr lang="en-US" smtClean="0"/>
+              <a:rPr lang="en-US"/>
               <a:t>Bayesian inference</a:t>
             </a:r>
-            <a:endParaRPr lang="en-US"/>
           </a:p>
         </p:txBody>
       </p:sp>
@@ -5424,110 +5392,33 @@
           <a:lstStyle/>
           <a:p>
             <a:r>
-              <a:rPr lang="en-US" smtClean="0"/>
+              <a:rPr lang="en-US"/>
               <a:t>H: Hypothesis, E: Observed evidence.</a:t>
             </a:r>
           </a:p>
           <a:p>
             <a:r>
               <a:rPr lang="en-US"/>
-              <a:t>P(H): the </a:t>
-            </a:r>
-            <a:r>
-              <a:rPr lang="en-US"/>
-              <a:t>prior </a:t>
-            </a:r>
-            <a:r>
-              <a:rPr lang="en-US"/>
-              <a:t>probability, probability of </a:t>
-            </a:r>
-            <a:r>
-              <a:rPr lang="en-US"/>
-              <a:t>the </a:t>
-            </a:r>
-            <a:r>
-              <a:rPr lang="en-US" smtClean="0"/>
-              <a:t>hypothesis.</a:t>
+              <a:t>P(H): the prior probability, probability of the hypothesis.</a:t>
             </a:r>
           </a:p>
           <a:p>
             <a:r>
               <a:rPr lang="en-US"/>
-              <a:t>P(E): probability of </a:t>
-            </a:r>
-            <a:r>
-              <a:rPr lang="en-US"/>
-              <a:t>the </a:t>
-            </a:r>
-            <a:r>
-              <a:rPr lang="en-US" smtClean="0"/>
-              <a:t>obsereved evidence.</a:t>
+              <a:t>P(E): probability of the obsereved evidence.</a:t>
             </a:r>
           </a:p>
           <a:p>
             <a:r>
               <a:rPr lang="en-US"/>
-              <a:t>P(H|E): the posterior probability, is the probability </a:t>
-            </a:r>
-            <a:r>
-              <a:rPr lang="en-US"/>
-              <a:t>of </a:t>
-            </a:r>
-            <a:r>
-              <a:rPr lang="en-US" smtClean="0"/>
-              <a:t>H </a:t>
-            </a:r>
-            <a:r>
-              <a:rPr lang="en-US"/>
-              <a:t>given </a:t>
-            </a:r>
-            <a:r>
-              <a:rPr lang="en-US" smtClean="0"/>
-              <a:t>E</a:t>
-            </a:r>
-            <a:r>
-              <a:rPr lang="en-US"/>
-              <a:t>, </a:t>
-            </a:r>
-            <a:r>
-              <a:rPr lang="en-US" smtClean="0"/>
-              <a:t>after E </a:t>
-            </a:r>
-            <a:r>
-              <a:rPr lang="en-US"/>
-              <a:t>is </a:t>
-            </a:r>
-            <a:r>
-              <a:rPr lang="en-US"/>
-              <a:t>observed</a:t>
-            </a:r>
-            <a:r>
-              <a:rPr lang="en-US" smtClean="0"/>
-              <a:t>.</a:t>
+              <a:t>P(H|E): the posterior probability, is the probability of H given E, after E is observed.</a:t>
             </a:r>
           </a:p>
           <a:p>
             <a:r>
               <a:rPr lang="en-US"/>
-              <a:t>P(E|H): is the probability of </a:t>
+              <a:t>P(E|H): is the probability of observing E given H.</a:t>
             </a:r>
-            <a:r>
-              <a:rPr lang="en-US"/>
-              <a:t>observing </a:t>
-            </a:r>
-            <a:r>
-              <a:rPr lang="en-US" smtClean="0"/>
-              <a:t>E </a:t>
-            </a:r>
-            <a:r>
-              <a:rPr lang="en-US"/>
-              <a:t>given </a:t>
-            </a:r>
-            <a:r>
-              <a:rPr lang="en-US" smtClean="0"/>
-              <a:t>H.</a:t>
-            </a:r>
-            <a:endParaRPr lang="en-US" smtClean="0"/>
           </a:p>
         </p:txBody>
       </p:sp>
@@ -5577,10 +5468,9 @@
           <a:lstStyle/>
           <a:p>
             <a:r>
-              <a:rPr lang="en-US" smtClean="0"/>
+              <a:rPr lang="en-US"/>
               <a:t>Bayesian inference</a:t>
             </a:r>
-            <a:endParaRPr lang="en-US"/>
           </a:p>
         </p:txBody>
       </p:sp>
@@ -5654,10 +5544,9 @@
           <a:lstStyle/>
           <a:p>
             <a:r>
-              <a:rPr lang="en-US" smtClean="0"/>
+              <a:rPr lang="en-US"/>
               <a:t>Bayesian inference (example)</a:t>
             </a:r>
-            <a:endParaRPr lang="en-US"/>
           </a:p>
         </p:txBody>
       </p:sp>
@@ -5743,11 +5632,7 @@
             </a:r>
             <a:r>
               <a:rPr lang="en-US"/>
-              <a:t>. </a:t>
-            </a:r>
-            <a:r>
-              <a:rPr lang="en-US" smtClean="0"/>
-              <a:t>Fred </a:t>
+              <a:t>. Fred </a:t>
             </a:r>
             <a:r>
               <a:rPr lang="en-US">
@@ -5839,23 +5724,7 @@
                   <a:srgbClr val="FF0000"/>
                 </a:solidFill>
               </a:rPr>
-              <a:t>Fred picked it out of </a:t>
-            </a:r>
-            <a:r>
-              <a:rPr lang="en-US">
-                <a:solidFill>
-                  <a:srgbClr val="FF0000"/>
-                </a:solidFill>
-              </a:rPr>
-              <a:t>bowl </a:t>
-            </a:r>
-            <a:r>
-              <a:rPr lang="en-US" smtClean="0">
-                <a:solidFill>
-                  <a:srgbClr val="FF0000"/>
-                </a:solidFill>
-              </a:rPr>
-              <a:t>1</a:t>
+              <a:t>Fred picked it out of bowl 1</a:t>
             </a:r>
             <a:r>
               <a:rPr lang="en-US"/>
@@ -6079,10 +5948,9 @@
               <a:buNone/>
             </a:pPr>
             <a:r>
-              <a:rPr lang="en-US" smtClean="0"/>
+              <a:rPr lang="en-US"/>
               <a:t>Evidence (E): Cookie </a:t>
             </a:r>
-            <a:endParaRPr lang="en-US"/>
           </a:p>
         </p:txBody>
       </p:sp>
@@ -6277,18 +6145,17 @@
               <a:buNone/>
             </a:pPr>
             <a:r>
-              <a:rPr lang="en-US" smtClean="0"/>
+              <a:rPr lang="en-US"/>
               <a:t>Hypothesis 1 (H</a:t>
             </a:r>
             <a:r>
-              <a:rPr lang="en-US" baseline="-25000" smtClean="0"/>
+              <a:rPr lang="en-US" baseline="-25000"/>
               <a:t>1</a:t>
             </a:r>
             <a:r>
-              <a:rPr lang="en-US" smtClean="0"/>
+              <a:rPr lang="en-US"/>
               <a:t>): Bowl 1 </a:t>
             </a:r>
-            <a:endParaRPr lang="en-US"/>
           </a:p>
         </p:txBody>
       </p:sp>
@@ -6483,7 +6350,7 @@
               <a:buNone/>
             </a:pPr>
             <a:r>
-              <a:rPr lang="en-US" smtClean="0"/>
+              <a:rPr lang="en-US"/>
               <a:t>Hypothesis 2 (H</a:t>
             </a:r>
             <a:r>
@@ -6491,10 +6358,9 @@
               <a:t>2</a:t>
             </a:r>
             <a:r>
-              <a:rPr lang="en-US" smtClean="0"/>
+              <a:rPr lang="en-US"/>
               <a:t>): Bowl 2 </a:t>
             </a:r>
-            <a:endParaRPr lang="en-US"/>
           </a:p>
         </p:txBody>
       </p:sp>
@@ -6592,10 +6458,9 @@
           <a:lstStyle/>
           <a:p>
             <a:r>
-              <a:rPr lang="en-US" smtClean="0"/>
+              <a:rPr lang="en-US"/>
               <a:t>Bayesian inference (example)</a:t>
             </a:r>
-            <a:endParaRPr lang="en-US"/>
           </a:p>
         </p:txBody>
       </p:sp>
@@ -6669,10 +6534,9 @@
           <a:lstStyle/>
           <a:p>
             <a:r>
-              <a:rPr lang="en-US" smtClean="0"/>
+              <a:rPr lang="en-US"/>
               <a:t>Content</a:t>
             </a:r>
-            <a:endParaRPr lang="en-US"/>
           </a:p>
         </p:txBody>
       </p:sp>
@@ -6692,22 +6556,21 @@
           <a:lstStyle/>
           <a:p>
             <a:r>
-              <a:rPr lang="en-US" smtClean="0"/>
+              <a:rPr lang="en-US"/>
               <a:t>Probabilistic Graphical Model introduction</a:t>
             </a:r>
           </a:p>
           <a:p>
             <a:r>
-              <a:rPr lang="en-US" smtClean="0"/>
+              <a:rPr lang="en-US"/>
               <a:t>PGMPY introduction</a:t>
             </a:r>
           </a:p>
           <a:p>
             <a:r>
-              <a:rPr lang="en-US" smtClean="0"/>
+              <a:rPr lang="en-US"/>
               <a:t>Application</a:t>
             </a:r>
-            <a:endParaRPr lang="en-US"/>
           </a:p>
         </p:txBody>
       </p:sp>
@@ -6757,15 +6620,14 @@
           <a:lstStyle/>
           <a:p>
             <a:r>
-              <a:rPr lang="en-US" smtClean="0"/>
+              <a:rPr lang="en-US"/>
               <a:t>Maximum likelihood</a:t>
             </a:r>
-            <a:endParaRPr lang="en-US"/>
           </a:p>
         </p:txBody>
       </p:sp>
-      <mc:AlternateContent xmlns:mc="http://schemas.openxmlformats.org/markup-compatibility/2006">
-        <mc:Choice xmlns:a14="http://schemas.microsoft.com/office/drawing/2010/main" Requires="a14">
+      <mc:AlternateContent xmlns:mc="http://schemas.openxmlformats.org/markup-compatibility/2006" xmlns:a14="http://schemas.microsoft.com/office/drawing/2010/main">
+        <mc:Choice Requires="a14">
           <p:sp>
             <p:nvSpPr>
               <p:cNvPr id="4" name="TextBox 3"/>
@@ -6788,6 +6650,7 @@
               </a:bodyPr>
               <a:lstStyle/>
               <a:p>
+                <a:pPr/>
                 <a14:m>
                   <m:oMathPara xmlns:m="http://schemas.openxmlformats.org/officeDocument/2006/math">
                     <m:oMathParaPr>
@@ -7483,7 +7346,7 @@
             </p:txBody>
           </p:sp>
         </mc:Choice>
-        <mc:Fallback>
+        <mc:Fallback xmlns="">
           <p:sp>
             <p:nvSpPr>
               <p:cNvPr id="4" name="TextBox 3"/>
@@ -7737,10 +7600,9 @@
               <a:buNone/>
             </a:pPr>
             <a:r>
-              <a:rPr lang="en-US" smtClean="0"/>
+              <a:rPr lang="en-US"/>
               <a:t>Entropy:</a:t>
             </a:r>
-            <a:endParaRPr lang="en-US"/>
           </a:p>
         </p:txBody>
       </p:sp>
@@ -7935,10 +7797,9 @@
               <a:buNone/>
             </a:pPr>
             <a:r>
-              <a:rPr lang="en-US" smtClean="0"/>
+              <a:rPr lang="en-US"/>
               <a:t>Expected value:</a:t>
             </a:r>
-            <a:endParaRPr lang="en-US"/>
           </a:p>
         </p:txBody>
       </p:sp>
@@ -7966,8 +7827,8 @@
           </a:prstGeom>
         </p:spPr>
       </p:pic>
-      <mc:AlternateContent xmlns:mc="http://schemas.openxmlformats.org/markup-compatibility/2006">
-        <mc:Choice xmlns:a14="http://schemas.microsoft.com/office/drawing/2010/main" Requires="a14">
+      <mc:AlternateContent xmlns:mc="http://schemas.openxmlformats.org/markup-compatibility/2006" xmlns:a14="http://schemas.microsoft.com/office/drawing/2010/main">
+        <mc:Choice Requires="a14">
           <p:sp>
             <p:nvSpPr>
               <p:cNvPr id="9" name="TextBox 8"/>
@@ -7990,6 +7851,7 @@
               </a:bodyPr>
               <a:lstStyle/>
               <a:p>
+                <a:pPr/>
                 <a14:m>
                   <m:oMathPara xmlns:m="http://schemas.openxmlformats.org/officeDocument/2006/math">
                     <m:oMathParaPr>
@@ -8432,7 +8294,7 @@
             </p:txBody>
           </p:sp>
         </mc:Choice>
-        <mc:Fallback>
+        <mc:Fallback xmlns="">
           <p:sp>
             <p:nvSpPr>
               <p:cNvPr id="9" name="TextBox 8"/>
@@ -8517,10 +8379,9 @@
           <a:lstStyle/>
           <a:p>
             <a:r>
-              <a:rPr lang="en-US" smtClean="0"/>
+              <a:rPr lang="en-US"/>
               <a:t>Maximum likelihood</a:t>
             </a:r>
-            <a:endParaRPr lang="en-US"/>
           </a:p>
         </p:txBody>
       </p:sp>
@@ -8545,50 +8406,21 @@
           <a:lstStyle/>
           <a:p>
             <a:r>
-              <a:rPr lang="en-US" smtClean="0"/>
-              <a:t>Entropy </a:t>
-            </a:r>
-            <a:r>
               <a:rPr lang="en-US"/>
-              <a:t>does not depend on</a:t>
-            </a:r>
-            <a:r>
-              <a:rPr lang="en-US"/>
-              <a:t> </a:t>
-            </a:r>
-            <a:r>
-              <a:rPr lang="en-US" smtClean="0"/>
-              <a:t>p.</a:t>
+              <a:t>Entropy does not depend on p.</a:t>
             </a:r>
           </a:p>
           <a:p>
             <a:pPr fontAlgn="base"/>
             <a:r>
               <a:rPr lang="en-US"/>
-              <a:t>M</a:t>
+              <a:t>Minimizing KL divergence is equivalent to maximizing the expected log-likelihood</a:t>
             </a:r>
-            <a:r>
-              <a:rPr lang="en-US" smtClean="0"/>
-              <a:t>inimizing </a:t>
-            </a:r>
-            <a:r>
-              <a:rPr lang="en-US"/>
-              <a:t>KL divergence is equivalent to maximizing the </a:t>
-            </a:r>
-            <a:r>
-              <a:rPr lang="en-US"/>
-              <a:t>expected </a:t>
-            </a:r>
-            <a:r>
-              <a:rPr lang="en-US" smtClean="0"/>
-              <a:t>log-likelihood</a:t>
-            </a:r>
-            <a:endParaRPr lang="en-US"/>
           </a:p>
         </p:txBody>
       </p:sp>
-      <mc:AlternateContent xmlns:mc="http://schemas.openxmlformats.org/markup-compatibility/2006">
-        <mc:Choice xmlns:a14="http://schemas.microsoft.com/office/drawing/2010/main" Requires="a14">
+      <mc:AlternateContent xmlns:mc="http://schemas.openxmlformats.org/markup-compatibility/2006" xmlns:a14="http://schemas.microsoft.com/office/drawing/2010/main">
+        <mc:Choice Requires="a14">
           <p:sp>
             <p:nvSpPr>
               <p:cNvPr id="4" name="TextBox 3"/>
@@ -8611,6 +8443,7 @@
               </a:bodyPr>
               <a:lstStyle/>
               <a:p>
+                <a:pPr/>
                 <a14:m>
                   <m:oMathPara xmlns:m="http://schemas.openxmlformats.org/officeDocument/2006/math">
                     <m:oMathParaPr>
@@ -8897,7 +8730,7 @@
             </p:txBody>
           </p:sp>
         </mc:Choice>
-        <mc:Fallback>
+        <mc:Fallback xmlns="">
           <p:sp>
             <p:nvSpPr>
               <p:cNvPr id="4" name="TextBox 3"/>
@@ -9123,23 +8956,14 @@
           </a:lstStyle>
           <a:p>
             <a:r>
-              <a:rPr lang="en-US" smtClean="0"/>
-              <a:t>Expected value based on </a:t>
+              <a:rPr lang="en-US"/>
+              <a:t>Expected value based on Monte-Carlo estimate:</a:t>
             </a:r>
-            <a:r>
-              <a:rPr lang="en-US"/>
-              <a:t>Monte-Carlo </a:t>
-            </a:r>
-            <a:r>
-              <a:rPr lang="en-US" smtClean="0"/>
-              <a:t>estimate:</a:t>
-            </a:r>
-            <a:endParaRPr lang="en-US"/>
           </a:p>
         </p:txBody>
       </p:sp>
-      <mc:AlternateContent xmlns:mc="http://schemas.openxmlformats.org/markup-compatibility/2006">
-        <mc:Choice xmlns:a14="http://schemas.microsoft.com/office/drawing/2010/main" Requires="a14">
+      <mc:AlternateContent xmlns:mc="http://schemas.openxmlformats.org/markup-compatibility/2006" xmlns:a14="http://schemas.microsoft.com/office/drawing/2010/main">
+        <mc:Choice Requires="a14">
           <p:sp>
             <p:nvSpPr>
               <p:cNvPr id="6" name="Rectangle 5"/>
@@ -9161,6 +8985,7 @@
               </a:bodyPr>
               <a:lstStyle/>
               <a:p>
+                <a:pPr/>
                 <a14:m>
                   <m:oMathPara xmlns:m="http://schemas.openxmlformats.org/officeDocument/2006/math">
                     <m:oMathParaPr>
@@ -9426,7 +9251,7 @@
             </p:txBody>
           </p:sp>
         </mc:Choice>
-        <mc:Fallback>
+        <mc:Fallback xmlns="">
           <p:sp>
             <p:nvSpPr>
               <p:cNvPr id="6" name="Rectangle 5"/>
@@ -9465,8 +9290,8 @@
           </p:sp>
         </mc:Fallback>
       </mc:AlternateContent>
-      <mc:AlternateContent xmlns:mc="http://schemas.openxmlformats.org/markup-compatibility/2006">
-        <mc:Choice xmlns:a14="http://schemas.microsoft.com/office/drawing/2010/main" Requires="a14">
+      <mc:AlternateContent xmlns:mc="http://schemas.openxmlformats.org/markup-compatibility/2006" xmlns:a14="http://schemas.microsoft.com/office/drawing/2010/main">
+        <mc:Choice Requires="a14">
           <p:sp>
             <p:nvSpPr>
               <p:cNvPr id="7" name="Content Placeholder 2"/>
@@ -9655,15 +9480,7 @@
               <a:p>
                 <a:r>
                   <a:rPr lang="en-US"/>
-                  <a:t>D: is dataset drawn independent and </a:t>
-                </a:r>
-                <a:r>
-                  <a:rPr lang="en-US"/>
-                  <a:t>identically </a:t>
-                </a:r>
-                <a:r>
-                  <a:rPr lang="en-US" smtClean="0"/>
-                  <a:t>distributed (i.i.d) </a:t>
+                  <a:t>D: is dataset drawn independent and identically distributed (i.i.d) </a:t>
                 </a:r>
                 <a14:m>
                   <m:oMath xmlns:m="http://schemas.openxmlformats.org/officeDocument/2006/math">
@@ -9716,7 +9533,7 @@
             </p:txBody>
           </p:sp>
         </mc:Choice>
-        <mc:Fallback>
+        <mc:Fallback xmlns="">
           <p:sp>
             <p:nvSpPr>
               <p:cNvPr id="7" name="Content Placeholder 2"/>
@@ -9801,15 +9618,14 @@
           <a:lstStyle/>
           <a:p>
             <a:r>
-              <a:rPr lang="en-US" smtClean="0"/>
+              <a:rPr lang="en-US"/>
               <a:t>Maximum likelihood</a:t>
             </a:r>
-            <a:endParaRPr lang="en-US"/>
           </a:p>
         </p:txBody>
       </p:sp>
-      <mc:AlternateContent xmlns:mc="http://schemas.openxmlformats.org/markup-compatibility/2006">
-        <mc:Choice xmlns:a14="http://schemas.microsoft.com/office/drawing/2010/main" Requires="a14">
+      <mc:AlternateContent xmlns:mc="http://schemas.openxmlformats.org/markup-compatibility/2006" xmlns:a14="http://schemas.microsoft.com/office/drawing/2010/main">
+        <mc:Choice Requires="a14">
           <p:sp>
             <p:nvSpPr>
               <p:cNvPr id="4" name="Rectangle 3"/>
@@ -9831,6 +9647,7 @@
               </a:bodyPr>
               <a:lstStyle/>
               <a:p>
+                <a:pPr/>
                 <a14:m>
                   <m:oMathPara xmlns:m="http://schemas.openxmlformats.org/officeDocument/2006/math">
                     <m:oMathParaPr>
@@ -10278,7 +10095,7 @@
             </p:txBody>
           </p:sp>
         </mc:Choice>
-        <mc:Fallback>
+        <mc:Fallback xmlns="">
           <p:sp>
             <p:nvSpPr>
               <p:cNvPr id="4" name="Rectangle 3"/>
@@ -10363,15 +10180,14 @@
           <a:lstStyle/>
           <a:p>
             <a:r>
-              <a:rPr lang="en-US" smtClean="0"/>
+              <a:rPr lang="en-US"/>
               <a:t>Maximum likelihood (Loss)</a:t>
             </a:r>
-            <a:endParaRPr lang="en-US"/>
           </a:p>
         </p:txBody>
       </p:sp>
-      <mc:AlternateContent xmlns:mc="http://schemas.openxmlformats.org/markup-compatibility/2006">
-        <mc:Choice xmlns:a14="http://schemas.microsoft.com/office/drawing/2010/main" Requires="a14">
+      <mc:AlternateContent xmlns:mc="http://schemas.openxmlformats.org/markup-compatibility/2006" xmlns:a14="http://schemas.microsoft.com/office/drawing/2010/main">
+        <mc:Choice Requires="a14">
           <p:sp>
             <p:nvSpPr>
               <p:cNvPr id="4" name="Rectangle 3"/>
@@ -10393,6 +10209,7 @@
               </a:bodyPr>
               <a:lstStyle/>
               <a:p>
+                <a:pPr/>
                 <a14:m>
                   <m:oMathPara xmlns:m="http://schemas.openxmlformats.org/officeDocument/2006/math">
                     <m:oMathParaPr>
@@ -10685,7 +10502,7 @@
             </p:txBody>
           </p:sp>
         </mc:Choice>
-        <mc:Fallback>
+        <mc:Fallback xmlns="">
           <p:sp>
             <p:nvSpPr>
               <p:cNvPr id="4" name="Rectangle 3"/>
@@ -10724,8 +10541,8 @@
           </p:sp>
         </mc:Fallback>
       </mc:AlternateContent>
-      <mc:AlternateContent xmlns:mc="http://schemas.openxmlformats.org/markup-compatibility/2006">
-        <mc:Choice xmlns:a14="http://schemas.microsoft.com/office/drawing/2010/main" Requires="a14">
+      <mc:AlternateContent xmlns:mc="http://schemas.openxmlformats.org/markup-compatibility/2006" xmlns:a14="http://schemas.microsoft.com/office/drawing/2010/main">
+        <mc:Choice Requires="a14">
           <p:sp>
             <p:nvSpPr>
               <p:cNvPr id="5" name="Content Placeholder 2"/>
@@ -10970,11 +10787,7 @@
                 </a14:m>
                 <a:r>
                   <a:rPr lang="en-US"/>
-                  <a:t>: </a:t>
-                </a:r>
-                <a:r>
-                  <a:rPr lang="en-US"/>
-                  <a:t>measures the loss that a model distribution </a:t>
+                  <a:t>: measures the loss that a model distribution </a:t>
                 </a:r>
                 <a14:m>
                   <m:oMath xmlns:m="http://schemas.openxmlformats.org/officeDocument/2006/math">
@@ -11005,22 +10818,13 @@
                 </a14:m>
                 <a:r>
                   <a:rPr lang="en-US"/>
-                  <a:t> makes on a particular instance</a:t>
+                  <a:t> makes on a particular instance x.</a:t>
                 </a:r>
-                <a:r>
-                  <a:rPr lang="en-US"/>
-                  <a:t> </a:t>
-                </a:r>
-                <a:r>
-                  <a:rPr lang="en-US" smtClean="0"/>
-                  <a:t>x.</a:t>
-                </a:r>
-                <a:endParaRPr lang="en-US"/>
               </a:p>
             </p:txBody>
           </p:sp>
         </mc:Choice>
-        <mc:Fallback>
+        <mc:Fallback xmlns="">
           <p:sp>
             <p:nvSpPr>
               <p:cNvPr id="5" name="Content Placeholder 2"/>
@@ -11105,15 +10909,14 @@
           <a:lstStyle/>
           <a:p>
             <a:r>
-              <a:rPr lang="en-US" smtClean="0"/>
+              <a:rPr lang="en-US"/>
               <a:t>Maximum likelihood learning in Bayesian network</a:t>
             </a:r>
-            <a:endParaRPr lang="en-US"/>
           </a:p>
         </p:txBody>
       </p:sp>
-      <mc:AlternateContent xmlns:mc="http://schemas.openxmlformats.org/markup-compatibility/2006">
-        <mc:Choice xmlns:a14="http://schemas.microsoft.com/office/drawing/2010/main" Requires="a14">
+      <mc:AlternateContent xmlns:mc="http://schemas.openxmlformats.org/markup-compatibility/2006" xmlns:a14="http://schemas.microsoft.com/office/drawing/2010/main">
+        <mc:Choice Requires="a14">
           <p:sp>
             <p:nvSpPr>
               <p:cNvPr id="3" name="Rectangle 2"/>
@@ -11135,6 +10938,7 @@
               </a:bodyPr>
               <a:lstStyle/>
               <a:p>
+                <a:pPr/>
                 <a14:m>
                   <m:oMathPara xmlns:m="http://schemas.openxmlformats.org/officeDocument/2006/math">
                     <m:oMathParaPr>
@@ -11301,7 +11105,7 @@
             </p:txBody>
           </p:sp>
         </mc:Choice>
-        <mc:Fallback>
+        <mc:Fallback xmlns="">
           <p:sp>
             <p:nvSpPr>
               <p:cNvPr id="3" name="Rectangle 2"/>
@@ -11340,8 +11144,8 @@
           </p:sp>
         </mc:Fallback>
       </mc:AlternateContent>
-      <mc:AlternateContent xmlns:mc="http://schemas.openxmlformats.org/markup-compatibility/2006">
-        <mc:Choice xmlns:a14="http://schemas.microsoft.com/office/drawing/2010/main" Requires="a14">
+      <mc:AlternateContent xmlns:mc="http://schemas.openxmlformats.org/markup-compatibility/2006" xmlns:a14="http://schemas.microsoft.com/office/drawing/2010/main">
+        <mc:Choice Requires="a14">
           <p:sp>
             <p:nvSpPr>
               <p:cNvPr id="6" name="Rectangle 5"/>
@@ -11363,6 +11167,7 @@
               </a:bodyPr>
               <a:lstStyle/>
               <a:p>
+                <a:pPr/>
                 <a14:m>
                   <m:oMathPara xmlns:m="http://schemas.openxmlformats.org/officeDocument/2006/math">
                     <m:oMathParaPr>
@@ -11584,7 +11389,7 @@
             </p:txBody>
           </p:sp>
         </mc:Choice>
-        <mc:Fallback>
+        <mc:Fallback xmlns="">
           <p:sp>
             <p:nvSpPr>
               <p:cNvPr id="6" name="Rectangle 5"/>
@@ -11623,8 +11428,8 @@
           </p:sp>
         </mc:Fallback>
       </mc:AlternateContent>
-      <mc:AlternateContent xmlns:mc="http://schemas.openxmlformats.org/markup-compatibility/2006">
-        <mc:Choice xmlns:a14="http://schemas.microsoft.com/office/drawing/2010/main" Requires="a14">
+      <mc:AlternateContent xmlns:mc="http://schemas.openxmlformats.org/markup-compatibility/2006" xmlns:a14="http://schemas.microsoft.com/office/drawing/2010/main">
+        <mc:Choice Requires="a14">
           <p:sp>
             <p:nvSpPr>
               <p:cNvPr id="7" name="Rectangle 6"/>
@@ -11646,6 +11451,7 @@
               </a:bodyPr>
               <a:lstStyle/>
               <a:p>
+                <a:pPr/>
                 <a14:m>
                   <m:oMathPara xmlns:m="http://schemas.openxmlformats.org/officeDocument/2006/math">
                     <m:oMathParaPr>
@@ -11758,7 +11564,7 @@
             </p:txBody>
           </p:sp>
         </mc:Choice>
-        <mc:Fallback>
+        <mc:Fallback xmlns="">
           <p:sp>
             <p:nvSpPr>
               <p:cNvPr id="7" name="Rectangle 6"/>
@@ -11843,15 +11649,14 @@
           <a:lstStyle/>
           <a:p>
             <a:r>
-              <a:rPr lang="en-US" smtClean="0"/>
+              <a:rPr lang="en-US"/>
               <a:t>Maximum likelihood learning in Bayesian network</a:t>
             </a:r>
-            <a:endParaRPr lang="en-US"/>
           </a:p>
         </p:txBody>
       </p:sp>
-      <mc:AlternateContent xmlns:mc="http://schemas.openxmlformats.org/markup-compatibility/2006">
-        <mc:Choice xmlns:a14="http://schemas.microsoft.com/office/drawing/2010/main" Requires="a14">
+      <mc:AlternateContent xmlns:mc="http://schemas.openxmlformats.org/markup-compatibility/2006" xmlns:a14="http://schemas.microsoft.com/office/drawing/2010/main">
+        <mc:Choice Requires="a14">
           <p:sp>
             <p:nvSpPr>
               <p:cNvPr id="6" name="Rectangle 5"/>
@@ -11873,6 +11678,7 @@
               </a:bodyPr>
               <a:lstStyle/>
               <a:p>
+                <a:pPr/>
                 <a14:m>
                   <m:oMathPara xmlns:m="http://schemas.openxmlformats.org/officeDocument/2006/math">
                     <m:oMathParaPr>
@@ -12295,7 +12101,7 @@
             </p:txBody>
           </p:sp>
         </mc:Choice>
-        <mc:Fallback>
+        <mc:Fallback xmlns="">
           <p:sp>
             <p:nvSpPr>
               <p:cNvPr id="6" name="Rectangle 5"/>
@@ -12355,15 +12161,14 @@
           <a:lstStyle/>
           <a:p>
             <a:r>
-              <a:rPr lang="en-US" smtClean="0"/>
+              <a:rPr lang="en-US"/>
               <a:t>Maximization of the (log) likelihood function decomposes into separate maximizations for the local conditional distributions.</a:t>
             </a:r>
-            <a:endParaRPr lang="en-US"/>
           </a:p>
         </p:txBody>
       </p:sp>
-      <mc:AlternateContent xmlns:mc="http://schemas.openxmlformats.org/markup-compatibility/2006">
-        <mc:Choice xmlns:a14="http://schemas.microsoft.com/office/drawing/2010/main" Requires="a14">
+      <mc:AlternateContent xmlns:mc="http://schemas.openxmlformats.org/markup-compatibility/2006" xmlns:a14="http://schemas.microsoft.com/office/drawing/2010/main">
+        <mc:Choice Requires="a14">
           <p:sp>
             <p:nvSpPr>
               <p:cNvPr id="4" name="Rectangle 3"/>
@@ -12385,6 +12190,7 @@
               </a:bodyPr>
               <a:lstStyle/>
               <a:p>
+                <a:pPr/>
                 <a14:m>
                   <m:oMathPara xmlns:m="http://schemas.openxmlformats.org/officeDocument/2006/math">
                     <m:oMathParaPr>
@@ -12672,7 +12478,7 @@
             </p:txBody>
           </p:sp>
         </mc:Choice>
-        <mc:Fallback>
+        <mc:Fallback xmlns="">
           <p:sp>
             <p:nvSpPr>
               <p:cNvPr id="4" name="Rectangle 3"/>
@@ -12764,17 +12570,16 @@
           <a:lstStyle/>
           <a:p>
             <a:r>
-              <a:rPr lang="en-US" smtClean="0"/>
+              <a:rPr lang="en-US"/>
               <a:t>Part 2</a:t>
             </a:r>
             <a:br>
-              <a:rPr lang="en-US" smtClean="0"/>
+              <a:rPr lang="en-US"/>
             </a:br>
             <a:r>
-              <a:rPr lang="en-US" smtClean="0"/>
+              <a:rPr lang="en-US"/>
               <a:t>Pgmpy Introduction</a:t>
             </a:r>
-            <a:endParaRPr lang="en-US"/>
           </a:p>
         </p:txBody>
       </p:sp>
@@ -12792,6 +12597,743 @@
 </file>
 
 <file path=ppt/slides/slide27.xml><?xml version="1.0" encoding="utf-8"?>
+<p:sld xmlns:a="http://schemas.openxmlformats.org/drawingml/2006/main" xmlns:r="http://schemas.openxmlformats.org/officeDocument/2006/relationships" xmlns:p="http://schemas.openxmlformats.org/presentationml/2006/main">
+  <p:cSld>
+    <p:spTree>
+      <p:nvGrpSpPr>
+        <p:cNvPr id="1" name=""/>
+        <p:cNvGrpSpPr/>
+        <p:nvPr/>
+      </p:nvGrpSpPr>
+      <p:grpSpPr>
+        <a:xfrm>
+          <a:off x="0" y="0"/>
+          <a:ext cx="0" cy="0"/>
+          <a:chOff x="0" y="0"/>
+          <a:chExt cx="0" cy="0"/>
+        </a:xfrm>
+      </p:grpSpPr>
+      <p:sp>
+        <p:nvSpPr>
+          <p:cNvPr id="2" name="Title 1">
+            <a:extLst>
+              <a:ext uri="{FF2B5EF4-FFF2-40B4-BE49-F238E27FC236}">
+                <a16:creationId xmlns:a16="http://schemas.microsoft.com/office/drawing/2014/main" id="{B2BD9B41-D9C0-4B68-855D-3CDEB3953E64}"/>
+              </a:ext>
+            </a:extLst>
+          </p:cNvPr>
+          <p:cNvSpPr>
+            <a:spLocks noGrp="1"/>
+          </p:cNvSpPr>
+          <p:nvPr>
+            <p:ph type="title"/>
+          </p:nvPr>
+        </p:nvSpPr>
+        <p:spPr/>
+        <p:txBody>
+          <a:bodyPr/>
+          <a:lstStyle/>
+          <a:p>
+            <a:r>
+              <a:rPr lang="en-US" dirty="0"/>
+              <a:t>Using process</a:t>
+            </a:r>
+          </a:p>
+        </p:txBody>
+      </p:sp>
+      <p:sp>
+        <p:nvSpPr>
+          <p:cNvPr id="3" name="Content Placeholder 2">
+            <a:extLst>
+              <a:ext uri="{FF2B5EF4-FFF2-40B4-BE49-F238E27FC236}">
+                <a16:creationId xmlns:a16="http://schemas.microsoft.com/office/drawing/2014/main" id="{F563F87A-E3B8-41C0-BB80-EADD8698ADE5}"/>
+              </a:ext>
+            </a:extLst>
+          </p:cNvPr>
+          <p:cNvSpPr>
+            <a:spLocks noGrp="1"/>
+          </p:cNvSpPr>
+          <p:nvPr>
+            <p:ph idx="1"/>
+          </p:nvPr>
+        </p:nvSpPr>
+        <p:spPr/>
+        <p:txBody>
+          <a:bodyPr/>
+          <a:lstStyle/>
+          <a:p>
+            <a:r>
+              <a:rPr lang="en-US" dirty="0"/>
+              <a:t>Understand data</a:t>
+            </a:r>
+          </a:p>
+          <a:p>
+            <a:r>
+              <a:rPr lang="en-US" dirty="0"/>
+              <a:t>Apply right model</a:t>
+            </a:r>
+          </a:p>
+          <a:p>
+            <a:r>
+              <a:rPr lang="en-US" dirty="0"/>
+              <a:t>Choose learning method</a:t>
+            </a:r>
+          </a:p>
+          <a:p>
+            <a:r>
+              <a:rPr lang="en-US" dirty="0"/>
+              <a:t>Perform inference if desired</a:t>
+            </a:r>
+          </a:p>
+          <a:p>
+            <a:r>
+              <a:rPr lang="en-US" dirty="0"/>
+              <a:t>Perform testing when using structure learning methods.</a:t>
+            </a:r>
+          </a:p>
+        </p:txBody>
+      </p:sp>
+    </p:spTree>
+    <p:extLst>
+      <p:ext uri="{BB962C8B-B14F-4D97-AF65-F5344CB8AC3E}">
+        <p14:creationId xmlns:p14="http://schemas.microsoft.com/office/powerpoint/2010/main" val="1916037284"/>
+      </p:ext>
+    </p:extLst>
+  </p:cSld>
+  <p:clrMapOvr>
+    <a:masterClrMapping/>
+  </p:clrMapOvr>
+</p:sld>
+</file>
+
+<file path=ppt/slides/slide28.xml><?xml version="1.0" encoding="utf-8"?>
+<p:sld xmlns:a="http://schemas.openxmlformats.org/drawingml/2006/main" xmlns:r="http://schemas.openxmlformats.org/officeDocument/2006/relationships" xmlns:p="http://schemas.openxmlformats.org/presentationml/2006/main">
+  <p:cSld>
+    <p:spTree>
+      <p:nvGrpSpPr>
+        <p:cNvPr id="1" name=""/>
+        <p:cNvGrpSpPr/>
+        <p:nvPr/>
+      </p:nvGrpSpPr>
+      <p:grpSpPr>
+        <a:xfrm>
+          <a:off x="0" y="0"/>
+          <a:ext cx="0" cy="0"/>
+          <a:chOff x="0" y="0"/>
+          <a:chExt cx="0" cy="0"/>
+        </a:xfrm>
+      </p:grpSpPr>
+      <p:sp>
+        <p:nvSpPr>
+          <p:cNvPr id="2" name="Title 1">
+            <a:extLst>
+              <a:ext uri="{FF2B5EF4-FFF2-40B4-BE49-F238E27FC236}">
+                <a16:creationId xmlns:a16="http://schemas.microsoft.com/office/drawing/2014/main" id="{616CA07F-69B6-4EE1-9ADF-9F73AE7C54A1}"/>
+              </a:ext>
+            </a:extLst>
+          </p:cNvPr>
+          <p:cNvSpPr>
+            <a:spLocks noGrp="1"/>
+          </p:cNvSpPr>
+          <p:nvPr>
+            <p:ph type="title"/>
+          </p:nvPr>
+        </p:nvSpPr>
+        <p:spPr>
+          <a:xfrm>
+            <a:off x="838200" y="318907"/>
+            <a:ext cx="10515600" cy="1325563"/>
+          </a:xfrm>
+        </p:spPr>
+        <p:txBody>
+          <a:bodyPr/>
+          <a:lstStyle/>
+          <a:p>
+            <a:r>
+              <a:rPr lang="en-US" dirty="0"/>
+              <a:t>Understand data</a:t>
+            </a:r>
+          </a:p>
+        </p:txBody>
+      </p:sp>
+      <p:sp>
+        <p:nvSpPr>
+          <p:cNvPr id="8" name="Content Placeholder 2">
+            <a:extLst>
+              <a:ext uri="{FF2B5EF4-FFF2-40B4-BE49-F238E27FC236}">
+                <a16:creationId xmlns:a16="http://schemas.microsoft.com/office/drawing/2014/main" id="{7A099D43-5AF8-49BD-92FC-D275E5F3B8DC}"/>
+              </a:ext>
+            </a:extLst>
+          </p:cNvPr>
+          <p:cNvSpPr>
+            <a:spLocks noGrp="1"/>
+          </p:cNvSpPr>
+          <p:nvPr>
+            <p:ph idx="1"/>
+          </p:nvPr>
+        </p:nvSpPr>
+        <p:spPr>
+          <a:xfrm>
+            <a:off x="838200" y="1825625"/>
+            <a:ext cx="10515600" cy="4351338"/>
+          </a:xfrm>
+        </p:spPr>
+        <p:txBody>
+          <a:bodyPr/>
+          <a:lstStyle/>
+          <a:p>
+            <a:pPr marL="0" indent="0">
+              <a:buNone/>
+            </a:pPr>
+            <a:r>
+              <a:rPr lang="en-US" dirty="0"/>
+              <a:t>Some notes:</a:t>
+            </a:r>
+          </a:p>
+          <a:p>
+            <a:r>
+              <a:rPr lang="en-US" dirty="0" err="1"/>
+              <a:t>Pgmpy</a:t>
+            </a:r>
+            <a:r>
+              <a:rPr lang="en-US" dirty="0"/>
+              <a:t> does not support continuous data (</a:t>
+            </a:r>
+            <a:r>
+              <a:rPr lang="en-US" dirty="0">
+                <a:hlinkClick r:id="rId2"/>
+              </a:rPr>
+              <a:t>https://github.com/pgmpy/pgmpy/issues/772</a:t>
+            </a:r>
+            <a:r>
+              <a:rPr lang="en-US" dirty="0"/>
+              <a:t>)</a:t>
+            </a:r>
+          </a:p>
+        </p:txBody>
+      </p:sp>
+      <p:pic>
+        <p:nvPicPr>
+          <p:cNvPr id="10" name="Picture 9">
+            <a:extLst>
+              <a:ext uri="{FF2B5EF4-FFF2-40B4-BE49-F238E27FC236}">
+                <a16:creationId xmlns:a16="http://schemas.microsoft.com/office/drawing/2014/main" id="{ED68627E-0F64-4EEB-9C77-553F6824A3C7}"/>
+              </a:ext>
+            </a:extLst>
+          </p:cNvPr>
+          <p:cNvPicPr>
+            <a:picLocks noChangeAspect="1"/>
+          </p:cNvPicPr>
+          <p:nvPr/>
+        </p:nvPicPr>
+        <p:blipFill>
+          <a:blip r:embed="rId3"/>
+          <a:stretch>
+            <a:fillRect/>
+          </a:stretch>
+        </p:blipFill>
+        <p:spPr>
+          <a:xfrm>
+            <a:off x="838200" y="3283356"/>
+            <a:ext cx="5643023" cy="3074762"/>
+          </a:xfrm>
+          <a:prstGeom prst="rect">
+            <a:avLst/>
+          </a:prstGeom>
+        </p:spPr>
+      </p:pic>
+      <p:pic>
+        <p:nvPicPr>
+          <p:cNvPr id="12" name="Picture 11">
+            <a:extLst>
+              <a:ext uri="{FF2B5EF4-FFF2-40B4-BE49-F238E27FC236}">
+                <a16:creationId xmlns:a16="http://schemas.microsoft.com/office/drawing/2014/main" id="{50C6EFFB-D9A6-4926-8914-80C05E2EEDDB}"/>
+              </a:ext>
+            </a:extLst>
+          </p:cNvPr>
+          <p:cNvPicPr>
+            <a:picLocks noChangeAspect="1"/>
+          </p:cNvPicPr>
+          <p:nvPr/>
+        </p:nvPicPr>
+        <p:blipFill>
+          <a:blip r:embed="rId4"/>
+          <a:stretch>
+            <a:fillRect/>
+          </a:stretch>
+        </p:blipFill>
+        <p:spPr>
+          <a:xfrm>
+            <a:off x="6481223" y="4820737"/>
+            <a:ext cx="4997056" cy="673400"/>
+          </a:xfrm>
+          <a:prstGeom prst="rect">
+            <a:avLst/>
+          </a:prstGeom>
+        </p:spPr>
+      </p:pic>
+    </p:spTree>
+    <p:extLst>
+      <p:ext uri="{BB962C8B-B14F-4D97-AF65-F5344CB8AC3E}">
+        <p14:creationId xmlns:p14="http://schemas.microsoft.com/office/powerpoint/2010/main" val="2449697471"/>
+      </p:ext>
+    </p:extLst>
+  </p:cSld>
+  <p:clrMapOvr>
+    <a:masterClrMapping/>
+  </p:clrMapOvr>
+</p:sld>
+</file>
+
+<file path=ppt/slides/slide29.xml><?xml version="1.0" encoding="utf-8"?>
+<p:sld xmlns:a="http://schemas.openxmlformats.org/drawingml/2006/main" xmlns:r="http://schemas.openxmlformats.org/officeDocument/2006/relationships" xmlns:p="http://schemas.openxmlformats.org/presentationml/2006/main">
+  <p:cSld>
+    <p:spTree>
+      <p:nvGrpSpPr>
+        <p:cNvPr id="1" name=""/>
+        <p:cNvGrpSpPr/>
+        <p:nvPr/>
+      </p:nvGrpSpPr>
+      <p:grpSpPr>
+        <a:xfrm>
+          <a:off x="0" y="0"/>
+          <a:ext cx="0" cy="0"/>
+          <a:chOff x="0" y="0"/>
+          <a:chExt cx="0" cy="0"/>
+        </a:xfrm>
+      </p:grpSpPr>
+      <p:pic>
+        <p:nvPicPr>
+          <p:cNvPr id="7" name="Picture 6">
+            <a:extLst>
+              <a:ext uri="{FF2B5EF4-FFF2-40B4-BE49-F238E27FC236}">
+                <a16:creationId xmlns:a16="http://schemas.microsoft.com/office/drawing/2014/main" id="{F3DB13B8-D912-43D2-8C61-600310C01F7A}"/>
+              </a:ext>
+            </a:extLst>
+          </p:cNvPr>
+          <p:cNvPicPr>
+            <a:picLocks noChangeAspect="1"/>
+          </p:cNvPicPr>
+          <p:nvPr/>
+        </p:nvPicPr>
+        <p:blipFill>
+          <a:blip r:embed="rId2"/>
+          <a:stretch>
+            <a:fillRect/>
+          </a:stretch>
+        </p:blipFill>
+        <p:spPr>
+          <a:xfrm>
+            <a:off x="2424636" y="0"/>
+            <a:ext cx="7342728" cy="6858000"/>
+          </a:xfrm>
+          <a:prstGeom prst="rect">
+            <a:avLst/>
+          </a:prstGeom>
+        </p:spPr>
+      </p:pic>
+    </p:spTree>
+    <p:extLst>
+      <p:ext uri="{BB962C8B-B14F-4D97-AF65-F5344CB8AC3E}">
+        <p14:creationId xmlns:p14="http://schemas.microsoft.com/office/powerpoint/2010/main" val="4059535104"/>
+      </p:ext>
+    </p:extLst>
+  </p:cSld>
+  <p:clrMapOvr>
+    <a:masterClrMapping/>
+  </p:clrMapOvr>
+</p:sld>
+</file>
+
+<file path=ppt/slides/slide3.xml><?xml version="1.0" encoding="utf-8"?>
+<p:sld xmlns:a="http://schemas.openxmlformats.org/drawingml/2006/main" xmlns:r="http://schemas.openxmlformats.org/officeDocument/2006/relationships" xmlns:p="http://schemas.openxmlformats.org/presentationml/2006/main">
+  <p:cSld>
+    <p:spTree>
+      <p:nvGrpSpPr>
+        <p:cNvPr id="1" name=""/>
+        <p:cNvGrpSpPr/>
+        <p:nvPr/>
+      </p:nvGrpSpPr>
+      <p:grpSpPr>
+        <a:xfrm>
+          <a:off x="0" y="0"/>
+          <a:ext cx="0" cy="0"/>
+          <a:chOff x="0" y="0"/>
+          <a:chExt cx="0" cy="0"/>
+        </a:xfrm>
+      </p:grpSpPr>
+      <p:sp>
+        <p:nvSpPr>
+          <p:cNvPr id="2" name="Title 1"/>
+          <p:cNvSpPr>
+            <a:spLocks noGrp="1"/>
+          </p:cNvSpPr>
+          <p:nvPr>
+            <p:ph type="ctrTitle"/>
+          </p:nvPr>
+        </p:nvSpPr>
+        <p:spPr>
+          <a:xfrm>
+            <a:off x="1798320" y="2128202"/>
+            <a:ext cx="9144000" cy="2387600"/>
+          </a:xfrm>
+        </p:spPr>
+        <p:txBody>
+          <a:bodyPr>
+            <a:normAutofit fontScale="90000"/>
+          </a:bodyPr>
+          <a:lstStyle/>
+          <a:p>
+            <a:r>
+              <a:rPr lang="en-US"/>
+              <a:t>Part 1</a:t>
+            </a:r>
+            <a:br>
+              <a:rPr lang="en-US"/>
+            </a:br>
+            <a:r>
+              <a:rPr lang="en-US"/>
+              <a:t>Probabilistic Graphical Model Introduction</a:t>
+            </a:r>
+          </a:p>
+        </p:txBody>
+      </p:sp>
+    </p:spTree>
+    <p:extLst>
+      <p:ext uri="{BB962C8B-B14F-4D97-AF65-F5344CB8AC3E}">
+        <p14:creationId xmlns:p14="http://schemas.microsoft.com/office/powerpoint/2010/main" val="1276708213"/>
+      </p:ext>
+    </p:extLst>
+  </p:cSld>
+  <p:clrMapOvr>
+    <a:masterClrMapping/>
+  </p:clrMapOvr>
+</p:sld>
+</file>
+
+<file path=ppt/slides/slide30.xml><?xml version="1.0" encoding="utf-8"?>
+<p:sld xmlns:a="http://schemas.openxmlformats.org/drawingml/2006/main" xmlns:r="http://schemas.openxmlformats.org/officeDocument/2006/relationships" xmlns:p="http://schemas.openxmlformats.org/presentationml/2006/main">
+  <p:cSld>
+    <p:spTree>
+      <p:nvGrpSpPr>
+        <p:cNvPr id="1" name=""/>
+        <p:cNvGrpSpPr/>
+        <p:nvPr/>
+      </p:nvGrpSpPr>
+      <p:grpSpPr>
+        <a:xfrm>
+          <a:off x="0" y="0"/>
+          <a:ext cx="0" cy="0"/>
+          <a:chOff x="0" y="0"/>
+          <a:chExt cx="0" cy="0"/>
+        </a:xfrm>
+      </p:grpSpPr>
+      <p:sp>
+        <p:nvSpPr>
+          <p:cNvPr id="2" name="Title 1"/>
+          <p:cNvSpPr>
+            <a:spLocks noGrp="1"/>
+          </p:cNvSpPr>
+          <p:nvPr>
+            <p:ph type="ctrTitle"/>
+          </p:nvPr>
+        </p:nvSpPr>
+        <p:spPr>
+          <a:xfrm>
+            <a:off x="1806633" y="1853882"/>
+            <a:ext cx="9144000" cy="2387600"/>
+          </a:xfrm>
+        </p:spPr>
+        <p:txBody>
+          <a:bodyPr>
+            <a:normAutofit fontScale="90000"/>
+          </a:bodyPr>
+          <a:lstStyle/>
+          <a:p>
+            <a:r>
+              <a:rPr lang="en-US" dirty="0"/>
+              <a:t>Part 2.1</a:t>
+            </a:r>
+            <a:br>
+              <a:rPr lang="en-US" dirty="0"/>
+            </a:br>
+            <a:r>
+              <a:rPr lang="en-US" dirty="0"/>
+              <a:t>Use </a:t>
+            </a:r>
+            <a:r>
+              <a:rPr lang="en-US" dirty="0" err="1"/>
+              <a:t>pgmpy</a:t>
+            </a:r>
+            <a:r>
+              <a:rPr lang="en-US" dirty="0"/>
+              <a:t> when </a:t>
+            </a:r>
+            <a:br>
+              <a:rPr lang="en-US" dirty="0"/>
+            </a:br>
+            <a:r>
+              <a:rPr lang="en-US" dirty="0"/>
+              <a:t>knowing graph structure</a:t>
+            </a:r>
+          </a:p>
+        </p:txBody>
+      </p:sp>
+    </p:spTree>
+    <p:extLst>
+      <p:ext uri="{BB962C8B-B14F-4D97-AF65-F5344CB8AC3E}">
+        <p14:creationId xmlns:p14="http://schemas.microsoft.com/office/powerpoint/2010/main" val="4247931073"/>
+      </p:ext>
+    </p:extLst>
+  </p:cSld>
+  <p:clrMapOvr>
+    <a:masterClrMapping/>
+  </p:clrMapOvr>
+</p:sld>
+</file>
+
+<file path=ppt/slides/slide31.xml><?xml version="1.0" encoding="utf-8"?>
+<p:sld xmlns:a="http://schemas.openxmlformats.org/drawingml/2006/main" xmlns:r="http://schemas.openxmlformats.org/officeDocument/2006/relationships" xmlns:p="http://schemas.openxmlformats.org/presentationml/2006/main">
+  <p:cSld>
+    <p:spTree>
+      <p:nvGrpSpPr>
+        <p:cNvPr id="1" name=""/>
+        <p:cNvGrpSpPr/>
+        <p:nvPr/>
+      </p:nvGrpSpPr>
+      <p:grpSpPr>
+        <a:xfrm>
+          <a:off x="0" y="0"/>
+          <a:ext cx="0" cy="0"/>
+          <a:chOff x="0" y="0"/>
+          <a:chExt cx="0" cy="0"/>
+        </a:xfrm>
+      </p:grpSpPr>
+      <p:sp>
+        <p:nvSpPr>
+          <p:cNvPr id="2" name="Title 1">
+            <a:extLst>
+              <a:ext uri="{FF2B5EF4-FFF2-40B4-BE49-F238E27FC236}">
+                <a16:creationId xmlns:a16="http://schemas.microsoft.com/office/drawing/2014/main" id="{912F7379-E461-45B2-A6D3-CE54DDD4FDDF}"/>
+              </a:ext>
+            </a:extLst>
+          </p:cNvPr>
+          <p:cNvSpPr>
+            <a:spLocks noGrp="1"/>
+          </p:cNvSpPr>
+          <p:nvPr>
+            <p:ph type="title"/>
+          </p:nvPr>
+        </p:nvSpPr>
+        <p:spPr/>
+        <p:txBody>
+          <a:bodyPr/>
+          <a:lstStyle/>
+          <a:p>
+            <a:endParaRPr lang="en-US" dirty="0"/>
+          </a:p>
+        </p:txBody>
+      </p:sp>
+      <p:sp>
+        <p:nvSpPr>
+          <p:cNvPr id="3" name="Content Placeholder 2">
+            <a:extLst>
+              <a:ext uri="{FF2B5EF4-FFF2-40B4-BE49-F238E27FC236}">
+                <a16:creationId xmlns:a16="http://schemas.microsoft.com/office/drawing/2014/main" id="{E4AC4CA2-88BD-4811-AB4E-B7ECCCB3147F}"/>
+              </a:ext>
+            </a:extLst>
+          </p:cNvPr>
+          <p:cNvSpPr>
+            <a:spLocks noGrp="1"/>
+          </p:cNvSpPr>
+          <p:nvPr>
+            <p:ph idx="1"/>
+          </p:nvPr>
+        </p:nvSpPr>
+        <p:spPr/>
+        <p:txBody>
+          <a:bodyPr/>
+          <a:lstStyle/>
+          <a:p>
+            <a:endParaRPr lang="en-US"/>
+          </a:p>
+        </p:txBody>
+      </p:sp>
+    </p:spTree>
+    <p:extLst>
+      <p:ext uri="{BB962C8B-B14F-4D97-AF65-F5344CB8AC3E}">
+        <p14:creationId xmlns:p14="http://schemas.microsoft.com/office/powerpoint/2010/main" val="2342477112"/>
+      </p:ext>
+    </p:extLst>
+  </p:cSld>
+  <p:clrMapOvr>
+    <a:masterClrMapping/>
+  </p:clrMapOvr>
+</p:sld>
+</file>
+
+<file path=ppt/slides/slide32.xml><?xml version="1.0" encoding="utf-8"?>
+<p:sld xmlns:a="http://schemas.openxmlformats.org/drawingml/2006/main" xmlns:r="http://schemas.openxmlformats.org/officeDocument/2006/relationships" xmlns:p="http://schemas.openxmlformats.org/presentationml/2006/main">
+  <p:cSld>
+    <p:spTree>
+      <p:nvGrpSpPr>
+        <p:cNvPr id="1" name=""/>
+        <p:cNvGrpSpPr/>
+        <p:nvPr/>
+      </p:nvGrpSpPr>
+      <p:grpSpPr>
+        <a:xfrm>
+          <a:off x="0" y="0"/>
+          <a:ext cx="0" cy="0"/>
+          <a:chOff x="0" y="0"/>
+          <a:chExt cx="0" cy="0"/>
+        </a:xfrm>
+      </p:grpSpPr>
+      <p:sp>
+        <p:nvSpPr>
+          <p:cNvPr id="2" name="Title 1"/>
+          <p:cNvSpPr>
+            <a:spLocks noGrp="1"/>
+          </p:cNvSpPr>
+          <p:nvPr>
+            <p:ph type="ctrTitle"/>
+          </p:nvPr>
+        </p:nvSpPr>
+        <p:spPr>
+          <a:xfrm>
+            <a:off x="1806633" y="1853882"/>
+            <a:ext cx="9144000" cy="2387600"/>
+          </a:xfrm>
+        </p:spPr>
+        <p:txBody>
+          <a:bodyPr>
+            <a:normAutofit fontScale="90000"/>
+          </a:bodyPr>
+          <a:lstStyle/>
+          <a:p>
+            <a:r>
+              <a:rPr lang="en-US" dirty="0"/>
+              <a:t>Part 2.2</a:t>
+            </a:r>
+            <a:br>
+              <a:rPr lang="en-US" dirty="0"/>
+            </a:br>
+            <a:r>
+              <a:rPr lang="en-US" dirty="0"/>
+              <a:t>Use </a:t>
+            </a:r>
+            <a:r>
+              <a:rPr lang="en-US" dirty="0" err="1"/>
+              <a:t>pgmpy</a:t>
+            </a:r>
+            <a:r>
+              <a:rPr lang="en-US" dirty="0"/>
+              <a:t> when </a:t>
+            </a:r>
+            <a:br>
+              <a:rPr lang="en-US" dirty="0"/>
+            </a:br>
+            <a:r>
+              <a:rPr lang="en-US" dirty="0"/>
+              <a:t>not knowing graph structure</a:t>
+            </a:r>
+          </a:p>
+        </p:txBody>
+      </p:sp>
+    </p:spTree>
+    <p:extLst>
+      <p:ext uri="{BB962C8B-B14F-4D97-AF65-F5344CB8AC3E}">
+        <p14:creationId xmlns:p14="http://schemas.microsoft.com/office/powerpoint/2010/main" val="3119861595"/>
+      </p:ext>
+    </p:extLst>
+  </p:cSld>
+  <p:clrMapOvr>
+    <a:masterClrMapping/>
+  </p:clrMapOvr>
+</p:sld>
+</file>
+
+<file path=ppt/slides/slide33.xml><?xml version="1.0" encoding="utf-8"?>
+<p:sld xmlns:a="http://schemas.openxmlformats.org/drawingml/2006/main" xmlns:r="http://schemas.openxmlformats.org/officeDocument/2006/relationships" xmlns:p="http://schemas.openxmlformats.org/presentationml/2006/main">
+  <p:cSld>
+    <p:spTree>
+      <p:nvGrpSpPr>
+        <p:cNvPr id="1" name=""/>
+        <p:cNvGrpSpPr/>
+        <p:nvPr/>
+      </p:nvGrpSpPr>
+      <p:grpSpPr>
+        <a:xfrm>
+          <a:off x="0" y="0"/>
+          <a:ext cx="0" cy="0"/>
+          <a:chOff x="0" y="0"/>
+          <a:chExt cx="0" cy="0"/>
+        </a:xfrm>
+      </p:grpSpPr>
+      <p:sp>
+        <p:nvSpPr>
+          <p:cNvPr id="2" name="Title 1">
+            <a:extLst>
+              <a:ext uri="{FF2B5EF4-FFF2-40B4-BE49-F238E27FC236}">
+                <a16:creationId xmlns:a16="http://schemas.microsoft.com/office/drawing/2014/main" id="{912F7379-E461-45B2-A6D3-CE54DDD4FDDF}"/>
+              </a:ext>
+            </a:extLst>
+          </p:cNvPr>
+          <p:cNvSpPr>
+            <a:spLocks noGrp="1"/>
+          </p:cNvSpPr>
+          <p:nvPr>
+            <p:ph type="title"/>
+          </p:nvPr>
+        </p:nvSpPr>
+        <p:spPr/>
+        <p:txBody>
+          <a:bodyPr/>
+          <a:lstStyle/>
+          <a:p>
+            <a:endParaRPr lang="en-US" dirty="0"/>
+          </a:p>
+        </p:txBody>
+      </p:sp>
+      <p:sp>
+        <p:nvSpPr>
+          <p:cNvPr id="3" name="Content Placeholder 2">
+            <a:extLst>
+              <a:ext uri="{FF2B5EF4-FFF2-40B4-BE49-F238E27FC236}">
+                <a16:creationId xmlns:a16="http://schemas.microsoft.com/office/drawing/2014/main" id="{E4AC4CA2-88BD-4811-AB4E-B7ECCCB3147F}"/>
+              </a:ext>
+            </a:extLst>
+          </p:cNvPr>
+          <p:cNvSpPr>
+            <a:spLocks noGrp="1"/>
+          </p:cNvSpPr>
+          <p:nvPr>
+            <p:ph idx="1"/>
+          </p:nvPr>
+        </p:nvSpPr>
+        <p:spPr/>
+        <p:txBody>
+          <a:bodyPr/>
+          <a:lstStyle/>
+          <a:p>
+            <a:endParaRPr lang="en-US"/>
+          </a:p>
+        </p:txBody>
+      </p:sp>
+    </p:spTree>
+    <p:extLst>
+      <p:ext uri="{BB962C8B-B14F-4D97-AF65-F5344CB8AC3E}">
+        <p14:creationId xmlns:p14="http://schemas.microsoft.com/office/powerpoint/2010/main" val="1729885696"/>
+      </p:ext>
+    </p:extLst>
+  </p:cSld>
+  <p:clrMapOvr>
+    <a:masterClrMapping/>
+  </p:clrMapOvr>
+</p:sld>
+</file>
+
+<file path=ppt/slides/slide34.xml><?xml version="1.0" encoding="utf-8"?>
 <p:sld xmlns:a="http://schemas.openxmlformats.org/drawingml/2006/main" xmlns:r="http://schemas.openxmlformats.org/officeDocument/2006/relationships" xmlns:p="http://schemas.openxmlformats.org/presentationml/2006/main">
   <p:cSld>
     <p:spTree>
@@ -12831,17 +13373,16 @@
           <a:lstStyle/>
           <a:p>
             <a:r>
-              <a:rPr lang="en-US" smtClean="0"/>
+              <a:rPr lang="en-US"/>
               <a:t>Part 3</a:t>
             </a:r>
             <a:br>
-              <a:rPr lang="en-US" smtClean="0"/>
+              <a:rPr lang="en-US"/>
             </a:br>
             <a:r>
-              <a:rPr lang="en-US" smtClean="0"/>
+              <a:rPr lang="en-US"/>
               <a:t>Application</a:t>
             </a:r>
-            <a:endParaRPr lang="en-US"/>
           </a:p>
         </p:txBody>
       </p:sp>
@@ -12858,7 +13399,7 @@
 </p:sld>
 </file>
 
-<file path=ppt/slides/slide28.xml><?xml version="1.0" encoding="utf-8"?>
+<file path=ppt/slides/slide35.xml><?xml version="1.0" encoding="utf-8"?>
 <p:sld xmlns:a="http://schemas.openxmlformats.org/drawingml/2006/main" xmlns:r="http://schemas.openxmlformats.org/officeDocument/2006/relationships" xmlns:p="http://schemas.openxmlformats.org/presentationml/2006/main">
   <p:cSld>
     <p:spTree>
@@ -12891,10 +13432,9 @@
           <a:lstStyle/>
           <a:p>
             <a:r>
-              <a:rPr lang="en-US" smtClean="0"/>
+              <a:rPr lang="en-US"/>
               <a:t>Medical diagnosis (data)</a:t>
             </a:r>
-            <a:endParaRPr lang="en-US"/>
           </a:p>
         </p:txBody>
       </p:sp>
@@ -12920,10 +13460,9 @@
           <a:lstStyle/>
           <a:p>
             <a:r>
-              <a:rPr lang="en-US" sz="2800" smtClean="0"/>
-              <a:t>Nguồn: https://www.kaggle.com/itachi9604/disease-symptom-description-dataset?select=dataset.csv</a:t>
+              <a:rPr lang="en-US" sz="2800" dirty="0"/>
+              <a:t>Source: https://www.kaggle.com/itachi9604/disease-symptom-description-dataset?select=dataset.csv</a:t>
             </a:r>
-            <a:endParaRPr lang="en-US" sz="2800"/>
           </a:p>
         </p:txBody>
       </p:sp>
@@ -12964,7 +13503,7 @@
 </p:sld>
 </file>
 
-<file path=ppt/slides/slide29.xml><?xml version="1.0" encoding="utf-8"?>
+<file path=ppt/slides/slide36.xml><?xml version="1.0" encoding="utf-8"?>
 <p:sld xmlns:a="http://schemas.openxmlformats.org/drawingml/2006/main" xmlns:r="http://schemas.openxmlformats.org/officeDocument/2006/relationships" xmlns:p="http://schemas.openxmlformats.org/presentationml/2006/main">
   <p:cSld>
     <p:spTree>
@@ -12997,10 +13536,9 @@
           <a:lstStyle/>
           <a:p>
             <a:r>
-              <a:rPr lang="en-US" smtClean="0"/>
+              <a:rPr lang="en-US"/>
               <a:t>Graph</a:t>
             </a:r>
-            <a:endParaRPr lang="en-US"/>
           </a:p>
         </p:txBody>
       </p:sp>
@@ -13041,10 +13579,9 @@
           <a:p>
             <a:pPr algn="ctr"/>
             <a:r>
-              <a:rPr lang="en-US" smtClean="0"/>
+              <a:rPr lang="en-US"/>
               <a:t>Symptom1</a:t>
             </a:r>
-            <a:endParaRPr lang="en-US"/>
           </a:p>
         </p:txBody>
       </p:sp>
@@ -13085,10 +13622,9 @@
           <a:p>
             <a:pPr algn="ctr"/>
             <a:r>
-              <a:rPr lang="en-US" smtClean="0"/>
+              <a:rPr lang="en-US"/>
               <a:t>Symptom2</a:t>
             </a:r>
-            <a:endParaRPr lang="en-US"/>
           </a:p>
         </p:txBody>
       </p:sp>
@@ -13129,10 +13665,9 @@
           <a:p>
             <a:pPr algn="ctr"/>
             <a:r>
-              <a:rPr lang="en-US" smtClean="0"/>
+              <a:rPr lang="en-US"/>
               <a:t>Symptom3</a:t>
             </a:r>
-            <a:endParaRPr lang="en-US"/>
           </a:p>
         </p:txBody>
       </p:sp>
@@ -13173,10 +13708,9 @@
           <a:p>
             <a:pPr algn="ctr"/>
             <a:r>
-              <a:rPr lang="en-US" smtClean="0"/>
+              <a:rPr lang="en-US"/>
               <a:t>Disease</a:t>
             </a:r>
-            <a:endParaRPr lang="en-US"/>
           </a:p>
         </p:txBody>
       </p:sp>
@@ -13301,74 +13835,7 @@
 </p:sld>
 </file>
 
-<file path=ppt/slides/slide3.xml><?xml version="1.0" encoding="utf-8"?>
-<p:sld xmlns:a="http://schemas.openxmlformats.org/drawingml/2006/main" xmlns:r="http://schemas.openxmlformats.org/officeDocument/2006/relationships" xmlns:p="http://schemas.openxmlformats.org/presentationml/2006/main">
-  <p:cSld>
-    <p:spTree>
-      <p:nvGrpSpPr>
-        <p:cNvPr id="1" name=""/>
-        <p:cNvGrpSpPr/>
-        <p:nvPr/>
-      </p:nvGrpSpPr>
-      <p:grpSpPr>
-        <a:xfrm>
-          <a:off x="0" y="0"/>
-          <a:ext cx="0" cy="0"/>
-          <a:chOff x="0" y="0"/>
-          <a:chExt cx="0" cy="0"/>
-        </a:xfrm>
-      </p:grpSpPr>
-      <p:sp>
-        <p:nvSpPr>
-          <p:cNvPr id="2" name="Title 1"/>
-          <p:cNvSpPr>
-            <a:spLocks noGrp="1"/>
-          </p:cNvSpPr>
-          <p:nvPr>
-            <p:ph type="ctrTitle"/>
-          </p:nvPr>
-        </p:nvSpPr>
-        <p:spPr>
-          <a:xfrm>
-            <a:off x="1798320" y="2128202"/>
-            <a:ext cx="9144000" cy="2387600"/>
-          </a:xfrm>
-        </p:spPr>
-        <p:txBody>
-          <a:bodyPr>
-            <a:normAutofit fontScale="90000"/>
-          </a:bodyPr>
-          <a:lstStyle/>
-          <a:p>
-            <a:r>
-              <a:rPr lang="en-US" smtClean="0"/>
-              <a:t>Part 1</a:t>
-            </a:r>
-            <a:br>
-              <a:rPr lang="en-US" smtClean="0"/>
-            </a:br>
-            <a:r>
-              <a:rPr lang="en-US" smtClean="0"/>
-              <a:t>Probabilistic Graphical Model Introduction</a:t>
-            </a:r>
-            <a:endParaRPr lang="en-US"/>
-          </a:p>
-        </p:txBody>
-      </p:sp>
-    </p:spTree>
-    <p:extLst>
-      <p:ext uri="{BB962C8B-B14F-4D97-AF65-F5344CB8AC3E}">
-        <p14:creationId xmlns:p14="http://schemas.microsoft.com/office/powerpoint/2010/main" val="1276708213"/>
-      </p:ext>
-    </p:extLst>
-  </p:cSld>
-  <p:clrMapOvr>
-    <a:masterClrMapping/>
-  </p:clrMapOvr>
-</p:sld>
-</file>
-
-<file path=ppt/slides/slide30.xml><?xml version="1.0" encoding="utf-8"?>
+<file path=ppt/slides/slide37.xml><?xml version="1.0" encoding="utf-8"?>
 <p:sld xmlns:a="http://schemas.openxmlformats.org/drawingml/2006/main" xmlns:r="http://schemas.openxmlformats.org/officeDocument/2006/relationships" xmlns:p="http://schemas.openxmlformats.org/presentationml/2006/main">
   <p:cSld>
     <p:spTree>
@@ -13401,10 +13868,9 @@
           <a:lstStyle/>
           <a:p>
             <a:r>
-              <a:rPr lang="en-US" smtClean="0"/>
+              <a:rPr lang="en-US"/>
               <a:t>Counting result example</a:t>
             </a:r>
-            <a:endParaRPr lang="en-US"/>
           </a:p>
         </p:txBody>
       </p:sp>
@@ -13445,7 +13911,7 @@
 </p:sld>
 </file>
 
-<file path=ppt/slides/slide31.xml><?xml version="1.0" encoding="utf-8"?>
+<file path=ppt/slides/slide38.xml><?xml version="1.0" encoding="utf-8"?>
 <p:sld xmlns:a="http://schemas.openxmlformats.org/drawingml/2006/main" xmlns:r="http://schemas.openxmlformats.org/officeDocument/2006/relationships" xmlns:p="http://schemas.openxmlformats.org/presentationml/2006/main">
   <p:cSld>
     <p:spTree>
@@ -13478,10 +13944,9 @@
           <a:lstStyle/>
           <a:p>
             <a:r>
-              <a:rPr lang="en-US" smtClean="0"/>
+              <a:rPr lang="en-US"/>
               <a:t>Maximum Likelihood Estimation example</a:t>
             </a:r>
-            <a:endParaRPr lang="en-US"/>
           </a:p>
         </p:txBody>
       </p:sp>
@@ -13522,7 +13987,7 @@
 </p:sld>
 </file>
 
-<file path=ppt/slides/slide32.xml><?xml version="1.0" encoding="utf-8"?>
+<file path=ppt/slides/slide39.xml><?xml version="1.0" encoding="utf-8"?>
 <p:sld xmlns:a="http://schemas.openxmlformats.org/drawingml/2006/main" xmlns:r="http://schemas.openxmlformats.org/officeDocument/2006/relationships" xmlns:p="http://schemas.openxmlformats.org/presentationml/2006/main">
   <p:cSld>
     <p:spTree>
@@ -13555,10 +14020,9 @@
           <a:lstStyle/>
           <a:p>
             <a:r>
-              <a:rPr lang="en-US" smtClean="0"/>
+              <a:rPr lang="en-US"/>
               <a:t>Bayesian Parameter Estimator example</a:t>
             </a:r>
-            <a:endParaRPr lang="en-US"/>
           </a:p>
         </p:txBody>
       </p:sp>
@@ -13632,10 +14096,9 @@
           <a:lstStyle/>
           <a:p>
             <a:r>
-              <a:rPr lang="en-US" smtClean="0"/>
+              <a:rPr lang="en-US"/>
               <a:t>Graph (G)</a:t>
             </a:r>
-            <a:endParaRPr lang="en-US"/>
           </a:p>
         </p:txBody>
       </p:sp>
@@ -13663,10 +14126,9 @@
               <a:buNone/>
             </a:pPr>
             <a:r>
-              <a:rPr lang="en-US" smtClean="0"/>
+              <a:rPr lang="en-US"/>
               <a:t>Vertical (Node)</a:t>
             </a:r>
-            <a:endParaRPr lang="en-US"/>
           </a:p>
         </p:txBody>
       </p:sp>
@@ -13707,10 +14169,9 @@
           <a:p>
             <a:pPr algn="ctr"/>
             <a:r>
-              <a:rPr lang="en-US" smtClean="0"/>
+              <a:rPr lang="en-US"/>
               <a:t>A</a:t>
             </a:r>
-            <a:endParaRPr lang="en-US"/>
           </a:p>
         </p:txBody>
       </p:sp>
@@ -13765,10 +14226,9 @@
             <a:p>
               <a:pPr algn="ctr"/>
               <a:r>
-                <a:rPr lang="en-US" smtClean="0"/>
+                <a:rPr lang="en-US"/>
                 <a:t>A</a:t>
               </a:r>
-              <a:endParaRPr lang="en-US"/>
             </a:p>
           </p:txBody>
         </p:sp>
@@ -13809,10 +14269,9 @@
             <a:p>
               <a:pPr algn="ctr"/>
               <a:r>
-                <a:rPr lang="en-US" smtClean="0"/>
+                <a:rPr lang="en-US"/>
                 <a:t>B</a:t>
               </a:r>
-              <a:endParaRPr lang="en-US"/>
             </a:p>
           </p:txBody>
         </p:sp>
@@ -14041,10 +14500,9 @@
               <a:buNone/>
             </a:pPr>
             <a:r>
-              <a:rPr lang="en-US" smtClean="0"/>
+              <a:rPr lang="en-US"/>
               <a:t>Edge</a:t>
             </a:r>
-            <a:endParaRPr lang="en-US"/>
           </a:p>
         </p:txBody>
       </p:sp>
@@ -14099,10 +14557,9 @@
           <a:lstStyle/>
           <a:p>
             <a:r>
-              <a:rPr lang="en-US" smtClean="0"/>
+              <a:rPr lang="en-US"/>
               <a:t>Basic graph operations</a:t>
             </a:r>
-            <a:endParaRPr lang="en-US"/>
           </a:p>
         </p:txBody>
       </p:sp>
@@ -14311,10 +14768,9 @@
                 <a:buNone/>
               </a:pPr>
               <a:r>
-                <a:rPr lang="en-US" smtClean="0"/>
+                <a:rPr lang="en-US"/>
                 <a:t>Adjacent(G, A, B)</a:t>
               </a:r>
-              <a:endParaRPr lang="en-US"/>
             </a:p>
           </p:txBody>
         </p:sp>
@@ -14383,10 +14839,9 @@
                 <a:p>
                   <a:pPr algn="ctr"/>
                   <a:r>
-                    <a:rPr lang="en-US" smtClean="0"/>
+                    <a:rPr lang="en-US"/>
                     <a:t>A</a:t>
                   </a:r>
-                  <a:endParaRPr lang="en-US"/>
                 </a:p>
               </p:txBody>
             </p:sp>
@@ -14427,10 +14882,9 @@
                 <a:p>
                   <a:pPr algn="ctr"/>
                   <a:r>
-                    <a:rPr lang="en-US" smtClean="0"/>
+                    <a:rPr lang="en-US"/>
                     <a:t>B</a:t>
                   </a:r>
-                  <a:endParaRPr lang="en-US"/>
                 </a:p>
               </p:txBody>
             </p:sp>
@@ -14451,16 +14905,17 @@
                 <a:prstGeom prst="line">
                   <a:avLst/>
                 </a:prstGeom>
+                <a:ln w="28575"/>
               </p:spPr>
               <p:style>
                 <a:lnRef idx="1">
-                  <a:schemeClr val="accent1"/>
+                  <a:schemeClr val="dk1"/>
                 </a:lnRef>
                 <a:fillRef idx="0">
-                  <a:schemeClr val="accent1"/>
+                  <a:schemeClr val="dk1"/>
                 </a:fillRef>
                 <a:effectRef idx="0">
-                  <a:schemeClr val="accent1"/>
+                  <a:schemeClr val="dk1"/>
                 </a:effectRef>
                 <a:fontRef idx="minor">
                   <a:schemeClr val="tx1"/>
@@ -14659,10 +15114,9 @@
                   <a:buNone/>
                 </a:pPr>
                 <a:r>
-                  <a:rPr lang="en-US" smtClean="0"/>
+                  <a:rPr lang="en-US"/>
                   <a:t>?</a:t>
                 </a:r>
-                <a:endParaRPr lang="en-US"/>
               </a:p>
             </p:txBody>
           </p:sp>
@@ -14887,10 +15341,9 @@
                   <a:buNone/>
                 </a:pPr>
                 <a:r>
-                  <a:rPr lang="en-US" smtClean="0"/>
+                  <a:rPr lang="en-US"/>
                   <a:t>Neighbors(G, A)={B,C}</a:t>
                 </a:r>
-                <a:endParaRPr lang="en-US"/>
               </a:p>
             </p:txBody>
           </p:sp>
@@ -14945,10 +15398,9 @@
                 <a:p>
                   <a:pPr algn="ctr"/>
                   <a:r>
-                    <a:rPr lang="en-US" smtClean="0"/>
+                    <a:rPr lang="en-US"/>
                     <a:t>A</a:t>
                   </a:r>
-                  <a:endParaRPr lang="en-US"/>
                 </a:p>
               </p:txBody>
             </p:sp>
@@ -14989,10 +15441,9 @@
                 <a:p>
                   <a:pPr algn="ctr"/>
                   <a:r>
-                    <a:rPr lang="en-US" smtClean="0"/>
+                    <a:rPr lang="en-US"/>
                     <a:t>B</a:t>
                   </a:r>
-                  <a:endParaRPr lang="en-US"/>
                 </a:p>
               </p:txBody>
             </p:sp>
@@ -15069,10 +15520,9 @@
             <a:p>
               <a:pPr algn="ctr"/>
               <a:r>
-                <a:rPr lang="en-US" smtClean="0"/>
+                <a:rPr lang="en-US"/>
                 <a:t>C</a:t>
               </a:r>
-              <a:endParaRPr lang="en-US"/>
             </a:p>
           </p:txBody>
         </p:sp>
@@ -15344,10 +15794,9 @@
                     <a:buNone/>
                   </a:pPr>
                   <a:r>
-                    <a:rPr lang="en-US" smtClean="0"/>
+                    <a:rPr lang="en-US"/>
                     <a:t>Add_vertex(G, D)</a:t>
                   </a:r>
-                  <a:endParaRPr lang="en-US"/>
                 </a:p>
               </p:txBody>
             </p:sp>
@@ -15402,10 +15851,9 @@
                   <a:p>
                     <a:pPr algn="ctr"/>
                     <a:r>
-                      <a:rPr lang="en-US" smtClean="0"/>
+                      <a:rPr lang="en-US"/>
                       <a:t>A</a:t>
                     </a:r>
-                    <a:endParaRPr lang="en-US"/>
                   </a:p>
                 </p:txBody>
               </p:sp>
@@ -15446,10 +15894,9 @@
                   <a:p>
                     <a:pPr algn="ctr"/>
                     <a:r>
-                      <a:rPr lang="en-US" smtClean="0"/>
+                      <a:rPr lang="en-US"/>
                       <a:t>B</a:t>
                     </a:r>
-                    <a:endParaRPr lang="en-US"/>
                   </a:p>
                 </p:txBody>
               </p:sp>
@@ -15526,10 +15973,9 @@
               <a:p>
                 <a:pPr algn="ctr"/>
                 <a:r>
-                  <a:rPr lang="en-US" smtClean="0"/>
+                  <a:rPr lang="en-US"/>
                   <a:t>C</a:t>
                 </a:r>
-                <a:endParaRPr lang="en-US"/>
               </a:p>
             </p:txBody>
           </p:sp>
@@ -15831,10 +16277,9 @@
                   <a:buNone/>
                 </a:pPr>
                 <a:r>
-                  <a:rPr lang="en-US" smtClean="0"/>
+                  <a:rPr lang="en-US"/>
                   <a:t>Remove_vertex(G, D)</a:t>
                 </a:r>
-                <a:endParaRPr lang="en-US"/>
               </a:p>
             </p:txBody>
           </p:sp>
@@ -15889,10 +16334,9 @@
                 <a:p>
                   <a:pPr algn="ctr"/>
                   <a:r>
-                    <a:rPr lang="en-US" smtClean="0"/>
+                    <a:rPr lang="en-US"/>
                     <a:t>A</a:t>
                   </a:r>
-                  <a:endParaRPr lang="en-US"/>
                 </a:p>
               </p:txBody>
             </p:sp>
@@ -15933,10 +16377,9 @@
                 <a:p>
                   <a:pPr algn="ctr"/>
                   <a:r>
-                    <a:rPr lang="en-US" smtClean="0"/>
+                    <a:rPr lang="en-US"/>
                     <a:t>B</a:t>
                   </a:r>
-                  <a:endParaRPr lang="en-US"/>
                 </a:p>
               </p:txBody>
             </p:sp>
@@ -16013,10 +16456,9 @@
             <a:p>
               <a:pPr algn="ctr"/>
               <a:r>
-                <a:rPr lang="en-US" smtClean="0"/>
+                <a:rPr lang="en-US"/>
                 <a:t>C</a:t>
               </a:r>
-              <a:endParaRPr lang="en-US"/>
             </a:p>
           </p:txBody>
         </p:sp>
@@ -16288,10 +16730,9 @@
                     <a:buNone/>
                   </a:pPr>
                   <a:r>
-                    <a:rPr lang="en-US" smtClean="0"/>
+                    <a:rPr lang="en-US"/>
                     <a:t>Add_edge(G, C, D)</a:t>
                   </a:r>
-                  <a:endParaRPr lang="en-US"/>
                 </a:p>
               </p:txBody>
             </p:sp>
@@ -16346,10 +16787,9 @@
                   <a:p>
                     <a:pPr algn="ctr"/>
                     <a:r>
-                      <a:rPr lang="en-US" smtClean="0"/>
+                      <a:rPr lang="en-US"/>
                       <a:t>A</a:t>
                     </a:r>
-                    <a:endParaRPr lang="en-US"/>
                   </a:p>
                 </p:txBody>
               </p:sp>
@@ -16390,10 +16830,9 @@
                   <a:p>
                     <a:pPr algn="ctr"/>
                     <a:r>
-                      <a:rPr lang="en-US" smtClean="0"/>
+                      <a:rPr lang="en-US"/>
                       <a:t>B</a:t>
                     </a:r>
-                    <a:endParaRPr lang="en-US"/>
                   </a:p>
                 </p:txBody>
               </p:sp>
@@ -16470,10 +16909,9 @@
               <a:p>
                 <a:pPr algn="ctr"/>
                 <a:r>
-                  <a:rPr lang="en-US" smtClean="0"/>
+                  <a:rPr lang="en-US"/>
                   <a:t>C</a:t>
                 </a:r>
-                <a:endParaRPr lang="en-US"/>
               </a:p>
             </p:txBody>
           </p:sp>
@@ -16803,10 +17241,9 @@
                       <a:buNone/>
                     </a:pPr>
                     <a:r>
-                      <a:rPr lang="en-US" smtClean="0"/>
+                      <a:rPr lang="en-US"/>
                       <a:t>Add_edge(G, C, D)</a:t>
                     </a:r>
-                    <a:endParaRPr lang="en-US"/>
                   </a:p>
                 </p:txBody>
               </p:sp>
@@ -16861,10 +17298,9 @@
                     <a:p>
                       <a:pPr algn="ctr"/>
                       <a:r>
-                        <a:rPr lang="en-US" smtClean="0"/>
+                        <a:rPr lang="en-US"/>
                         <a:t>A</a:t>
                       </a:r>
-                      <a:endParaRPr lang="en-US"/>
                     </a:p>
                   </p:txBody>
                 </p:sp>
@@ -16905,10 +17341,9 @@
                     <a:p>
                       <a:pPr algn="ctr"/>
                       <a:r>
-                        <a:rPr lang="en-US" smtClean="0"/>
+                        <a:rPr lang="en-US"/>
                         <a:t>B</a:t>
                       </a:r>
-                      <a:endParaRPr lang="en-US"/>
                     </a:p>
                   </p:txBody>
                 </p:sp>
@@ -16985,10 +17420,9 @@
                 <a:p>
                   <a:pPr algn="ctr"/>
                   <a:r>
-                    <a:rPr lang="en-US" smtClean="0"/>
+                    <a:rPr lang="en-US"/>
                     <a:t>C</a:t>
                   </a:r>
-                  <a:endParaRPr lang="en-US"/>
                 </a:p>
               </p:txBody>
             </p:sp>
@@ -17157,10 +17591,9 @@
           <a:lstStyle/>
           <a:p>
             <a:r>
-              <a:rPr lang="en-US" smtClean="0"/>
+              <a:rPr lang="en-US"/>
               <a:t>Graph types</a:t>
             </a:r>
-            <a:endParaRPr lang="en-US"/>
           </a:p>
         </p:txBody>
       </p:sp>
@@ -17383,10 +17816,9 @@
                   <a:buNone/>
                 </a:pPr>
                 <a:r>
-                  <a:rPr lang="en-US" smtClean="0"/>
+                  <a:rPr lang="en-US"/>
                   <a:t>Undirected graph</a:t>
                 </a:r>
-                <a:endParaRPr lang="en-US"/>
               </a:p>
             </p:txBody>
           </p:sp>
@@ -17441,10 +17873,9 @@
                 <a:p>
                   <a:pPr algn="ctr"/>
                   <a:r>
-                    <a:rPr lang="en-US" smtClean="0"/>
+                    <a:rPr lang="en-US"/>
                     <a:t>A</a:t>
                   </a:r>
-                  <a:endParaRPr lang="en-US"/>
                 </a:p>
               </p:txBody>
             </p:sp>
@@ -17485,10 +17916,9 @@
                 <a:p>
                   <a:pPr algn="ctr"/>
                   <a:r>
-                    <a:rPr lang="en-US" smtClean="0"/>
+                    <a:rPr lang="en-US"/>
                     <a:t>B</a:t>
                   </a:r>
-                  <a:endParaRPr lang="en-US"/>
                 </a:p>
               </p:txBody>
             </p:sp>
@@ -17565,10 +17995,9 @@
             <a:p>
               <a:pPr algn="ctr"/>
               <a:r>
-                <a:rPr lang="en-US" smtClean="0"/>
+                <a:rPr lang="en-US"/>
                 <a:t>C</a:t>
               </a:r>
-              <a:endParaRPr lang="en-US"/>
             </a:p>
           </p:txBody>
         </p:sp>
@@ -17841,13 +18270,8 @@
                   </a:pPr>
                   <a:r>
                     <a:rPr lang="en-US"/>
-                    <a:t>D</a:t>
+                    <a:t>Directed graph</a:t>
                   </a:r>
-                  <a:r>
-                    <a:rPr lang="en-US" smtClean="0"/>
-                    <a:t>irected graph</a:t>
-                  </a:r>
-                  <a:endParaRPr lang="en-US"/>
                 </a:p>
               </p:txBody>
             </p:sp>
@@ -17902,10 +18326,9 @@
                   <a:p>
                     <a:pPr algn="ctr"/>
                     <a:r>
-                      <a:rPr lang="en-US" smtClean="0"/>
+                      <a:rPr lang="en-US"/>
                       <a:t>A</a:t>
                     </a:r>
-                    <a:endParaRPr lang="en-US"/>
                   </a:p>
                 </p:txBody>
               </p:sp>
@@ -17946,10 +18369,9 @@
                   <a:p>
                     <a:pPr algn="ctr"/>
                     <a:r>
-                      <a:rPr lang="en-US" smtClean="0"/>
+                      <a:rPr lang="en-US"/>
                       <a:t>B</a:t>
                     </a:r>
-                    <a:endParaRPr lang="en-US"/>
                   </a:p>
                 </p:txBody>
               </p:sp>
@@ -17992,10 +18414,9 @@
               <a:p>
                 <a:pPr algn="ctr"/>
                 <a:r>
-                  <a:rPr lang="en-US" smtClean="0"/>
+                  <a:rPr lang="en-US"/>
                   <a:t>C</a:t>
                 </a:r>
-                <a:endParaRPr lang="en-US"/>
               </a:p>
             </p:txBody>
           </p:sp>
@@ -18119,10 +18540,9 @@
           <a:lstStyle/>
           <a:p>
             <a:r>
-              <a:rPr lang="en-US" smtClean="0"/>
+              <a:rPr lang="en-US"/>
               <a:t>Probabilistic Graphical Model</a:t>
             </a:r>
-            <a:endParaRPr lang="en-US"/>
           </a:p>
         </p:txBody>
       </p:sp>
@@ -18213,10 +18633,9 @@
           <a:lstStyle/>
           <a:p>
             <a:r>
-              <a:rPr lang="en-US" smtClean="0"/>
+              <a:rPr lang="en-US"/>
               <a:t>Bayesian probability</a:t>
             </a:r>
-            <a:endParaRPr lang="en-US"/>
           </a:p>
         </p:txBody>
       </p:sp>
@@ -18708,10 +19127,9 @@
           <a:lstStyle/>
           <a:p>
             <a:r>
-              <a:rPr lang="en-US" smtClean="0"/>
+              <a:rPr lang="en-US"/>
               <a:t>Bayesian network</a:t>
             </a:r>
-            <a:endParaRPr lang="en-US"/>
           </a:p>
         </p:txBody>
       </p:sp>

--- a/NguyenDuyHanLam_196005004/baocao.pptx
+++ b/NguyenDuyHanLam_196005004/baocao.pptx
@@ -11,39 +11,43 @@
     <p:sldId id="257" r:id="rId5"/>
     <p:sldId id="258" r:id="rId6"/>
     <p:sldId id="259" r:id="rId7"/>
-    <p:sldId id="260" r:id="rId8"/>
-    <p:sldId id="261" r:id="rId9"/>
-    <p:sldId id="264" r:id="rId10"/>
-    <p:sldId id="265" r:id="rId11"/>
-    <p:sldId id="266" r:id="rId12"/>
-    <p:sldId id="267" r:id="rId13"/>
-    <p:sldId id="268" r:id="rId14"/>
-    <p:sldId id="269" r:id="rId15"/>
-    <p:sldId id="270" r:id="rId16"/>
-    <p:sldId id="280" r:id="rId17"/>
-    <p:sldId id="281" r:id="rId18"/>
-    <p:sldId id="282" r:id="rId19"/>
-    <p:sldId id="283" r:id="rId20"/>
-    <p:sldId id="284" r:id="rId21"/>
-    <p:sldId id="285" r:id="rId22"/>
-    <p:sldId id="286" r:id="rId23"/>
-    <p:sldId id="287" r:id="rId24"/>
-    <p:sldId id="288" r:id="rId25"/>
-    <p:sldId id="289" r:id="rId26"/>
-    <p:sldId id="272" r:id="rId27"/>
-    <p:sldId id="291" r:id="rId28"/>
-    <p:sldId id="290" r:id="rId29"/>
-    <p:sldId id="292" r:id="rId30"/>
-    <p:sldId id="294" r:id="rId31"/>
-    <p:sldId id="293" r:id="rId32"/>
-    <p:sldId id="295" r:id="rId33"/>
-    <p:sldId id="296" r:id="rId34"/>
-    <p:sldId id="273" r:id="rId35"/>
-    <p:sldId id="275" r:id="rId36"/>
-    <p:sldId id="279" r:id="rId37"/>
-    <p:sldId id="276" r:id="rId38"/>
-    <p:sldId id="277" r:id="rId39"/>
-    <p:sldId id="278" r:id="rId40"/>
+    <p:sldId id="297" r:id="rId8"/>
+    <p:sldId id="260" r:id="rId9"/>
+    <p:sldId id="261" r:id="rId10"/>
+    <p:sldId id="264" r:id="rId11"/>
+    <p:sldId id="298" r:id="rId12"/>
+    <p:sldId id="284" r:id="rId13"/>
+    <p:sldId id="285" r:id="rId14"/>
+    <p:sldId id="286" r:id="rId15"/>
+    <p:sldId id="287" r:id="rId16"/>
+    <p:sldId id="288" r:id="rId17"/>
+    <p:sldId id="289" r:id="rId18"/>
+    <p:sldId id="299" r:id="rId19"/>
+    <p:sldId id="266" r:id="rId20"/>
+    <p:sldId id="267" r:id="rId21"/>
+    <p:sldId id="268" r:id="rId22"/>
+    <p:sldId id="269" r:id="rId23"/>
+    <p:sldId id="270" r:id="rId24"/>
+    <p:sldId id="281" r:id="rId25"/>
+    <p:sldId id="280" r:id="rId26"/>
+    <p:sldId id="282" r:id="rId27"/>
+    <p:sldId id="283" r:id="rId28"/>
+    <p:sldId id="272" r:id="rId29"/>
+    <p:sldId id="300" r:id="rId30"/>
+    <p:sldId id="301" r:id="rId31"/>
+    <p:sldId id="291" r:id="rId32"/>
+    <p:sldId id="290" r:id="rId33"/>
+    <p:sldId id="292" r:id="rId34"/>
+    <p:sldId id="294" r:id="rId35"/>
+    <p:sldId id="293" r:id="rId36"/>
+    <p:sldId id="295" r:id="rId37"/>
+    <p:sldId id="296" r:id="rId38"/>
+    <p:sldId id="273" r:id="rId39"/>
+    <p:sldId id="275" r:id="rId40"/>
+    <p:sldId id="279" r:id="rId41"/>
+    <p:sldId id="276" r:id="rId42"/>
+    <p:sldId id="277" r:id="rId43"/>
+    <p:sldId id="278" r:id="rId44"/>
   </p:sldIdLst>
   <p:sldSz cx="12192000" cy="6858000"/>
   <p:notesSz cx="6858000" cy="9144000"/>
@@ -3133,43 +3137,368 @@
           <a:p>
             <a:r>
               <a:rPr lang="en-US"/>
-              <a:t>Inference</a:t>
+              <a:t>Bayesian network</a:t>
             </a:r>
           </a:p>
         </p:txBody>
       </p:sp>
-      <p:sp>
-        <p:nvSpPr>
-          <p:cNvPr id="3" name="Content Placeholder 2"/>
-          <p:cNvSpPr>
-            <a:spLocks noGrp="1"/>
-          </p:cNvSpPr>
-          <p:nvPr>
-            <p:ph idx="1"/>
-          </p:nvPr>
-        </p:nvSpPr>
-        <p:spPr/>
-        <p:txBody>
-          <a:bodyPr/>
-          <a:lstStyle/>
-          <a:p>
-            <a:r>
-              <a:rPr lang="en-US"/>
-              <a:t>Variable elimination</a:t>
-            </a:r>
-          </a:p>
-          <a:p>
-            <a:r>
-              <a:rPr lang="en-US"/>
-              <a:t>Bayesian inference</a:t>
-            </a:r>
-          </a:p>
-        </p:txBody>
-      </p:sp>
+      <p:pic>
+        <p:nvPicPr>
+          <p:cNvPr id="5" name="Picture 4" descr="Representation - Bayesian Networks - Jihong Ju's Blog"/>
+          <p:cNvPicPr>
+            <a:picLocks noChangeAspect="1" noChangeArrowheads="1"/>
+          </p:cNvPicPr>
+          <p:nvPr/>
+        </p:nvPicPr>
+        <p:blipFill>
+          <a:blip r:embed="rId2">
+            <a:extLst>
+              <a:ext uri="{28A0092B-C50C-407E-A947-70E740481C1C}">
+                <a14:useLocalDpi xmlns:a14="http://schemas.microsoft.com/office/drawing/2010/main" val="0"/>
+              </a:ext>
+            </a:extLst>
+          </a:blip>
+          <a:srcRect/>
+          <a:stretch>
+            <a:fillRect/>
+          </a:stretch>
+        </p:blipFill>
+        <p:spPr bwMode="auto">
+          <a:xfrm>
+            <a:off x="3505891" y="2295870"/>
+            <a:ext cx="5180215" cy="4094656"/>
+          </a:xfrm>
+          <a:prstGeom prst="rect">
+            <a:avLst/>
+          </a:prstGeom>
+          <a:noFill/>
+          <a:extLst>
+            <a:ext uri="{909E8E84-426E-40DD-AFC4-6F175D3DCCD1}">
+              <a14:hiddenFill xmlns:a14="http://schemas.microsoft.com/office/drawing/2010/main">
+                <a:solidFill>
+                  <a:srgbClr val="FFFFFF"/>
+                </a:solidFill>
+              </a14:hiddenFill>
+            </a:ext>
+          </a:extLst>
+        </p:spPr>
+      </p:pic>
+      <mc:AlternateContent xmlns:mc="http://schemas.openxmlformats.org/markup-compatibility/2006" xmlns:a14="http://schemas.microsoft.com/office/drawing/2010/main">
+        <mc:Choice Requires="a14">
+          <p:sp>
+            <p:nvSpPr>
+              <p:cNvPr id="6" name="TextBox 5"/>
+              <p:cNvSpPr txBox="1"/>
+              <p:nvPr/>
+            </p:nvSpPr>
+            <p:spPr>
+              <a:xfrm>
+                <a:off x="2246514" y="1475244"/>
+                <a:ext cx="7698971" cy="430887"/>
+              </a:xfrm>
+              <a:prstGeom prst="rect">
+                <a:avLst/>
+              </a:prstGeom>
+              <a:noFill/>
+            </p:spPr>
+            <p:txBody>
+              <a:bodyPr wrap="square" lIns="0" tIns="0" rIns="0" bIns="0" rtlCol="0">
+                <a:spAutoFit/>
+              </a:bodyPr>
+              <a:lstStyle/>
+              <a:p>
+                <a:pPr/>
+                <a14:m>
+                  <m:oMathPara xmlns:m="http://schemas.openxmlformats.org/officeDocument/2006/math">
+                    <m:oMathParaPr>
+                      <m:jc m:val="centerGroup"/>
+                    </m:oMathParaPr>
+                    <m:oMath xmlns:m="http://schemas.openxmlformats.org/officeDocument/2006/math">
+                      <m:r>
+                        <a:rPr lang="en-US" sz="2800" b="0" i="1" smtClean="0">
+                          <a:latin typeface="Cambria Math" panose="02040503050406030204" pitchFamily="18" charset="0"/>
+                        </a:rPr>
+                        <m:t>𝑃</m:t>
+                      </m:r>
+                      <m:d>
+                        <m:dPr>
+                          <m:ctrlPr>
+                            <a:rPr lang="en-US" sz="2800" b="0" i="1" smtClean="0">
+                              <a:latin typeface="Cambria Math" panose="02040503050406030204" pitchFamily="18" charset="0"/>
+                            </a:rPr>
+                          </m:ctrlPr>
+                        </m:dPr>
+                        <m:e>
+                          <m:r>
+                            <a:rPr lang="en-US" sz="2800" b="0" i="1" smtClean="0">
+                              <a:latin typeface="Cambria Math" panose="02040503050406030204" pitchFamily="18" charset="0"/>
+                            </a:rPr>
+                            <m:t>𝑑</m:t>
+                          </m:r>
+                          <m:r>
+                            <a:rPr lang="en-US" sz="2800" b="0" i="1" smtClean="0">
+                              <a:latin typeface="Cambria Math" panose="02040503050406030204" pitchFamily="18" charset="0"/>
+                            </a:rPr>
+                            <m:t>,</m:t>
+                          </m:r>
+                          <m:r>
+                            <a:rPr lang="en-US" sz="2800" b="0" i="1" smtClean="0">
+                              <a:latin typeface="Cambria Math" panose="02040503050406030204" pitchFamily="18" charset="0"/>
+                            </a:rPr>
+                            <m:t>𝑖</m:t>
+                          </m:r>
+                          <m:r>
+                            <a:rPr lang="en-US" sz="2800" b="0" i="1" smtClean="0">
+                              <a:latin typeface="Cambria Math" panose="02040503050406030204" pitchFamily="18" charset="0"/>
+                            </a:rPr>
+                            <m:t>,</m:t>
+                          </m:r>
+                          <m:r>
+                            <a:rPr lang="en-US" sz="2800" b="0" i="1" smtClean="0">
+                              <a:latin typeface="Cambria Math" panose="02040503050406030204" pitchFamily="18" charset="0"/>
+                            </a:rPr>
+                            <m:t>𝑔</m:t>
+                          </m:r>
+                          <m:r>
+                            <a:rPr lang="en-US" sz="2800" b="0" i="1" smtClean="0">
+                              <a:latin typeface="Cambria Math" panose="02040503050406030204" pitchFamily="18" charset="0"/>
+                            </a:rPr>
+                            <m:t>,</m:t>
+                          </m:r>
+                          <m:r>
+                            <a:rPr lang="en-US" sz="2800" b="0" i="1" smtClean="0">
+                              <a:latin typeface="Cambria Math" panose="02040503050406030204" pitchFamily="18" charset="0"/>
+                            </a:rPr>
+                            <m:t>𝑠</m:t>
+                          </m:r>
+                          <m:r>
+                            <a:rPr lang="en-US" sz="2800" b="0" i="1" smtClean="0">
+                              <a:latin typeface="Cambria Math" panose="02040503050406030204" pitchFamily="18" charset="0"/>
+                            </a:rPr>
+                            <m:t>,</m:t>
+                          </m:r>
+                          <m:r>
+                            <a:rPr lang="en-US" sz="2800" b="0" i="1" smtClean="0">
+                              <a:latin typeface="Cambria Math" panose="02040503050406030204" pitchFamily="18" charset="0"/>
+                            </a:rPr>
+                            <m:t>𝑙</m:t>
+                          </m:r>
+                          <m:r>
+                            <a:rPr lang="en-US" sz="2800" b="0" i="1" smtClean="0">
+                              <a:latin typeface="Cambria Math" panose="02040503050406030204" pitchFamily="18" charset="0"/>
+                            </a:rPr>
+                            <m:t> </m:t>
+                          </m:r>
+                        </m:e>
+                      </m:d>
+                      <m:r>
+                        <a:rPr lang="en-US" sz="2800" b="0" i="1" smtClean="0">
+                          <a:latin typeface="Cambria Math" panose="02040503050406030204" pitchFamily="18" charset="0"/>
+                        </a:rPr>
+                        <m:t>=</m:t>
+                      </m:r>
+                      <m:r>
+                        <a:rPr lang="en-US" sz="2800" b="0" i="1" smtClean="0">
+                          <a:latin typeface="Cambria Math" panose="02040503050406030204" pitchFamily="18" charset="0"/>
+                        </a:rPr>
+                        <m:t>𝑃</m:t>
+                      </m:r>
+                      <m:d>
+                        <m:dPr>
+                          <m:ctrlPr>
+                            <a:rPr lang="en-US" sz="2800" b="0" i="1" smtClean="0">
+                              <a:latin typeface="Cambria Math" panose="02040503050406030204" pitchFamily="18" charset="0"/>
+                            </a:rPr>
+                          </m:ctrlPr>
+                        </m:dPr>
+                        <m:e>
+                          <m:r>
+                            <a:rPr lang="en-US" sz="2800" b="0" i="1" smtClean="0">
+                              <a:latin typeface="Cambria Math" panose="02040503050406030204" pitchFamily="18" charset="0"/>
+                            </a:rPr>
+                            <m:t>𝑑</m:t>
+                          </m:r>
+                        </m:e>
+                      </m:d>
+                      <m:r>
+                        <a:rPr lang="en-US" sz="2800" b="0" i="1" smtClean="0">
+                          <a:latin typeface="Cambria Math" panose="02040503050406030204" pitchFamily="18" charset="0"/>
+                        </a:rPr>
+                        <m:t>𝑃</m:t>
+                      </m:r>
+                      <m:d>
+                        <m:dPr>
+                          <m:ctrlPr>
+                            <a:rPr lang="en-US" sz="2800" b="0" i="1" smtClean="0">
+                              <a:latin typeface="Cambria Math" panose="02040503050406030204" pitchFamily="18" charset="0"/>
+                            </a:rPr>
+                          </m:ctrlPr>
+                        </m:dPr>
+                        <m:e>
+                          <m:r>
+                            <a:rPr lang="en-US" sz="2800" b="0" i="1" smtClean="0">
+                              <a:latin typeface="Cambria Math" panose="02040503050406030204" pitchFamily="18" charset="0"/>
+                            </a:rPr>
+                            <m:t>𝑖</m:t>
+                          </m:r>
+                        </m:e>
+                      </m:d>
+                      <m:r>
+                        <a:rPr lang="en-US" sz="2800" b="0" i="1" smtClean="0">
+                          <a:latin typeface="Cambria Math" panose="02040503050406030204" pitchFamily="18" charset="0"/>
+                        </a:rPr>
+                        <m:t>𝑃</m:t>
+                      </m:r>
+                      <m:d>
+                        <m:dPr>
+                          <m:ctrlPr>
+                            <a:rPr lang="en-US" sz="2800" b="0" i="1" smtClean="0">
+                              <a:latin typeface="Cambria Math" panose="02040503050406030204" pitchFamily="18" charset="0"/>
+                            </a:rPr>
+                          </m:ctrlPr>
+                        </m:dPr>
+                        <m:e>
+                          <m:r>
+                            <a:rPr lang="en-US" sz="2800" b="0" i="1" smtClean="0">
+                              <a:latin typeface="Cambria Math" panose="02040503050406030204" pitchFamily="18" charset="0"/>
+                            </a:rPr>
+                            <m:t>𝑔</m:t>
+                          </m:r>
+                        </m:e>
+                        <m:e>
+                          <m:r>
+                            <a:rPr lang="en-US" sz="2800" b="0" i="1" smtClean="0">
+                              <a:latin typeface="Cambria Math" panose="02040503050406030204" pitchFamily="18" charset="0"/>
+                            </a:rPr>
+                            <m:t>𝑑</m:t>
+                          </m:r>
+                          <m:r>
+                            <a:rPr lang="en-US" sz="2800" b="0" i="1" smtClean="0">
+                              <a:latin typeface="Cambria Math" panose="02040503050406030204" pitchFamily="18" charset="0"/>
+                            </a:rPr>
+                            <m:t>,</m:t>
+                          </m:r>
+                          <m:r>
+                            <a:rPr lang="en-US" sz="2800" b="0" i="1" smtClean="0">
+                              <a:latin typeface="Cambria Math" panose="02040503050406030204" pitchFamily="18" charset="0"/>
+                            </a:rPr>
+                            <m:t>𝑖</m:t>
+                          </m:r>
+                        </m:e>
+                      </m:d>
+                      <m:r>
+                        <a:rPr lang="en-US" sz="2800" b="0" i="1" smtClean="0">
+                          <a:latin typeface="Cambria Math" panose="02040503050406030204" pitchFamily="18" charset="0"/>
+                        </a:rPr>
+                        <m:t>𝑃</m:t>
+                      </m:r>
+                      <m:d>
+                        <m:dPr>
+                          <m:ctrlPr>
+                            <a:rPr lang="en-US" sz="2800" b="0" i="1" smtClean="0">
+                              <a:latin typeface="Cambria Math" panose="02040503050406030204" pitchFamily="18" charset="0"/>
+                            </a:rPr>
+                          </m:ctrlPr>
+                        </m:dPr>
+                        <m:e>
+                          <m:r>
+                            <a:rPr lang="en-US" sz="2800" b="0" i="1" smtClean="0">
+                              <a:latin typeface="Cambria Math" panose="02040503050406030204" pitchFamily="18" charset="0"/>
+                            </a:rPr>
+                            <m:t>𝑠</m:t>
+                          </m:r>
+                        </m:e>
+                        <m:e>
+                          <m:r>
+                            <a:rPr lang="en-US" sz="2800" b="0" i="1" smtClean="0">
+                              <a:latin typeface="Cambria Math" panose="02040503050406030204" pitchFamily="18" charset="0"/>
+                            </a:rPr>
+                            <m:t>𝑖</m:t>
+                          </m:r>
+                        </m:e>
+                      </m:d>
+                      <m:r>
+                        <a:rPr lang="en-US" sz="2800" b="0" i="1" smtClean="0">
+                          <a:latin typeface="Cambria Math" panose="02040503050406030204" pitchFamily="18" charset="0"/>
+                        </a:rPr>
+                        <m:t>𝑃</m:t>
+                      </m:r>
+                      <m:d>
+                        <m:dPr>
+                          <m:ctrlPr>
+                            <a:rPr lang="en-US" sz="2800" b="0" i="1" smtClean="0">
+                              <a:latin typeface="Cambria Math" panose="02040503050406030204" pitchFamily="18" charset="0"/>
+                            </a:rPr>
+                          </m:ctrlPr>
+                        </m:dPr>
+                        <m:e>
+                          <m:r>
+                            <a:rPr lang="en-US" sz="2800" b="0" i="1" smtClean="0">
+                              <a:latin typeface="Cambria Math" panose="02040503050406030204" pitchFamily="18" charset="0"/>
+                            </a:rPr>
+                            <m:t>𝑙</m:t>
+                          </m:r>
+                        </m:e>
+                        <m:e>
+                          <m:r>
+                            <a:rPr lang="en-US" sz="2800" b="0" i="1" smtClean="0">
+                              <a:latin typeface="Cambria Math" panose="02040503050406030204" pitchFamily="18" charset="0"/>
+                            </a:rPr>
+                            <m:t>𝑔</m:t>
+                          </m:r>
+                        </m:e>
+                      </m:d>
+                    </m:oMath>
+                  </m:oMathPara>
+                </a14:m>
+                <a:endParaRPr lang="en-US" sz="2800"/>
+              </a:p>
+            </p:txBody>
+          </p:sp>
+        </mc:Choice>
+        <mc:Fallback xmlns="">
+          <p:sp>
+            <p:nvSpPr>
+              <p:cNvPr id="6" name="TextBox 5"/>
+              <p:cNvSpPr txBox="1">
+                <a:spLocks noRot="1" noChangeAspect="1" noMove="1" noResize="1" noEditPoints="1" noAdjustHandles="1" noChangeArrowheads="1" noChangeShapeType="1" noTextEdit="1"/>
+              </p:cNvSpPr>
+              <p:nvPr/>
+            </p:nvSpPr>
+            <p:spPr>
+              <a:xfrm>
+                <a:off x="2246514" y="1475244"/>
+                <a:ext cx="7698971" cy="430887"/>
+              </a:xfrm>
+              <a:prstGeom prst="rect">
+                <a:avLst/>
+              </a:prstGeom>
+              <a:blipFill>
+                <a:blip r:embed="rId3"/>
+                <a:stretch>
+                  <a:fillRect/>
+                </a:stretch>
+              </a:blipFill>
+            </p:spPr>
+            <p:txBody>
+              <a:bodyPr/>
+              <a:lstStyle/>
+              <a:p>
+                <a:r>
+                  <a:rPr lang="en-US">
+                    <a:noFill/>
+                  </a:rPr>
+                  <a:t> </a:t>
+                </a:r>
+              </a:p>
+            </p:txBody>
+          </p:sp>
+        </mc:Fallback>
+      </mc:AlternateContent>
     </p:spTree>
     <p:extLst>
       <p:ext uri="{BB962C8B-B14F-4D97-AF65-F5344CB8AC3E}">
-        <p14:creationId xmlns:p14="http://schemas.microsoft.com/office/powerpoint/2010/main" val="3537058616"/>
+        <p14:creationId xmlns:p14="http://schemas.microsoft.com/office/powerpoint/2010/main" val="58311384"/>
       </p:ext>
     </p:extLst>
   </p:cSld>
@@ -3203,230 +3532,46 @@
             <a:spLocks noGrp="1"/>
           </p:cNvSpPr>
           <p:nvPr>
-            <p:ph type="title"/>
+            <p:ph type="ctrTitle"/>
           </p:nvPr>
         </p:nvSpPr>
-        <p:spPr/>
+        <p:spPr>
+          <a:xfrm>
+            <a:off x="1798320" y="2128202"/>
+            <a:ext cx="9144000" cy="2387600"/>
+          </a:xfrm>
+        </p:spPr>
         <p:txBody>
-          <a:bodyPr/>
+          <a:bodyPr>
+            <a:normAutofit fontScale="90000"/>
+          </a:bodyPr>
           <a:lstStyle/>
           <a:p>
             <a:r>
-              <a:rPr lang="en-US"/>
-              <a:t>Marginal inference</a:t>
+              <a:rPr lang="en-US" dirty="0"/>
+              <a:t>Part 1.3</a:t>
+            </a:r>
+            <a:br>
+              <a:rPr lang="en-US" dirty="0"/>
+            </a:br>
+            <a:r>
+              <a:rPr lang="en-US" dirty="0"/>
+              <a:t>Probabilistic Graphical Model</a:t>
+            </a:r>
+            <a:br>
+              <a:rPr lang="en-US" dirty="0"/>
+            </a:br>
+            <a:r>
+              <a:rPr lang="en-US" dirty="0"/>
+              <a:t>(Learning methods)</a:t>
             </a:r>
           </a:p>
         </p:txBody>
       </p:sp>
-      <p:pic>
-        <p:nvPicPr>
-          <p:cNvPr id="9" name="Picture 8"/>
-          <p:cNvPicPr>
-            <a:picLocks noChangeAspect="1"/>
-          </p:cNvPicPr>
-          <p:nvPr/>
-        </p:nvPicPr>
-        <p:blipFill>
-          <a:blip r:embed="rId2"/>
-          <a:stretch>
-            <a:fillRect/>
-          </a:stretch>
-        </p:blipFill>
-        <p:spPr>
-          <a:xfrm>
-            <a:off x="3286125" y="1690688"/>
-            <a:ext cx="5619750" cy="962025"/>
-          </a:xfrm>
-          <a:prstGeom prst="rect">
-            <a:avLst/>
-          </a:prstGeom>
-        </p:spPr>
-      </p:pic>
-      <p:pic>
-        <p:nvPicPr>
-          <p:cNvPr id="10" name="Picture 9"/>
-          <p:cNvPicPr>
-            <a:picLocks noChangeAspect="1"/>
-          </p:cNvPicPr>
-          <p:nvPr/>
-        </p:nvPicPr>
-        <p:blipFill>
-          <a:blip r:embed="rId3"/>
-          <a:stretch>
-            <a:fillRect/>
-          </a:stretch>
-        </p:blipFill>
-        <p:spPr>
-          <a:xfrm>
-            <a:off x="3648075" y="2924969"/>
-            <a:ext cx="4895850" cy="1019175"/>
-          </a:xfrm>
-          <a:prstGeom prst="rect">
-            <a:avLst/>
-          </a:prstGeom>
-        </p:spPr>
-      </p:pic>
-      <p:pic>
-        <p:nvPicPr>
-          <p:cNvPr id="11" name="Picture 10"/>
-          <p:cNvPicPr>
-            <a:picLocks noChangeAspect="1"/>
-          </p:cNvPicPr>
-          <p:nvPr/>
-        </p:nvPicPr>
-        <p:blipFill>
-          <a:blip r:embed="rId4"/>
-          <a:stretch>
-            <a:fillRect/>
-          </a:stretch>
-        </p:blipFill>
-        <p:spPr>
-          <a:xfrm>
-            <a:off x="1681162" y="4216400"/>
-            <a:ext cx="8829675" cy="1895475"/>
-          </a:xfrm>
-          <a:prstGeom prst="rect">
-            <a:avLst/>
-          </a:prstGeom>
-        </p:spPr>
-      </p:pic>
-      <mc:AlternateContent xmlns:mc="http://schemas.openxmlformats.org/markup-compatibility/2006" xmlns:a14="http://schemas.microsoft.com/office/drawing/2010/main">
-        <mc:Choice Requires="a14">
-          <p:sp>
-            <p:nvSpPr>
-              <p:cNvPr id="3" name="Rectangle 2"/>
-              <p:cNvSpPr/>
-              <p:nvPr/>
-            </p:nvSpPr>
-            <p:spPr>
-              <a:xfrm>
-                <a:off x="2716875" y="6043353"/>
-                <a:ext cx="6758248" cy="507076"/>
-              </a:xfrm>
-              <a:prstGeom prst="rect">
-                <a:avLst/>
-              </a:prstGeom>
-            </p:spPr>
-            <p:style>
-              <a:lnRef idx="2">
-                <a:schemeClr val="accent1">
-                  <a:shade val="50000"/>
-                </a:schemeClr>
-              </a:lnRef>
-              <a:fillRef idx="1">
-                <a:schemeClr val="accent1"/>
-              </a:fillRef>
-              <a:effectRef idx="0">
-                <a:schemeClr val="accent1"/>
-              </a:effectRef>
-              <a:fontRef idx="minor">
-                <a:schemeClr val="lt1"/>
-              </a:fontRef>
-            </p:style>
-            <p:txBody>
-              <a:bodyPr rtlCol="0" anchor="ctr"/>
-              <a:lstStyle/>
-              <a:p>
-                <a:pPr algn="ctr"/>
-                <a14:m>
-                  <m:oMathPara xmlns:m="http://schemas.openxmlformats.org/officeDocument/2006/math">
-                    <m:oMathParaPr>
-                      <m:jc m:val="centerGroup"/>
-                    </m:oMathParaPr>
-                    <m:oMath xmlns:m="http://schemas.openxmlformats.org/officeDocument/2006/math">
-                      <m:r>
-                        <a:rPr lang="en-US" b="0" i="1" smtClean="0">
-                          <a:latin typeface="Cambria Math" panose="02040503050406030204" pitchFamily="18" charset="0"/>
-                        </a:rPr>
-                        <m:t>𝑂</m:t>
-                      </m:r>
-                      <m:d>
-                        <m:dPr>
-                          <m:ctrlPr>
-                            <a:rPr lang="en-US" b="0" i="1" smtClean="0">
-                              <a:latin typeface="Cambria Math" panose="02040503050406030204" pitchFamily="18" charset="0"/>
-                            </a:rPr>
-                          </m:ctrlPr>
-                        </m:dPr>
-                        <m:e>
-                          <m:sSup>
-                            <m:sSupPr>
-                              <m:ctrlPr>
-                                <a:rPr lang="en-US" b="0" i="1" smtClean="0">
-                                  <a:latin typeface="Cambria Math" panose="02040503050406030204" pitchFamily="18" charset="0"/>
-                                </a:rPr>
-                              </m:ctrlPr>
-                            </m:sSupPr>
-                            <m:e>
-                              <m:r>
-                                <a:rPr lang="en-US" b="0" i="1" smtClean="0">
-                                  <a:latin typeface="Cambria Math" panose="02040503050406030204" pitchFamily="18" charset="0"/>
-                                </a:rPr>
-                                <m:t>𝑘</m:t>
-                              </m:r>
-                            </m:e>
-                            <m:sup>
-                              <m:r>
-                                <a:rPr lang="en-US" b="0" i="1" smtClean="0">
-                                  <a:latin typeface="Cambria Math" panose="02040503050406030204" pitchFamily="18" charset="0"/>
-                                </a:rPr>
-                                <m:t>𝑛</m:t>
-                              </m:r>
-                            </m:sup>
-                          </m:sSup>
-                        </m:e>
-                      </m:d>
-                    </m:oMath>
-                  </m:oMathPara>
-                </a14:m>
-                <a:endParaRPr lang="en-US"/>
-              </a:p>
-            </p:txBody>
-          </p:sp>
-        </mc:Choice>
-        <mc:Fallback xmlns="">
-          <p:sp>
-            <p:nvSpPr>
-              <p:cNvPr id="3" name="Rectangle 2"/>
-              <p:cNvSpPr>
-                <a:spLocks noRot="1" noChangeAspect="1" noMove="1" noResize="1" noEditPoints="1" noAdjustHandles="1" noChangeArrowheads="1" noChangeShapeType="1" noTextEdit="1"/>
-              </p:cNvSpPr>
-              <p:nvPr/>
-            </p:nvSpPr>
-            <p:spPr>
-              <a:xfrm>
-                <a:off x="2716875" y="6043353"/>
-                <a:ext cx="6758248" cy="507076"/>
-              </a:xfrm>
-              <a:prstGeom prst="rect">
-                <a:avLst/>
-              </a:prstGeom>
-              <a:blipFill>
-                <a:blip r:embed="rId5"/>
-                <a:stretch>
-                  <a:fillRect/>
-                </a:stretch>
-              </a:blipFill>
-            </p:spPr>
-            <p:txBody>
-              <a:bodyPr/>
-              <a:lstStyle/>
-              <a:p>
-                <a:r>
-                  <a:rPr lang="en-US">
-                    <a:noFill/>
-                  </a:rPr>
-                  <a:t> </a:t>
-                </a:r>
-              </a:p>
-            </p:txBody>
-          </p:sp>
-        </mc:Fallback>
-      </mc:AlternateContent>
     </p:spTree>
     <p:extLst>
       <p:ext uri="{BB962C8B-B14F-4D97-AF65-F5344CB8AC3E}">
-        <p14:creationId xmlns:p14="http://schemas.microsoft.com/office/powerpoint/2010/main" val="4188537407"/>
+        <p14:creationId xmlns:p14="http://schemas.microsoft.com/office/powerpoint/2010/main" val="1857078452"/>
       </p:ext>
     </p:extLst>
   </p:cSld>
@@ -3437,3157 +3582,6 @@
 </file>
 
 <file path=ppt/slides/slide12.xml><?xml version="1.0" encoding="utf-8"?>
-<p:sld xmlns:a="http://schemas.openxmlformats.org/drawingml/2006/main" xmlns:r="http://schemas.openxmlformats.org/officeDocument/2006/relationships" xmlns:p="http://schemas.openxmlformats.org/presentationml/2006/main">
-  <p:cSld>
-    <p:spTree>
-      <p:nvGrpSpPr>
-        <p:cNvPr id="1" name=""/>
-        <p:cNvGrpSpPr/>
-        <p:nvPr/>
-      </p:nvGrpSpPr>
-      <p:grpSpPr>
-        <a:xfrm>
-          <a:off x="0" y="0"/>
-          <a:ext cx="0" cy="0"/>
-          <a:chOff x="0" y="0"/>
-          <a:chExt cx="0" cy="0"/>
-        </a:xfrm>
-      </p:grpSpPr>
-      <p:sp>
-        <p:nvSpPr>
-          <p:cNvPr id="2" name="Title 1"/>
-          <p:cNvSpPr>
-            <a:spLocks noGrp="1"/>
-          </p:cNvSpPr>
-          <p:nvPr>
-            <p:ph type="title"/>
-          </p:nvPr>
-        </p:nvSpPr>
-        <p:spPr/>
-        <p:txBody>
-          <a:bodyPr/>
-          <a:lstStyle/>
-          <a:p>
-            <a:r>
-              <a:rPr lang="en-US"/>
-              <a:t>Marginal inference</a:t>
-            </a:r>
-          </a:p>
-        </p:txBody>
-      </p:sp>
-      <p:pic>
-        <p:nvPicPr>
-          <p:cNvPr id="11" name="Picture 10"/>
-          <p:cNvPicPr>
-            <a:picLocks noChangeAspect="1"/>
-          </p:cNvPicPr>
-          <p:nvPr/>
-        </p:nvPicPr>
-        <p:blipFill>
-          <a:blip r:embed="rId2"/>
-          <a:stretch>
-            <a:fillRect/>
-          </a:stretch>
-        </p:blipFill>
-        <p:spPr>
-          <a:xfrm>
-            <a:off x="1681162" y="1690688"/>
-            <a:ext cx="8829675" cy="1895475"/>
-          </a:xfrm>
-          <a:prstGeom prst="rect">
-            <a:avLst/>
-          </a:prstGeom>
-        </p:spPr>
-      </p:pic>
-      <p:pic>
-        <p:nvPicPr>
-          <p:cNvPr id="3" name="Picture 2"/>
-          <p:cNvPicPr>
-            <a:picLocks noChangeAspect="1"/>
-          </p:cNvPicPr>
-          <p:nvPr/>
-        </p:nvPicPr>
-        <p:blipFill>
-          <a:blip r:embed="rId3"/>
-          <a:stretch>
-            <a:fillRect/>
-          </a:stretch>
-        </p:blipFill>
-        <p:spPr>
-          <a:xfrm>
-            <a:off x="4362449" y="3586163"/>
-            <a:ext cx="3467100" cy="485775"/>
-          </a:xfrm>
-          <a:prstGeom prst="rect">
-            <a:avLst/>
-          </a:prstGeom>
-        </p:spPr>
-      </p:pic>
-      <p:pic>
-        <p:nvPicPr>
-          <p:cNvPr id="4" name="Picture 3"/>
-          <p:cNvPicPr>
-            <a:picLocks noChangeAspect="1"/>
-          </p:cNvPicPr>
-          <p:nvPr/>
-        </p:nvPicPr>
-        <p:blipFill>
-          <a:blip r:embed="rId4"/>
-          <a:stretch>
-            <a:fillRect/>
-          </a:stretch>
-        </p:blipFill>
-        <p:spPr>
-          <a:xfrm>
-            <a:off x="1681161" y="4071938"/>
-            <a:ext cx="8829675" cy="1057275"/>
-          </a:xfrm>
-          <a:prstGeom prst="rect">
-            <a:avLst/>
-          </a:prstGeom>
-        </p:spPr>
-      </p:pic>
-      <mc:AlternateContent xmlns:mc="http://schemas.openxmlformats.org/markup-compatibility/2006" xmlns:a14="http://schemas.microsoft.com/office/drawing/2010/main">
-        <mc:Choice Requires="a14">
-          <p:sp>
-            <p:nvSpPr>
-              <p:cNvPr id="6" name="Rectangle 5"/>
-              <p:cNvSpPr/>
-              <p:nvPr/>
-            </p:nvSpPr>
-            <p:spPr>
-              <a:xfrm>
-                <a:off x="2716874" y="5129213"/>
-                <a:ext cx="6758248" cy="507076"/>
-              </a:xfrm>
-              <a:prstGeom prst="rect">
-                <a:avLst/>
-              </a:prstGeom>
-            </p:spPr>
-            <p:style>
-              <a:lnRef idx="2">
-                <a:schemeClr val="accent1">
-                  <a:shade val="50000"/>
-                </a:schemeClr>
-              </a:lnRef>
-              <a:fillRef idx="1">
-                <a:schemeClr val="accent1"/>
-              </a:fillRef>
-              <a:effectRef idx="0">
-                <a:schemeClr val="accent1"/>
-              </a:effectRef>
-              <a:fontRef idx="minor">
-                <a:schemeClr val="lt1"/>
-              </a:fontRef>
-            </p:style>
-            <p:txBody>
-              <a:bodyPr rtlCol="0" anchor="ctr"/>
-              <a:lstStyle/>
-              <a:p>
-                <a:pPr algn="ctr"/>
-                <a14:m>
-                  <m:oMathPara xmlns:m="http://schemas.openxmlformats.org/officeDocument/2006/math">
-                    <m:oMathParaPr>
-                      <m:jc m:val="centerGroup"/>
-                    </m:oMathParaPr>
-                    <m:oMath xmlns:m="http://schemas.openxmlformats.org/officeDocument/2006/math">
-                      <m:r>
-                        <a:rPr lang="en-US" b="0" i="1" smtClean="0">
-                          <a:latin typeface="Cambria Math" panose="02040503050406030204" pitchFamily="18" charset="0"/>
-                        </a:rPr>
-                        <m:t>𝑂</m:t>
-                      </m:r>
-                      <m:d>
-                        <m:dPr>
-                          <m:ctrlPr>
-                            <a:rPr lang="en-US" b="0" i="1" smtClean="0">
-                              <a:latin typeface="Cambria Math" panose="02040503050406030204" pitchFamily="18" charset="0"/>
-                            </a:rPr>
-                          </m:ctrlPr>
-                        </m:dPr>
-                        <m:e>
-                          <m:sSup>
-                            <m:sSupPr>
-                              <m:ctrlPr>
-                                <a:rPr lang="en-US" b="0" i="1" smtClean="0">
-                                  <a:latin typeface="Cambria Math" panose="02040503050406030204" pitchFamily="18" charset="0"/>
-                                </a:rPr>
-                              </m:ctrlPr>
-                            </m:sSupPr>
-                            <m:e>
-                              <m:r>
-                                <a:rPr lang="en-US" b="0" i="1" smtClean="0">
-                                  <a:latin typeface="Cambria Math" panose="02040503050406030204" pitchFamily="18" charset="0"/>
-                                </a:rPr>
-                                <m:t>𝑛𝑘</m:t>
-                              </m:r>
-                            </m:e>
-                            <m:sup>
-                              <m:r>
-                                <a:rPr lang="en-US" b="0" i="1" smtClean="0">
-                                  <a:latin typeface="Cambria Math" panose="02040503050406030204" pitchFamily="18" charset="0"/>
-                                </a:rPr>
-                                <m:t>2</m:t>
-                              </m:r>
-                            </m:sup>
-                          </m:sSup>
-                        </m:e>
-                      </m:d>
-                    </m:oMath>
-                  </m:oMathPara>
-                </a14:m>
-                <a:endParaRPr lang="en-US"/>
-              </a:p>
-            </p:txBody>
-          </p:sp>
-        </mc:Choice>
-        <mc:Fallback xmlns="">
-          <p:sp>
-            <p:nvSpPr>
-              <p:cNvPr id="6" name="Rectangle 5"/>
-              <p:cNvSpPr>
-                <a:spLocks noRot="1" noChangeAspect="1" noMove="1" noResize="1" noEditPoints="1" noAdjustHandles="1" noChangeArrowheads="1" noChangeShapeType="1" noTextEdit="1"/>
-              </p:cNvSpPr>
-              <p:nvPr/>
-            </p:nvSpPr>
-            <p:spPr>
-              <a:xfrm>
-                <a:off x="2716874" y="5129213"/>
-                <a:ext cx="6758248" cy="507076"/>
-              </a:xfrm>
-              <a:prstGeom prst="rect">
-                <a:avLst/>
-              </a:prstGeom>
-              <a:blipFill>
-                <a:blip r:embed="rId5"/>
-                <a:stretch>
-                  <a:fillRect/>
-                </a:stretch>
-              </a:blipFill>
-            </p:spPr>
-            <p:txBody>
-              <a:bodyPr/>
-              <a:lstStyle/>
-              <a:p>
-                <a:r>
-                  <a:rPr lang="en-US">
-                    <a:noFill/>
-                  </a:rPr>
-                  <a:t> </a:t>
-                </a:r>
-              </a:p>
-            </p:txBody>
-          </p:sp>
-        </mc:Fallback>
-      </mc:AlternateContent>
-    </p:spTree>
-    <p:extLst>
-      <p:ext uri="{BB962C8B-B14F-4D97-AF65-F5344CB8AC3E}">
-        <p14:creationId xmlns:p14="http://schemas.microsoft.com/office/powerpoint/2010/main" val="2984199596"/>
-      </p:ext>
-    </p:extLst>
-  </p:cSld>
-  <p:clrMapOvr>
-    <a:masterClrMapping/>
-  </p:clrMapOvr>
-</p:sld>
-</file>
-
-<file path=ppt/slides/slide13.xml><?xml version="1.0" encoding="utf-8"?>
-<p:sld xmlns:a="http://schemas.openxmlformats.org/drawingml/2006/main" xmlns:r="http://schemas.openxmlformats.org/officeDocument/2006/relationships" xmlns:p="http://schemas.openxmlformats.org/presentationml/2006/main">
-  <p:cSld>
-    <p:spTree>
-      <p:nvGrpSpPr>
-        <p:cNvPr id="1" name=""/>
-        <p:cNvGrpSpPr/>
-        <p:nvPr/>
-      </p:nvGrpSpPr>
-      <p:grpSpPr>
-        <a:xfrm>
-          <a:off x="0" y="0"/>
-          <a:ext cx="0" cy="0"/>
-          <a:chOff x="0" y="0"/>
-          <a:chExt cx="0" cy="0"/>
-        </a:xfrm>
-      </p:grpSpPr>
-      <p:sp>
-        <p:nvSpPr>
-          <p:cNvPr id="2" name="Title 1"/>
-          <p:cNvSpPr>
-            <a:spLocks noGrp="1"/>
-          </p:cNvSpPr>
-          <p:nvPr>
-            <p:ph type="title"/>
-          </p:nvPr>
-        </p:nvSpPr>
-        <p:spPr/>
-        <p:txBody>
-          <a:bodyPr/>
-          <a:lstStyle/>
-          <a:p>
-            <a:r>
-              <a:rPr lang="en-US"/>
-              <a:t>Variable elimination</a:t>
-            </a:r>
-          </a:p>
-        </p:txBody>
-      </p:sp>
-      <p:pic>
-        <p:nvPicPr>
-          <p:cNvPr id="4" name="Picture 3" descr="Representation - Bayesian Networks - Jihong Ju's Blog"/>
-          <p:cNvPicPr>
-            <a:picLocks noChangeAspect="1" noChangeArrowheads="1"/>
-          </p:cNvPicPr>
-          <p:nvPr/>
-        </p:nvPicPr>
-        <p:blipFill>
-          <a:blip r:embed="rId2">
-            <a:extLst>
-              <a:ext uri="{28A0092B-C50C-407E-A947-70E740481C1C}">
-                <a14:useLocalDpi xmlns:a14="http://schemas.microsoft.com/office/drawing/2010/main" val="0"/>
-              </a:ext>
-            </a:extLst>
-          </a:blip>
-          <a:srcRect/>
-          <a:stretch>
-            <a:fillRect/>
-          </a:stretch>
-        </p:blipFill>
-        <p:spPr bwMode="auto">
-          <a:xfrm>
-            <a:off x="3505892" y="1993520"/>
-            <a:ext cx="5180215" cy="4094656"/>
-          </a:xfrm>
-          <a:prstGeom prst="rect">
-            <a:avLst/>
-          </a:prstGeom>
-          <a:noFill/>
-          <a:extLst>
-            <a:ext uri="{909E8E84-426E-40DD-AFC4-6F175D3DCCD1}">
-              <a14:hiddenFill xmlns:a14="http://schemas.microsoft.com/office/drawing/2010/main">
-                <a:solidFill>
-                  <a:srgbClr val="FFFFFF"/>
-                </a:solidFill>
-              </a14:hiddenFill>
-            </a:ext>
-          </a:extLst>
-        </p:spPr>
-      </p:pic>
-      <mc:AlternateContent xmlns:mc="http://schemas.openxmlformats.org/markup-compatibility/2006" xmlns:a14="http://schemas.microsoft.com/office/drawing/2010/main">
-        <mc:Choice Requires="a14">
-          <p:sp>
-            <p:nvSpPr>
-              <p:cNvPr id="5" name="Rectangle 4"/>
-              <p:cNvSpPr/>
-              <p:nvPr/>
-            </p:nvSpPr>
-            <p:spPr>
-              <a:xfrm>
-                <a:off x="5375481" y="1318884"/>
-                <a:ext cx="1441036" cy="523220"/>
-              </a:xfrm>
-              <a:prstGeom prst="rect">
-                <a:avLst/>
-              </a:prstGeom>
-            </p:spPr>
-            <p:txBody>
-              <a:bodyPr wrap="none">
-                <a:spAutoFit/>
-              </a:bodyPr>
-              <a:lstStyle/>
-              <a:p>
-                <a:pPr/>
-                <a14:m>
-                  <m:oMathPara xmlns:m="http://schemas.openxmlformats.org/officeDocument/2006/math">
-                    <m:oMathParaPr>
-                      <m:jc m:val="centerGroup"/>
-                    </m:oMathParaPr>
-                    <m:oMath xmlns:m="http://schemas.openxmlformats.org/officeDocument/2006/math">
-                      <m:r>
-                        <a:rPr lang="en-US" sz="2800" i="1" smtClean="0">
-                          <a:latin typeface="Cambria Math" panose="02040503050406030204" pitchFamily="18" charset="0"/>
-                        </a:rPr>
-                        <m:t>𝑃</m:t>
-                      </m:r>
-                      <m:d>
-                        <m:dPr>
-                          <m:ctrlPr>
-                            <a:rPr lang="en-US" sz="2800" i="1">
-                              <a:latin typeface="Cambria Math" panose="02040503050406030204" pitchFamily="18" charset="0"/>
-                            </a:rPr>
-                          </m:ctrlPr>
-                        </m:dPr>
-                        <m:e>
-                          <m:r>
-                            <a:rPr lang="en-US" sz="2800" i="1">
-                              <a:latin typeface="Cambria Math" panose="02040503050406030204" pitchFamily="18" charset="0"/>
-                            </a:rPr>
-                            <m:t>𝑙</m:t>
-                          </m:r>
-                        </m:e>
-                      </m:d>
-                      <m:r>
-                        <a:rPr lang="en-US" sz="2800" b="0" i="1" smtClean="0">
-                          <a:latin typeface="Cambria Math" panose="02040503050406030204" pitchFamily="18" charset="0"/>
-                        </a:rPr>
-                        <m:t>=?</m:t>
-                      </m:r>
-                    </m:oMath>
-                  </m:oMathPara>
-                </a14:m>
-                <a:endParaRPr lang="en-US" sz="2800"/>
-              </a:p>
-            </p:txBody>
-          </p:sp>
-        </mc:Choice>
-        <mc:Fallback xmlns="">
-          <p:sp>
-            <p:nvSpPr>
-              <p:cNvPr id="5" name="Rectangle 4"/>
-              <p:cNvSpPr>
-                <a:spLocks noRot="1" noChangeAspect="1" noMove="1" noResize="1" noEditPoints="1" noAdjustHandles="1" noChangeArrowheads="1" noChangeShapeType="1" noTextEdit="1"/>
-              </p:cNvSpPr>
-              <p:nvPr/>
-            </p:nvSpPr>
-            <p:spPr>
-              <a:xfrm>
-                <a:off x="5375481" y="1318884"/>
-                <a:ext cx="1441036" cy="523220"/>
-              </a:xfrm>
-              <a:prstGeom prst="rect">
-                <a:avLst/>
-              </a:prstGeom>
-              <a:blipFill>
-                <a:blip r:embed="rId3"/>
-                <a:stretch>
-                  <a:fillRect/>
-                </a:stretch>
-              </a:blipFill>
-            </p:spPr>
-            <p:txBody>
-              <a:bodyPr/>
-              <a:lstStyle/>
-              <a:p>
-                <a:r>
-                  <a:rPr lang="en-US">
-                    <a:noFill/>
-                  </a:rPr>
-                  <a:t> </a:t>
-                </a:r>
-              </a:p>
-            </p:txBody>
-          </p:sp>
-        </mc:Fallback>
-      </mc:AlternateContent>
-    </p:spTree>
-    <p:extLst>
-      <p:ext uri="{BB962C8B-B14F-4D97-AF65-F5344CB8AC3E}">
-        <p14:creationId xmlns:p14="http://schemas.microsoft.com/office/powerpoint/2010/main" val="3353961814"/>
-      </p:ext>
-    </p:extLst>
-  </p:cSld>
-  <p:clrMapOvr>
-    <a:masterClrMapping/>
-  </p:clrMapOvr>
-</p:sld>
-</file>
-
-<file path=ppt/slides/slide14.xml><?xml version="1.0" encoding="utf-8"?>
-<p:sld xmlns:a="http://schemas.openxmlformats.org/drawingml/2006/main" xmlns:r="http://schemas.openxmlformats.org/officeDocument/2006/relationships" xmlns:p="http://schemas.openxmlformats.org/presentationml/2006/main">
-  <p:cSld>
-    <p:spTree>
-      <p:nvGrpSpPr>
-        <p:cNvPr id="1" name=""/>
-        <p:cNvGrpSpPr/>
-        <p:nvPr/>
-      </p:nvGrpSpPr>
-      <p:grpSpPr>
-        <a:xfrm>
-          <a:off x="0" y="0"/>
-          <a:ext cx="0" cy="0"/>
-          <a:chOff x="0" y="0"/>
-          <a:chExt cx="0" cy="0"/>
-        </a:xfrm>
-      </p:grpSpPr>
-      <p:sp>
-        <p:nvSpPr>
-          <p:cNvPr id="2" name="Title 1"/>
-          <p:cNvSpPr>
-            <a:spLocks noGrp="1"/>
-          </p:cNvSpPr>
-          <p:nvPr>
-            <p:ph type="title"/>
-          </p:nvPr>
-        </p:nvSpPr>
-        <p:spPr/>
-        <p:txBody>
-          <a:bodyPr/>
-          <a:lstStyle/>
-          <a:p>
-            <a:r>
-              <a:rPr lang="en-US"/>
-              <a:t>Variable elimination</a:t>
-            </a:r>
-          </a:p>
-        </p:txBody>
-      </p:sp>
-      <p:pic>
-        <p:nvPicPr>
-          <p:cNvPr id="4" name="Picture 3" descr="Representation - Bayesian Networks - Jihong Ju's Blog"/>
-          <p:cNvPicPr>
-            <a:picLocks noChangeAspect="1" noChangeArrowheads="1"/>
-          </p:cNvPicPr>
-          <p:nvPr/>
-        </p:nvPicPr>
-        <p:blipFill>
-          <a:blip r:embed="rId2">
-            <a:extLst>
-              <a:ext uri="{28A0092B-C50C-407E-A947-70E740481C1C}">
-                <a14:useLocalDpi xmlns:a14="http://schemas.microsoft.com/office/drawing/2010/main" val="0"/>
-              </a:ext>
-            </a:extLst>
-          </a:blip>
-          <a:srcRect/>
-          <a:stretch>
-            <a:fillRect/>
-          </a:stretch>
-        </p:blipFill>
-        <p:spPr bwMode="auto">
-          <a:xfrm>
-            <a:off x="838200" y="2010145"/>
-            <a:ext cx="5180215" cy="4094656"/>
-          </a:xfrm>
-          <a:prstGeom prst="rect">
-            <a:avLst/>
-          </a:prstGeom>
-          <a:noFill/>
-          <a:extLst>
-            <a:ext uri="{909E8E84-426E-40DD-AFC4-6F175D3DCCD1}">
-              <a14:hiddenFill xmlns:a14="http://schemas.microsoft.com/office/drawing/2010/main">
-                <a:solidFill>
-                  <a:srgbClr val="FFFFFF"/>
-                </a:solidFill>
-              </a14:hiddenFill>
-            </a:ext>
-          </a:extLst>
-        </p:spPr>
-      </p:pic>
-      <p:sp>
-        <p:nvSpPr>
-          <p:cNvPr id="5" name="Content Placeholder 2"/>
-          <p:cNvSpPr>
-            <a:spLocks noGrp="1"/>
-          </p:cNvSpPr>
-          <p:nvPr>
-            <p:ph idx="1"/>
-          </p:nvPr>
-        </p:nvSpPr>
-        <p:spPr>
-          <a:xfrm>
-            <a:off x="6183285" y="1318961"/>
-            <a:ext cx="1314796" cy="531456"/>
-          </a:xfrm>
-        </p:spPr>
-        <p:txBody>
-          <a:bodyPr/>
-          <a:lstStyle/>
-          <a:p>
-            <a:pPr marL="0" indent="0">
-              <a:buNone/>
-            </a:pPr>
-            <a:r>
-              <a:rPr lang="en-US"/>
-              <a:t>Clear d:</a:t>
-            </a:r>
-          </a:p>
-        </p:txBody>
-      </p:sp>
-      <p:pic>
-        <p:nvPicPr>
-          <p:cNvPr id="6" name="Picture 5"/>
-          <p:cNvPicPr>
-            <a:picLocks noChangeAspect="1"/>
-          </p:cNvPicPr>
-          <p:nvPr/>
-        </p:nvPicPr>
-        <p:blipFill>
-          <a:blip r:embed="rId3"/>
-          <a:stretch>
-            <a:fillRect/>
-          </a:stretch>
-        </p:blipFill>
-        <p:spPr>
-          <a:xfrm>
-            <a:off x="7270952" y="2010145"/>
-            <a:ext cx="3286125" cy="381000"/>
-          </a:xfrm>
-          <a:prstGeom prst="rect">
-            <a:avLst/>
-          </a:prstGeom>
-        </p:spPr>
-      </p:pic>
-      <p:sp>
-        <p:nvSpPr>
-          <p:cNvPr id="7" name="Content Placeholder 2"/>
-          <p:cNvSpPr txBox="1">
-            <a:spLocks/>
-          </p:cNvSpPr>
-          <p:nvPr/>
-        </p:nvSpPr>
-        <p:spPr>
-          <a:xfrm>
-            <a:off x="6183285" y="2550873"/>
-            <a:ext cx="1314796" cy="531456"/>
-          </a:xfrm>
-          <a:prstGeom prst="rect">
-            <a:avLst/>
-          </a:prstGeom>
-        </p:spPr>
-        <p:txBody>
-          <a:bodyPr vert="horz" lIns="91440" tIns="45720" rIns="91440" bIns="45720" rtlCol="0">
-            <a:normAutofit/>
-          </a:bodyPr>
-          <a:lstStyle>
-            <a:lvl1pPr marL="228600" indent="-228600" algn="l" defTabSz="914400" rtl="0" eaLnBrk="1" latinLnBrk="0" hangingPunct="1">
-              <a:lnSpc>
-                <a:spcPct val="90000"/>
-              </a:lnSpc>
-              <a:spcBef>
-                <a:spcPts val="1000"/>
-              </a:spcBef>
-              <a:buFont typeface="Arial" panose="020B0604020202020204" pitchFamily="34" charset="0"/>
-              <a:buChar char="•"/>
-              <a:defRPr sz="2800" kern="1200">
-                <a:solidFill>
-                  <a:schemeClr val="tx1"/>
-                </a:solidFill>
-                <a:latin typeface="+mn-lt"/>
-                <a:ea typeface="+mn-ea"/>
-                <a:cs typeface="+mn-cs"/>
-              </a:defRPr>
-            </a:lvl1pPr>
-            <a:lvl2pPr marL="685800" indent="-228600" algn="l" defTabSz="914400" rtl="0" eaLnBrk="1" latinLnBrk="0" hangingPunct="1">
-              <a:lnSpc>
-                <a:spcPct val="90000"/>
-              </a:lnSpc>
-              <a:spcBef>
-                <a:spcPts val="500"/>
-              </a:spcBef>
-              <a:buFont typeface="Arial" panose="020B0604020202020204" pitchFamily="34" charset="0"/>
-              <a:buChar char="•"/>
-              <a:defRPr sz="2400" kern="1200">
-                <a:solidFill>
-                  <a:schemeClr val="tx1"/>
-                </a:solidFill>
-                <a:latin typeface="+mn-lt"/>
-                <a:ea typeface="+mn-ea"/>
-                <a:cs typeface="+mn-cs"/>
-              </a:defRPr>
-            </a:lvl2pPr>
-            <a:lvl3pPr marL="1143000" indent="-228600" algn="l" defTabSz="914400" rtl="0" eaLnBrk="1" latinLnBrk="0" hangingPunct="1">
-              <a:lnSpc>
-                <a:spcPct val="90000"/>
-              </a:lnSpc>
-              <a:spcBef>
-                <a:spcPts val="500"/>
-              </a:spcBef>
-              <a:buFont typeface="Arial" panose="020B0604020202020204" pitchFamily="34" charset="0"/>
-              <a:buChar char="•"/>
-              <a:defRPr sz="2000" kern="1200">
-                <a:solidFill>
-                  <a:schemeClr val="tx1"/>
-                </a:solidFill>
-                <a:latin typeface="+mn-lt"/>
-                <a:ea typeface="+mn-ea"/>
-                <a:cs typeface="+mn-cs"/>
-              </a:defRPr>
-            </a:lvl3pPr>
-            <a:lvl4pPr marL="1600200" indent="-228600" algn="l" defTabSz="914400" rtl="0" eaLnBrk="1" latinLnBrk="0" hangingPunct="1">
-              <a:lnSpc>
-                <a:spcPct val="90000"/>
-              </a:lnSpc>
-              <a:spcBef>
-                <a:spcPts val="500"/>
-              </a:spcBef>
-              <a:buFont typeface="Arial" panose="020B0604020202020204" pitchFamily="34" charset="0"/>
-              <a:buChar char="•"/>
-              <a:defRPr sz="1800" kern="1200">
-                <a:solidFill>
-                  <a:schemeClr val="tx1"/>
-                </a:solidFill>
-                <a:latin typeface="+mn-lt"/>
-                <a:ea typeface="+mn-ea"/>
-                <a:cs typeface="+mn-cs"/>
-              </a:defRPr>
-            </a:lvl4pPr>
-            <a:lvl5pPr marL="2057400" indent="-228600" algn="l" defTabSz="914400" rtl="0" eaLnBrk="1" latinLnBrk="0" hangingPunct="1">
-              <a:lnSpc>
-                <a:spcPct val="90000"/>
-              </a:lnSpc>
-              <a:spcBef>
-                <a:spcPts val="500"/>
-              </a:spcBef>
-              <a:buFont typeface="Arial" panose="020B0604020202020204" pitchFamily="34" charset="0"/>
-              <a:buChar char="•"/>
-              <a:defRPr sz="1800" kern="1200">
-                <a:solidFill>
-                  <a:schemeClr val="tx1"/>
-                </a:solidFill>
-                <a:latin typeface="+mn-lt"/>
-                <a:ea typeface="+mn-ea"/>
-                <a:cs typeface="+mn-cs"/>
-              </a:defRPr>
-            </a:lvl5pPr>
-            <a:lvl6pPr marL="2514600" indent="-228600" algn="l" defTabSz="914400" rtl="0" eaLnBrk="1" latinLnBrk="0" hangingPunct="1">
-              <a:lnSpc>
-                <a:spcPct val="90000"/>
-              </a:lnSpc>
-              <a:spcBef>
-                <a:spcPts val="500"/>
-              </a:spcBef>
-              <a:buFont typeface="Arial" panose="020B0604020202020204" pitchFamily="34" charset="0"/>
-              <a:buChar char="•"/>
-              <a:defRPr sz="1800" kern="1200">
-                <a:solidFill>
-                  <a:schemeClr val="tx1"/>
-                </a:solidFill>
-                <a:latin typeface="+mn-lt"/>
-                <a:ea typeface="+mn-ea"/>
-                <a:cs typeface="+mn-cs"/>
-              </a:defRPr>
-            </a:lvl6pPr>
-            <a:lvl7pPr marL="2971800" indent="-228600" algn="l" defTabSz="914400" rtl="0" eaLnBrk="1" latinLnBrk="0" hangingPunct="1">
-              <a:lnSpc>
-                <a:spcPct val="90000"/>
-              </a:lnSpc>
-              <a:spcBef>
-                <a:spcPts val="500"/>
-              </a:spcBef>
-              <a:buFont typeface="Arial" panose="020B0604020202020204" pitchFamily="34" charset="0"/>
-              <a:buChar char="•"/>
-              <a:defRPr sz="1800" kern="1200">
-                <a:solidFill>
-                  <a:schemeClr val="tx1"/>
-                </a:solidFill>
-                <a:latin typeface="+mn-lt"/>
-                <a:ea typeface="+mn-ea"/>
-                <a:cs typeface="+mn-cs"/>
-              </a:defRPr>
-            </a:lvl7pPr>
-            <a:lvl8pPr marL="3429000" indent="-228600" algn="l" defTabSz="914400" rtl="0" eaLnBrk="1" latinLnBrk="0" hangingPunct="1">
-              <a:lnSpc>
-                <a:spcPct val="90000"/>
-              </a:lnSpc>
-              <a:spcBef>
-                <a:spcPts val="500"/>
-              </a:spcBef>
-              <a:buFont typeface="Arial" panose="020B0604020202020204" pitchFamily="34" charset="0"/>
-              <a:buChar char="•"/>
-              <a:defRPr sz="1800" kern="1200">
-                <a:solidFill>
-                  <a:schemeClr val="tx1"/>
-                </a:solidFill>
-                <a:latin typeface="+mn-lt"/>
-                <a:ea typeface="+mn-ea"/>
-                <a:cs typeface="+mn-cs"/>
-              </a:defRPr>
-            </a:lvl8pPr>
-            <a:lvl9pPr marL="3886200" indent="-228600" algn="l" defTabSz="914400" rtl="0" eaLnBrk="1" latinLnBrk="0" hangingPunct="1">
-              <a:lnSpc>
-                <a:spcPct val="90000"/>
-              </a:lnSpc>
-              <a:spcBef>
-                <a:spcPts val="500"/>
-              </a:spcBef>
-              <a:buFont typeface="Arial" panose="020B0604020202020204" pitchFamily="34" charset="0"/>
-              <a:buChar char="•"/>
-              <a:defRPr sz="1800" kern="1200">
-                <a:solidFill>
-                  <a:schemeClr val="tx1"/>
-                </a:solidFill>
-                <a:latin typeface="+mn-lt"/>
-                <a:ea typeface="+mn-ea"/>
-                <a:cs typeface="+mn-cs"/>
-              </a:defRPr>
-            </a:lvl9pPr>
-          </a:lstStyle>
-          <a:p>
-            <a:pPr marL="0" indent="0">
-              <a:buFont typeface="Arial" panose="020B0604020202020204" pitchFamily="34" charset="0"/>
-              <a:buNone/>
-            </a:pPr>
-            <a:r>
-              <a:rPr lang="en-US"/>
-              <a:t>Clear i:</a:t>
-            </a:r>
-          </a:p>
-        </p:txBody>
-      </p:sp>
-      <p:pic>
-        <p:nvPicPr>
-          <p:cNvPr id="8" name="Picture 7"/>
-          <p:cNvPicPr>
-            <a:picLocks noChangeAspect="1"/>
-          </p:cNvPicPr>
-          <p:nvPr/>
-        </p:nvPicPr>
-        <p:blipFill>
-          <a:blip r:embed="rId4"/>
-          <a:stretch>
-            <a:fillRect/>
-          </a:stretch>
-        </p:blipFill>
-        <p:spPr>
-          <a:xfrm>
-            <a:off x="7018539" y="3242057"/>
-            <a:ext cx="3790950" cy="409575"/>
-          </a:xfrm>
-          <a:prstGeom prst="rect">
-            <a:avLst/>
-          </a:prstGeom>
-        </p:spPr>
-      </p:pic>
-      <p:sp>
-        <p:nvSpPr>
-          <p:cNvPr id="9" name="Content Placeholder 2"/>
-          <p:cNvSpPr txBox="1">
-            <a:spLocks/>
-          </p:cNvSpPr>
-          <p:nvPr/>
-        </p:nvSpPr>
-        <p:spPr>
-          <a:xfrm>
-            <a:off x="6183285" y="3807817"/>
-            <a:ext cx="1314796" cy="531456"/>
-          </a:xfrm>
-          <a:prstGeom prst="rect">
-            <a:avLst/>
-          </a:prstGeom>
-        </p:spPr>
-        <p:txBody>
-          <a:bodyPr vert="horz" lIns="91440" tIns="45720" rIns="91440" bIns="45720" rtlCol="0">
-            <a:normAutofit/>
-          </a:bodyPr>
-          <a:lstStyle>
-            <a:lvl1pPr marL="228600" indent="-228600" algn="l" defTabSz="914400" rtl="0" eaLnBrk="1" latinLnBrk="0" hangingPunct="1">
-              <a:lnSpc>
-                <a:spcPct val="90000"/>
-              </a:lnSpc>
-              <a:spcBef>
-                <a:spcPts val="1000"/>
-              </a:spcBef>
-              <a:buFont typeface="Arial" panose="020B0604020202020204" pitchFamily="34" charset="0"/>
-              <a:buChar char="•"/>
-              <a:defRPr sz="2800" kern="1200">
-                <a:solidFill>
-                  <a:schemeClr val="tx1"/>
-                </a:solidFill>
-                <a:latin typeface="+mn-lt"/>
-                <a:ea typeface="+mn-ea"/>
-                <a:cs typeface="+mn-cs"/>
-              </a:defRPr>
-            </a:lvl1pPr>
-            <a:lvl2pPr marL="685800" indent="-228600" algn="l" defTabSz="914400" rtl="0" eaLnBrk="1" latinLnBrk="0" hangingPunct="1">
-              <a:lnSpc>
-                <a:spcPct val="90000"/>
-              </a:lnSpc>
-              <a:spcBef>
-                <a:spcPts val="500"/>
-              </a:spcBef>
-              <a:buFont typeface="Arial" panose="020B0604020202020204" pitchFamily="34" charset="0"/>
-              <a:buChar char="•"/>
-              <a:defRPr sz="2400" kern="1200">
-                <a:solidFill>
-                  <a:schemeClr val="tx1"/>
-                </a:solidFill>
-                <a:latin typeface="+mn-lt"/>
-                <a:ea typeface="+mn-ea"/>
-                <a:cs typeface="+mn-cs"/>
-              </a:defRPr>
-            </a:lvl2pPr>
-            <a:lvl3pPr marL="1143000" indent="-228600" algn="l" defTabSz="914400" rtl="0" eaLnBrk="1" latinLnBrk="0" hangingPunct="1">
-              <a:lnSpc>
-                <a:spcPct val="90000"/>
-              </a:lnSpc>
-              <a:spcBef>
-                <a:spcPts val="500"/>
-              </a:spcBef>
-              <a:buFont typeface="Arial" panose="020B0604020202020204" pitchFamily="34" charset="0"/>
-              <a:buChar char="•"/>
-              <a:defRPr sz="2000" kern="1200">
-                <a:solidFill>
-                  <a:schemeClr val="tx1"/>
-                </a:solidFill>
-                <a:latin typeface="+mn-lt"/>
-                <a:ea typeface="+mn-ea"/>
-                <a:cs typeface="+mn-cs"/>
-              </a:defRPr>
-            </a:lvl3pPr>
-            <a:lvl4pPr marL="1600200" indent="-228600" algn="l" defTabSz="914400" rtl="0" eaLnBrk="1" latinLnBrk="0" hangingPunct="1">
-              <a:lnSpc>
-                <a:spcPct val="90000"/>
-              </a:lnSpc>
-              <a:spcBef>
-                <a:spcPts val="500"/>
-              </a:spcBef>
-              <a:buFont typeface="Arial" panose="020B0604020202020204" pitchFamily="34" charset="0"/>
-              <a:buChar char="•"/>
-              <a:defRPr sz="1800" kern="1200">
-                <a:solidFill>
-                  <a:schemeClr val="tx1"/>
-                </a:solidFill>
-                <a:latin typeface="+mn-lt"/>
-                <a:ea typeface="+mn-ea"/>
-                <a:cs typeface="+mn-cs"/>
-              </a:defRPr>
-            </a:lvl4pPr>
-            <a:lvl5pPr marL="2057400" indent="-228600" algn="l" defTabSz="914400" rtl="0" eaLnBrk="1" latinLnBrk="0" hangingPunct="1">
-              <a:lnSpc>
-                <a:spcPct val="90000"/>
-              </a:lnSpc>
-              <a:spcBef>
-                <a:spcPts val="500"/>
-              </a:spcBef>
-              <a:buFont typeface="Arial" panose="020B0604020202020204" pitchFamily="34" charset="0"/>
-              <a:buChar char="•"/>
-              <a:defRPr sz="1800" kern="1200">
-                <a:solidFill>
-                  <a:schemeClr val="tx1"/>
-                </a:solidFill>
-                <a:latin typeface="+mn-lt"/>
-                <a:ea typeface="+mn-ea"/>
-                <a:cs typeface="+mn-cs"/>
-              </a:defRPr>
-            </a:lvl5pPr>
-            <a:lvl6pPr marL="2514600" indent="-228600" algn="l" defTabSz="914400" rtl="0" eaLnBrk="1" latinLnBrk="0" hangingPunct="1">
-              <a:lnSpc>
-                <a:spcPct val="90000"/>
-              </a:lnSpc>
-              <a:spcBef>
-                <a:spcPts val="500"/>
-              </a:spcBef>
-              <a:buFont typeface="Arial" panose="020B0604020202020204" pitchFamily="34" charset="0"/>
-              <a:buChar char="•"/>
-              <a:defRPr sz="1800" kern="1200">
-                <a:solidFill>
-                  <a:schemeClr val="tx1"/>
-                </a:solidFill>
-                <a:latin typeface="+mn-lt"/>
-                <a:ea typeface="+mn-ea"/>
-                <a:cs typeface="+mn-cs"/>
-              </a:defRPr>
-            </a:lvl6pPr>
-            <a:lvl7pPr marL="2971800" indent="-228600" algn="l" defTabSz="914400" rtl="0" eaLnBrk="1" latinLnBrk="0" hangingPunct="1">
-              <a:lnSpc>
-                <a:spcPct val="90000"/>
-              </a:lnSpc>
-              <a:spcBef>
-                <a:spcPts val="500"/>
-              </a:spcBef>
-              <a:buFont typeface="Arial" panose="020B0604020202020204" pitchFamily="34" charset="0"/>
-              <a:buChar char="•"/>
-              <a:defRPr sz="1800" kern="1200">
-                <a:solidFill>
-                  <a:schemeClr val="tx1"/>
-                </a:solidFill>
-                <a:latin typeface="+mn-lt"/>
-                <a:ea typeface="+mn-ea"/>
-                <a:cs typeface="+mn-cs"/>
-              </a:defRPr>
-            </a:lvl7pPr>
-            <a:lvl8pPr marL="3429000" indent="-228600" algn="l" defTabSz="914400" rtl="0" eaLnBrk="1" latinLnBrk="0" hangingPunct="1">
-              <a:lnSpc>
-                <a:spcPct val="90000"/>
-              </a:lnSpc>
-              <a:spcBef>
-                <a:spcPts val="500"/>
-              </a:spcBef>
-              <a:buFont typeface="Arial" panose="020B0604020202020204" pitchFamily="34" charset="0"/>
-              <a:buChar char="•"/>
-              <a:defRPr sz="1800" kern="1200">
-                <a:solidFill>
-                  <a:schemeClr val="tx1"/>
-                </a:solidFill>
-                <a:latin typeface="+mn-lt"/>
-                <a:ea typeface="+mn-ea"/>
-                <a:cs typeface="+mn-cs"/>
-              </a:defRPr>
-            </a:lvl8pPr>
-            <a:lvl9pPr marL="3886200" indent="-228600" algn="l" defTabSz="914400" rtl="0" eaLnBrk="1" latinLnBrk="0" hangingPunct="1">
-              <a:lnSpc>
-                <a:spcPct val="90000"/>
-              </a:lnSpc>
-              <a:spcBef>
-                <a:spcPts val="500"/>
-              </a:spcBef>
-              <a:buFont typeface="Arial" panose="020B0604020202020204" pitchFamily="34" charset="0"/>
-              <a:buChar char="•"/>
-              <a:defRPr sz="1800" kern="1200">
-                <a:solidFill>
-                  <a:schemeClr val="tx1"/>
-                </a:solidFill>
-                <a:latin typeface="+mn-lt"/>
-                <a:ea typeface="+mn-ea"/>
-                <a:cs typeface="+mn-cs"/>
-              </a:defRPr>
-            </a:lvl9pPr>
-          </a:lstStyle>
-          <a:p>
-            <a:pPr marL="0" indent="0">
-              <a:buFont typeface="Arial" panose="020B0604020202020204" pitchFamily="34" charset="0"/>
-              <a:buNone/>
-            </a:pPr>
-            <a:r>
-              <a:rPr lang="en-US"/>
-              <a:t>Clear s:</a:t>
-            </a:r>
-          </a:p>
-        </p:txBody>
-      </p:sp>
-      <p:pic>
-        <p:nvPicPr>
-          <p:cNvPr id="10" name="Picture 9"/>
-          <p:cNvPicPr>
-            <a:picLocks noChangeAspect="1"/>
-          </p:cNvPicPr>
-          <p:nvPr/>
-        </p:nvPicPr>
-        <p:blipFill>
-          <a:blip r:embed="rId5"/>
-          <a:stretch>
-            <a:fillRect/>
-          </a:stretch>
-        </p:blipFill>
-        <p:spPr>
-          <a:xfrm>
-            <a:off x="7766251" y="4502544"/>
-            <a:ext cx="2295525" cy="428625"/>
-          </a:xfrm>
-          <a:prstGeom prst="rect">
-            <a:avLst/>
-          </a:prstGeom>
-        </p:spPr>
-      </p:pic>
-      <p:sp>
-        <p:nvSpPr>
-          <p:cNvPr id="11" name="Content Placeholder 2"/>
-          <p:cNvSpPr txBox="1">
-            <a:spLocks/>
-          </p:cNvSpPr>
-          <p:nvPr/>
-        </p:nvSpPr>
-        <p:spPr>
-          <a:xfrm>
-            <a:off x="6183285" y="5063034"/>
-            <a:ext cx="1314796" cy="531456"/>
-          </a:xfrm>
-          <a:prstGeom prst="rect">
-            <a:avLst/>
-          </a:prstGeom>
-        </p:spPr>
-        <p:txBody>
-          <a:bodyPr vert="horz" lIns="91440" tIns="45720" rIns="91440" bIns="45720" rtlCol="0">
-            <a:normAutofit/>
-          </a:bodyPr>
-          <a:lstStyle>
-            <a:lvl1pPr marL="228600" indent="-228600" algn="l" defTabSz="914400" rtl="0" eaLnBrk="1" latinLnBrk="0" hangingPunct="1">
-              <a:lnSpc>
-                <a:spcPct val="90000"/>
-              </a:lnSpc>
-              <a:spcBef>
-                <a:spcPts val="1000"/>
-              </a:spcBef>
-              <a:buFont typeface="Arial" panose="020B0604020202020204" pitchFamily="34" charset="0"/>
-              <a:buChar char="•"/>
-              <a:defRPr sz="2800" kern="1200">
-                <a:solidFill>
-                  <a:schemeClr val="tx1"/>
-                </a:solidFill>
-                <a:latin typeface="+mn-lt"/>
-                <a:ea typeface="+mn-ea"/>
-                <a:cs typeface="+mn-cs"/>
-              </a:defRPr>
-            </a:lvl1pPr>
-            <a:lvl2pPr marL="685800" indent="-228600" algn="l" defTabSz="914400" rtl="0" eaLnBrk="1" latinLnBrk="0" hangingPunct="1">
-              <a:lnSpc>
-                <a:spcPct val="90000"/>
-              </a:lnSpc>
-              <a:spcBef>
-                <a:spcPts val="500"/>
-              </a:spcBef>
-              <a:buFont typeface="Arial" panose="020B0604020202020204" pitchFamily="34" charset="0"/>
-              <a:buChar char="•"/>
-              <a:defRPr sz="2400" kern="1200">
-                <a:solidFill>
-                  <a:schemeClr val="tx1"/>
-                </a:solidFill>
-                <a:latin typeface="+mn-lt"/>
-                <a:ea typeface="+mn-ea"/>
-                <a:cs typeface="+mn-cs"/>
-              </a:defRPr>
-            </a:lvl2pPr>
-            <a:lvl3pPr marL="1143000" indent="-228600" algn="l" defTabSz="914400" rtl="0" eaLnBrk="1" latinLnBrk="0" hangingPunct="1">
-              <a:lnSpc>
-                <a:spcPct val="90000"/>
-              </a:lnSpc>
-              <a:spcBef>
-                <a:spcPts val="500"/>
-              </a:spcBef>
-              <a:buFont typeface="Arial" panose="020B0604020202020204" pitchFamily="34" charset="0"/>
-              <a:buChar char="•"/>
-              <a:defRPr sz="2000" kern="1200">
-                <a:solidFill>
-                  <a:schemeClr val="tx1"/>
-                </a:solidFill>
-                <a:latin typeface="+mn-lt"/>
-                <a:ea typeface="+mn-ea"/>
-                <a:cs typeface="+mn-cs"/>
-              </a:defRPr>
-            </a:lvl3pPr>
-            <a:lvl4pPr marL="1600200" indent="-228600" algn="l" defTabSz="914400" rtl="0" eaLnBrk="1" latinLnBrk="0" hangingPunct="1">
-              <a:lnSpc>
-                <a:spcPct val="90000"/>
-              </a:lnSpc>
-              <a:spcBef>
-                <a:spcPts val="500"/>
-              </a:spcBef>
-              <a:buFont typeface="Arial" panose="020B0604020202020204" pitchFamily="34" charset="0"/>
-              <a:buChar char="•"/>
-              <a:defRPr sz="1800" kern="1200">
-                <a:solidFill>
-                  <a:schemeClr val="tx1"/>
-                </a:solidFill>
-                <a:latin typeface="+mn-lt"/>
-                <a:ea typeface="+mn-ea"/>
-                <a:cs typeface="+mn-cs"/>
-              </a:defRPr>
-            </a:lvl4pPr>
-            <a:lvl5pPr marL="2057400" indent="-228600" algn="l" defTabSz="914400" rtl="0" eaLnBrk="1" latinLnBrk="0" hangingPunct="1">
-              <a:lnSpc>
-                <a:spcPct val="90000"/>
-              </a:lnSpc>
-              <a:spcBef>
-                <a:spcPts val="500"/>
-              </a:spcBef>
-              <a:buFont typeface="Arial" panose="020B0604020202020204" pitchFamily="34" charset="0"/>
-              <a:buChar char="•"/>
-              <a:defRPr sz="1800" kern="1200">
-                <a:solidFill>
-                  <a:schemeClr val="tx1"/>
-                </a:solidFill>
-                <a:latin typeface="+mn-lt"/>
-                <a:ea typeface="+mn-ea"/>
-                <a:cs typeface="+mn-cs"/>
-              </a:defRPr>
-            </a:lvl5pPr>
-            <a:lvl6pPr marL="2514600" indent="-228600" algn="l" defTabSz="914400" rtl="0" eaLnBrk="1" latinLnBrk="0" hangingPunct="1">
-              <a:lnSpc>
-                <a:spcPct val="90000"/>
-              </a:lnSpc>
-              <a:spcBef>
-                <a:spcPts val="500"/>
-              </a:spcBef>
-              <a:buFont typeface="Arial" panose="020B0604020202020204" pitchFamily="34" charset="0"/>
-              <a:buChar char="•"/>
-              <a:defRPr sz="1800" kern="1200">
-                <a:solidFill>
-                  <a:schemeClr val="tx1"/>
-                </a:solidFill>
-                <a:latin typeface="+mn-lt"/>
-                <a:ea typeface="+mn-ea"/>
-                <a:cs typeface="+mn-cs"/>
-              </a:defRPr>
-            </a:lvl6pPr>
-            <a:lvl7pPr marL="2971800" indent="-228600" algn="l" defTabSz="914400" rtl="0" eaLnBrk="1" latinLnBrk="0" hangingPunct="1">
-              <a:lnSpc>
-                <a:spcPct val="90000"/>
-              </a:lnSpc>
-              <a:spcBef>
-                <a:spcPts val="500"/>
-              </a:spcBef>
-              <a:buFont typeface="Arial" panose="020B0604020202020204" pitchFamily="34" charset="0"/>
-              <a:buChar char="•"/>
-              <a:defRPr sz="1800" kern="1200">
-                <a:solidFill>
-                  <a:schemeClr val="tx1"/>
-                </a:solidFill>
-                <a:latin typeface="+mn-lt"/>
-                <a:ea typeface="+mn-ea"/>
-                <a:cs typeface="+mn-cs"/>
-              </a:defRPr>
-            </a:lvl7pPr>
-            <a:lvl8pPr marL="3429000" indent="-228600" algn="l" defTabSz="914400" rtl="0" eaLnBrk="1" latinLnBrk="0" hangingPunct="1">
-              <a:lnSpc>
-                <a:spcPct val="90000"/>
-              </a:lnSpc>
-              <a:spcBef>
-                <a:spcPts val="500"/>
-              </a:spcBef>
-              <a:buFont typeface="Arial" panose="020B0604020202020204" pitchFamily="34" charset="0"/>
-              <a:buChar char="•"/>
-              <a:defRPr sz="1800" kern="1200">
-                <a:solidFill>
-                  <a:schemeClr val="tx1"/>
-                </a:solidFill>
-                <a:latin typeface="+mn-lt"/>
-                <a:ea typeface="+mn-ea"/>
-                <a:cs typeface="+mn-cs"/>
-              </a:defRPr>
-            </a:lvl8pPr>
-            <a:lvl9pPr marL="3886200" indent="-228600" algn="l" defTabSz="914400" rtl="0" eaLnBrk="1" latinLnBrk="0" hangingPunct="1">
-              <a:lnSpc>
-                <a:spcPct val="90000"/>
-              </a:lnSpc>
-              <a:spcBef>
-                <a:spcPts val="500"/>
-              </a:spcBef>
-              <a:buFont typeface="Arial" panose="020B0604020202020204" pitchFamily="34" charset="0"/>
-              <a:buChar char="•"/>
-              <a:defRPr sz="1800" kern="1200">
-                <a:solidFill>
-                  <a:schemeClr val="tx1"/>
-                </a:solidFill>
-                <a:latin typeface="+mn-lt"/>
-                <a:ea typeface="+mn-ea"/>
-                <a:cs typeface="+mn-cs"/>
-              </a:defRPr>
-            </a:lvl9pPr>
-          </a:lstStyle>
-          <a:p>
-            <a:pPr marL="0" indent="0">
-              <a:buFont typeface="Arial" panose="020B0604020202020204" pitchFamily="34" charset="0"/>
-              <a:buNone/>
-            </a:pPr>
-            <a:r>
-              <a:rPr lang="en-US"/>
-              <a:t>Clear g:</a:t>
-            </a:r>
-          </a:p>
-        </p:txBody>
-      </p:sp>
-      <mc:AlternateContent xmlns:mc="http://schemas.openxmlformats.org/markup-compatibility/2006" xmlns:a14="http://schemas.microsoft.com/office/drawing/2010/main">
-        <mc:Choice Requires="a14">
-          <p:sp>
-            <p:nvSpPr>
-              <p:cNvPr id="12" name="TextBox 11"/>
-              <p:cNvSpPr txBox="1"/>
-              <p:nvPr/>
-            </p:nvSpPr>
-            <p:spPr>
-              <a:xfrm>
-                <a:off x="7854781" y="5594490"/>
-                <a:ext cx="2118464" cy="703782"/>
-              </a:xfrm>
-              <a:prstGeom prst="rect">
-                <a:avLst/>
-              </a:prstGeom>
-              <a:noFill/>
-            </p:spPr>
-            <p:txBody>
-              <a:bodyPr wrap="none" lIns="0" tIns="0" rIns="0" bIns="0" rtlCol="0">
-                <a:spAutoFit/>
-              </a:bodyPr>
-              <a:lstStyle/>
-              <a:p>
-                <a:pPr/>
-                <a14:m>
-                  <m:oMathPara xmlns:m="http://schemas.openxmlformats.org/officeDocument/2006/math">
-                    <m:oMathParaPr>
-                      <m:jc m:val="centerGroup"/>
-                    </m:oMathParaPr>
-                    <m:oMath xmlns:m="http://schemas.openxmlformats.org/officeDocument/2006/math">
-                      <m:sSub>
-                        <m:sSubPr>
-                          <m:ctrlPr>
-                            <a:rPr lang="en-US" i="1" smtClean="0">
-                              <a:latin typeface="Cambria Math" panose="02040503050406030204" pitchFamily="18" charset="0"/>
-                            </a:rPr>
-                          </m:ctrlPr>
-                        </m:sSubPr>
-                        <m:e>
-                          <m:r>
-                            <a:rPr lang="en-US" i="1" smtClean="0">
-                              <a:latin typeface="Cambria Math" panose="02040503050406030204" pitchFamily="18" charset="0"/>
-                              <a:ea typeface="Cambria Math" panose="02040503050406030204" pitchFamily="18" charset="0"/>
-                            </a:rPr>
-                            <m:t>𝜏</m:t>
-                          </m:r>
-                        </m:e>
-                        <m:sub>
-                          <m:r>
-                            <a:rPr lang="en-US" b="0" i="1" smtClean="0">
-                              <a:latin typeface="Cambria Math" panose="02040503050406030204" pitchFamily="18" charset="0"/>
-                            </a:rPr>
-                            <m:t>4</m:t>
-                          </m:r>
-                        </m:sub>
-                      </m:sSub>
-                      <m:d>
-                        <m:dPr>
-                          <m:ctrlPr>
-                            <a:rPr lang="en-US" i="1" smtClean="0">
-                              <a:latin typeface="Cambria Math" panose="02040503050406030204" pitchFamily="18" charset="0"/>
-                            </a:rPr>
-                          </m:ctrlPr>
-                        </m:dPr>
-                        <m:e>
-                          <m:r>
-                            <a:rPr lang="en-US" b="0" i="1" smtClean="0">
-                              <a:latin typeface="Cambria Math" panose="02040503050406030204" pitchFamily="18" charset="0"/>
-                            </a:rPr>
-                            <m:t>𝑙</m:t>
-                          </m:r>
-                          <m:r>
-                            <a:rPr lang="en-US" b="0" i="1" smtClean="0">
-                              <a:latin typeface="Cambria Math" panose="02040503050406030204" pitchFamily="18" charset="0"/>
-                            </a:rPr>
-                            <m:t>,</m:t>
-                          </m:r>
-                          <m:r>
-                            <a:rPr lang="en-US" b="0" i="1" smtClean="0">
-                              <a:latin typeface="Cambria Math" panose="02040503050406030204" pitchFamily="18" charset="0"/>
-                            </a:rPr>
-                            <m:t>𝑔</m:t>
-                          </m:r>
-                        </m:e>
-                      </m:d>
-                      <m:r>
-                        <a:rPr lang="en-US" b="0" i="1" smtClean="0">
-                          <a:latin typeface="Cambria Math" panose="02040503050406030204" pitchFamily="18" charset="0"/>
-                        </a:rPr>
-                        <m:t>=</m:t>
-                      </m:r>
-                      <m:nary>
-                        <m:naryPr>
-                          <m:chr m:val="∑"/>
-                          <m:supHide m:val="on"/>
-                          <m:ctrlPr>
-                            <a:rPr lang="en-US" b="0" i="1" smtClean="0">
-                              <a:latin typeface="Cambria Math" panose="02040503050406030204" pitchFamily="18" charset="0"/>
-                            </a:rPr>
-                          </m:ctrlPr>
-                        </m:naryPr>
-                        <m:sub>
-                          <m:r>
-                            <m:rPr>
-                              <m:brk m:alnAt="7"/>
-                            </m:rPr>
-                            <a:rPr lang="en-US" b="0" i="1" smtClean="0">
-                              <a:latin typeface="Cambria Math" panose="02040503050406030204" pitchFamily="18" charset="0"/>
-                            </a:rPr>
-                            <m:t>𝑔</m:t>
-                          </m:r>
-                        </m:sub>
-                        <m:sup/>
-                        <m:e>
-                          <m:r>
-                            <a:rPr lang="en-US" b="0" i="1" smtClean="0">
-                              <a:latin typeface="Cambria Math" panose="02040503050406030204" pitchFamily="18" charset="0"/>
-                            </a:rPr>
-                            <m:t>𝑃</m:t>
-                          </m:r>
-                          <m:d>
-                            <m:dPr>
-                              <m:ctrlPr>
-                                <a:rPr lang="en-US" b="0" i="1" smtClean="0">
-                                  <a:latin typeface="Cambria Math" panose="02040503050406030204" pitchFamily="18" charset="0"/>
-                                </a:rPr>
-                              </m:ctrlPr>
-                            </m:dPr>
-                            <m:e>
-                              <m:r>
-                                <a:rPr lang="en-US" b="0" i="1" smtClean="0">
-                                  <a:latin typeface="Cambria Math" panose="02040503050406030204" pitchFamily="18" charset="0"/>
-                                </a:rPr>
-                                <m:t>𝑙</m:t>
-                              </m:r>
-                            </m:e>
-                            <m:e>
-                              <m:r>
-                                <a:rPr lang="en-US" b="0" i="1" smtClean="0">
-                                  <a:latin typeface="Cambria Math" panose="02040503050406030204" pitchFamily="18" charset="0"/>
-                                </a:rPr>
-                                <m:t>𝑔</m:t>
-                              </m:r>
-                            </m:e>
-                          </m:d>
-                        </m:e>
-                      </m:nary>
-                    </m:oMath>
-                  </m:oMathPara>
-                </a14:m>
-                <a:endParaRPr lang="en-US"/>
-              </a:p>
-            </p:txBody>
-          </p:sp>
-        </mc:Choice>
-        <mc:Fallback xmlns="">
-          <p:sp>
-            <p:nvSpPr>
-              <p:cNvPr id="12" name="TextBox 11"/>
-              <p:cNvSpPr txBox="1">
-                <a:spLocks noRot="1" noChangeAspect="1" noMove="1" noResize="1" noEditPoints="1" noAdjustHandles="1" noChangeArrowheads="1" noChangeShapeType="1" noTextEdit="1"/>
-              </p:cNvSpPr>
-              <p:nvPr/>
-            </p:nvSpPr>
-            <p:spPr>
-              <a:xfrm>
-                <a:off x="7854781" y="5594490"/>
-                <a:ext cx="2118464" cy="703782"/>
-              </a:xfrm>
-              <a:prstGeom prst="rect">
-                <a:avLst/>
-              </a:prstGeom>
-              <a:blipFill>
-                <a:blip r:embed="rId6"/>
-                <a:stretch>
-                  <a:fillRect/>
-                </a:stretch>
-              </a:blipFill>
-            </p:spPr>
-            <p:txBody>
-              <a:bodyPr/>
-              <a:lstStyle/>
-              <a:p>
-                <a:r>
-                  <a:rPr lang="en-US">
-                    <a:noFill/>
-                  </a:rPr>
-                  <a:t> </a:t>
-                </a:r>
-              </a:p>
-            </p:txBody>
-          </p:sp>
-        </mc:Fallback>
-      </mc:AlternateContent>
-    </p:spTree>
-    <p:extLst>
-      <p:ext uri="{BB962C8B-B14F-4D97-AF65-F5344CB8AC3E}">
-        <p14:creationId xmlns:p14="http://schemas.microsoft.com/office/powerpoint/2010/main" val="2435765688"/>
-      </p:ext>
-    </p:extLst>
-  </p:cSld>
-  <p:clrMapOvr>
-    <a:masterClrMapping/>
-  </p:clrMapOvr>
-</p:sld>
-</file>
-
-<file path=ppt/slides/slide15.xml><?xml version="1.0" encoding="utf-8"?>
-<p:sld xmlns:a="http://schemas.openxmlformats.org/drawingml/2006/main" xmlns:r="http://schemas.openxmlformats.org/officeDocument/2006/relationships" xmlns:p="http://schemas.openxmlformats.org/presentationml/2006/main">
-  <p:cSld>
-    <p:spTree>
-      <p:nvGrpSpPr>
-        <p:cNvPr id="1" name=""/>
-        <p:cNvGrpSpPr/>
-        <p:nvPr/>
-      </p:nvGrpSpPr>
-      <p:grpSpPr>
-        <a:xfrm>
-          <a:off x="0" y="0"/>
-          <a:ext cx="0" cy="0"/>
-          <a:chOff x="0" y="0"/>
-          <a:chExt cx="0" cy="0"/>
-        </a:xfrm>
-      </p:grpSpPr>
-      <p:sp>
-        <p:nvSpPr>
-          <p:cNvPr id="2" name="Title 1"/>
-          <p:cNvSpPr>
-            <a:spLocks noGrp="1"/>
-          </p:cNvSpPr>
-          <p:nvPr>
-            <p:ph type="title"/>
-          </p:nvPr>
-        </p:nvSpPr>
-        <p:spPr/>
-        <p:txBody>
-          <a:bodyPr/>
-          <a:lstStyle/>
-          <a:p>
-            <a:r>
-              <a:rPr lang="en-US"/>
-              <a:t>Variable elimination</a:t>
-            </a:r>
-          </a:p>
-        </p:txBody>
-      </p:sp>
-      <p:pic>
-        <p:nvPicPr>
-          <p:cNvPr id="4" name="Picture 3" descr="Representation - Bayesian Networks - Jihong Ju's Blog"/>
-          <p:cNvPicPr>
-            <a:picLocks noChangeAspect="1" noChangeArrowheads="1"/>
-          </p:cNvPicPr>
-          <p:nvPr/>
-        </p:nvPicPr>
-        <p:blipFill>
-          <a:blip r:embed="rId2">
-            <a:extLst>
-              <a:ext uri="{28A0092B-C50C-407E-A947-70E740481C1C}">
-                <a14:useLocalDpi xmlns:a14="http://schemas.microsoft.com/office/drawing/2010/main" val="0"/>
-              </a:ext>
-            </a:extLst>
-          </a:blip>
-          <a:srcRect/>
-          <a:stretch>
-            <a:fillRect/>
-          </a:stretch>
-        </p:blipFill>
-        <p:spPr bwMode="auto">
-          <a:xfrm>
-            <a:off x="838200" y="2010145"/>
-            <a:ext cx="5180215" cy="4094656"/>
-          </a:xfrm>
-          <a:prstGeom prst="rect">
-            <a:avLst/>
-          </a:prstGeom>
-          <a:noFill/>
-          <a:extLst>
-            <a:ext uri="{909E8E84-426E-40DD-AFC4-6F175D3DCCD1}">
-              <a14:hiddenFill xmlns:a14="http://schemas.microsoft.com/office/drawing/2010/main">
-                <a:solidFill>
-                  <a:srgbClr val="FFFFFF"/>
-                </a:solidFill>
-              </a14:hiddenFill>
-            </a:ext>
-          </a:extLst>
-        </p:spPr>
-      </p:pic>
-      <mc:AlternateContent xmlns:mc="http://schemas.openxmlformats.org/markup-compatibility/2006" xmlns:a14="http://schemas.microsoft.com/office/drawing/2010/main">
-        <mc:Choice Requires="a14">
-          <p:sp>
-            <p:nvSpPr>
-              <p:cNvPr id="12" name="TextBox 11"/>
-              <p:cNvSpPr txBox="1"/>
-              <p:nvPr/>
-            </p:nvSpPr>
-            <p:spPr>
-              <a:xfrm>
-                <a:off x="6405596" y="2897238"/>
-                <a:ext cx="5443478" cy="430887"/>
-              </a:xfrm>
-              <a:prstGeom prst="rect">
-                <a:avLst/>
-              </a:prstGeom>
-              <a:noFill/>
-            </p:spPr>
-            <p:txBody>
-              <a:bodyPr wrap="none" lIns="0" tIns="0" rIns="0" bIns="0" rtlCol="0">
-                <a:spAutoFit/>
-              </a:bodyPr>
-              <a:lstStyle/>
-              <a:p>
-                <a:pPr/>
-                <a14:m>
-                  <m:oMathPara xmlns:m="http://schemas.openxmlformats.org/officeDocument/2006/math">
-                    <m:oMathParaPr>
-                      <m:jc m:val="centerGroup"/>
-                    </m:oMathParaPr>
-                    <m:oMath xmlns:m="http://schemas.openxmlformats.org/officeDocument/2006/math">
-                      <m:r>
-                        <a:rPr lang="en-US" sz="2800" b="0" i="1" smtClean="0">
-                          <a:latin typeface="Cambria Math" panose="02040503050406030204" pitchFamily="18" charset="0"/>
-                        </a:rPr>
-                        <m:t>𝑃</m:t>
-                      </m:r>
-                      <m:d>
-                        <m:dPr>
-                          <m:ctrlPr>
-                            <a:rPr lang="en-US" sz="2800" b="0" i="1" smtClean="0">
-                              <a:latin typeface="Cambria Math" panose="02040503050406030204" pitchFamily="18" charset="0"/>
-                            </a:rPr>
-                          </m:ctrlPr>
-                        </m:dPr>
-                        <m:e>
-                          <m:r>
-                            <a:rPr lang="en-US" sz="2800" b="0" i="1" smtClean="0">
-                              <a:latin typeface="Cambria Math" panose="02040503050406030204" pitchFamily="18" charset="0"/>
-                            </a:rPr>
-                            <m:t>𝑙</m:t>
-                          </m:r>
-                        </m:e>
-                      </m:d>
-                      <m:r>
-                        <a:rPr lang="en-US" sz="2800" b="0" i="1" smtClean="0">
-                          <a:latin typeface="Cambria Math" panose="02040503050406030204" pitchFamily="18" charset="0"/>
-                        </a:rPr>
-                        <m:t>=</m:t>
-                      </m:r>
-                      <m:sSub>
-                        <m:sSubPr>
-                          <m:ctrlPr>
-                            <a:rPr lang="en-US" sz="2800" i="1" smtClean="0">
-                              <a:latin typeface="Cambria Math" panose="02040503050406030204" pitchFamily="18" charset="0"/>
-                            </a:rPr>
-                          </m:ctrlPr>
-                        </m:sSubPr>
-                        <m:e>
-                          <m:r>
-                            <a:rPr lang="en-US" sz="2800" i="1" smtClean="0">
-                              <a:latin typeface="Cambria Math" panose="02040503050406030204" pitchFamily="18" charset="0"/>
-                              <a:ea typeface="Cambria Math" panose="02040503050406030204" pitchFamily="18" charset="0"/>
-                            </a:rPr>
-                            <m:t>𝜏</m:t>
-                          </m:r>
-                        </m:e>
-                        <m:sub>
-                          <m:r>
-                            <a:rPr lang="en-US" sz="2800" b="0" i="1" smtClean="0">
-                              <a:latin typeface="Cambria Math" panose="02040503050406030204" pitchFamily="18" charset="0"/>
-                            </a:rPr>
-                            <m:t>4</m:t>
-                          </m:r>
-                        </m:sub>
-                      </m:sSub>
-                      <m:d>
-                        <m:dPr>
-                          <m:ctrlPr>
-                            <a:rPr lang="en-US" sz="2800" i="1" smtClean="0">
-                              <a:latin typeface="Cambria Math" panose="02040503050406030204" pitchFamily="18" charset="0"/>
-                            </a:rPr>
-                          </m:ctrlPr>
-                        </m:dPr>
-                        <m:e>
-                          <m:r>
-                            <a:rPr lang="en-US" sz="2800" b="0" i="1" smtClean="0">
-                              <a:latin typeface="Cambria Math" panose="02040503050406030204" pitchFamily="18" charset="0"/>
-                            </a:rPr>
-                            <m:t>𝑙</m:t>
-                          </m:r>
-                          <m:r>
-                            <a:rPr lang="en-US" sz="2800" b="0" i="1" smtClean="0">
-                              <a:latin typeface="Cambria Math" panose="02040503050406030204" pitchFamily="18" charset="0"/>
-                            </a:rPr>
-                            <m:t>,</m:t>
-                          </m:r>
-                          <m:r>
-                            <a:rPr lang="en-US" sz="2800" b="0" i="1" smtClean="0">
-                              <a:latin typeface="Cambria Math" panose="02040503050406030204" pitchFamily="18" charset="0"/>
-                            </a:rPr>
-                            <m:t>𝑔</m:t>
-                          </m:r>
-                        </m:e>
-                      </m:d>
-                      <m:sSub>
-                        <m:sSubPr>
-                          <m:ctrlPr>
-                            <a:rPr lang="en-US" sz="2800" i="1" smtClean="0">
-                              <a:latin typeface="Cambria Math" panose="02040503050406030204" pitchFamily="18" charset="0"/>
-                            </a:rPr>
-                          </m:ctrlPr>
-                        </m:sSubPr>
-                        <m:e>
-                          <m:r>
-                            <a:rPr lang="en-US" sz="2800" i="1" smtClean="0">
-                              <a:latin typeface="Cambria Math" panose="02040503050406030204" pitchFamily="18" charset="0"/>
-                              <a:ea typeface="Cambria Math" panose="02040503050406030204" pitchFamily="18" charset="0"/>
-                            </a:rPr>
-                            <m:t>𝜏</m:t>
-                          </m:r>
-                        </m:e>
-                        <m:sub>
-                          <m:r>
-                            <a:rPr lang="en-US" sz="2800" b="0" i="1" smtClean="0">
-                              <a:latin typeface="Cambria Math" panose="02040503050406030204" pitchFamily="18" charset="0"/>
-                              <a:ea typeface="Cambria Math" panose="02040503050406030204" pitchFamily="18" charset="0"/>
-                            </a:rPr>
-                            <m:t>3</m:t>
-                          </m:r>
-                        </m:sub>
-                      </m:sSub>
-                      <m:d>
-                        <m:dPr>
-                          <m:ctrlPr>
-                            <a:rPr lang="en-US" sz="2800" i="1" smtClean="0">
-                              <a:latin typeface="Cambria Math" panose="02040503050406030204" pitchFamily="18" charset="0"/>
-                            </a:rPr>
-                          </m:ctrlPr>
-                        </m:dPr>
-                        <m:e>
-                          <m:r>
-                            <a:rPr lang="en-US" sz="2800" b="0" i="1" smtClean="0">
-                              <a:latin typeface="Cambria Math" panose="02040503050406030204" pitchFamily="18" charset="0"/>
-                            </a:rPr>
-                            <m:t>𝑔</m:t>
-                          </m:r>
-                        </m:e>
-                      </m:d>
-                      <m:sSub>
-                        <m:sSubPr>
-                          <m:ctrlPr>
-                            <a:rPr lang="en-US" sz="2800" i="1" smtClean="0">
-                              <a:latin typeface="Cambria Math" panose="02040503050406030204" pitchFamily="18" charset="0"/>
-                            </a:rPr>
-                          </m:ctrlPr>
-                        </m:sSubPr>
-                        <m:e>
-                          <m:r>
-                            <a:rPr lang="en-US" sz="2800" i="1" smtClean="0">
-                              <a:latin typeface="Cambria Math" panose="02040503050406030204" pitchFamily="18" charset="0"/>
-                              <a:ea typeface="Cambria Math" panose="02040503050406030204" pitchFamily="18" charset="0"/>
-                            </a:rPr>
-                            <m:t>𝜏</m:t>
-                          </m:r>
-                        </m:e>
-                        <m:sub>
-                          <m:r>
-                            <a:rPr lang="en-US" sz="2800" b="0" i="1" smtClean="0">
-                              <a:latin typeface="Cambria Math" panose="02040503050406030204" pitchFamily="18" charset="0"/>
-                              <a:ea typeface="Cambria Math" panose="02040503050406030204" pitchFamily="18" charset="0"/>
-                            </a:rPr>
-                            <m:t>2</m:t>
-                          </m:r>
-                        </m:sub>
-                      </m:sSub>
-                      <m:d>
-                        <m:dPr>
-                          <m:ctrlPr>
-                            <a:rPr lang="en-US" sz="2800" i="1" smtClean="0">
-                              <a:latin typeface="Cambria Math" panose="02040503050406030204" pitchFamily="18" charset="0"/>
-                            </a:rPr>
-                          </m:ctrlPr>
-                        </m:dPr>
-                        <m:e>
-                          <m:r>
-                            <a:rPr lang="en-US" sz="2800" b="0" i="1" smtClean="0">
-                              <a:latin typeface="Cambria Math" panose="02040503050406030204" pitchFamily="18" charset="0"/>
-                            </a:rPr>
-                            <m:t>𝑔</m:t>
-                          </m:r>
-                          <m:r>
-                            <a:rPr lang="en-US" sz="2800" b="0" i="1" smtClean="0">
-                              <a:latin typeface="Cambria Math" panose="02040503050406030204" pitchFamily="18" charset="0"/>
-                            </a:rPr>
-                            <m:t>,</m:t>
-                          </m:r>
-                          <m:r>
-                            <a:rPr lang="en-US" sz="2800" b="0" i="1" smtClean="0">
-                              <a:latin typeface="Cambria Math" panose="02040503050406030204" pitchFamily="18" charset="0"/>
-                            </a:rPr>
-                            <m:t>𝑠</m:t>
-                          </m:r>
-                        </m:e>
-                      </m:d>
-                      <m:sSub>
-                        <m:sSubPr>
-                          <m:ctrlPr>
-                            <a:rPr lang="en-US" sz="2800" i="1" smtClean="0">
-                              <a:latin typeface="Cambria Math" panose="02040503050406030204" pitchFamily="18" charset="0"/>
-                            </a:rPr>
-                          </m:ctrlPr>
-                        </m:sSubPr>
-                        <m:e>
-                          <m:r>
-                            <a:rPr lang="en-US" sz="2800" i="1" smtClean="0">
-                              <a:latin typeface="Cambria Math" panose="02040503050406030204" pitchFamily="18" charset="0"/>
-                              <a:ea typeface="Cambria Math" panose="02040503050406030204" pitchFamily="18" charset="0"/>
-                            </a:rPr>
-                            <m:t>𝜏</m:t>
-                          </m:r>
-                        </m:e>
-                        <m:sub>
-                          <m:r>
-                            <a:rPr lang="en-US" sz="2800" b="0" i="1" smtClean="0">
-                              <a:latin typeface="Cambria Math" panose="02040503050406030204" pitchFamily="18" charset="0"/>
-                              <a:ea typeface="Cambria Math" panose="02040503050406030204" pitchFamily="18" charset="0"/>
-                            </a:rPr>
-                            <m:t>1</m:t>
-                          </m:r>
-                        </m:sub>
-                      </m:sSub>
-                      <m:d>
-                        <m:dPr>
-                          <m:ctrlPr>
-                            <a:rPr lang="en-US" sz="2800" i="1" smtClean="0">
-                              <a:latin typeface="Cambria Math" panose="02040503050406030204" pitchFamily="18" charset="0"/>
-                            </a:rPr>
-                          </m:ctrlPr>
-                        </m:dPr>
-                        <m:e>
-                          <m:r>
-                            <a:rPr lang="en-US" sz="2800" b="0" i="1" smtClean="0">
-                              <a:latin typeface="Cambria Math" panose="02040503050406030204" pitchFamily="18" charset="0"/>
-                            </a:rPr>
-                            <m:t>𝑔</m:t>
-                          </m:r>
-                          <m:r>
-                            <a:rPr lang="en-US" sz="2800" b="0" i="1" smtClean="0">
-                              <a:latin typeface="Cambria Math" panose="02040503050406030204" pitchFamily="18" charset="0"/>
-                            </a:rPr>
-                            <m:t>,</m:t>
-                          </m:r>
-                          <m:r>
-                            <a:rPr lang="en-US" sz="2800" b="0" i="1" smtClean="0">
-                              <a:latin typeface="Cambria Math" panose="02040503050406030204" pitchFamily="18" charset="0"/>
-                            </a:rPr>
-                            <m:t>𝑖</m:t>
-                          </m:r>
-                        </m:e>
-                      </m:d>
-                    </m:oMath>
-                  </m:oMathPara>
-                </a14:m>
-                <a:endParaRPr lang="en-US" sz="2800"/>
-              </a:p>
-            </p:txBody>
-          </p:sp>
-        </mc:Choice>
-        <mc:Fallback xmlns="">
-          <p:sp>
-            <p:nvSpPr>
-              <p:cNvPr id="12" name="TextBox 11"/>
-              <p:cNvSpPr txBox="1">
-                <a:spLocks noRot="1" noChangeAspect="1" noMove="1" noResize="1" noEditPoints="1" noAdjustHandles="1" noChangeArrowheads="1" noChangeShapeType="1" noTextEdit="1"/>
-              </p:cNvSpPr>
-              <p:nvPr/>
-            </p:nvSpPr>
-            <p:spPr>
-              <a:xfrm>
-                <a:off x="6405596" y="2897238"/>
-                <a:ext cx="5443478" cy="430887"/>
-              </a:xfrm>
-              <a:prstGeom prst="rect">
-                <a:avLst/>
-              </a:prstGeom>
-              <a:blipFill>
-                <a:blip r:embed="rId3"/>
-                <a:stretch>
-                  <a:fillRect/>
-                </a:stretch>
-              </a:blipFill>
-            </p:spPr>
-            <p:txBody>
-              <a:bodyPr/>
-              <a:lstStyle/>
-              <a:p>
-                <a:r>
-                  <a:rPr lang="en-US">
-                    <a:noFill/>
-                  </a:rPr>
-                  <a:t> </a:t>
-                </a:r>
-              </a:p>
-            </p:txBody>
-          </p:sp>
-        </mc:Fallback>
-      </mc:AlternateContent>
-      <p:pic>
-        <p:nvPicPr>
-          <p:cNvPr id="14" name="Picture 13"/>
-          <p:cNvPicPr>
-            <a:picLocks noChangeAspect="1"/>
-          </p:cNvPicPr>
-          <p:nvPr/>
-        </p:nvPicPr>
-        <p:blipFill>
-          <a:blip r:embed="rId4"/>
-          <a:stretch>
-            <a:fillRect/>
-          </a:stretch>
-        </p:blipFill>
-        <p:spPr>
-          <a:xfrm>
-            <a:off x="6140109" y="3328125"/>
-            <a:ext cx="5974452" cy="729348"/>
-          </a:xfrm>
-          <a:prstGeom prst="rect">
-            <a:avLst/>
-          </a:prstGeom>
-        </p:spPr>
-      </p:pic>
-    </p:spTree>
-    <p:extLst>
-      <p:ext uri="{BB962C8B-B14F-4D97-AF65-F5344CB8AC3E}">
-        <p14:creationId xmlns:p14="http://schemas.microsoft.com/office/powerpoint/2010/main" val="88976554"/>
-      </p:ext>
-    </p:extLst>
-  </p:cSld>
-  <p:clrMapOvr>
-    <a:masterClrMapping/>
-  </p:clrMapOvr>
-</p:sld>
-</file>
-
-<file path=ppt/slides/slide16.xml><?xml version="1.0" encoding="utf-8"?>
-<p:sld xmlns:a="http://schemas.openxmlformats.org/drawingml/2006/main" xmlns:r="http://schemas.openxmlformats.org/officeDocument/2006/relationships" xmlns:p="http://schemas.openxmlformats.org/presentationml/2006/main">
-  <p:cSld>
-    <p:spTree>
-      <p:nvGrpSpPr>
-        <p:cNvPr id="1" name=""/>
-        <p:cNvGrpSpPr/>
-        <p:nvPr/>
-      </p:nvGrpSpPr>
-      <p:grpSpPr>
-        <a:xfrm>
-          <a:off x="0" y="0"/>
-          <a:ext cx="0" cy="0"/>
-          <a:chOff x="0" y="0"/>
-          <a:chExt cx="0" cy="0"/>
-        </a:xfrm>
-      </p:grpSpPr>
-      <p:sp>
-        <p:nvSpPr>
-          <p:cNvPr id="2" name="Title 1"/>
-          <p:cNvSpPr>
-            <a:spLocks noGrp="1"/>
-          </p:cNvSpPr>
-          <p:nvPr>
-            <p:ph type="title"/>
-          </p:nvPr>
-        </p:nvSpPr>
-        <p:spPr/>
-        <p:txBody>
-          <a:bodyPr/>
-          <a:lstStyle/>
-          <a:p>
-            <a:r>
-              <a:rPr lang="en-US"/>
-              <a:t>Bayesian inference</a:t>
-            </a:r>
-          </a:p>
-        </p:txBody>
-      </p:sp>
-      <p:pic>
-        <p:nvPicPr>
-          <p:cNvPr id="4" name="Picture 3"/>
-          <p:cNvPicPr>
-            <a:picLocks noChangeAspect="1"/>
-          </p:cNvPicPr>
-          <p:nvPr/>
-        </p:nvPicPr>
-        <p:blipFill>
-          <a:blip r:embed="rId2"/>
-          <a:stretch>
-            <a:fillRect/>
-          </a:stretch>
-        </p:blipFill>
-        <p:spPr>
-          <a:xfrm>
-            <a:off x="4719637" y="1690688"/>
-            <a:ext cx="2752725" cy="714375"/>
-          </a:xfrm>
-          <a:prstGeom prst="rect">
-            <a:avLst/>
-          </a:prstGeom>
-        </p:spPr>
-      </p:pic>
-      <p:sp>
-        <p:nvSpPr>
-          <p:cNvPr id="5" name="Content Placeholder 2"/>
-          <p:cNvSpPr>
-            <a:spLocks noGrp="1"/>
-          </p:cNvSpPr>
-          <p:nvPr>
-            <p:ph idx="1"/>
-          </p:nvPr>
-        </p:nvSpPr>
-        <p:spPr>
-          <a:xfrm>
-            <a:off x="838200" y="2676697"/>
-            <a:ext cx="10515600" cy="3483639"/>
-          </a:xfrm>
-        </p:spPr>
-        <p:txBody>
-          <a:bodyPr/>
-          <a:lstStyle/>
-          <a:p>
-            <a:r>
-              <a:rPr lang="en-US"/>
-              <a:t>H: Hypothesis, E: Observed evidence.</a:t>
-            </a:r>
-          </a:p>
-          <a:p>
-            <a:r>
-              <a:rPr lang="en-US"/>
-              <a:t>P(H): the prior probability, probability of the hypothesis.</a:t>
-            </a:r>
-          </a:p>
-          <a:p>
-            <a:r>
-              <a:rPr lang="en-US"/>
-              <a:t>P(E): probability of the obsereved evidence.</a:t>
-            </a:r>
-          </a:p>
-          <a:p>
-            <a:r>
-              <a:rPr lang="en-US"/>
-              <a:t>P(H|E): the posterior probability, is the probability of H given E, after E is observed.</a:t>
-            </a:r>
-          </a:p>
-          <a:p>
-            <a:r>
-              <a:rPr lang="en-US"/>
-              <a:t>P(E|H): is the probability of observing E given H.</a:t>
-            </a:r>
-          </a:p>
-        </p:txBody>
-      </p:sp>
-    </p:spTree>
-    <p:extLst>
-      <p:ext uri="{BB962C8B-B14F-4D97-AF65-F5344CB8AC3E}">
-        <p14:creationId xmlns:p14="http://schemas.microsoft.com/office/powerpoint/2010/main" val="2728166401"/>
-      </p:ext>
-    </p:extLst>
-  </p:cSld>
-  <p:clrMapOvr>
-    <a:masterClrMapping/>
-  </p:clrMapOvr>
-</p:sld>
-</file>
-
-<file path=ppt/slides/slide17.xml><?xml version="1.0" encoding="utf-8"?>
-<p:sld xmlns:a="http://schemas.openxmlformats.org/drawingml/2006/main" xmlns:r="http://schemas.openxmlformats.org/officeDocument/2006/relationships" xmlns:p="http://schemas.openxmlformats.org/presentationml/2006/main">
-  <p:cSld>
-    <p:spTree>
-      <p:nvGrpSpPr>
-        <p:cNvPr id="1" name=""/>
-        <p:cNvGrpSpPr/>
-        <p:nvPr/>
-      </p:nvGrpSpPr>
-      <p:grpSpPr>
-        <a:xfrm>
-          <a:off x="0" y="0"/>
-          <a:ext cx="0" cy="0"/>
-          <a:chOff x="0" y="0"/>
-          <a:chExt cx="0" cy="0"/>
-        </a:xfrm>
-      </p:grpSpPr>
-      <p:sp>
-        <p:nvSpPr>
-          <p:cNvPr id="2" name="Title 1"/>
-          <p:cNvSpPr>
-            <a:spLocks noGrp="1"/>
-          </p:cNvSpPr>
-          <p:nvPr>
-            <p:ph type="title"/>
-          </p:nvPr>
-        </p:nvSpPr>
-        <p:spPr/>
-        <p:txBody>
-          <a:bodyPr/>
-          <a:lstStyle/>
-          <a:p>
-            <a:r>
-              <a:rPr lang="en-US"/>
-              <a:t>Bayesian inference</a:t>
-            </a:r>
-          </a:p>
-        </p:txBody>
-      </p:sp>
-      <p:pic>
-        <p:nvPicPr>
-          <p:cNvPr id="6" name="Picture 5"/>
-          <p:cNvPicPr>
-            <a:picLocks noChangeAspect="1"/>
-          </p:cNvPicPr>
-          <p:nvPr/>
-        </p:nvPicPr>
-        <p:blipFill>
-          <a:blip r:embed="rId2"/>
-          <a:stretch>
-            <a:fillRect/>
-          </a:stretch>
-        </p:blipFill>
-        <p:spPr>
-          <a:xfrm>
-            <a:off x="3762375" y="2238201"/>
-            <a:ext cx="4667250" cy="2514600"/>
-          </a:xfrm>
-          <a:prstGeom prst="rect">
-            <a:avLst/>
-          </a:prstGeom>
-        </p:spPr>
-      </p:pic>
-    </p:spTree>
-    <p:extLst>
-      <p:ext uri="{BB962C8B-B14F-4D97-AF65-F5344CB8AC3E}">
-        <p14:creationId xmlns:p14="http://schemas.microsoft.com/office/powerpoint/2010/main" val="732980390"/>
-      </p:ext>
-    </p:extLst>
-  </p:cSld>
-  <p:clrMapOvr>
-    <a:masterClrMapping/>
-  </p:clrMapOvr>
-</p:sld>
-</file>
-
-<file path=ppt/slides/slide18.xml><?xml version="1.0" encoding="utf-8"?>
-<p:sld xmlns:a="http://schemas.openxmlformats.org/drawingml/2006/main" xmlns:r="http://schemas.openxmlformats.org/officeDocument/2006/relationships" xmlns:p="http://schemas.openxmlformats.org/presentationml/2006/main">
-  <p:cSld>
-    <p:spTree>
-      <p:nvGrpSpPr>
-        <p:cNvPr id="1" name=""/>
-        <p:cNvGrpSpPr/>
-        <p:nvPr/>
-      </p:nvGrpSpPr>
-      <p:grpSpPr>
-        <a:xfrm>
-          <a:off x="0" y="0"/>
-          <a:ext cx="0" cy="0"/>
-          <a:chOff x="0" y="0"/>
-          <a:chExt cx="0" cy="0"/>
-        </a:xfrm>
-      </p:grpSpPr>
-      <p:sp>
-        <p:nvSpPr>
-          <p:cNvPr id="2" name="Title 1"/>
-          <p:cNvSpPr>
-            <a:spLocks noGrp="1"/>
-          </p:cNvSpPr>
-          <p:nvPr>
-            <p:ph type="title"/>
-          </p:nvPr>
-        </p:nvSpPr>
-        <p:spPr/>
-        <p:txBody>
-          <a:bodyPr/>
-          <a:lstStyle/>
-          <a:p>
-            <a:r>
-              <a:rPr lang="en-US"/>
-              <a:t>Bayesian inference (example)</a:t>
-            </a:r>
-          </a:p>
-        </p:txBody>
-      </p:sp>
-      <p:sp>
-        <p:nvSpPr>
-          <p:cNvPr id="3" name="Content Placeholder 2"/>
-          <p:cNvSpPr>
-            <a:spLocks noGrp="1"/>
-          </p:cNvSpPr>
-          <p:nvPr>
-            <p:ph idx="1"/>
-          </p:nvPr>
-        </p:nvSpPr>
-        <p:spPr>
-          <a:xfrm>
-            <a:off x="838200" y="1825625"/>
-            <a:ext cx="10515600" cy="2970819"/>
-          </a:xfrm>
-        </p:spPr>
-        <p:txBody>
-          <a:bodyPr/>
-          <a:lstStyle/>
-          <a:p>
-            <a:r>
-              <a:rPr lang="en-US"/>
-              <a:t>Suppose there are two full bowls of cookies. </a:t>
-            </a:r>
-            <a:r>
-              <a:rPr lang="en-US">
-                <a:solidFill>
-                  <a:srgbClr val="FF0000"/>
-                </a:solidFill>
-              </a:rPr>
-              <a:t>Bowl 1</a:t>
-            </a:r>
-            <a:r>
-              <a:rPr lang="en-US"/>
-              <a:t> has </a:t>
-            </a:r>
-            <a:r>
-              <a:rPr lang="en-US">
-                <a:solidFill>
-                  <a:srgbClr val="FF0000"/>
-                </a:solidFill>
-              </a:rPr>
-              <a:t>10 chocolate chips</a:t>
-            </a:r>
-            <a:r>
-              <a:rPr lang="en-US"/>
-              <a:t> and </a:t>
-            </a:r>
-            <a:r>
-              <a:rPr lang="en-US">
-                <a:solidFill>
-                  <a:srgbClr val="FF0000"/>
-                </a:solidFill>
-              </a:rPr>
-              <a:t>30 plain cookies</a:t>
-            </a:r>
-            <a:r>
-              <a:rPr lang="en-US"/>
-              <a:t>, while </a:t>
-            </a:r>
-            <a:r>
-              <a:rPr lang="en-US">
-                <a:solidFill>
-                  <a:srgbClr val="FF0000"/>
-                </a:solidFill>
-              </a:rPr>
-              <a:t>bowl 2</a:t>
-            </a:r>
-            <a:r>
-              <a:rPr lang="en-US"/>
-              <a:t> has </a:t>
-            </a:r>
-            <a:r>
-              <a:rPr lang="en-US">
-                <a:solidFill>
-                  <a:srgbClr val="FF0000"/>
-                </a:solidFill>
-              </a:rPr>
-              <a:t>20 of each</a:t>
-            </a:r>
-            <a:r>
-              <a:rPr lang="en-US"/>
-              <a:t>. Fred </a:t>
-            </a:r>
-            <a:r>
-              <a:rPr lang="en-US">
-                <a:solidFill>
-                  <a:srgbClr val="FF0000"/>
-                </a:solidFill>
-              </a:rPr>
-              <a:t>picks</a:t>
-            </a:r>
-            <a:r>
-              <a:rPr lang="en-US"/>
-              <a:t> a </a:t>
-            </a:r>
-            <a:r>
-              <a:rPr lang="en-US">
-                <a:solidFill>
-                  <a:srgbClr val="FF0000"/>
-                </a:solidFill>
-              </a:rPr>
-              <a:t>bowl at random</a:t>
-            </a:r>
-            <a:r>
-              <a:rPr lang="en-US"/>
-              <a:t> and </a:t>
-            </a:r>
-            <a:r>
-              <a:rPr lang="en-US">
-                <a:solidFill>
-                  <a:srgbClr val="FF0000"/>
-                </a:solidFill>
-              </a:rPr>
-              <a:t>then picks a cookie at random</a:t>
-            </a:r>
-            <a:r>
-              <a:rPr lang="en-US"/>
-              <a:t>. We may assume there is </a:t>
-            </a:r>
-            <a:r>
-              <a:rPr lang="en-US">
-                <a:solidFill>
-                  <a:srgbClr val="FF0000"/>
-                </a:solidFill>
-              </a:rPr>
-              <a:t>no reason to</a:t>
-            </a:r>
-            <a:r>
-              <a:rPr lang="en-US"/>
-              <a:t> believe Fred </a:t>
-            </a:r>
-            <a:r>
-              <a:rPr lang="en-US">
-                <a:solidFill>
-                  <a:srgbClr val="FF0000"/>
-                </a:solidFill>
-              </a:rPr>
-              <a:t>treats one bowl differently from another</a:t>
-            </a:r>
-            <a:r>
-              <a:rPr lang="en-US"/>
-              <a:t>, </a:t>
-            </a:r>
-            <a:r>
-              <a:rPr lang="en-US">
-                <a:solidFill>
-                  <a:srgbClr val="FF0000"/>
-                </a:solidFill>
-              </a:rPr>
-              <a:t>likewise for the cookies</a:t>
-            </a:r>
-            <a:r>
-              <a:rPr lang="en-US"/>
-              <a:t>. The cookie turns out to be a plain one. How </a:t>
-            </a:r>
-            <a:r>
-              <a:rPr lang="en-US">
-                <a:solidFill>
-                  <a:srgbClr val="FF0000"/>
-                </a:solidFill>
-              </a:rPr>
-              <a:t>probable</a:t>
-            </a:r>
-            <a:r>
-              <a:rPr lang="en-US"/>
-              <a:t> is it that </a:t>
-            </a:r>
-            <a:r>
-              <a:rPr lang="en-US">
-                <a:solidFill>
-                  <a:srgbClr val="FF0000"/>
-                </a:solidFill>
-              </a:rPr>
-              <a:t>Fred picked it out of bowl 1</a:t>
-            </a:r>
-            <a:r>
-              <a:rPr lang="en-US"/>
-              <a:t>?</a:t>
-            </a:r>
-          </a:p>
-        </p:txBody>
-      </p:sp>
-      <p:pic>
-        <p:nvPicPr>
-          <p:cNvPr id="5" name="Picture 4"/>
-          <p:cNvPicPr>
-            <a:picLocks noChangeAspect="1"/>
-          </p:cNvPicPr>
-          <p:nvPr/>
-        </p:nvPicPr>
-        <p:blipFill>
-          <a:blip r:embed="rId2"/>
-          <a:stretch>
-            <a:fillRect/>
-          </a:stretch>
-        </p:blipFill>
-        <p:spPr>
-          <a:xfrm>
-            <a:off x="1815982" y="5306694"/>
-            <a:ext cx="2019300" cy="457200"/>
-          </a:xfrm>
-          <a:prstGeom prst="rect">
-            <a:avLst/>
-          </a:prstGeom>
-        </p:spPr>
-      </p:pic>
-      <p:sp>
-        <p:nvSpPr>
-          <p:cNvPr id="6" name="Content Placeholder 2"/>
-          <p:cNvSpPr txBox="1">
-            <a:spLocks/>
-          </p:cNvSpPr>
-          <p:nvPr/>
-        </p:nvSpPr>
-        <p:spPr>
-          <a:xfrm>
-            <a:off x="4813067" y="4288384"/>
-            <a:ext cx="3176847" cy="510251"/>
-          </a:xfrm>
-          <a:prstGeom prst="rect">
-            <a:avLst/>
-          </a:prstGeom>
-        </p:spPr>
-        <p:txBody>
-          <a:bodyPr vert="horz" lIns="91440" tIns="45720" rIns="91440" bIns="45720" rtlCol="0">
-            <a:normAutofit/>
-          </a:bodyPr>
-          <a:lstStyle>
-            <a:lvl1pPr marL="228600" indent="-228600" algn="l" defTabSz="914400" rtl="0" eaLnBrk="1" latinLnBrk="0" hangingPunct="1">
-              <a:lnSpc>
-                <a:spcPct val="90000"/>
-              </a:lnSpc>
-              <a:spcBef>
-                <a:spcPts val="1000"/>
-              </a:spcBef>
-              <a:buFont typeface="Arial" panose="020B0604020202020204" pitchFamily="34" charset="0"/>
-              <a:buChar char="•"/>
-              <a:defRPr sz="2800" kern="1200">
-                <a:solidFill>
-                  <a:schemeClr val="tx1"/>
-                </a:solidFill>
-                <a:latin typeface="+mn-lt"/>
-                <a:ea typeface="+mn-ea"/>
-                <a:cs typeface="+mn-cs"/>
-              </a:defRPr>
-            </a:lvl1pPr>
-            <a:lvl2pPr marL="685800" indent="-228600" algn="l" defTabSz="914400" rtl="0" eaLnBrk="1" latinLnBrk="0" hangingPunct="1">
-              <a:lnSpc>
-                <a:spcPct val="90000"/>
-              </a:lnSpc>
-              <a:spcBef>
-                <a:spcPts val="500"/>
-              </a:spcBef>
-              <a:buFont typeface="Arial" panose="020B0604020202020204" pitchFamily="34" charset="0"/>
-              <a:buChar char="•"/>
-              <a:defRPr sz="2400" kern="1200">
-                <a:solidFill>
-                  <a:schemeClr val="tx1"/>
-                </a:solidFill>
-                <a:latin typeface="+mn-lt"/>
-                <a:ea typeface="+mn-ea"/>
-                <a:cs typeface="+mn-cs"/>
-              </a:defRPr>
-            </a:lvl2pPr>
-            <a:lvl3pPr marL="1143000" indent="-228600" algn="l" defTabSz="914400" rtl="0" eaLnBrk="1" latinLnBrk="0" hangingPunct="1">
-              <a:lnSpc>
-                <a:spcPct val="90000"/>
-              </a:lnSpc>
-              <a:spcBef>
-                <a:spcPts val="500"/>
-              </a:spcBef>
-              <a:buFont typeface="Arial" panose="020B0604020202020204" pitchFamily="34" charset="0"/>
-              <a:buChar char="•"/>
-              <a:defRPr sz="2000" kern="1200">
-                <a:solidFill>
-                  <a:schemeClr val="tx1"/>
-                </a:solidFill>
-                <a:latin typeface="+mn-lt"/>
-                <a:ea typeface="+mn-ea"/>
-                <a:cs typeface="+mn-cs"/>
-              </a:defRPr>
-            </a:lvl3pPr>
-            <a:lvl4pPr marL="1600200" indent="-228600" algn="l" defTabSz="914400" rtl="0" eaLnBrk="1" latinLnBrk="0" hangingPunct="1">
-              <a:lnSpc>
-                <a:spcPct val="90000"/>
-              </a:lnSpc>
-              <a:spcBef>
-                <a:spcPts val="500"/>
-              </a:spcBef>
-              <a:buFont typeface="Arial" panose="020B0604020202020204" pitchFamily="34" charset="0"/>
-              <a:buChar char="•"/>
-              <a:defRPr sz="1800" kern="1200">
-                <a:solidFill>
-                  <a:schemeClr val="tx1"/>
-                </a:solidFill>
-                <a:latin typeface="+mn-lt"/>
-                <a:ea typeface="+mn-ea"/>
-                <a:cs typeface="+mn-cs"/>
-              </a:defRPr>
-            </a:lvl4pPr>
-            <a:lvl5pPr marL="2057400" indent="-228600" algn="l" defTabSz="914400" rtl="0" eaLnBrk="1" latinLnBrk="0" hangingPunct="1">
-              <a:lnSpc>
-                <a:spcPct val="90000"/>
-              </a:lnSpc>
-              <a:spcBef>
-                <a:spcPts val="500"/>
-              </a:spcBef>
-              <a:buFont typeface="Arial" panose="020B0604020202020204" pitchFamily="34" charset="0"/>
-              <a:buChar char="•"/>
-              <a:defRPr sz="1800" kern="1200">
-                <a:solidFill>
-                  <a:schemeClr val="tx1"/>
-                </a:solidFill>
-                <a:latin typeface="+mn-lt"/>
-                <a:ea typeface="+mn-ea"/>
-                <a:cs typeface="+mn-cs"/>
-              </a:defRPr>
-            </a:lvl5pPr>
-            <a:lvl6pPr marL="2514600" indent="-228600" algn="l" defTabSz="914400" rtl="0" eaLnBrk="1" latinLnBrk="0" hangingPunct="1">
-              <a:lnSpc>
-                <a:spcPct val="90000"/>
-              </a:lnSpc>
-              <a:spcBef>
-                <a:spcPts val="500"/>
-              </a:spcBef>
-              <a:buFont typeface="Arial" panose="020B0604020202020204" pitchFamily="34" charset="0"/>
-              <a:buChar char="•"/>
-              <a:defRPr sz="1800" kern="1200">
-                <a:solidFill>
-                  <a:schemeClr val="tx1"/>
-                </a:solidFill>
-                <a:latin typeface="+mn-lt"/>
-                <a:ea typeface="+mn-ea"/>
-                <a:cs typeface="+mn-cs"/>
-              </a:defRPr>
-            </a:lvl6pPr>
-            <a:lvl7pPr marL="2971800" indent="-228600" algn="l" defTabSz="914400" rtl="0" eaLnBrk="1" latinLnBrk="0" hangingPunct="1">
-              <a:lnSpc>
-                <a:spcPct val="90000"/>
-              </a:lnSpc>
-              <a:spcBef>
-                <a:spcPts val="500"/>
-              </a:spcBef>
-              <a:buFont typeface="Arial" panose="020B0604020202020204" pitchFamily="34" charset="0"/>
-              <a:buChar char="•"/>
-              <a:defRPr sz="1800" kern="1200">
-                <a:solidFill>
-                  <a:schemeClr val="tx1"/>
-                </a:solidFill>
-                <a:latin typeface="+mn-lt"/>
-                <a:ea typeface="+mn-ea"/>
-                <a:cs typeface="+mn-cs"/>
-              </a:defRPr>
-            </a:lvl7pPr>
-            <a:lvl8pPr marL="3429000" indent="-228600" algn="l" defTabSz="914400" rtl="0" eaLnBrk="1" latinLnBrk="0" hangingPunct="1">
-              <a:lnSpc>
-                <a:spcPct val="90000"/>
-              </a:lnSpc>
-              <a:spcBef>
-                <a:spcPts val="500"/>
-              </a:spcBef>
-              <a:buFont typeface="Arial" panose="020B0604020202020204" pitchFamily="34" charset="0"/>
-              <a:buChar char="•"/>
-              <a:defRPr sz="1800" kern="1200">
-                <a:solidFill>
-                  <a:schemeClr val="tx1"/>
-                </a:solidFill>
-                <a:latin typeface="+mn-lt"/>
-                <a:ea typeface="+mn-ea"/>
-                <a:cs typeface="+mn-cs"/>
-              </a:defRPr>
-            </a:lvl8pPr>
-            <a:lvl9pPr marL="3886200" indent="-228600" algn="l" defTabSz="914400" rtl="0" eaLnBrk="1" latinLnBrk="0" hangingPunct="1">
-              <a:lnSpc>
-                <a:spcPct val="90000"/>
-              </a:lnSpc>
-              <a:spcBef>
-                <a:spcPts val="500"/>
-              </a:spcBef>
-              <a:buFont typeface="Arial" panose="020B0604020202020204" pitchFamily="34" charset="0"/>
-              <a:buChar char="•"/>
-              <a:defRPr sz="1800" kern="1200">
-                <a:solidFill>
-                  <a:schemeClr val="tx1"/>
-                </a:solidFill>
-                <a:latin typeface="+mn-lt"/>
-                <a:ea typeface="+mn-ea"/>
-                <a:cs typeface="+mn-cs"/>
-              </a:defRPr>
-            </a:lvl9pPr>
-          </a:lstStyle>
-          <a:p>
-            <a:pPr marL="0" indent="0">
-              <a:buFont typeface="Arial" panose="020B0604020202020204" pitchFamily="34" charset="0"/>
-              <a:buNone/>
-            </a:pPr>
-            <a:r>
-              <a:rPr lang="en-US"/>
-              <a:t>Evidence (E): Cookie </a:t>
-            </a:r>
-          </a:p>
-        </p:txBody>
-      </p:sp>
-      <p:sp>
-        <p:nvSpPr>
-          <p:cNvPr id="7" name="Content Placeholder 2"/>
-          <p:cNvSpPr txBox="1">
-            <a:spLocks/>
-          </p:cNvSpPr>
-          <p:nvPr/>
-        </p:nvSpPr>
-        <p:spPr>
-          <a:xfrm>
-            <a:off x="838199" y="4286193"/>
-            <a:ext cx="3974869" cy="510251"/>
-          </a:xfrm>
-          <a:prstGeom prst="rect">
-            <a:avLst/>
-          </a:prstGeom>
-        </p:spPr>
-        <p:txBody>
-          <a:bodyPr vert="horz" lIns="91440" tIns="45720" rIns="91440" bIns="45720" rtlCol="0">
-            <a:normAutofit/>
-          </a:bodyPr>
-          <a:lstStyle>
-            <a:lvl1pPr marL="228600" indent="-228600" algn="l" defTabSz="914400" rtl="0" eaLnBrk="1" latinLnBrk="0" hangingPunct="1">
-              <a:lnSpc>
-                <a:spcPct val="90000"/>
-              </a:lnSpc>
-              <a:spcBef>
-                <a:spcPts val="1000"/>
-              </a:spcBef>
-              <a:buFont typeface="Arial" panose="020B0604020202020204" pitchFamily="34" charset="0"/>
-              <a:buChar char="•"/>
-              <a:defRPr sz="2800" kern="1200">
-                <a:solidFill>
-                  <a:schemeClr val="tx1"/>
-                </a:solidFill>
-                <a:latin typeface="+mn-lt"/>
-                <a:ea typeface="+mn-ea"/>
-                <a:cs typeface="+mn-cs"/>
-              </a:defRPr>
-            </a:lvl1pPr>
-            <a:lvl2pPr marL="685800" indent="-228600" algn="l" defTabSz="914400" rtl="0" eaLnBrk="1" latinLnBrk="0" hangingPunct="1">
-              <a:lnSpc>
-                <a:spcPct val="90000"/>
-              </a:lnSpc>
-              <a:spcBef>
-                <a:spcPts val="500"/>
-              </a:spcBef>
-              <a:buFont typeface="Arial" panose="020B0604020202020204" pitchFamily="34" charset="0"/>
-              <a:buChar char="•"/>
-              <a:defRPr sz="2400" kern="1200">
-                <a:solidFill>
-                  <a:schemeClr val="tx1"/>
-                </a:solidFill>
-                <a:latin typeface="+mn-lt"/>
-                <a:ea typeface="+mn-ea"/>
-                <a:cs typeface="+mn-cs"/>
-              </a:defRPr>
-            </a:lvl2pPr>
-            <a:lvl3pPr marL="1143000" indent="-228600" algn="l" defTabSz="914400" rtl="0" eaLnBrk="1" latinLnBrk="0" hangingPunct="1">
-              <a:lnSpc>
-                <a:spcPct val="90000"/>
-              </a:lnSpc>
-              <a:spcBef>
-                <a:spcPts val="500"/>
-              </a:spcBef>
-              <a:buFont typeface="Arial" panose="020B0604020202020204" pitchFamily="34" charset="0"/>
-              <a:buChar char="•"/>
-              <a:defRPr sz="2000" kern="1200">
-                <a:solidFill>
-                  <a:schemeClr val="tx1"/>
-                </a:solidFill>
-                <a:latin typeface="+mn-lt"/>
-                <a:ea typeface="+mn-ea"/>
-                <a:cs typeface="+mn-cs"/>
-              </a:defRPr>
-            </a:lvl3pPr>
-            <a:lvl4pPr marL="1600200" indent="-228600" algn="l" defTabSz="914400" rtl="0" eaLnBrk="1" latinLnBrk="0" hangingPunct="1">
-              <a:lnSpc>
-                <a:spcPct val="90000"/>
-              </a:lnSpc>
-              <a:spcBef>
-                <a:spcPts val="500"/>
-              </a:spcBef>
-              <a:buFont typeface="Arial" panose="020B0604020202020204" pitchFamily="34" charset="0"/>
-              <a:buChar char="•"/>
-              <a:defRPr sz="1800" kern="1200">
-                <a:solidFill>
-                  <a:schemeClr val="tx1"/>
-                </a:solidFill>
-                <a:latin typeface="+mn-lt"/>
-                <a:ea typeface="+mn-ea"/>
-                <a:cs typeface="+mn-cs"/>
-              </a:defRPr>
-            </a:lvl4pPr>
-            <a:lvl5pPr marL="2057400" indent="-228600" algn="l" defTabSz="914400" rtl="0" eaLnBrk="1" latinLnBrk="0" hangingPunct="1">
-              <a:lnSpc>
-                <a:spcPct val="90000"/>
-              </a:lnSpc>
-              <a:spcBef>
-                <a:spcPts val="500"/>
-              </a:spcBef>
-              <a:buFont typeface="Arial" panose="020B0604020202020204" pitchFamily="34" charset="0"/>
-              <a:buChar char="•"/>
-              <a:defRPr sz="1800" kern="1200">
-                <a:solidFill>
-                  <a:schemeClr val="tx1"/>
-                </a:solidFill>
-                <a:latin typeface="+mn-lt"/>
-                <a:ea typeface="+mn-ea"/>
-                <a:cs typeface="+mn-cs"/>
-              </a:defRPr>
-            </a:lvl5pPr>
-            <a:lvl6pPr marL="2514600" indent="-228600" algn="l" defTabSz="914400" rtl="0" eaLnBrk="1" latinLnBrk="0" hangingPunct="1">
-              <a:lnSpc>
-                <a:spcPct val="90000"/>
-              </a:lnSpc>
-              <a:spcBef>
-                <a:spcPts val="500"/>
-              </a:spcBef>
-              <a:buFont typeface="Arial" panose="020B0604020202020204" pitchFamily="34" charset="0"/>
-              <a:buChar char="•"/>
-              <a:defRPr sz="1800" kern="1200">
-                <a:solidFill>
-                  <a:schemeClr val="tx1"/>
-                </a:solidFill>
-                <a:latin typeface="+mn-lt"/>
-                <a:ea typeface="+mn-ea"/>
-                <a:cs typeface="+mn-cs"/>
-              </a:defRPr>
-            </a:lvl6pPr>
-            <a:lvl7pPr marL="2971800" indent="-228600" algn="l" defTabSz="914400" rtl="0" eaLnBrk="1" latinLnBrk="0" hangingPunct="1">
-              <a:lnSpc>
-                <a:spcPct val="90000"/>
-              </a:lnSpc>
-              <a:spcBef>
-                <a:spcPts val="500"/>
-              </a:spcBef>
-              <a:buFont typeface="Arial" panose="020B0604020202020204" pitchFamily="34" charset="0"/>
-              <a:buChar char="•"/>
-              <a:defRPr sz="1800" kern="1200">
-                <a:solidFill>
-                  <a:schemeClr val="tx1"/>
-                </a:solidFill>
-                <a:latin typeface="+mn-lt"/>
-                <a:ea typeface="+mn-ea"/>
-                <a:cs typeface="+mn-cs"/>
-              </a:defRPr>
-            </a:lvl7pPr>
-            <a:lvl8pPr marL="3429000" indent="-228600" algn="l" defTabSz="914400" rtl="0" eaLnBrk="1" latinLnBrk="0" hangingPunct="1">
-              <a:lnSpc>
-                <a:spcPct val="90000"/>
-              </a:lnSpc>
-              <a:spcBef>
-                <a:spcPts val="500"/>
-              </a:spcBef>
-              <a:buFont typeface="Arial" panose="020B0604020202020204" pitchFamily="34" charset="0"/>
-              <a:buChar char="•"/>
-              <a:defRPr sz="1800" kern="1200">
-                <a:solidFill>
-                  <a:schemeClr val="tx1"/>
-                </a:solidFill>
-                <a:latin typeface="+mn-lt"/>
-                <a:ea typeface="+mn-ea"/>
-                <a:cs typeface="+mn-cs"/>
-              </a:defRPr>
-            </a:lvl8pPr>
-            <a:lvl9pPr marL="3886200" indent="-228600" algn="l" defTabSz="914400" rtl="0" eaLnBrk="1" latinLnBrk="0" hangingPunct="1">
-              <a:lnSpc>
-                <a:spcPct val="90000"/>
-              </a:lnSpc>
-              <a:spcBef>
-                <a:spcPts val="500"/>
-              </a:spcBef>
-              <a:buFont typeface="Arial" panose="020B0604020202020204" pitchFamily="34" charset="0"/>
-              <a:buChar char="•"/>
-              <a:defRPr sz="1800" kern="1200">
-                <a:solidFill>
-                  <a:schemeClr val="tx1"/>
-                </a:solidFill>
-                <a:latin typeface="+mn-lt"/>
-                <a:ea typeface="+mn-ea"/>
-                <a:cs typeface="+mn-cs"/>
-              </a:defRPr>
-            </a:lvl9pPr>
-          </a:lstStyle>
-          <a:p>
-            <a:pPr marL="0" indent="0">
-              <a:buFont typeface="Arial" panose="020B0604020202020204" pitchFamily="34" charset="0"/>
-              <a:buNone/>
-            </a:pPr>
-            <a:r>
-              <a:rPr lang="en-US"/>
-              <a:t>Hypothesis 1 (H</a:t>
-            </a:r>
-            <a:r>
-              <a:rPr lang="en-US" baseline="-25000"/>
-              <a:t>1</a:t>
-            </a:r>
-            <a:r>
-              <a:rPr lang="en-US"/>
-              <a:t>): Bowl 1 </a:t>
-            </a:r>
-          </a:p>
-        </p:txBody>
-      </p:sp>
-      <p:sp>
-        <p:nvSpPr>
-          <p:cNvPr id="9" name="Content Placeholder 2"/>
-          <p:cNvSpPr txBox="1">
-            <a:spLocks/>
-          </p:cNvSpPr>
-          <p:nvPr/>
-        </p:nvSpPr>
-        <p:spPr>
-          <a:xfrm>
-            <a:off x="838198" y="4796443"/>
-            <a:ext cx="3974869" cy="510251"/>
-          </a:xfrm>
-          <a:prstGeom prst="rect">
-            <a:avLst/>
-          </a:prstGeom>
-        </p:spPr>
-        <p:txBody>
-          <a:bodyPr vert="horz" lIns="91440" tIns="45720" rIns="91440" bIns="45720" rtlCol="0">
-            <a:normAutofit/>
-          </a:bodyPr>
-          <a:lstStyle>
-            <a:lvl1pPr marL="228600" indent="-228600" algn="l" defTabSz="914400" rtl="0" eaLnBrk="1" latinLnBrk="0" hangingPunct="1">
-              <a:lnSpc>
-                <a:spcPct val="90000"/>
-              </a:lnSpc>
-              <a:spcBef>
-                <a:spcPts val="1000"/>
-              </a:spcBef>
-              <a:buFont typeface="Arial" panose="020B0604020202020204" pitchFamily="34" charset="0"/>
-              <a:buChar char="•"/>
-              <a:defRPr sz="2800" kern="1200">
-                <a:solidFill>
-                  <a:schemeClr val="tx1"/>
-                </a:solidFill>
-                <a:latin typeface="+mn-lt"/>
-                <a:ea typeface="+mn-ea"/>
-                <a:cs typeface="+mn-cs"/>
-              </a:defRPr>
-            </a:lvl1pPr>
-            <a:lvl2pPr marL="685800" indent="-228600" algn="l" defTabSz="914400" rtl="0" eaLnBrk="1" latinLnBrk="0" hangingPunct="1">
-              <a:lnSpc>
-                <a:spcPct val="90000"/>
-              </a:lnSpc>
-              <a:spcBef>
-                <a:spcPts val="500"/>
-              </a:spcBef>
-              <a:buFont typeface="Arial" panose="020B0604020202020204" pitchFamily="34" charset="0"/>
-              <a:buChar char="•"/>
-              <a:defRPr sz="2400" kern="1200">
-                <a:solidFill>
-                  <a:schemeClr val="tx1"/>
-                </a:solidFill>
-                <a:latin typeface="+mn-lt"/>
-                <a:ea typeface="+mn-ea"/>
-                <a:cs typeface="+mn-cs"/>
-              </a:defRPr>
-            </a:lvl2pPr>
-            <a:lvl3pPr marL="1143000" indent="-228600" algn="l" defTabSz="914400" rtl="0" eaLnBrk="1" latinLnBrk="0" hangingPunct="1">
-              <a:lnSpc>
-                <a:spcPct val="90000"/>
-              </a:lnSpc>
-              <a:spcBef>
-                <a:spcPts val="500"/>
-              </a:spcBef>
-              <a:buFont typeface="Arial" panose="020B0604020202020204" pitchFamily="34" charset="0"/>
-              <a:buChar char="•"/>
-              <a:defRPr sz="2000" kern="1200">
-                <a:solidFill>
-                  <a:schemeClr val="tx1"/>
-                </a:solidFill>
-                <a:latin typeface="+mn-lt"/>
-                <a:ea typeface="+mn-ea"/>
-                <a:cs typeface="+mn-cs"/>
-              </a:defRPr>
-            </a:lvl3pPr>
-            <a:lvl4pPr marL="1600200" indent="-228600" algn="l" defTabSz="914400" rtl="0" eaLnBrk="1" latinLnBrk="0" hangingPunct="1">
-              <a:lnSpc>
-                <a:spcPct val="90000"/>
-              </a:lnSpc>
-              <a:spcBef>
-                <a:spcPts val="500"/>
-              </a:spcBef>
-              <a:buFont typeface="Arial" panose="020B0604020202020204" pitchFamily="34" charset="0"/>
-              <a:buChar char="•"/>
-              <a:defRPr sz="1800" kern="1200">
-                <a:solidFill>
-                  <a:schemeClr val="tx1"/>
-                </a:solidFill>
-                <a:latin typeface="+mn-lt"/>
-                <a:ea typeface="+mn-ea"/>
-                <a:cs typeface="+mn-cs"/>
-              </a:defRPr>
-            </a:lvl4pPr>
-            <a:lvl5pPr marL="2057400" indent="-228600" algn="l" defTabSz="914400" rtl="0" eaLnBrk="1" latinLnBrk="0" hangingPunct="1">
-              <a:lnSpc>
-                <a:spcPct val="90000"/>
-              </a:lnSpc>
-              <a:spcBef>
-                <a:spcPts val="500"/>
-              </a:spcBef>
-              <a:buFont typeface="Arial" panose="020B0604020202020204" pitchFamily="34" charset="0"/>
-              <a:buChar char="•"/>
-              <a:defRPr sz="1800" kern="1200">
-                <a:solidFill>
-                  <a:schemeClr val="tx1"/>
-                </a:solidFill>
-                <a:latin typeface="+mn-lt"/>
-                <a:ea typeface="+mn-ea"/>
-                <a:cs typeface="+mn-cs"/>
-              </a:defRPr>
-            </a:lvl5pPr>
-            <a:lvl6pPr marL="2514600" indent="-228600" algn="l" defTabSz="914400" rtl="0" eaLnBrk="1" latinLnBrk="0" hangingPunct="1">
-              <a:lnSpc>
-                <a:spcPct val="90000"/>
-              </a:lnSpc>
-              <a:spcBef>
-                <a:spcPts val="500"/>
-              </a:spcBef>
-              <a:buFont typeface="Arial" panose="020B0604020202020204" pitchFamily="34" charset="0"/>
-              <a:buChar char="•"/>
-              <a:defRPr sz="1800" kern="1200">
-                <a:solidFill>
-                  <a:schemeClr val="tx1"/>
-                </a:solidFill>
-                <a:latin typeface="+mn-lt"/>
-                <a:ea typeface="+mn-ea"/>
-                <a:cs typeface="+mn-cs"/>
-              </a:defRPr>
-            </a:lvl6pPr>
-            <a:lvl7pPr marL="2971800" indent="-228600" algn="l" defTabSz="914400" rtl="0" eaLnBrk="1" latinLnBrk="0" hangingPunct="1">
-              <a:lnSpc>
-                <a:spcPct val="90000"/>
-              </a:lnSpc>
-              <a:spcBef>
-                <a:spcPts val="500"/>
-              </a:spcBef>
-              <a:buFont typeface="Arial" panose="020B0604020202020204" pitchFamily="34" charset="0"/>
-              <a:buChar char="•"/>
-              <a:defRPr sz="1800" kern="1200">
-                <a:solidFill>
-                  <a:schemeClr val="tx1"/>
-                </a:solidFill>
-                <a:latin typeface="+mn-lt"/>
-                <a:ea typeface="+mn-ea"/>
-                <a:cs typeface="+mn-cs"/>
-              </a:defRPr>
-            </a:lvl7pPr>
-            <a:lvl8pPr marL="3429000" indent="-228600" algn="l" defTabSz="914400" rtl="0" eaLnBrk="1" latinLnBrk="0" hangingPunct="1">
-              <a:lnSpc>
-                <a:spcPct val="90000"/>
-              </a:lnSpc>
-              <a:spcBef>
-                <a:spcPts val="500"/>
-              </a:spcBef>
-              <a:buFont typeface="Arial" panose="020B0604020202020204" pitchFamily="34" charset="0"/>
-              <a:buChar char="•"/>
-              <a:defRPr sz="1800" kern="1200">
-                <a:solidFill>
-                  <a:schemeClr val="tx1"/>
-                </a:solidFill>
-                <a:latin typeface="+mn-lt"/>
-                <a:ea typeface="+mn-ea"/>
-                <a:cs typeface="+mn-cs"/>
-              </a:defRPr>
-            </a:lvl8pPr>
-            <a:lvl9pPr marL="3886200" indent="-228600" algn="l" defTabSz="914400" rtl="0" eaLnBrk="1" latinLnBrk="0" hangingPunct="1">
-              <a:lnSpc>
-                <a:spcPct val="90000"/>
-              </a:lnSpc>
-              <a:spcBef>
-                <a:spcPts val="500"/>
-              </a:spcBef>
-              <a:buFont typeface="Arial" panose="020B0604020202020204" pitchFamily="34" charset="0"/>
-              <a:buChar char="•"/>
-              <a:defRPr sz="1800" kern="1200">
-                <a:solidFill>
-                  <a:schemeClr val="tx1"/>
-                </a:solidFill>
-                <a:latin typeface="+mn-lt"/>
-                <a:ea typeface="+mn-ea"/>
-                <a:cs typeface="+mn-cs"/>
-              </a:defRPr>
-            </a:lvl9pPr>
-          </a:lstStyle>
-          <a:p>
-            <a:pPr marL="0" indent="0">
-              <a:buFont typeface="Arial" panose="020B0604020202020204" pitchFamily="34" charset="0"/>
-              <a:buNone/>
-            </a:pPr>
-            <a:r>
-              <a:rPr lang="en-US"/>
-              <a:t>Hypothesis 2 (H</a:t>
-            </a:r>
-            <a:r>
-              <a:rPr lang="en-US" baseline="-25000"/>
-              <a:t>2</a:t>
-            </a:r>
-            <a:r>
-              <a:rPr lang="en-US"/>
-              <a:t>): Bowl 2 </a:t>
-            </a:r>
-          </a:p>
-        </p:txBody>
-      </p:sp>
-      <p:pic>
-        <p:nvPicPr>
-          <p:cNvPr id="10" name="Picture 9"/>
-          <p:cNvPicPr>
-            <a:picLocks noChangeAspect="1"/>
-          </p:cNvPicPr>
-          <p:nvPr/>
-        </p:nvPicPr>
-        <p:blipFill>
-          <a:blip r:embed="rId3"/>
-          <a:stretch>
-            <a:fillRect/>
-          </a:stretch>
-        </p:blipFill>
-        <p:spPr>
-          <a:xfrm>
-            <a:off x="7989914" y="4286193"/>
-            <a:ext cx="3267075" cy="447675"/>
-          </a:xfrm>
-          <a:prstGeom prst="rect">
-            <a:avLst/>
-          </a:prstGeom>
-        </p:spPr>
-      </p:pic>
-      <p:pic>
-        <p:nvPicPr>
-          <p:cNvPr id="11" name="Picture 10"/>
-          <p:cNvPicPr>
-            <a:picLocks noChangeAspect="1"/>
-          </p:cNvPicPr>
-          <p:nvPr/>
-        </p:nvPicPr>
-        <p:blipFill>
-          <a:blip r:embed="rId4"/>
-          <a:stretch>
-            <a:fillRect/>
-          </a:stretch>
-        </p:blipFill>
-        <p:spPr>
-          <a:xfrm>
-            <a:off x="7989913" y="4731356"/>
-            <a:ext cx="3114675" cy="400050"/>
-          </a:xfrm>
-          <a:prstGeom prst="rect">
-            <a:avLst/>
-          </a:prstGeom>
-        </p:spPr>
-      </p:pic>
-    </p:spTree>
-    <p:extLst>
-      <p:ext uri="{BB962C8B-B14F-4D97-AF65-F5344CB8AC3E}">
-        <p14:creationId xmlns:p14="http://schemas.microsoft.com/office/powerpoint/2010/main" val="1921922459"/>
-      </p:ext>
-    </p:extLst>
-  </p:cSld>
-  <p:clrMapOvr>
-    <a:masterClrMapping/>
-  </p:clrMapOvr>
-</p:sld>
-</file>
-
-<file path=ppt/slides/slide19.xml><?xml version="1.0" encoding="utf-8"?>
-<p:sld xmlns:a="http://schemas.openxmlformats.org/drawingml/2006/main" xmlns:r="http://schemas.openxmlformats.org/officeDocument/2006/relationships" xmlns:p="http://schemas.openxmlformats.org/presentationml/2006/main">
-  <p:cSld>
-    <p:spTree>
-      <p:nvGrpSpPr>
-        <p:cNvPr id="1" name=""/>
-        <p:cNvGrpSpPr/>
-        <p:nvPr/>
-      </p:nvGrpSpPr>
-      <p:grpSpPr>
-        <a:xfrm>
-          <a:off x="0" y="0"/>
-          <a:ext cx="0" cy="0"/>
-          <a:chOff x="0" y="0"/>
-          <a:chExt cx="0" cy="0"/>
-        </a:xfrm>
-      </p:grpSpPr>
-      <p:sp>
-        <p:nvSpPr>
-          <p:cNvPr id="2" name="Title 1"/>
-          <p:cNvSpPr>
-            <a:spLocks noGrp="1"/>
-          </p:cNvSpPr>
-          <p:nvPr>
-            <p:ph type="title"/>
-          </p:nvPr>
-        </p:nvSpPr>
-        <p:spPr/>
-        <p:txBody>
-          <a:bodyPr/>
-          <a:lstStyle/>
-          <a:p>
-            <a:r>
-              <a:rPr lang="en-US"/>
-              <a:t>Bayesian inference (example)</a:t>
-            </a:r>
-          </a:p>
-        </p:txBody>
-      </p:sp>
-      <p:pic>
-        <p:nvPicPr>
-          <p:cNvPr id="8" name="Picture 7"/>
-          <p:cNvPicPr>
-            <a:picLocks noChangeAspect="1"/>
-          </p:cNvPicPr>
-          <p:nvPr/>
-        </p:nvPicPr>
-        <p:blipFill>
-          <a:blip r:embed="rId2"/>
-          <a:stretch>
-            <a:fillRect/>
-          </a:stretch>
-        </p:blipFill>
-        <p:spPr>
-          <a:xfrm>
-            <a:off x="2862262" y="2222528"/>
-            <a:ext cx="6467475" cy="2695575"/>
-          </a:xfrm>
-          <a:prstGeom prst="rect">
-            <a:avLst/>
-          </a:prstGeom>
-        </p:spPr>
-      </p:pic>
-    </p:spTree>
-    <p:extLst>
-      <p:ext uri="{BB962C8B-B14F-4D97-AF65-F5344CB8AC3E}">
-        <p14:creationId xmlns:p14="http://schemas.microsoft.com/office/powerpoint/2010/main" val="3009569211"/>
-      </p:ext>
-    </p:extLst>
-  </p:cSld>
-  <p:clrMapOvr>
-    <a:masterClrMapping/>
-  </p:clrMapOvr>
-</p:sld>
-</file>
-
-<file path=ppt/slides/slide2.xml><?xml version="1.0" encoding="utf-8"?>
-<p:sld xmlns:a="http://schemas.openxmlformats.org/drawingml/2006/main" xmlns:r="http://schemas.openxmlformats.org/officeDocument/2006/relationships" xmlns:p="http://schemas.openxmlformats.org/presentationml/2006/main">
-  <p:cSld>
-    <p:spTree>
-      <p:nvGrpSpPr>
-        <p:cNvPr id="1" name=""/>
-        <p:cNvGrpSpPr/>
-        <p:nvPr/>
-      </p:nvGrpSpPr>
-      <p:grpSpPr>
-        <a:xfrm>
-          <a:off x="0" y="0"/>
-          <a:ext cx="0" cy="0"/>
-          <a:chOff x="0" y="0"/>
-          <a:chExt cx="0" cy="0"/>
-        </a:xfrm>
-      </p:grpSpPr>
-      <p:sp>
-        <p:nvSpPr>
-          <p:cNvPr id="2" name="Title 1"/>
-          <p:cNvSpPr>
-            <a:spLocks noGrp="1"/>
-          </p:cNvSpPr>
-          <p:nvPr>
-            <p:ph type="title"/>
-          </p:nvPr>
-        </p:nvSpPr>
-        <p:spPr/>
-        <p:txBody>
-          <a:bodyPr/>
-          <a:lstStyle/>
-          <a:p>
-            <a:r>
-              <a:rPr lang="en-US"/>
-              <a:t>Content</a:t>
-            </a:r>
-          </a:p>
-        </p:txBody>
-      </p:sp>
-      <p:sp>
-        <p:nvSpPr>
-          <p:cNvPr id="3" name="Content Placeholder 2"/>
-          <p:cNvSpPr>
-            <a:spLocks noGrp="1"/>
-          </p:cNvSpPr>
-          <p:nvPr>
-            <p:ph idx="1"/>
-          </p:nvPr>
-        </p:nvSpPr>
-        <p:spPr/>
-        <p:txBody>
-          <a:bodyPr/>
-          <a:lstStyle/>
-          <a:p>
-            <a:r>
-              <a:rPr lang="en-US"/>
-              <a:t>Probabilistic Graphical Model introduction</a:t>
-            </a:r>
-          </a:p>
-          <a:p>
-            <a:r>
-              <a:rPr lang="en-US"/>
-              <a:t>PGMPY introduction</a:t>
-            </a:r>
-          </a:p>
-          <a:p>
-            <a:r>
-              <a:rPr lang="en-US"/>
-              <a:t>Application</a:t>
-            </a:r>
-          </a:p>
-        </p:txBody>
-      </p:sp>
-    </p:spTree>
-    <p:extLst>
-      <p:ext uri="{BB962C8B-B14F-4D97-AF65-F5344CB8AC3E}">
-        <p14:creationId xmlns:p14="http://schemas.microsoft.com/office/powerpoint/2010/main" val="1535427976"/>
-      </p:ext>
-    </p:extLst>
-  </p:cSld>
-  <p:clrMapOvr>
-    <a:masterClrMapping/>
-  </p:clrMapOvr>
-</p:sld>
-</file>
-
-<file path=ppt/slides/slide20.xml><?xml version="1.0" encoding="utf-8"?>
 <p:sld xmlns:a="http://schemas.openxmlformats.org/drawingml/2006/main" xmlns:r="http://schemas.openxmlformats.org/officeDocument/2006/relationships" xmlns:p="http://schemas.openxmlformats.org/presentationml/2006/main">
   <p:cSld>
     <p:spTree>
@@ -8346,7 +5340,7 @@
 </p:sld>
 </file>
 
-<file path=ppt/slides/slide21.xml><?xml version="1.0" encoding="utf-8"?>
+<file path=ppt/slides/slide13.xml><?xml version="1.0" encoding="utf-8"?>
 <p:sld xmlns:a="http://schemas.openxmlformats.org/drawingml/2006/main" xmlns:r="http://schemas.openxmlformats.org/officeDocument/2006/relationships" xmlns:p="http://schemas.openxmlformats.org/presentationml/2006/main">
   <p:cSld>
     <p:spTree>
@@ -8956,7 +5950,7 @@
           </a:lstStyle>
           <a:p>
             <a:r>
-              <a:rPr lang="en-US"/>
+              <a:rPr lang="en-US" dirty="0"/>
               <a:t>Expected value based on Monte-Carlo estimate:</a:t>
             </a:r>
           </a:p>
@@ -9585,7 +6579,7 @@
 </p:sld>
 </file>
 
-<file path=ppt/slides/slide22.xml><?xml version="1.0" encoding="utf-8"?>
+<file path=ppt/slides/slide14.xml><?xml version="1.0" encoding="utf-8"?>
 <p:sld xmlns:a="http://schemas.openxmlformats.org/drawingml/2006/main" xmlns:r="http://schemas.openxmlformats.org/officeDocument/2006/relationships" xmlns:p="http://schemas.openxmlformats.org/presentationml/2006/main">
   <p:cSld>
     <p:spTree>
@@ -10147,7 +7141,7 @@
 </p:sld>
 </file>
 
-<file path=ppt/slides/slide23.xml><?xml version="1.0" encoding="utf-8"?>
+<file path=ppt/slides/slide15.xml><?xml version="1.0" encoding="utf-8"?>
 <p:sld xmlns:a="http://schemas.openxmlformats.org/drawingml/2006/main" xmlns:r="http://schemas.openxmlformats.org/officeDocument/2006/relationships" xmlns:p="http://schemas.openxmlformats.org/presentationml/2006/main">
   <p:cSld>
     <p:spTree>
@@ -10876,7 +7870,7 @@
 </p:sld>
 </file>
 
-<file path=ppt/slides/slide24.xml><?xml version="1.0" encoding="utf-8"?>
+<file path=ppt/slides/slide16.xml><?xml version="1.0" encoding="utf-8"?>
 <p:sld xmlns:a="http://schemas.openxmlformats.org/drawingml/2006/main" xmlns:r="http://schemas.openxmlformats.org/officeDocument/2006/relationships" xmlns:p="http://schemas.openxmlformats.org/presentationml/2006/main">
   <p:cSld>
     <p:spTree>
@@ -11616,7 +8610,7 @@
 </p:sld>
 </file>
 
-<file path=ppt/slides/slide25.xml><?xml version="1.0" encoding="utf-8"?>
+<file path=ppt/slides/slide17.xml><?xml version="1.0" encoding="utf-8"?>
 <p:sld xmlns:a="http://schemas.openxmlformats.org/drawingml/2006/main" xmlns:r="http://schemas.openxmlformats.org/officeDocument/2006/relationships" xmlns:p="http://schemas.openxmlformats.org/presentationml/2006/main">
   <p:cSld>
     <p:spTree>
@@ -12530,7 +9524,3488 @@
 </p:sld>
 </file>
 
+<file path=ppt/slides/slide18.xml><?xml version="1.0" encoding="utf-8"?>
+<p:sld xmlns:a="http://schemas.openxmlformats.org/drawingml/2006/main" xmlns:r="http://schemas.openxmlformats.org/officeDocument/2006/relationships" xmlns:p="http://schemas.openxmlformats.org/presentationml/2006/main">
+  <p:cSld>
+    <p:spTree>
+      <p:nvGrpSpPr>
+        <p:cNvPr id="1" name=""/>
+        <p:cNvGrpSpPr/>
+        <p:nvPr/>
+      </p:nvGrpSpPr>
+      <p:grpSpPr>
+        <a:xfrm>
+          <a:off x="0" y="0"/>
+          <a:ext cx="0" cy="0"/>
+          <a:chOff x="0" y="0"/>
+          <a:chExt cx="0" cy="0"/>
+        </a:xfrm>
+      </p:grpSpPr>
+      <p:sp>
+        <p:nvSpPr>
+          <p:cNvPr id="2" name="Title 1"/>
+          <p:cNvSpPr>
+            <a:spLocks noGrp="1"/>
+          </p:cNvSpPr>
+          <p:nvPr>
+            <p:ph type="ctrTitle"/>
+          </p:nvPr>
+        </p:nvSpPr>
+        <p:spPr>
+          <a:xfrm>
+            <a:off x="1798320" y="2128202"/>
+            <a:ext cx="9144000" cy="2387600"/>
+          </a:xfrm>
+        </p:spPr>
+        <p:txBody>
+          <a:bodyPr>
+            <a:normAutofit fontScale="90000"/>
+          </a:bodyPr>
+          <a:lstStyle/>
+          <a:p>
+            <a:r>
+              <a:rPr lang="en-US" dirty="0"/>
+              <a:t>Part 1.3</a:t>
+            </a:r>
+            <a:br>
+              <a:rPr lang="en-US" dirty="0"/>
+            </a:br>
+            <a:r>
+              <a:rPr lang="en-US" dirty="0"/>
+              <a:t>Probabilistic Graphical Model</a:t>
+            </a:r>
+            <a:br>
+              <a:rPr lang="en-US" dirty="0"/>
+            </a:br>
+            <a:r>
+              <a:rPr lang="en-US" dirty="0"/>
+              <a:t>(Inference)</a:t>
+            </a:r>
+          </a:p>
+        </p:txBody>
+      </p:sp>
+    </p:spTree>
+    <p:extLst>
+      <p:ext uri="{BB962C8B-B14F-4D97-AF65-F5344CB8AC3E}">
+        <p14:creationId xmlns:p14="http://schemas.microsoft.com/office/powerpoint/2010/main" val="2727333723"/>
+      </p:ext>
+    </p:extLst>
+  </p:cSld>
+  <p:clrMapOvr>
+    <a:masterClrMapping/>
+  </p:clrMapOvr>
+</p:sld>
+</file>
+
+<file path=ppt/slides/slide19.xml><?xml version="1.0" encoding="utf-8"?>
+<p:sld xmlns:a="http://schemas.openxmlformats.org/drawingml/2006/main" xmlns:r="http://schemas.openxmlformats.org/officeDocument/2006/relationships" xmlns:p="http://schemas.openxmlformats.org/presentationml/2006/main">
+  <p:cSld>
+    <p:spTree>
+      <p:nvGrpSpPr>
+        <p:cNvPr id="1" name=""/>
+        <p:cNvGrpSpPr/>
+        <p:nvPr/>
+      </p:nvGrpSpPr>
+      <p:grpSpPr>
+        <a:xfrm>
+          <a:off x="0" y="0"/>
+          <a:ext cx="0" cy="0"/>
+          <a:chOff x="0" y="0"/>
+          <a:chExt cx="0" cy="0"/>
+        </a:xfrm>
+      </p:grpSpPr>
+      <p:sp>
+        <p:nvSpPr>
+          <p:cNvPr id="2" name="Title 1"/>
+          <p:cNvSpPr>
+            <a:spLocks noGrp="1"/>
+          </p:cNvSpPr>
+          <p:nvPr>
+            <p:ph type="title"/>
+          </p:nvPr>
+        </p:nvSpPr>
+        <p:spPr/>
+        <p:txBody>
+          <a:bodyPr/>
+          <a:lstStyle/>
+          <a:p>
+            <a:r>
+              <a:rPr lang="en-US"/>
+              <a:t>Marginal inference</a:t>
+            </a:r>
+          </a:p>
+        </p:txBody>
+      </p:sp>
+      <p:pic>
+        <p:nvPicPr>
+          <p:cNvPr id="9" name="Picture 8"/>
+          <p:cNvPicPr>
+            <a:picLocks noChangeAspect="1"/>
+          </p:cNvPicPr>
+          <p:nvPr/>
+        </p:nvPicPr>
+        <p:blipFill>
+          <a:blip r:embed="rId2"/>
+          <a:stretch>
+            <a:fillRect/>
+          </a:stretch>
+        </p:blipFill>
+        <p:spPr>
+          <a:xfrm>
+            <a:off x="3286125" y="1690688"/>
+            <a:ext cx="5619750" cy="962025"/>
+          </a:xfrm>
+          <a:prstGeom prst="rect">
+            <a:avLst/>
+          </a:prstGeom>
+        </p:spPr>
+      </p:pic>
+      <p:pic>
+        <p:nvPicPr>
+          <p:cNvPr id="10" name="Picture 9"/>
+          <p:cNvPicPr>
+            <a:picLocks noChangeAspect="1"/>
+          </p:cNvPicPr>
+          <p:nvPr/>
+        </p:nvPicPr>
+        <p:blipFill>
+          <a:blip r:embed="rId3"/>
+          <a:stretch>
+            <a:fillRect/>
+          </a:stretch>
+        </p:blipFill>
+        <p:spPr>
+          <a:xfrm>
+            <a:off x="3648075" y="2924969"/>
+            <a:ext cx="4895850" cy="1019175"/>
+          </a:xfrm>
+          <a:prstGeom prst="rect">
+            <a:avLst/>
+          </a:prstGeom>
+        </p:spPr>
+      </p:pic>
+      <p:pic>
+        <p:nvPicPr>
+          <p:cNvPr id="11" name="Picture 10"/>
+          <p:cNvPicPr>
+            <a:picLocks noChangeAspect="1"/>
+          </p:cNvPicPr>
+          <p:nvPr/>
+        </p:nvPicPr>
+        <p:blipFill>
+          <a:blip r:embed="rId4"/>
+          <a:stretch>
+            <a:fillRect/>
+          </a:stretch>
+        </p:blipFill>
+        <p:spPr>
+          <a:xfrm>
+            <a:off x="1681162" y="4216400"/>
+            <a:ext cx="8829675" cy="1895475"/>
+          </a:xfrm>
+          <a:prstGeom prst="rect">
+            <a:avLst/>
+          </a:prstGeom>
+        </p:spPr>
+      </p:pic>
+      <mc:AlternateContent xmlns:mc="http://schemas.openxmlformats.org/markup-compatibility/2006" xmlns:a14="http://schemas.microsoft.com/office/drawing/2010/main">
+        <mc:Choice Requires="a14">
+          <p:sp>
+            <p:nvSpPr>
+              <p:cNvPr id="3" name="Rectangle 2"/>
+              <p:cNvSpPr/>
+              <p:nvPr/>
+            </p:nvSpPr>
+            <p:spPr>
+              <a:xfrm>
+                <a:off x="2716875" y="6043353"/>
+                <a:ext cx="6758248" cy="507076"/>
+              </a:xfrm>
+              <a:prstGeom prst="rect">
+                <a:avLst/>
+              </a:prstGeom>
+            </p:spPr>
+            <p:style>
+              <a:lnRef idx="2">
+                <a:schemeClr val="accent1">
+                  <a:shade val="50000"/>
+                </a:schemeClr>
+              </a:lnRef>
+              <a:fillRef idx="1">
+                <a:schemeClr val="accent1"/>
+              </a:fillRef>
+              <a:effectRef idx="0">
+                <a:schemeClr val="accent1"/>
+              </a:effectRef>
+              <a:fontRef idx="minor">
+                <a:schemeClr val="lt1"/>
+              </a:fontRef>
+            </p:style>
+            <p:txBody>
+              <a:bodyPr rtlCol="0" anchor="ctr"/>
+              <a:lstStyle/>
+              <a:p>
+                <a:pPr algn="ctr"/>
+                <a14:m>
+                  <m:oMathPara xmlns:m="http://schemas.openxmlformats.org/officeDocument/2006/math">
+                    <m:oMathParaPr>
+                      <m:jc m:val="centerGroup"/>
+                    </m:oMathParaPr>
+                    <m:oMath xmlns:m="http://schemas.openxmlformats.org/officeDocument/2006/math">
+                      <m:r>
+                        <a:rPr lang="en-US" b="0" i="1" smtClean="0">
+                          <a:latin typeface="Cambria Math" panose="02040503050406030204" pitchFamily="18" charset="0"/>
+                        </a:rPr>
+                        <m:t>𝑂</m:t>
+                      </m:r>
+                      <m:d>
+                        <m:dPr>
+                          <m:ctrlPr>
+                            <a:rPr lang="en-US" b="0" i="1" smtClean="0">
+                              <a:latin typeface="Cambria Math" panose="02040503050406030204" pitchFamily="18" charset="0"/>
+                            </a:rPr>
+                          </m:ctrlPr>
+                        </m:dPr>
+                        <m:e>
+                          <m:sSup>
+                            <m:sSupPr>
+                              <m:ctrlPr>
+                                <a:rPr lang="en-US" b="0" i="1" smtClean="0">
+                                  <a:latin typeface="Cambria Math" panose="02040503050406030204" pitchFamily="18" charset="0"/>
+                                </a:rPr>
+                              </m:ctrlPr>
+                            </m:sSupPr>
+                            <m:e>
+                              <m:r>
+                                <a:rPr lang="en-US" b="0" i="1" smtClean="0">
+                                  <a:latin typeface="Cambria Math" panose="02040503050406030204" pitchFamily="18" charset="0"/>
+                                </a:rPr>
+                                <m:t>𝑘</m:t>
+                              </m:r>
+                            </m:e>
+                            <m:sup>
+                              <m:r>
+                                <a:rPr lang="en-US" b="0" i="1" smtClean="0">
+                                  <a:latin typeface="Cambria Math" panose="02040503050406030204" pitchFamily="18" charset="0"/>
+                                </a:rPr>
+                                <m:t>𝑛</m:t>
+                              </m:r>
+                            </m:sup>
+                          </m:sSup>
+                        </m:e>
+                      </m:d>
+                    </m:oMath>
+                  </m:oMathPara>
+                </a14:m>
+                <a:endParaRPr lang="en-US"/>
+              </a:p>
+            </p:txBody>
+          </p:sp>
+        </mc:Choice>
+        <mc:Fallback xmlns="">
+          <p:sp>
+            <p:nvSpPr>
+              <p:cNvPr id="3" name="Rectangle 2"/>
+              <p:cNvSpPr>
+                <a:spLocks noRot="1" noChangeAspect="1" noMove="1" noResize="1" noEditPoints="1" noAdjustHandles="1" noChangeArrowheads="1" noChangeShapeType="1" noTextEdit="1"/>
+              </p:cNvSpPr>
+              <p:nvPr/>
+            </p:nvSpPr>
+            <p:spPr>
+              <a:xfrm>
+                <a:off x="2716875" y="6043353"/>
+                <a:ext cx="6758248" cy="507076"/>
+              </a:xfrm>
+              <a:prstGeom prst="rect">
+                <a:avLst/>
+              </a:prstGeom>
+              <a:blipFill>
+                <a:blip r:embed="rId5"/>
+                <a:stretch>
+                  <a:fillRect/>
+                </a:stretch>
+              </a:blipFill>
+            </p:spPr>
+            <p:txBody>
+              <a:bodyPr/>
+              <a:lstStyle/>
+              <a:p>
+                <a:r>
+                  <a:rPr lang="en-US">
+                    <a:noFill/>
+                  </a:rPr>
+                  <a:t> </a:t>
+                </a:r>
+              </a:p>
+            </p:txBody>
+          </p:sp>
+        </mc:Fallback>
+      </mc:AlternateContent>
+    </p:spTree>
+    <p:extLst>
+      <p:ext uri="{BB962C8B-B14F-4D97-AF65-F5344CB8AC3E}">
+        <p14:creationId xmlns:p14="http://schemas.microsoft.com/office/powerpoint/2010/main" val="4188537407"/>
+      </p:ext>
+    </p:extLst>
+  </p:cSld>
+  <p:clrMapOvr>
+    <a:masterClrMapping/>
+  </p:clrMapOvr>
+</p:sld>
+</file>
+
+<file path=ppt/slides/slide2.xml><?xml version="1.0" encoding="utf-8"?>
+<p:sld xmlns:a="http://schemas.openxmlformats.org/drawingml/2006/main" xmlns:r="http://schemas.openxmlformats.org/officeDocument/2006/relationships" xmlns:p="http://schemas.openxmlformats.org/presentationml/2006/main">
+  <p:cSld>
+    <p:spTree>
+      <p:nvGrpSpPr>
+        <p:cNvPr id="1" name=""/>
+        <p:cNvGrpSpPr/>
+        <p:nvPr/>
+      </p:nvGrpSpPr>
+      <p:grpSpPr>
+        <a:xfrm>
+          <a:off x="0" y="0"/>
+          <a:ext cx="0" cy="0"/>
+          <a:chOff x="0" y="0"/>
+          <a:chExt cx="0" cy="0"/>
+        </a:xfrm>
+      </p:grpSpPr>
+      <p:sp>
+        <p:nvSpPr>
+          <p:cNvPr id="2" name="Title 1"/>
+          <p:cNvSpPr>
+            <a:spLocks noGrp="1"/>
+          </p:cNvSpPr>
+          <p:nvPr>
+            <p:ph type="title"/>
+          </p:nvPr>
+        </p:nvSpPr>
+        <p:spPr/>
+        <p:txBody>
+          <a:bodyPr/>
+          <a:lstStyle/>
+          <a:p>
+            <a:r>
+              <a:rPr lang="en-US"/>
+              <a:t>Content</a:t>
+            </a:r>
+          </a:p>
+        </p:txBody>
+      </p:sp>
+      <p:sp>
+        <p:nvSpPr>
+          <p:cNvPr id="3" name="Content Placeholder 2"/>
+          <p:cNvSpPr>
+            <a:spLocks noGrp="1"/>
+          </p:cNvSpPr>
+          <p:nvPr>
+            <p:ph idx="1"/>
+          </p:nvPr>
+        </p:nvSpPr>
+        <p:spPr/>
+        <p:txBody>
+          <a:bodyPr/>
+          <a:lstStyle/>
+          <a:p>
+            <a:r>
+              <a:rPr lang="en-US"/>
+              <a:t>Probabilistic Graphical Model introduction</a:t>
+            </a:r>
+          </a:p>
+          <a:p>
+            <a:r>
+              <a:rPr lang="en-US"/>
+              <a:t>PGMPY introduction</a:t>
+            </a:r>
+          </a:p>
+          <a:p>
+            <a:r>
+              <a:rPr lang="en-US"/>
+              <a:t>Application</a:t>
+            </a:r>
+          </a:p>
+        </p:txBody>
+      </p:sp>
+    </p:spTree>
+    <p:extLst>
+      <p:ext uri="{BB962C8B-B14F-4D97-AF65-F5344CB8AC3E}">
+        <p14:creationId xmlns:p14="http://schemas.microsoft.com/office/powerpoint/2010/main" val="1535427976"/>
+      </p:ext>
+    </p:extLst>
+  </p:cSld>
+  <p:clrMapOvr>
+    <a:masterClrMapping/>
+  </p:clrMapOvr>
+</p:sld>
+</file>
+
+<file path=ppt/slides/slide20.xml><?xml version="1.0" encoding="utf-8"?>
+<p:sld xmlns:a="http://schemas.openxmlformats.org/drawingml/2006/main" xmlns:r="http://schemas.openxmlformats.org/officeDocument/2006/relationships" xmlns:p="http://schemas.openxmlformats.org/presentationml/2006/main">
+  <p:cSld>
+    <p:spTree>
+      <p:nvGrpSpPr>
+        <p:cNvPr id="1" name=""/>
+        <p:cNvGrpSpPr/>
+        <p:nvPr/>
+      </p:nvGrpSpPr>
+      <p:grpSpPr>
+        <a:xfrm>
+          <a:off x="0" y="0"/>
+          <a:ext cx="0" cy="0"/>
+          <a:chOff x="0" y="0"/>
+          <a:chExt cx="0" cy="0"/>
+        </a:xfrm>
+      </p:grpSpPr>
+      <p:sp>
+        <p:nvSpPr>
+          <p:cNvPr id="2" name="Title 1"/>
+          <p:cNvSpPr>
+            <a:spLocks noGrp="1"/>
+          </p:cNvSpPr>
+          <p:nvPr>
+            <p:ph type="title"/>
+          </p:nvPr>
+        </p:nvSpPr>
+        <p:spPr/>
+        <p:txBody>
+          <a:bodyPr/>
+          <a:lstStyle/>
+          <a:p>
+            <a:r>
+              <a:rPr lang="en-US"/>
+              <a:t>Marginal inference</a:t>
+            </a:r>
+          </a:p>
+        </p:txBody>
+      </p:sp>
+      <p:pic>
+        <p:nvPicPr>
+          <p:cNvPr id="11" name="Picture 10"/>
+          <p:cNvPicPr>
+            <a:picLocks noChangeAspect="1"/>
+          </p:cNvPicPr>
+          <p:nvPr/>
+        </p:nvPicPr>
+        <p:blipFill>
+          <a:blip r:embed="rId2"/>
+          <a:stretch>
+            <a:fillRect/>
+          </a:stretch>
+        </p:blipFill>
+        <p:spPr>
+          <a:xfrm>
+            <a:off x="1681162" y="1690688"/>
+            <a:ext cx="8829675" cy="1895475"/>
+          </a:xfrm>
+          <a:prstGeom prst="rect">
+            <a:avLst/>
+          </a:prstGeom>
+        </p:spPr>
+      </p:pic>
+      <p:pic>
+        <p:nvPicPr>
+          <p:cNvPr id="3" name="Picture 2"/>
+          <p:cNvPicPr>
+            <a:picLocks noChangeAspect="1"/>
+          </p:cNvPicPr>
+          <p:nvPr/>
+        </p:nvPicPr>
+        <p:blipFill>
+          <a:blip r:embed="rId3"/>
+          <a:stretch>
+            <a:fillRect/>
+          </a:stretch>
+        </p:blipFill>
+        <p:spPr>
+          <a:xfrm>
+            <a:off x="4362449" y="3586163"/>
+            <a:ext cx="3467100" cy="485775"/>
+          </a:xfrm>
+          <a:prstGeom prst="rect">
+            <a:avLst/>
+          </a:prstGeom>
+        </p:spPr>
+      </p:pic>
+      <p:pic>
+        <p:nvPicPr>
+          <p:cNvPr id="4" name="Picture 3"/>
+          <p:cNvPicPr>
+            <a:picLocks noChangeAspect="1"/>
+          </p:cNvPicPr>
+          <p:nvPr/>
+        </p:nvPicPr>
+        <p:blipFill>
+          <a:blip r:embed="rId4"/>
+          <a:stretch>
+            <a:fillRect/>
+          </a:stretch>
+        </p:blipFill>
+        <p:spPr>
+          <a:xfrm>
+            <a:off x="1681161" y="4071938"/>
+            <a:ext cx="8829675" cy="1057275"/>
+          </a:xfrm>
+          <a:prstGeom prst="rect">
+            <a:avLst/>
+          </a:prstGeom>
+        </p:spPr>
+      </p:pic>
+      <mc:AlternateContent xmlns:mc="http://schemas.openxmlformats.org/markup-compatibility/2006" xmlns:a14="http://schemas.microsoft.com/office/drawing/2010/main">
+        <mc:Choice Requires="a14">
+          <p:sp>
+            <p:nvSpPr>
+              <p:cNvPr id="6" name="Rectangle 5"/>
+              <p:cNvSpPr/>
+              <p:nvPr/>
+            </p:nvSpPr>
+            <p:spPr>
+              <a:xfrm>
+                <a:off x="2716874" y="5129213"/>
+                <a:ext cx="6758248" cy="507076"/>
+              </a:xfrm>
+              <a:prstGeom prst="rect">
+                <a:avLst/>
+              </a:prstGeom>
+            </p:spPr>
+            <p:style>
+              <a:lnRef idx="2">
+                <a:schemeClr val="accent1">
+                  <a:shade val="50000"/>
+                </a:schemeClr>
+              </a:lnRef>
+              <a:fillRef idx="1">
+                <a:schemeClr val="accent1"/>
+              </a:fillRef>
+              <a:effectRef idx="0">
+                <a:schemeClr val="accent1"/>
+              </a:effectRef>
+              <a:fontRef idx="minor">
+                <a:schemeClr val="lt1"/>
+              </a:fontRef>
+            </p:style>
+            <p:txBody>
+              <a:bodyPr rtlCol="0" anchor="ctr"/>
+              <a:lstStyle/>
+              <a:p>
+                <a:pPr algn="ctr"/>
+                <a14:m>
+                  <m:oMathPara xmlns:m="http://schemas.openxmlformats.org/officeDocument/2006/math">
+                    <m:oMathParaPr>
+                      <m:jc m:val="centerGroup"/>
+                    </m:oMathParaPr>
+                    <m:oMath xmlns:m="http://schemas.openxmlformats.org/officeDocument/2006/math">
+                      <m:r>
+                        <a:rPr lang="en-US" b="0" i="1" smtClean="0">
+                          <a:latin typeface="Cambria Math" panose="02040503050406030204" pitchFamily="18" charset="0"/>
+                        </a:rPr>
+                        <m:t>𝑂</m:t>
+                      </m:r>
+                      <m:d>
+                        <m:dPr>
+                          <m:ctrlPr>
+                            <a:rPr lang="en-US" b="0" i="1" smtClean="0">
+                              <a:latin typeface="Cambria Math" panose="02040503050406030204" pitchFamily="18" charset="0"/>
+                            </a:rPr>
+                          </m:ctrlPr>
+                        </m:dPr>
+                        <m:e>
+                          <m:sSup>
+                            <m:sSupPr>
+                              <m:ctrlPr>
+                                <a:rPr lang="en-US" b="0" i="1" smtClean="0">
+                                  <a:latin typeface="Cambria Math" panose="02040503050406030204" pitchFamily="18" charset="0"/>
+                                </a:rPr>
+                              </m:ctrlPr>
+                            </m:sSupPr>
+                            <m:e>
+                              <m:r>
+                                <a:rPr lang="en-US" b="0" i="1" smtClean="0">
+                                  <a:latin typeface="Cambria Math" panose="02040503050406030204" pitchFamily="18" charset="0"/>
+                                </a:rPr>
+                                <m:t>𝑛𝑘</m:t>
+                              </m:r>
+                            </m:e>
+                            <m:sup>
+                              <m:r>
+                                <a:rPr lang="en-US" b="0" i="1" smtClean="0">
+                                  <a:latin typeface="Cambria Math" panose="02040503050406030204" pitchFamily="18" charset="0"/>
+                                </a:rPr>
+                                <m:t>2</m:t>
+                              </m:r>
+                            </m:sup>
+                          </m:sSup>
+                        </m:e>
+                      </m:d>
+                    </m:oMath>
+                  </m:oMathPara>
+                </a14:m>
+                <a:endParaRPr lang="en-US"/>
+              </a:p>
+            </p:txBody>
+          </p:sp>
+        </mc:Choice>
+        <mc:Fallback xmlns="">
+          <p:sp>
+            <p:nvSpPr>
+              <p:cNvPr id="6" name="Rectangle 5"/>
+              <p:cNvSpPr>
+                <a:spLocks noRot="1" noChangeAspect="1" noMove="1" noResize="1" noEditPoints="1" noAdjustHandles="1" noChangeArrowheads="1" noChangeShapeType="1" noTextEdit="1"/>
+              </p:cNvSpPr>
+              <p:nvPr/>
+            </p:nvSpPr>
+            <p:spPr>
+              <a:xfrm>
+                <a:off x="2716874" y="5129213"/>
+                <a:ext cx="6758248" cy="507076"/>
+              </a:xfrm>
+              <a:prstGeom prst="rect">
+                <a:avLst/>
+              </a:prstGeom>
+              <a:blipFill>
+                <a:blip r:embed="rId5"/>
+                <a:stretch>
+                  <a:fillRect/>
+                </a:stretch>
+              </a:blipFill>
+            </p:spPr>
+            <p:txBody>
+              <a:bodyPr/>
+              <a:lstStyle/>
+              <a:p>
+                <a:r>
+                  <a:rPr lang="en-US">
+                    <a:noFill/>
+                  </a:rPr>
+                  <a:t> </a:t>
+                </a:r>
+              </a:p>
+            </p:txBody>
+          </p:sp>
+        </mc:Fallback>
+      </mc:AlternateContent>
+    </p:spTree>
+    <p:extLst>
+      <p:ext uri="{BB962C8B-B14F-4D97-AF65-F5344CB8AC3E}">
+        <p14:creationId xmlns:p14="http://schemas.microsoft.com/office/powerpoint/2010/main" val="2984199596"/>
+      </p:ext>
+    </p:extLst>
+  </p:cSld>
+  <p:clrMapOvr>
+    <a:masterClrMapping/>
+  </p:clrMapOvr>
+</p:sld>
+</file>
+
+<file path=ppt/slides/slide21.xml><?xml version="1.0" encoding="utf-8"?>
+<p:sld xmlns:a="http://schemas.openxmlformats.org/drawingml/2006/main" xmlns:r="http://schemas.openxmlformats.org/officeDocument/2006/relationships" xmlns:p="http://schemas.openxmlformats.org/presentationml/2006/main">
+  <p:cSld>
+    <p:spTree>
+      <p:nvGrpSpPr>
+        <p:cNvPr id="1" name=""/>
+        <p:cNvGrpSpPr/>
+        <p:nvPr/>
+      </p:nvGrpSpPr>
+      <p:grpSpPr>
+        <a:xfrm>
+          <a:off x="0" y="0"/>
+          <a:ext cx="0" cy="0"/>
+          <a:chOff x="0" y="0"/>
+          <a:chExt cx="0" cy="0"/>
+        </a:xfrm>
+      </p:grpSpPr>
+      <p:sp>
+        <p:nvSpPr>
+          <p:cNvPr id="2" name="Title 1"/>
+          <p:cNvSpPr>
+            <a:spLocks noGrp="1"/>
+          </p:cNvSpPr>
+          <p:nvPr>
+            <p:ph type="title"/>
+          </p:nvPr>
+        </p:nvSpPr>
+        <p:spPr/>
+        <p:txBody>
+          <a:bodyPr/>
+          <a:lstStyle/>
+          <a:p>
+            <a:r>
+              <a:rPr lang="en-US"/>
+              <a:t>Variable elimination</a:t>
+            </a:r>
+          </a:p>
+        </p:txBody>
+      </p:sp>
+      <p:pic>
+        <p:nvPicPr>
+          <p:cNvPr id="4" name="Picture 3" descr="Representation - Bayesian Networks - Jihong Ju's Blog"/>
+          <p:cNvPicPr>
+            <a:picLocks noChangeAspect="1" noChangeArrowheads="1"/>
+          </p:cNvPicPr>
+          <p:nvPr/>
+        </p:nvPicPr>
+        <p:blipFill>
+          <a:blip r:embed="rId2">
+            <a:extLst>
+              <a:ext uri="{28A0092B-C50C-407E-A947-70E740481C1C}">
+                <a14:useLocalDpi xmlns:a14="http://schemas.microsoft.com/office/drawing/2010/main" val="0"/>
+              </a:ext>
+            </a:extLst>
+          </a:blip>
+          <a:srcRect/>
+          <a:stretch>
+            <a:fillRect/>
+          </a:stretch>
+        </p:blipFill>
+        <p:spPr bwMode="auto">
+          <a:xfrm>
+            <a:off x="3505892" y="1993520"/>
+            <a:ext cx="5180215" cy="4094656"/>
+          </a:xfrm>
+          <a:prstGeom prst="rect">
+            <a:avLst/>
+          </a:prstGeom>
+          <a:noFill/>
+          <a:extLst>
+            <a:ext uri="{909E8E84-426E-40DD-AFC4-6F175D3DCCD1}">
+              <a14:hiddenFill xmlns:a14="http://schemas.microsoft.com/office/drawing/2010/main">
+                <a:solidFill>
+                  <a:srgbClr val="FFFFFF"/>
+                </a:solidFill>
+              </a14:hiddenFill>
+            </a:ext>
+          </a:extLst>
+        </p:spPr>
+      </p:pic>
+      <mc:AlternateContent xmlns:mc="http://schemas.openxmlformats.org/markup-compatibility/2006" xmlns:a14="http://schemas.microsoft.com/office/drawing/2010/main">
+        <mc:Choice Requires="a14">
+          <p:sp>
+            <p:nvSpPr>
+              <p:cNvPr id="5" name="Rectangle 4"/>
+              <p:cNvSpPr/>
+              <p:nvPr/>
+            </p:nvSpPr>
+            <p:spPr>
+              <a:xfrm>
+                <a:off x="5375481" y="1318884"/>
+                <a:ext cx="1441036" cy="523220"/>
+              </a:xfrm>
+              <a:prstGeom prst="rect">
+                <a:avLst/>
+              </a:prstGeom>
+            </p:spPr>
+            <p:txBody>
+              <a:bodyPr wrap="none">
+                <a:spAutoFit/>
+              </a:bodyPr>
+              <a:lstStyle/>
+              <a:p>
+                <a:pPr/>
+                <a14:m>
+                  <m:oMathPara xmlns:m="http://schemas.openxmlformats.org/officeDocument/2006/math">
+                    <m:oMathParaPr>
+                      <m:jc m:val="centerGroup"/>
+                    </m:oMathParaPr>
+                    <m:oMath xmlns:m="http://schemas.openxmlformats.org/officeDocument/2006/math">
+                      <m:r>
+                        <a:rPr lang="en-US" sz="2800" i="1" smtClean="0">
+                          <a:latin typeface="Cambria Math" panose="02040503050406030204" pitchFamily="18" charset="0"/>
+                        </a:rPr>
+                        <m:t>𝑃</m:t>
+                      </m:r>
+                      <m:d>
+                        <m:dPr>
+                          <m:ctrlPr>
+                            <a:rPr lang="en-US" sz="2800" i="1">
+                              <a:latin typeface="Cambria Math" panose="02040503050406030204" pitchFamily="18" charset="0"/>
+                            </a:rPr>
+                          </m:ctrlPr>
+                        </m:dPr>
+                        <m:e>
+                          <m:r>
+                            <a:rPr lang="en-US" sz="2800" i="1">
+                              <a:latin typeface="Cambria Math" panose="02040503050406030204" pitchFamily="18" charset="0"/>
+                            </a:rPr>
+                            <m:t>𝑙</m:t>
+                          </m:r>
+                        </m:e>
+                      </m:d>
+                      <m:r>
+                        <a:rPr lang="en-US" sz="2800" b="0" i="1" smtClean="0">
+                          <a:latin typeface="Cambria Math" panose="02040503050406030204" pitchFamily="18" charset="0"/>
+                        </a:rPr>
+                        <m:t>=?</m:t>
+                      </m:r>
+                    </m:oMath>
+                  </m:oMathPara>
+                </a14:m>
+                <a:endParaRPr lang="en-US" sz="2800"/>
+              </a:p>
+            </p:txBody>
+          </p:sp>
+        </mc:Choice>
+        <mc:Fallback xmlns="">
+          <p:sp>
+            <p:nvSpPr>
+              <p:cNvPr id="5" name="Rectangle 4"/>
+              <p:cNvSpPr>
+                <a:spLocks noRot="1" noChangeAspect="1" noMove="1" noResize="1" noEditPoints="1" noAdjustHandles="1" noChangeArrowheads="1" noChangeShapeType="1" noTextEdit="1"/>
+              </p:cNvSpPr>
+              <p:nvPr/>
+            </p:nvSpPr>
+            <p:spPr>
+              <a:xfrm>
+                <a:off x="5375481" y="1318884"/>
+                <a:ext cx="1441036" cy="523220"/>
+              </a:xfrm>
+              <a:prstGeom prst="rect">
+                <a:avLst/>
+              </a:prstGeom>
+              <a:blipFill>
+                <a:blip r:embed="rId3"/>
+                <a:stretch>
+                  <a:fillRect/>
+                </a:stretch>
+              </a:blipFill>
+            </p:spPr>
+            <p:txBody>
+              <a:bodyPr/>
+              <a:lstStyle/>
+              <a:p>
+                <a:r>
+                  <a:rPr lang="en-US">
+                    <a:noFill/>
+                  </a:rPr>
+                  <a:t> </a:t>
+                </a:r>
+              </a:p>
+            </p:txBody>
+          </p:sp>
+        </mc:Fallback>
+      </mc:AlternateContent>
+    </p:spTree>
+    <p:extLst>
+      <p:ext uri="{BB962C8B-B14F-4D97-AF65-F5344CB8AC3E}">
+        <p14:creationId xmlns:p14="http://schemas.microsoft.com/office/powerpoint/2010/main" val="3353961814"/>
+      </p:ext>
+    </p:extLst>
+  </p:cSld>
+  <p:clrMapOvr>
+    <a:masterClrMapping/>
+  </p:clrMapOvr>
+</p:sld>
+</file>
+
+<file path=ppt/slides/slide22.xml><?xml version="1.0" encoding="utf-8"?>
+<p:sld xmlns:a="http://schemas.openxmlformats.org/drawingml/2006/main" xmlns:r="http://schemas.openxmlformats.org/officeDocument/2006/relationships" xmlns:p="http://schemas.openxmlformats.org/presentationml/2006/main">
+  <p:cSld>
+    <p:spTree>
+      <p:nvGrpSpPr>
+        <p:cNvPr id="1" name=""/>
+        <p:cNvGrpSpPr/>
+        <p:nvPr/>
+      </p:nvGrpSpPr>
+      <p:grpSpPr>
+        <a:xfrm>
+          <a:off x="0" y="0"/>
+          <a:ext cx="0" cy="0"/>
+          <a:chOff x="0" y="0"/>
+          <a:chExt cx="0" cy="0"/>
+        </a:xfrm>
+      </p:grpSpPr>
+      <p:sp>
+        <p:nvSpPr>
+          <p:cNvPr id="2" name="Title 1"/>
+          <p:cNvSpPr>
+            <a:spLocks noGrp="1"/>
+          </p:cNvSpPr>
+          <p:nvPr>
+            <p:ph type="title"/>
+          </p:nvPr>
+        </p:nvSpPr>
+        <p:spPr/>
+        <p:txBody>
+          <a:bodyPr/>
+          <a:lstStyle/>
+          <a:p>
+            <a:r>
+              <a:rPr lang="en-US"/>
+              <a:t>Variable elimination</a:t>
+            </a:r>
+          </a:p>
+        </p:txBody>
+      </p:sp>
+      <p:pic>
+        <p:nvPicPr>
+          <p:cNvPr id="4" name="Picture 3" descr="Representation - Bayesian Networks - Jihong Ju's Blog"/>
+          <p:cNvPicPr>
+            <a:picLocks noChangeAspect="1" noChangeArrowheads="1"/>
+          </p:cNvPicPr>
+          <p:nvPr/>
+        </p:nvPicPr>
+        <p:blipFill>
+          <a:blip r:embed="rId2">
+            <a:extLst>
+              <a:ext uri="{28A0092B-C50C-407E-A947-70E740481C1C}">
+                <a14:useLocalDpi xmlns:a14="http://schemas.microsoft.com/office/drawing/2010/main" val="0"/>
+              </a:ext>
+            </a:extLst>
+          </a:blip>
+          <a:srcRect/>
+          <a:stretch>
+            <a:fillRect/>
+          </a:stretch>
+        </p:blipFill>
+        <p:spPr bwMode="auto">
+          <a:xfrm>
+            <a:off x="838200" y="2010145"/>
+            <a:ext cx="5180215" cy="4094656"/>
+          </a:xfrm>
+          <a:prstGeom prst="rect">
+            <a:avLst/>
+          </a:prstGeom>
+          <a:noFill/>
+          <a:extLst>
+            <a:ext uri="{909E8E84-426E-40DD-AFC4-6F175D3DCCD1}">
+              <a14:hiddenFill xmlns:a14="http://schemas.microsoft.com/office/drawing/2010/main">
+                <a:solidFill>
+                  <a:srgbClr val="FFFFFF"/>
+                </a:solidFill>
+              </a14:hiddenFill>
+            </a:ext>
+          </a:extLst>
+        </p:spPr>
+      </p:pic>
+      <p:sp>
+        <p:nvSpPr>
+          <p:cNvPr id="5" name="Content Placeholder 2"/>
+          <p:cNvSpPr>
+            <a:spLocks noGrp="1"/>
+          </p:cNvSpPr>
+          <p:nvPr>
+            <p:ph idx="1"/>
+          </p:nvPr>
+        </p:nvSpPr>
+        <p:spPr>
+          <a:xfrm>
+            <a:off x="6183285" y="1318961"/>
+            <a:ext cx="1314796" cy="531456"/>
+          </a:xfrm>
+        </p:spPr>
+        <p:txBody>
+          <a:bodyPr/>
+          <a:lstStyle/>
+          <a:p>
+            <a:pPr marL="0" indent="0">
+              <a:buNone/>
+            </a:pPr>
+            <a:r>
+              <a:rPr lang="en-US"/>
+              <a:t>Clear d:</a:t>
+            </a:r>
+          </a:p>
+        </p:txBody>
+      </p:sp>
+      <p:pic>
+        <p:nvPicPr>
+          <p:cNvPr id="6" name="Picture 5"/>
+          <p:cNvPicPr>
+            <a:picLocks noChangeAspect="1"/>
+          </p:cNvPicPr>
+          <p:nvPr/>
+        </p:nvPicPr>
+        <p:blipFill>
+          <a:blip r:embed="rId3"/>
+          <a:stretch>
+            <a:fillRect/>
+          </a:stretch>
+        </p:blipFill>
+        <p:spPr>
+          <a:xfrm>
+            <a:off x="7270952" y="2010145"/>
+            <a:ext cx="3286125" cy="381000"/>
+          </a:xfrm>
+          <a:prstGeom prst="rect">
+            <a:avLst/>
+          </a:prstGeom>
+        </p:spPr>
+      </p:pic>
+      <p:sp>
+        <p:nvSpPr>
+          <p:cNvPr id="7" name="Content Placeholder 2"/>
+          <p:cNvSpPr txBox="1">
+            <a:spLocks/>
+          </p:cNvSpPr>
+          <p:nvPr/>
+        </p:nvSpPr>
+        <p:spPr>
+          <a:xfrm>
+            <a:off x="6183285" y="2550873"/>
+            <a:ext cx="1314796" cy="531456"/>
+          </a:xfrm>
+          <a:prstGeom prst="rect">
+            <a:avLst/>
+          </a:prstGeom>
+        </p:spPr>
+        <p:txBody>
+          <a:bodyPr vert="horz" lIns="91440" tIns="45720" rIns="91440" bIns="45720" rtlCol="0">
+            <a:normAutofit/>
+          </a:bodyPr>
+          <a:lstStyle>
+            <a:lvl1pPr marL="228600" indent="-228600" algn="l" defTabSz="914400" rtl="0" eaLnBrk="1" latinLnBrk="0" hangingPunct="1">
+              <a:lnSpc>
+                <a:spcPct val="90000"/>
+              </a:lnSpc>
+              <a:spcBef>
+                <a:spcPts val="1000"/>
+              </a:spcBef>
+              <a:buFont typeface="Arial" panose="020B0604020202020204" pitchFamily="34" charset="0"/>
+              <a:buChar char="•"/>
+              <a:defRPr sz="2800" kern="1200">
+                <a:solidFill>
+                  <a:schemeClr val="tx1"/>
+                </a:solidFill>
+                <a:latin typeface="+mn-lt"/>
+                <a:ea typeface="+mn-ea"/>
+                <a:cs typeface="+mn-cs"/>
+              </a:defRPr>
+            </a:lvl1pPr>
+            <a:lvl2pPr marL="685800" indent="-228600" algn="l" defTabSz="914400" rtl="0" eaLnBrk="1" latinLnBrk="0" hangingPunct="1">
+              <a:lnSpc>
+                <a:spcPct val="90000"/>
+              </a:lnSpc>
+              <a:spcBef>
+                <a:spcPts val="500"/>
+              </a:spcBef>
+              <a:buFont typeface="Arial" panose="020B0604020202020204" pitchFamily="34" charset="0"/>
+              <a:buChar char="•"/>
+              <a:defRPr sz="2400" kern="1200">
+                <a:solidFill>
+                  <a:schemeClr val="tx1"/>
+                </a:solidFill>
+                <a:latin typeface="+mn-lt"/>
+                <a:ea typeface="+mn-ea"/>
+                <a:cs typeface="+mn-cs"/>
+              </a:defRPr>
+            </a:lvl2pPr>
+            <a:lvl3pPr marL="1143000" indent="-228600" algn="l" defTabSz="914400" rtl="0" eaLnBrk="1" latinLnBrk="0" hangingPunct="1">
+              <a:lnSpc>
+                <a:spcPct val="90000"/>
+              </a:lnSpc>
+              <a:spcBef>
+                <a:spcPts val="500"/>
+              </a:spcBef>
+              <a:buFont typeface="Arial" panose="020B0604020202020204" pitchFamily="34" charset="0"/>
+              <a:buChar char="•"/>
+              <a:defRPr sz="2000" kern="1200">
+                <a:solidFill>
+                  <a:schemeClr val="tx1"/>
+                </a:solidFill>
+                <a:latin typeface="+mn-lt"/>
+                <a:ea typeface="+mn-ea"/>
+                <a:cs typeface="+mn-cs"/>
+              </a:defRPr>
+            </a:lvl3pPr>
+            <a:lvl4pPr marL="1600200" indent="-228600" algn="l" defTabSz="914400" rtl="0" eaLnBrk="1" latinLnBrk="0" hangingPunct="1">
+              <a:lnSpc>
+                <a:spcPct val="90000"/>
+              </a:lnSpc>
+              <a:spcBef>
+                <a:spcPts val="500"/>
+              </a:spcBef>
+              <a:buFont typeface="Arial" panose="020B0604020202020204" pitchFamily="34" charset="0"/>
+              <a:buChar char="•"/>
+              <a:defRPr sz="1800" kern="1200">
+                <a:solidFill>
+                  <a:schemeClr val="tx1"/>
+                </a:solidFill>
+                <a:latin typeface="+mn-lt"/>
+                <a:ea typeface="+mn-ea"/>
+                <a:cs typeface="+mn-cs"/>
+              </a:defRPr>
+            </a:lvl4pPr>
+            <a:lvl5pPr marL="2057400" indent="-228600" algn="l" defTabSz="914400" rtl="0" eaLnBrk="1" latinLnBrk="0" hangingPunct="1">
+              <a:lnSpc>
+                <a:spcPct val="90000"/>
+              </a:lnSpc>
+              <a:spcBef>
+                <a:spcPts val="500"/>
+              </a:spcBef>
+              <a:buFont typeface="Arial" panose="020B0604020202020204" pitchFamily="34" charset="0"/>
+              <a:buChar char="•"/>
+              <a:defRPr sz="1800" kern="1200">
+                <a:solidFill>
+                  <a:schemeClr val="tx1"/>
+                </a:solidFill>
+                <a:latin typeface="+mn-lt"/>
+                <a:ea typeface="+mn-ea"/>
+                <a:cs typeface="+mn-cs"/>
+              </a:defRPr>
+            </a:lvl5pPr>
+            <a:lvl6pPr marL="2514600" indent="-228600" algn="l" defTabSz="914400" rtl="0" eaLnBrk="1" latinLnBrk="0" hangingPunct="1">
+              <a:lnSpc>
+                <a:spcPct val="90000"/>
+              </a:lnSpc>
+              <a:spcBef>
+                <a:spcPts val="500"/>
+              </a:spcBef>
+              <a:buFont typeface="Arial" panose="020B0604020202020204" pitchFamily="34" charset="0"/>
+              <a:buChar char="•"/>
+              <a:defRPr sz="1800" kern="1200">
+                <a:solidFill>
+                  <a:schemeClr val="tx1"/>
+                </a:solidFill>
+                <a:latin typeface="+mn-lt"/>
+                <a:ea typeface="+mn-ea"/>
+                <a:cs typeface="+mn-cs"/>
+              </a:defRPr>
+            </a:lvl6pPr>
+            <a:lvl7pPr marL="2971800" indent="-228600" algn="l" defTabSz="914400" rtl="0" eaLnBrk="1" latinLnBrk="0" hangingPunct="1">
+              <a:lnSpc>
+                <a:spcPct val="90000"/>
+              </a:lnSpc>
+              <a:spcBef>
+                <a:spcPts val="500"/>
+              </a:spcBef>
+              <a:buFont typeface="Arial" panose="020B0604020202020204" pitchFamily="34" charset="0"/>
+              <a:buChar char="•"/>
+              <a:defRPr sz="1800" kern="1200">
+                <a:solidFill>
+                  <a:schemeClr val="tx1"/>
+                </a:solidFill>
+                <a:latin typeface="+mn-lt"/>
+                <a:ea typeface="+mn-ea"/>
+                <a:cs typeface="+mn-cs"/>
+              </a:defRPr>
+            </a:lvl7pPr>
+            <a:lvl8pPr marL="3429000" indent="-228600" algn="l" defTabSz="914400" rtl="0" eaLnBrk="1" latinLnBrk="0" hangingPunct="1">
+              <a:lnSpc>
+                <a:spcPct val="90000"/>
+              </a:lnSpc>
+              <a:spcBef>
+                <a:spcPts val="500"/>
+              </a:spcBef>
+              <a:buFont typeface="Arial" panose="020B0604020202020204" pitchFamily="34" charset="0"/>
+              <a:buChar char="•"/>
+              <a:defRPr sz="1800" kern="1200">
+                <a:solidFill>
+                  <a:schemeClr val="tx1"/>
+                </a:solidFill>
+                <a:latin typeface="+mn-lt"/>
+                <a:ea typeface="+mn-ea"/>
+                <a:cs typeface="+mn-cs"/>
+              </a:defRPr>
+            </a:lvl8pPr>
+            <a:lvl9pPr marL="3886200" indent="-228600" algn="l" defTabSz="914400" rtl="0" eaLnBrk="1" latinLnBrk="0" hangingPunct="1">
+              <a:lnSpc>
+                <a:spcPct val="90000"/>
+              </a:lnSpc>
+              <a:spcBef>
+                <a:spcPts val="500"/>
+              </a:spcBef>
+              <a:buFont typeface="Arial" panose="020B0604020202020204" pitchFamily="34" charset="0"/>
+              <a:buChar char="•"/>
+              <a:defRPr sz="1800" kern="1200">
+                <a:solidFill>
+                  <a:schemeClr val="tx1"/>
+                </a:solidFill>
+                <a:latin typeface="+mn-lt"/>
+                <a:ea typeface="+mn-ea"/>
+                <a:cs typeface="+mn-cs"/>
+              </a:defRPr>
+            </a:lvl9pPr>
+          </a:lstStyle>
+          <a:p>
+            <a:pPr marL="0" indent="0">
+              <a:buFont typeface="Arial" panose="020B0604020202020204" pitchFamily="34" charset="0"/>
+              <a:buNone/>
+            </a:pPr>
+            <a:r>
+              <a:rPr lang="en-US"/>
+              <a:t>Clear i:</a:t>
+            </a:r>
+          </a:p>
+        </p:txBody>
+      </p:sp>
+      <p:pic>
+        <p:nvPicPr>
+          <p:cNvPr id="8" name="Picture 7"/>
+          <p:cNvPicPr>
+            <a:picLocks noChangeAspect="1"/>
+          </p:cNvPicPr>
+          <p:nvPr/>
+        </p:nvPicPr>
+        <p:blipFill>
+          <a:blip r:embed="rId4"/>
+          <a:stretch>
+            <a:fillRect/>
+          </a:stretch>
+        </p:blipFill>
+        <p:spPr>
+          <a:xfrm>
+            <a:off x="7018539" y="3242057"/>
+            <a:ext cx="3790950" cy="409575"/>
+          </a:xfrm>
+          <a:prstGeom prst="rect">
+            <a:avLst/>
+          </a:prstGeom>
+        </p:spPr>
+      </p:pic>
+      <p:sp>
+        <p:nvSpPr>
+          <p:cNvPr id="9" name="Content Placeholder 2"/>
+          <p:cNvSpPr txBox="1">
+            <a:spLocks/>
+          </p:cNvSpPr>
+          <p:nvPr/>
+        </p:nvSpPr>
+        <p:spPr>
+          <a:xfrm>
+            <a:off x="6183285" y="3807817"/>
+            <a:ext cx="1314796" cy="531456"/>
+          </a:xfrm>
+          <a:prstGeom prst="rect">
+            <a:avLst/>
+          </a:prstGeom>
+        </p:spPr>
+        <p:txBody>
+          <a:bodyPr vert="horz" lIns="91440" tIns="45720" rIns="91440" bIns="45720" rtlCol="0">
+            <a:normAutofit/>
+          </a:bodyPr>
+          <a:lstStyle>
+            <a:lvl1pPr marL="228600" indent="-228600" algn="l" defTabSz="914400" rtl="0" eaLnBrk="1" latinLnBrk="0" hangingPunct="1">
+              <a:lnSpc>
+                <a:spcPct val="90000"/>
+              </a:lnSpc>
+              <a:spcBef>
+                <a:spcPts val="1000"/>
+              </a:spcBef>
+              <a:buFont typeface="Arial" panose="020B0604020202020204" pitchFamily="34" charset="0"/>
+              <a:buChar char="•"/>
+              <a:defRPr sz="2800" kern="1200">
+                <a:solidFill>
+                  <a:schemeClr val="tx1"/>
+                </a:solidFill>
+                <a:latin typeface="+mn-lt"/>
+                <a:ea typeface="+mn-ea"/>
+                <a:cs typeface="+mn-cs"/>
+              </a:defRPr>
+            </a:lvl1pPr>
+            <a:lvl2pPr marL="685800" indent="-228600" algn="l" defTabSz="914400" rtl="0" eaLnBrk="1" latinLnBrk="0" hangingPunct="1">
+              <a:lnSpc>
+                <a:spcPct val="90000"/>
+              </a:lnSpc>
+              <a:spcBef>
+                <a:spcPts val="500"/>
+              </a:spcBef>
+              <a:buFont typeface="Arial" panose="020B0604020202020204" pitchFamily="34" charset="0"/>
+              <a:buChar char="•"/>
+              <a:defRPr sz="2400" kern="1200">
+                <a:solidFill>
+                  <a:schemeClr val="tx1"/>
+                </a:solidFill>
+                <a:latin typeface="+mn-lt"/>
+                <a:ea typeface="+mn-ea"/>
+                <a:cs typeface="+mn-cs"/>
+              </a:defRPr>
+            </a:lvl2pPr>
+            <a:lvl3pPr marL="1143000" indent="-228600" algn="l" defTabSz="914400" rtl="0" eaLnBrk="1" latinLnBrk="0" hangingPunct="1">
+              <a:lnSpc>
+                <a:spcPct val="90000"/>
+              </a:lnSpc>
+              <a:spcBef>
+                <a:spcPts val="500"/>
+              </a:spcBef>
+              <a:buFont typeface="Arial" panose="020B0604020202020204" pitchFamily="34" charset="0"/>
+              <a:buChar char="•"/>
+              <a:defRPr sz="2000" kern="1200">
+                <a:solidFill>
+                  <a:schemeClr val="tx1"/>
+                </a:solidFill>
+                <a:latin typeface="+mn-lt"/>
+                <a:ea typeface="+mn-ea"/>
+                <a:cs typeface="+mn-cs"/>
+              </a:defRPr>
+            </a:lvl3pPr>
+            <a:lvl4pPr marL="1600200" indent="-228600" algn="l" defTabSz="914400" rtl="0" eaLnBrk="1" latinLnBrk="0" hangingPunct="1">
+              <a:lnSpc>
+                <a:spcPct val="90000"/>
+              </a:lnSpc>
+              <a:spcBef>
+                <a:spcPts val="500"/>
+              </a:spcBef>
+              <a:buFont typeface="Arial" panose="020B0604020202020204" pitchFamily="34" charset="0"/>
+              <a:buChar char="•"/>
+              <a:defRPr sz="1800" kern="1200">
+                <a:solidFill>
+                  <a:schemeClr val="tx1"/>
+                </a:solidFill>
+                <a:latin typeface="+mn-lt"/>
+                <a:ea typeface="+mn-ea"/>
+                <a:cs typeface="+mn-cs"/>
+              </a:defRPr>
+            </a:lvl4pPr>
+            <a:lvl5pPr marL="2057400" indent="-228600" algn="l" defTabSz="914400" rtl="0" eaLnBrk="1" latinLnBrk="0" hangingPunct="1">
+              <a:lnSpc>
+                <a:spcPct val="90000"/>
+              </a:lnSpc>
+              <a:spcBef>
+                <a:spcPts val="500"/>
+              </a:spcBef>
+              <a:buFont typeface="Arial" panose="020B0604020202020204" pitchFamily="34" charset="0"/>
+              <a:buChar char="•"/>
+              <a:defRPr sz="1800" kern="1200">
+                <a:solidFill>
+                  <a:schemeClr val="tx1"/>
+                </a:solidFill>
+                <a:latin typeface="+mn-lt"/>
+                <a:ea typeface="+mn-ea"/>
+                <a:cs typeface="+mn-cs"/>
+              </a:defRPr>
+            </a:lvl5pPr>
+            <a:lvl6pPr marL="2514600" indent="-228600" algn="l" defTabSz="914400" rtl="0" eaLnBrk="1" latinLnBrk="0" hangingPunct="1">
+              <a:lnSpc>
+                <a:spcPct val="90000"/>
+              </a:lnSpc>
+              <a:spcBef>
+                <a:spcPts val="500"/>
+              </a:spcBef>
+              <a:buFont typeface="Arial" panose="020B0604020202020204" pitchFamily="34" charset="0"/>
+              <a:buChar char="•"/>
+              <a:defRPr sz="1800" kern="1200">
+                <a:solidFill>
+                  <a:schemeClr val="tx1"/>
+                </a:solidFill>
+                <a:latin typeface="+mn-lt"/>
+                <a:ea typeface="+mn-ea"/>
+                <a:cs typeface="+mn-cs"/>
+              </a:defRPr>
+            </a:lvl6pPr>
+            <a:lvl7pPr marL="2971800" indent="-228600" algn="l" defTabSz="914400" rtl="0" eaLnBrk="1" latinLnBrk="0" hangingPunct="1">
+              <a:lnSpc>
+                <a:spcPct val="90000"/>
+              </a:lnSpc>
+              <a:spcBef>
+                <a:spcPts val="500"/>
+              </a:spcBef>
+              <a:buFont typeface="Arial" panose="020B0604020202020204" pitchFamily="34" charset="0"/>
+              <a:buChar char="•"/>
+              <a:defRPr sz="1800" kern="1200">
+                <a:solidFill>
+                  <a:schemeClr val="tx1"/>
+                </a:solidFill>
+                <a:latin typeface="+mn-lt"/>
+                <a:ea typeface="+mn-ea"/>
+                <a:cs typeface="+mn-cs"/>
+              </a:defRPr>
+            </a:lvl7pPr>
+            <a:lvl8pPr marL="3429000" indent="-228600" algn="l" defTabSz="914400" rtl="0" eaLnBrk="1" latinLnBrk="0" hangingPunct="1">
+              <a:lnSpc>
+                <a:spcPct val="90000"/>
+              </a:lnSpc>
+              <a:spcBef>
+                <a:spcPts val="500"/>
+              </a:spcBef>
+              <a:buFont typeface="Arial" panose="020B0604020202020204" pitchFamily="34" charset="0"/>
+              <a:buChar char="•"/>
+              <a:defRPr sz="1800" kern="1200">
+                <a:solidFill>
+                  <a:schemeClr val="tx1"/>
+                </a:solidFill>
+                <a:latin typeface="+mn-lt"/>
+                <a:ea typeface="+mn-ea"/>
+                <a:cs typeface="+mn-cs"/>
+              </a:defRPr>
+            </a:lvl8pPr>
+            <a:lvl9pPr marL="3886200" indent="-228600" algn="l" defTabSz="914400" rtl="0" eaLnBrk="1" latinLnBrk="0" hangingPunct="1">
+              <a:lnSpc>
+                <a:spcPct val="90000"/>
+              </a:lnSpc>
+              <a:spcBef>
+                <a:spcPts val="500"/>
+              </a:spcBef>
+              <a:buFont typeface="Arial" panose="020B0604020202020204" pitchFamily="34" charset="0"/>
+              <a:buChar char="•"/>
+              <a:defRPr sz="1800" kern="1200">
+                <a:solidFill>
+                  <a:schemeClr val="tx1"/>
+                </a:solidFill>
+                <a:latin typeface="+mn-lt"/>
+                <a:ea typeface="+mn-ea"/>
+                <a:cs typeface="+mn-cs"/>
+              </a:defRPr>
+            </a:lvl9pPr>
+          </a:lstStyle>
+          <a:p>
+            <a:pPr marL="0" indent="0">
+              <a:buFont typeface="Arial" panose="020B0604020202020204" pitchFamily="34" charset="0"/>
+              <a:buNone/>
+            </a:pPr>
+            <a:r>
+              <a:rPr lang="en-US"/>
+              <a:t>Clear s:</a:t>
+            </a:r>
+          </a:p>
+        </p:txBody>
+      </p:sp>
+      <p:pic>
+        <p:nvPicPr>
+          <p:cNvPr id="10" name="Picture 9"/>
+          <p:cNvPicPr>
+            <a:picLocks noChangeAspect="1"/>
+          </p:cNvPicPr>
+          <p:nvPr/>
+        </p:nvPicPr>
+        <p:blipFill>
+          <a:blip r:embed="rId5"/>
+          <a:stretch>
+            <a:fillRect/>
+          </a:stretch>
+        </p:blipFill>
+        <p:spPr>
+          <a:xfrm>
+            <a:off x="7766251" y="4502544"/>
+            <a:ext cx="2295525" cy="428625"/>
+          </a:xfrm>
+          <a:prstGeom prst="rect">
+            <a:avLst/>
+          </a:prstGeom>
+        </p:spPr>
+      </p:pic>
+      <p:sp>
+        <p:nvSpPr>
+          <p:cNvPr id="11" name="Content Placeholder 2"/>
+          <p:cNvSpPr txBox="1">
+            <a:spLocks/>
+          </p:cNvSpPr>
+          <p:nvPr/>
+        </p:nvSpPr>
+        <p:spPr>
+          <a:xfrm>
+            <a:off x="6183285" y="5063034"/>
+            <a:ext cx="1314796" cy="531456"/>
+          </a:xfrm>
+          <a:prstGeom prst="rect">
+            <a:avLst/>
+          </a:prstGeom>
+        </p:spPr>
+        <p:txBody>
+          <a:bodyPr vert="horz" lIns="91440" tIns="45720" rIns="91440" bIns="45720" rtlCol="0">
+            <a:normAutofit/>
+          </a:bodyPr>
+          <a:lstStyle>
+            <a:lvl1pPr marL="228600" indent="-228600" algn="l" defTabSz="914400" rtl="0" eaLnBrk="1" latinLnBrk="0" hangingPunct="1">
+              <a:lnSpc>
+                <a:spcPct val="90000"/>
+              </a:lnSpc>
+              <a:spcBef>
+                <a:spcPts val="1000"/>
+              </a:spcBef>
+              <a:buFont typeface="Arial" panose="020B0604020202020204" pitchFamily="34" charset="0"/>
+              <a:buChar char="•"/>
+              <a:defRPr sz="2800" kern="1200">
+                <a:solidFill>
+                  <a:schemeClr val="tx1"/>
+                </a:solidFill>
+                <a:latin typeface="+mn-lt"/>
+                <a:ea typeface="+mn-ea"/>
+                <a:cs typeface="+mn-cs"/>
+              </a:defRPr>
+            </a:lvl1pPr>
+            <a:lvl2pPr marL="685800" indent="-228600" algn="l" defTabSz="914400" rtl="0" eaLnBrk="1" latinLnBrk="0" hangingPunct="1">
+              <a:lnSpc>
+                <a:spcPct val="90000"/>
+              </a:lnSpc>
+              <a:spcBef>
+                <a:spcPts val="500"/>
+              </a:spcBef>
+              <a:buFont typeface="Arial" panose="020B0604020202020204" pitchFamily="34" charset="0"/>
+              <a:buChar char="•"/>
+              <a:defRPr sz="2400" kern="1200">
+                <a:solidFill>
+                  <a:schemeClr val="tx1"/>
+                </a:solidFill>
+                <a:latin typeface="+mn-lt"/>
+                <a:ea typeface="+mn-ea"/>
+                <a:cs typeface="+mn-cs"/>
+              </a:defRPr>
+            </a:lvl2pPr>
+            <a:lvl3pPr marL="1143000" indent="-228600" algn="l" defTabSz="914400" rtl="0" eaLnBrk="1" latinLnBrk="0" hangingPunct="1">
+              <a:lnSpc>
+                <a:spcPct val="90000"/>
+              </a:lnSpc>
+              <a:spcBef>
+                <a:spcPts val="500"/>
+              </a:spcBef>
+              <a:buFont typeface="Arial" panose="020B0604020202020204" pitchFamily="34" charset="0"/>
+              <a:buChar char="•"/>
+              <a:defRPr sz="2000" kern="1200">
+                <a:solidFill>
+                  <a:schemeClr val="tx1"/>
+                </a:solidFill>
+                <a:latin typeface="+mn-lt"/>
+                <a:ea typeface="+mn-ea"/>
+                <a:cs typeface="+mn-cs"/>
+              </a:defRPr>
+            </a:lvl3pPr>
+            <a:lvl4pPr marL="1600200" indent="-228600" algn="l" defTabSz="914400" rtl="0" eaLnBrk="1" latinLnBrk="0" hangingPunct="1">
+              <a:lnSpc>
+                <a:spcPct val="90000"/>
+              </a:lnSpc>
+              <a:spcBef>
+                <a:spcPts val="500"/>
+              </a:spcBef>
+              <a:buFont typeface="Arial" panose="020B0604020202020204" pitchFamily="34" charset="0"/>
+              <a:buChar char="•"/>
+              <a:defRPr sz="1800" kern="1200">
+                <a:solidFill>
+                  <a:schemeClr val="tx1"/>
+                </a:solidFill>
+                <a:latin typeface="+mn-lt"/>
+                <a:ea typeface="+mn-ea"/>
+                <a:cs typeface="+mn-cs"/>
+              </a:defRPr>
+            </a:lvl4pPr>
+            <a:lvl5pPr marL="2057400" indent="-228600" algn="l" defTabSz="914400" rtl="0" eaLnBrk="1" latinLnBrk="0" hangingPunct="1">
+              <a:lnSpc>
+                <a:spcPct val="90000"/>
+              </a:lnSpc>
+              <a:spcBef>
+                <a:spcPts val="500"/>
+              </a:spcBef>
+              <a:buFont typeface="Arial" panose="020B0604020202020204" pitchFamily="34" charset="0"/>
+              <a:buChar char="•"/>
+              <a:defRPr sz="1800" kern="1200">
+                <a:solidFill>
+                  <a:schemeClr val="tx1"/>
+                </a:solidFill>
+                <a:latin typeface="+mn-lt"/>
+                <a:ea typeface="+mn-ea"/>
+                <a:cs typeface="+mn-cs"/>
+              </a:defRPr>
+            </a:lvl5pPr>
+            <a:lvl6pPr marL="2514600" indent="-228600" algn="l" defTabSz="914400" rtl="0" eaLnBrk="1" latinLnBrk="0" hangingPunct="1">
+              <a:lnSpc>
+                <a:spcPct val="90000"/>
+              </a:lnSpc>
+              <a:spcBef>
+                <a:spcPts val="500"/>
+              </a:spcBef>
+              <a:buFont typeface="Arial" panose="020B0604020202020204" pitchFamily="34" charset="0"/>
+              <a:buChar char="•"/>
+              <a:defRPr sz="1800" kern="1200">
+                <a:solidFill>
+                  <a:schemeClr val="tx1"/>
+                </a:solidFill>
+                <a:latin typeface="+mn-lt"/>
+                <a:ea typeface="+mn-ea"/>
+                <a:cs typeface="+mn-cs"/>
+              </a:defRPr>
+            </a:lvl6pPr>
+            <a:lvl7pPr marL="2971800" indent="-228600" algn="l" defTabSz="914400" rtl="0" eaLnBrk="1" latinLnBrk="0" hangingPunct="1">
+              <a:lnSpc>
+                <a:spcPct val="90000"/>
+              </a:lnSpc>
+              <a:spcBef>
+                <a:spcPts val="500"/>
+              </a:spcBef>
+              <a:buFont typeface="Arial" panose="020B0604020202020204" pitchFamily="34" charset="0"/>
+              <a:buChar char="•"/>
+              <a:defRPr sz="1800" kern="1200">
+                <a:solidFill>
+                  <a:schemeClr val="tx1"/>
+                </a:solidFill>
+                <a:latin typeface="+mn-lt"/>
+                <a:ea typeface="+mn-ea"/>
+                <a:cs typeface="+mn-cs"/>
+              </a:defRPr>
+            </a:lvl7pPr>
+            <a:lvl8pPr marL="3429000" indent="-228600" algn="l" defTabSz="914400" rtl="0" eaLnBrk="1" latinLnBrk="0" hangingPunct="1">
+              <a:lnSpc>
+                <a:spcPct val="90000"/>
+              </a:lnSpc>
+              <a:spcBef>
+                <a:spcPts val="500"/>
+              </a:spcBef>
+              <a:buFont typeface="Arial" panose="020B0604020202020204" pitchFamily="34" charset="0"/>
+              <a:buChar char="•"/>
+              <a:defRPr sz="1800" kern="1200">
+                <a:solidFill>
+                  <a:schemeClr val="tx1"/>
+                </a:solidFill>
+                <a:latin typeface="+mn-lt"/>
+                <a:ea typeface="+mn-ea"/>
+                <a:cs typeface="+mn-cs"/>
+              </a:defRPr>
+            </a:lvl8pPr>
+            <a:lvl9pPr marL="3886200" indent="-228600" algn="l" defTabSz="914400" rtl="0" eaLnBrk="1" latinLnBrk="0" hangingPunct="1">
+              <a:lnSpc>
+                <a:spcPct val="90000"/>
+              </a:lnSpc>
+              <a:spcBef>
+                <a:spcPts val="500"/>
+              </a:spcBef>
+              <a:buFont typeface="Arial" panose="020B0604020202020204" pitchFamily="34" charset="0"/>
+              <a:buChar char="•"/>
+              <a:defRPr sz="1800" kern="1200">
+                <a:solidFill>
+                  <a:schemeClr val="tx1"/>
+                </a:solidFill>
+                <a:latin typeface="+mn-lt"/>
+                <a:ea typeface="+mn-ea"/>
+                <a:cs typeface="+mn-cs"/>
+              </a:defRPr>
+            </a:lvl9pPr>
+          </a:lstStyle>
+          <a:p>
+            <a:pPr marL="0" indent="0">
+              <a:buFont typeface="Arial" panose="020B0604020202020204" pitchFamily="34" charset="0"/>
+              <a:buNone/>
+            </a:pPr>
+            <a:r>
+              <a:rPr lang="en-US"/>
+              <a:t>Clear g:</a:t>
+            </a:r>
+          </a:p>
+        </p:txBody>
+      </p:sp>
+      <mc:AlternateContent xmlns:mc="http://schemas.openxmlformats.org/markup-compatibility/2006" xmlns:a14="http://schemas.microsoft.com/office/drawing/2010/main">
+        <mc:Choice Requires="a14">
+          <p:sp>
+            <p:nvSpPr>
+              <p:cNvPr id="12" name="TextBox 11"/>
+              <p:cNvSpPr txBox="1"/>
+              <p:nvPr/>
+            </p:nvSpPr>
+            <p:spPr>
+              <a:xfrm>
+                <a:off x="7854781" y="5594490"/>
+                <a:ext cx="2118464" cy="703782"/>
+              </a:xfrm>
+              <a:prstGeom prst="rect">
+                <a:avLst/>
+              </a:prstGeom>
+              <a:noFill/>
+            </p:spPr>
+            <p:txBody>
+              <a:bodyPr wrap="none" lIns="0" tIns="0" rIns="0" bIns="0" rtlCol="0">
+                <a:spAutoFit/>
+              </a:bodyPr>
+              <a:lstStyle/>
+              <a:p>
+                <a:pPr/>
+                <a14:m>
+                  <m:oMathPara xmlns:m="http://schemas.openxmlformats.org/officeDocument/2006/math">
+                    <m:oMathParaPr>
+                      <m:jc m:val="centerGroup"/>
+                    </m:oMathParaPr>
+                    <m:oMath xmlns:m="http://schemas.openxmlformats.org/officeDocument/2006/math">
+                      <m:sSub>
+                        <m:sSubPr>
+                          <m:ctrlPr>
+                            <a:rPr lang="en-US" i="1" smtClean="0">
+                              <a:latin typeface="Cambria Math" panose="02040503050406030204" pitchFamily="18" charset="0"/>
+                            </a:rPr>
+                          </m:ctrlPr>
+                        </m:sSubPr>
+                        <m:e>
+                          <m:r>
+                            <a:rPr lang="en-US" i="1" smtClean="0">
+                              <a:latin typeface="Cambria Math" panose="02040503050406030204" pitchFamily="18" charset="0"/>
+                              <a:ea typeface="Cambria Math" panose="02040503050406030204" pitchFamily="18" charset="0"/>
+                            </a:rPr>
+                            <m:t>𝜏</m:t>
+                          </m:r>
+                        </m:e>
+                        <m:sub>
+                          <m:r>
+                            <a:rPr lang="en-US" b="0" i="1" smtClean="0">
+                              <a:latin typeface="Cambria Math" panose="02040503050406030204" pitchFamily="18" charset="0"/>
+                            </a:rPr>
+                            <m:t>4</m:t>
+                          </m:r>
+                        </m:sub>
+                      </m:sSub>
+                      <m:d>
+                        <m:dPr>
+                          <m:ctrlPr>
+                            <a:rPr lang="en-US" i="1" smtClean="0">
+                              <a:latin typeface="Cambria Math" panose="02040503050406030204" pitchFamily="18" charset="0"/>
+                            </a:rPr>
+                          </m:ctrlPr>
+                        </m:dPr>
+                        <m:e>
+                          <m:r>
+                            <a:rPr lang="en-US" b="0" i="1" smtClean="0">
+                              <a:latin typeface="Cambria Math" panose="02040503050406030204" pitchFamily="18" charset="0"/>
+                            </a:rPr>
+                            <m:t>𝑙</m:t>
+                          </m:r>
+                          <m:r>
+                            <a:rPr lang="en-US" b="0" i="1" smtClean="0">
+                              <a:latin typeface="Cambria Math" panose="02040503050406030204" pitchFamily="18" charset="0"/>
+                            </a:rPr>
+                            <m:t>,</m:t>
+                          </m:r>
+                          <m:r>
+                            <a:rPr lang="en-US" b="0" i="1" smtClean="0">
+                              <a:latin typeface="Cambria Math" panose="02040503050406030204" pitchFamily="18" charset="0"/>
+                            </a:rPr>
+                            <m:t>𝑔</m:t>
+                          </m:r>
+                        </m:e>
+                      </m:d>
+                      <m:r>
+                        <a:rPr lang="en-US" b="0" i="1" smtClean="0">
+                          <a:latin typeface="Cambria Math" panose="02040503050406030204" pitchFamily="18" charset="0"/>
+                        </a:rPr>
+                        <m:t>=</m:t>
+                      </m:r>
+                      <m:nary>
+                        <m:naryPr>
+                          <m:chr m:val="∑"/>
+                          <m:supHide m:val="on"/>
+                          <m:ctrlPr>
+                            <a:rPr lang="en-US" b="0" i="1" smtClean="0">
+                              <a:latin typeface="Cambria Math" panose="02040503050406030204" pitchFamily="18" charset="0"/>
+                            </a:rPr>
+                          </m:ctrlPr>
+                        </m:naryPr>
+                        <m:sub>
+                          <m:r>
+                            <m:rPr>
+                              <m:brk m:alnAt="7"/>
+                            </m:rPr>
+                            <a:rPr lang="en-US" b="0" i="1" smtClean="0">
+                              <a:latin typeface="Cambria Math" panose="02040503050406030204" pitchFamily="18" charset="0"/>
+                            </a:rPr>
+                            <m:t>𝑔</m:t>
+                          </m:r>
+                        </m:sub>
+                        <m:sup/>
+                        <m:e>
+                          <m:r>
+                            <a:rPr lang="en-US" b="0" i="1" smtClean="0">
+                              <a:latin typeface="Cambria Math" panose="02040503050406030204" pitchFamily="18" charset="0"/>
+                            </a:rPr>
+                            <m:t>𝑃</m:t>
+                          </m:r>
+                          <m:d>
+                            <m:dPr>
+                              <m:ctrlPr>
+                                <a:rPr lang="en-US" b="0" i="1" smtClean="0">
+                                  <a:latin typeface="Cambria Math" panose="02040503050406030204" pitchFamily="18" charset="0"/>
+                                </a:rPr>
+                              </m:ctrlPr>
+                            </m:dPr>
+                            <m:e>
+                              <m:r>
+                                <a:rPr lang="en-US" b="0" i="1" smtClean="0">
+                                  <a:latin typeface="Cambria Math" panose="02040503050406030204" pitchFamily="18" charset="0"/>
+                                </a:rPr>
+                                <m:t>𝑙</m:t>
+                              </m:r>
+                            </m:e>
+                            <m:e>
+                              <m:r>
+                                <a:rPr lang="en-US" b="0" i="1" smtClean="0">
+                                  <a:latin typeface="Cambria Math" panose="02040503050406030204" pitchFamily="18" charset="0"/>
+                                </a:rPr>
+                                <m:t>𝑔</m:t>
+                              </m:r>
+                            </m:e>
+                          </m:d>
+                        </m:e>
+                      </m:nary>
+                    </m:oMath>
+                  </m:oMathPara>
+                </a14:m>
+                <a:endParaRPr lang="en-US"/>
+              </a:p>
+            </p:txBody>
+          </p:sp>
+        </mc:Choice>
+        <mc:Fallback xmlns="">
+          <p:sp>
+            <p:nvSpPr>
+              <p:cNvPr id="12" name="TextBox 11"/>
+              <p:cNvSpPr txBox="1">
+                <a:spLocks noRot="1" noChangeAspect="1" noMove="1" noResize="1" noEditPoints="1" noAdjustHandles="1" noChangeArrowheads="1" noChangeShapeType="1" noTextEdit="1"/>
+              </p:cNvSpPr>
+              <p:nvPr/>
+            </p:nvSpPr>
+            <p:spPr>
+              <a:xfrm>
+                <a:off x="7854781" y="5594490"/>
+                <a:ext cx="2118464" cy="703782"/>
+              </a:xfrm>
+              <a:prstGeom prst="rect">
+                <a:avLst/>
+              </a:prstGeom>
+              <a:blipFill>
+                <a:blip r:embed="rId6"/>
+                <a:stretch>
+                  <a:fillRect/>
+                </a:stretch>
+              </a:blipFill>
+            </p:spPr>
+            <p:txBody>
+              <a:bodyPr/>
+              <a:lstStyle/>
+              <a:p>
+                <a:r>
+                  <a:rPr lang="en-US">
+                    <a:noFill/>
+                  </a:rPr>
+                  <a:t> </a:t>
+                </a:r>
+              </a:p>
+            </p:txBody>
+          </p:sp>
+        </mc:Fallback>
+      </mc:AlternateContent>
+    </p:spTree>
+    <p:extLst>
+      <p:ext uri="{BB962C8B-B14F-4D97-AF65-F5344CB8AC3E}">
+        <p14:creationId xmlns:p14="http://schemas.microsoft.com/office/powerpoint/2010/main" val="2435765688"/>
+      </p:ext>
+    </p:extLst>
+  </p:cSld>
+  <p:clrMapOvr>
+    <a:masterClrMapping/>
+  </p:clrMapOvr>
+</p:sld>
+</file>
+
+<file path=ppt/slides/slide23.xml><?xml version="1.0" encoding="utf-8"?>
+<p:sld xmlns:a="http://schemas.openxmlformats.org/drawingml/2006/main" xmlns:r="http://schemas.openxmlformats.org/officeDocument/2006/relationships" xmlns:p="http://schemas.openxmlformats.org/presentationml/2006/main">
+  <p:cSld>
+    <p:spTree>
+      <p:nvGrpSpPr>
+        <p:cNvPr id="1" name=""/>
+        <p:cNvGrpSpPr/>
+        <p:nvPr/>
+      </p:nvGrpSpPr>
+      <p:grpSpPr>
+        <a:xfrm>
+          <a:off x="0" y="0"/>
+          <a:ext cx="0" cy="0"/>
+          <a:chOff x="0" y="0"/>
+          <a:chExt cx="0" cy="0"/>
+        </a:xfrm>
+      </p:grpSpPr>
+      <p:sp>
+        <p:nvSpPr>
+          <p:cNvPr id="2" name="Title 1"/>
+          <p:cNvSpPr>
+            <a:spLocks noGrp="1"/>
+          </p:cNvSpPr>
+          <p:nvPr>
+            <p:ph type="title"/>
+          </p:nvPr>
+        </p:nvSpPr>
+        <p:spPr/>
+        <p:txBody>
+          <a:bodyPr/>
+          <a:lstStyle/>
+          <a:p>
+            <a:r>
+              <a:rPr lang="en-US"/>
+              <a:t>Variable elimination</a:t>
+            </a:r>
+          </a:p>
+        </p:txBody>
+      </p:sp>
+      <p:pic>
+        <p:nvPicPr>
+          <p:cNvPr id="4" name="Picture 3" descr="Representation - Bayesian Networks - Jihong Ju's Blog"/>
+          <p:cNvPicPr>
+            <a:picLocks noChangeAspect="1" noChangeArrowheads="1"/>
+          </p:cNvPicPr>
+          <p:nvPr/>
+        </p:nvPicPr>
+        <p:blipFill>
+          <a:blip r:embed="rId2">
+            <a:extLst>
+              <a:ext uri="{28A0092B-C50C-407E-A947-70E740481C1C}">
+                <a14:useLocalDpi xmlns:a14="http://schemas.microsoft.com/office/drawing/2010/main" val="0"/>
+              </a:ext>
+            </a:extLst>
+          </a:blip>
+          <a:srcRect/>
+          <a:stretch>
+            <a:fillRect/>
+          </a:stretch>
+        </p:blipFill>
+        <p:spPr bwMode="auto">
+          <a:xfrm>
+            <a:off x="838200" y="2010145"/>
+            <a:ext cx="5180215" cy="4094656"/>
+          </a:xfrm>
+          <a:prstGeom prst="rect">
+            <a:avLst/>
+          </a:prstGeom>
+          <a:noFill/>
+          <a:extLst>
+            <a:ext uri="{909E8E84-426E-40DD-AFC4-6F175D3DCCD1}">
+              <a14:hiddenFill xmlns:a14="http://schemas.microsoft.com/office/drawing/2010/main">
+                <a:solidFill>
+                  <a:srgbClr val="FFFFFF"/>
+                </a:solidFill>
+              </a14:hiddenFill>
+            </a:ext>
+          </a:extLst>
+        </p:spPr>
+      </p:pic>
+      <mc:AlternateContent xmlns:mc="http://schemas.openxmlformats.org/markup-compatibility/2006" xmlns:a14="http://schemas.microsoft.com/office/drawing/2010/main">
+        <mc:Choice Requires="a14">
+          <p:sp>
+            <p:nvSpPr>
+              <p:cNvPr id="12" name="TextBox 11"/>
+              <p:cNvSpPr txBox="1"/>
+              <p:nvPr/>
+            </p:nvSpPr>
+            <p:spPr>
+              <a:xfrm>
+                <a:off x="6405596" y="2897238"/>
+                <a:ext cx="5443478" cy="430887"/>
+              </a:xfrm>
+              <a:prstGeom prst="rect">
+                <a:avLst/>
+              </a:prstGeom>
+              <a:noFill/>
+            </p:spPr>
+            <p:txBody>
+              <a:bodyPr wrap="none" lIns="0" tIns="0" rIns="0" bIns="0" rtlCol="0">
+                <a:spAutoFit/>
+              </a:bodyPr>
+              <a:lstStyle/>
+              <a:p>
+                <a:pPr/>
+                <a14:m>
+                  <m:oMathPara xmlns:m="http://schemas.openxmlformats.org/officeDocument/2006/math">
+                    <m:oMathParaPr>
+                      <m:jc m:val="centerGroup"/>
+                    </m:oMathParaPr>
+                    <m:oMath xmlns:m="http://schemas.openxmlformats.org/officeDocument/2006/math">
+                      <m:r>
+                        <a:rPr lang="en-US" sz="2800" b="0" i="1" smtClean="0">
+                          <a:latin typeface="Cambria Math" panose="02040503050406030204" pitchFamily="18" charset="0"/>
+                        </a:rPr>
+                        <m:t>𝑃</m:t>
+                      </m:r>
+                      <m:d>
+                        <m:dPr>
+                          <m:ctrlPr>
+                            <a:rPr lang="en-US" sz="2800" b="0" i="1" smtClean="0">
+                              <a:latin typeface="Cambria Math" panose="02040503050406030204" pitchFamily="18" charset="0"/>
+                            </a:rPr>
+                          </m:ctrlPr>
+                        </m:dPr>
+                        <m:e>
+                          <m:r>
+                            <a:rPr lang="en-US" sz="2800" b="0" i="1" smtClean="0">
+                              <a:latin typeface="Cambria Math" panose="02040503050406030204" pitchFamily="18" charset="0"/>
+                            </a:rPr>
+                            <m:t>𝑙</m:t>
+                          </m:r>
+                        </m:e>
+                      </m:d>
+                      <m:r>
+                        <a:rPr lang="en-US" sz="2800" b="0" i="1" smtClean="0">
+                          <a:latin typeface="Cambria Math" panose="02040503050406030204" pitchFamily="18" charset="0"/>
+                        </a:rPr>
+                        <m:t>=</m:t>
+                      </m:r>
+                      <m:sSub>
+                        <m:sSubPr>
+                          <m:ctrlPr>
+                            <a:rPr lang="en-US" sz="2800" i="1" smtClean="0">
+                              <a:latin typeface="Cambria Math" panose="02040503050406030204" pitchFamily="18" charset="0"/>
+                            </a:rPr>
+                          </m:ctrlPr>
+                        </m:sSubPr>
+                        <m:e>
+                          <m:r>
+                            <a:rPr lang="en-US" sz="2800" i="1" smtClean="0">
+                              <a:latin typeface="Cambria Math" panose="02040503050406030204" pitchFamily="18" charset="0"/>
+                              <a:ea typeface="Cambria Math" panose="02040503050406030204" pitchFamily="18" charset="0"/>
+                            </a:rPr>
+                            <m:t>𝜏</m:t>
+                          </m:r>
+                        </m:e>
+                        <m:sub>
+                          <m:r>
+                            <a:rPr lang="en-US" sz="2800" b="0" i="1" smtClean="0">
+                              <a:latin typeface="Cambria Math" panose="02040503050406030204" pitchFamily="18" charset="0"/>
+                            </a:rPr>
+                            <m:t>4</m:t>
+                          </m:r>
+                        </m:sub>
+                      </m:sSub>
+                      <m:d>
+                        <m:dPr>
+                          <m:ctrlPr>
+                            <a:rPr lang="en-US" sz="2800" i="1" smtClean="0">
+                              <a:latin typeface="Cambria Math" panose="02040503050406030204" pitchFamily="18" charset="0"/>
+                            </a:rPr>
+                          </m:ctrlPr>
+                        </m:dPr>
+                        <m:e>
+                          <m:r>
+                            <a:rPr lang="en-US" sz="2800" b="0" i="1" smtClean="0">
+                              <a:latin typeface="Cambria Math" panose="02040503050406030204" pitchFamily="18" charset="0"/>
+                            </a:rPr>
+                            <m:t>𝑙</m:t>
+                          </m:r>
+                          <m:r>
+                            <a:rPr lang="en-US" sz="2800" b="0" i="1" smtClean="0">
+                              <a:latin typeface="Cambria Math" panose="02040503050406030204" pitchFamily="18" charset="0"/>
+                            </a:rPr>
+                            <m:t>,</m:t>
+                          </m:r>
+                          <m:r>
+                            <a:rPr lang="en-US" sz="2800" b="0" i="1" smtClean="0">
+                              <a:latin typeface="Cambria Math" panose="02040503050406030204" pitchFamily="18" charset="0"/>
+                            </a:rPr>
+                            <m:t>𝑔</m:t>
+                          </m:r>
+                        </m:e>
+                      </m:d>
+                      <m:sSub>
+                        <m:sSubPr>
+                          <m:ctrlPr>
+                            <a:rPr lang="en-US" sz="2800" i="1" smtClean="0">
+                              <a:latin typeface="Cambria Math" panose="02040503050406030204" pitchFamily="18" charset="0"/>
+                            </a:rPr>
+                          </m:ctrlPr>
+                        </m:sSubPr>
+                        <m:e>
+                          <m:r>
+                            <a:rPr lang="en-US" sz="2800" i="1" smtClean="0">
+                              <a:latin typeface="Cambria Math" panose="02040503050406030204" pitchFamily="18" charset="0"/>
+                              <a:ea typeface="Cambria Math" panose="02040503050406030204" pitchFamily="18" charset="0"/>
+                            </a:rPr>
+                            <m:t>𝜏</m:t>
+                          </m:r>
+                        </m:e>
+                        <m:sub>
+                          <m:r>
+                            <a:rPr lang="en-US" sz="2800" b="0" i="1" smtClean="0">
+                              <a:latin typeface="Cambria Math" panose="02040503050406030204" pitchFamily="18" charset="0"/>
+                              <a:ea typeface="Cambria Math" panose="02040503050406030204" pitchFamily="18" charset="0"/>
+                            </a:rPr>
+                            <m:t>3</m:t>
+                          </m:r>
+                        </m:sub>
+                      </m:sSub>
+                      <m:d>
+                        <m:dPr>
+                          <m:ctrlPr>
+                            <a:rPr lang="en-US" sz="2800" i="1" smtClean="0">
+                              <a:latin typeface="Cambria Math" panose="02040503050406030204" pitchFamily="18" charset="0"/>
+                            </a:rPr>
+                          </m:ctrlPr>
+                        </m:dPr>
+                        <m:e>
+                          <m:r>
+                            <a:rPr lang="en-US" sz="2800" b="0" i="1" smtClean="0">
+                              <a:latin typeface="Cambria Math" panose="02040503050406030204" pitchFamily="18" charset="0"/>
+                            </a:rPr>
+                            <m:t>𝑔</m:t>
+                          </m:r>
+                        </m:e>
+                      </m:d>
+                      <m:sSub>
+                        <m:sSubPr>
+                          <m:ctrlPr>
+                            <a:rPr lang="en-US" sz="2800" i="1" smtClean="0">
+                              <a:latin typeface="Cambria Math" panose="02040503050406030204" pitchFamily="18" charset="0"/>
+                            </a:rPr>
+                          </m:ctrlPr>
+                        </m:sSubPr>
+                        <m:e>
+                          <m:r>
+                            <a:rPr lang="en-US" sz="2800" i="1" smtClean="0">
+                              <a:latin typeface="Cambria Math" panose="02040503050406030204" pitchFamily="18" charset="0"/>
+                              <a:ea typeface="Cambria Math" panose="02040503050406030204" pitchFamily="18" charset="0"/>
+                            </a:rPr>
+                            <m:t>𝜏</m:t>
+                          </m:r>
+                        </m:e>
+                        <m:sub>
+                          <m:r>
+                            <a:rPr lang="en-US" sz="2800" b="0" i="1" smtClean="0">
+                              <a:latin typeface="Cambria Math" panose="02040503050406030204" pitchFamily="18" charset="0"/>
+                              <a:ea typeface="Cambria Math" panose="02040503050406030204" pitchFamily="18" charset="0"/>
+                            </a:rPr>
+                            <m:t>2</m:t>
+                          </m:r>
+                        </m:sub>
+                      </m:sSub>
+                      <m:d>
+                        <m:dPr>
+                          <m:ctrlPr>
+                            <a:rPr lang="en-US" sz="2800" i="1" smtClean="0">
+                              <a:latin typeface="Cambria Math" panose="02040503050406030204" pitchFamily="18" charset="0"/>
+                            </a:rPr>
+                          </m:ctrlPr>
+                        </m:dPr>
+                        <m:e>
+                          <m:r>
+                            <a:rPr lang="en-US" sz="2800" b="0" i="1" smtClean="0">
+                              <a:latin typeface="Cambria Math" panose="02040503050406030204" pitchFamily="18" charset="0"/>
+                            </a:rPr>
+                            <m:t>𝑔</m:t>
+                          </m:r>
+                          <m:r>
+                            <a:rPr lang="en-US" sz="2800" b="0" i="1" smtClean="0">
+                              <a:latin typeface="Cambria Math" panose="02040503050406030204" pitchFamily="18" charset="0"/>
+                            </a:rPr>
+                            <m:t>,</m:t>
+                          </m:r>
+                          <m:r>
+                            <a:rPr lang="en-US" sz="2800" b="0" i="1" smtClean="0">
+                              <a:latin typeface="Cambria Math" panose="02040503050406030204" pitchFamily="18" charset="0"/>
+                            </a:rPr>
+                            <m:t>𝑠</m:t>
+                          </m:r>
+                        </m:e>
+                      </m:d>
+                      <m:sSub>
+                        <m:sSubPr>
+                          <m:ctrlPr>
+                            <a:rPr lang="en-US" sz="2800" i="1" smtClean="0">
+                              <a:latin typeface="Cambria Math" panose="02040503050406030204" pitchFamily="18" charset="0"/>
+                            </a:rPr>
+                          </m:ctrlPr>
+                        </m:sSubPr>
+                        <m:e>
+                          <m:r>
+                            <a:rPr lang="en-US" sz="2800" i="1" smtClean="0">
+                              <a:latin typeface="Cambria Math" panose="02040503050406030204" pitchFamily="18" charset="0"/>
+                              <a:ea typeface="Cambria Math" panose="02040503050406030204" pitchFamily="18" charset="0"/>
+                            </a:rPr>
+                            <m:t>𝜏</m:t>
+                          </m:r>
+                        </m:e>
+                        <m:sub>
+                          <m:r>
+                            <a:rPr lang="en-US" sz="2800" b="0" i="1" smtClean="0">
+                              <a:latin typeface="Cambria Math" panose="02040503050406030204" pitchFamily="18" charset="0"/>
+                              <a:ea typeface="Cambria Math" panose="02040503050406030204" pitchFamily="18" charset="0"/>
+                            </a:rPr>
+                            <m:t>1</m:t>
+                          </m:r>
+                        </m:sub>
+                      </m:sSub>
+                      <m:d>
+                        <m:dPr>
+                          <m:ctrlPr>
+                            <a:rPr lang="en-US" sz="2800" i="1" smtClean="0">
+                              <a:latin typeface="Cambria Math" panose="02040503050406030204" pitchFamily="18" charset="0"/>
+                            </a:rPr>
+                          </m:ctrlPr>
+                        </m:dPr>
+                        <m:e>
+                          <m:r>
+                            <a:rPr lang="en-US" sz="2800" b="0" i="1" smtClean="0">
+                              <a:latin typeface="Cambria Math" panose="02040503050406030204" pitchFamily="18" charset="0"/>
+                            </a:rPr>
+                            <m:t>𝑔</m:t>
+                          </m:r>
+                          <m:r>
+                            <a:rPr lang="en-US" sz="2800" b="0" i="1" smtClean="0">
+                              <a:latin typeface="Cambria Math" panose="02040503050406030204" pitchFamily="18" charset="0"/>
+                            </a:rPr>
+                            <m:t>,</m:t>
+                          </m:r>
+                          <m:r>
+                            <a:rPr lang="en-US" sz="2800" b="0" i="1" smtClean="0">
+                              <a:latin typeface="Cambria Math" panose="02040503050406030204" pitchFamily="18" charset="0"/>
+                            </a:rPr>
+                            <m:t>𝑖</m:t>
+                          </m:r>
+                        </m:e>
+                      </m:d>
+                    </m:oMath>
+                  </m:oMathPara>
+                </a14:m>
+                <a:endParaRPr lang="en-US" sz="2800"/>
+              </a:p>
+            </p:txBody>
+          </p:sp>
+        </mc:Choice>
+        <mc:Fallback xmlns="">
+          <p:sp>
+            <p:nvSpPr>
+              <p:cNvPr id="12" name="TextBox 11"/>
+              <p:cNvSpPr txBox="1">
+                <a:spLocks noRot="1" noChangeAspect="1" noMove="1" noResize="1" noEditPoints="1" noAdjustHandles="1" noChangeArrowheads="1" noChangeShapeType="1" noTextEdit="1"/>
+              </p:cNvSpPr>
+              <p:nvPr/>
+            </p:nvSpPr>
+            <p:spPr>
+              <a:xfrm>
+                <a:off x="6405596" y="2897238"/>
+                <a:ext cx="5443478" cy="430887"/>
+              </a:xfrm>
+              <a:prstGeom prst="rect">
+                <a:avLst/>
+              </a:prstGeom>
+              <a:blipFill>
+                <a:blip r:embed="rId3"/>
+                <a:stretch>
+                  <a:fillRect/>
+                </a:stretch>
+              </a:blipFill>
+            </p:spPr>
+            <p:txBody>
+              <a:bodyPr/>
+              <a:lstStyle/>
+              <a:p>
+                <a:r>
+                  <a:rPr lang="en-US">
+                    <a:noFill/>
+                  </a:rPr>
+                  <a:t> </a:t>
+                </a:r>
+              </a:p>
+            </p:txBody>
+          </p:sp>
+        </mc:Fallback>
+      </mc:AlternateContent>
+      <p:pic>
+        <p:nvPicPr>
+          <p:cNvPr id="14" name="Picture 13"/>
+          <p:cNvPicPr>
+            <a:picLocks noChangeAspect="1"/>
+          </p:cNvPicPr>
+          <p:nvPr/>
+        </p:nvPicPr>
+        <p:blipFill>
+          <a:blip r:embed="rId4"/>
+          <a:stretch>
+            <a:fillRect/>
+          </a:stretch>
+        </p:blipFill>
+        <p:spPr>
+          <a:xfrm>
+            <a:off x="6140109" y="3328125"/>
+            <a:ext cx="5974452" cy="729348"/>
+          </a:xfrm>
+          <a:prstGeom prst="rect">
+            <a:avLst/>
+          </a:prstGeom>
+        </p:spPr>
+      </p:pic>
+    </p:spTree>
+    <p:extLst>
+      <p:ext uri="{BB962C8B-B14F-4D97-AF65-F5344CB8AC3E}">
+        <p14:creationId xmlns:p14="http://schemas.microsoft.com/office/powerpoint/2010/main" val="88976554"/>
+      </p:ext>
+    </p:extLst>
+  </p:cSld>
+  <p:clrMapOvr>
+    <a:masterClrMapping/>
+  </p:clrMapOvr>
+</p:sld>
+</file>
+
+<file path=ppt/slides/slide24.xml><?xml version="1.0" encoding="utf-8"?>
+<p:sld xmlns:a="http://schemas.openxmlformats.org/drawingml/2006/main" xmlns:r="http://schemas.openxmlformats.org/officeDocument/2006/relationships" xmlns:p="http://schemas.openxmlformats.org/presentationml/2006/main">
+  <p:cSld>
+    <p:spTree>
+      <p:nvGrpSpPr>
+        <p:cNvPr id="1" name=""/>
+        <p:cNvGrpSpPr/>
+        <p:nvPr/>
+      </p:nvGrpSpPr>
+      <p:grpSpPr>
+        <a:xfrm>
+          <a:off x="0" y="0"/>
+          <a:ext cx="0" cy="0"/>
+          <a:chOff x="0" y="0"/>
+          <a:chExt cx="0" cy="0"/>
+        </a:xfrm>
+      </p:grpSpPr>
+      <p:sp>
+        <p:nvSpPr>
+          <p:cNvPr id="2" name="Title 1"/>
+          <p:cNvSpPr>
+            <a:spLocks noGrp="1"/>
+          </p:cNvSpPr>
+          <p:nvPr>
+            <p:ph type="title"/>
+          </p:nvPr>
+        </p:nvSpPr>
+        <p:spPr/>
+        <p:txBody>
+          <a:bodyPr/>
+          <a:lstStyle/>
+          <a:p>
+            <a:r>
+              <a:rPr lang="en-US"/>
+              <a:t>Bayesian inference</a:t>
+            </a:r>
+          </a:p>
+        </p:txBody>
+      </p:sp>
+      <p:pic>
+        <p:nvPicPr>
+          <p:cNvPr id="6" name="Picture 5"/>
+          <p:cNvPicPr>
+            <a:picLocks noChangeAspect="1"/>
+          </p:cNvPicPr>
+          <p:nvPr/>
+        </p:nvPicPr>
+        <p:blipFill>
+          <a:blip r:embed="rId2"/>
+          <a:stretch>
+            <a:fillRect/>
+          </a:stretch>
+        </p:blipFill>
+        <p:spPr>
+          <a:xfrm>
+            <a:off x="3762375" y="2238201"/>
+            <a:ext cx="4667250" cy="2514600"/>
+          </a:xfrm>
+          <a:prstGeom prst="rect">
+            <a:avLst/>
+          </a:prstGeom>
+        </p:spPr>
+      </p:pic>
+    </p:spTree>
+    <p:extLst>
+      <p:ext uri="{BB962C8B-B14F-4D97-AF65-F5344CB8AC3E}">
+        <p14:creationId xmlns:p14="http://schemas.microsoft.com/office/powerpoint/2010/main" val="732980390"/>
+      </p:ext>
+    </p:extLst>
+  </p:cSld>
+  <p:clrMapOvr>
+    <a:masterClrMapping/>
+  </p:clrMapOvr>
+</p:sld>
+</file>
+
+<file path=ppt/slides/slide25.xml><?xml version="1.0" encoding="utf-8"?>
+<p:sld xmlns:a="http://schemas.openxmlformats.org/drawingml/2006/main" xmlns:r="http://schemas.openxmlformats.org/officeDocument/2006/relationships" xmlns:p="http://schemas.openxmlformats.org/presentationml/2006/main">
+  <p:cSld>
+    <p:spTree>
+      <p:nvGrpSpPr>
+        <p:cNvPr id="1" name=""/>
+        <p:cNvGrpSpPr/>
+        <p:nvPr/>
+      </p:nvGrpSpPr>
+      <p:grpSpPr>
+        <a:xfrm>
+          <a:off x="0" y="0"/>
+          <a:ext cx="0" cy="0"/>
+          <a:chOff x="0" y="0"/>
+          <a:chExt cx="0" cy="0"/>
+        </a:xfrm>
+      </p:grpSpPr>
+      <p:sp>
+        <p:nvSpPr>
+          <p:cNvPr id="2" name="Title 1"/>
+          <p:cNvSpPr>
+            <a:spLocks noGrp="1"/>
+          </p:cNvSpPr>
+          <p:nvPr>
+            <p:ph type="title"/>
+          </p:nvPr>
+        </p:nvSpPr>
+        <p:spPr/>
+        <p:txBody>
+          <a:bodyPr/>
+          <a:lstStyle/>
+          <a:p>
+            <a:r>
+              <a:rPr lang="en-US"/>
+              <a:t>Bayesian inference</a:t>
+            </a:r>
+          </a:p>
+        </p:txBody>
+      </p:sp>
+      <p:pic>
+        <p:nvPicPr>
+          <p:cNvPr id="4" name="Picture 3"/>
+          <p:cNvPicPr>
+            <a:picLocks noChangeAspect="1"/>
+          </p:cNvPicPr>
+          <p:nvPr/>
+        </p:nvPicPr>
+        <p:blipFill>
+          <a:blip r:embed="rId2"/>
+          <a:stretch>
+            <a:fillRect/>
+          </a:stretch>
+        </p:blipFill>
+        <p:spPr>
+          <a:xfrm>
+            <a:off x="4719637" y="1690688"/>
+            <a:ext cx="2752725" cy="714375"/>
+          </a:xfrm>
+          <a:prstGeom prst="rect">
+            <a:avLst/>
+          </a:prstGeom>
+        </p:spPr>
+      </p:pic>
+      <p:sp>
+        <p:nvSpPr>
+          <p:cNvPr id="5" name="Content Placeholder 2"/>
+          <p:cNvSpPr>
+            <a:spLocks noGrp="1"/>
+          </p:cNvSpPr>
+          <p:nvPr>
+            <p:ph idx="1"/>
+          </p:nvPr>
+        </p:nvSpPr>
+        <p:spPr>
+          <a:xfrm>
+            <a:off x="838200" y="2676697"/>
+            <a:ext cx="10515600" cy="3483639"/>
+          </a:xfrm>
+        </p:spPr>
+        <p:txBody>
+          <a:bodyPr/>
+          <a:lstStyle/>
+          <a:p>
+            <a:r>
+              <a:rPr lang="en-US"/>
+              <a:t>H: Hypothesis, E: Observed evidence.</a:t>
+            </a:r>
+          </a:p>
+          <a:p>
+            <a:r>
+              <a:rPr lang="en-US"/>
+              <a:t>P(H): the prior probability, probability of the hypothesis.</a:t>
+            </a:r>
+          </a:p>
+          <a:p>
+            <a:r>
+              <a:rPr lang="en-US"/>
+              <a:t>P(E): probability of the obsereved evidence.</a:t>
+            </a:r>
+          </a:p>
+          <a:p>
+            <a:r>
+              <a:rPr lang="en-US"/>
+              <a:t>P(H|E): the posterior probability, is the probability of H given E, after E is observed.</a:t>
+            </a:r>
+          </a:p>
+          <a:p>
+            <a:r>
+              <a:rPr lang="en-US"/>
+              <a:t>P(E|H): is the probability of observing E given H.</a:t>
+            </a:r>
+          </a:p>
+        </p:txBody>
+      </p:sp>
+    </p:spTree>
+    <p:extLst>
+      <p:ext uri="{BB962C8B-B14F-4D97-AF65-F5344CB8AC3E}">
+        <p14:creationId xmlns:p14="http://schemas.microsoft.com/office/powerpoint/2010/main" val="2728166401"/>
+      </p:ext>
+    </p:extLst>
+  </p:cSld>
+  <p:clrMapOvr>
+    <a:masterClrMapping/>
+  </p:clrMapOvr>
+</p:sld>
+</file>
+
 <file path=ppt/slides/slide26.xml><?xml version="1.0" encoding="utf-8"?>
+<p:sld xmlns:a="http://schemas.openxmlformats.org/drawingml/2006/main" xmlns:r="http://schemas.openxmlformats.org/officeDocument/2006/relationships" xmlns:p="http://schemas.openxmlformats.org/presentationml/2006/main">
+  <p:cSld>
+    <p:spTree>
+      <p:nvGrpSpPr>
+        <p:cNvPr id="1" name=""/>
+        <p:cNvGrpSpPr/>
+        <p:nvPr/>
+      </p:nvGrpSpPr>
+      <p:grpSpPr>
+        <a:xfrm>
+          <a:off x="0" y="0"/>
+          <a:ext cx="0" cy="0"/>
+          <a:chOff x="0" y="0"/>
+          <a:chExt cx="0" cy="0"/>
+        </a:xfrm>
+      </p:grpSpPr>
+      <p:sp>
+        <p:nvSpPr>
+          <p:cNvPr id="2" name="Title 1"/>
+          <p:cNvSpPr>
+            <a:spLocks noGrp="1"/>
+          </p:cNvSpPr>
+          <p:nvPr>
+            <p:ph type="title"/>
+          </p:nvPr>
+        </p:nvSpPr>
+        <p:spPr/>
+        <p:txBody>
+          <a:bodyPr/>
+          <a:lstStyle/>
+          <a:p>
+            <a:r>
+              <a:rPr lang="en-US"/>
+              <a:t>Bayesian inference (example)</a:t>
+            </a:r>
+          </a:p>
+        </p:txBody>
+      </p:sp>
+      <p:sp>
+        <p:nvSpPr>
+          <p:cNvPr id="3" name="Content Placeholder 2"/>
+          <p:cNvSpPr>
+            <a:spLocks noGrp="1"/>
+          </p:cNvSpPr>
+          <p:nvPr>
+            <p:ph idx="1"/>
+          </p:nvPr>
+        </p:nvSpPr>
+        <p:spPr>
+          <a:xfrm>
+            <a:off x="838200" y="1825625"/>
+            <a:ext cx="10515600" cy="2970819"/>
+          </a:xfrm>
+        </p:spPr>
+        <p:txBody>
+          <a:bodyPr/>
+          <a:lstStyle/>
+          <a:p>
+            <a:r>
+              <a:rPr lang="en-US"/>
+              <a:t>Suppose there are two full bowls of cookies. </a:t>
+            </a:r>
+            <a:r>
+              <a:rPr lang="en-US">
+                <a:solidFill>
+                  <a:srgbClr val="FF0000"/>
+                </a:solidFill>
+              </a:rPr>
+              <a:t>Bowl 1</a:t>
+            </a:r>
+            <a:r>
+              <a:rPr lang="en-US"/>
+              <a:t> has </a:t>
+            </a:r>
+            <a:r>
+              <a:rPr lang="en-US">
+                <a:solidFill>
+                  <a:srgbClr val="FF0000"/>
+                </a:solidFill>
+              </a:rPr>
+              <a:t>10 chocolate chips</a:t>
+            </a:r>
+            <a:r>
+              <a:rPr lang="en-US"/>
+              <a:t> and </a:t>
+            </a:r>
+            <a:r>
+              <a:rPr lang="en-US">
+                <a:solidFill>
+                  <a:srgbClr val="FF0000"/>
+                </a:solidFill>
+              </a:rPr>
+              <a:t>30 plain cookies</a:t>
+            </a:r>
+            <a:r>
+              <a:rPr lang="en-US"/>
+              <a:t>, while </a:t>
+            </a:r>
+            <a:r>
+              <a:rPr lang="en-US">
+                <a:solidFill>
+                  <a:srgbClr val="FF0000"/>
+                </a:solidFill>
+              </a:rPr>
+              <a:t>bowl 2</a:t>
+            </a:r>
+            <a:r>
+              <a:rPr lang="en-US"/>
+              <a:t> has </a:t>
+            </a:r>
+            <a:r>
+              <a:rPr lang="en-US">
+                <a:solidFill>
+                  <a:srgbClr val="FF0000"/>
+                </a:solidFill>
+              </a:rPr>
+              <a:t>20 of each</a:t>
+            </a:r>
+            <a:r>
+              <a:rPr lang="en-US"/>
+              <a:t>. Fred </a:t>
+            </a:r>
+            <a:r>
+              <a:rPr lang="en-US">
+                <a:solidFill>
+                  <a:srgbClr val="FF0000"/>
+                </a:solidFill>
+              </a:rPr>
+              <a:t>picks</a:t>
+            </a:r>
+            <a:r>
+              <a:rPr lang="en-US"/>
+              <a:t> a </a:t>
+            </a:r>
+            <a:r>
+              <a:rPr lang="en-US">
+                <a:solidFill>
+                  <a:srgbClr val="FF0000"/>
+                </a:solidFill>
+              </a:rPr>
+              <a:t>bowl at random</a:t>
+            </a:r>
+            <a:r>
+              <a:rPr lang="en-US"/>
+              <a:t> and </a:t>
+            </a:r>
+            <a:r>
+              <a:rPr lang="en-US">
+                <a:solidFill>
+                  <a:srgbClr val="FF0000"/>
+                </a:solidFill>
+              </a:rPr>
+              <a:t>then picks a cookie at random</a:t>
+            </a:r>
+            <a:r>
+              <a:rPr lang="en-US"/>
+              <a:t>. We may assume there is </a:t>
+            </a:r>
+            <a:r>
+              <a:rPr lang="en-US">
+                <a:solidFill>
+                  <a:srgbClr val="FF0000"/>
+                </a:solidFill>
+              </a:rPr>
+              <a:t>no reason to</a:t>
+            </a:r>
+            <a:r>
+              <a:rPr lang="en-US"/>
+              <a:t> believe Fred </a:t>
+            </a:r>
+            <a:r>
+              <a:rPr lang="en-US">
+                <a:solidFill>
+                  <a:srgbClr val="FF0000"/>
+                </a:solidFill>
+              </a:rPr>
+              <a:t>treats one bowl differently from another</a:t>
+            </a:r>
+            <a:r>
+              <a:rPr lang="en-US"/>
+              <a:t>, </a:t>
+            </a:r>
+            <a:r>
+              <a:rPr lang="en-US">
+                <a:solidFill>
+                  <a:srgbClr val="FF0000"/>
+                </a:solidFill>
+              </a:rPr>
+              <a:t>likewise for the cookies</a:t>
+            </a:r>
+            <a:r>
+              <a:rPr lang="en-US"/>
+              <a:t>. The cookie turns out to be a plain one. How </a:t>
+            </a:r>
+            <a:r>
+              <a:rPr lang="en-US">
+                <a:solidFill>
+                  <a:srgbClr val="FF0000"/>
+                </a:solidFill>
+              </a:rPr>
+              <a:t>probable</a:t>
+            </a:r>
+            <a:r>
+              <a:rPr lang="en-US"/>
+              <a:t> is it that </a:t>
+            </a:r>
+            <a:r>
+              <a:rPr lang="en-US">
+                <a:solidFill>
+                  <a:srgbClr val="FF0000"/>
+                </a:solidFill>
+              </a:rPr>
+              <a:t>Fred picked it out of bowl 1</a:t>
+            </a:r>
+            <a:r>
+              <a:rPr lang="en-US"/>
+              <a:t>?</a:t>
+            </a:r>
+          </a:p>
+        </p:txBody>
+      </p:sp>
+      <p:pic>
+        <p:nvPicPr>
+          <p:cNvPr id="5" name="Picture 4"/>
+          <p:cNvPicPr>
+            <a:picLocks noChangeAspect="1"/>
+          </p:cNvPicPr>
+          <p:nvPr/>
+        </p:nvPicPr>
+        <p:blipFill>
+          <a:blip r:embed="rId2"/>
+          <a:stretch>
+            <a:fillRect/>
+          </a:stretch>
+        </p:blipFill>
+        <p:spPr>
+          <a:xfrm>
+            <a:off x="1815982" y="5306694"/>
+            <a:ext cx="2019300" cy="457200"/>
+          </a:xfrm>
+          <a:prstGeom prst="rect">
+            <a:avLst/>
+          </a:prstGeom>
+        </p:spPr>
+      </p:pic>
+      <p:sp>
+        <p:nvSpPr>
+          <p:cNvPr id="6" name="Content Placeholder 2"/>
+          <p:cNvSpPr txBox="1">
+            <a:spLocks/>
+          </p:cNvSpPr>
+          <p:nvPr/>
+        </p:nvSpPr>
+        <p:spPr>
+          <a:xfrm>
+            <a:off x="4813067" y="4288384"/>
+            <a:ext cx="3176847" cy="510251"/>
+          </a:xfrm>
+          <a:prstGeom prst="rect">
+            <a:avLst/>
+          </a:prstGeom>
+        </p:spPr>
+        <p:txBody>
+          <a:bodyPr vert="horz" lIns="91440" tIns="45720" rIns="91440" bIns="45720" rtlCol="0">
+            <a:normAutofit/>
+          </a:bodyPr>
+          <a:lstStyle>
+            <a:lvl1pPr marL="228600" indent="-228600" algn="l" defTabSz="914400" rtl="0" eaLnBrk="1" latinLnBrk="0" hangingPunct="1">
+              <a:lnSpc>
+                <a:spcPct val="90000"/>
+              </a:lnSpc>
+              <a:spcBef>
+                <a:spcPts val="1000"/>
+              </a:spcBef>
+              <a:buFont typeface="Arial" panose="020B0604020202020204" pitchFamily="34" charset="0"/>
+              <a:buChar char="•"/>
+              <a:defRPr sz="2800" kern="1200">
+                <a:solidFill>
+                  <a:schemeClr val="tx1"/>
+                </a:solidFill>
+                <a:latin typeface="+mn-lt"/>
+                <a:ea typeface="+mn-ea"/>
+                <a:cs typeface="+mn-cs"/>
+              </a:defRPr>
+            </a:lvl1pPr>
+            <a:lvl2pPr marL="685800" indent="-228600" algn="l" defTabSz="914400" rtl="0" eaLnBrk="1" latinLnBrk="0" hangingPunct="1">
+              <a:lnSpc>
+                <a:spcPct val="90000"/>
+              </a:lnSpc>
+              <a:spcBef>
+                <a:spcPts val="500"/>
+              </a:spcBef>
+              <a:buFont typeface="Arial" panose="020B0604020202020204" pitchFamily="34" charset="0"/>
+              <a:buChar char="•"/>
+              <a:defRPr sz="2400" kern="1200">
+                <a:solidFill>
+                  <a:schemeClr val="tx1"/>
+                </a:solidFill>
+                <a:latin typeface="+mn-lt"/>
+                <a:ea typeface="+mn-ea"/>
+                <a:cs typeface="+mn-cs"/>
+              </a:defRPr>
+            </a:lvl2pPr>
+            <a:lvl3pPr marL="1143000" indent="-228600" algn="l" defTabSz="914400" rtl="0" eaLnBrk="1" latinLnBrk="0" hangingPunct="1">
+              <a:lnSpc>
+                <a:spcPct val="90000"/>
+              </a:lnSpc>
+              <a:spcBef>
+                <a:spcPts val="500"/>
+              </a:spcBef>
+              <a:buFont typeface="Arial" panose="020B0604020202020204" pitchFamily="34" charset="0"/>
+              <a:buChar char="•"/>
+              <a:defRPr sz="2000" kern="1200">
+                <a:solidFill>
+                  <a:schemeClr val="tx1"/>
+                </a:solidFill>
+                <a:latin typeface="+mn-lt"/>
+                <a:ea typeface="+mn-ea"/>
+                <a:cs typeface="+mn-cs"/>
+              </a:defRPr>
+            </a:lvl3pPr>
+            <a:lvl4pPr marL="1600200" indent="-228600" algn="l" defTabSz="914400" rtl="0" eaLnBrk="1" latinLnBrk="0" hangingPunct="1">
+              <a:lnSpc>
+                <a:spcPct val="90000"/>
+              </a:lnSpc>
+              <a:spcBef>
+                <a:spcPts val="500"/>
+              </a:spcBef>
+              <a:buFont typeface="Arial" panose="020B0604020202020204" pitchFamily="34" charset="0"/>
+              <a:buChar char="•"/>
+              <a:defRPr sz="1800" kern="1200">
+                <a:solidFill>
+                  <a:schemeClr val="tx1"/>
+                </a:solidFill>
+                <a:latin typeface="+mn-lt"/>
+                <a:ea typeface="+mn-ea"/>
+                <a:cs typeface="+mn-cs"/>
+              </a:defRPr>
+            </a:lvl4pPr>
+            <a:lvl5pPr marL="2057400" indent="-228600" algn="l" defTabSz="914400" rtl="0" eaLnBrk="1" latinLnBrk="0" hangingPunct="1">
+              <a:lnSpc>
+                <a:spcPct val="90000"/>
+              </a:lnSpc>
+              <a:spcBef>
+                <a:spcPts val="500"/>
+              </a:spcBef>
+              <a:buFont typeface="Arial" panose="020B0604020202020204" pitchFamily="34" charset="0"/>
+              <a:buChar char="•"/>
+              <a:defRPr sz="1800" kern="1200">
+                <a:solidFill>
+                  <a:schemeClr val="tx1"/>
+                </a:solidFill>
+                <a:latin typeface="+mn-lt"/>
+                <a:ea typeface="+mn-ea"/>
+                <a:cs typeface="+mn-cs"/>
+              </a:defRPr>
+            </a:lvl5pPr>
+            <a:lvl6pPr marL="2514600" indent="-228600" algn="l" defTabSz="914400" rtl="0" eaLnBrk="1" latinLnBrk="0" hangingPunct="1">
+              <a:lnSpc>
+                <a:spcPct val="90000"/>
+              </a:lnSpc>
+              <a:spcBef>
+                <a:spcPts val="500"/>
+              </a:spcBef>
+              <a:buFont typeface="Arial" panose="020B0604020202020204" pitchFamily="34" charset="0"/>
+              <a:buChar char="•"/>
+              <a:defRPr sz="1800" kern="1200">
+                <a:solidFill>
+                  <a:schemeClr val="tx1"/>
+                </a:solidFill>
+                <a:latin typeface="+mn-lt"/>
+                <a:ea typeface="+mn-ea"/>
+                <a:cs typeface="+mn-cs"/>
+              </a:defRPr>
+            </a:lvl6pPr>
+            <a:lvl7pPr marL="2971800" indent="-228600" algn="l" defTabSz="914400" rtl="0" eaLnBrk="1" latinLnBrk="0" hangingPunct="1">
+              <a:lnSpc>
+                <a:spcPct val="90000"/>
+              </a:lnSpc>
+              <a:spcBef>
+                <a:spcPts val="500"/>
+              </a:spcBef>
+              <a:buFont typeface="Arial" panose="020B0604020202020204" pitchFamily="34" charset="0"/>
+              <a:buChar char="•"/>
+              <a:defRPr sz="1800" kern="1200">
+                <a:solidFill>
+                  <a:schemeClr val="tx1"/>
+                </a:solidFill>
+                <a:latin typeface="+mn-lt"/>
+                <a:ea typeface="+mn-ea"/>
+                <a:cs typeface="+mn-cs"/>
+              </a:defRPr>
+            </a:lvl7pPr>
+            <a:lvl8pPr marL="3429000" indent="-228600" algn="l" defTabSz="914400" rtl="0" eaLnBrk="1" latinLnBrk="0" hangingPunct="1">
+              <a:lnSpc>
+                <a:spcPct val="90000"/>
+              </a:lnSpc>
+              <a:spcBef>
+                <a:spcPts val="500"/>
+              </a:spcBef>
+              <a:buFont typeface="Arial" panose="020B0604020202020204" pitchFamily="34" charset="0"/>
+              <a:buChar char="•"/>
+              <a:defRPr sz="1800" kern="1200">
+                <a:solidFill>
+                  <a:schemeClr val="tx1"/>
+                </a:solidFill>
+                <a:latin typeface="+mn-lt"/>
+                <a:ea typeface="+mn-ea"/>
+                <a:cs typeface="+mn-cs"/>
+              </a:defRPr>
+            </a:lvl8pPr>
+            <a:lvl9pPr marL="3886200" indent="-228600" algn="l" defTabSz="914400" rtl="0" eaLnBrk="1" latinLnBrk="0" hangingPunct="1">
+              <a:lnSpc>
+                <a:spcPct val="90000"/>
+              </a:lnSpc>
+              <a:spcBef>
+                <a:spcPts val="500"/>
+              </a:spcBef>
+              <a:buFont typeface="Arial" panose="020B0604020202020204" pitchFamily="34" charset="0"/>
+              <a:buChar char="•"/>
+              <a:defRPr sz="1800" kern="1200">
+                <a:solidFill>
+                  <a:schemeClr val="tx1"/>
+                </a:solidFill>
+                <a:latin typeface="+mn-lt"/>
+                <a:ea typeface="+mn-ea"/>
+                <a:cs typeface="+mn-cs"/>
+              </a:defRPr>
+            </a:lvl9pPr>
+          </a:lstStyle>
+          <a:p>
+            <a:pPr marL="0" indent="0">
+              <a:buFont typeface="Arial" panose="020B0604020202020204" pitchFamily="34" charset="0"/>
+              <a:buNone/>
+            </a:pPr>
+            <a:r>
+              <a:rPr lang="en-US"/>
+              <a:t>Evidence (E): Cookie </a:t>
+            </a:r>
+          </a:p>
+        </p:txBody>
+      </p:sp>
+      <p:sp>
+        <p:nvSpPr>
+          <p:cNvPr id="7" name="Content Placeholder 2"/>
+          <p:cNvSpPr txBox="1">
+            <a:spLocks/>
+          </p:cNvSpPr>
+          <p:nvPr/>
+        </p:nvSpPr>
+        <p:spPr>
+          <a:xfrm>
+            <a:off x="838199" y="4286193"/>
+            <a:ext cx="3974869" cy="510251"/>
+          </a:xfrm>
+          <a:prstGeom prst="rect">
+            <a:avLst/>
+          </a:prstGeom>
+        </p:spPr>
+        <p:txBody>
+          <a:bodyPr vert="horz" lIns="91440" tIns="45720" rIns="91440" bIns="45720" rtlCol="0">
+            <a:normAutofit/>
+          </a:bodyPr>
+          <a:lstStyle>
+            <a:lvl1pPr marL="228600" indent="-228600" algn="l" defTabSz="914400" rtl="0" eaLnBrk="1" latinLnBrk="0" hangingPunct="1">
+              <a:lnSpc>
+                <a:spcPct val="90000"/>
+              </a:lnSpc>
+              <a:spcBef>
+                <a:spcPts val="1000"/>
+              </a:spcBef>
+              <a:buFont typeface="Arial" panose="020B0604020202020204" pitchFamily="34" charset="0"/>
+              <a:buChar char="•"/>
+              <a:defRPr sz="2800" kern="1200">
+                <a:solidFill>
+                  <a:schemeClr val="tx1"/>
+                </a:solidFill>
+                <a:latin typeface="+mn-lt"/>
+                <a:ea typeface="+mn-ea"/>
+                <a:cs typeface="+mn-cs"/>
+              </a:defRPr>
+            </a:lvl1pPr>
+            <a:lvl2pPr marL="685800" indent="-228600" algn="l" defTabSz="914400" rtl="0" eaLnBrk="1" latinLnBrk="0" hangingPunct="1">
+              <a:lnSpc>
+                <a:spcPct val="90000"/>
+              </a:lnSpc>
+              <a:spcBef>
+                <a:spcPts val="500"/>
+              </a:spcBef>
+              <a:buFont typeface="Arial" panose="020B0604020202020204" pitchFamily="34" charset="0"/>
+              <a:buChar char="•"/>
+              <a:defRPr sz="2400" kern="1200">
+                <a:solidFill>
+                  <a:schemeClr val="tx1"/>
+                </a:solidFill>
+                <a:latin typeface="+mn-lt"/>
+                <a:ea typeface="+mn-ea"/>
+                <a:cs typeface="+mn-cs"/>
+              </a:defRPr>
+            </a:lvl2pPr>
+            <a:lvl3pPr marL="1143000" indent="-228600" algn="l" defTabSz="914400" rtl="0" eaLnBrk="1" latinLnBrk="0" hangingPunct="1">
+              <a:lnSpc>
+                <a:spcPct val="90000"/>
+              </a:lnSpc>
+              <a:spcBef>
+                <a:spcPts val="500"/>
+              </a:spcBef>
+              <a:buFont typeface="Arial" panose="020B0604020202020204" pitchFamily="34" charset="0"/>
+              <a:buChar char="•"/>
+              <a:defRPr sz="2000" kern="1200">
+                <a:solidFill>
+                  <a:schemeClr val="tx1"/>
+                </a:solidFill>
+                <a:latin typeface="+mn-lt"/>
+                <a:ea typeface="+mn-ea"/>
+                <a:cs typeface="+mn-cs"/>
+              </a:defRPr>
+            </a:lvl3pPr>
+            <a:lvl4pPr marL="1600200" indent="-228600" algn="l" defTabSz="914400" rtl="0" eaLnBrk="1" latinLnBrk="0" hangingPunct="1">
+              <a:lnSpc>
+                <a:spcPct val="90000"/>
+              </a:lnSpc>
+              <a:spcBef>
+                <a:spcPts val="500"/>
+              </a:spcBef>
+              <a:buFont typeface="Arial" panose="020B0604020202020204" pitchFamily="34" charset="0"/>
+              <a:buChar char="•"/>
+              <a:defRPr sz="1800" kern="1200">
+                <a:solidFill>
+                  <a:schemeClr val="tx1"/>
+                </a:solidFill>
+                <a:latin typeface="+mn-lt"/>
+                <a:ea typeface="+mn-ea"/>
+                <a:cs typeface="+mn-cs"/>
+              </a:defRPr>
+            </a:lvl4pPr>
+            <a:lvl5pPr marL="2057400" indent="-228600" algn="l" defTabSz="914400" rtl="0" eaLnBrk="1" latinLnBrk="0" hangingPunct="1">
+              <a:lnSpc>
+                <a:spcPct val="90000"/>
+              </a:lnSpc>
+              <a:spcBef>
+                <a:spcPts val="500"/>
+              </a:spcBef>
+              <a:buFont typeface="Arial" panose="020B0604020202020204" pitchFamily="34" charset="0"/>
+              <a:buChar char="•"/>
+              <a:defRPr sz="1800" kern="1200">
+                <a:solidFill>
+                  <a:schemeClr val="tx1"/>
+                </a:solidFill>
+                <a:latin typeface="+mn-lt"/>
+                <a:ea typeface="+mn-ea"/>
+                <a:cs typeface="+mn-cs"/>
+              </a:defRPr>
+            </a:lvl5pPr>
+            <a:lvl6pPr marL="2514600" indent="-228600" algn="l" defTabSz="914400" rtl="0" eaLnBrk="1" latinLnBrk="0" hangingPunct="1">
+              <a:lnSpc>
+                <a:spcPct val="90000"/>
+              </a:lnSpc>
+              <a:spcBef>
+                <a:spcPts val="500"/>
+              </a:spcBef>
+              <a:buFont typeface="Arial" panose="020B0604020202020204" pitchFamily="34" charset="0"/>
+              <a:buChar char="•"/>
+              <a:defRPr sz="1800" kern="1200">
+                <a:solidFill>
+                  <a:schemeClr val="tx1"/>
+                </a:solidFill>
+                <a:latin typeface="+mn-lt"/>
+                <a:ea typeface="+mn-ea"/>
+                <a:cs typeface="+mn-cs"/>
+              </a:defRPr>
+            </a:lvl6pPr>
+            <a:lvl7pPr marL="2971800" indent="-228600" algn="l" defTabSz="914400" rtl="0" eaLnBrk="1" latinLnBrk="0" hangingPunct="1">
+              <a:lnSpc>
+                <a:spcPct val="90000"/>
+              </a:lnSpc>
+              <a:spcBef>
+                <a:spcPts val="500"/>
+              </a:spcBef>
+              <a:buFont typeface="Arial" panose="020B0604020202020204" pitchFamily="34" charset="0"/>
+              <a:buChar char="•"/>
+              <a:defRPr sz="1800" kern="1200">
+                <a:solidFill>
+                  <a:schemeClr val="tx1"/>
+                </a:solidFill>
+                <a:latin typeface="+mn-lt"/>
+                <a:ea typeface="+mn-ea"/>
+                <a:cs typeface="+mn-cs"/>
+              </a:defRPr>
+            </a:lvl7pPr>
+            <a:lvl8pPr marL="3429000" indent="-228600" algn="l" defTabSz="914400" rtl="0" eaLnBrk="1" latinLnBrk="0" hangingPunct="1">
+              <a:lnSpc>
+                <a:spcPct val="90000"/>
+              </a:lnSpc>
+              <a:spcBef>
+                <a:spcPts val="500"/>
+              </a:spcBef>
+              <a:buFont typeface="Arial" panose="020B0604020202020204" pitchFamily="34" charset="0"/>
+              <a:buChar char="•"/>
+              <a:defRPr sz="1800" kern="1200">
+                <a:solidFill>
+                  <a:schemeClr val="tx1"/>
+                </a:solidFill>
+                <a:latin typeface="+mn-lt"/>
+                <a:ea typeface="+mn-ea"/>
+                <a:cs typeface="+mn-cs"/>
+              </a:defRPr>
+            </a:lvl8pPr>
+            <a:lvl9pPr marL="3886200" indent="-228600" algn="l" defTabSz="914400" rtl="0" eaLnBrk="1" latinLnBrk="0" hangingPunct="1">
+              <a:lnSpc>
+                <a:spcPct val="90000"/>
+              </a:lnSpc>
+              <a:spcBef>
+                <a:spcPts val="500"/>
+              </a:spcBef>
+              <a:buFont typeface="Arial" panose="020B0604020202020204" pitchFamily="34" charset="0"/>
+              <a:buChar char="•"/>
+              <a:defRPr sz="1800" kern="1200">
+                <a:solidFill>
+                  <a:schemeClr val="tx1"/>
+                </a:solidFill>
+                <a:latin typeface="+mn-lt"/>
+                <a:ea typeface="+mn-ea"/>
+                <a:cs typeface="+mn-cs"/>
+              </a:defRPr>
+            </a:lvl9pPr>
+          </a:lstStyle>
+          <a:p>
+            <a:pPr marL="0" indent="0">
+              <a:buFont typeface="Arial" panose="020B0604020202020204" pitchFamily="34" charset="0"/>
+              <a:buNone/>
+            </a:pPr>
+            <a:r>
+              <a:rPr lang="en-US"/>
+              <a:t>Hypothesis 1 (H</a:t>
+            </a:r>
+            <a:r>
+              <a:rPr lang="en-US" baseline="-25000"/>
+              <a:t>1</a:t>
+            </a:r>
+            <a:r>
+              <a:rPr lang="en-US"/>
+              <a:t>): Bowl 1 </a:t>
+            </a:r>
+          </a:p>
+        </p:txBody>
+      </p:sp>
+      <p:sp>
+        <p:nvSpPr>
+          <p:cNvPr id="9" name="Content Placeholder 2"/>
+          <p:cNvSpPr txBox="1">
+            <a:spLocks/>
+          </p:cNvSpPr>
+          <p:nvPr/>
+        </p:nvSpPr>
+        <p:spPr>
+          <a:xfrm>
+            <a:off x="838198" y="4796443"/>
+            <a:ext cx="3974869" cy="510251"/>
+          </a:xfrm>
+          <a:prstGeom prst="rect">
+            <a:avLst/>
+          </a:prstGeom>
+        </p:spPr>
+        <p:txBody>
+          <a:bodyPr vert="horz" lIns="91440" tIns="45720" rIns="91440" bIns="45720" rtlCol="0">
+            <a:normAutofit/>
+          </a:bodyPr>
+          <a:lstStyle>
+            <a:lvl1pPr marL="228600" indent="-228600" algn="l" defTabSz="914400" rtl="0" eaLnBrk="1" latinLnBrk="0" hangingPunct="1">
+              <a:lnSpc>
+                <a:spcPct val="90000"/>
+              </a:lnSpc>
+              <a:spcBef>
+                <a:spcPts val="1000"/>
+              </a:spcBef>
+              <a:buFont typeface="Arial" panose="020B0604020202020204" pitchFamily="34" charset="0"/>
+              <a:buChar char="•"/>
+              <a:defRPr sz="2800" kern="1200">
+                <a:solidFill>
+                  <a:schemeClr val="tx1"/>
+                </a:solidFill>
+                <a:latin typeface="+mn-lt"/>
+                <a:ea typeface="+mn-ea"/>
+                <a:cs typeface="+mn-cs"/>
+              </a:defRPr>
+            </a:lvl1pPr>
+            <a:lvl2pPr marL="685800" indent="-228600" algn="l" defTabSz="914400" rtl="0" eaLnBrk="1" latinLnBrk="0" hangingPunct="1">
+              <a:lnSpc>
+                <a:spcPct val="90000"/>
+              </a:lnSpc>
+              <a:spcBef>
+                <a:spcPts val="500"/>
+              </a:spcBef>
+              <a:buFont typeface="Arial" panose="020B0604020202020204" pitchFamily="34" charset="0"/>
+              <a:buChar char="•"/>
+              <a:defRPr sz="2400" kern="1200">
+                <a:solidFill>
+                  <a:schemeClr val="tx1"/>
+                </a:solidFill>
+                <a:latin typeface="+mn-lt"/>
+                <a:ea typeface="+mn-ea"/>
+                <a:cs typeface="+mn-cs"/>
+              </a:defRPr>
+            </a:lvl2pPr>
+            <a:lvl3pPr marL="1143000" indent="-228600" algn="l" defTabSz="914400" rtl="0" eaLnBrk="1" latinLnBrk="0" hangingPunct="1">
+              <a:lnSpc>
+                <a:spcPct val="90000"/>
+              </a:lnSpc>
+              <a:spcBef>
+                <a:spcPts val="500"/>
+              </a:spcBef>
+              <a:buFont typeface="Arial" panose="020B0604020202020204" pitchFamily="34" charset="0"/>
+              <a:buChar char="•"/>
+              <a:defRPr sz="2000" kern="1200">
+                <a:solidFill>
+                  <a:schemeClr val="tx1"/>
+                </a:solidFill>
+                <a:latin typeface="+mn-lt"/>
+                <a:ea typeface="+mn-ea"/>
+                <a:cs typeface="+mn-cs"/>
+              </a:defRPr>
+            </a:lvl3pPr>
+            <a:lvl4pPr marL="1600200" indent="-228600" algn="l" defTabSz="914400" rtl="0" eaLnBrk="1" latinLnBrk="0" hangingPunct="1">
+              <a:lnSpc>
+                <a:spcPct val="90000"/>
+              </a:lnSpc>
+              <a:spcBef>
+                <a:spcPts val="500"/>
+              </a:spcBef>
+              <a:buFont typeface="Arial" panose="020B0604020202020204" pitchFamily="34" charset="0"/>
+              <a:buChar char="•"/>
+              <a:defRPr sz="1800" kern="1200">
+                <a:solidFill>
+                  <a:schemeClr val="tx1"/>
+                </a:solidFill>
+                <a:latin typeface="+mn-lt"/>
+                <a:ea typeface="+mn-ea"/>
+                <a:cs typeface="+mn-cs"/>
+              </a:defRPr>
+            </a:lvl4pPr>
+            <a:lvl5pPr marL="2057400" indent="-228600" algn="l" defTabSz="914400" rtl="0" eaLnBrk="1" latinLnBrk="0" hangingPunct="1">
+              <a:lnSpc>
+                <a:spcPct val="90000"/>
+              </a:lnSpc>
+              <a:spcBef>
+                <a:spcPts val="500"/>
+              </a:spcBef>
+              <a:buFont typeface="Arial" panose="020B0604020202020204" pitchFamily="34" charset="0"/>
+              <a:buChar char="•"/>
+              <a:defRPr sz="1800" kern="1200">
+                <a:solidFill>
+                  <a:schemeClr val="tx1"/>
+                </a:solidFill>
+                <a:latin typeface="+mn-lt"/>
+                <a:ea typeface="+mn-ea"/>
+                <a:cs typeface="+mn-cs"/>
+              </a:defRPr>
+            </a:lvl5pPr>
+            <a:lvl6pPr marL="2514600" indent="-228600" algn="l" defTabSz="914400" rtl="0" eaLnBrk="1" latinLnBrk="0" hangingPunct="1">
+              <a:lnSpc>
+                <a:spcPct val="90000"/>
+              </a:lnSpc>
+              <a:spcBef>
+                <a:spcPts val="500"/>
+              </a:spcBef>
+              <a:buFont typeface="Arial" panose="020B0604020202020204" pitchFamily="34" charset="0"/>
+              <a:buChar char="•"/>
+              <a:defRPr sz="1800" kern="1200">
+                <a:solidFill>
+                  <a:schemeClr val="tx1"/>
+                </a:solidFill>
+                <a:latin typeface="+mn-lt"/>
+                <a:ea typeface="+mn-ea"/>
+                <a:cs typeface="+mn-cs"/>
+              </a:defRPr>
+            </a:lvl6pPr>
+            <a:lvl7pPr marL="2971800" indent="-228600" algn="l" defTabSz="914400" rtl="0" eaLnBrk="1" latinLnBrk="0" hangingPunct="1">
+              <a:lnSpc>
+                <a:spcPct val="90000"/>
+              </a:lnSpc>
+              <a:spcBef>
+                <a:spcPts val="500"/>
+              </a:spcBef>
+              <a:buFont typeface="Arial" panose="020B0604020202020204" pitchFamily="34" charset="0"/>
+              <a:buChar char="•"/>
+              <a:defRPr sz="1800" kern="1200">
+                <a:solidFill>
+                  <a:schemeClr val="tx1"/>
+                </a:solidFill>
+                <a:latin typeface="+mn-lt"/>
+                <a:ea typeface="+mn-ea"/>
+                <a:cs typeface="+mn-cs"/>
+              </a:defRPr>
+            </a:lvl7pPr>
+            <a:lvl8pPr marL="3429000" indent="-228600" algn="l" defTabSz="914400" rtl="0" eaLnBrk="1" latinLnBrk="0" hangingPunct="1">
+              <a:lnSpc>
+                <a:spcPct val="90000"/>
+              </a:lnSpc>
+              <a:spcBef>
+                <a:spcPts val="500"/>
+              </a:spcBef>
+              <a:buFont typeface="Arial" panose="020B0604020202020204" pitchFamily="34" charset="0"/>
+              <a:buChar char="•"/>
+              <a:defRPr sz="1800" kern="1200">
+                <a:solidFill>
+                  <a:schemeClr val="tx1"/>
+                </a:solidFill>
+                <a:latin typeface="+mn-lt"/>
+                <a:ea typeface="+mn-ea"/>
+                <a:cs typeface="+mn-cs"/>
+              </a:defRPr>
+            </a:lvl8pPr>
+            <a:lvl9pPr marL="3886200" indent="-228600" algn="l" defTabSz="914400" rtl="0" eaLnBrk="1" latinLnBrk="0" hangingPunct="1">
+              <a:lnSpc>
+                <a:spcPct val="90000"/>
+              </a:lnSpc>
+              <a:spcBef>
+                <a:spcPts val="500"/>
+              </a:spcBef>
+              <a:buFont typeface="Arial" panose="020B0604020202020204" pitchFamily="34" charset="0"/>
+              <a:buChar char="•"/>
+              <a:defRPr sz="1800" kern="1200">
+                <a:solidFill>
+                  <a:schemeClr val="tx1"/>
+                </a:solidFill>
+                <a:latin typeface="+mn-lt"/>
+                <a:ea typeface="+mn-ea"/>
+                <a:cs typeface="+mn-cs"/>
+              </a:defRPr>
+            </a:lvl9pPr>
+          </a:lstStyle>
+          <a:p>
+            <a:pPr marL="0" indent="0">
+              <a:buFont typeface="Arial" panose="020B0604020202020204" pitchFamily="34" charset="0"/>
+              <a:buNone/>
+            </a:pPr>
+            <a:r>
+              <a:rPr lang="en-US"/>
+              <a:t>Hypothesis 2 (H</a:t>
+            </a:r>
+            <a:r>
+              <a:rPr lang="en-US" baseline="-25000"/>
+              <a:t>2</a:t>
+            </a:r>
+            <a:r>
+              <a:rPr lang="en-US"/>
+              <a:t>): Bowl 2 </a:t>
+            </a:r>
+          </a:p>
+        </p:txBody>
+      </p:sp>
+      <p:pic>
+        <p:nvPicPr>
+          <p:cNvPr id="10" name="Picture 9"/>
+          <p:cNvPicPr>
+            <a:picLocks noChangeAspect="1"/>
+          </p:cNvPicPr>
+          <p:nvPr/>
+        </p:nvPicPr>
+        <p:blipFill>
+          <a:blip r:embed="rId3"/>
+          <a:stretch>
+            <a:fillRect/>
+          </a:stretch>
+        </p:blipFill>
+        <p:spPr>
+          <a:xfrm>
+            <a:off x="7989914" y="4286193"/>
+            <a:ext cx="3267075" cy="447675"/>
+          </a:xfrm>
+          <a:prstGeom prst="rect">
+            <a:avLst/>
+          </a:prstGeom>
+        </p:spPr>
+      </p:pic>
+      <p:pic>
+        <p:nvPicPr>
+          <p:cNvPr id="11" name="Picture 10"/>
+          <p:cNvPicPr>
+            <a:picLocks noChangeAspect="1"/>
+          </p:cNvPicPr>
+          <p:nvPr/>
+        </p:nvPicPr>
+        <p:blipFill>
+          <a:blip r:embed="rId4"/>
+          <a:stretch>
+            <a:fillRect/>
+          </a:stretch>
+        </p:blipFill>
+        <p:spPr>
+          <a:xfrm>
+            <a:off x="7989913" y="4731356"/>
+            <a:ext cx="3114675" cy="400050"/>
+          </a:xfrm>
+          <a:prstGeom prst="rect">
+            <a:avLst/>
+          </a:prstGeom>
+        </p:spPr>
+      </p:pic>
+    </p:spTree>
+    <p:extLst>
+      <p:ext uri="{BB962C8B-B14F-4D97-AF65-F5344CB8AC3E}">
+        <p14:creationId xmlns:p14="http://schemas.microsoft.com/office/powerpoint/2010/main" val="1921922459"/>
+      </p:ext>
+    </p:extLst>
+  </p:cSld>
+  <p:clrMapOvr>
+    <a:masterClrMapping/>
+  </p:clrMapOvr>
+</p:sld>
+</file>
+
+<file path=ppt/slides/slide27.xml><?xml version="1.0" encoding="utf-8"?>
+<p:sld xmlns:a="http://schemas.openxmlformats.org/drawingml/2006/main" xmlns:r="http://schemas.openxmlformats.org/officeDocument/2006/relationships" xmlns:p="http://schemas.openxmlformats.org/presentationml/2006/main">
+  <p:cSld>
+    <p:spTree>
+      <p:nvGrpSpPr>
+        <p:cNvPr id="1" name=""/>
+        <p:cNvGrpSpPr/>
+        <p:nvPr/>
+      </p:nvGrpSpPr>
+      <p:grpSpPr>
+        <a:xfrm>
+          <a:off x="0" y="0"/>
+          <a:ext cx="0" cy="0"/>
+          <a:chOff x="0" y="0"/>
+          <a:chExt cx="0" cy="0"/>
+        </a:xfrm>
+      </p:grpSpPr>
+      <p:sp>
+        <p:nvSpPr>
+          <p:cNvPr id="2" name="Title 1"/>
+          <p:cNvSpPr>
+            <a:spLocks noGrp="1"/>
+          </p:cNvSpPr>
+          <p:nvPr>
+            <p:ph type="title"/>
+          </p:nvPr>
+        </p:nvSpPr>
+        <p:spPr/>
+        <p:txBody>
+          <a:bodyPr/>
+          <a:lstStyle/>
+          <a:p>
+            <a:r>
+              <a:rPr lang="en-US"/>
+              <a:t>Bayesian inference (example)</a:t>
+            </a:r>
+          </a:p>
+        </p:txBody>
+      </p:sp>
+      <p:pic>
+        <p:nvPicPr>
+          <p:cNvPr id="8" name="Picture 7"/>
+          <p:cNvPicPr>
+            <a:picLocks noChangeAspect="1"/>
+          </p:cNvPicPr>
+          <p:nvPr/>
+        </p:nvPicPr>
+        <p:blipFill>
+          <a:blip r:embed="rId2"/>
+          <a:stretch>
+            <a:fillRect/>
+          </a:stretch>
+        </p:blipFill>
+        <p:spPr>
+          <a:xfrm>
+            <a:off x="2862262" y="2222528"/>
+            <a:ext cx="6467475" cy="2695575"/>
+          </a:xfrm>
+          <a:prstGeom prst="rect">
+            <a:avLst/>
+          </a:prstGeom>
+        </p:spPr>
+      </p:pic>
+    </p:spTree>
+    <p:extLst>
+      <p:ext uri="{BB962C8B-B14F-4D97-AF65-F5344CB8AC3E}">
+        <p14:creationId xmlns:p14="http://schemas.microsoft.com/office/powerpoint/2010/main" val="3009569211"/>
+      </p:ext>
+    </p:extLst>
+  </p:cSld>
+  <p:clrMapOvr>
+    <a:masterClrMapping/>
+  </p:clrMapOvr>
+</p:sld>
+</file>
+
+<file path=ppt/slides/slide28.xml><?xml version="1.0" encoding="utf-8"?>
 <p:sld xmlns:a="http://schemas.openxmlformats.org/drawingml/2006/main" xmlns:r="http://schemas.openxmlformats.org/officeDocument/2006/relationships" xmlns:p="http://schemas.openxmlformats.org/presentationml/2006/main">
   <p:cSld>
     <p:spTree>
@@ -12570,15 +13045,19 @@
           <a:lstStyle/>
           <a:p>
             <a:r>
-              <a:rPr lang="en-US"/>
+              <a:rPr lang="en-US" dirty="0"/>
               <a:t>Part 2</a:t>
             </a:r>
             <a:br>
-              <a:rPr lang="en-US"/>
+              <a:rPr lang="en-US" dirty="0"/>
             </a:br>
             <a:r>
-              <a:rPr lang="en-US"/>
-              <a:t>Pgmpy Introduction</a:t>
+              <a:rPr lang="en-US" dirty="0" err="1"/>
+              <a:t>Pgmpy</a:t>
+            </a:r>
+            <a:r>
+              <a:rPr lang="en-US" dirty="0"/>
+              <a:t> Introduction</a:t>
             </a:r>
           </a:p>
         </p:txBody>
@@ -12596,7 +13075,665 @@
 </p:sld>
 </file>
 
-<file path=ppt/slides/slide27.xml><?xml version="1.0" encoding="utf-8"?>
+<file path=ppt/slides/slide29.xml><?xml version="1.0" encoding="utf-8"?>
+<p:sld xmlns:a="http://schemas.openxmlformats.org/drawingml/2006/main" xmlns:r="http://schemas.openxmlformats.org/officeDocument/2006/relationships" xmlns:p="http://schemas.openxmlformats.org/presentationml/2006/main">
+  <p:cSld>
+    <p:spTree>
+      <p:nvGrpSpPr>
+        <p:cNvPr id="1" name=""/>
+        <p:cNvGrpSpPr/>
+        <p:nvPr/>
+      </p:nvGrpSpPr>
+      <p:grpSpPr>
+        <a:xfrm>
+          <a:off x="0" y="0"/>
+          <a:ext cx="0" cy="0"/>
+          <a:chOff x="0" y="0"/>
+          <a:chExt cx="0" cy="0"/>
+        </a:xfrm>
+      </p:grpSpPr>
+      <p:sp>
+        <p:nvSpPr>
+          <p:cNvPr id="2" name="Title 1">
+            <a:extLst>
+              <a:ext uri="{FF2B5EF4-FFF2-40B4-BE49-F238E27FC236}">
+                <a16:creationId xmlns:a16="http://schemas.microsoft.com/office/drawing/2014/main" id="{C085AEF7-AD86-44B7-9EA8-FF1A33C9EA79}"/>
+              </a:ext>
+            </a:extLst>
+          </p:cNvPr>
+          <p:cNvSpPr>
+            <a:spLocks noGrp="1"/>
+          </p:cNvSpPr>
+          <p:nvPr>
+            <p:ph type="title"/>
+          </p:nvPr>
+        </p:nvSpPr>
+        <p:spPr/>
+        <p:txBody>
+          <a:bodyPr/>
+          <a:lstStyle/>
+          <a:p>
+            <a:r>
+              <a:rPr lang="en-US" dirty="0" err="1"/>
+              <a:t>Pgmpy</a:t>
+            </a:r>
+            <a:r>
+              <a:rPr lang="en-US" dirty="0"/>
+              <a:t> introduction</a:t>
+            </a:r>
+          </a:p>
+        </p:txBody>
+      </p:sp>
+      <p:sp>
+        <p:nvSpPr>
+          <p:cNvPr id="3" name="Content Placeholder 2">
+            <a:extLst>
+              <a:ext uri="{FF2B5EF4-FFF2-40B4-BE49-F238E27FC236}">
+                <a16:creationId xmlns:a16="http://schemas.microsoft.com/office/drawing/2014/main" id="{8DAF462C-6199-458D-A37D-D0FD4BBD42A6}"/>
+              </a:ext>
+            </a:extLst>
+          </p:cNvPr>
+          <p:cNvSpPr>
+            <a:spLocks noGrp="1"/>
+          </p:cNvSpPr>
+          <p:nvPr>
+            <p:ph idx="1"/>
+          </p:nvPr>
+        </p:nvSpPr>
+        <p:spPr/>
+        <p:txBody>
+          <a:bodyPr/>
+          <a:lstStyle/>
+          <a:p>
+            <a:r>
+              <a:rPr lang="en-US" dirty="0" err="1"/>
+              <a:t>Pgmpy</a:t>
+            </a:r>
+            <a:r>
+              <a:rPr lang="en-US" dirty="0"/>
+              <a:t> is </a:t>
+            </a:r>
+            <a:r>
+              <a:rPr lang="en-US" b="0" i="0" dirty="0">
+                <a:solidFill>
+                  <a:srgbClr val="24292E"/>
+                </a:solidFill>
+                <a:effectLst/>
+                <a:latin typeface="-apple-system"/>
+              </a:rPr>
+              <a:t>a python library for working with Probabilistic Graphical Models.</a:t>
+            </a:r>
+          </a:p>
+          <a:p>
+            <a:r>
+              <a:rPr lang="en-US" b="0" i="0" dirty="0">
+                <a:solidFill>
+                  <a:srgbClr val="24292E"/>
+                </a:solidFill>
+                <a:effectLst/>
+                <a:latin typeface="-apple-system"/>
+              </a:rPr>
+              <a:t>Documentation and list of algorithms supported is at our official site </a:t>
+            </a:r>
+            <a:r>
+              <a:rPr lang="en-US" b="0" i="0" u="none" strike="noStrike" dirty="0">
+                <a:effectLst/>
+                <a:latin typeface="-apple-system"/>
+                <a:hlinkClick r:id="rId2"/>
+              </a:rPr>
+              <a:t>http://pgmpy.org/</a:t>
+            </a:r>
+            <a:endParaRPr lang="en-US" b="0" i="0" u="none" strike="noStrike" dirty="0">
+              <a:effectLst/>
+              <a:latin typeface="-apple-system"/>
+            </a:endParaRPr>
+          </a:p>
+          <a:p>
+            <a:r>
+              <a:rPr lang="en-US" b="0" i="0" dirty="0">
+                <a:solidFill>
+                  <a:srgbClr val="24292E"/>
+                </a:solidFill>
+                <a:effectLst/>
+                <a:latin typeface="-apple-system"/>
+              </a:rPr>
+              <a:t>Examples on using </a:t>
+            </a:r>
+            <a:r>
+              <a:rPr lang="en-US" b="0" i="0" dirty="0" err="1">
+                <a:solidFill>
+                  <a:srgbClr val="24292E"/>
+                </a:solidFill>
+                <a:effectLst/>
+                <a:latin typeface="-apple-system"/>
+              </a:rPr>
+              <a:t>pgmpy</a:t>
+            </a:r>
+            <a:r>
+              <a:rPr lang="en-US" b="0" i="0" dirty="0">
+                <a:solidFill>
+                  <a:srgbClr val="24292E"/>
+                </a:solidFill>
+                <a:effectLst/>
+                <a:latin typeface="-apple-system"/>
+              </a:rPr>
+              <a:t>: </a:t>
+            </a:r>
+            <a:r>
+              <a:rPr lang="en-US" b="0" i="0" u="none" strike="noStrike" dirty="0">
+                <a:effectLst/>
+                <a:latin typeface="-apple-system"/>
+                <a:hlinkClick r:id="rId3"/>
+              </a:rPr>
+              <a:t>https://github.com/pgmpy/pgmpy/tree/dev/examples</a:t>
+            </a:r>
+            <a:endParaRPr lang="en-US" b="0" i="0" u="none" strike="noStrike" dirty="0">
+              <a:effectLst/>
+              <a:latin typeface="-apple-system"/>
+            </a:endParaRPr>
+          </a:p>
+          <a:p>
+            <a:r>
+              <a:rPr lang="en-US" b="0" i="0" dirty="0">
+                <a:solidFill>
+                  <a:srgbClr val="24292E"/>
+                </a:solidFill>
+                <a:effectLst/>
+                <a:latin typeface="-apple-system"/>
+              </a:rPr>
+              <a:t>Basic tutorial on Probabilistic Graphical models using </a:t>
+            </a:r>
+            <a:r>
+              <a:rPr lang="en-US" b="0" i="0" dirty="0" err="1">
+                <a:solidFill>
+                  <a:srgbClr val="24292E"/>
+                </a:solidFill>
+                <a:effectLst/>
+                <a:latin typeface="-apple-system"/>
+              </a:rPr>
+              <a:t>pgmpy</a:t>
+            </a:r>
+            <a:r>
+              <a:rPr lang="en-US" b="0" i="0" dirty="0">
+                <a:solidFill>
+                  <a:srgbClr val="24292E"/>
+                </a:solidFill>
+                <a:effectLst/>
+                <a:latin typeface="-apple-system"/>
+              </a:rPr>
+              <a:t>: </a:t>
+            </a:r>
+            <a:r>
+              <a:rPr lang="en-US" b="0" i="0" u="none" strike="noStrike" dirty="0">
+                <a:effectLst/>
+                <a:latin typeface="-apple-system"/>
+                <a:hlinkClick r:id="rId4"/>
+              </a:rPr>
+              <a:t>https://github.com/pgmpy/pgmpy_notebook</a:t>
+            </a:r>
+            <a:endParaRPr lang="en-US" b="0" i="0" u="none" strike="noStrike" dirty="0">
+              <a:effectLst/>
+              <a:latin typeface="-apple-system"/>
+            </a:endParaRPr>
+          </a:p>
+        </p:txBody>
+      </p:sp>
+    </p:spTree>
+    <p:extLst>
+      <p:ext uri="{BB962C8B-B14F-4D97-AF65-F5344CB8AC3E}">
+        <p14:creationId xmlns:p14="http://schemas.microsoft.com/office/powerpoint/2010/main" val="2481615422"/>
+      </p:ext>
+    </p:extLst>
+  </p:cSld>
+  <p:clrMapOvr>
+    <a:masterClrMapping/>
+  </p:clrMapOvr>
+</p:sld>
+</file>
+
+<file path=ppt/slides/slide3.xml><?xml version="1.0" encoding="utf-8"?>
+<p:sld xmlns:a="http://schemas.openxmlformats.org/drawingml/2006/main" xmlns:r="http://schemas.openxmlformats.org/officeDocument/2006/relationships" xmlns:p="http://schemas.openxmlformats.org/presentationml/2006/main">
+  <p:cSld>
+    <p:spTree>
+      <p:nvGrpSpPr>
+        <p:cNvPr id="1" name=""/>
+        <p:cNvGrpSpPr/>
+        <p:nvPr/>
+      </p:nvGrpSpPr>
+      <p:grpSpPr>
+        <a:xfrm>
+          <a:off x="0" y="0"/>
+          <a:ext cx="0" cy="0"/>
+          <a:chOff x="0" y="0"/>
+          <a:chExt cx="0" cy="0"/>
+        </a:xfrm>
+      </p:grpSpPr>
+      <p:sp>
+        <p:nvSpPr>
+          <p:cNvPr id="2" name="Title 1"/>
+          <p:cNvSpPr>
+            <a:spLocks noGrp="1"/>
+          </p:cNvSpPr>
+          <p:nvPr>
+            <p:ph type="ctrTitle"/>
+          </p:nvPr>
+        </p:nvSpPr>
+        <p:spPr>
+          <a:xfrm>
+            <a:off x="1798320" y="2128202"/>
+            <a:ext cx="9144000" cy="2387600"/>
+          </a:xfrm>
+        </p:spPr>
+        <p:txBody>
+          <a:bodyPr>
+            <a:normAutofit/>
+          </a:bodyPr>
+          <a:lstStyle/>
+          <a:p>
+            <a:r>
+              <a:rPr lang="en-US" dirty="0"/>
+              <a:t>Part 1.1</a:t>
+            </a:r>
+            <a:br>
+              <a:rPr lang="en-US" dirty="0"/>
+            </a:br>
+            <a:r>
+              <a:rPr lang="en-US" dirty="0"/>
+              <a:t>Graph Introduction</a:t>
+            </a:r>
+          </a:p>
+        </p:txBody>
+      </p:sp>
+    </p:spTree>
+    <p:extLst>
+      <p:ext uri="{BB962C8B-B14F-4D97-AF65-F5344CB8AC3E}">
+        <p14:creationId xmlns:p14="http://schemas.microsoft.com/office/powerpoint/2010/main" val="1276708213"/>
+      </p:ext>
+    </p:extLst>
+  </p:cSld>
+  <p:clrMapOvr>
+    <a:masterClrMapping/>
+  </p:clrMapOvr>
+</p:sld>
+</file>
+
+<file path=ppt/slides/slide30.xml><?xml version="1.0" encoding="utf-8"?>
+<p:sld xmlns:a="http://schemas.openxmlformats.org/drawingml/2006/main" xmlns:r="http://schemas.openxmlformats.org/officeDocument/2006/relationships" xmlns:p="http://schemas.openxmlformats.org/presentationml/2006/main">
+  <p:cSld>
+    <p:spTree>
+      <p:nvGrpSpPr>
+        <p:cNvPr id="1" name=""/>
+        <p:cNvGrpSpPr/>
+        <p:nvPr/>
+      </p:nvGrpSpPr>
+      <p:grpSpPr>
+        <a:xfrm>
+          <a:off x="0" y="0"/>
+          <a:ext cx="0" cy="0"/>
+          <a:chOff x="0" y="0"/>
+          <a:chExt cx="0" cy="0"/>
+        </a:xfrm>
+      </p:grpSpPr>
+      <p:sp>
+        <p:nvSpPr>
+          <p:cNvPr id="2" name="Title 1">
+            <a:extLst>
+              <a:ext uri="{FF2B5EF4-FFF2-40B4-BE49-F238E27FC236}">
+                <a16:creationId xmlns:a16="http://schemas.microsoft.com/office/drawing/2014/main" id="{C085AEF7-AD86-44B7-9EA8-FF1A33C9EA79}"/>
+              </a:ext>
+            </a:extLst>
+          </p:cNvPr>
+          <p:cNvSpPr>
+            <a:spLocks noGrp="1"/>
+          </p:cNvSpPr>
+          <p:nvPr>
+            <p:ph type="title"/>
+          </p:nvPr>
+        </p:nvSpPr>
+        <p:spPr/>
+        <p:txBody>
+          <a:bodyPr/>
+          <a:lstStyle/>
+          <a:p>
+            <a:r>
+              <a:rPr lang="en-US" dirty="0" err="1"/>
+              <a:t>Pgmpy</a:t>
+            </a:r>
+            <a:r>
+              <a:rPr lang="en-US" dirty="0"/>
+              <a:t> installation</a:t>
+            </a:r>
+          </a:p>
+        </p:txBody>
+      </p:sp>
+      <p:sp>
+        <p:nvSpPr>
+          <p:cNvPr id="5" name="Content Placeholder 4">
+            <a:extLst>
+              <a:ext uri="{FF2B5EF4-FFF2-40B4-BE49-F238E27FC236}">
+                <a16:creationId xmlns:a16="http://schemas.microsoft.com/office/drawing/2014/main" id="{BFF22CB0-BD28-44F6-9E0A-7A8C002E6A56}"/>
+              </a:ext>
+            </a:extLst>
+          </p:cNvPr>
+          <p:cNvSpPr>
+            <a:spLocks noGrp="1"/>
+          </p:cNvSpPr>
+          <p:nvPr>
+            <p:ph idx="1"/>
+          </p:nvPr>
+        </p:nvSpPr>
+        <p:spPr>
+          <a:xfrm>
+            <a:off x="838200" y="1825625"/>
+            <a:ext cx="10515600" cy="4014458"/>
+          </a:xfrm>
+        </p:spPr>
+        <p:txBody>
+          <a:bodyPr>
+            <a:normAutofit fontScale="92500" lnSpcReduction="10000"/>
+          </a:bodyPr>
+          <a:lstStyle/>
+          <a:p>
+            <a:r>
+              <a:rPr lang="en-US" dirty="0"/>
+              <a:t>Install by using Anaconda:</a:t>
+            </a:r>
+            <a:endParaRPr kumimoji="0" lang="en-US" altLang="en-US" sz="2800" b="0" i="0" u="none" strike="noStrike" cap="none" normalizeH="0" baseline="0" dirty="0">
+              <a:ln>
+                <a:noFill/>
+              </a:ln>
+              <a:solidFill>
+                <a:srgbClr val="24292E"/>
+              </a:solidFill>
+              <a:effectLst/>
+              <a:latin typeface="SFMono-Regular"/>
+            </a:endParaRPr>
+          </a:p>
+          <a:p>
+            <a:pPr marL="0" indent="0" algn="ctr">
+              <a:buNone/>
+            </a:pPr>
+            <a:r>
+              <a:rPr kumimoji="0" lang="en-US" altLang="en-US" sz="2800" b="0" i="0" u="none" strike="noStrike" cap="none" normalizeH="0" baseline="0" dirty="0">
+                <a:ln>
+                  <a:noFill/>
+                </a:ln>
+                <a:solidFill>
+                  <a:srgbClr val="24292E"/>
+                </a:solidFill>
+                <a:effectLst/>
+                <a:latin typeface="SFMono-Regular"/>
+              </a:rPr>
+              <a:t>$ </a:t>
+            </a:r>
+            <a:r>
+              <a:rPr kumimoji="0" lang="en-US" altLang="en-US" sz="2800" b="0" i="0" u="none" strike="noStrike" cap="none" normalizeH="0" baseline="0" dirty="0" err="1">
+                <a:ln>
+                  <a:noFill/>
+                </a:ln>
+                <a:solidFill>
+                  <a:srgbClr val="24292E"/>
+                </a:solidFill>
+                <a:effectLst/>
+                <a:latin typeface="SFMono-Regular"/>
+              </a:rPr>
+              <a:t>conda</a:t>
+            </a:r>
+            <a:r>
+              <a:rPr kumimoji="0" lang="en-US" altLang="en-US" sz="2800" b="0" i="0" u="none" strike="noStrike" cap="none" normalizeH="0" baseline="0" dirty="0">
+                <a:ln>
+                  <a:noFill/>
+                </a:ln>
+                <a:solidFill>
+                  <a:srgbClr val="24292E"/>
+                </a:solidFill>
+                <a:effectLst/>
+                <a:latin typeface="SFMono-Regular"/>
+              </a:rPr>
+              <a:t> install -c </a:t>
+            </a:r>
+            <a:r>
+              <a:rPr kumimoji="0" lang="en-US" altLang="en-US" sz="2800" b="0" i="0" u="none" strike="noStrike" cap="none" normalizeH="0" baseline="0" dirty="0" err="1">
+                <a:ln>
+                  <a:noFill/>
+                </a:ln>
+                <a:solidFill>
+                  <a:srgbClr val="24292E"/>
+                </a:solidFill>
+                <a:effectLst/>
+                <a:latin typeface="SFMono-Regular"/>
+              </a:rPr>
+              <a:t>ankurankan</a:t>
+            </a:r>
+            <a:r>
+              <a:rPr kumimoji="0" lang="en-US" altLang="en-US" sz="2800" b="0" i="0" u="none" strike="noStrike" cap="none" normalizeH="0" baseline="0" dirty="0">
+                <a:ln>
+                  <a:noFill/>
+                </a:ln>
+                <a:solidFill>
+                  <a:srgbClr val="24292E"/>
+                </a:solidFill>
+                <a:effectLst/>
+                <a:latin typeface="SFMono-Regular"/>
+              </a:rPr>
+              <a:t> </a:t>
+            </a:r>
+            <a:r>
+              <a:rPr kumimoji="0" lang="en-US" altLang="en-US" sz="2800" b="0" i="0" u="none" strike="noStrike" cap="none" normalizeH="0" baseline="0" dirty="0" err="1">
+                <a:ln>
+                  <a:noFill/>
+                </a:ln>
+                <a:solidFill>
+                  <a:srgbClr val="24292E"/>
+                </a:solidFill>
+                <a:effectLst/>
+                <a:latin typeface="SFMono-Regular"/>
+              </a:rPr>
+              <a:t>pgmpy</a:t>
+            </a:r>
+            <a:endParaRPr lang="en-US" dirty="0"/>
+          </a:p>
+          <a:p>
+            <a:r>
+              <a:rPr lang="en-US" dirty="0"/>
+              <a:t>Install by using “pip” command:</a:t>
+            </a:r>
+          </a:p>
+          <a:p>
+            <a:pPr marL="0" indent="0" algn="ctr">
+              <a:buNone/>
+            </a:pPr>
+            <a:r>
+              <a:rPr kumimoji="0" lang="en-US" altLang="en-US" sz="2800" b="0" i="0" u="none" strike="noStrike" cap="none" normalizeH="0" baseline="0" dirty="0">
+                <a:ln>
+                  <a:noFill/>
+                </a:ln>
+                <a:solidFill>
+                  <a:srgbClr val="24292E"/>
+                </a:solidFill>
+                <a:effectLst/>
+                <a:latin typeface="SFMono-Regular"/>
+              </a:rPr>
+              <a:t>$ pip install </a:t>
+            </a:r>
+            <a:r>
+              <a:rPr kumimoji="0" lang="en-US" altLang="en-US" sz="2800" b="0" i="0" u="none" strike="noStrike" cap="none" normalizeH="0" baseline="0" dirty="0" err="1">
+                <a:ln>
+                  <a:noFill/>
+                </a:ln>
+                <a:solidFill>
+                  <a:srgbClr val="24292E"/>
+                </a:solidFill>
+                <a:effectLst/>
+                <a:latin typeface="SFMono-Regular"/>
+              </a:rPr>
+              <a:t>pgmpy</a:t>
+            </a:r>
+            <a:endParaRPr lang="en-US" dirty="0"/>
+          </a:p>
+          <a:p>
+            <a:r>
+              <a:rPr lang="en-US" dirty="0"/>
+              <a:t>Install from source code:</a:t>
+            </a:r>
+          </a:p>
+          <a:p>
+            <a:pPr marL="0" indent="0" algn="ctr">
+              <a:buNone/>
+            </a:pPr>
+            <a:r>
+              <a:rPr kumimoji="0" lang="en-US" altLang="en-US" sz="2800" b="0" i="0" u="none" strike="noStrike" cap="none" normalizeH="0" baseline="0" dirty="0">
+                <a:ln>
+                  <a:noFill/>
+                </a:ln>
+                <a:solidFill>
+                  <a:srgbClr val="24292E"/>
+                </a:solidFill>
+                <a:effectLst/>
+                <a:latin typeface="SFMono-Regular"/>
+              </a:rPr>
+              <a:t>$ git clone </a:t>
+            </a:r>
+            <a:r>
+              <a:rPr kumimoji="0" lang="en-US" altLang="en-US" sz="2800" b="0" i="0" u="none" strike="noStrike" cap="none" normalizeH="0" baseline="0" dirty="0">
+                <a:ln>
+                  <a:noFill/>
+                </a:ln>
+                <a:solidFill>
+                  <a:srgbClr val="24292E"/>
+                </a:solidFill>
+                <a:effectLst/>
+                <a:latin typeface="SFMono-Regular"/>
+                <a:hlinkClick r:id="rId2"/>
+              </a:rPr>
+              <a:t>https://github.com/pgmpy/pgmpy</a:t>
+            </a:r>
+            <a:endParaRPr kumimoji="0" lang="en-US" altLang="en-US" sz="2800" b="0" i="0" u="none" strike="noStrike" cap="none" normalizeH="0" baseline="0" dirty="0">
+              <a:ln>
+                <a:noFill/>
+              </a:ln>
+              <a:solidFill>
+                <a:srgbClr val="24292E"/>
+              </a:solidFill>
+              <a:effectLst/>
+              <a:latin typeface="SFMono-Regular"/>
+            </a:endParaRPr>
+          </a:p>
+          <a:p>
+            <a:pPr marL="0" indent="0" algn="ctr">
+              <a:buNone/>
+            </a:pPr>
+            <a:r>
+              <a:rPr kumimoji="0" lang="en-US" altLang="en-US" sz="2800" b="0" i="0" u="none" strike="noStrike" cap="none" normalizeH="0" baseline="0" dirty="0">
+                <a:ln>
+                  <a:noFill/>
+                </a:ln>
+                <a:solidFill>
+                  <a:srgbClr val="24292E"/>
+                </a:solidFill>
+                <a:effectLst/>
+                <a:latin typeface="SFMono-Regular"/>
+              </a:rPr>
+              <a:t>$ cd </a:t>
+            </a:r>
+            <a:r>
+              <a:rPr kumimoji="0" lang="en-US" altLang="en-US" sz="2800" b="0" i="0" u="none" strike="noStrike" cap="none" normalizeH="0" baseline="0" dirty="0" err="1">
+                <a:ln>
+                  <a:noFill/>
+                </a:ln>
+                <a:solidFill>
+                  <a:srgbClr val="24292E"/>
+                </a:solidFill>
+                <a:effectLst/>
+                <a:latin typeface="SFMono-Regular"/>
+              </a:rPr>
+              <a:t>pgmpy</a:t>
+            </a:r>
+            <a:r>
+              <a:rPr kumimoji="0" lang="en-US" altLang="en-US" sz="2800" b="0" i="0" u="none" strike="noStrike" cap="none" normalizeH="0" baseline="0" dirty="0">
+                <a:ln>
+                  <a:noFill/>
+                </a:ln>
+                <a:solidFill>
+                  <a:srgbClr val="24292E"/>
+                </a:solidFill>
+                <a:effectLst/>
+                <a:latin typeface="SFMono-Regular"/>
+              </a:rPr>
+              <a:t>/</a:t>
+            </a:r>
+          </a:p>
+          <a:p>
+            <a:pPr marL="0" indent="0" algn="ctr">
+              <a:buNone/>
+            </a:pPr>
+            <a:r>
+              <a:rPr kumimoji="0" lang="en-US" altLang="en-US" sz="2800" b="0" i="0" u="none" strike="noStrike" cap="none" normalizeH="0" baseline="0" dirty="0">
+                <a:ln>
+                  <a:noFill/>
+                </a:ln>
+                <a:solidFill>
+                  <a:srgbClr val="24292E"/>
+                </a:solidFill>
+                <a:effectLst/>
+                <a:latin typeface="SFMono-Regular"/>
+              </a:rPr>
+              <a:t>$ pip install -r requirements.txt</a:t>
+            </a:r>
+          </a:p>
+          <a:p>
+            <a:pPr marL="0" indent="0" algn="ctr">
+              <a:buNone/>
+            </a:pPr>
+            <a:r>
+              <a:rPr kumimoji="0" lang="en-US" altLang="en-US" sz="2800" b="0" i="0" u="none" strike="noStrike" cap="none" normalizeH="0" baseline="0" dirty="0">
+                <a:ln>
+                  <a:noFill/>
+                </a:ln>
+                <a:solidFill>
+                  <a:srgbClr val="24292E"/>
+                </a:solidFill>
+                <a:effectLst/>
+                <a:latin typeface="SFMono-Regular"/>
+              </a:rPr>
+              <a:t>$ python setup.py install</a:t>
+            </a:r>
+            <a:r>
+              <a:rPr kumimoji="0" lang="en-US" altLang="en-US" sz="2800" b="0" i="0" u="none" strike="noStrike" cap="none" normalizeH="0" baseline="0" dirty="0">
+                <a:ln>
+                  <a:noFill/>
+                </a:ln>
+                <a:solidFill>
+                  <a:schemeClr val="tx1"/>
+                </a:solidFill>
+                <a:effectLst/>
+              </a:rPr>
+              <a:t> </a:t>
+            </a:r>
+            <a:endParaRPr lang="en-US" dirty="0"/>
+          </a:p>
+          <a:p>
+            <a:pPr marL="0" indent="0">
+              <a:buNone/>
+            </a:pPr>
+            <a:endParaRPr lang="en-US" dirty="0"/>
+          </a:p>
+        </p:txBody>
+      </p:sp>
+    </p:spTree>
+    <p:extLst>
+      <p:ext uri="{BB962C8B-B14F-4D97-AF65-F5344CB8AC3E}">
+        <p14:creationId xmlns:p14="http://schemas.microsoft.com/office/powerpoint/2010/main" val="2802471668"/>
+      </p:ext>
+    </p:extLst>
+  </p:cSld>
+  <p:clrMapOvr>
+    <a:masterClrMapping/>
+  </p:clrMapOvr>
+</p:sld>
+</file>
+
+<file path=ppt/slides/slide31.xml><?xml version="1.0" encoding="utf-8"?>
 <p:sld xmlns:a="http://schemas.openxmlformats.org/drawingml/2006/main" xmlns:r="http://schemas.openxmlformats.org/officeDocument/2006/relationships" xmlns:p="http://schemas.openxmlformats.org/presentationml/2006/main">
   <p:cSld>
     <p:spTree>
@@ -12706,7 +13843,7 @@
 </p:sld>
 </file>
 
-<file path=ppt/slides/slide28.xml><?xml version="1.0" encoding="utf-8"?>
+<file path=ppt/slides/slide32.xml><?xml version="1.0" encoding="utf-8"?>
 <p:sld xmlns:a="http://schemas.openxmlformats.org/drawingml/2006/main" xmlns:r="http://schemas.openxmlformats.org/officeDocument/2006/relationships" xmlns:p="http://schemas.openxmlformats.org/presentationml/2006/main">
   <p:cSld>
     <p:spTree>
@@ -12885,7 +14022,7 @@
 </p:sld>
 </file>
 
-<file path=ppt/slides/slide29.xml><?xml version="1.0" encoding="utf-8"?>
+<file path=ppt/slides/slide33.xml><?xml version="1.0" encoding="utf-8"?>
 <p:sld xmlns:a="http://schemas.openxmlformats.org/drawingml/2006/main" xmlns:r="http://schemas.openxmlformats.org/officeDocument/2006/relationships" xmlns:p="http://schemas.openxmlformats.org/presentationml/2006/main">
   <p:cSld>
     <p:spTree>
@@ -12945,73 +14082,7 @@
 </p:sld>
 </file>
 
-<file path=ppt/slides/slide3.xml><?xml version="1.0" encoding="utf-8"?>
-<p:sld xmlns:a="http://schemas.openxmlformats.org/drawingml/2006/main" xmlns:r="http://schemas.openxmlformats.org/officeDocument/2006/relationships" xmlns:p="http://schemas.openxmlformats.org/presentationml/2006/main">
-  <p:cSld>
-    <p:spTree>
-      <p:nvGrpSpPr>
-        <p:cNvPr id="1" name=""/>
-        <p:cNvGrpSpPr/>
-        <p:nvPr/>
-      </p:nvGrpSpPr>
-      <p:grpSpPr>
-        <a:xfrm>
-          <a:off x="0" y="0"/>
-          <a:ext cx="0" cy="0"/>
-          <a:chOff x="0" y="0"/>
-          <a:chExt cx="0" cy="0"/>
-        </a:xfrm>
-      </p:grpSpPr>
-      <p:sp>
-        <p:nvSpPr>
-          <p:cNvPr id="2" name="Title 1"/>
-          <p:cNvSpPr>
-            <a:spLocks noGrp="1"/>
-          </p:cNvSpPr>
-          <p:nvPr>
-            <p:ph type="ctrTitle"/>
-          </p:nvPr>
-        </p:nvSpPr>
-        <p:spPr>
-          <a:xfrm>
-            <a:off x="1798320" y="2128202"/>
-            <a:ext cx="9144000" cy="2387600"/>
-          </a:xfrm>
-        </p:spPr>
-        <p:txBody>
-          <a:bodyPr>
-            <a:normAutofit fontScale="90000"/>
-          </a:bodyPr>
-          <a:lstStyle/>
-          <a:p>
-            <a:r>
-              <a:rPr lang="en-US"/>
-              <a:t>Part 1</a:t>
-            </a:r>
-            <a:br>
-              <a:rPr lang="en-US"/>
-            </a:br>
-            <a:r>
-              <a:rPr lang="en-US"/>
-              <a:t>Probabilistic Graphical Model Introduction</a:t>
-            </a:r>
-          </a:p>
-        </p:txBody>
-      </p:sp>
-    </p:spTree>
-    <p:extLst>
-      <p:ext uri="{BB962C8B-B14F-4D97-AF65-F5344CB8AC3E}">
-        <p14:creationId xmlns:p14="http://schemas.microsoft.com/office/powerpoint/2010/main" val="1276708213"/>
-      </p:ext>
-    </p:extLst>
-  </p:cSld>
-  <p:clrMapOvr>
-    <a:masterClrMapping/>
-  </p:clrMapOvr>
-</p:sld>
-</file>
-
-<file path=ppt/slides/slide30.xml><?xml version="1.0" encoding="utf-8"?>
+<file path=ppt/slides/slide34.xml><?xml version="1.0" encoding="utf-8"?>
 <p:sld xmlns:a="http://schemas.openxmlformats.org/drawingml/2006/main" xmlns:r="http://schemas.openxmlformats.org/officeDocument/2006/relationships" xmlns:p="http://schemas.openxmlformats.org/presentationml/2006/main">
   <p:cSld>
     <p:spTree>
@@ -13092,7 +14163,7 @@
 </p:sld>
 </file>
 
-<file path=ppt/slides/slide31.xml><?xml version="1.0" encoding="utf-8"?>
+<file path=ppt/slides/slide35.xml><?xml version="1.0" encoding="utf-8"?>
 <p:sld xmlns:a="http://schemas.openxmlformats.org/drawingml/2006/main" xmlns:r="http://schemas.openxmlformats.org/officeDocument/2006/relationships" xmlns:p="http://schemas.openxmlformats.org/presentationml/2006/main">
   <p:cSld>
     <p:spTree>
@@ -13172,7 +14243,7 @@
 </p:sld>
 </file>
 
-<file path=ppt/slides/slide32.xml><?xml version="1.0" encoding="utf-8"?>
+<file path=ppt/slides/slide36.xml><?xml version="1.0" encoding="utf-8"?>
 <p:sld xmlns:a="http://schemas.openxmlformats.org/drawingml/2006/main" xmlns:r="http://schemas.openxmlformats.org/officeDocument/2006/relationships" xmlns:p="http://schemas.openxmlformats.org/presentationml/2006/main">
   <p:cSld>
     <p:spTree>
@@ -13253,7 +14324,7 @@
 </p:sld>
 </file>
 
-<file path=ppt/slides/slide33.xml><?xml version="1.0" encoding="utf-8"?>
+<file path=ppt/slides/slide37.xml><?xml version="1.0" encoding="utf-8"?>
 <p:sld xmlns:a="http://schemas.openxmlformats.org/drawingml/2006/main" xmlns:r="http://schemas.openxmlformats.org/officeDocument/2006/relationships" xmlns:p="http://schemas.openxmlformats.org/presentationml/2006/main">
   <p:cSld>
     <p:spTree>
@@ -13333,7 +14404,7 @@
 </p:sld>
 </file>
 
-<file path=ppt/slides/slide34.xml><?xml version="1.0" encoding="utf-8"?>
+<file path=ppt/slides/slide38.xml><?xml version="1.0" encoding="utf-8"?>
 <p:sld xmlns:a="http://schemas.openxmlformats.org/drawingml/2006/main" xmlns:r="http://schemas.openxmlformats.org/officeDocument/2006/relationships" xmlns:p="http://schemas.openxmlformats.org/presentationml/2006/main">
   <p:cSld>
     <p:spTree>
@@ -13390,594 +14461,6 @@
     <p:extLst>
       <p:ext uri="{BB962C8B-B14F-4D97-AF65-F5344CB8AC3E}">
         <p14:creationId xmlns:p14="http://schemas.microsoft.com/office/powerpoint/2010/main" val="2154522713"/>
-      </p:ext>
-    </p:extLst>
-  </p:cSld>
-  <p:clrMapOvr>
-    <a:masterClrMapping/>
-  </p:clrMapOvr>
-</p:sld>
-</file>
-
-<file path=ppt/slides/slide35.xml><?xml version="1.0" encoding="utf-8"?>
-<p:sld xmlns:a="http://schemas.openxmlformats.org/drawingml/2006/main" xmlns:r="http://schemas.openxmlformats.org/officeDocument/2006/relationships" xmlns:p="http://schemas.openxmlformats.org/presentationml/2006/main">
-  <p:cSld>
-    <p:spTree>
-      <p:nvGrpSpPr>
-        <p:cNvPr id="1" name=""/>
-        <p:cNvGrpSpPr/>
-        <p:nvPr/>
-      </p:nvGrpSpPr>
-      <p:grpSpPr>
-        <a:xfrm>
-          <a:off x="0" y="0"/>
-          <a:ext cx="0" cy="0"/>
-          <a:chOff x="0" y="0"/>
-          <a:chExt cx="0" cy="0"/>
-        </a:xfrm>
-      </p:grpSpPr>
-      <p:sp>
-        <p:nvSpPr>
-          <p:cNvPr id="2" name="Title 1"/>
-          <p:cNvSpPr>
-            <a:spLocks noGrp="1"/>
-          </p:cNvSpPr>
-          <p:nvPr>
-            <p:ph type="title"/>
-          </p:nvPr>
-        </p:nvSpPr>
-        <p:spPr/>
-        <p:txBody>
-          <a:bodyPr/>
-          <a:lstStyle/>
-          <a:p>
-            <a:r>
-              <a:rPr lang="en-US"/>
-              <a:t>Medical diagnosis (data)</a:t>
-            </a:r>
-          </a:p>
-        </p:txBody>
-      </p:sp>
-      <p:sp>
-        <p:nvSpPr>
-          <p:cNvPr id="4" name="Rectangle 3"/>
-          <p:cNvSpPr/>
-          <p:nvPr/>
-        </p:nvSpPr>
-        <p:spPr>
-          <a:xfrm>
-            <a:off x="838200" y="1690688"/>
-            <a:ext cx="8997142" cy="954107"/>
-          </a:xfrm>
-          <a:prstGeom prst="rect">
-            <a:avLst/>
-          </a:prstGeom>
-        </p:spPr>
-        <p:txBody>
-          <a:bodyPr wrap="square">
-            <a:spAutoFit/>
-          </a:bodyPr>
-          <a:lstStyle/>
-          <a:p>
-            <a:r>
-              <a:rPr lang="en-US" sz="2800" dirty="0"/>
-              <a:t>Source: https://www.kaggle.com/itachi9604/disease-symptom-description-dataset?select=dataset.csv</a:t>
-            </a:r>
-          </a:p>
-        </p:txBody>
-      </p:sp>
-      <p:pic>
-        <p:nvPicPr>
-          <p:cNvPr id="5" name="Picture 4"/>
-          <p:cNvPicPr>
-            <a:picLocks noChangeAspect="1"/>
-          </p:cNvPicPr>
-          <p:nvPr/>
-        </p:nvPicPr>
-        <p:blipFill>
-          <a:blip r:embed="rId2"/>
-          <a:stretch>
-            <a:fillRect/>
-          </a:stretch>
-        </p:blipFill>
-        <p:spPr>
-          <a:xfrm>
-            <a:off x="4545993" y="2644795"/>
-            <a:ext cx="3100014" cy="3613920"/>
-          </a:xfrm>
-          <a:prstGeom prst="rect">
-            <a:avLst/>
-          </a:prstGeom>
-        </p:spPr>
-      </p:pic>
-    </p:spTree>
-    <p:extLst>
-      <p:ext uri="{BB962C8B-B14F-4D97-AF65-F5344CB8AC3E}">
-        <p14:creationId xmlns:p14="http://schemas.microsoft.com/office/powerpoint/2010/main" val="2483543744"/>
-      </p:ext>
-    </p:extLst>
-  </p:cSld>
-  <p:clrMapOvr>
-    <a:masterClrMapping/>
-  </p:clrMapOvr>
-</p:sld>
-</file>
-
-<file path=ppt/slides/slide36.xml><?xml version="1.0" encoding="utf-8"?>
-<p:sld xmlns:a="http://schemas.openxmlformats.org/drawingml/2006/main" xmlns:r="http://schemas.openxmlformats.org/officeDocument/2006/relationships" xmlns:p="http://schemas.openxmlformats.org/presentationml/2006/main">
-  <p:cSld>
-    <p:spTree>
-      <p:nvGrpSpPr>
-        <p:cNvPr id="1" name=""/>
-        <p:cNvGrpSpPr/>
-        <p:nvPr/>
-      </p:nvGrpSpPr>
-      <p:grpSpPr>
-        <a:xfrm>
-          <a:off x="0" y="0"/>
-          <a:ext cx="0" cy="0"/>
-          <a:chOff x="0" y="0"/>
-          <a:chExt cx="0" cy="0"/>
-        </a:xfrm>
-      </p:grpSpPr>
-      <p:sp>
-        <p:nvSpPr>
-          <p:cNvPr id="2" name="Title 1"/>
-          <p:cNvSpPr>
-            <a:spLocks noGrp="1"/>
-          </p:cNvSpPr>
-          <p:nvPr>
-            <p:ph type="title"/>
-          </p:nvPr>
-        </p:nvSpPr>
-        <p:spPr/>
-        <p:txBody>
-          <a:bodyPr/>
-          <a:lstStyle/>
-          <a:p>
-            <a:r>
-              <a:rPr lang="en-US"/>
-              <a:t>Graph</a:t>
-            </a:r>
-          </a:p>
-        </p:txBody>
-      </p:sp>
-      <p:sp>
-        <p:nvSpPr>
-          <p:cNvPr id="5" name="Oval 4"/>
-          <p:cNvSpPr/>
-          <p:nvPr/>
-        </p:nvSpPr>
-        <p:spPr>
-          <a:xfrm>
-            <a:off x="5243945" y="1690688"/>
-            <a:ext cx="1704109" cy="955963"/>
-          </a:xfrm>
-          <a:prstGeom prst="ellipse">
-            <a:avLst/>
-          </a:prstGeom>
-        </p:spPr>
-        <p:style>
-          <a:lnRef idx="2">
-            <a:schemeClr val="accent1">
-              <a:shade val="50000"/>
-            </a:schemeClr>
-          </a:lnRef>
-          <a:fillRef idx="1">
-            <a:schemeClr val="accent1"/>
-          </a:fillRef>
-          <a:effectRef idx="0">
-            <a:schemeClr val="accent1"/>
-          </a:effectRef>
-          <a:fontRef idx="minor">
-            <a:schemeClr val="lt1"/>
-          </a:fontRef>
-        </p:style>
-        <p:txBody>
-          <a:bodyPr rtlCol="0" anchor="ctr"/>
-          <a:lstStyle/>
-          <a:p>
-            <a:pPr algn="ctr"/>
-            <a:r>
-              <a:rPr lang="en-US"/>
-              <a:t>Symptom1</a:t>
-            </a:r>
-          </a:p>
-        </p:txBody>
-      </p:sp>
-      <p:sp>
-        <p:nvSpPr>
-          <p:cNvPr id="6" name="Oval 5"/>
-          <p:cNvSpPr/>
-          <p:nvPr/>
-        </p:nvSpPr>
-        <p:spPr>
-          <a:xfrm>
-            <a:off x="3078481" y="3028604"/>
-            <a:ext cx="1704109" cy="955963"/>
-          </a:xfrm>
-          <a:prstGeom prst="ellipse">
-            <a:avLst/>
-          </a:prstGeom>
-        </p:spPr>
-        <p:style>
-          <a:lnRef idx="2">
-            <a:schemeClr val="accent1">
-              <a:shade val="50000"/>
-            </a:schemeClr>
-          </a:lnRef>
-          <a:fillRef idx="1">
-            <a:schemeClr val="accent1"/>
-          </a:fillRef>
-          <a:effectRef idx="0">
-            <a:schemeClr val="accent1"/>
-          </a:effectRef>
-          <a:fontRef idx="minor">
-            <a:schemeClr val="lt1"/>
-          </a:fontRef>
-        </p:style>
-        <p:txBody>
-          <a:bodyPr rtlCol="0" anchor="ctr"/>
-          <a:lstStyle/>
-          <a:p>
-            <a:pPr algn="ctr"/>
-            <a:r>
-              <a:rPr lang="en-US"/>
-              <a:t>Symptom2</a:t>
-            </a:r>
-          </a:p>
-        </p:txBody>
-      </p:sp>
-      <p:sp>
-        <p:nvSpPr>
-          <p:cNvPr id="7" name="Oval 6"/>
-          <p:cNvSpPr/>
-          <p:nvPr/>
-        </p:nvSpPr>
-        <p:spPr>
-          <a:xfrm>
-            <a:off x="7373389" y="3028604"/>
-            <a:ext cx="1704109" cy="955963"/>
-          </a:xfrm>
-          <a:prstGeom prst="ellipse">
-            <a:avLst/>
-          </a:prstGeom>
-        </p:spPr>
-        <p:style>
-          <a:lnRef idx="2">
-            <a:schemeClr val="accent1">
-              <a:shade val="50000"/>
-            </a:schemeClr>
-          </a:lnRef>
-          <a:fillRef idx="1">
-            <a:schemeClr val="accent1"/>
-          </a:fillRef>
-          <a:effectRef idx="0">
-            <a:schemeClr val="accent1"/>
-          </a:effectRef>
-          <a:fontRef idx="minor">
-            <a:schemeClr val="lt1"/>
-          </a:fontRef>
-        </p:style>
-        <p:txBody>
-          <a:bodyPr rtlCol="0" anchor="ctr"/>
-          <a:lstStyle/>
-          <a:p>
-            <a:pPr algn="ctr"/>
-            <a:r>
-              <a:rPr lang="en-US"/>
-              <a:t>Symptom3</a:t>
-            </a:r>
-          </a:p>
-        </p:txBody>
-      </p:sp>
-      <p:sp>
-        <p:nvSpPr>
-          <p:cNvPr id="8" name="Oval 7"/>
-          <p:cNvSpPr/>
-          <p:nvPr/>
-        </p:nvSpPr>
-        <p:spPr>
-          <a:xfrm>
-            <a:off x="5243944" y="4172990"/>
-            <a:ext cx="1704109" cy="955963"/>
-          </a:xfrm>
-          <a:prstGeom prst="ellipse">
-            <a:avLst/>
-          </a:prstGeom>
-        </p:spPr>
-        <p:style>
-          <a:lnRef idx="2">
-            <a:schemeClr val="accent1">
-              <a:shade val="50000"/>
-            </a:schemeClr>
-          </a:lnRef>
-          <a:fillRef idx="1">
-            <a:schemeClr val="accent1"/>
-          </a:fillRef>
-          <a:effectRef idx="0">
-            <a:schemeClr val="accent1"/>
-          </a:effectRef>
-          <a:fontRef idx="minor">
-            <a:schemeClr val="lt1"/>
-          </a:fontRef>
-        </p:style>
-        <p:txBody>
-          <a:bodyPr rtlCol="0" anchor="ctr"/>
-          <a:lstStyle/>
-          <a:p>
-            <a:pPr algn="ctr"/>
-            <a:r>
-              <a:rPr lang="en-US"/>
-              <a:t>Disease</a:t>
-            </a:r>
-          </a:p>
-        </p:txBody>
-      </p:sp>
-      <p:cxnSp>
-        <p:nvCxnSpPr>
-          <p:cNvPr id="10" name="Straight Arrow Connector 9"/>
-          <p:cNvCxnSpPr>
-            <a:stCxn id="6" idx="5"/>
-            <a:endCxn id="8" idx="1"/>
-          </p:cNvCxnSpPr>
-          <p:nvPr/>
-        </p:nvCxnSpPr>
-        <p:spPr>
-          <a:xfrm>
-            <a:off x="4533029" y="3844569"/>
-            <a:ext cx="960476" cy="468419"/>
-          </a:xfrm>
-          <a:prstGeom prst="straightConnector1">
-            <a:avLst/>
-          </a:prstGeom>
-          <a:ln w="28575">
-            <a:tailEnd type="triangle"/>
-          </a:ln>
-        </p:spPr>
-        <p:style>
-          <a:lnRef idx="1">
-            <a:schemeClr val="dk1"/>
-          </a:lnRef>
-          <a:fillRef idx="0">
-            <a:schemeClr val="dk1"/>
-          </a:fillRef>
-          <a:effectRef idx="0">
-            <a:schemeClr val="dk1"/>
-          </a:effectRef>
-          <a:fontRef idx="minor">
-            <a:schemeClr val="tx1"/>
-          </a:fontRef>
-        </p:style>
-      </p:cxnSp>
-      <p:cxnSp>
-        <p:nvCxnSpPr>
-          <p:cNvPr id="12" name="Straight Arrow Connector 11"/>
-          <p:cNvCxnSpPr>
-            <a:stCxn id="5" idx="4"/>
-            <a:endCxn id="8" idx="0"/>
-          </p:cNvCxnSpPr>
-          <p:nvPr/>
-        </p:nvCxnSpPr>
-        <p:spPr>
-          <a:xfrm flipH="1">
-            <a:off x="6095999" y="2646651"/>
-            <a:ext cx="1" cy="1526339"/>
-          </a:xfrm>
-          <a:prstGeom prst="straightConnector1">
-            <a:avLst/>
-          </a:prstGeom>
-          <a:ln w="28575">
-            <a:tailEnd type="triangle"/>
-          </a:ln>
-        </p:spPr>
-        <p:style>
-          <a:lnRef idx="1">
-            <a:schemeClr val="dk1"/>
-          </a:lnRef>
-          <a:fillRef idx="0">
-            <a:schemeClr val="dk1"/>
-          </a:fillRef>
-          <a:effectRef idx="0">
-            <a:schemeClr val="dk1"/>
-          </a:effectRef>
-          <a:fontRef idx="minor">
-            <a:schemeClr val="tx1"/>
-          </a:fontRef>
-        </p:style>
-      </p:cxnSp>
-      <p:cxnSp>
-        <p:nvCxnSpPr>
-          <p:cNvPr id="14" name="Straight Arrow Connector 13"/>
-          <p:cNvCxnSpPr>
-            <a:stCxn id="7" idx="3"/>
-            <a:endCxn id="8" idx="7"/>
-          </p:cNvCxnSpPr>
-          <p:nvPr/>
-        </p:nvCxnSpPr>
-        <p:spPr>
-          <a:xfrm flipH="1">
-            <a:off x="6698492" y="3844569"/>
-            <a:ext cx="924458" cy="468419"/>
-          </a:xfrm>
-          <a:prstGeom prst="straightConnector1">
-            <a:avLst/>
-          </a:prstGeom>
-          <a:ln w="28575">
-            <a:tailEnd type="triangle"/>
-          </a:ln>
-        </p:spPr>
-        <p:style>
-          <a:lnRef idx="1">
-            <a:schemeClr val="dk1"/>
-          </a:lnRef>
-          <a:fillRef idx="0">
-            <a:schemeClr val="dk1"/>
-          </a:fillRef>
-          <a:effectRef idx="0">
-            <a:schemeClr val="dk1"/>
-          </a:effectRef>
-          <a:fontRef idx="minor">
-            <a:schemeClr val="tx1"/>
-          </a:fontRef>
-        </p:style>
-      </p:cxnSp>
-    </p:spTree>
-    <p:extLst>
-      <p:ext uri="{BB962C8B-B14F-4D97-AF65-F5344CB8AC3E}">
-        <p14:creationId xmlns:p14="http://schemas.microsoft.com/office/powerpoint/2010/main" val="2657102582"/>
-      </p:ext>
-    </p:extLst>
-  </p:cSld>
-  <p:clrMapOvr>
-    <a:masterClrMapping/>
-  </p:clrMapOvr>
-</p:sld>
-</file>
-
-<file path=ppt/slides/slide37.xml><?xml version="1.0" encoding="utf-8"?>
-<p:sld xmlns:a="http://schemas.openxmlformats.org/drawingml/2006/main" xmlns:r="http://schemas.openxmlformats.org/officeDocument/2006/relationships" xmlns:p="http://schemas.openxmlformats.org/presentationml/2006/main">
-  <p:cSld>
-    <p:spTree>
-      <p:nvGrpSpPr>
-        <p:cNvPr id="1" name=""/>
-        <p:cNvGrpSpPr/>
-        <p:nvPr/>
-      </p:nvGrpSpPr>
-      <p:grpSpPr>
-        <a:xfrm>
-          <a:off x="0" y="0"/>
-          <a:ext cx="0" cy="0"/>
-          <a:chOff x="0" y="0"/>
-          <a:chExt cx="0" cy="0"/>
-        </a:xfrm>
-      </p:grpSpPr>
-      <p:sp>
-        <p:nvSpPr>
-          <p:cNvPr id="2" name="Title 1"/>
-          <p:cNvSpPr>
-            <a:spLocks noGrp="1"/>
-          </p:cNvSpPr>
-          <p:nvPr>
-            <p:ph type="title"/>
-          </p:nvPr>
-        </p:nvSpPr>
-        <p:spPr/>
-        <p:txBody>
-          <a:bodyPr/>
-          <a:lstStyle/>
-          <a:p>
-            <a:r>
-              <a:rPr lang="en-US"/>
-              <a:t>Counting result example</a:t>
-            </a:r>
-          </a:p>
-        </p:txBody>
-      </p:sp>
-      <p:pic>
-        <p:nvPicPr>
-          <p:cNvPr id="6" name="Picture 5"/>
-          <p:cNvPicPr>
-            <a:picLocks noChangeAspect="1"/>
-          </p:cNvPicPr>
-          <p:nvPr/>
-        </p:nvPicPr>
-        <p:blipFill>
-          <a:blip r:embed="rId2"/>
-          <a:stretch>
-            <a:fillRect/>
-          </a:stretch>
-        </p:blipFill>
-        <p:spPr>
-          <a:xfrm>
-            <a:off x="2677390" y="1367438"/>
-            <a:ext cx="6837219" cy="5255557"/>
-          </a:xfrm>
-          <a:prstGeom prst="rect">
-            <a:avLst/>
-          </a:prstGeom>
-        </p:spPr>
-      </p:pic>
-    </p:spTree>
-    <p:extLst>
-      <p:ext uri="{BB962C8B-B14F-4D97-AF65-F5344CB8AC3E}">
-        <p14:creationId xmlns:p14="http://schemas.microsoft.com/office/powerpoint/2010/main" val="3574515845"/>
-      </p:ext>
-    </p:extLst>
-  </p:cSld>
-  <p:clrMapOvr>
-    <a:masterClrMapping/>
-  </p:clrMapOvr>
-</p:sld>
-</file>
-
-<file path=ppt/slides/slide38.xml><?xml version="1.0" encoding="utf-8"?>
-<p:sld xmlns:a="http://schemas.openxmlformats.org/drawingml/2006/main" xmlns:r="http://schemas.openxmlformats.org/officeDocument/2006/relationships" xmlns:p="http://schemas.openxmlformats.org/presentationml/2006/main">
-  <p:cSld>
-    <p:spTree>
-      <p:nvGrpSpPr>
-        <p:cNvPr id="1" name=""/>
-        <p:cNvGrpSpPr/>
-        <p:nvPr/>
-      </p:nvGrpSpPr>
-      <p:grpSpPr>
-        <a:xfrm>
-          <a:off x="0" y="0"/>
-          <a:ext cx="0" cy="0"/>
-          <a:chOff x="0" y="0"/>
-          <a:chExt cx="0" cy="0"/>
-        </a:xfrm>
-      </p:grpSpPr>
-      <p:sp>
-        <p:nvSpPr>
-          <p:cNvPr id="2" name="Title 1"/>
-          <p:cNvSpPr>
-            <a:spLocks noGrp="1"/>
-          </p:cNvSpPr>
-          <p:nvPr>
-            <p:ph type="title"/>
-          </p:nvPr>
-        </p:nvSpPr>
-        <p:spPr/>
-        <p:txBody>
-          <a:bodyPr/>
-          <a:lstStyle/>
-          <a:p>
-            <a:r>
-              <a:rPr lang="en-US"/>
-              <a:t>Maximum Likelihood Estimation example</a:t>
-            </a:r>
-          </a:p>
-        </p:txBody>
-      </p:sp>
-      <p:pic>
-        <p:nvPicPr>
-          <p:cNvPr id="4" name="Picture 3"/>
-          <p:cNvPicPr>
-            <a:picLocks noChangeAspect="1"/>
-          </p:cNvPicPr>
-          <p:nvPr/>
-        </p:nvPicPr>
-        <p:blipFill>
-          <a:blip r:embed="rId2"/>
-          <a:stretch>
-            <a:fillRect/>
-          </a:stretch>
-        </p:blipFill>
-        <p:spPr>
-          <a:xfrm>
-            <a:off x="2796915" y="1419641"/>
-            <a:ext cx="6598170" cy="5117605"/>
-          </a:xfrm>
-          <a:prstGeom prst="rect">
-            <a:avLst/>
-          </a:prstGeom>
-        </p:spPr>
-      </p:pic>
-    </p:spTree>
-    <p:extLst>
-      <p:ext uri="{BB962C8B-B14F-4D97-AF65-F5344CB8AC3E}">
-        <p14:creationId xmlns:p14="http://schemas.microsoft.com/office/powerpoint/2010/main" val="2561198065"/>
       </p:ext>
     </p:extLst>
   </p:cSld>
@@ -14021,14 +14504,42 @@
           <a:p>
             <a:r>
               <a:rPr lang="en-US"/>
-              <a:t>Bayesian Parameter Estimator example</a:t>
+              <a:t>Medical diagnosis (data)</a:t>
+            </a:r>
+          </a:p>
+        </p:txBody>
+      </p:sp>
+      <p:sp>
+        <p:nvSpPr>
+          <p:cNvPr id="4" name="Rectangle 3"/>
+          <p:cNvSpPr/>
+          <p:nvPr/>
+        </p:nvSpPr>
+        <p:spPr>
+          <a:xfrm>
+            <a:off x="838200" y="1690688"/>
+            <a:ext cx="8997142" cy="954107"/>
+          </a:xfrm>
+          <a:prstGeom prst="rect">
+            <a:avLst/>
+          </a:prstGeom>
+        </p:spPr>
+        <p:txBody>
+          <a:bodyPr wrap="square">
+            <a:spAutoFit/>
+          </a:bodyPr>
+          <a:lstStyle/>
+          <a:p>
+            <a:r>
+              <a:rPr lang="en-US" sz="2800" dirty="0"/>
+              <a:t>Source: https://www.kaggle.com/itachi9604/disease-symptom-description-dataset?select=dataset.csv</a:t>
             </a:r>
           </a:p>
         </p:txBody>
       </p:sp>
       <p:pic>
         <p:nvPicPr>
-          <p:cNvPr id="4" name="Picture 3"/>
+          <p:cNvPr id="5" name="Picture 4"/>
           <p:cNvPicPr>
             <a:picLocks noChangeAspect="1"/>
           </p:cNvPicPr>
@@ -14042,8 +14553,8 @@
         </p:blipFill>
         <p:spPr>
           <a:xfrm>
-            <a:off x="2577681" y="1340865"/>
-            <a:ext cx="7036637" cy="5434007"/>
+            <a:off x="4545993" y="2644795"/>
+            <a:ext cx="3100014" cy="3613920"/>
           </a:xfrm>
           <a:prstGeom prst="rect">
             <a:avLst/>
@@ -14053,7 +14564,7 @@
     </p:spTree>
     <p:extLst>
       <p:ext uri="{BB962C8B-B14F-4D97-AF65-F5344CB8AC3E}">
-        <p14:creationId xmlns:p14="http://schemas.microsoft.com/office/powerpoint/2010/main" val="4153553471"/>
+        <p14:creationId xmlns:p14="http://schemas.microsoft.com/office/powerpoint/2010/main" val="2483543744"/>
       </p:ext>
     </p:extLst>
   </p:cSld>
@@ -14292,16 +14803,17 @@
             <a:prstGeom prst="line">
               <a:avLst/>
             </a:prstGeom>
+            <a:ln w="28575"/>
           </p:spPr>
           <p:style>
             <a:lnRef idx="1">
-              <a:schemeClr val="accent1"/>
+              <a:schemeClr val="dk1"/>
             </a:lnRef>
             <a:fillRef idx="0">
-              <a:schemeClr val="accent1"/>
+              <a:schemeClr val="dk1"/>
             </a:fillRef>
             <a:effectRef idx="0">
-              <a:schemeClr val="accent1"/>
+              <a:schemeClr val="dk1"/>
             </a:effectRef>
             <a:fontRef idx="minor">
               <a:schemeClr val="tx1"/>
@@ -14510,6 +15022,566 @@
     <p:extLst>
       <p:ext uri="{BB962C8B-B14F-4D97-AF65-F5344CB8AC3E}">
         <p14:creationId xmlns:p14="http://schemas.microsoft.com/office/powerpoint/2010/main" val="2659526677"/>
+      </p:ext>
+    </p:extLst>
+  </p:cSld>
+  <p:clrMapOvr>
+    <a:masterClrMapping/>
+  </p:clrMapOvr>
+</p:sld>
+</file>
+
+<file path=ppt/slides/slide40.xml><?xml version="1.0" encoding="utf-8"?>
+<p:sld xmlns:a="http://schemas.openxmlformats.org/drawingml/2006/main" xmlns:r="http://schemas.openxmlformats.org/officeDocument/2006/relationships" xmlns:p="http://schemas.openxmlformats.org/presentationml/2006/main">
+  <p:cSld>
+    <p:spTree>
+      <p:nvGrpSpPr>
+        <p:cNvPr id="1" name=""/>
+        <p:cNvGrpSpPr/>
+        <p:nvPr/>
+      </p:nvGrpSpPr>
+      <p:grpSpPr>
+        <a:xfrm>
+          <a:off x="0" y="0"/>
+          <a:ext cx="0" cy="0"/>
+          <a:chOff x="0" y="0"/>
+          <a:chExt cx="0" cy="0"/>
+        </a:xfrm>
+      </p:grpSpPr>
+      <p:sp>
+        <p:nvSpPr>
+          <p:cNvPr id="2" name="Title 1"/>
+          <p:cNvSpPr>
+            <a:spLocks noGrp="1"/>
+          </p:cNvSpPr>
+          <p:nvPr>
+            <p:ph type="title"/>
+          </p:nvPr>
+        </p:nvSpPr>
+        <p:spPr/>
+        <p:txBody>
+          <a:bodyPr/>
+          <a:lstStyle/>
+          <a:p>
+            <a:r>
+              <a:rPr lang="en-US"/>
+              <a:t>Graph</a:t>
+            </a:r>
+          </a:p>
+        </p:txBody>
+      </p:sp>
+      <p:sp>
+        <p:nvSpPr>
+          <p:cNvPr id="5" name="Oval 4"/>
+          <p:cNvSpPr/>
+          <p:nvPr/>
+        </p:nvSpPr>
+        <p:spPr>
+          <a:xfrm>
+            <a:off x="5243945" y="1690688"/>
+            <a:ext cx="1704109" cy="955963"/>
+          </a:xfrm>
+          <a:prstGeom prst="ellipse">
+            <a:avLst/>
+          </a:prstGeom>
+        </p:spPr>
+        <p:style>
+          <a:lnRef idx="2">
+            <a:schemeClr val="accent1">
+              <a:shade val="50000"/>
+            </a:schemeClr>
+          </a:lnRef>
+          <a:fillRef idx="1">
+            <a:schemeClr val="accent1"/>
+          </a:fillRef>
+          <a:effectRef idx="0">
+            <a:schemeClr val="accent1"/>
+          </a:effectRef>
+          <a:fontRef idx="minor">
+            <a:schemeClr val="lt1"/>
+          </a:fontRef>
+        </p:style>
+        <p:txBody>
+          <a:bodyPr rtlCol="0" anchor="ctr"/>
+          <a:lstStyle/>
+          <a:p>
+            <a:pPr algn="ctr"/>
+            <a:r>
+              <a:rPr lang="en-US"/>
+              <a:t>Symptom1</a:t>
+            </a:r>
+          </a:p>
+        </p:txBody>
+      </p:sp>
+      <p:sp>
+        <p:nvSpPr>
+          <p:cNvPr id="6" name="Oval 5"/>
+          <p:cNvSpPr/>
+          <p:nvPr/>
+        </p:nvSpPr>
+        <p:spPr>
+          <a:xfrm>
+            <a:off x="3078481" y="3028604"/>
+            <a:ext cx="1704109" cy="955963"/>
+          </a:xfrm>
+          <a:prstGeom prst="ellipse">
+            <a:avLst/>
+          </a:prstGeom>
+        </p:spPr>
+        <p:style>
+          <a:lnRef idx="2">
+            <a:schemeClr val="accent1">
+              <a:shade val="50000"/>
+            </a:schemeClr>
+          </a:lnRef>
+          <a:fillRef idx="1">
+            <a:schemeClr val="accent1"/>
+          </a:fillRef>
+          <a:effectRef idx="0">
+            <a:schemeClr val="accent1"/>
+          </a:effectRef>
+          <a:fontRef idx="minor">
+            <a:schemeClr val="lt1"/>
+          </a:fontRef>
+        </p:style>
+        <p:txBody>
+          <a:bodyPr rtlCol="0" anchor="ctr"/>
+          <a:lstStyle/>
+          <a:p>
+            <a:pPr algn="ctr"/>
+            <a:r>
+              <a:rPr lang="en-US"/>
+              <a:t>Symptom2</a:t>
+            </a:r>
+          </a:p>
+        </p:txBody>
+      </p:sp>
+      <p:sp>
+        <p:nvSpPr>
+          <p:cNvPr id="7" name="Oval 6"/>
+          <p:cNvSpPr/>
+          <p:nvPr/>
+        </p:nvSpPr>
+        <p:spPr>
+          <a:xfrm>
+            <a:off x="7373389" y="3028604"/>
+            <a:ext cx="1704109" cy="955963"/>
+          </a:xfrm>
+          <a:prstGeom prst="ellipse">
+            <a:avLst/>
+          </a:prstGeom>
+        </p:spPr>
+        <p:style>
+          <a:lnRef idx="2">
+            <a:schemeClr val="accent1">
+              <a:shade val="50000"/>
+            </a:schemeClr>
+          </a:lnRef>
+          <a:fillRef idx="1">
+            <a:schemeClr val="accent1"/>
+          </a:fillRef>
+          <a:effectRef idx="0">
+            <a:schemeClr val="accent1"/>
+          </a:effectRef>
+          <a:fontRef idx="minor">
+            <a:schemeClr val="lt1"/>
+          </a:fontRef>
+        </p:style>
+        <p:txBody>
+          <a:bodyPr rtlCol="0" anchor="ctr"/>
+          <a:lstStyle/>
+          <a:p>
+            <a:pPr algn="ctr"/>
+            <a:r>
+              <a:rPr lang="en-US"/>
+              <a:t>Symptom3</a:t>
+            </a:r>
+          </a:p>
+        </p:txBody>
+      </p:sp>
+      <p:sp>
+        <p:nvSpPr>
+          <p:cNvPr id="8" name="Oval 7"/>
+          <p:cNvSpPr/>
+          <p:nvPr/>
+        </p:nvSpPr>
+        <p:spPr>
+          <a:xfrm>
+            <a:off x="5243944" y="4172990"/>
+            <a:ext cx="1704109" cy="955963"/>
+          </a:xfrm>
+          <a:prstGeom prst="ellipse">
+            <a:avLst/>
+          </a:prstGeom>
+        </p:spPr>
+        <p:style>
+          <a:lnRef idx="2">
+            <a:schemeClr val="accent1">
+              <a:shade val="50000"/>
+            </a:schemeClr>
+          </a:lnRef>
+          <a:fillRef idx="1">
+            <a:schemeClr val="accent1"/>
+          </a:fillRef>
+          <a:effectRef idx="0">
+            <a:schemeClr val="accent1"/>
+          </a:effectRef>
+          <a:fontRef idx="minor">
+            <a:schemeClr val="lt1"/>
+          </a:fontRef>
+        </p:style>
+        <p:txBody>
+          <a:bodyPr rtlCol="0" anchor="ctr"/>
+          <a:lstStyle/>
+          <a:p>
+            <a:pPr algn="ctr"/>
+            <a:r>
+              <a:rPr lang="en-US"/>
+              <a:t>Disease</a:t>
+            </a:r>
+          </a:p>
+        </p:txBody>
+      </p:sp>
+      <p:cxnSp>
+        <p:nvCxnSpPr>
+          <p:cNvPr id="10" name="Straight Arrow Connector 9"/>
+          <p:cNvCxnSpPr>
+            <a:stCxn id="6" idx="5"/>
+            <a:endCxn id="8" idx="1"/>
+          </p:cNvCxnSpPr>
+          <p:nvPr/>
+        </p:nvCxnSpPr>
+        <p:spPr>
+          <a:xfrm>
+            <a:off x="4533029" y="3844569"/>
+            <a:ext cx="960476" cy="468419"/>
+          </a:xfrm>
+          <a:prstGeom prst="straightConnector1">
+            <a:avLst/>
+          </a:prstGeom>
+          <a:ln w="28575">
+            <a:tailEnd type="triangle"/>
+          </a:ln>
+        </p:spPr>
+        <p:style>
+          <a:lnRef idx="1">
+            <a:schemeClr val="dk1"/>
+          </a:lnRef>
+          <a:fillRef idx="0">
+            <a:schemeClr val="dk1"/>
+          </a:fillRef>
+          <a:effectRef idx="0">
+            <a:schemeClr val="dk1"/>
+          </a:effectRef>
+          <a:fontRef idx="minor">
+            <a:schemeClr val="tx1"/>
+          </a:fontRef>
+        </p:style>
+      </p:cxnSp>
+      <p:cxnSp>
+        <p:nvCxnSpPr>
+          <p:cNvPr id="12" name="Straight Arrow Connector 11"/>
+          <p:cNvCxnSpPr>
+            <a:stCxn id="5" idx="4"/>
+            <a:endCxn id="8" idx="0"/>
+          </p:cNvCxnSpPr>
+          <p:nvPr/>
+        </p:nvCxnSpPr>
+        <p:spPr>
+          <a:xfrm flipH="1">
+            <a:off x="6095999" y="2646651"/>
+            <a:ext cx="1" cy="1526339"/>
+          </a:xfrm>
+          <a:prstGeom prst="straightConnector1">
+            <a:avLst/>
+          </a:prstGeom>
+          <a:ln w="28575">
+            <a:tailEnd type="triangle"/>
+          </a:ln>
+        </p:spPr>
+        <p:style>
+          <a:lnRef idx="1">
+            <a:schemeClr val="dk1"/>
+          </a:lnRef>
+          <a:fillRef idx="0">
+            <a:schemeClr val="dk1"/>
+          </a:fillRef>
+          <a:effectRef idx="0">
+            <a:schemeClr val="dk1"/>
+          </a:effectRef>
+          <a:fontRef idx="minor">
+            <a:schemeClr val="tx1"/>
+          </a:fontRef>
+        </p:style>
+      </p:cxnSp>
+      <p:cxnSp>
+        <p:nvCxnSpPr>
+          <p:cNvPr id="14" name="Straight Arrow Connector 13"/>
+          <p:cNvCxnSpPr>
+            <a:stCxn id="7" idx="3"/>
+            <a:endCxn id="8" idx="7"/>
+          </p:cNvCxnSpPr>
+          <p:nvPr/>
+        </p:nvCxnSpPr>
+        <p:spPr>
+          <a:xfrm flipH="1">
+            <a:off x="6698492" y="3844569"/>
+            <a:ext cx="924458" cy="468419"/>
+          </a:xfrm>
+          <a:prstGeom prst="straightConnector1">
+            <a:avLst/>
+          </a:prstGeom>
+          <a:ln w="28575">
+            <a:tailEnd type="triangle"/>
+          </a:ln>
+        </p:spPr>
+        <p:style>
+          <a:lnRef idx="1">
+            <a:schemeClr val="dk1"/>
+          </a:lnRef>
+          <a:fillRef idx="0">
+            <a:schemeClr val="dk1"/>
+          </a:fillRef>
+          <a:effectRef idx="0">
+            <a:schemeClr val="dk1"/>
+          </a:effectRef>
+          <a:fontRef idx="minor">
+            <a:schemeClr val="tx1"/>
+          </a:fontRef>
+        </p:style>
+      </p:cxnSp>
+    </p:spTree>
+    <p:extLst>
+      <p:ext uri="{BB962C8B-B14F-4D97-AF65-F5344CB8AC3E}">
+        <p14:creationId xmlns:p14="http://schemas.microsoft.com/office/powerpoint/2010/main" val="2657102582"/>
+      </p:ext>
+    </p:extLst>
+  </p:cSld>
+  <p:clrMapOvr>
+    <a:masterClrMapping/>
+  </p:clrMapOvr>
+</p:sld>
+</file>
+
+<file path=ppt/slides/slide41.xml><?xml version="1.0" encoding="utf-8"?>
+<p:sld xmlns:a="http://schemas.openxmlformats.org/drawingml/2006/main" xmlns:r="http://schemas.openxmlformats.org/officeDocument/2006/relationships" xmlns:p="http://schemas.openxmlformats.org/presentationml/2006/main">
+  <p:cSld>
+    <p:spTree>
+      <p:nvGrpSpPr>
+        <p:cNvPr id="1" name=""/>
+        <p:cNvGrpSpPr/>
+        <p:nvPr/>
+      </p:nvGrpSpPr>
+      <p:grpSpPr>
+        <a:xfrm>
+          <a:off x="0" y="0"/>
+          <a:ext cx="0" cy="0"/>
+          <a:chOff x="0" y="0"/>
+          <a:chExt cx="0" cy="0"/>
+        </a:xfrm>
+      </p:grpSpPr>
+      <p:sp>
+        <p:nvSpPr>
+          <p:cNvPr id="2" name="Title 1"/>
+          <p:cNvSpPr>
+            <a:spLocks noGrp="1"/>
+          </p:cNvSpPr>
+          <p:nvPr>
+            <p:ph type="title"/>
+          </p:nvPr>
+        </p:nvSpPr>
+        <p:spPr/>
+        <p:txBody>
+          <a:bodyPr/>
+          <a:lstStyle/>
+          <a:p>
+            <a:r>
+              <a:rPr lang="en-US"/>
+              <a:t>Counting result example</a:t>
+            </a:r>
+          </a:p>
+        </p:txBody>
+      </p:sp>
+      <p:pic>
+        <p:nvPicPr>
+          <p:cNvPr id="6" name="Picture 5"/>
+          <p:cNvPicPr>
+            <a:picLocks noChangeAspect="1"/>
+          </p:cNvPicPr>
+          <p:nvPr/>
+        </p:nvPicPr>
+        <p:blipFill>
+          <a:blip r:embed="rId2"/>
+          <a:stretch>
+            <a:fillRect/>
+          </a:stretch>
+        </p:blipFill>
+        <p:spPr>
+          <a:xfrm>
+            <a:off x="2677390" y="1367438"/>
+            <a:ext cx="6837219" cy="5255557"/>
+          </a:xfrm>
+          <a:prstGeom prst="rect">
+            <a:avLst/>
+          </a:prstGeom>
+        </p:spPr>
+      </p:pic>
+    </p:spTree>
+    <p:extLst>
+      <p:ext uri="{BB962C8B-B14F-4D97-AF65-F5344CB8AC3E}">
+        <p14:creationId xmlns:p14="http://schemas.microsoft.com/office/powerpoint/2010/main" val="3574515845"/>
+      </p:ext>
+    </p:extLst>
+  </p:cSld>
+  <p:clrMapOvr>
+    <a:masterClrMapping/>
+  </p:clrMapOvr>
+</p:sld>
+</file>
+
+<file path=ppt/slides/slide42.xml><?xml version="1.0" encoding="utf-8"?>
+<p:sld xmlns:a="http://schemas.openxmlformats.org/drawingml/2006/main" xmlns:r="http://schemas.openxmlformats.org/officeDocument/2006/relationships" xmlns:p="http://schemas.openxmlformats.org/presentationml/2006/main">
+  <p:cSld>
+    <p:spTree>
+      <p:nvGrpSpPr>
+        <p:cNvPr id="1" name=""/>
+        <p:cNvGrpSpPr/>
+        <p:nvPr/>
+      </p:nvGrpSpPr>
+      <p:grpSpPr>
+        <a:xfrm>
+          <a:off x="0" y="0"/>
+          <a:ext cx="0" cy="0"/>
+          <a:chOff x="0" y="0"/>
+          <a:chExt cx="0" cy="0"/>
+        </a:xfrm>
+      </p:grpSpPr>
+      <p:sp>
+        <p:nvSpPr>
+          <p:cNvPr id="2" name="Title 1"/>
+          <p:cNvSpPr>
+            <a:spLocks noGrp="1"/>
+          </p:cNvSpPr>
+          <p:nvPr>
+            <p:ph type="title"/>
+          </p:nvPr>
+        </p:nvSpPr>
+        <p:spPr/>
+        <p:txBody>
+          <a:bodyPr/>
+          <a:lstStyle/>
+          <a:p>
+            <a:r>
+              <a:rPr lang="en-US"/>
+              <a:t>Maximum Likelihood Estimation example</a:t>
+            </a:r>
+          </a:p>
+        </p:txBody>
+      </p:sp>
+      <p:pic>
+        <p:nvPicPr>
+          <p:cNvPr id="4" name="Picture 3"/>
+          <p:cNvPicPr>
+            <a:picLocks noChangeAspect="1"/>
+          </p:cNvPicPr>
+          <p:nvPr/>
+        </p:nvPicPr>
+        <p:blipFill>
+          <a:blip r:embed="rId2"/>
+          <a:stretch>
+            <a:fillRect/>
+          </a:stretch>
+        </p:blipFill>
+        <p:spPr>
+          <a:xfrm>
+            <a:off x="2796915" y="1419641"/>
+            <a:ext cx="6598170" cy="5117605"/>
+          </a:xfrm>
+          <a:prstGeom prst="rect">
+            <a:avLst/>
+          </a:prstGeom>
+        </p:spPr>
+      </p:pic>
+    </p:spTree>
+    <p:extLst>
+      <p:ext uri="{BB962C8B-B14F-4D97-AF65-F5344CB8AC3E}">
+        <p14:creationId xmlns:p14="http://schemas.microsoft.com/office/powerpoint/2010/main" val="2561198065"/>
+      </p:ext>
+    </p:extLst>
+  </p:cSld>
+  <p:clrMapOvr>
+    <a:masterClrMapping/>
+  </p:clrMapOvr>
+</p:sld>
+</file>
+
+<file path=ppt/slides/slide43.xml><?xml version="1.0" encoding="utf-8"?>
+<p:sld xmlns:a="http://schemas.openxmlformats.org/drawingml/2006/main" xmlns:r="http://schemas.openxmlformats.org/officeDocument/2006/relationships" xmlns:p="http://schemas.openxmlformats.org/presentationml/2006/main">
+  <p:cSld>
+    <p:spTree>
+      <p:nvGrpSpPr>
+        <p:cNvPr id="1" name=""/>
+        <p:cNvGrpSpPr/>
+        <p:nvPr/>
+      </p:nvGrpSpPr>
+      <p:grpSpPr>
+        <a:xfrm>
+          <a:off x="0" y="0"/>
+          <a:ext cx="0" cy="0"/>
+          <a:chOff x="0" y="0"/>
+          <a:chExt cx="0" cy="0"/>
+        </a:xfrm>
+      </p:grpSpPr>
+      <p:sp>
+        <p:nvSpPr>
+          <p:cNvPr id="2" name="Title 1"/>
+          <p:cNvSpPr>
+            <a:spLocks noGrp="1"/>
+          </p:cNvSpPr>
+          <p:nvPr>
+            <p:ph type="title"/>
+          </p:nvPr>
+        </p:nvSpPr>
+        <p:spPr/>
+        <p:txBody>
+          <a:bodyPr/>
+          <a:lstStyle/>
+          <a:p>
+            <a:r>
+              <a:rPr lang="en-US"/>
+              <a:t>Bayesian Parameter Estimator example</a:t>
+            </a:r>
+          </a:p>
+        </p:txBody>
+      </p:sp>
+      <p:pic>
+        <p:nvPicPr>
+          <p:cNvPr id="4" name="Picture 3"/>
+          <p:cNvPicPr>
+            <a:picLocks noChangeAspect="1"/>
+          </p:cNvPicPr>
+          <p:nvPr/>
+        </p:nvPicPr>
+        <p:blipFill>
+          <a:blip r:embed="rId2"/>
+          <a:stretch>
+            <a:fillRect/>
+          </a:stretch>
+        </p:blipFill>
+        <p:spPr>
+          <a:xfrm>
+            <a:off x="2577681" y="1340865"/>
+            <a:ext cx="7036637" cy="5434007"/>
+          </a:xfrm>
+          <a:prstGeom prst="rect">
+            <a:avLst/>
+          </a:prstGeom>
+        </p:spPr>
+      </p:pic>
+    </p:spTree>
+    <p:extLst>
+      <p:ext uri="{BB962C8B-B14F-4D97-AF65-F5344CB8AC3E}">
+        <p14:creationId xmlns:p14="http://schemas.microsoft.com/office/powerpoint/2010/main" val="4153553471"/>
       </p:ext>
     </p:extLst>
   </p:cSld>
@@ -18531,6 +19603,72 @@
             <a:spLocks noGrp="1"/>
           </p:cNvSpPr>
           <p:nvPr>
+            <p:ph type="ctrTitle"/>
+          </p:nvPr>
+        </p:nvSpPr>
+        <p:spPr>
+          <a:xfrm>
+            <a:off x="1798320" y="2128202"/>
+            <a:ext cx="9144000" cy="2387600"/>
+          </a:xfrm>
+        </p:spPr>
+        <p:txBody>
+          <a:bodyPr>
+            <a:normAutofit fontScale="90000"/>
+          </a:bodyPr>
+          <a:lstStyle/>
+          <a:p>
+            <a:r>
+              <a:rPr lang="en-US" dirty="0"/>
+              <a:t>Part 1.2</a:t>
+            </a:r>
+            <a:br>
+              <a:rPr lang="en-US" dirty="0"/>
+            </a:br>
+            <a:r>
+              <a:rPr lang="en-US" dirty="0"/>
+              <a:t>Probabilistic Graphical Model Introduction</a:t>
+            </a:r>
+          </a:p>
+        </p:txBody>
+      </p:sp>
+    </p:spTree>
+    <p:extLst>
+      <p:ext uri="{BB962C8B-B14F-4D97-AF65-F5344CB8AC3E}">
+        <p14:creationId xmlns:p14="http://schemas.microsoft.com/office/powerpoint/2010/main" val="1472284721"/>
+      </p:ext>
+    </p:extLst>
+  </p:cSld>
+  <p:clrMapOvr>
+    <a:masterClrMapping/>
+  </p:clrMapOvr>
+</p:sld>
+</file>
+
+<file path=ppt/slides/slide8.xml><?xml version="1.0" encoding="utf-8"?>
+<p:sld xmlns:a="http://schemas.openxmlformats.org/drawingml/2006/main" xmlns:r="http://schemas.openxmlformats.org/officeDocument/2006/relationships" xmlns:p="http://schemas.openxmlformats.org/presentationml/2006/main">
+  <p:cSld>
+    <p:spTree>
+      <p:nvGrpSpPr>
+        <p:cNvPr id="1" name=""/>
+        <p:cNvGrpSpPr/>
+        <p:nvPr/>
+      </p:nvGrpSpPr>
+      <p:grpSpPr>
+        <a:xfrm>
+          <a:off x="0" y="0"/>
+          <a:ext cx="0" cy="0"/>
+          <a:chOff x="0" y="0"/>
+          <a:chExt cx="0" cy="0"/>
+        </a:xfrm>
+      </p:grpSpPr>
+      <p:sp>
+        <p:nvSpPr>
+          <p:cNvPr id="2" name="Title 1"/>
+          <p:cNvSpPr>
+            <a:spLocks noGrp="1"/>
+          </p:cNvSpPr>
+          <p:nvPr>
             <p:ph type="title"/>
           </p:nvPr>
         </p:nvSpPr>
@@ -18600,7 +19738,7 @@
 </p:sld>
 </file>
 
-<file path=ppt/slides/slide8.xml><?xml version="1.0" encoding="utf-8"?>
+<file path=ppt/slides/slide9.xml><?xml version="1.0" encoding="utf-8"?>
 <p:sld xmlns:a="http://schemas.openxmlformats.org/drawingml/2006/main" xmlns:r="http://schemas.openxmlformats.org/officeDocument/2006/relationships" xmlns:p="http://schemas.openxmlformats.org/presentationml/2006/main">
   <p:cSld>
     <p:spTree>
@@ -19094,411 +20232,6 @@
 </p:sld>
 </file>
 
-<file path=ppt/slides/slide9.xml><?xml version="1.0" encoding="utf-8"?>
-<p:sld xmlns:a="http://schemas.openxmlformats.org/drawingml/2006/main" xmlns:r="http://schemas.openxmlformats.org/officeDocument/2006/relationships" xmlns:p="http://schemas.openxmlformats.org/presentationml/2006/main">
-  <p:cSld>
-    <p:spTree>
-      <p:nvGrpSpPr>
-        <p:cNvPr id="1" name=""/>
-        <p:cNvGrpSpPr/>
-        <p:nvPr/>
-      </p:nvGrpSpPr>
-      <p:grpSpPr>
-        <a:xfrm>
-          <a:off x="0" y="0"/>
-          <a:ext cx="0" cy="0"/>
-          <a:chOff x="0" y="0"/>
-          <a:chExt cx="0" cy="0"/>
-        </a:xfrm>
-      </p:grpSpPr>
-      <p:sp>
-        <p:nvSpPr>
-          <p:cNvPr id="2" name="Title 1"/>
-          <p:cNvSpPr>
-            <a:spLocks noGrp="1"/>
-          </p:cNvSpPr>
-          <p:nvPr>
-            <p:ph type="title"/>
-          </p:nvPr>
-        </p:nvSpPr>
-        <p:spPr/>
-        <p:txBody>
-          <a:bodyPr/>
-          <a:lstStyle/>
-          <a:p>
-            <a:r>
-              <a:rPr lang="en-US"/>
-              <a:t>Bayesian network</a:t>
-            </a:r>
-          </a:p>
-        </p:txBody>
-      </p:sp>
-      <p:pic>
-        <p:nvPicPr>
-          <p:cNvPr id="5" name="Picture 4" descr="Representation - Bayesian Networks - Jihong Ju's Blog"/>
-          <p:cNvPicPr>
-            <a:picLocks noChangeAspect="1" noChangeArrowheads="1"/>
-          </p:cNvPicPr>
-          <p:nvPr/>
-        </p:nvPicPr>
-        <p:blipFill>
-          <a:blip r:embed="rId2">
-            <a:extLst>
-              <a:ext uri="{28A0092B-C50C-407E-A947-70E740481C1C}">
-                <a14:useLocalDpi xmlns:a14="http://schemas.microsoft.com/office/drawing/2010/main" val="0"/>
-              </a:ext>
-            </a:extLst>
-          </a:blip>
-          <a:srcRect/>
-          <a:stretch>
-            <a:fillRect/>
-          </a:stretch>
-        </p:blipFill>
-        <p:spPr bwMode="auto">
-          <a:xfrm>
-            <a:off x="3505891" y="2295870"/>
-            <a:ext cx="5180215" cy="4094656"/>
-          </a:xfrm>
-          <a:prstGeom prst="rect">
-            <a:avLst/>
-          </a:prstGeom>
-          <a:noFill/>
-          <a:extLst>
-            <a:ext uri="{909E8E84-426E-40DD-AFC4-6F175D3DCCD1}">
-              <a14:hiddenFill xmlns:a14="http://schemas.microsoft.com/office/drawing/2010/main">
-                <a:solidFill>
-                  <a:srgbClr val="FFFFFF"/>
-                </a:solidFill>
-              </a14:hiddenFill>
-            </a:ext>
-          </a:extLst>
-        </p:spPr>
-      </p:pic>
-      <mc:AlternateContent xmlns:mc="http://schemas.openxmlformats.org/markup-compatibility/2006" xmlns:a14="http://schemas.microsoft.com/office/drawing/2010/main">
-        <mc:Choice Requires="a14">
-          <p:sp>
-            <p:nvSpPr>
-              <p:cNvPr id="6" name="TextBox 5"/>
-              <p:cNvSpPr txBox="1"/>
-              <p:nvPr/>
-            </p:nvSpPr>
-            <p:spPr>
-              <a:xfrm>
-                <a:off x="2246514" y="1475244"/>
-                <a:ext cx="7698971" cy="430887"/>
-              </a:xfrm>
-              <a:prstGeom prst="rect">
-                <a:avLst/>
-              </a:prstGeom>
-              <a:noFill/>
-            </p:spPr>
-            <p:txBody>
-              <a:bodyPr wrap="square" lIns="0" tIns="0" rIns="0" bIns="0" rtlCol="0">
-                <a:spAutoFit/>
-              </a:bodyPr>
-              <a:lstStyle/>
-              <a:p>
-                <a:pPr/>
-                <a14:m>
-                  <m:oMathPara xmlns:m="http://schemas.openxmlformats.org/officeDocument/2006/math">
-                    <m:oMathParaPr>
-                      <m:jc m:val="centerGroup"/>
-                    </m:oMathParaPr>
-                    <m:oMath xmlns:m="http://schemas.openxmlformats.org/officeDocument/2006/math">
-                      <m:r>
-                        <a:rPr lang="en-US" sz="2800" b="0" i="1" smtClean="0">
-                          <a:latin typeface="Cambria Math" panose="02040503050406030204" pitchFamily="18" charset="0"/>
-                        </a:rPr>
-                        <m:t>𝑃</m:t>
-                      </m:r>
-                      <m:d>
-                        <m:dPr>
-                          <m:ctrlPr>
-                            <a:rPr lang="en-US" sz="2800" b="0" i="1" smtClean="0">
-                              <a:latin typeface="Cambria Math" panose="02040503050406030204" pitchFamily="18" charset="0"/>
-                            </a:rPr>
-                          </m:ctrlPr>
-                        </m:dPr>
-                        <m:e>
-                          <m:r>
-                            <a:rPr lang="en-US" sz="2800" b="0" i="1" smtClean="0">
-                              <a:latin typeface="Cambria Math" panose="02040503050406030204" pitchFamily="18" charset="0"/>
-                            </a:rPr>
-                            <m:t>𝑑</m:t>
-                          </m:r>
-                          <m:r>
-                            <a:rPr lang="en-US" sz="2800" b="0" i="1" smtClean="0">
-                              <a:latin typeface="Cambria Math" panose="02040503050406030204" pitchFamily="18" charset="0"/>
-                            </a:rPr>
-                            <m:t>,</m:t>
-                          </m:r>
-                          <m:r>
-                            <a:rPr lang="en-US" sz="2800" b="0" i="1" smtClean="0">
-                              <a:latin typeface="Cambria Math" panose="02040503050406030204" pitchFamily="18" charset="0"/>
-                            </a:rPr>
-                            <m:t>𝑖</m:t>
-                          </m:r>
-                          <m:r>
-                            <a:rPr lang="en-US" sz="2800" b="0" i="1" smtClean="0">
-                              <a:latin typeface="Cambria Math" panose="02040503050406030204" pitchFamily="18" charset="0"/>
-                            </a:rPr>
-                            <m:t>,</m:t>
-                          </m:r>
-                          <m:r>
-                            <a:rPr lang="en-US" sz="2800" b="0" i="1" smtClean="0">
-                              <a:latin typeface="Cambria Math" panose="02040503050406030204" pitchFamily="18" charset="0"/>
-                            </a:rPr>
-                            <m:t>𝑔</m:t>
-                          </m:r>
-                          <m:r>
-                            <a:rPr lang="en-US" sz="2800" b="0" i="1" smtClean="0">
-                              <a:latin typeface="Cambria Math" panose="02040503050406030204" pitchFamily="18" charset="0"/>
-                            </a:rPr>
-                            <m:t>,</m:t>
-                          </m:r>
-                          <m:r>
-                            <a:rPr lang="en-US" sz="2800" b="0" i="1" smtClean="0">
-                              <a:latin typeface="Cambria Math" panose="02040503050406030204" pitchFamily="18" charset="0"/>
-                            </a:rPr>
-                            <m:t>𝑠</m:t>
-                          </m:r>
-                          <m:r>
-                            <a:rPr lang="en-US" sz="2800" b="0" i="1" smtClean="0">
-                              <a:latin typeface="Cambria Math" panose="02040503050406030204" pitchFamily="18" charset="0"/>
-                            </a:rPr>
-                            <m:t>,</m:t>
-                          </m:r>
-                          <m:r>
-                            <a:rPr lang="en-US" sz="2800" b="0" i="1" smtClean="0">
-                              <a:latin typeface="Cambria Math" panose="02040503050406030204" pitchFamily="18" charset="0"/>
-                            </a:rPr>
-                            <m:t>𝑙</m:t>
-                          </m:r>
-                          <m:r>
-                            <a:rPr lang="en-US" sz="2800" b="0" i="1" smtClean="0">
-                              <a:latin typeface="Cambria Math" panose="02040503050406030204" pitchFamily="18" charset="0"/>
-                            </a:rPr>
-                            <m:t> </m:t>
-                          </m:r>
-                        </m:e>
-                      </m:d>
-                      <m:r>
-                        <a:rPr lang="en-US" sz="2800" b="0" i="1" smtClean="0">
-                          <a:latin typeface="Cambria Math" panose="02040503050406030204" pitchFamily="18" charset="0"/>
-                        </a:rPr>
-                        <m:t>=</m:t>
-                      </m:r>
-                      <m:r>
-                        <a:rPr lang="en-US" sz="2800" b="0" i="1" smtClean="0">
-                          <a:latin typeface="Cambria Math" panose="02040503050406030204" pitchFamily="18" charset="0"/>
-                        </a:rPr>
-                        <m:t>𝑃</m:t>
-                      </m:r>
-                      <m:d>
-                        <m:dPr>
-                          <m:ctrlPr>
-                            <a:rPr lang="en-US" sz="2800" b="0" i="1" smtClean="0">
-                              <a:latin typeface="Cambria Math" panose="02040503050406030204" pitchFamily="18" charset="0"/>
-                            </a:rPr>
-                          </m:ctrlPr>
-                        </m:dPr>
-                        <m:e>
-                          <m:r>
-                            <a:rPr lang="en-US" sz="2800" b="0" i="1" smtClean="0">
-                              <a:latin typeface="Cambria Math" panose="02040503050406030204" pitchFamily="18" charset="0"/>
-                            </a:rPr>
-                            <m:t>𝑑</m:t>
-                          </m:r>
-                        </m:e>
-                      </m:d>
-                      <m:r>
-                        <a:rPr lang="en-US" sz="2800" b="0" i="1" smtClean="0">
-                          <a:latin typeface="Cambria Math" panose="02040503050406030204" pitchFamily="18" charset="0"/>
-                        </a:rPr>
-                        <m:t>𝑃</m:t>
-                      </m:r>
-                      <m:d>
-                        <m:dPr>
-                          <m:ctrlPr>
-                            <a:rPr lang="en-US" sz="2800" b="0" i="1" smtClean="0">
-                              <a:latin typeface="Cambria Math" panose="02040503050406030204" pitchFamily="18" charset="0"/>
-                            </a:rPr>
-                          </m:ctrlPr>
-                        </m:dPr>
-                        <m:e>
-                          <m:r>
-                            <a:rPr lang="en-US" sz="2800" b="0" i="1" smtClean="0">
-                              <a:latin typeface="Cambria Math" panose="02040503050406030204" pitchFamily="18" charset="0"/>
-                            </a:rPr>
-                            <m:t>𝑖</m:t>
-                          </m:r>
-                        </m:e>
-                      </m:d>
-                      <m:r>
-                        <a:rPr lang="en-US" sz="2800" b="0" i="1" smtClean="0">
-                          <a:latin typeface="Cambria Math" panose="02040503050406030204" pitchFamily="18" charset="0"/>
-                        </a:rPr>
-                        <m:t>𝑃</m:t>
-                      </m:r>
-                      <m:d>
-                        <m:dPr>
-                          <m:ctrlPr>
-                            <a:rPr lang="en-US" sz="2800" b="0" i="1" smtClean="0">
-                              <a:latin typeface="Cambria Math" panose="02040503050406030204" pitchFamily="18" charset="0"/>
-                            </a:rPr>
-                          </m:ctrlPr>
-                        </m:dPr>
-                        <m:e>
-                          <m:r>
-                            <a:rPr lang="en-US" sz="2800" b="0" i="1" smtClean="0">
-                              <a:latin typeface="Cambria Math" panose="02040503050406030204" pitchFamily="18" charset="0"/>
-                            </a:rPr>
-                            <m:t>𝑔</m:t>
-                          </m:r>
-                        </m:e>
-                        <m:e>
-                          <m:r>
-                            <a:rPr lang="en-US" sz="2800" b="0" i="1" smtClean="0">
-                              <a:latin typeface="Cambria Math" panose="02040503050406030204" pitchFamily="18" charset="0"/>
-                            </a:rPr>
-                            <m:t>𝑑</m:t>
-                          </m:r>
-                          <m:r>
-                            <a:rPr lang="en-US" sz="2800" b="0" i="1" smtClean="0">
-                              <a:latin typeface="Cambria Math" panose="02040503050406030204" pitchFamily="18" charset="0"/>
-                            </a:rPr>
-                            <m:t>,</m:t>
-                          </m:r>
-                          <m:r>
-                            <a:rPr lang="en-US" sz="2800" b="0" i="1" smtClean="0">
-                              <a:latin typeface="Cambria Math" panose="02040503050406030204" pitchFamily="18" charset="0"/>
-                            </a:rPr>
-                            <m:t>𝑖</m:t>
-                          </m:r>
-                        </m:e>
-                      </m:d>
-                      <m:r>
-                        <a:rPr lang="en-US" sz="2800" b="0" i="1" smtClean="0">
-                          <a:latin typeface="Cambria Math" panose="02040503050406030204" pitchFamily="18" charset="0"/>
-                        </a:rPr>
-                        <m:t>𝑃</m:t>
-                      </m:r>
-                      <m:d>
-                        <m:dPr>
-                          <m:ctrlPr>
-                            <a:rPr lang="en-US" sz="2800" b="0" i="1" smtClean="0">
-                              <a:latin typeface="Cambria Math" panose="02040503050406030204" pitchFamily="18" charset="0"/>
-                            </a:rPr>
-                          </m:ctrlPr>
-                        </m:dPr>
-                        <m:e>
-                          <m:r>
-                            <a:rPr lang="en-US" sz="2800" b="0" i="1" smtClean="0">
-                              <a:latin typeface="Cambria Math" panose="02040503050406030204" pitchFamily="18" charset="0"/>
-                            </a:rPr>
-                            <m:t>𝑠</m:t>
-                          </m:r>
-                        </m:e>
-                        <m:e>
-                          <m:r>
-                            <a:rPr lang="en-US" sz="2800" b="0" i="1" smtClean="0">
-                              <a:latin typeface="Cambria Math" panose="02040503050406030204" pitchFamily="18" charset="0"/>
-                            </a:rPr>
-                            <m:t>𝑖</m:t>
-                          </m:r>
-                        </m:e>
-                      </m:d>
-                      <m:r>
-                        <a:rPr lang="en-US" sz="2800" b="0" i="1" smtClean="0">
-                          <a:latin typeface="Cambria Math" panose="02040503050406030204" pitchFamily="18" charset="0"/>
-                        </a:rPr>
-                        <m:t>𝑃</m:t>
-                      </m:r>
-                      <m:d>
-                        <m:dPr>
-                          <m:ctrlPr>
-                            <a:rPr lang="en-US" sz="2800" b="0" i="1" smtClean="0">
-                              <a:latin typeface="Cambria Math" panose="02040503050406030204" pitchFamily="18" charset="0"/>
-                            </a:rPr>
-                          </m:ctrlPr>
-                        </m:dPr>
-                        <m:e>
-                          <m:r>
-                            <a:rPr lang="en-US" sz="2800" b="0" i="1" smtClean="0">
-                              <a:latin typeface="Cambria Math" panose="02040503050406030204" pitchFamily="18" charset="0"/>
-                            </a:rPr>
-                            <m:t>𝑙</m:t>
-                          </m:r>
-                        </m:e>
-                        <m:e>
-                          <m:r>
-                            <a:rPr lang="en-US" sz="2800" b="0" i="1" smtClean="0">
-                              <a:latin typeface="Cambria Math" panose="02040503050406030204" pitchFamily="18" charset="0"/>
-                            </a:rPr>
-                            <m:t>𝑔</m:t>
-                          </m:r>
-                        </m:e>
-                      </m:d>
-                    </m:oMath>
-                  </m:oMathPara>
-                </a14:m>
-                <a:endParaRPr lang="en-US" sz="2800"/>
-              </a:p>
-            </p:txBody>
-          </p:sp>
-        </mc:Choice>
-        <mc:Fallback xmlns="">
-          <p:sp>
-            <p:nvSpPr>
-              <p:cNvPr id="6" name="TextBox 5"/>
-              <p:cNvSpPr txBox="1">
-                <a:spLocks noRot="1" noChangeAspect="1" noMove="1" noResize="1" noEditPoints="1" noAdjustHandles="1" noChangeArrowheads="1" noChangeShapeType="1" noTextEdit="1"/>
-              </p:cNvSpPr>
-              <p:nvPr/>
-            </p:nvSpPr>
-            <p:spPr>
-              <a:xfrm>
-                <a:off x="2246514" y="1475244"/>
-                <a:ext cx="7698971" cy="430887"/>
-              </a:xfrm>
-              <a:prstGeom prst="rect">
-                <a:avLst/>
-              </a:prstGeom>
-              <a:blipFill>
-                <a:blip r:embed="rId3"/>
-                <a:stretch>
-                  <a:fillRect/>
-                </a:stretch>
-              </a:blipFill>
-            </p:spPr>
-            <p:txBody>
-              <a:bodyPr/>
-              <a:lstStyle/>
-              <a:p>
-                <a:r>
-                  <a:rPr lang="en-US">
-                    <a:noFill/>
-                  </a:rPr>
-                  <a:t> </a:t>
-                </a:r>
-              </a:p>
-            </p:txBody>
-          </p:sp>
-        </mc:Fallback>
-      </mc:AlternateContent>
-    </p:spTree>
-    <p:extLst>
-      <p:ext uri="{BB962C8B-B14F-4D97-AF65-F5344CB8AC3E}">
-        <p14:creationId xmlns:p14="http://schemas.microsoft.com/office/powerpoint/2010/main" val="58311384"/>
-      </p:ext>
-    </p:extLst>
-  </p:cSld>
-  <p:clrMapOvr>
-    <a:masterClrMapping/>
-  </p:clrMapOvr>
-</p:sld>
-</file>
-
 <file path=ppt/theme/theme1.xml><?xml version="1.0" encoding="utf-8"?>
 <a:theme xmlns:a="http://schemas.openxmlformats.org/drawingml/2006/main" name="Office Theme">
   <a:themeElements>

--- a/NguyenDuyHanLam_196005004/baocao.pptx
+++ b/NguyenDuyHanLam_196005004/baocao.pptx
@@ -22,32 +22,38 @@
     <p:sldId id="287" r:id="rId16"/>
     <p:sldId id="288" r:id="rId17"/>
     <p:sldId id="289" r:id="rId18"/>
-    <p:sldId id="299" r:id="rId19"/>
-    <p:sldId id="266" r:id="rId20"/>
-    <p:sldId id="267" r:id="rId21"/>
-    <p:sldId id="268" r:id="rId22"/>
-    <p:sldId id="269" r:id="rId23"/>
-    <p:sldId id="270" r:id="rId24"/>
-    <p:sldId id="281" r:id="rId25"/>
-    <p:sldId id="280" r:id="rId26"/>
-    <p:sldId id="282" r:id="rId27"/>
-    <p:sldId id="283" r:id="rId28"/>
-    <p:sldId id="272" r:id="rId29"/>
-    <p:sldId id="300" r:id="rId30"/>
-    <p:sldId id="301" r:id="rId31"/>
-    <p:sldId id="291" r:id="rId32"/>
-    <p:sldId id="290" r:id="rId33"/>
-    <p:sldId id="292" r:id="rId34"/>
-    <p:sldId id="294" r:id="rId35"/>
-    <p:sldId id="293" r:id="rId36"/>
-    <p:sldId id="295" r:id="rId37"/>
-    <p:sldId id="296" r:id="rId38"/>
-    <p:sldId id="273" r:id="rId39"/>
-    <p:sldId id="275" r:id="rId40"/>
-    <p:sldId id="279" r:id="rId41"/>
-    <p:sldId id="276" r:id="rId42"/>
-    <p:sldId id="277" r:id="rId43"/>
-    <p:sldId id="278" r:id="rId44"/>
+    <p:sldId id="304" r:id="rId19"/>
+    <p:sldId id="299" r:id="rId20"/>
+    <p:sldId id="266" r:id="rId21"/>
+    <p:sldId id="267" r:id="rId22"/>
+    <p:sldId id="268" r:id="rId23"/>
+    <p:sldId id="269" r:id="rId24"/>
+    <p:sldId id="270" r:id="rId25"/>
+    <p:sldId id="305" r:id="rId26"/>
+    <p:sldId id="306" r:id="rId27"/>
+    <p:sldId id="307" r:id="rId28"/>
+    <p:sldId id="280" r:id="rId29"/>
+    <p:sldId id="281" r:id="rId30"/>
+    <p:sldId id="282" r:id="rId31"/>
+    <p:sldId id="283" r:id="rId32"/>
+    <p:sldId id="272" r:id="rId33"/>
+    <p:sldId id="300" r:id="rId34"/>
+    <p:sldId id="301" r:id="rId35"/>
+    <p:sldId id="291" r:id="rId36"/>
+    <p:sldId id="290" r:id="rId37"/>
+    <p:sldId id="292" r:id="rId38"/>
+    <p:sldId id="294" r:id="rId39"/>
+    <p:sldId id="293" r:id="rId40"/>
+    <p:sldId id="302" r:id="rId41"/>
+    <p:sldId id="303" r:id="rId42"/>
+    <p:sldId id="295" r:id="rId43"/>
+    <p:sldId id="296" r:id="rId44"/>
+    <p:sldId id="273" r:id="rId45"/>
+    <p:sldId id="275" r:id="rId46"/>
+    <p:sldId id="279" r:id="rId47"/>
+    <p:sldId id="276" r:id="rId48"/>
+    <p:sldId id="277" r:id="rId49"/>
+    <p:sldId id="278" r:id="rId50"/>
   </p:sldIdLst>
   <p:sldSz cx="12192000" cy="6858000"/>
   <p:notesSz cx="6858000" cy="9144000"/>
@@ -283,7 +289,7 @@
           <a:p>
             <a:fld id="{E4DA84E2-8F3A-4836-87CF-485CC456B39E}" type="datetimeFigureOut">
               <a:rPr lang="en-US" smtClean="0"/>
-              <a:t>12/1/2020</a:t>
+              <a:t>12/3/2020</a:t>
             </a:fld>
             <a:endParaRPr lang="en-US"/>
           </a:p>
@@ -451,7 +457,7 @@
           <a:p>
             <a:fld id="{E4DA84E2-8F3A-4836-87CF-485CC456B39E}" type="datetimeFigureOut">
               <a:rPr lang="en-US" smtClean="0"/>
-              <a:t>12/1/2020</a:t>
+              <a:t>12/3/2020</a:t>
             </a:fld>
             <a:endParaRPr lang="en-US"/>
           </a:p>
@@ -629,7 +635,7 @@
           <a:p>
             <a:fld id="{E4DA84E2-8F3A-4836-87CF-485CC456B39E}" type="datetimeFigureOut">
               <a:rPr lang="en-US" smtClean="0"/>
-              <a:t>12/1/2020</a:t>
+              <a:t>12/3/2020</a:t>
             </a:fld>
             <a:endParaRPr lang="en-US"/>
           </a:p>
@@ -797,7 +803,7 @@
           <a:p>
             <a:fld id="{E4DA84E2-8F3A-4836-87CF-485CC456B39E}" type="datetimeFigureOut">
               <a:rPr lang="en-US" smtClean="0"/>
-              <a:t>12/1/2020</a:t>
+              <a:t>12/3/2020</a:t>
             </a:fld>
             <a:endParaRPr lang="en-US"/>
           </a:p>
@@ -1042,7 +1048,7 @@
           <a:p>
             <a:fld id="{E4DA84E2-8F3A-4836-87CF-485CC456B39E}" type="datetimeFigureOut">
               <a:rPr lang="en-US" smtClean="0"/>
-              <a:t>12/1/2020</a:t>
+              <a:t>12/3/2020</a:t>
             </a:fld>
             <a:endParaRPr lang="en-US"/>
           </a:p>
@@ -1271,7 +1277,7 @@
           <a:p>
             <a:fld id="{E4DA84E2-8F3A-4836-87CF-485CC456B39E}" type="datetimeFigureOut">
               <a:rPr lang="en-US" smtClean="0"/>
-              <a:t>12/1/2020</a:t>
+              <a:t>12/3/2020</a:t>
             </a:fld>
             <a:endParaRPr lang="en-US"/>
           </a:p>
@@ -1635,7 +1641,7 @@
           <a:p>
             <a:fld id="{E4DA84E2-8F3A-4836-87CF-485CC456B39E}" type="datetimeFigureOut">
               <a:rPr lang="en-US" smtClean="0"/>
-              <a:t>12/1/2020</a:t>
+              <a:t>12/3/2020</a:t>
             </a:fld>
             <a:endParaRPr lang="en-US"/>
           </a:p>
@@ -1752,7 +1758,7 @@
           <a:p>
             <a:fld id="{E4DA84E2-8F3A-4836-87CF-485CC456B39E}" type="datetimeFigureOut">
               <a:rPr lang="en-US" smtClean="0"/>
-              <a:t>12/1/2020</a:t>
+              <a:t>12/3/2020</a:t>
             </a:fld>
             <a:endParaRPr lang="en-US"/>
           </a:p>
@@ -1847,7 +1853,7 @@
           <a:p>
             <a:fld id="{E4DA84E2-8F3A-4836-87CF-485CC456B39E}" type="datetimeFigureOut">
               <a:rPr lang="en-US" smtClean="0"/>
-              <a:t>12/1/2020</a:t>
+              <a:t>12/3/2020</a:t>
             </a:fld>
             <a:endParaRPr lang="en-US"/>
           </a:p>
@@ -2122,7 +2128,7 @@
           <a:p>
             <a:fld id="{E4DA84E2-8F3A-4836-87CF-485CC456B39E}" type="datetimeFigureOut">
               <a:rPr lang="en-US" smtClean="0"/>
-              <a:t>12/1/2020</a:t>
+              <a:t>12/3/2020</a:t>
             </a:fld>
             <a:endParaRPr lang="en-US"/>
           </a:p>
@@ -2374,7 +2380,7 @@
           <a:p>
             <a:fld id="{E4DA84E2-8F3A-4836-87CF-485CC456B39E}" type="datetimeFigureOut">
               <a:rPr lang="en-US" smtClean="0"/>
-              <a:t>12/1/2020</a:t>
+              <a:t>12/3/2020</a:t>
             </a:fld>
             <a:endParaRPr lang="en-US"/>
           </a:p>
@@ -2585,7 +2591,7 @@
           <a:p>
             <a:fld id="{E4DA84E2-8F3A-4836-87CF-485CC456B39E}" type="datetimeFigureOut">
               <a:rPr lang="en-US" smtClean="0"/>
-              <a:t>12/1/2020</a:t>
+              <a:t>12/3/2020</a:t>
             </a:fld>
             <a:endParaRPr lang="en-US"/>
           </a:p>
@@ -5400,15 +5406,31 @@
           <a:lstStyle/>
           <a:p>
             <a:r>
-              <a:rPr lang="en-US"/>
+              <a:rPr lang="en-US" dirty="0"/>
               <a:t>Entropy does not depend on p.</a:t>
             </a:r>
           </a:p>
           <a:p>
             <a:pPr fontAlgn="base"/>
             <a:r>
-              <a:rPr lang="en-US"/>
-              <a:t>Minimizing KL divergence is equivalent to maximizing the expected log-likelihood</a:t>
+              <a:rPr lang="en-US" dirty="0"/>
+              <a:t>Minimizing </a:t>
+            </a:r>
+            <a:r>
+              <a:rPr lang="en-US" dirty="0" err="1"/>
+              <a:t>Kullback</a:t>
+            </a:r>
+            <a:r>
+              <a:rPr lang="en-US" dirty="0"/>
+              <a:t>–</a:t>
+            </a:r>
+            <a:r>
+              <a:rPr lang="en-US" dirty="0" err="1"/>
+              <a:t>Leibler</a:t>
+            </a:r>
+            <a:r>
+              <a:rPr lang="en-US" dirty="0"/>
+              <a:t> (KL) divergence is equivalent to maximizing the expected log-likelihood</a:t>
             </a:r>
           </a:p>
         </p:txBody>
@@ -9543,6 +9565,107 @@
       </p:grpSpPr>
       <p:sp>
         <p:nvSpPr>
+          <p:cNvPr id="2" name="Title 1">
+            <a:extLst>
+              <a:ext uri="{FF2B5EF4-FFF2-40B4-BE49-F238E27FC236}">
+                <a16:creationId xmlns:a16="http://schemas.microsoft.com/office/drawing/2014/main" id="{A09D240E-A3BE-401E-84CC-4312487C914A}"/>
+              </a:ext>
+            </a:extLst>
+          </p:cNvPr>
+          <p:cNvSpPr>
+            <a:spLocks noGrp="1"/>
+          </p:cNvSpPr>
+          <p:nvPr>
+            <p:ph type="title"/>
+          </p:nvPr>
+        </p:nvSpPr>
+        <p:spPr/>
+        <p:txBody>
+          <a:bodyPr/>
+          <a:lstStyle/>
+          <a:p>
+            <a:r>
+              <a:rPr lang="en-US" dirty="0"/>
+              <a:t>Maximum likelihood (ML) problems</a:t>
+            </a:r>
+          </a:p>
+        </p:txBody>
+      </p:sp>
+      <p:sp>
+        <p:nvSpPr>
+          <p:cNvPr id="3" name="Content Placeholder 2">
+            <a:extLst>
+              <a:ext uri="{FF2B5EF4-FFF2-40B4-BE49-F238E27FC236}">
+                <a16:creationId xmlns:a16="http://schemas.microsoft.com/office/drawing/2014/main" id="{DBDE9C78-11C1-4538-BF62-0B7117BE6DBF}"/>
+              </a:ext>
+            </a:extLst>
+          </p:cNvPr>
+          <p:cNvSpPr>
+            <a:spLocks noGrp="1"/>
+          </p:cNvSpPr>
+          <p:nvPr>
+            <p:ph idx="1"/>
+          </p:nvPr>
+        </p:nvSpPr>
+        <p:spPr/>
+        <p:txBody>
+          <a:bodyPr/>
+          <a:lstStyle/>
+          <a:p>
+            <a:r>
+              <a:rPr lang="en-US" dirty="0"/>
+              <a:t>ML estimation does poorly when the sample size is small.</a:t>
+            </a:r>
+          </a:p>
+          <a:p>
+            <a:r>
+              <a:rPr lang="en-US" dirty="0"/>
+              <a:t>If the coin is tossed once, and came up heads, ML estimation would estimate p = 1.</a:t>
+            </a:r>
+          </a:p>
+          <a:p>
+            <a:r>
+              <a:rPr lang="en-US" dirty="0"/>
+              <a:t>Also, ML assumes uniform priors, which is often incorrect. We frequently have very specific information regarding the plausibility of various hypotheses </a:t>
+            </a:r>
+          </a:p>
+          <a:p>
+            <a:endParaRPr lang="en-US" dirty="0"/>
+          </a:p>
+        </p:txBody>
+      </p:sp>
+    </p:spTree>
+    <p:extLst>
+      <p:ext uri="{BB962C8B-B14F-4D97-AF65-F5344CB8AC3E}">
+        <p14:creationId xmlns:p14="http://schemas.microsoft.com/office/powerpoint/2010/main" val="2110853581"/>
+      </p:ext>
+    </p:extLst>
+  </p:cSld>
+  <p:clrMapOvr>
+    <a:masterClrMapping/>
+  </p:clrMapOvr>
+</p:sld>
+</file>
+
+<file path=ppt/slides/slide19.xml><?xml version="1.0" encoding="utf-8"?>
+<p:sld xmlns:a="http://schemas.openxmlformats.org/drawingml/2006/main" xmlns:r="http://schemas.openxmlformats.org/officeDocument/2006/relationships" xmlns:p="http://schemas.openxmlformats.org/presentationml/2006/main">
+  <p:cSld>
+    <p:spTree>
+      <p:nvGrpSpPr>
+        <p:cNvPr id="1" name=""/>
+        <p:cNvGrpSpPr/>
+        <p:nvPr/>
+      </p:nvGrpSpPr>
+      <p:grpSpPr>
+        <a:xfrm>
+          <a:off x="0" y="0"/>
+          <a:ext cx="0" cy="0"/>
+          <a:chOff x="0" y="0"/>
+          <a:chExt cx="0" cy="0"/>
+        </a:xfrm>
+      </p:grpSpPr>
+      <p:sp>
+        <p:nvSpPr>
           <p:cNvPr id="2" name="Title 1"/>
           <p:cNvSpPr>
             <a:spLocks noGrp="1"/>
@@ -9579,7 +9702,7 @@
             </a:br>
             <a:r>
               <a:rPr lang="en-US" dirty="0"/>
-              <a:t>(Inference)</a:t>
+              <a:t>(Inferences)</a:t>
             </a:r>
           </a:p>
         </p:txBody>
@@ -9597,7 +9720,93 @@
 </p:sld>
 </file>
 
-<file path=ppt/slides/slide19.xml><?xml version="1.0" encoding="utf-8"?>
+<file path=ppt/slides/slide2.xml><?xml version="1.0" encoding="utf-8"?>
+<p:sld xmlns:a="http://schemas.openxmlformats.org/drawingml/2006/main" xmlns:r="http://schemas.openxmlformats.org/officeDocument/2006/relationships" xmlns:p="http://schemas.openxmlformats.org/presentationml/2006/main">
+  <p:cSld>
+    <p:spTree>
+      <p:nvGrpSpPr>
+        <p:cNvPr id="1" name=""/>
+        <p:cNvGrpSpPr/>
+        <p:nvPr/>
+      </p:nvGrpSpPr>
+      <p:grpSpPr>
+        <a:xfrm>
+          <a:off x="0" y="0"/>
+          <a:ext cx="0" cy="0"/>
+          <a:chOff x="0" y="0"/>
+          <a:chExt cx="0" cy="0"/>
+        </a:xfrm>
+      </p:grpSpPr>
+      <p:sp>
+        <p:nvSpPr>
+          <p:cNvPr id="2" name="Title 1"/>
+          <p:cNvSpPr>
+            <a:spLocks noGrp="1"/>
+          </p:cNvSpPr>
+          <p:nvPr>
+            <p:ph type="title"/>
+          </p:nvPr>
+        </p:nvSpPr>
+        <p:spPr/>
+        <p:txBody>
+          <a:bodyPr/>
+          <a:lstStyle/>
+          <a:p>
+            <a:r>
+              <a:rPr lang="en-US"/>
+              <a:t>Content</a:t>
+            </a:r>
+          </a:p>
+        </p:txBody>
+      </p:sp>
+      <p:sp>
+        <p:nvSpPr>
+          <p:cNvPr id="3" name="Content Placeholder 2"/>
+          <p:cNvSpPr>
+            <a:spLocks noGrp="1"/>
+          </p:cNvSpPr>
+          <p:nvPr>
+            <p:ph idx="1"/>
+          </p:nvPr>
+        </p:nvSpPr>
+        <p:spPr/>
+        <p:txBody>
+          <a:bodyPr/>
+          <a:lstStyle/>
+          <a:p>
+            <a:r>
+              <a:rPr lang="en-US"/>
+              <a:t>Probabilistic Graphical Model introduction</a:t>
+            </a:r>
+          </a:p>
+          <a:p>
+            <a:r>
+              <a:rPr lang="en-US"/>
+              <a:t>PGMPY introduction</a:t>
+            </a:r>
+          </a:p>
+          <a:p>
+            <a:r>
+              <a:rPr lang="en-US"/>
+              <a:t>Application</a:t>
+            </a:r>
+          </a:p>
+        </p:txBody>
+      </p:sp>
+    </p:spTree>
+    <p:extLst>
+      <p:ext uri="{BB962C8B-B14F-4D97-AF65-F5344CB8AC3E}">
+        <p14:creationId xmlns:p14="http://schemas.microsoft.com/office/powerpoint/2010/main" val="1535427976"/>
+      </p:ext>
+    </p:extLst>
+  </p:cSld>
+  <p:clrMapOvr>
+    <a:masterClrMapping/>
+  </p:clrMapOvr>
+</p:sld>
+</file>
+
+<file path=ppt/slides/slide20.xml><?xml version="1.0" encoding="utf-8"?>
 <p:sld xmlns:a="http://schemas.openxmlformats.org/drawingml/2006/main" xmlns:r="http://schemas.openxmlformats.org/officeDocument/2006/relationships" xmlns:p="http://schemas.openxmlformats.org/presentationml/2006/main">
   <p:cSld>
     <p:spTree>
@@ -9854,93 +10063,7 @@
 </p:sld>
 </file>
 
-<file path=ppt/slides/slide2.xml><?xml version="1.0" encoding="utf-8"?>
-<p:sld xmlns:a="http://schemas.openxmlformats.org/drawingml/2006/main" xmlns:r="http://schemas.openxmlformats.org/officeDocument/2006/relationships" xmlns:p="http://schemas.openxmlformats.org/presentationml/2006/main">
-  <p:cSld>
-    <p:spTree>
-      <p:nvGrpSpPr>
-        <p:cNvPr id="1" name=""/>
-        <p:cNvGrpSpPr/>
-        <p:nvPr/>
-      </p:nvGrpSpPr>
-      <p:grpSpPr>
-        <a:xfrm>
-          <a:off x="0" y="0"/>
-          <a:ext cx="0" cy="0"/>
-          <a:chOff x="0" y="0"/>
-          <a:chExt cx="0" cy="0"/>
-        </a:xfrm>
-      </p:grpSpPr>
-      <p:sp>
-        <p:nvSpPr>
-          <p:cNvPr id="2" name="Title 1"/>
-          <p:cNvSpPr>
-            <a:spLocks noGrp="1"/>
-          </p:cNvSpPr>
-          <p:nvPr>
-            <p:ph type="title"/>
-          </p:nvPr>
-        </p:nvSpPr>
-        <p:spPr/>
-        <p:txBody>
-          <a:bodyPr/>
-          <a:lstStyle/>
-          <a:p>
-            <a:r>
-              <a:rPr lang="en-US"/>
-              <a:t>Content</a:t>
-            </a:r>
-          </a:p>
-        </p:txBody>
-      </p:sp>
-      <p:sp>
-        <p:nvSpPr>
-          <p:cNvPr id="3" name="Content Placeholder 2"/>
-          <p:cNvSpPr>
-            <a:spLocks noGrp="1"/>
-          </p:cNvSpPr>
-          <p:nvPr>
-            <p:ph idx="1"/>
-          </p:nvPr>
-        </p:nvSpPr>
-        <p:spPr/>
-        <p:txBody>
-          <a:bodyPr/>
-          <a:lstStyle/>
-          <a:p>
-            <a:r>
-              <a:rPr lang="en-US"/>
-              <a:t>Probabilistic Graphical Model introduction</a:t>
-            </a:r>
-          </a:p>
-          <a:p>
-            <a:r>
-              <a:rPr lang="en-US"/>
-              <a:t>PGMPY introduction</a:t>
-            </a:r>
-          </a:p>
-          <a:p>
-            <a:r>
-              <a:rPr lang="en-US"/>
-              <a:t>Application</a:t>
-            </a:r>
-          </a:p>
-        </p:txBody>
-      </p:sp>
-    </p:spTree>
-    <p:extLst>
-      <p:ext uri="{BB962C8B-B14F-4D97-AF65-F5344CB8AC3E}">
-        <p14:creationId xmlns:p14="http://schemas.microsoft.com/office/powerpoint/2010/main" val="1535427976"/>
-      </p:ext>
-    </p:extLst>
-  </p:cSld>
-  <p:clrMapOvr>
-    <a:masterClrMapping/>
-  </p:clrMapOvr>
-</p:sld>
-</file>
-
-<file path=ppt/slides/slide20.xml><?xml version="1.0" encoding="utf-8"?>
+<file path=ppt/slides/slide21.xml><?xml version="1.0" encoding="utf-8"?>
 <p:sld xmlns:a="http://schemas.openxmlformats.org/drawingml/2006/main" xmlns:r="http://schemas.openxmlformats.org/officeDocument/2006/relationships" xmlns:p="http://schemas.openxmlformats.org/presentationml/2006/main">
   <p:cSld>
     <p:spTree>
@@ -10197,7 +10320,7 @@
 </p:sld>
 </file>
 
-<file path=ppt/slides/slide21.xml><?xml version="1.0" encoding="utf-8"?>
+<file path=ppt/slides/slide22.xml><?xml version="1.0" encoding="utf-8"?>
 <p:sld xmlns:a="http://schemas.openxmlformats.org/drawingml/2006/main" xmlns:r="http://schemas.openxmlformats.org/officeDocument/2006/relationships" xmlns:p="http://schemas.openxmlformats.org/presentationml/2006/main">
   <p:cSld>
     <p:spTree>
@@ -10339,7 +10462,7 @@
                     </m:oMath>
                   </m:oMathPara>
                 </a14:m>
-                <a:endParaRPr lang="en-US" sz="2800"/>
+                <a:endParaRPr lang="en-US" sz="2800" dirty="0"/>
               </a:p>
             </p:txBody>
           </p:sp>
@@ -10396,7 +10519,7 @@
 </p:sld>
 </file>
 
-<file path=ppt/slides/slide22.xml><?xml version="1.0" encoding="utf-8"?>
+<file path=ppt/slides/slide23.xml><?xml version="1.0" encoding="utf-8"?>
 <p:sld xmlns:a="http://schemas.openxmlformats.org/drawingml/2006/main" xmlns:r="http://schemas.openxmlformats.org/officeDocument/2006/relationships" xmlns:p="http://schemas.openxmlformats.org/presentationml/2006/main">
   <p:cSld>
     <p:spTree>
@@ -11320,7 +11443,7 @@
                     </m:oMath>
                   </m:oMathPara>
                 </a14:m>
-                <a:endParaRPr lang="en-US"/>
+                <a:endParaRPr lang="en-US" dirty="0"/>
               </a:p>
             </p:txBody>
           </p:sp>
@@ -11377,7 +11500,7 @@
 </p:sld>
 </file>
 
-<file path=ppt/slides/slide23.xml><?xml version="1.0" encoding="utf-8"?>
+<file path=ppt/slides/slide24.xml><?xml version="1.0" encoding="utf-8"?>
 <p:sld xmlns:a="http://schemas.openxmlformats.org/drawingml/2006/main" xmlns:r="http://schemas.openxmlformats.org/officeDocument/2006/relationships" xmlns:p="http://schemas.openxmlformats.org/presentationml/2006/main">
   <p:cSld>
     <p:spTree>
@@ -11812,7 +11935,2155 @@
 </p:sld>
 </file>
 
-<file path=ppt/slides/slide24.xml><?xml version="1.0" encoding="utf-8"?>
+<file path=ppt/slides/slide25.xml><?xml version="1.0" encoding="utf-8"?>
+<p:sld xmlns:a="http://schemas.openxmlformats.org/drawingml/2006/main" xmlns:r="http://schemas.openxmlformats.org/officeDocument/2006/relationships" xmlns:p="http://schemas.openxmlformats.org/presentationml/2006/main">
+  <p:cSld>
+    <p:spTree>
+      <p:nvGrpSpPr>
+        <p:cNvPr id="1" name=""/>
+        <p:cNvGrpSpPr/>
+        <p:nvPr/>
+      </p:nvGrpSpPr>
+      <p:grpSpPr>
+        <a:xfrm>
+          <a:off x="0" y="0"/>
+          <a:ext cx="0" cy="0"/>
+          <a:chOff x="0" y="0"/>
+          <a:chExt cx="0" cy="0"/>
+        </a:xfrm>
+      </p:grpSpPr>
+      <p:sp>
+        <p:nvSpPr>
+          <p:cNvPr id="2" name="Title 1">
+            <a:extLst>
+              <a:ext uri="{FF2B5EF4-FFF2-40B4-BE49-F238E27FC236}">
+                <a16:creationId xmlns:a16="http://schemas.microsoft.com/office/drawing/2014/main" id="{67C38C9E-2404-4844-AD83-BC46C422FC97}"/>
+              </a:ext>
+            </a:extLst>
+          </p:cNvPr>
+          <p:cNvSpPr>
+            <a:spLocks noGrp="1"/>
+          </p:cNvSpPr>
+          <p:nvPr>
+            <p:ph type="title"/>
+          </p:nvPr>
+        </p:nvSpPr>
+        <p:spPr/>
+        <p:txBody>
+          <a:bodyPr/>
+          <a:lstStyle/>
+          <a:p>
+            <a:r>
+              <a:rPr lang="en-US" dirty="0"/>
+              <a:t>Maximum a posteriori estimation (MAP)</a:t>
+            </a:r>
+          </a:p>
+        </p:txBody>
+      </p:sp>
+      <mc:AlternateContent xmlns:mc="http://schemas.openxmlformats.org/markup-compatibility/2006">
+        <mc:Choice xmlns:a14="http://schemas.microsoft.com/office/drawing/2010/main" Requires="a14">
+          <p:sp>
+            <p:nvSpPr>
+              <p:cNvPr id="3" name="Content Placeholder 2">
+                <a:extLst>
+                  <a:ext uri="{FF2B5EF4-FFF2-40B4-BE49-F238E27FC236}">
+                    <a16:creationId xmlns:a16="http://schemas.microsoft.com/office/drawing/2014/main" id="{52390C27-BB61-4B0F-87B8-15E9BDFD2FAE}"/>
+                  </a:ext>
+                </a:extLst>
+              </p:cNvPr>
+              <p:cNvSpPr>
+                <a:spLocks noGrp="1"/>
+              </p:cNvSpPr>
+              <p:nvPr>
+                <p:ph idx="1"/>
+              </p:nvPr>
+            </p:nvSpPr>
+            <p:spPr>
+              <a:xfrm>
+                <a:off x="838199" y="2492809"/>
+                <a:ext cx="10515600" cy="1872382"/>
+              </a:xfrm>
+            </p:spPr>
+            <p:txBody>
+              <a:bodyPr>
+                <a:normAutofit/>
+              </a:bodyPr>
+              <a:lstStyle/>
+              <a:p>
+                <a14:m>
+                  <m:oMath xmlns:m="http://schemas.openxmlformats.org/officeDocument/2006/math">
+                    <m:r>
+                      <a:rPr lang="en-US" sz="2800" b="0" i="1" smtClean="0">
+                        <a:latin typeface="Cambria Math" panose="02040503050406030204" pitchFamily="18" charset="0"/>
+                        <a:ea typeface="Cambria Math" panose="02040503050406030204" pitchFamily="18" charset="0"/>
+                      </a:rPr>
+                      <m:t>𝜃</m:t>
+                    </m:r>
+                  </m:oMath>
+                </a14:m>
+                <a:r>
+                  <a:rPr lang="en-US" dirty="0"/>
+                  <a:t>: parameter</a:t>
+                </a:r>
+              </a:p>
+              <a:p>
+                <a14:m>
+                  <m:oMath xmlns:m="http://schemas.openxmlformats.org/officeDocument/2006/math">
+                    <m:r>
+                      <a:rPr lang="en-US" sz="2800" b="0" i="1" smtClean="0">
+                        <a:latin typeface="Cambria Math" panose="02040503050406030204" pitchFamily="18" charset="0"/>
+                        <a:ea typeface="Cambria Math" panose="02040503050406030204" pitchFamily="18" charset="0"/>
+                      </a:rPr>
+                      <m:t>𝑥</m:t>
+                    </m:r>
+                  </m:oMath>
+                </a14:m>
+                <a:r>
+                  <a:rPr lang="en-US" dirty="0"/>
+                  <a:t>: observations</a:t>
+                </a:r>
+              </a:p>
+              <a:p>
+                <a14:m>
+                  <m:oMath xmlns:m="http://schemas.openxmlformats.org/officeDocument/2006/math">
+                    <m:r>
+                      <a:rPr lang="en-US" sz="2800" b="0" i="1" smtClean="0">
+                        <a:latin typeface="Cambria Math" panose="02040503050406030204" pitchFamily="18" charset="0"/>
+                        <a:ea typeface="Cambria Math" panose="02040503050406030204" pitchFamily="18" charset="0"/>
+                      </a:rPr>
+                      <m:t>𝑓</m:t>
+                    </m:r>
+                    <m:d>
+                      <m:dPr>
+                        <m:ctrlPr>
+                          <a:rPr lang="en-US" sz="2800" b="0" i="1" smtClean="0">
+                            <a:latin typeface="Cambria Math" panose="02040503050406030204" pitchFamily="18" charset="0"/>
+                            <a:ea typeface="Cambria Math" panose="02040503050406030204" pitchFamily="18" charset="0"/>
+                          </a:rPr>
+                        </m:ctrlPr>
+                      </m:dPr>
+                      <m:e>
+                        <m:r>
+                          <a:rPr lang="en-US" sz="2800" b="0" i="1" smtClean="0">
+                            <a:latin typeface="Cambria Math" panose="02040503050406030204" pitchFamily="18" charset="0"/>
+                            <a:ea typeface="Cambria Math" panose="02040503050406030204" pitchFamily="18" charset="0"/>
+                          </a:rPr>
+                          <m:t>𝑥</m:t>
+                        </m:r>
+                      </m:e>
+                      <m:e>
+                        <m:r>
+                          <a:rPr lang="en-US" sz="2800" b="0" i="1" smtClean="0">
+                            <a:latin typeface="Cambria Math" panose="02040503050406030204" pitchFamily="18" charset="0"/>
+                            <a:ea typeface="Cambria Math" panose="02040503050406030204" pitchFamily="18" charset="0"/>
+                          </a:rPr>
+                          <m:t>𝜃</m:t>
+                        </m:r>
+                      </m:e>
+                    </m:d>
+                  </m:oMath>
+                </a14:m>
+                <a:r>
+                  <a:rPr lang="en-US" dirty="0"/>
+                  <a:t>: the probability of </a:t>
+                </a:r>
+                <a14:m>
+                  <m:oMath xmlns:m="http://schemas.openxmlformats.org/officeDocument/2006/math">
+                    <m:r>
+                      <a:rPr lang="en-US" i="1">
+                        <a:latin typeface="Cambria Math" panose="02040503050406030204" pitchFamily="18" charset="0"/>
+                        <a:ea typeface="Cambria Math" panose="02040503050406030204" pitchFamily="18" charset="0"/>
+                      </a:rPr>
+                      <m:t>𝑥</m:t>
+                    </m:r>
+                  </m:oMath>
+                </a14:m>
+                <a:r>
+                  <a:rPr lang="en-US" dirty="0"/>
+                  <a:t> when the underlying parameter </a:t>
+                </a:r>
+                <a14:m>
+                  <m:oMath xmlns:m="http://schemas.openxmlformats.org/officeDocument/2006/math">
+                    <m:r>
+                      <a:rPr lang="en-US" i="1">
+                        <a:latin typeface="Cambria Math" panose="02040503050406030204" pitchFamily="18" charset="0"/>
+                        <a:ea typeface="Cambria Math" panose="02040503050406030204" pitchFamily="18" charset="0"/>
+                      </a:rPr>
+                      <m:t>𝜃</m:t>
+                    </m:r>
+                  </m:oMath>
+                </a14:m>
+                <a:r>
+                  <a:rPr lang="en-US" dirty="0"/>
+                  <a:t>.</a:t>
+                </a:r>
+              </a:p>
+            </p:txBody>
+          </p:sp>
+        </mc:Choice>
+        <mc:Fallback>
+          <p:sp>
+            <p:nvSpPr>
+              <p:cNvPr id="3" name="Content Placeholder 2">
+                <a:extLst>
+                  <a:ext uri="{FF2B5EF4-FFF2-40B4-BE49-F238E27FC236}">
+                    <a16:creationId xmlns:a16="http://schemas.microsoft.com/office/drawing/2014/main" id="{52390C27-BB61-4B0F-87B8-15E9BDFD2FAE}"/>
+                  </a:ext>
+                </a:extLst>
+              </p:cNvPr>
+              <p:cNvSpPr>
+                <a:spLocks noGrp="1" noRot="1" noChangeAspect="1" noMove="1" noResize="1" noEditPoints="1" noAdjustHandles="1" noChangeArrowheads="1" noChangeShapeType="1" noTextEdit="1"/>
+              </p:cNvSpPr>
+              <p:nvPr>
+                <p:ph idx="1"/>
+              </p:nvPr>
+            </p:nvSpPr>
+            <p:spPr>
+              <a:xfrm>
+                <a:off x="838199" y="2492809"/>
+                <a:ext cx="10515600" cy="1872382"/>
+              </a:xfrm>
+              <a:blipFill>
+                <a:blip r:embed="rId2"/>
+                <a:stretch>
+                  <a:fillRect t="-5537"/>
+                </a:stretch>
+              </a:blipFill>
+            </p:spPr>
+            <p:txBody>
+              <a:bodyPr/>
+              <a:lstStyle/>
+              <a:p>
+                <a:r>
+                  <a:rPr lang="en-US">
+                    <a:noFill/>
+                  </a:rPr>
+                  <a:t> </a:t>
+                </a:r>
+              </a:p>
+            </p:txBody>
+          </p:sp>
+        </mc:Fallback>
+      </mc:AlternateContent>
+      <mc:AlternateContent xmlns:mc="http://schemas.openxmlformats.org/markup-compatibility/2006" xmlns:a14="http://schemas.microsoft.com/office/drawing/2010/main">
+        <mc:Choice Requires="a14">
+          <p:sp>
+            <p:nvSpPr>
+              <p:cNvPr id="4" name="TextBox 3">
+                <a:extLst>
+                  <a:ext uri="{FF2B5EF4-FFF2-40B4-BE49-F238E27FC236}">
+                    <a16:creationId xmlns:a16="http://schemas.microsoft.com/office/drawing/2014/main" id="{D823164A-644E-442E-8ACB-CB9A5C171395}"/>
+                  </a:ext>
+                </a:extLst>
+              </p:cNvPr>
+              <p:cNvSpPr txBox="1"/>
+              <p:nvPr/>
+            </p:nvSpPr>
+            <p:spPr>
+              <a:xfrm>
+                <a:off x="5176068" y="1690688"/>
+                <a:ext cx="1839863" cy="430887"/>
+              </a:xfrm>
+              <a:prstGeom prst="rect">
+                <a:avLst/>
+              </a:prstGeom>
+              <a:noFill/>
+            </p:spPr>
+            <p:txBody>
+              <a:bodyPr wrap="none" lIns="0" tIns="0" rIns="0" bIns="0" rtlCol="0">
+                <a:spAutoFit/>
+              </a:bodyPr>
+              <a:lstStyle/>
+              <a:p>
+                <a:pPr/>
+                <a14:m>
+                  <m:oMathPara xmlns:m="http://schemas.openxmlformats.org/officeDocument/2006/math">
+                    <m:oMathParaPr>
+                      <m:jc m:val="centerGroup"/>
+                    </m:oMathParaPr>
+                    <m:oMath xmlns:m="http://schemas.openxmlformats.org/officeDocument/2006/math">
+                      <m:r>
+                        <a:rPr lang="en-US" sz="2800" b="0" i="1" smtClean="0">
+                          <a:latin typeface="Cambria Math" panose="02040503050406030204" pitchFamily="18" charset="0"/>
+                          <a:ea typeface="Cambria Math" panose="02040503050406030204" pitchFamily="18" charset="0"/>
+                        </a:rPr>
+                        <m:t>𝜃</m:t>
+                      </m:r>
+                      <m:r>
+                        <a:rPr lang="en-US" sz="2800" i="1" smtClean="0">
+                          <a:latin typeface="Cambria Math" panose="02040503050406030204" pitchFamily="18" charset="0"/>
+                          <a:ea typeface="Cambria Math" panose="02040503050406030204" pitchFamily="18" charset="0"/>
+                        </a:rPr>
+                        <m:t>↦</m:t>
+                      </m:r>
+                      <m:r>
+                        <a:rPr lang="en-US" sz="2800" b="0" i="1" smtClean="0">
+                          <a:latin typeface="Cambria Math" panose="02040503050406030204" pitchFamily="18" charset="0"/>
+                          <a:ea typeface="Cambria Math" panose="02040503050406030204" pitchFamily="18" charset="0"/>
+                        </a:rPr>
+                        <m:t>𝑓</m:t>
+                      </m:r>
+                      <m:d>
+                        <m:dPr>
+                          <m:ctrlPr>
+                            <a:rPr lang="en-US" sz="2800" b="0" i="1" smtClean="0">
+                              <a:latin typeface="Cambria Math" panose="02040503050406030204" pitchFamily="18" charset="0"/>
+                              <a:ea typeface="Cambria Math" panose="02040503050406030204" pitchFamily="18" charset="0"/>
+                            </a:rPr>
+                          </m:ctrlPr>
+                        </m:dPr>
+                        <m:e>
+                          <m:r>
+                            <a:rPr lang="en-US" sz="2800" b="0" i="1" smtClean="0">
+                              <a:latin typeface="Cambria Math" panose="02040503050406030204" pitchFamily="18" charset="0"/>
+                              <a:ea typeface="Cambria Math" panose="02040503050406030204" pitchFamily="18" charset="0"/>
+                            </a:rPr>
+                            <m:t>𝑥</m:t>
+                          </m:r>
+                        </m:e>
+                        <m:e>
+                          <m:r>
+                            <a:rPr lang="en-US" sz="2800" b="0" i="1" smtClean="0">
+                              <a:latin typeface="Cambria Math" panose="02040503050406030204" pitchFamily="18" charset="0"/>
+                              <a:ea typeface="Cambria Math" panose="02040503050406030204" pitchFamily="18" charset="0"/>
+                            </a:rPr>
+                            <m:t>𝜃</m:t>
+                          </m:r>
+                        </m:e>
+                      </m:d>
+                    </m:oMath>
+                  </m:oMathPara>
+                </a14:m>
+                <a:endParaRPr lang="en-US" sz="2800" dirty="0"/>
+              </a:p>
+            </p:txBody>
+          </p:sp>
+        </mc:Choice>
+        <mc:Fallback xmlns="">
+          <p:sp>
+            <p:nvSpPr>
+              <p:cNvPr id="4" name="TextBox 3">
+                <a:extLst>
+                  <a:ext uri="{FF2B5EF4-FFF2-40B4-BE49-F238E27FC236}">
+                    <a16:creationId xmlns:a16="http://schemas.microsoft.com/office/drawing/2014/main" id="{D823164A-644E-442E-8ACB-CB9A5C171395}"/>
+                  </a:ext>
+                </a:extLst>
+              </p:cNvPr>
+              <p:cNvSpPr txBox="1">
+                <a:spLocks noRot="1" noChangeAspect="1" noMove="1" noResize="1" noEditPoints="1" noAdjustHandles="1" noChangeArrowheads="1" noChangeShapeType="1" noTextEdit="1"/>
+              </p:cNvSpPr>
+              <p:nvPr/>
+            </p:nvSpPr>
+            <p:spPr>
+              <a:xfrm>
+                <a:off x="5176068" y="1690688"/>
+                <a:ext cx="1839863" cy="430887"/>
+              </a:xfrm>
+              <a:prstGeom prst="rect">
+                <a:avLst/>
+              </a:prstGeom>
+              <a:blipFill>
+                <a:blip r:embed="rId3"/>
+                <a:stretch>
+                  <a:fillRect/>
+                </a:stretch>
+              </a:blipFill>
+            </p:spPr>
+            <p:txBody>
+              <a:bodyPr/>
+              <a:lstStyle/>
+              <a:p>
+                <a:r>
+                  <a:rPr lang="en-US">
+                    <a:noFill/>
+                  </a:rPr>
+                  <a:t> </a:t>
+                </a:r>
+              </a:p>
+            </p:txBody>
+          </p:sp>
+        </mc:Fallback>
+      </mc:AlternateContent>
+      <p:sp>
+        <p:nvSpPr>
+          <p:cNvPr id="5" name="Content Placeholder 2">
+            <a:extLst>
+              <a:ext uri="{FF2B5EF4-FFF2-40B4-BE49-F238E27FC236}">
+                <a16:creationId xmlns:a16="http://schemas.microsoft.com/office/drawing/2014/main" id="{30E01EB5-D5B8-4FEC-A56E-A1BF7990620B}"/>
+              </a:ext>
+            </a:extLst>
+          </p:cNvPr>
+          <p:cNvSpPr txBox="1">
+            <a:spLocks/>
+          </p:cNvSpPr>
+          <p:nvPr/>
+        </p:nvSpPr>
+        <p:spPr>
+          <a:xfrm>
+            <a:off x="838199" y="4083282"/>
+            <a:ext cx="10515600" cy="563817"/>
+          </a:xfrm>
+          <a:prstGeom prst="rect">
+            <a:avLst/>
+          </a:prstGeom>
+        </p:spPr>
+        <p:txBody>
+          <a:bodyPr vert="horz" lIns="91440" tIns="45720" rIns="91440" bIns="45720" rtlCol="0">
+            <a:normAutofit/>
+          </a:bodyPr>
+          <a:lstStyle>
+            <a:lvl1pPr marL="228600" indent="-228600" algn="l" defTabSz="914400" rtl="0" eaLnBrk="1" latinLnBrk="0" hangingPunct="1">
+              <a:lnSpc>
+                <a:spcPct val="90000"/>
+              </a:lnSpc>
+              <a:spcBef>
+                <a:spcPts val="1000"/>
+              </a:spcBef>
+              <a:buFont typeface="Arial" panose="020B0604020202020204" pitchFamily="34" charset="0"/>
+              <a:buChar char="•"/>
+              <a:defRPr sz="2800" kern="1200">
+                <a:solidFill>
+                  <a:schemeClr val="tx1"/>
+                </a:solidFill>
+                <a:latin typeface="+mn-lt"/>
+                <a:ea typeface="+mn-ea"/>
+                <a:cs typeface="+mn-cs"/>
+              </a:defRPr>
+            </a:lvl1pPr>
+            <a:lvl2pPr marL="685800" indent="-228600" algn="l" defTabSz="914400" rtl="0" eaLnBrk="1" latinLnBrk="0" hangingPunct="1">
+              <a:lnSpc>
+                <a:spcPct val="90000"/>
+              </a:lnSpc>
+              <a:spcBef>
+                <a:spcPts val="500"/>
+              </a:spcBef>
+              <a:buFont typeface="Arial" panose="020B0604020202020204" pitchFamily="34" charset="0"/>
+              <a:buChar char="•"/>
+              <a:defRPr sz="2400" kern="1200">
+                <a:solidFill>
+                  <a:schemeClr val="tx1"/>
+                </a:solidFill>
+                <a:latin typeface="+mn-lt"/>
+                <a:ea typeface="+mn-ea"/>
+                <a:cs typeface="+mn-cs"/>
+              </a:defRPr>
+            </a:lvl2pPr>
+            <a:lvl3pPr marL="1143000" indent="-228600" algn="l" defTabSz="914400" rtl="0" eaLnBrk="1" latinLnBrk="0" hangingPunct="1">
+              <a:lnSpc>
+                <a:spcPct val="90000"/>
+              </a:lnSpc>
+              <a:spcBef>
+                <a:spcPts val="500"/>
+              </a:spcBef>
+              <a:buFont typeface="Arial" panose="020B0604020202020204" pitchFamily="34" charset="0"/>
+              <a:buChar char="•"/>
+              <a:defRPr sz="2000" kern="1200">
+                <a:solidFill>
+                  <a:schemeClr val="tx1"/>
+                </a:solidFill>
+                <a:latin typeface="+mn-lt"/>
+                <a:ea typeface="+mn-ea"/>
+                <a:cs typeface="+mn-cs"/>
+              </a:defRPr>
+            </a:lvl3pPr>
+            <a:lvl4pPr marL="1600200" indent="-228600" algn="l" defTabSz="914400" rtl="0" eaLnBrk="1" latinLnBrk="0" hangingPunct="1">
+              <a:lnSpc>
+                <a:spcPct val="90000"/>
+              </a:lnSpc>
+              <a:spcBef>
+                <a:spcPts val="500"/>
+              </a:spcBef>
+              <a:buFont typeface="Arial" panose="020B0604020202020204" pitchFamily="34" charset="0"/>
+              <a:buChar char="•"/>
+              <a:defRPr sz="1800" kern="1200">
+                <a:solidFill>
+                  <a:schemeClr val="tx1"/>
+                </a:solidFill>
+                <a:latin typeface="+mn-lt"/>
+                <a:ea typeface="+mn-ea"/>
+                <a:cs typeface="+mn-cs"/>
+              </a:defRPr>
+            </a:lvl4pPr>
+            <a:lvl5pPr marL="2057400" indent="-228600" algn="l" defTabSz="914400" rtl="0" eaLnBrk="1" latinLnBrk="0" hangingPunct="1">
+              <a:lnSpc>
+                <a:spcPct val="90000"/>
+              </a:lnSpc>
+              <a:spcBef>
+                <a:spcPts val="500"/>
+              </a:spcBef>
+              <a:buFont typeface="Arial" panose="020B0604020202020204" pitchFamily="34" charset="0"/>
+              <a:buChar char="•"/>
+              <a:defRPr sz="1800" kern="1200">
+                <a:solidFill>
+                  <a:schemeClr val="tx1"/>
+                </a:solidFill>
+                <a:latin typeface="+mn-lt"/>
+                <a:ea typeface="+mn-ea"/>
+                <a:cs typeface="+mn-cs"/>
+              </a:defRPr>
+            </a:lvl5pPr>
+            <a:lvl6pPr marL="2514600" indent="-228600" algn="l" defTabSz="914400" rtl="0" eaLnBrk="1" latinLnBrk="0" hangingPunct="1">
+              <a:lnSpc>
+                <a:spcPct val="90000"/>
+              </a:lnSpc>
+              <a:spcBef>
+                <a:spcPts val="500"/>
+              </a:spcBef>
+              <a:buFont typeface="Arial" panose="020B0604020202020204" pitchFamily="34" charset="0"/>
+              <a:buChar char="•"/>
+              <a:defRPr sz="1800" kern="1200">
+                <a:solidFill>
+                  <a:schemeClr val="tx1"/>
+                </a:solidFill>
+                <a:latin typeface="+mn-lt"/>
+                <a:ea typeface="+mn-ea"/>
+                <a:cs typeface="+mn-cs"/>
+              </a:defRPr>
+            </a:lvl6pPr>
+            <a:lvl7pPr marL="2971800" indent="-228600" algn="l" defTabSz="914400" rtl="0" eaLnBrk="1" latinLnBrk="0" hangingPunct="1">
+              <a:lnSpc>
+                <a:spcPct val="90000"/>
+              </a:lnSpc>
+              <a:spcBef>
+                <a:spcPts val="500"/>
+              </a:spcBef>
+              <a:buFont typeface="Arial" panose="020B0604020202020204" pitchFamily="34" charset="0"/>
+              <a:buChar char="•"/>
+              <a:defRPr sz="1800" kern="1200">
+                <a:solidFill>
+                  <a:schemeClr val="tx1"/>
+                </a:solidFill>
+                <a:latin typeface="+mn-lt"/>
+                <a:ea typeface="+mn-ea"/>
+                <a:cs typeface="+mn-cs"/>
+              </a:defRPr>
+            </a:lvl7pPr>
+            <a:lvl8pPr marL="3429000" indent="-228600" algn="l" defTabSz="914400" rtl="0" eaLnBrk="1" latinLnBrk="0" hangingPunct="1">
+              <a:lnSpc>
+                <a:spcPct val="90000"/>
+              </a:lnSpc>
+              <a:spcBef>
+                <a:spcPts val="500"/>
+              </a:spcBef>
+              <a:buFont typeface="Arial" panose="020B0604020202020204" pitchFamily="34" charset="0"/>
+              <a:buChar char="•"/>
+              <a:defRPr sz="1800" kern="1200">
+                <a:solidFill>
+                  <a:schemeClr val="tx1"/>
+                </a:solidFill>
+                <a:latin typeface="+mn-lt"/>
+                <a:ea typeface="+mn-ea"/>
+                <a:cs typeface="+mn-cs"/>
+              </a:defRPr>
+            </a:lvl8pPr>
+            <a:lvl9pPr marL="3886200" indent="-228600" algn="l" defTabSz="914400" rtl="0" eaLnBrk="1" latinLnBrk="0" hangingPunct="1">
+              <a:lnSpc>
+                <a:spcPct val="90000"/>
+              </a:lnSpc>
+              <a:spcBef>
+                <a:spcPts val="500"/>
+              </a:spcBef>
+              <a:buFont typeface="Arial" panose="020B0604020202020204" pitchFamily="34" charset="0"/>
+              <a:buChar char="•"/>
+              <a:defRPr sz="1800" kern="1200">
+                <a:solidFill>
+                  <a:schemeClr val="tx1"/>
+                </a:solidFill>
+                <a:latin typeface="+mn-lt"/>
+                <a:ea typeface="+mn-ea"/>
+                <a:cs typeface="+mn-cs"/>
+              </a:defRPr>
+            </a:lvl9pPr>
+          </a:lstStyle>
+          <a:p>
+            <a:pPr marL="0" indent="0">
+              <a:buNone/>
+            </a:pPr>
+            <a:r>
+              <a:rPr lang="en-US" dirty="0"/>
+              <a:t>Assume that our estimator is MLE:</a:t>
+            </a:r>
+          </a:p>
+        </p:txBody>
+      </p:sp>
+      <mc:AlternateContent xmlns:mc="http://schemas.openxmlformats.org/markup-compatibility/2006">
+        <mc:Choice xmlns:a14="http://schemas.microsoft.com/office/drawing/2010/main" Requires="a14">
+          <p:sp>
+            <p:nvSpPr>
+              <p:cNvPr id="6" name="TextBox 5">
+                <a:extLst>
+                  <a:ext uri="{FF2B5EF4-FFF2-40B4-BE49-F238E27FC236}">
+                    <a16:creationId xmlns:a16="http://schemas.microsoft.com/office/drawing/2014/main" id="{A6C4B18A-76C8-4A95-94AE-F6A52C6EA107}"/>
+                  </a:ext>
+                </a:extLst>
+              </p:cNvPr>
+              <p:cNvSpPr txBox="1"/>
+              <p:nvPr/>
+            </p:nvSpPr>
+            <p:spPr>
+              <a:xfrm>
+                <a:off x="4073009" y="4647099"/>
+                <a:ext cx="4045979" cy="667490"/>
+              </a:xfrm>
+              <a:prstGeom prst="rect">
+                <a:avLst/>
+              </a:prstGeom>
+              <a:noFill/>
+            </p:spPr>
+            <p:txBody>
+              <a:bodyPr wrap="none" lIns="0" tIns="0" rIns="0" bIns="0" rtlCol="0">
+                <a:spAutoFit/>
+              </a:bodyPr>
+              <a:lstStyle/>
+              <a:p>
+                <a:pPr/>
+                <a14:m>
+                  <m:oMathPara xmlns:m="http://schemas.openxmlformats.org/officeDocument/2006/math">
+                    <m:oMathParaPr>
+                      <m:jc m:val="centerGroup"/>
+                    </m:oMathParaPr>
+                    <m:oMath xmlns:m="http://schemas.openxmlformats.org/officeDocument/2006/math">
+                      <m:sSub>
+                        <m:sSubPr>
+                          <m:ctrlPr>
+                            <a:rPr lang="en-US" sz="2800" b="0" i="1" smtClean="0">
+                              <a:latin typeface="Cambria Math" panose="02040503050406030204" pitchFamily="18" charset="0"/>
+                              <a:ea typeface="Cambria Math" panose="02040503050406030204" pitchFamily="18" charset="0"/>
+                            </a:rPr>
+                          </m:ctrlPr>
+                        </m:sSubPr>
+                        <m:e>
+                          <m:acc>
+                            <m:accPr>
+                              <m:chr m:val="̂"/>
+                              <m:ctrlPr>
+                                <a:rPr lang="en-US" sz="2800" b="0" i="1" smtClean="0">
+                                  <a:latin typeface="Cambria Math" panose="02040503050406030204" pitchFamily="18" charset="0"/>
+                                  <a:ea typeface="Cambria Math" panose="02040503050406030204" pitchFamily="18" charset="0"/>
+                                </a:rPr>
+                              </m:ctrlPr>
+                            </m:accPr>
+                            <m:e>
+                              <m:r>
+                                <a:rPr lang="en-US" sz="2800" i="1">
+                                  <a:latin typeface="Cambria Math" panose="02040503050406030204" pitchFamily="18" charset="0"/>
+                                  <a:ea typeface="Cambria Math" panose="02040503050406030204" pitchFamily="18" charset="0"/>
+                                </a:rPr>
+                                <m:t>𝜃</m:t>
+                              </m:r>
+                            </m:e>
+                          </m:acc>
+                        </m:e>
+                        <m:sub>
+                          <m:r>
+                            <a:rPr lang="en-US" sz="2800" b="0" i="1" smtClean="0">
+                              <a:latin typeface="Cambria Math" panose="02040503050406030204" pitchFamily="18" charset="0"/>
+                              <a:ea typeface="Cambria Math" panose="02040503050406030204" pitchFamily="18" charset="0"/>
+                            </a:rPr>
+                            <m:t>𝑀𝐿𝐸</m:t>
+                          </m:r>
+                        </m:sub>
+                      </m:sSub>
+                      <m:d>
+                        <m:dPr>
+                          <m:ctrlPr>
+                            <a:rPr lang="en-US" sz="2800" b="0" i="1" smtClean="0">
+                              <a:latin typeface="Cambria Math" panose="02040503050406030204" pitchFamily="18" charset="0"/>
+                              <a:ea typeface="Cambria Math" panose="02040503050406030204" pitchFamily="18" charset="0"/>
+                            </a:rPr>
+                          </m:ctrlPr>
+                        </m:dPr>
+                        <m:e>
+                          <m:r>
+                            <a:rPr lang="en-US" sz="2800" b="0" i="1" smtClean="0">
+                              <a:latin typeface="Cambria Math" panose="02040503050406030204" pitchFamily="18" charset="0"/>
+                              <a:ea typeface="Cambria Math" panose="02040503050406030204" pitchFamily="18" charset="0"/>
+                            </a:rPr>
+                            <m:t>𝑥</m:t>
+                          </m:r>
+                        </m:e>
+                      </m:d>
+                      <m:r>
+                        <a:rPr lang="en-US" sz="2800" b="0" i="1" smtClean="0">
+                          <a:latin typeface="Cambria Math" panose="02040503050406030204" pitchFamily="18" charset="0"/>
+                          <a:ea typeface="Cambria Math" panose="02040503050406030204" pitchFamily="18" charset="0"/>
+                        </a:rPr>
+                        <m:t>=</m:t>
+                      </m:r>
+                      <m:func>
+                        <m:funcPr>
+                          <m:ctrlPr>
+                            <a:rPr lang="en-US" sz="2800" b="0" i="1" smtClean="0">
+                              <a:latin typeface="Cambria Math" panose="02040503050406030204" pitchFamily="18" charset="0"/>
+                              <a:ea typeface="Cambria Math" panose="02040503050406030204" pitchFamily="18" charset="0"/>
+                            </a:rPr>
+                          </m:ctrlPr>
+                        </m:funcPr>
+                        <m:fName>
+                          <m:limLow>
+                            <m:limLowPr>
+                              <m:ctrlPr>
+                                <a:rPr lang="en-US" sz="2800" b="0" i="1" smtClean="0">
+                                  <a:latin typeface="Cambria Math" panose="02040503050406030204" pitchFamily="18" charset="0"/>
+                                  <a:ea typeface="Cambria Math" panose="02040503050406030204" pitchFamily="18" charset="0"/>
+                                </a:rPr>
+                              </m:ctrlPr>
+                            </m:limLowPr>
+                            <m:e>
+                              <m:r>
+                                <m:rPr>
+                                  <m:sty m:val="p"/>
+                                </m:rPr>
+                                <a:rPr lang="en-US" sz="2800" b="0" i="0" smtClean="0">
+                                  <a:latin typeface="Cambria Math" panose="02040503050406030204" pitchFamily="18" charset="0"/>
+                                  <a:ea typeface="Cambria Math" panose="02040503050406030204" pitchFamily="18" charset="0"/>
+                                </a:rPr>
+                                <m:t>arg</m:t>
+                              </m:r>
+                              <m:r>
+                                <m:rPr>
+                                  <m:sty m:val="p"/>
+                                </m:rPr>
+                                <a:rPr lang="en-US" sz="2800" b="0" i="0" smtClean="0">
+                                  <a:latin typeface="Cambria Math" panose="02040503050406030204" pitchFamily="18" charset="0"/>
+                                  <a:ea typeface="Cambria Math" panose="02040503050406030204" pitchFamily="18" charset="0"/>
+                                </a:rPr>
+                                <m:t>max</m:t>
+                              </m:r>
+                            </m:e>
+                            <m:lim>
+                              <m:r>
+                                <a:rPr lang="en-US" sz="2800" i="1">
+                                  <a:latin typeface="Cambria Math" panose="02040503050406030204" pitchFamily="18" charset="0"/>
+                                  <a:ea typeface="Cambria Math" panose="02040503050406030204" pitchFamily="18" charset="0"/>
+                                </a:rPr>
+                                <m:t>𝜃</m:t>
+                              </m:r>
+                            </m:lim>
+                          </m:limLow>
+                        </m:fName>
+                        <m:e>
+                          <m:r>
+                            <a:rPr lang="en-US" sz="2800" i="1">
+                              <a:latin typeface="Cambria Math" panose="02040503050406030204" pitchFamily="18" charset="0"/>
+                              <a:ea typeface="Cambria Math" panose="02040503050406030204" pitchFamily="18" charset="0"/>
+                            </a:rPr>
+                            <m:t>𝑓</m:t>
+                          </m:r>
+                          <m:d>
+                            <m:dPr>
+                              <m:ctrlPr>
+                                <a:rPr lang="en-US" sz="2800" i="1">
+                                  <a:latin typeface="Cambria Math" panose="02040503050406030204" pitchFamily="18" charset="0"/>
+                                  <a:ea typeface="Cambria Math" panose="02040503050406030204" pitchFamily="18" charset="0"/>
+                                </a:rPr>
+                              </m:ctrlPr>
+                            </m:dPr>
+                            <m:e>
+                              <m:r>
+                                <a:rPr lang="en-US" sz="2800" i="1">
+                                  <a:latin typeface="Cambria Math" panose="02040503050406030204" pitchFamily="18" charset="0"/>
+                                  <a:ea typeface="Cambria Math" panose="02040503050406030204" pitchFamily="18" charset="0"/>
+                                </a:rPr>
+                                <m:t>𝑥</m:t>
+                              </m:r>
+                            </m:e>
+                            <m:e>
+                              <m:r>
+                                <a:rPr lang="en-US" sz="2800" i="1">
+                                  <a:latin typeface="Cambria Math" panose="02040503050406030204" pitchFamily="18" charset="0"/>
+                                  <a:ea typeface="Cambria Math" panose="02040503050406030204" pitchFamily="18" charset="0"/>
+                                </a:rPr>
+                                <m:t>𝜃</m:t>
+                              </m:r>
+                            </m:e>
+                          </m:d>
+                        </m:e>
+                      </m:func>
+                    </m:oMath>
+                  </m:oMathPara>
+                </a14:m>
+                <a:endParaRPr lang="en-US" sz="2800" dirty="0"/>
+              </a:p>
+            </p:txBody>
+          </p:sp>
+        </mc:Choice>
+        <mc:Fallback>
+          <p:sp>
+            <p:nvSpPr>
+              <p:cNvPr id="6" name="TextBox 5">
+                <a:extLst>
+                  <a:ext uri="{FF2B5EF4-FFF2-40B4-BE49-F238E27FC236}">
+                    <a16:creationId xmlns:a16="http://schemas.microsoft.com/office/drawing/2014/main" id="{A6C4B18A-76C8-4A95-94AE-F6A52C6EA107}"/>
+                  </a:ext>
+                </a:extLst>
+              </p:cNvPr>
+              <p:cNvSpPr txBox="1">
+                <a:spLocks noRot="1" noChangeAspect="1" noMove="1" noResize="1" noEditPoints="1" noAdjustHandles="1" noChangeArrowheads="1" noChangeShapeType="1" noTextEdit="1"/>
+              </p:cNvSpPr>
+              <p:nvPr/>
+            </p:nvSpPr>
+            <p:spPr>
+              <a:xfrm>
+                <a:off x="4073009" y="4647099"/>
+                <a:ext cx="4045979" cy="667490"/>
+              </a:xfrm>
+              <a:prstGeom prst="rect">
+                <a:avLst/>
+              </a:prstGeom>
+              <a:blipFill>
+                <a:blip r:embed="rId4"/>
+                <a:stretch>
+                  <a:fillRect/>
+                </a:stretch>
+              </a:blipFill>
+            </p:spPr>
+            <p:txBody>
+              <a:bodyPr/>
+              <a:lstStyle/>
+              <a:p>
+                <a:r>
+                  <a:rPr lang="en-US">
+                    <a:noFill/>
+                  </a:rPr>
+                  <a:t> </a:t>
+                </a:r>
+              </a:p>
+            </p:txBody>
+          </p:sp>
+        </mc:Fallback>
+      </mc:AlternateContent>
+    </p:spTree>
+    <p:extLst>
+      <p:ext uri="{BB962C8B-B14F-4D97-AF65-F5344CB8AC3E}">
+        <p14:creationId xmlns:p14="http://schemas.microsoft.com/office/powerpoint/2010/main" val="1770249990"/>
+      </p:ext>
+    </p:extLst>
+  </p:cSld>
+  <p:clrMapOvr>
+    <a:masterClrMapping/>
+  </p:clrMapOvr>
+</p:sld>
+</file>
+
+<file path=ppt/slides/slide26.xml><?xml version="1.0" encoding="utf-8"?>
+<p:sld xmlns:a="http://schemas.openxmlformats.org/drawingml/2006/main" xmlns:r="http://schemas.openxmlformats.org/officeDocument/2006/relationships" xmlns:p="http://schemas.openxmlformats.org/presentationml/2006/main">
+  <p:cSld>
+    <p:spTree>
+      <p:nvGrpSpPr>
+        <p:cNvPr id="1" name=""/>
+        <p:cNvGrpSpPr/>
+        <p:nvPr/>
+      </p:nvGrpSpPr>
+      <p:grpSpPr>
+        <a:xfrm>
+          <a:off x="0" y="0"/>
+          <a:ext cx="0" cy="0"/>
+          <a:chOff x="0" y="0"/>
+          <a:chExt cx="0" cy="0"/>
+        </a:xfrm>
+      </p:grpSpPr>
+      <p:sp>
+        <p:nvSpPr>
+          <p:cNvPr id="2" name="Title 1">
+            <a:extLst>
+              <a:ext uri="{FF2B5EF4-FFF2-40B4-BE49-F238E27FC236}">
+                <a16:creationId xmlns:a16="http://schemas.microsoft.com/office/drawing/2014/main" id="{67C38C9E-2404-4844-AD83-BC46C422FC97}"/>
+              </a:ext>
+            </a:extLst>
+          </p:cNvPr>
+          <p:cNvSpPr>
+            <a:spLocks noGrp="1"/>
+          </p:cNvSpPr>
+          <p:nvPr>
+            <p:ph type="title"/>
+          </p:nvPr>
+        </p:nvSpPr>
+        <p:spPr/>
+        <p:txBody>
+          <a:bodyPr/>
+          <a:lstStyle/>
+          <a:p>
+            <a:r>
+              <a:rPr lang="en-US" dirty="0"/>
+              <a:t>Maximum a posteriori estimation (MAP)</a:t>
+            </a:r>
+          </a:p>
+        </p:txBody>
+      </p:sp>
+      <mc:AlternateContent xmlns:mc="http://schemas.openxmlformats.org/markup-compatibility/2006">
+        <mc:Choice xmlns:a14="http://schemas.microsoft.com/office/drawing/2010/main" Requires="a14">
+          <p:sp>
+            <p:nvSpPr>
+              <p:cNvPr id="3" name="Content Placeholder 2">
+                <a:extLst>
+                  <a:ext uri="{FF2B5EF4-FFF2-40B4-BE49-F238E27FC236}">
+                    <a16:creationId xmlns:a16="http://schemas.microsoft.com/office/drawing/2014/main" id="{52390C27-BB61-4B0F-87B8-15E9BDFD2FAE}"/>
+                  </a:ext>
+                </a:extLst>
+              </p:cNvPr>
+              <p:cNvSpPr>
+                <a:spLocks noGrp="1"/>
+              </p:cNvSpPr>
+              <p:nvPr>
+                <p:ph idx="1"/>
+              </p:nvPr>
+            </p:nvSpPr>
+            <p:spPr>
+              <a:xfrm>
+                <a:off x="838199" y="2492809"/>
+                <a:ext cx="10515600" cy="1872382"/>
+              </a:xfrm>
+            </p:spPr>
+            <p:txBody>
+              <a:bodyPr>
+                <a:normAutofit/>
+              </a:bodyPr>
+              <a:lstStyle/>
+              <a:p>
+                <a14:m>
+                  <m:oMath xmlns:m="http://schemas.openxmlformats.org/officeDocument/2006/math">
+                    <m:r>
+                      <a:rPr lang="en-US" sz="2800" b="0" i="1" smtClean="0">
+                        <a:latin typeface="Cambria Math" panose="02040503050406030204" pitchFamily="18" charset="0"/>
+                        <a:ea typeface="Cambria Math" panose="02040503050406030204" pitchFamily="18" charset="0"/>
+                      </a:rPr>
+                      <m:t>𝜃</m:t>
+                    </m:r>
+                  </m:oMath>
+                </a14:m>
+                <a:r>
+                  <a:rPr lang="en-US" dirty="0"/>
+                  <a:t>: parameter</a:t>
+                </a:r>
+              </a:p>
+              <a:p>
+                <a14:m>
+                  <m:oMath xmlns:m="http://schemas.openxmlformats.org/officeDocument/2006/math">
+                    <m:r>
+                      <a:rPr lang="en-US" sz="2800" b="0" i="1" smtClean="0">
+                        <a:latin typeface="Cambria Math" panose="02040503050406030204" pitchFamily="18" charset="0"/>
+                        <a:ea typeface="Cambria Math" panose="02040503050406030204" pitchFamily="18" charset="0"/>
+                      </a:rPr>
+                      <m:t>𝑥</m:t>
+                    </m:r>
+                  </m:oMath>
+                </a14:m>
+                <a:r>
+                  <a:rPr lang="en-US" dirty="0"/>
+                  <a:t>: observations</a:t>
+                </a:r>
+              </a:p>
+              <a:p>
+                <a14:m>
+                  <m:oMath xmlns:m="http://schemas.openxmlformats.org/officeDocument/2006/math">
+                    <m:r>
+                      <a:rPr lang="en-US" sz="2800" b="0" i="1" smtClean="0">
+                        <a:latin typeface="Cambria Math" panose="02040503050406030204" pitchFamily="18" charset="0"/>
+                        <a:ea typeface="Cambria Math" panose="02040503050406030204" pitchFamily="18" charset="0"/>
+                      </a:rPr>
+                      <m:t>𝑓</m:t>
+                    </m:r>
+                    <m:d>
+                      <m:dPr>
+                        <m:ctrlPr>
+                          <a:rPr lang="en-US" sz="2800" b="0" i="1" smtClean="0">
+                            <a:latin typeface="Cambria Math" panose="02040503050406030204" pitchFamily="18" charset="0"/>
+                            <a:ea typeface="Cambria Math" panose="02040503050406030204" pitchFamily="18" charset="0"/>
+                          </a:rPr>
+                        </m:ctrlPr>
+                      </m:dPr>
+                      <m:e>
+                        <m:r>
+                          <a:rPr lang="en-US" sz="2800" b="0" i="1" smtClean="0">
+                            <a:latin typeface="Cambria Math" panose="02040503050406030204" pitchFamily="18" charset="0"/>
+                            <a:ea typeface="Cambria Math" panose="02040503050406030204" pitchFamily="18" charset="0"/>
+                          </a:rPr>
+                          <m:t>𝑥</m:t>
+                        </m:r>
+                      </m:e>
+                      <m:e>
+                        <m:r>
+                          <a:rPr lang="en-US" sz="2800" b="0" i="1" smtClean="0">
+                            <a:latin typeface="Cambria Math" panose="02040503050406030204" pitchFamily="18" charset="0"/>
+                            <a:ea typeface="Cambria Math" panose="02040503050406030204" pitchFamily="18" charset="0"/>
+                          </a:rPr>
+                          <m:t>𝜃</m:t>
+                        </m:r>
+                      </m:e>
+                    </m:d>
+                  </m:oMath>
+                </a14:m>
+                <a:r>
+                  <a:rPr lang="en-US" dirty="0"/>
+                  <a:t>: the probability of </a:t>
+                </a:r>
+                <a14:m>
+                  <m:oMath xmlns:m="http://schemas.openxmlformats.org/officeDocument/2006/math">
+                    <m:r>
+                      <a:rPr lang="en-US" i="1">
+                        <a:latin typeface="Cambria Math" panose="02040503050406030204" pitchFamily="18" charset="0"/>
+                        <a:ea typeface="Cambria Math" panose="02040503050406030204" pitchFamily="18" charset="0"/>
+                      </a:rPr>
+                      <m:t>𝑥</m:t>
+                    </m:r>
+                  </m:oMath>
+                </a14:m>
+                <a:r>
+                  <a:rPr lang="en-US" dirty="0"/>
+                  <a:t> when the underlying parameter </a:t>
+                </a:r>
+                <a14:m>
+                  <m:oMath xmlns:m="http://schemas.openxmlformats.org/officeDocument/2006/math">
+                    <m:r>
+                      <a:rPr lang="en-US" i="1">
+                        <a:latin typeface="Cambria Math" panose="02040503050406030204" pitchFamily="18" charset="0"/>
+                        <a:ea typeface="Cambria Math" panose="02040503050406030204" pitchFamily="18" charset="0"/>
+                      </a:rPr>
+                      <m:t>𝜃</m:t>
+                    </m:r>
+                  </m:oMath>
+                </a14:m>
+                <a:r>
+                  <a:rPr lang="en-US" dirty="0"/>
+                  <a:t>.</a:t>
+                </a:r>
+              </a:p>
+            </p:txBody>
+          </p:sp>
+        </mc:Choice>
+        <mc:Fallback>
+          <p:sp>
+            <p:nvSpPr>
+              <p:cNvPr id="3" name="Content Placeholder 2">
+                <a:extLst>
+                  <a:ext uri="{FF2B5EF4-FFF2-40B4-BE49-F238E27FC236}">
+                    <a16:creationId xmlns:a16="http://schemas.microsoft.com/office/drawing/2014/main" id="{52390C27-BB61-4B0F-87B8-15E9BDFD2FAE}"/>
+                  </a:ext>
+                </a:extLst>
+              </p:cNvPr>
+              <p:cNvSpPr>
+                <a:spLocks noGrp="1" noRot="1" noChangeAspect="1" noMove="1" noResize="1" noEditPoints="1" noAdjustHandles="1" noChangeArrowheads="1" noChangeShapeType="1" noTextEdit="1"/>
+              </p:cNvSpPr>
+              <p:nvPr>
+                <p:ph idx="1"/>
+              </p:nvPr>
+            </p:nvSpPr>
+            <p:spPr>
+              <a:xfrm>
+                <a:off x="838199" y="2492809"/>
+                <a:ext cx="10515600" cy="1872382"/>
+              </a:xfrm>
+              <a:blipFill>
+                <a:blip r:embed="rId2"/>
+                <a:stretch>
+                  <a:fillRect t="-5537"/>
+                </a:stretch>
+              </a:blipFill>
+            </p:spPr>
+            <p:txBody>
+              <a:bodyPr/>
+              <a:lstStyle/>
+              <a:p>
+                <a:r>
+                  <a:rPr lang="en-US">
+                    <a:noFill/>
+                  </a:rPr>
+                  <a:t> </a:t>
+                </a:r>
+              </a:p>
+            </p:txBody>
+          </p:sp>
+        </mc:Fallback>
+      </mc:AlternateContent>
+      <mc:AlternateContent xmlns:mc="http://schemas.openxmlformats.org/markup-compatibility/2006" xmlns:a14="http://schemas.microsoft.com/office/drawing/2010/main">
+        <mc:Choice Requires="a14">
+          <p:sp>
+            <p:nvSpPr>
+              <p:cNvPr id="4" name="TextBox 3">
+                <a:extLst>
+                  <a:ext uri="{FF2B5EF4-FFF2-40B4-BE49-F238E27FC236}">
+                    <a16:creationId xmlns:a16="http://schemas.microsoft.com/office/drawing/2014/main" id="{D823164A-644E-442E-8ACB-CB9A5C171395}"/>
+                  </a:ext>
+                </a:extLst>
+              </p:cNvPr>
+              <p:cNvSpPr txBox="1"/>
+              <p:nvPr/>
+            </p:nvSpPr>
+            <p:spPr>
+              <a:xfrm>
+                <a:off x="5176068" y="1690688"/>
+                <a:ext cx="1839863" cy="430887"/>
+              </a:xfrm>
+              <a:prstGeom prst="rect">
+                <a:avLst/>
+              </a:prstGeom>
+              <a:noFill/>
+            </p:spPr>
+            <p:txBody>
+              <a:bodyPr wrap="none" lIns="0" tIns="0" rIns="0" bIns="0" rtlCol="0">
+                <a:spAutoFit/>
+              </a:bodyPr>
+              <a:lstStyle/>
+              <a:p>
+                <a:pPr/>
+                <a14:m>
+                  <m:oMathPara xmlns:m="http://schemas.openxmlformats.org/officeDocument/2006/math">
+                    <m:oMathParaPr>
+                      <m:jc m:val="centerGroup"/>
+                    </m:oMathParaPr>
+                    <m:oMath xmlns:m="http://schemas.openxmlformats.org/officeDocument/2006/math">
+                      <m:r>
+                        <a:rPr lang="en-US" sz="2800" b="0" i="1" smtClean="0">
+                          <a:latin typeface="Cambria Math" panose="02040503050406030204" pitchFamily="18" charset="0"/>
+                          <a:ea typeface="Cambria Math" panose="02040503050406030204" pitchFamily="18" charset="0"/>
+                        </a:rPr>
+                        <m:t>𝜃</m:t>
+                      </m:r>
+                      <m:r>
+                        <a:rPr lang="en-US" sz="2800" i="1" smtClean="0">
+                          <a:latin typeface="Cambria Math" panose="02040503050406030204" pitchFamily="18" charset="0"/>
+                          <a:ea typeface="Cambria Math" panose="02040503050406030204" pitchFamily="18" charset="0"/>
+                        </a:rPr>
+                        <m:t>↦</m:t>
+                      </m:r>
+                      <m:r>
+                        <a:rPr lang="en-US" sz="2800" b="0" i="1" smtClean="0">
+                          <a:latin typeface="Cambria Math" panose="02040503050406030204" pitchFamily="18" charset="0"/>
+                          <a:ea typeface="Cambria Math" panose="02040503050406030204" pitchFamily="18" charset="0"/>
+                        </a:rPr>
+                        <m:t>𝑓</m:t>
+                      </m:r>
+                      <m:d>
+                        <m:dPr>
+                          <m:ctrlPr>
+                            <a:rPr lang="en-US" sz="2800" b="0" i="1" smtClean="0">
+                              <a:latin typeface="Cambria Math" panose="02040503050406030204" pitchFamily="18" charset="0"/>
+                              <a:ea typeface="Cambria Math" panose="02040503050406030204" pitchFamily="18" charset="0"/>
+                            </a:rPr>
+                          </m:ctrlPr>
+                        </m:dPr>
+                        <m:e>
+                          <m:r>
+                            <a:rPr lang="en-US" sz="2800" b="0" i="1" smtClean="0">
+                              <a:latin typeface="Cambria Math" panose="02040503050406030204" pitchFamily="18" charset="0"/>
+                              <a:ea typeface="Cambria Math" panose="02040503050406030204" pitchFamily="18" charset="0"/>
+                            </a:rPr>
+                            <m:t>𝑥</m:t>
+                          </m:r>
+                        </m:e>
+                        <m:e>
+                          <m:r>
+                            <a:rPr lang="en-US" sz="2800" b="0" i="1" smtClean="0">
+                              <a:latin typeface="Cambria Math" panose="02040503050406030204" pitchFamily="18" charset="0"/>
+                              <a:ea typeface="Cambria Math" panose="02040503050406030204" pitchFamily="18" charset="0"/>
+                            </a:rPr>
+                            <m:t>𝜃</m:t>
+                          </m:r>
+                        </m:e>
+                      </m:d>
+                    </m:oMath>
+                  </m:oMathPara>
+                </a14:m>
+                <a:endParaRPr lang="en-US" sz="2800" dirty="0"/>
+              </a:p>
+            </p:txBody>
+          </p:sp>
+        </mc:Choice>
+        <mc:Fallback xmlns="">
+          <p:sp>
+            <p:nvSpPr>
+              <p:cNvPr id="4" name="TextBox 3">
+                <a:extLst>
+                  <a:ext uri="{FF2B5EF4-FFF2-40B4-BE49-F238E27FC236}">
+                    <a16:creationId xmlns:a16="http://schemas.microsoft.com/office/drawing/2014/main" id="{D823164A-644E-442E-8ACB-CB9A5C171395}"/>
+                  </a:ext>
+                </a:extLst>
+              </p:cNvPr>
+              <p:cNvSpPr txBox="1">
+                <a:spLocks noRot="1" noChangeAspect="1" noMove="1" noResize="1" noEditPoints="1" noAdjustHandles="1" noChangeArrowheads="1" noChangeShapeType="1" noTextEdit="1"/>
+              </p:cNvSpPr>
+              <p:nvPr/>
+            </p:nvSpPr>
+            <p:spPr>
+              <a:xfrm>
+                <a:off x="5176068" y="1690688"/>
+                <a:ext cx="1839863" cy="430887"/>
+              </a:xfrm>
+              <a:prstGeom prst="rect">
+                <a:avLst/>
+              </a:prstGeom>
+              <a:blipFill>
+                <a:blip r:embed="rId3"/>
+                <a:stretch>
+                  <a:fillRect/>
+                </a:stretch>
+              </a:blipFill>
+            </p:spPr>
+            <p:txBody>
+              <a:bodyPr/>
+              <a:lstStyle/>
+              <a:p>
+                <a:r>
+                  <a:rPr lang="en-US">
+                    <a:noFill/>
+                  </a:rPr>
+                  <a:t> </a:t>
+                </a:r>
+              </a:p>
+            </p:txBody>
+          </p:sp>
+        </mc:Fallback>
+      </mc:AlternateContent>
+      <p:sp>
+        <p:nvSpPr>
+          <p:cNvPr id="5" name="Content Placeholder 2">
+            <a:extLst>
+              <a:ext uri="{FF2B5EF4-FFF2-40B4-BE49-F238E27FC236}">
+                <a16:creationId xmlns:a16="http://schemas.microsoft.com/office/drawing/2014/main" id="{30E01EB5-D5B8-4FEC-A56E-A1BF7990620B}"/>
+              </a:ext>
+            </a:extLst>
+          </p:cNvPr>
+          <p:cNvSpPr txBox="1">
+            <a:spLocks/>
+          </p:cNvSpPr>
+          <p:nvPr/>
+        </p:nvSpPr>
+        <p:spPr>
+          <a:xfrm>
+            <a:off x="838199" y="4083282"/>
+            <a:ext cx="10515600" cy="563817"/>
+          </a:xfrm>
+          <a:prstGeom prst="rect">
+            <a:avLst/>
+          </a:prstGeom>
+        </p:spPr>
+        <p:txBody>
+          <a:bodyPr vert="horz" lIns="91440" tIns="45720" rIns="91440" bIns="45720" rtlCol="0">
+            <a:normAutofit/>
+          </a:bodyPr>
+          <a:lstStyle>
+            <a:lvl1pPr marL="228600" indent="-228600" algn="l" defTabSz="914400" rtl="0" eaLnBrk="1" latinLnBrk="0" hangingPunct="1">
+              <a:lnSpc>
+                <a:spcPct val="90000"/>
+              </a:lnSpc>
+              <a:spcBef>
+                <a:spcPts val="1000"/>
+              </a:spcBef>
+              <a:buFont typeface="Arial" panose="020B0604020202020204" pitchFamily="34" charset="0"/>
+              <a:buChar char="•"/>
+              <a:defRPr sz="2800" kern="1200">
+                <a:solidFill>
+                  <a:schemeClr val="tx1"/>
+                </a:solidFill>
+                <a:latin typeface="+mn-lt"/>
+                <a:ea typeface="+mn-ea"/>
+                <a:cs typeface="+mn-cs"/>
+              </a:defRPr>
+            </a:lvl1pPr>
+            <a:lvl2pPr marL="685800" indent="-228600" algn="l" defTabSz="914400" rtl="0" eaLnBrk="1" latinLnBrk="0" hangingPunct="1">
+              <a:lnSpc>
+                <a:spcPct val="90000"/>
+              </a:lnSpc>
+              <a:spcBef>
+                <a:spcPts val="500"/>
+              </a:spcBef>
+              <a:buFont typeface="Arial" panose="020B0604020202020204" pitchFamily="34" charset="0"/>
+              <a:buChar char="•"/>
+              <a:defRPr sz="2400" kern="1200">
+                <a:solidFill>
+                  <a:schemeClr val="tx1"/>
+                </a:solidFill>
+                <a:latin typeface="+mn-lt"/>
+                <a:ea typeface="+mn-ea"/>
+                <a:cs typeface="+mn-cs"/>
+              </a:defRPr>
+            </a:lvl2pPr>
+            <a:lvl3pPr marL="1143000" indent="-228600" algn="l" defTabSz="914400" rtl="0" eaLnBrk="1" latinLnBrk="0" hangingPunct="1">
+              <a:lnSpc>
+                <a:spcPct val="90000"/>
+              </a:lnSpc>
+              <a:spcBef>
+                <a:spcPts val="500"/>
+              </a:spcBef>
+              <a:buFont typeface="Arial" panose="020B0604020202020204" pitchFamily="34" charset="0"/>
+              <a:buChar char="•"/>
+              <a:defRPr sz="2000" kern="1200">
+                <a:solidFill>
+                  <a:schemeClr val="tx1"/>
+                </a:solidFill>
+                <a:latin typeface="+mn-lt"/>
+                <a:ea typeface="+mn-ea"/>
+                <a:cs typeface="+mn-cs"/>
+              </a:defRPr>
+            </a:lvl3pPr>
+            <a:lvl4pPr marL="1600200" indent="-228600" algn="l" defTabSz="914400" rtl="0" eaLnBrk="1" latinLnBrk="0" hangingPunct="1">
+              <a:lnSpc>
+                <a:spcPct val="90000"/>
+              </a:lnSpc>
+              <a:spcBef>
+                <a:spcPts val="500"/>
+              </a:spcBef>
+              <a:buFont typeface="Arial" panose="020B0604020202020204" pitchFamily="34" charset="0"/>
+              <a:buChar char="•"/>
+              <a:defRPr sz="1800" kern="1200">
+                <a:solidFill>
+                  <a:schemeClr val="tx1"/>
+                </a:solidFill>
+                <a:latin typeface="+mn-lt"/>
+                <a:ea typeface="+mn-ea"/>
+                <a:cs typeface="+mn-cs"/>
+              </a:defRPr>
+            </a:lvl4pPr>
+            <a:lvl5pPr marL="2057400" indent="-228600" algn="l" defTabSz="914400" rtl="0" eaLnBrk="1" latinLnBrk="0" hangingPunct="1">
+              <a:lnSpc>
+                <a:spcPct val="90000"/>
+              </a:lnSpc>
+              <a:spcBef>
+                <a:spcPts val="500"/>
+              </a:spcBef>
+              <a:buFont typeface="Arial" panose="020B0604020202020204" pitchFamily="34" charset="0"/>
+              <a:buChar char="•"/>
+              <a:defRPr sz="1800" kern="1200">
+                <a:solidFill>
+                  <a:schemeClr val="tx1"/>
+                </a:solidFill>
+                <a:latin typeface="+mn-lt"/>
+                <a:ea typeface="+mn-ea"/>
+                <a:cs typeface="+mn-cs"/>
+              </a:defRPr>
+            </a:lvl5pPr>
+            <a:lvl6pPr marL="2514600" indent="-228600" algn="l" defTabSz="914400" rtl="0" eaLnBrk="1" latinLnBrk="0" hangingPunct="1">
+              <a:lnSpc>
+                <a:spcPct val="90000"/>
+              </a:lnSpc>
+              <a:spcBef>
+                <a:spcPts val="500"/>
+              </a:spcBef>
+              <a:buFont typeface="Arial" panose="020B0604020202020204" pitchFamily="34" charset="0"/>
+              <a:buChar char="•"/>
+              <a:defRPr sz="1800" kern="1200">
+                <a:solidFill>
+                  <a:schemeClr val="tx1"/>
+                </a:solidFill>
+                <a:latin typeface="+mn-lt"/>
+                <a:ea typeface="+mn-ea"/>
+                <a:cs typeface="+mn-cs"/>
+              </a:defRPr>
+            </a:lvl6pPr>
+            <a:lvl7pPr marL="2971800" indent="-228600" algn="l" defTabSz="914400" rtl="0" eaLnBrk="1" latinLnBrk="0" hangingPunct="1">
+              <a:lnSpc>
+                <a:spcPct val="90000"/>
+              </a:lnSpc>
+              <a:spcBef>
+                <a:spcPts val="500"/>
+              </a:spcBef>
+              <a:buFont typeface="Arial" panose="020B0604020202020204" pitchFamily="34" charset="0"/>
+              <a:buChar char="•"/>
+              <a:defRPr sz="1800" kern="1200">
+                <a:solidFill>
+                  <a:schemeClr val="tx1"/>
+                </a:solidFill>
+                <a:latin typeface="+mn-lt"/>
+                <a:ea typeface="+mn-ea"/>
+                <a:cs typeface="+mn-cs"/>
+              </a:defRPr>
+            </a:lvl7pPr>
+            <a:lvl8pPr marL="3429000" indent="-228600" algn="l" defTabSz="914400" rtl="0" eaLnBrk="1" latinLnBrk="0" hangingPunct="1">
+              <a:lnSpc>
+                <a:spcPct val="90000"/>
+              </a:lnSpc>
+              <a:spcBef>
+                <a:spcPts val="500"/>
+              </a:spcBef>
+              <a:buFont typeface="Arial" panose="020B0604020202020204" pitchFamily="34" charset="0"/>
+              <a:buChar char="•"/>
+              <a:defRPr sz="1800" kern="1200">
+                <a:solidFill>
+                  <a:schemeClr val="tx1"/>
+                </a:solidFill>
+                <a:latin typeface="+mn-lt"/>
+                <a:ea typeface="+mn-ea"/>
+                <a:cs typeface="+mn-cs"/>
+              </a:defRPr>
+            </a:lvl8pPr>
+            <a:lvl9pPr marL="3886200" indent="-228600" algn="l" defTabSz="914400" rtl="0" eaLnBrk="1" latinLnBrk="0" hangingPunct="1">
+              <a:lnSpc>
+                <a:spcPct val="90000"/>
+              </a:lnSpc>
+              <a:spcBef>
+                <a:spcPts val="500"/>
+              </a:spcBef>
+              <a:buFont typeface="Arial" panose="020B0604020202020204" pitchFamily="34" charset="0"/>
+              <a:buChar char="•"/>
+              <a:defRPr sz="1800" kern="1200">
+                <a:solidFill>
+                  <a:schemeClr val="tx1"/>
+                </a:solidFill>
+                <a:latin typeface="+mn-lt"/>
+                <a:ea typeface="+mn-ea"/>
+                <a:cs typeface="+mn-cs"/>
+              </a:defRPr>
+            </a:lvl9pPr>
+          </a:lstStyle>
+          <a:p>
+            <a:pPr marL="0" indent="0">
+              <a:buNone/>
+            </a:pPr>
+            <a:r>
+              <a:rPr lang="en-US" dirty="0"/>
+              <a:t>Assume that our estimator is MLE:</a:t>
+            </a:r>
+          </a:p>
+        </p:txBody>
+      </p:sp>
+      <mc:AlternateContent xmlns:mc="http://schemas.openxmlformats.org/markup-compatibility/2006">
+        <mc:Choice xmlns:a14="http://schemas.microsoft.com/office/drawing/2010/main" Requires="a14">
+          <p:sp>
+            <p:nvSpPr>
+              <p:cNvPr id="6" name="TextBox 5">
+                <a:extLst>
+                  <a:ext uri="{FF2B5EF4-FFF2-40B4-BE49-F238E27FC236}">
+                    <a16:creationId xmlns:a16="http://schemas.microsoft.com/office/drawing/2014/main" id="{A6C4B18A-76C8-4A95-94AE-F6A52C6EA107}"/>
+                  </a:ext>
+                </a:extLst>
+              </p:cNvPr>
+              <p:cNvSpPr txBox="1"/>
+              <p:nvPr/>
+            </p:nvSpPr>
+            <p:spPr>
+              <a:xfrm>
+                <a:off x="4073009" y="4647099"/>
+                <a:ext cx="4045979" cy="667490"/>
+              </a:xfrm>
+              <a:prstGeom prst="rect">
+                <a:avLst/>
+              </a:prstGeom>
+              <a:noFill/>
+            </p:spPr>
+            <p:txBody>
+              <a:bodyPr wrap="none" lIns="0" tIns="0" rIns="0" bIns="0" rtlCol="0">
+                <a:spAutoFit/>
+              </a:bodyPr>
+              <a:lstStyle/>
+              <a:p>
+                <a:pPr/>
+                <a14:m>
+                  <m:oMathPara xmlns:m="http://schemas.openxmlformats.org/officeDocument/2006/math">
+                    <m:oMathParaPr>
+                      <m:jc m:val="centerGroup"/>
+                    </m:oMathParaPr>
+                    <m:oMath xmlns:m="http://schemas.openxmlformats.org/officeDocument/2006/math">
+                      <m:sSub>
+                        <m:sSubPr>
+                          <m:ctrlPr>
+                            <a:rPr lang="en-US" sz="2800" b="0" i="1" smtClean="0">
+                              <a:latin typeface="Cambria Math" panose="02040503050406030204" pitchFamily="18" charset="0"/>
+                              <a:ea typeface="Cambria Math" panose="02040503050406030204" pitchFamily="18" charset="0"/>
+                            </a:rPr>
+                          </m:ctrlPr>
+                        </m:sSubPr>
+                        <m:e>
+                          <m:acc>
+                            <m:accPr>
+                              <m:chr m:val="̂"/>
+                              <m:ctrlPr>
+                                <a:rPr lang="en-US" sz="2800" b="0" i="1" smtClean="0">
+                                  <a:latin typeface="Cambria Math" panose="02040503050406030204" pitchFamily="18" charset="0"/>
+                                  <a:ea typeface="Cambria Math" panose="02040503050406030204" pitchFamily="18" charset="0"/>
+                                </a:rPr>
+                              </m:ctrlPr>
+                            </m:accPr>
+                            <m:e>
+                              <m:r>
+                                <a:rPr lang="en-US" sz="2800" i="1">
+                                  <a:latin typeface="Cambria Math" panose="02040503050406030204" pitchFamily="18" charset="0"/>
+                                  <a:ea typeface="Cambria Math" panose="02040503050406030204" pitchFamily="18" charset="0"/>
+                                </a:rPr>
+                                <m:t>𝜃</m:t>
+                              </m:r>
+                            </m:e>
+                          </m:acc>
+                        </m:e>
+                        <m:sub>
+                          <m:r>
+                            <a:rPr lang="en-US" sz="2800" b="0" i="1" smtClean="0">
+                              <a:latin typeface="Cambria Math" panose="02040503050406030204" pitchFamily="18" charset="0"/>
+                              <a:ea typeface="Cambria Math" panose="02040503050406030204" pitchFamily="18" charset="0"/>
+                            </a:rPr>
+                            <m:t>𝑀𝐿𝐸</m:t>
+                          </m:r>
+                        </m:sub>
+                      </m:sSub>
+                      <m:d>
+                        <m:dPr>
+                          <m:ctrlPr>
+                            <a:rPr lang="en-US" sz="2800" b="0" i="1" smtClean="0">
+                              <a:latin typeface="Cambria Math" panose="02040503050406030204" pitchFamily="18" charset="0"/>
+                              <a:ea typeface="Cambria Math" panose="02040503050406030204" pitchFamily="18" charset="0"/>
+                            </a:rPr>
+                          </m:ctrlPr>
+                        </m:dPr>
+                        <m:e>
+                          <m:r>
+                            <a:rPr lang="en-US" sz="2800" b="0" i="1" smtClean="0">
+                              <a:latin typeface="Cambria Math" panose="02040503050406030204" pitchFamily="18" charset="0"/>
+                              <a:ea typeface="Cambria Math" panose="02040503050406030204" pitchFamily="18" charset="0"/>
+                            </a:rPr>
+                            <m:t>𝑥</m:t>
+                          </m:r>
+                        </m:e>
+                      </m:d>
+                      <m:r>
+                        <a:rPr lang="en-US" sz="2800" b="0" i="1" smtClean="0">
+                          <a:latin typeface="Cambria Math" panose="02040503050406030204" pitchFamily="18" charset="0"/>
+                          <a:ea typeface="Cambria Math" panose="02040503050406030204" pitchFamily="18" charset="0"/>
+                        </a:rPr>
+                        <m:t>=</m:t>
+                      </m:r>
+                      <m:func>
+                        <m:funcPr>
+                          <m:ctrlPr>
+                            <a:rPr lang="en-US" sz="2800" b="0" i="1" smtClean="0">
+                              <a:latin typeface="Cambria Math" panose="02040503050406030204" pitchFamily="18" charset="0"/>
+                              <a:ea typeface="Cambria Math" panose="02040503050406030204" pitchFamily="18" charset="0"/>
+                            </a:rPr>
+                          </m:ctrlPr>
+                        </m:funcPr>
+                        <m:fName>
+                          <m:limLow>
+                            <m:limLowPr>
+                              <m:ctrlPr>
+                                <a:rPr lang="en-US" sz="2800" b="0" i="1" smtClean="0">
+                                  <a:latin typeface="Cambria Math" panose="02040503050406030204" pitchFamily="18" charset="0"/>
+                                  <a:ea typeface="Cambria Math" panose="02040503050406030204" pitchFamily="18" charset="0"/>
+                                </a:rPr>
+                              </m:ctrlPr>
+                            </m:limLowPr>
+                            <m:e>
+                              <m:r>
+                                <m:rPr>
+                                  <m:sty m:val="p"/>
+                                </m:rPr>
+                                <a:rPr lang="en-US" sz="2800" b="0" i="0" smtClean="0">
+                                  <a:latin typeface="Cambria Math" panose="02040503050406030204" pitchFamily="18" charset="0"/>
+                                  <a:ea typeface="Cambria Math" panose="02040503050406030204" pitchFamily="18" charset="0"/>
+                                </a:rPr>
+                                <m:t>arg</m:t>
+                              </m:r>
+                              <m:r>
+                                <m:rPr>
+                                  <m:sty m:val="p"/>
+                                </m:rPr>
+                                <a:rPr lang="en-US" sz="2800" b="0" i="0" smtClean="0">
+                                  <a:latin typeface="Cambria Math" panose="02040503050406030204" pitchFamily="18" charset="0"/>
+                                  <a:ea typeface="Cambria Math" panose="02040503050406030204" pitchFamily="18" charset="0"/>
+                                </a:rPr>
+                                <m:t>max</m:t>
+                              </m:r>
+                            </m:e>
+                            <m:lim>
+                              <m:r>
+                                <a:rPr lang="en-US" sz="2800" i="1">
+                                  <a:latin typeface="Cambria Math" panose="02040503050406030204" pitchFamily="18" charset="0"/>
+                                  <a:ea typeface="Cambria Math" panose="02040503050406030204" pitchFamily="18" charset="0"/>
+                                </a:rPr>
+                                <m:t>𝜃</m:t>
+                              </m:r>
+                            </m:lim>
+                          </m:limLow>
+                        </m:fName>
+                        <m:e>
+                          <m:r>
+                            <a:rPr lang="en-US" sz="2800" i="1">
+                              <a:latin typeface="Cambria Math" panose="02040503050406030204" pitchFamily="18" charset="0"/>
+                              <a:ea typeface="Cambria Math" panose="02040503050406030204" pitchFamily="18" charset="0"/>
+                            </a:rPr>
+                            <m:t>𝑓</m:t>
+                          </m:r>
+                          <m:d>
+                            <m:dPr>
+                              <m:ctrlPr>
+                                <a:rPr lang="en-US" sz="2800" i="1">
+                                  <a:latin typeface="Cambria Math" panose="02040503050406030204" pitchFamily="18" charset="0"/>
+                                  <a:ea typeface="Cambria Math" panose="02040503050406030204" pitchFamily="18" charset="0"/>
+                                </a:rPr>
+                              </m:ctrlPr>
+                            </m:dPr>
+                            <m:e>
+                              <m:r>
+                                <a:rPr lang="en-US" sz="2800" i="1">
+                                  <a:latin typeface="Cambria Math" panose="02040503050406030204" pitchFamily="18" charset="0"/>
+                                  <a:ea typeface="Cambria Math" panose="02040503050406030204" pitchFamily="18" charset="0"/>
+                                </a:rPr>
+                                <m:t>𝑥</m:t>
+                              </m:r>
+                            </m:e>
+                            <m:e>
+                              <m:r>
+                                <a:rPr lang="en-US" sz="2800" i="1">
+                                  <a:latin typeface="Cambria Math" panose="02040503050406030204" pitchFamily="18" charset="0"/>
+                                  <a:ea typeface="Cambria Math" panose="02040503050406030204" pitchFamily="18" charset="0"/>
+                                </a:rPr>
+                                <m:t>𝜃</m:t>
+                              </m:r>
+                            </m:e>
+                          </m:d>
+                        </m:e>
+                      </m:func>
+                    </m:oMath>
+                  </m:oMathPara>
+                </a14:m>
+                <a:endParaRPr lang="en-US" sz="2800" dirty="0"/>
+              </a:p>
+            </p:txBody>
+          </p:sp>
+        </mc:Choice>
+        <mc:Fallback>
+          <p:sp>
+            <p:nvSpPr>
+              <p:cNvPr id="6" name="TextBox 5">
+                <a:extLst>
+                  <a:ext uri="{FF2B5EF4-FFF2-40B4-BE49-F238E27FC236}">
+                    <a16:creationId xmlns:a16="http://schemas.microsoft.com/office/drawing/2014/main" id="{A6C4B18A-76C8-4A95-94AE-F6A52C6EA107}"/>
+                  </a:ext>
+                </a:extLst>
+              </p:cNvPr>
+              <p:cNvSpPr txBox="1">
+                <a:spLocks noRot="1" noChangeAspect="1" noMove="1" noResize="1" noEditPoints="1" noAdjustHandles="1" noChangeArrowheads="1" noChangeShapeType="1" noTextEdit="1"/>
+              </p:cNvSpPr>
+              <p:nvPr/>
+            </p:nvSpPr>
+            <p:spPr>
+              <a:xfrm>
+                <a:off x="4073009" y="4647099"/>
+                <a:ext cx="4045979" cy="667490"/>
+              </a:xfrm>
+              <a:prstGeom prst="rect">
+                <a:avLst/>
+              </a:prstGeom>
+              <a:blipFill>
+                <a:blip r:embed="rId4"/>
+                <a:stretch>
+                  <a:fillRect/>
+                </a:stretch>
+              </a:blipFill>
+            </p:spPr>
+            <p:txBody>
+              <a:bodyPr/>
+              <a:lstStyle/>
+              <a:p>
+                <a:r>
+                  <a:rPr lang="en-US">
+                    <a:noFill/>
+                  </a:rPr>
+                  <a:t> </a:t>
+                </a:r>
+              </a:p>
+            </p:txBody>
+          </p:sp>
+        </mc:Fallback>
+      </mc:AlternateContent>
+    </p:spTree>
+    <p:extLst>
+      <p:ext uri="{BB962C8B-B14F-4D97-AF65-F5344CB8AC3E}">
+        <p14:creationId xmlns:p14="http://schemas.microsoft.com/office/powerpoint/2010/main" val="3890062939"/>
+      </p:ext>
+    </p:extLst>
+  </p:cSld>
+  <p:clrMapOvr>
+    <a:masterClrMapping/>
+  </p:clrMapOvr>
+</p:sld>
+</file>
+
+<file path=ppt/slides/slide27.xml><?xml version="1.0" encoding="utf-8"?>
+<p:sld xmlns:a="http://schemas.openxmlformats.org/drawingml/2006/main" xmlns:r="http://schemas.openxmlformats.org/officeDocument/2006/relationships" xmlns:p="http://schemas.openxmlformats.org/presentationml/2006/main">
+  <p:cSld>
+    <p:spTree>
+      <p:nvGrpSpPr>
+        <p:cNvPr id="1" name=""/>
+        <p:cNvGrpSpPr/>
+        <p:nvPr/>
+      </p:nvGrpSpPr>
+      <p:grpSpPr>
+        <a:xfrm>
+          <a:off x="0" y="0"/>
+          <a:ext cx="0" cy="0"/>
+          <a:chOff x="0" y="0"/>
+          <a:chExt cx="0" cy="0"/>
+        </a:xfrm>
+      </p:grpSpPr>
+      <p:sp>
+        <p:nvSpPr>
+          <p:cNvPr id="2" name="Title 1">
+            <a:extLst>
+              <a:ext uri="{FF2B5EF4-FFF2-40B4-BE49-F238E27FC236}">
+                <a16:creationId xmlns:a16="http://schemas.microsoft.com/office/drawing/2014/main" id="{F81F99B6-30C1-42F2-B9C6-FB00C5147D79}"/>
+              </a:ext>
+            </a:extLst>
+          </p:cNvPr>
+          <p:cNvSpPr>
+            <a:spLocks noGrp="1"/>
+          </p:cNvSpPr>
+          <p:nvPr>
+            <p:ph type="title"/>
+          </p:nvPr>
+        </p:nvSpPr>
+        <p:spPr/>
+        <p:txBody>
+          <a:bodyPr/>
+          <a:lstStyle/>
+          <a:p>
+            <a:r>
+              <a:rPr lang="en-US" dirty="0"/>
+              <a:t>MAP</a:t>
+            </a:r>
+          </a:p>
+        </p:txBody>
+      </p:sp>
+      <mc:AlternateContent xmlns:mc="http://schemas.openxmlformats.org/markup-compatibility/2006">
+        <mc:Choice xmlns:a14="http://schemas.microsoft.com/office/drawing/2010/main" Requires="a14">
+          <p:sp>
+            <p:nvSpPr>
+              <p:cNvPr id="4" name="TextBox 3">
+                <a:extLst>
+                  <a:ext uri="{FF2B5EF4-FFF2-40B4-BE49-F238E27FC236}">
+                    <a16:creationId xmlns:a16="http://schemas.microsoft.com/office/drawing/2014/main" id="{217F8B7D-EE1D-40E1-B813-856CE4F8B75C}"/>
+                  </a:ext>
+                </a:extLst>
+              </p:cNvPr>
+              <p:cNvSpPr txBox="1"/>
+              <p:nvPr/>
+            </p:nvSpPr>
+            <p:spPr>
+              <a:xfrm>
+                <a:off x="1879012" y="2869584"/>
+                <a:ext cx="8433975" cy="1118832"/>
+              </a:xfrm>
+              <a:prstGeom prst="rect">
+                <a:avLst/>
+              </a:prstGeom>
+              <a:noFill/>
+            </p:spPr>
+            <p:txBody>
+              <a:bodyPr wrap="none" lIns="0" tIns="0" rIns="0" bIns="0" rtlCol="0">
+                <a:spAutoFit/>
+              </a:bodyPr>
+              <a:lstStyle/>
+              <a:p>
+                <a:pPr/>
+                <a14:m>
+                  <m:oMathPara xmlns:m="http://schemas.openxmlformats.org/officeDocument/2006/math">
+                    <m:oMathParaPr>
+                      <m:jc m:val="centerGroup"/>
+                    </m:oMathParaPr>
+                    <m:oMath xmlns:m="http://schemas.openxmlformats.org/officeDocument/2006/math">
+                      <m:r>
+                        <a:rPr lang="en-US" sz="2800" b="0" i="1" smtClean="0">
+                          <a:latin typeface="Cambria Math" panose="02040503050406030204" pitchFamily="18" charset="0"/>
+                          <a:ea typeface="Cambria Math" panose="02040503050406030204" pitchFamily="18" charset="0"/>
+                        </a:rPr>
+                        <m:t>𝜃</m:t>
+                      </m:r>
+                      <m:r>
+                        <a:rPr lang="en-US" sz="2800" i="1" smtClean="0">
+                          <a:latin typeface="Cambria Math" panose="02040503050406030204" pitchFamily="18" charset="0"/>
+                          <a:ea typeface="Cambria Math" panose="02040503050406030204" pitchFamily="18" charset="0"/>
+                        </a:rPr>
+                        <m:t>↦</m:t>
+                      </m:r>
+                      <m:r>
+                        <a:rPr lang="en-US" sz="2800" b="0" i="1" smtClean="0">
+                          <a:latin typeface="Cambria Math" panose="02040503050406030204" pitchFamily="18" charset="0"/>
+                          <a:ea typeface="Cambria Math" panose="02040503050406030204" pitchFamily="18" charset="0"/>
+                        </a:rPr>
+                        <m:t>𝑓</m:t>
+                      </m:r>
+                      <m:d>
+                        <m:dPr>
+                          <m:ctrlPr>
+                            <a:rPr lang="en-US" sz="2800" b="0" i="1" smtClean="0">
+                              <a:latin typeface="Cambria Math" panose="02040503050406030204" pitchFamily="18" charset="0"/>
+                              <a:ea typeface="Cambria Math" panose="02040503050406030204" pitchFamily="18" charset="0"/>
+                            </a:rPr>
+                          </m:ctrlPr>
+                        </m:dPr>
+                        <m:e>
+                          <m:r>
+                            <a:rPr lang="en-US" sz="2800" b="0" i="1" smtClean="0">
+                              <a:latin typeface="Cambria Math" panose="02040503050406030204" pitchFamily="18" charset="0"/>
+                              <a:ea typeface="Cambria Math" panose="02040503050406030204" pitchFamily="18" charset="0"/>
+                            </a:rPr>
+                            <m:t>𝑥</m:t>
+                          </m:r>
+                        </m:e>
+                        <m:e>
+                          <m:r>
+                            <a:rPr lang="en-US" sz="2800" b="0" i="1" smtClean="0">
+                              <a:latin typeface="Cambria Math" panose="02040503050406030204" pitchFamily="18" charset="0"/>
+                              <a:ea typeface="Cambria Math" panose="02040503050406030204" pitchFamily="18" charset="0"/>
+                            </a:rPr>
+                            <m:t>𝜃</m:t>
+                          </m:r>
+                        </m:e>
+                      </m:d>
+                      <m:r>
+                        <a:rPr lang="en-US" sz="2800" b="0" i="1" smtClean="0">
+                          <a:latin typeface="Cambria Math" panose="02040503050406030204" pitchFamily="18" charset="0"/>
+                          <a:ea typeface="Cambria Math" panose="02040503050406030204" pitchFamily="18" charset="0"/>
+                        </a:rPr>
+                        <m:t>=</m:t>
+                      </m:r>
+                      <m:f>
+                        <m:fPr>
+                          <m:ctrlPr>
+                            <a:rPr lang="en-US" sz="2800" b="0" i="1" smtClean="0">
+                              <a:latin typeface="Cambria Math" panose="02040503050406030204" pitchFamily="18" charset="0"/>
+                              <a:ea typeface="Cambria Math" panose="02040503050406030204" pitchFamily="18" charset="0"/>
+                            </a:rPr>
+                          </m:ctrlPr>
+                        </m:fPr>
+                        <m:num>
+                          <m:r>
+                            <a:rPr lang="en-US" sz="2800" i="1">
+                              <a:latin typeface="Cambria Math" panose="02040503050406030204" pitchFamily="18" charset="0"/>
+                              <a:ea typeface="Cambria Math" panose="02040503050406030204" pitchFamily="18" charset="0"/>
+                            </a:rPr>
+                            <m:t>𝑓</m:t>
+                          </m:r>
+                          <m:d>
+                            <m:dPr>
+                              <m:ctrlPr>
+                                <a:rPr lang="en-US" sz="2800" i="1">
+                                  <a:latin typeface="Cambria Math" panose="02040503050406030204" pitchFamily="18" charset="0"/>
+                                  <a:ea typeface="Cambria Math" panose="02040503050406030204" pitchFamily="18" charset="0"/>
+                                </a:rPr>
+                              </m:ctrlPr>
+                            </m:dPr>
+                            <m:e>
+                              <m:r>
+                                <a:rPr lang="en-US" sz="2800" i="1">
+                                  <a:latin typeface="Cambria Math" panose="02040503050406030204" pitchFamily="18" charset="0"/>
+                                  <a:ea typeface="Cambria Math" panose="02040503050406030204" pitchFamily="18" charset="0"/>
+                                </a:rPr>
+                                <m:t>𝑥</m:t>
+                              </m:r>
+                            </m:e>
+                            <m:e>
+                              <m:r>
+                                <a:rPr lang="en-US" sz="2800" i="1">
+                                  <a:latin typeface="Cambria Math" panose="02040503050406030204" pitchFamily="18" charset="0"/>
+                                  <a:ea typeface="Cambria Math" panose="02040503050406030204" pitchFamily="18" charset="0"/>
+                                </a:rPr>
+                                <m:t>𝜃</m:t>
+                              </m:r>
+                            </m:e>
+                          </m:d>
+                          <m:r>
+                            <a:rPr lang="en-US" sz="2800" b="0" i="1" smtClean="0">
+                              <a:latin typeface="Cambria Math" panose="02040503050406030204" pitchFamily="18" charset="0"/>
+                              <a:ea typeface="Cambria Math" panose="02040503050406030204" pitchFamily="18" charset="0"/>
+                            </a:rPr>
+                            <m:t>𝑔</m:t>
+                          </m:r>
+                          <m:d>
+                            <m:dPr>
+                              <m:ctrlPr>
+                                <a:rPr lang="en-US" sz="2800" b="0" i="1" smtClean="0">
+                                  <a:latin typeface="Cambria Math" panose="02040503050406030204" pitchFamily="18" charset="0"/>
+                                  <a:ea typeface="Cambria Math" panose="02040503050406030204" pitchFamily="18" charset="0"/>
+                                </a:rPr>
+                              </m:ctrlPr>
+                            </m:dPr>
+                            <m:e>
+                              <m:r>
+                                <a:rPr lang="en-US" sz="2800" b="0" i="1" smtClean="0">
+                                  <a:latin typeface="Cambria Math" panose="02040503050406030204" pitchFamily="18" charset="0"/>
+                                  <a:ea typeface="Cambria Math" panose="02040503050406030204" pitchFamily="18" charset="0"/>
+                                </a:rPr>
+                                <m:t>𝜃</m:t>
+                              </m:r>
+                            </m:e>
+                          </m:d>
+                        </m:num>
+                        <m:den>
+                          <m:nary>
+                            <m:naryPr>
+                              <m:ctrlPr>
+                                <a:rPr lang="en-US" sz="2800" b="0" i="1" smtClean="0">
+                                  <a:latin typeface="Cambria Math" panose="02040503050406030204" pitchFamily="18" charset="0"/>
+                                  <a:ea typeface="Cambria Math" panose="02040503050406030204" pitchFamily="18" charset="0"/>
+                                </a:rPr>
+                              </m:ctrlPr>
+                            </m:naryPr>
+                            <m:sub>
+                              <m:r>
+                                <m:rPr>
+                                  <m:sty m:val="p"/>
+                                  <m:brk m:alnAt="23"/>
+                                </m:rPr>
+                                <a:rPr lang="el-GR" sz="2800" b="0" i="1" smtClean="0">
+                                  <a:latin typeface="Cambria Math" panose="02040503050406030204" pitchFamily="18" charset="0"/>
+                                  <a:ea typeface="Cambria Math" panose="02040503050406030204" pitchFamily="18" charset="0"/>
+                                </a:rPr>
+                                <m:t>Θ</m:t>
+                              </m:r>
+                            </m:sub>
+                            <m:sup/>
+                            <m:e>
+                              <m:r>
+                                <a:rPr lang="en-US" sz="2800" i="1">
+                                  <a:latin typeface="Cambria Math" panose="02040503050406030204" pitchFamily="18" charset="0"/>
+                                  <a:ea typeface="Cambria Math" panose="02040503050406030204" pitchFamily="18" charset="0"/>
+                                </a:rPr>
+                                <m:t>𝑓</m:t>
+                              </m:r>
+                              <m:d>
+                                <m:dPr>
+                                  <m:ctrlPr>
+                                    <a:rPr lang="en-US" sz="2800" i="1">
+                                      <a:latin typeface="Cambria Math" panose="02040503050406030204" pitchFamily="18" charset="0"/>
+                                      <a:ea typeface="Cambria Math" panose="02040503050406030204" pitchFamily="18" charset="0"/>
+                                    </a:rPr>
+                                  </m:ctrlPr>
+                                </m:dPr>
+                                <m:e>
+                                  <m:r>
+                                    <a:rPr lang="en-US" sz="2800" i="1">
+                                      <a:latin typeface="Cambria Math" panose="02040503050406030204" pitchFamily="18" charset="0"/>
+                                      <a:ea typeface="Cambria Math" panose="02040503050406030204" pitchFamily="18" charset="0"/>
+                                    </a:rPr>
+                                    <m:t>𝑥</m:t>
+                                  </m:r>
+                                </m:e>
+                                <m:e>
+                                  <m:r>
+                                    <a:rPr lang="en-US" sz="2800" b="0" i="1" smtClean="0">
+                                      <a:latin typeface="Cambria Math" panose="02040503050406030204" pitchFamily="18" charset="0"/>
+                                      <a:ea typeface="Cambria Math" panose="02040503050406030204" pitchFamily="18" charset="0"/>
+                                    </a:rPr>
+                                    <m:t>𝑣</m:t>
+                                  </m:r>
+                                </m:e>
+                              </m:d>
+                              <m:r>
+                                <a:rPr lang="en-US" sz="2800" i="1">
+                                  <a:latin typeface="Cambria Math" panose="02040503050406030204" pitchFamily="18" charset="0"/>
+                                  <a:ea typeface="Cambria Math" panose="02040503050406030204" pitchFamily="18" charset="0"/>
+                                </a:rPr>
+                                <m:t>𝑔</m:t>
+                              </m:r>
+                              <m:d>
+                                <m:dPr>
+                                  <m:ctrlPr>
+                                    <a:rPr lang="en-US" sz="2800" i="1">
+                                      <a:latin typeface="Cambria Math" panose="02040503050406030204" pitchFamily="18" charset="0"/>
+                                      <a:ea typeface="Cambria Math" panose="02040503050406030204" pitchFamily="18" charset="0"/>
+                                    </a:rPr>
+                                  </m:ctrlPr>
+                                </m:dPr>
+                                <m:e>
+                                  <m:r>
+                                    <a:rPr lang="en-US" sz="2800" b="0" i="1" smtClean="0">
+                                      <a:latin typeface="Cambria Math" panose="02040503050406030204" pitchFamily="18" charset="0"/>
+                                      <a:ea typeface="Cambria Math" panose="02040503050406030204" pitchFamily="18" charset="0"/>
+                                    </a:rPr>
+                                    <m:t>𝑣</m:t>
+                                  </m:r>
+                                </m:e>
+                              </m:d>
+                              <m:r>
+                                <a:rPr lang="en-US" sz="2800" b="0" i="1" smtClean="0">
+                                  <a:latin typeface="Cambria Math" panose="02040503050406030204" pitchFamily="18" charset="0"/>
+                                  <a:ea typeface="Cambria Math" panose="02040503050406030204" pitchFamily="18" charset="0"/>
+                                </a:rPr>
+                                <m:t>𝑑𝑣</m:t>
+                              </m:r>
+                            </m:e>
+                          </m:nary>
+                        </m:den>
+                      </m:f>
+                      <m:r>
+                        <a:rPr lang="en-US" sz="2800" b="0" i="1" smtClean="0">
+                          <a:latin typeface="Cambria Math" panose="02040503050406030204" pitchFamily="18" charset="0"/>
+                          <a:ea typeface="Cambria Math" panose="02040503050406030204" pitchFamily="18" charset="0"/>
+                        </a:rPr>
+                        <m:t>=</m:t>
+                      </m:r>
+                      <m:func>
+                        <m:funcPr>
+                          <m:ctrlPr>
+                            <a:rPr lang="en-US" sz="2800" i="1">
+                              <a:latin typeface="Cambria Math" panose="02040503050406030204" pitchFamily="18" charset="0"/>
+                              <a:ea typeface="Cambria Math" panose="02040503050406030204" pitchFamily="18" charset="0"/>
+                            </a:rPr>
+                          </m:ctrlPr>
+                        </m:funcPr>
+                        <m:fName>
+                          <m:limLow>
+                            <m:limLowPr>
+                              <m:ctrlPr>
+                                <a:rPr lang="en-US" sz="2800" i="1">
+                                  <a:latin typeface="Cambria Math" panose="02040503050406030204" pitchFamily="18" charset="0"/>
+                                  <a:ea typeface="Cambria Math" panose="02040503050406030204" pitchFamily="18" charset="0"/>
+                                </a:rPr>
+                              </m:ctrlPr>
+                            </m:limLowPr>
+                            <m:e>
+                              <m:r>
+                                <m:rPr>
+                                  <m:sty m:val="p"/>
+                                </m:rPr>
+                                <a:rPr lang="en-US" sz="2800">
+                                  <a:latin typeface="Cambria Math" panose="02040503050406030204" pitchFamily="18" charset="0"/>
+                                  <a:ea typeface="Cambria Math" panose="02040503050406030204" pitchFamily="18" charset="0"/>
+                                </a:rPr>
+                                <m:t>argmax</m:t>
+                              </m:r>
+                            </m:e>
+                            <m:lim>
+                              <m:r>
+                                <a:rPr lang="en-US" sz="2800" i="1">
+                                  <a:latin typeface="Cambria Math" panose="02040503050406030204" pitchFamily="18" charset="0"/>
+                                  <a:ea typeface="Cambria Math" panose="02040503050406030204" pitchFamily="18" charset="0"/>
+                                </a:rPr>
+                                <m:t>𝜃</m:t>
+                              </m:r>
+                            </m:lim>
+                          </m:limLow>
+                        </m:fName>
+                        <m:e>
+                          <m:r>
+                            <a:rPr lang="en-US" sz="2800" i="1">
+                              <a:latin typeface="Cambria Math" panose="02040503050406030204" pitchFamily="18" charset="0"/>
+                              <a:ea typeface="Cambria Math" panose="02040503050406030204" pitchFamily="18" charset="0"/>
+                            </a:rPr>
+                            <m:t>𝑓</m:t>
+                          </m:r>
+                          <m:d>
+                            <m:dPr>
+                              <m:ctrlPr>
+                                <a:rPr lang="en-US" sz="2800" i="1">
+                                  <a:latin typeface="Cambria Math" panose="02040503050406030204" pitchFamily="18" charset="0"/>
+                                  <a:ea typeface="Cambria Math" panose="02040503050406030204" pitchFamily="18" charset="0"/>
+                                </a:rPr>
+                              </m:ctrlPr>
+                            </m:dPr>
+                            <m:e>
+                              <m:r>
+                                <a:rPr lang="en-US" sz="2800" i="1">
+                                  <a:latin typeface="Cambria Math" panose="02040503050406030204" pitchFamily="18" charset="0"/>
+                                  <a:ea typeface="Cambria Math" panose="02040503050406030204" pitchFamily="18" charset="0"/>
+                                </a:rPr>
+                                <m:t>𝑥</m:t>
+                              </m:r>
+                            </m:e>
+                            <m:e>
+                              <m:r>
+                                <a:rPr lang="en-US" sz="2800" i="1">
+                                  <a:latin typeface="Cambria Math" panose="02040503050406030204" pitchFamily="18" charset="0"/>
+                                  <a:ea typeface="Cambria Math" panose="02040503050406030204" pitchFamily="18" charset="0"/>
+                                </a:rPr>
+                                <m:t>𝜃</m:t>
+                              </m:r>
+                            </m:e>
+                          </m:d>
+                          <m:r>
+                            <a:rPr lang="en-US" sz="2800" i="1">
+                              <a:latin typeface="Cambria Math" panose="02040503050406030204" pitchFamily="18" charset="0"/>
+                              <a:ea typeface="Cambria Math" panose="02040503050406030204" pitchFamily="18" charset="0"/>
+                            </a:rPr>
+                            <m:t>𝑔</m:t>
+                          </m:r>
+                          <m:d>
+                            <m:dPr>
+                              <m:ctrlPr>
+                                <a:rPr lang="en-US" sz="2800" i="1">
+                                  <a:latin typeface="Cambria Math" panose="02040503050406030204" pitchFamily="18" charset="0"/>
+                                  <a:ea typeface="Cambria Math" panose="02040503050406030204" pitchFamily="18" charset="0"/>
+                                </a:rPr>
+                              </m:ctrlPr>
+                            </m:dPr>
+                            <m:e>
+                              <m:r>
+                                <a:rPr lang="en-US" sz="2800" i="1">
+                                  <a:latin typeface="Cambria Math" panose="02040503050406030204" pitchFamily="18" charset="0"/>
+                                  <a:ea typeface="Cambria Math" panose="02040503050406030204" pitchFamily="18" charset="0"/>
+                                </a:rPr>
+                                <m:t>𝜃</m:t>
+                              </m:r>
+                            </m:e>
+                          </m:d>
+                        </m:e>
+                      </m:func>
+                    </m:oMath>
+                  </m:oMathPara>
+                </a14:m>
+                <a:endParaRPr lang="en-US" sz="2800" dirty="0"/>
+              </a:p>
+            </p:txBody>
+          </p:sp>
+        </mc:Choice>
+        <mc:Fallback>
+          <p:sp>
+            <p:nvSpPr>
+              <p:cNvPr id="4" name="TextBox 3">
+                <a:extLst>
+                  <a:ext uri="{FF2B5EF4-FFF2-40B4-BE49-F238E27FC236}">
+                    <a16:creationId xmlns:a16="http://schemas.microsoft.com/office/drawing/2014/main" id="{217F8B7D-EE1D-40E1-B813-856CE4F8B75C}"/>
+                  </a:ext>
+                </a:extLst>
+              </p:cNvPr>
+              <p:cNvSpPr txBox="1">
+                <a:spLocks noRot="1" noChangeAspect="1" noMove="1" noResize="1" noEditPoints="1" noAdjustHandles="1" noChangeArrowheads="1" noChangeShapeType="1" noTextEdit="1"/>
+              </p:cNvSpPr>
+              <p:nvPr/>
+            </p:nvSpPr>
+            <p:spPr>
+              <a:xfrm>
+                <a:off x="1879012" y="2869584"/>
+                <a:ext cx="8433975" cy="1118832"/>
+              </a:xfrm>
+              <a:prstGeom prst="rect">
+                <a:avLst/>
+              </a:prstGeom>
+              <a:blipFill>
+                <a:blip r:embed="rId2"/>
+                <a:stretch>
+                  <a:fillRect/>
+                </a:stretch>
+              </a:blipFill>
+            </p:spPr>
+            <p:txBody>
+              <a:bodyPr/>
+              <a:lstStyle/>
+              <a:p>
+                <a:r>
+                  <a:rPr lang="en-US">
+                    <a:noFill/>
+                  </a:rPr>
+                  <a:t> </a:t>
+                </a:r>
+              </a:p>
+            </p:txBody>
+          </p:sp>
+        </mc:Fallback>
+      </mc:AlternateContent>
+    </p:spTree>
+    <p:extLst>
+      <p:ext uri="{BB962C8B-B14F-4D97-AF65-F5344CB8AC3E}">
+        <p14:creationId xmlns:p14="http://schemas.microsoft.com/office/powerpoint/2010/main" val="2783265892"/>
+      </p:ext>
+    </p:extLst>
+  </p:cSld>
+  <p:clrMapOvr>
+    <a:masterClrMapping/>
+  </p:clrMapOvr>
+</p:sld>
+</file>
+
+<file path=ppt/slides/slide28.xml><?xml version="1.0" encoding="utf-8"?>
 <p:sld xmlns:a="http://schemas.openxmlformats.org/drawingml/2006/main" xmlns:r="http://schemas.openxmlformats.org/officeDocument/2006/relationships" xmlns:p="http://schemas.openxmlformats.org/presentationml/2006/main">
   <p:cSld>
     <p:spTree>
@@ -11845,83 +14116,7 @@
           <a:lstStyle/>
           <a:p>
             <a:r>
-              <a:rPr lang="en-US"/>
-              <a:t>Bayesian inference</a:t>
-            </a:r>
-          </a:p>
-        </p:txBody>
-      </p:sp>
-      <p:pic>
-        <p:nvPicPr>
-          <p:cNvPr id="6" name="Picture 5"/>
-          <p:cNvPicPr>
-            <a:picLocks noChangeAspect="1"/>
-          </p:cNvPicPr>
-          <p:nvPr/>
-        </p:nvPicPr>
-        <p:blipFill>
-          <a:blip r:embed="rId2"/>
-          <a:stretch>
-            <a:fillRect/>
-          </a:stretch>
-        </p:blipFill>
-        <p:spPr>
-          <a:xfrm>
-            <a:off x="3762375" y="2238201"/>
-            <a:ext cx="4667250" cy="2514600"/>
-          </a:xfrm>
-          <a:prstGeom prst="rect">
-            <a:avLst/>
-          </a:prstGeom>
-        </p:spPr>
-      </p:pic>
-    </p:spTree>
-    <p:extLst>
-      <p:ext uri="{BB962C8B-B14F-4D97-AF65-F5344CB8AC3E}">
-        <p14:creationId xmlns:p14="http://schemas.microsoft.com/office/powerpoint/2010/main" val="732980390"/>
-      </p:ext>
-    </p:extLst>
-  </p:cSld>
-  <p:clrMapOvr>
-    <a:masterClrMapping/>
-  </p:clrMapOvr>
-</p:sld>
-</file>
-
-<file path=ppt/slides/slide25.xml><?xml version="1.0" encoding="utf-8"?>
-<p:sld xmlns:a="http://schemas.openxmlformats.org/drawingml/2006/main" xmlns:r="http://schemas.openxmlformats.org/officeDocument/2006/relationships" xmlns:p="http://schemas.openxmlformats.org/presentationml/2006/main">
-  <p:cSld>
-    <p:spTree>
-      <p:nvGrpSpPr>
-        <p:cNvPr id="1" name=""/>
-        <p:cNvGrpSpPr/>
-        <p:nvPr/>
-      </p:nvGrpSpPr>
-      <p:grpSpPr>
-        <a:xfrm>
-          <a:off x="0" y="0"/>
-          <a:ext cx="0" cy="0"/>
-          <a:chOff x="0" y="0"/>
-          <a:chExt cx="0" cy="0"/>
-        </a:xfrm>
-      </p:grpSpPr>
-      <p:sp>
-        <p:nvSpPr>
-          <p:cNvPr id="2" name="Title 1"/>
-          <p:cNvSpPr>
-            <a:spLocks noGrp="1"/>
-          </p:cNvSpPr>
-          <p:nvPr>
-            <p:ph type="title"/>
-          </p:nvPr>
-        </p:nvSpPr>
-        <p:spPr/>
-        <p:txBody>
-          <a:bodyPr/>
-          <a:lstStyle/>
-          <a:p>
-            <a:r>
-              <a:rPr lang="en-US"/>
+              <a:rPr lang="en-US" dirty="0"/>
               <a:t>Bayesian inference</a:t>
             </a:r>
           </a:p>
@@ -12015,7 +14210,7 @@
 </p:sld>
 </file>
 
-<file path=ppt/slides/slide26.xml><?xml version="1.0" encoding="utf-8"?>
+<file path=ppt/slides/slide29.xml><?xml version="1.0" encoding="utf-8"?>
 <p:sld xmlns:a="http://schemas.openxmlformats.org/drawingml/2006/main" xmlns:r="http://schemas.openxmlformats.org/officeDocument/2006/relationships" xmlns:p="http://schemas.openxmlformats.org/presentationml/2006/main">
   <p:cSld>
     <p:spTree>
@@ -12048,7 +14243,149 @@
           <a:lstStyle/>
           <a:p>
             <a:r>
-              <a:rPr lang="en-US"/>
+              <a:rPr lang="en-US" dirty="0"/>
+              <a:t>Bayesian inference</a:t>
+            </a:r>
+          </a:p>
+        </p:txBody>
+      </p:sp>
+      <p:pic>
+        <p:nvPicPr>
+          <p:cNvPr id="6" name="Picture 5"/>
+          <p:cNvPicPr>
+            <a:picLocks noChangeAspect="1"/>
+          </p:cNvPicPr>
+          <p:nvPr/>
+        </p:nvPicPr>
+        <p:blipFill>
+          <a:blip r:embed="rId2"/>
+          <a:stretch>
+            <a:fillRect/>
+          </a:stretch>
+        </p:blipFill>
+        <p:spPr>
+          <a:xfrm>
+            <a:off x="3762375" y="2238201"/>
+            <a:ext cx="4667250" cy="2514600"/>
+          </a:xfrm>
+          <a:prstGeom prst="rect">
+            <a:avLst/>
+          </a:prstGeom>
+        </p:spPr>
+      </p:pic>
+    </p:spTree>
+    <p:extLst>
+      <p:ext uri="{BB962C8B-B14F-4D97-AF65-F5344CB8AC3E}">
+        <p14:creationId xmlns:p14="http://schemas.microsoft.com/office/powerpoint/2010/main" val="732980390"/>
+      </p:ext>
+    </p:extLst>
+  </p:cSld>
+  <p:clrMapOvr>
+    <a:masterClrMapping/>
+  </p:clrMapOvr>
+</p:sld>
+</file>
+
+<file path=ppt/slides/slide3.xml><?xml version="1.0" encoding="utf-8"?>
+<p:sld xmlns:a="http://schemas.openxmlformats.org/drawingml/2006/main" xmlns:r="http://schemas.openxmlformats.org/officeDocument/2006/relationships" xmlns:p="http://schemas.openxmlformats.org/presentationml/2006/main">
+  <p:cSld>
+    <p:spTree>
+      <p:nvGrpSpPr>
+        <p:cNvPr id="1" name=""/>
+        <p:cNvGrpSpPr/>
+        <p:nvPr/>
+      </p:nvGrpSpPr>
+      <p:grpSpPr>
+        <a:xfrm>
+          <a:off x="0" y="0"/>
+          <a:ext cx="0" cy="0"/>
+          <a:chOff x="0" y="0"/>
+          <a:chExt cx="0" cy="0"/>
+        </a:xfrm>
+      </p:grpSpPr>
+      <p:sp>
+        <p:nvSpPr>
+          <p:cNvPr id="2" name="Title 1"/>
+          <p:cNvSpPr>
+            <a:spLocks noGrp="1"/>
+          </p:cNvSpPr>
+          <p:nvPr>
+            <p:ph type="ctrTitle"/>
+          </p:nvPr>
+        </p:nvSpPr>
+        <p:spPr>
+          <a:xfrm>
+            <a:off x="1798320" y="2128202"/>
+            <a:ext cx="9144000" cy="2387600"/>
+          </a:xfrm>
+        </p:spPr>
+        <p:txBody>
+          <a:bodyPr>
+            <a:normAutofit/>
+          </a:bodyPr>
+          <a:lstStyle/>
+          <a:p>
+            <a:r>
+              <a:rPr lang="en-US" dirty="0"/>
+              <a:t>Part 1.1</a:t>
+            </a:r>
+            <a:br>
+              <a:rPr lang="en-US" dirty="0"/>
+            </a:br>
+            <a:r>
+              <a:rPr lang="en-US" dirty="0"/>
+              <a:t>Graph Introduction</a:t>
+            </a:r>
+          </a:p>
+        </p:txBody>
+      </p:sp>
+    </p:spTree>
+    <p:extLst>
+      <p:ext uri="{BB962C8B-B14F-4D97-AF65-F5344CB8AC3E}">
+        <p14:creationId xmlns:p14="http://schemas.microsoft.com/office/powerpoint/2010/main" val="1276708213"/>
+      </p:ext>
+    </p:extLst>
+  </p:cSld>
+  <p:clrMapOvr>
+    <a:masterClrMapping/>
+  </p:clrMapOvr>
+</p:sld>
+</file>
+
+<file path=ppt/slides/slide30.xml><?xml version="1.0" encoding="utf-8"?>
+<p:sld xmlns:a="http://schemas.openxmlformats.org/drawingml/2006/main" xmlns:r="http://schemas.openxmlformats.org/officeDocument/2006/relationships" xmlns:p="http://schemas.openxmlformats.org/presentationml/2006/main">
+  <p:cSld>
+    <p:spTree>
+      <p:nvGrpSpPr>
+        <p:cNvPr id="1" name=""/>
+        <p:cNvGrpSpPr/>
+        <p:nvPr/>
+      </p:nvGrpSpPr>
+      <p:grpSpPr>
+        <a:xfrm>
+          <a:off x="0" y="0"/>
+          <a:ext cx="0" cy="0"/>
+          <a:chOff x="0" y="0"/>
+          <a:chExt cx="0" cy="0"/>
+        </a:xfrm>
+      </p:grpSpPr>
+      <p:sp>
+        <p:nvSpPr>
+          <p:cNvPr id="2" name="Title 1"/>
+          <p:cNvSpPr>
+            <a:spLocks noGrp="1"/>
+          </p:cNvSpPr>
+          <p:nvPr>
+            <p:ph type="title"/>
+          </p:nvPr>
+        </p:nvSpPr>
+        <p:spPr/>
+        <p:txBody>
+          <a:bodyPr/>
+          <a:lstStyle/>
+          <a:p>
+            <a:r>
+              <a:rPr lang="en-US" dirty="0"/>
               <a:t>Bayesian inference (example)</a:t>
             </a:r>
           </a:p>
@@ -12929,7 +15266,7 @@
 </p:sld>
 </file>
 
-<file path=ppt/slides/slide27.xml><?xml version="1.0" encoding="utf-8"?>
+<file path=ppt/slides/slide31.xml><?xml version="1.0" encoding="utf-8"?>
 <p:sld xmlns:a="http://schemas.openxmlformats.org/drawingml/2006/main" xmlns:r="http://schemas.openxmlformats.org/officeDocument/2006/relationships" xmlns:p="http://schemas.openxmlformats.org/presentationml/2006/main">
   <p:cSld>
     <p:spTree>
@@ -12962,7 +15299,7 @@
           <a:lstStyle/>
           <a:p>
             <a:r>
-              <a:rPr lang="en-US"/>
+              <a:rPr lang="en-US" dirty="0"/>
               <a:t>Bayesian inference (example)</a:t>
             </a:r>
           </a:p>
@@ -13005,7 +15342,7 @@
 </p:sld>
 </file>
 
-<file path=ppt/slides/slide28.xml><?xml version="1.0" encoding="utf-8"?>
+<file path=ppt/slides/slide32.xml><?xml version="1.0" encoding="utf-8"?>
 <p:sld xmlns:a="http://schemas.openxmlformats.org/drawingml/2006/main" xmlns:r="http://schemas.openxmlformats.org/officeDocument/2006/relationships" xmlns:p="http://schemas.openxmlformats.org/presentationml/2006/main">
   <p:cSld>
     <p:spTree>
@@ -13075,7 +15412,7 @@
 </p:sld>
 </file>
 
-<file path=ppt/slides/slide29.xml><?xml version="1.0" encoding="utf-8"?>
+<file path=ppt/slides/slide33.xml><?xml version="1.0" encoding="utf-8"?>
 <p:sld xmlns:a="http://schemas.openxmlformats.org/drawingml/2006/main" xmlns:r="http://schemas.openxmlformats.org/officeDocument/2006/relationships" xmlns:p="http://schemas.openxmlformats.org/presentationml/2006/main">
   <p:cSld>
     <p:spTree>
@@ -13291,73 +15628,7 @@
 </p:sld>
 </file>
 
-<file path=ppt/slides/slide3.xml><?xml version="1.0" encoding="utf-8"?>
-<p:sld xmlns:a="http://schemas.openxmlformats.org/drawingml/2006/main" xmlns:r="http://schemas.openxmlformats.org/officeDocument/2006/relationships" xmlns:p="http://schemas.openxmlformats.org/presentationml/2006/main">
-  <p:cSld>
-    <p:spTree>
-      <p:nvGrpSpPr>
-        <p:cNvPr id="1" name=""/>
-        <p:cNvGrpSpPr/>
-        <p:nvPr/>
-      </p:nvGrpSpPr>
-      <p:grpSpPr>
-        <a:xfrm>
-          <a:off x="0" y="0"/>
-          <a:ext cx="0" cy="0"/>
-          <a:chOff x="0" y="0"/>
-          <a:chExt cx="0" cy="0"/>
-        </a:xfrm>
-      </p:grpSpPr>
-      <p:sp>
-        <p:nvSpPr>
-          <p:cNvPr id="2" name="Title 1"/>
-          <p:cNvSpPr>
-            <a:spLocks noGrp="1"/>
-          </p:cNvSpPr>
-          <p:nvPr>
-            <p:ph type="ctrTitle"/>
-          </p:nvPr>
-        </p:nvSpPr>
-        <p:spPr>
-          <a:xfrm>
-            <a:off x="1798320" y="2128202"/>
-            <a:ext cx="9144000" cy="2387600"/>
-          </a:xfrm>
-        </p:spPr>
-        <p:txBody>
-          <a:bodyPr>
-            <a:normAutofit/>
-          </a:bodyPr>
-          <a:lstStyle/>
-          <a:p>
-            <a:r>
-              <a:rPr lang="en-US" dirty="0"/>
-              <a:t>Part 1.1</a:t>
-            </a:r>
-            <a:br>
-              <a:rPr lang="en-US" dirty="0"/>
-            </a:br>
-            <a:r>
-              <a:rPr lang="en-US" dirty="0"/>
-              <a:t>Graph Introduction</a:t>
-            </a:r>
-          </a:p>
-        </p:txBody>
-      </p:sp>
-    </p:spTree>
-    <p:extLst>
-      <p:ext uri="{BB962C8B-B14F-4D97-AF65-F5344CB8AC3E}">
-        <p14:creationId xmlns:p14="http://schemas.microsoft.com/office/powerpoint/2010/main" val="1276708213"/>
-      </p:ext>
-    </p:extLst>
-  </p:cSld>
-  <p:clrMapOvr>
-    <a:masterClrMapping/>
-  </p:clrMapOvr>
-</p:sld>
-</file>
-
-<file path=ppt/slides/slide30.xml><?xml version="1.0" encoding="utf-8"?>
+<file path=ppt/slides/slide34.xml><?xml version="1.0" encoding="utf-8"?>
 <p:sld xmlns:a="http://schemas.openxmlformats.org/drawingml/2006/main" xmlns:r="http://schemas.openxmlformats.org/officeDocument/2006/relationships" xmlns:p="http://schemas.openxmlformats.org/presentationml/2006/main">
   <p:cSld>
     <p:spTree>
@@ -13733,7 +16004,7 @@
 </p:sld>
 </file>
 
-<file path=ppt/slides/slide31.xml><?xml version="1.0" encoding="utf-8"?>
+<file path=ppt/slides/slide35.xml><?xml version="1.0" encoding="utf-8"?>
 <p:sld xmlns:a="http://schemas.openxmlformats.org/drawingml/2006/main" xmlns:r="http://schemas.openxmlformats.org/officeDocument/2006/relationships" xmlns:p="http://schemas.openxmlformats.org/presentationml/2006/main">
   <p:cSld>
     <p:spTree>
@@ -13843,7 +16114,7 @@
 </p:sld>
 </file>
 
-<file path=ppt/slides/slide32.xml><?xml version="1.0" encoding="utf-8"?>
+<file path=ppt/slides/slide36.xml><?xml version="1.0" encoding="utf-8"?>
 <p:sld xmlns:a="http://schemas.openxmlformats.org/drawingml/2006/main" xmlns:r="http://schemas.openxmlformats.org/officeDocument/2006/relationships" xmlns:p="http://schemas.openxmlformats.org/presentationml/2006/main">
   <p:cSld>
     <p:spTree>
@@ -14022,7 +16293,7 @@
 </p:sld>
 </file>
 
-<file path=ppt/slides/slide33.xml><?xml version="1.0" encoding="utf-8"?>
+<file path=ppt/slides/slide37.xml><?xml version="1.0" encoding="utf-8"?>
 <p:sld xmlns:a="http://schemas.openxmlformats.org/drawingml/2006/main" xmlns:r="http://schemas.openxmlformats.org/officeDocument/2006/relationships" xmlns:p="http://schemas.openxmlformats.org/presentationml/2006/main">
   <p:cSld>
     <p:spTree>
@@ -14082,7 +16353,7 @@
 </p:sld>
 </file>
 
-<file path=ppt/slides/slide34.xml><?xml version="1.0" encoding="utf-8"?>
+<file path=ppt/slides/slide38.xml><?xml version="1.0" encoding="utf-8"?>
 <p:sld xmlns:a="http://schemas.openxmlformats.org/drawingml/2006/main" xmlns:r="http://schemas.openxmlformats.org/officeDocument/2006/relationships" xmlns:p="http://schemas.openxmlformats.org/presentationml/2006/main">
   <p:cSld>
     <p:spTree>
@@ -14163,7 +16434,7 @@
 </p:sld>
 </file>
 
-<file path=ppt/slides/slide35.xml><?xml version="1.0" encoding="utf-8"?>
+<file path=ppt/slides/slide39.xml><?xml version="1.0" encoding="utf-8"?>
 <p:sld xmlns:a="http://schemas.openxmlformats.org/drawingml/2006/main" xmlns:r="http://schemas.openxmlformats.org/officeDocument/2006/relationships" xmlns:p="http://schemas.openxmlformats.org/presentationml/2006/main">
   <p:cSld>
     <p:spTree>
@@ -14201,345 +16472,22 @@
           <a:bodyPr/>
           <a:lstStyle/>
           <a:p>
-            <a:endParaRPr lang="en-US" dirty="0"/>
-          </a:p>
-        </p:txBody>
-      </p:sp>
-      <p:sp>
-        <p:nvSpPr>
-          <p:cNvPr id="3" name="Content Placeholder 2">
-            <a:extLst>
-              <a:ext uri="{FF2B5EF4-FFF2-40B4-BE49-F238E27FC236}">
-                <a16:creationId xmlns:a16="http://schemas.microsoft.com/office/drawing/2014/main" id="{E4AC4CA2-88BD-4811-AB4E-B7ECCCB3147F}"/>
-              </a:ext>
-            </a:extLst>
-          </p:cNvPr>
-          <p:cNvSpPr>
-            <a:spLocks noGrp="1"/>
-          </p:cNvSpPr>
-          <p:nvPr>
-            <p:ph idx="1"/>
-          </p:nvPr>
-        </p:nvSpPr>
-        <p:spPr/>
-        <p:txBody>
-          <a:bodyPr/>
-          <a:lstStyle/>
-          <a:p>
-            <a:endParaRPr lang="en-US"/>
-          </a:p>
-        </p:txBody>
-      </p:sp>
-    </p:spTree>
-    <p:extLst>
-      <p:ext uri="{BB962C8B-B14F-4D97-AF65-F5344CB8AC3E}">
-        <p14:creationId xmlns:p14="http://schemas.microsoft.com/office/powerpoint/2010/main" val="2342477112"/>
-      </p:ext>
-    </p:extLst>
-  </p:cSld>
-  <p:clrMapOvr>
-    <a:masterClrMapping/>
-  </p:clrMapOvr>
-</p:sld>
-</file>
-
-<file path=ppt/slides/slide36.xml><?xml version="1.0" encoding="utf-8"?>
-<p:sld xmlns:a="http://schemas.openxmlformats.org/drawingml/2006/main" xmlns:r="http://schemas.openxmlformats.org/officeDocument/2006/relationships" xmlns:p="http://schemas.openxmlformats.org/presentationml/2006/main">
-  <p:cSld>
-    <p:spTree>
-      <p:nvGrpSpPr>
-        <p:cNvPr id="1" name=""/>
-        <p:cNvGrpSpPr/>
-        <p:nvPr/>
-      </p:nvGrpSpPr>
-      <p:grpSpPr>
-        <a:xfrm>
-          <a:off x="0" y="0"/>
-          <a:ext cx="0" cy="0"/>
-          <a:chOff x="0" y="0"/>
-          <a:chExt cx="0" cy="0"/>
-        </a:xfrm>
-      </p:grpSpPr>
-      <p:sp>
-        <p:nvSpPr>
-          <p:cNvPr id="2" name="Title 1"/>
-          <p:cNvSpPr>
-            <a:spLocks noGrp="1"/>
-          </p:cNvSpPr>
-          <p:nvPr>
-            <p:ph type="ctrTitle"/>
-          </p:nvPr>
-        </p:nvSpPr>
-        <p:spPr>
-          <a:xfrm>
-            <a:off x="1806633" y="1853882"/>
-            <a:ext cx="9144000" cy="2387600"/>
-          </a:xfrm>
-        </p:spPr>
-        <p:txBody>
-          <a:bodyPr>
-            <a:normAutofit fontScale="90000"/>
-          </a:bodyPr>
-          <a:lstStyle/>
-          <a:p>
             <a:r>
               <a:rPr lang="en-US" dirty="0"/>
-              <a:t>Part 2.2</a:t>
-            </a:r>
-            <a:br>
-              <a:rPr lang="en-US" dirty="0"/>
-            </a:br>
-            <a:r>
-              <a:rPr lang="en-US" dirty="0"/>
-              <a:t>Use </a:t>
-            </a:r>
-            <a:r>
-              <a:rPr lang="en-US" dirty="0" err="1"/>
-              <a:t>pgmpy</a:t>
-            </a:r>
-            <a:r>
-              <a:rPr lang="en-US" dirty="0"/>
-              <a:t> when </a:t>
-            </a:r>
-            <a:br>
-              <a:rPr lang="en-US" dirty="0"/>
-            </a:br>
-            <a:r>
-              <a:rPr lang="en-US" dirty="0"/>
-              <a:t>not knowing graph structure</a:t>
-            </a:r>
-          </a:p>
-        </p:txBody>
-      </p:sp>
-    </p:spTree>
-    <p:extLst>
-      <p:ext uri="{BB962C8B-B14F-4D97-AF65-F5344CB8AC3E}">
-        <p14:creationId xmlns:p14="http://schemas.microsoft.com/office/powerpoint/2010/main" val="3119861595"/>
-      </p:ext>
-    </p:extLst>
-  </p:cSld>
-  <p:clrMapOvr>
-    <a:masterClrMapping/>
-  </p:clrMapOvr>
-</p:sld>
-</file>
-
-<file path=ppt/slides/slide37.xml><?xml version="1.0" encoding="utf-8"?>
-<p:sld xmlns:a="http://schemas.openxmlformats.org/drawingml/2006/main" xmlns:r="http://schemas.openxmlformats.org/officeDocument/2006/relationships" xmlns:p="http://schemas.openxmlformats.org/presentationml/2006/main">
-  <p:cSld>
-    <p:spTree>
-      <p:nvGrpSpPr>
-        <p:cNvPr id="1" name=""/>
-        <p:cNvGrpSpPr/>
-        <p:nvPr/>
-      </p:nvGrpSpPr>
-      <p:grpSpPr>
-        <a:xfrm>
-          <a:off x="0" y="0"/>
-          <a:ext cx="0" cy="0"/>
-          <a:chOff x="0" y="0"/>
-          <a:chExt cx="0" cy="0"/>
-        </a:xfrm>
-      </p:grpSpPr>
-      <p:sp>
-        <p:nvSpPr>
-          <p:cNvPr id="2" name="Title 1">
-            <a:extLst>
-              <a:ext uri="{FF2B5EF4-FFF2-40B4-BE49-F238E27FC236}">
-                <a16:creationId xmlns:a16="http://schemas.microsoft.com/office/drawing/2014/main" id="{912F7379-E461-45B2-A6D3-CE54DDD4FDDF}"/>
-              </a:ext>
-            </a:extLst>
-          </p:cNvPr>
-          <p:cNvSpPr>
-            <a:spLocks noGrp="1"/>
-          </p:cNvSpPr>
-          <p:nvPr>
-            <p:ph type="title"/>
-          </p:nvPr>
-        </p:nvSpPr>
-        <p:spPr/>
-        <p:txBody>
-          <a:bodyPr/>
-          <a:lstStyle/>
-          <a:p>
-            <a:endParaRPr lang="en-US" dirty="0"/>
-          </a:p>
-        </p:txBody>
-      </p:sp>
-      <p:sp>
-        <p:nvSpPr>
-          <p:cNvPr id="3" name="Content Placeholder 2">
-            <a:extLst>
-              <a:ext uri="{FF2B5EF4-FFF2-40B4-BE49-F238E27FC236}">
-                <a16:creationId xmlns:a16="http://schemas.microsoft.com/office/drawing/2014/main" id="{E4AC4CA2-88BD-4811-AB4E-B7ECCCB3147F}"/>
-              </a:ext>
-            </a:extLst>
-          </p:cNvPr>
-          <p:cNvSpPr>
-            <a:spLocks noGrp="1"/>
-          </p:cNvSpPr>
-          <p:nvPr>
-            <p:ph idx="1"/>
-          </p:nvPr>
-        </p:nvSpPr>
-        <p:spPr/>
-        <p:txBody>
-          <a:bodyPr/>
-          <a:lstStyle/>
-          <a:p>
-            <a:endParaRPr lang="en-US"/>
-          </a:p>
-        </p:txBody>
-      </p:sp>
-    </p:spTree>
-    <p:extLst>
-      <p:ext uri="{BB962C8B-B14F-4D97-AF65-F5344CB8AC3E}">
-        <p14:creationId xmlns:p14="http://schemas.microsoft.com/office/powerpoint/2010/main" val="1729885696"/>
-      </p:ext>
-    </p:extLst>
-  </p:cSld>
-  <p:clrMapOvr>
-    <a:masterClrMapping/>
-  </p:clrMapOvr>
-</p:sld>
-</file>
-
-<file path=ppt/slides/slide38.xml><?xml version="1.0" encoding="utf-8"?>
-<p:sld xmlns:a="http://schemas.openxmlformats.org/drawingml/2006/main" xmlns:r="http://schemas.openxmlformats.org/officeDocument/2006/relationships" xmlns:p="http://schemas.openxmlformats.org/presentationml/2006/main">
-  <p:cSld>
-    <p:spTree>
-      <p:nvGrpSpPr>
-        <p:cNvPr id="1" name=""/>
-        <p:cNvGrpSpPr/>
-        <p:nvPr/>
-      </p:nvGrpSpPr>
-      <p:grpSpPr>
-        <a:xfrm>
-          <a:off x="0" y="0"/>
-          <a:ext cx="0" cy="0"/>
-          <a:chOff x="0" y="0"/>
-          <a:chExt cx="0" cy="0"/>
-        </a:xfrm>
-      </p:grpSpPr>
-      <p:sp>
-        <p:nvSpPr>
-          <p:cNvPr id="2" name="Title 1"/>
-          <p:cNvSpPr>
-            <a:spLocks noGrp="1"/>
-          </p:cNvSpPr>
-          <p:nvPr>
-            <p:ph type="ctrTitle"/>
-          </p:nvPr>
-        </p:nvSpPr>
-        <p:spPr>
-          <a:xfrm>
-            <a:off x="1806633" y="1853882"/>
-            <a:ext cx="9144000" cy="2387600"/>
-          </a:xfrm>
-        </p:spPr>
-        <p:txBody>
-          <a:bodyPr>
-            <a:normAutofit/>
-          </a:bodyPr>
-          <a:lstStyle/>
-          <a:p>
-            <a:r>
-              <a:rPr lang="en-US"/>
-              <a:t>Part 3</a:t>
-            </a:r>
-            <a:br>
-              <a:rPr lang="en-US"/>
-            </a:br>
-            <a:r>
-              <a:rPr lang="en-US"/>
-              <a:t>Application</a:t>
-            </a:r>
-          </a:p>
-        </p:txBody>
-      </p:sp>
-    </p:spTree>
-    <p:extLst>
-      <p:ext uri="{BB962C8B-B14F-4D97-AF65-F5344CB8AC3E}">
-        <p14:creationId xmlns:p14="http://schemas.microsoft.com/office/powerpoint/2010/main" val="2154522713"/>
-      </p:ext>
-    </p:extLst>
-  </p:cSld>
-  <p:clrMapOvr>
-    <a:masterClrMapping/>
-  </p:clrMapOvr>
-</p:sld>
-</file>
-
-<file path=ppt/slides/slide39.xml><?xml version="1.0" encoding="utf-8"?>
-<p:sld xmlns:a="http://schemas.openxmlformats.org/drawingml/2006/main" xmlns:r="http://schemas.openxmlformats.org/officeDocument/2006/relationships" xmlns:p="http://schemas.openxmlformats.org/presentationml/2006/main">
-  <p:cSld>
-    <p:spTree>
-      <p:nvGrpSpPr>
-        <p:cNvPr id="1" name=""/>
-        <p:cNvGrpSpPr/>
-        <p:nvPr/>
-      </p:nvGrpSpPr>
-      <p:grpSpPr>
-        <a:xfrm>
-          <a:off x="0" y="0"/>
-          <a:ext cx="0" cy="0"/>
-          <a:chOff x="0" y="0"/>
-          <a:chExt cx="0" cy="0"/>
-        </a:xfrm>
-      </p:grpSpPr>
-      <p:sp>
-        <p:nvSpPr>
-          <p:cNvPr id="2" name="Title 1"/>
-          <p:cNvSpPr>
-            <a:spLocks noGrp="1"/>
-          </p:cNvSpPr>
-          <p:nvPr>
-            <p:ph type="title"/>
-          </p:nvPr>
-        </p:nvSpPr>
-        <p:spPr/>
-        <p:txBody>
-          <a:bodyPr/>
-          <a:lstStyle/>
-          <a:p>
-            <a:r>
-              <a:rPr lang="en-US"/>
-              <a:t>Medical diagnosis (data)</a:t>
-            </a:r>
-          </a:p>
-        </p:txBody>
-      </p:sp>
-      <p:sp>
-        <p:nvSpPr>
-          <p:cNvPr id="4" name="Rectangle 3"/>
-          <p:cNvSpPr/>
-          <p:nvPr/>
-        </p:nvSpPr>
-        <p:spPr>
-          <a:xfrm>
-            <a:off x="838200" y="1690688"/>
-            <a:ext cx="8997142" cy="954107"/>
-          </a:xfrm>
-          <a:prstGeom prst="rect">
-            <a:avLst/>
-          </a:prstGeom>
-        </p:spPr>
-        <p:txBody>
-          <a:bodyPr wrap="square">
-            <a:spAutoFit/>
-          </a:bodyPr>
-          <a:lstStyle/>
-          <a:p>
-            <a:r>
-              <a:rPr lang="en-US" sz="2800" dirty="0"/>
-              <a:t>Source: https://www.kaggle.com/itachi9604/disease-symptom-description-dataset?select=dataset.csv</a:t>
+              <a:t>Data (Bayesian network)</a:t>
             </a:r>
           </a:p>
         </p:txBody>
       </p:sp>
       <p:pic>
         <p:nvPicPr>
-          <p:cNvPr id="5" name="Picture 4"/>
+          <p:cNvPr id="9" name="Picture 8">
+            <a:extLst>
+              <a:ext uri="{FF2B5EF4-FFF2-40B4-BE49-F238E27FC236}">
+                <a16:creationId xmlns:a16="http://schemas.microsoft.com/office/drawing/2014/main" id="{6B81149C-872C-4103-A380-1292FB80EEF1}"/>
+              </a:ext>
+            </a:extLst>
+          </p:cNvPr>
           <p:cNvPicPr>
             <a:picLocks noChangeAspect="1"/>
           </p:cNvPicPr>
@@ -14553,8 +16501,8 @@
         </p:blipFill>
         <p:spPr>
           <a:xfrm>
-            <a:off x="4545993" y="2644795"/>
-            <a:ext cx="3100014" cy="3613920"/>
+            <a:off x="542925" y="1690688"/>
+            <a:ext cx="11106150" cy="4171950"/>
           </a:xfrm>
           <a:prstGeom prst="rect">
             <a:avLst/>
@@ -14564,7 +16512,7 @@
     </p:spTree>
     <p:extLst>
       <p:ext uri="{BB962C8B-B14F-4D97-AF65-F5344CB8AC3E}">
-        <p14:creationId xmlns:p14="http://schemas.microsoft.com/office/powerpoint/2010/main" val="2483543744"/>
+        <p14:creationId xmlns:p14="http://schemas.microsoft.com/office/powerpoint/2010/main" val="2342477112"/>
       </p:ext>
     </p:extLst>
   </p:cSld>
@@ -15050,6 +16998,663 @@
       </p:grpSpPr>
       <p:sp>
         <p:nvSpPr>
+          <p:cNvPr id="2" name="Title 1">
+            <a:extLst>
+              <a:ext uri="{FF2B5EF4-FFF2-40B4-BE49-F238E27FC236}">
+                <a16:creationId xmlns:a16="http://schemas.microsoft.com/office/drawing/2014/main" id="{227E4330-51B7-43C8-A3D7-F163C790D548}"/>
+              </a:ext>
+            </a:extLst>
+          </p:cNvPr>
+          <p:cNvSpPr>
+            <a:spLocks noGrp="1"/>
+          </p:cNvSpPr>
+          <p:nvPr>
+            <p:ph type="title"/>
+          </p:nvPr>
+        </p:nvSpPr>
+        <p:spPr/>
+        <p:txBody>
+          <a:bodyPr/>
+          <a:lstStyle/>
+          <a:p>
+            <a:r>
+              <a:rPr lang="en-US" dirty="0"/>
+              <a:t>Create a model from knowing the structure</a:t>
+            </a:r>
+          </a:p>
+        </p:txBody>
+      </p:sp>
+      <p:pic>
+        <p:nvPicPr>
+          <p:cNvPr id="5" name="Picture 4">
+            <a:extLst>
+              <a:ext uri="{FF2B5EF4-FFF2-40B4-BE49-F238E27FC236}">
+                <a16:creationId xmlns:a16="http://schemas.microsoft.com/office/drawing/2014/main" id="{83270570-D20D-4D6B-9DD7-6FDA78E0D9AB}"/>
+              </a:ext>
+            </a:extLst>
+          </p:cNvPr>
+          <p:cNvPicPr>
+            <a:picLocks noChangeAspect="1"/>
+          </p:cNvPicPr>
+          <p:nvPr/>
+        </p:nvPicPr>
+        <p:blipFill>
+          <a:blip r:embed="rId2"/>
+          <a:stretch>
+            <a:fillRect/>
+          </a:stretch>
+        </p:blipFill>
+        <p:spPr>
+          <a:xfrm>
+            <a:off x="585787" y="1690688"/>
+            <a:ext cx="11020425" cy="771525"/>
+          </a:xfrm>
+          <a:prstGeom prst="rect">
+            <a:avLst/>
+          </a:prstGeom>
+        </p:spPr>
+      </p:pic>
+      <p:grpSp>
+        <p:nvGrpSpPr>
+          <p:cNvPr id="6" name="Group 5">
+            <a:extLst>
+              <a:ext uri="{FF2B5EF4-FFF2-40B4-BE49-F238E27FC236}">
+                <a16:creationId xmlns:a16="http://schemas.microsoft.com/office/drawing/2014/main" id="{774DA05A-B61D-41F6-A1C5-A2497761C19E}"/>
+              </a:ext>
+            </a:extLst>
+          </p:cNvPr>
+          <p:cNvGrpSpPr/>
+          <p:nvPr/>
+        </p:nvGrpSpPr>
+        <p:grpSpPr>
+          <a:xfrm>
+            <a:off x="3235157" y="3086394"/>
+            <a:ext cx="5721684" cy="2080918"/>
+            <a:chOff x="3328647" y="2381630"/>
+            <a:chExt cx="5721684" cy="2080918"/>
+          </a:xfrm>
+        </p:grpSpPr>
+        <p:sp>
+          <p:nvSpPr>
+            <p:cNvPr id="7" name="Oval 6">
+              <a:extLst>
+                <a:ext uri="{FF2B5EF4-FFF2-40B4-BE49-F238E27FC236}">
+                  <a16:creationId xmlns:a16="http://schemas.microsoft.com/office/drawing/2014/main" id="{5CF8B621-2D89-408F-BD28-8AF01327923C}"/>
+                </a:ext>
+              </a:extLst>
+            </p:cNvPr>
+            <p:cNvSpPr/>
+            <p:nvPr/>
+          </p:nvSpPr>
+          <p:spPr>
+            <a:xfrm>
+              <a:off x="7346222" y="2381630"/>
+              <a:ext cx="1704109" cy="955963"/>
+            </a:xfrm>
+            <a:prstGeom prst="ellipse">
+              <a:avLst/>
+            </a:prstGeom>
+          </p:spPr>
+          <p:style>
+            <a:lnRef idx="2">
+              <a:schemeClr val="accent1">
+                <a:shade val="50000"/>
+              </a:schemeClr>
+            </a:lnRef>
+            <a:fillRef idx="1">
+              <a:schemeClr val="accent1"/>
+            </a:fillRef>
+            <a:effectRef idx="0">
+              <a:schemeClr val="accent1"/>
+            </a:effectRef>
+            <a:fontRef idx="minor">
+              <a:schemeClr val="lt1"/>
+            </a:fontRef>
+          </p:style>
+          <p:txBody>
+            <a:bodyPr rtlCol="0" anchor="ctr"/>
+            <a:lstStyle/>
+            <a:p>
+              <a:pPr algn="ctr"/>
+              <a:r>
+                <a:rPr lang="en-US" dirty="0"/>
+                <a:t>size</a:t>
+              </a:r>
+            </a:p>
+          </p:txBody>
+        </p:sp>
+        <p:sp>
+          <p:nvSpPr>
+            <p:cNvPr id="8" name="Oval 7">
+              <a:extLst>
+                <a:ext uri="{FF2B5EF4-FFF2-40B4-BE49-F238E27FC236}">
+                  <a16:creationId xmlns:a16="http://schemas.microsoft.com/office/drawing/2014/main" id="{96211777-0E9D-4B00-8719-C62E456B07FC}"/>
+                </a:ext>
+              </a:extLst>
+            </p:cNvPr>
+            <p:cNvSpPr/>
+            <p:nvPr/>
+          </p:nvSpPr>
+          <p:spPr>
+            <a:xfrm>
+              <a:off x="3328647" y="2550622"/>
+              <a:ext cx="1704109" cy="955963"/>
+            </a:xfrm>
+            <a:prstGeom prst="ellipse">
+              <a:avLst/>
+            </a:prstGeom>
+          </p:spPr>
+          <p:style>
+            <a:lnRef idx="2">
+              <a:schemeClr val="accent1">
+                <a:shade val="50000"/>
+              </a:schemeClr>
+            </a:lnRef>
+            <a:fillRef idx="1">
+              <a:schemeClr val="accent1"/>
+            </a:fillRef>
+            <a:effectRef idx="0">
+              <a:schemeClr val="accent1"/>
+            </a:effectRef>
+            <a:fontRef idx="minor">
+              <a:schemeClr val="lt1"/>
+            </a:fontRef>
+          </p:style>
+          <p:txBody>
+            <a:bodyPr rtlCol="0" anchor="ctr"/>
+            <a:lstStyle/>
+            <a:p>
+              <a:pPr algn="ctr"/>
+              <a:r>
+                <a:rPr lang="en-US" dirty="0"/>
+                <a:t>fruit</a:t>
+              </a:r>
+            </a:p>
+          </p:txBody>
+        </p:sp>
+        <p:sp>
+          <p:nvSpPr>
+            <p:cNvPr id="9" name="Oval 8">
+              <a:extLst>
+                <a:ext uri="{FF2B5EF4-FFF2-40B4-BE49-F238E27FC236}">
+                  <a16:creationId xmlns:a16="http://schemas.microsoft.com/office/drawing/2014/main" id="{AA7D0417-7B9D-4E2F-8D38-DED01A245029}"/>
+                </a:ext>
+              </a:extLst>
+            </p:cNvPr>
+            <p:cNvSpPr/>
+            <p:nvPr/>
+          </p:nvSpPr>
+          <p:spPr>
+            <a:xfrm>
+              <a:off x="5493503" y="3506585"/>
+              <a:ext cx="1704109" cy="955963"/>
+            </a:xfrm>
+            <a:prstGeom prst="ellipse">
+              <a:avLst/>
+            </a:prstGeom>
+          </p:spPr>
+          <p:style>
+            <a:lnRef idx="2">
+              <a:schemeClr val="accent1">
+                <a:shade val="50000"/>
+              </a:schemeClr>
+            </a:lnRef>
+            <a:fillRef idx="1">
+              <a:schemeClr val="accent1"/>
+            </a:fillRef>
+            <a:effectRef idx="0">
+              <a:schemeClr val="accent1"/>
+            </a:effectRef>
+            <a:fontRef idx="minor">
+              <a:schemeClr val="lt1"/>
+            </a:fontRef>
+          </p:style>
+          <p:txBody>
+            <a:bodyPr rtlCol="0" anchor="ctr"/>
+            <a:lstStyle/>
+            <a:p>
+              <a:pPr algn="ctr"/>
+              <a:r>
+                <a:rPr lang="en-US" dirty="0"/>
+                <a:t>tasty</a:t>
+              </a:r>
+            </a:p>
+          </p:txBody>
+        </p:sp>
+        <p:cxnSp>
+          <p:nvCxnSpPr>
+            <p:cNvPr id="10" name="Straight Arrow Connector 9">
+              <a:extLst>
+                <a:ext uri="{FF2B5EF4-FFF2-40B4-BE49-F238E27FC236}">
+                  <a16:creationId xmlns:a16="http://schemas.microsoft.com/office/drawing/2014/main" id="{18B3AE9D-E68A-4DE2-81C9-29F651953CBE}"/>
+                </a:ext>
+              </a:extLst>
+            </p:cNvPr>
+            <p:cNvCxnSpPr>
+              <a:cxnSpLocks/>
+              <a:stCxn id="8" idx="5"/>
+              <a:endCxn id="9" idx="1"/>
+            </p:cNvCxnSpPr>
+            <p:nvPr/>
+          </p:nvCxnSpPr>
+          <p:spPr>
+            <a:xfrm>
+              <a:off x="4783195" y="3366587"/>
+              <a:ext cx="959869" cy="279996"/>
+            </a:xfrm>
+            <a:prstGeom prst="straightConnector1">
+              <a:avLst/>
+            </a:prstGeom>
+            <a:ln w="28575">
+              <a:tailEnd type="triangle"/>
+            </a:ln>
+          </p:spPr>
+          <p:style>
+            <a:lnRef idx="1">
+              <a:schemeClr val="dk1"/>
+            </a:lnRef>
+            <a:fillRef idx="0">
+              <a:schemeClr val="dk1"/>
+            </a:fillRef>
+            <a:effectRef idx="0">
+              <a:schemeClr val="dk1"/>
+            </a:effectRef>
+            <a:fontRef idx="minor">
+              <a:schemeClr val="tx1"/>
+            </a:fontRef>
+          </p:style>
+        </p:cxnSp>
+        <p:cxnSp>
+          <p:nvCxnSpPr>
+            <p:cNvPr id="11" name="Straight Arrow Connector 10">
+              <a:extLst>
+                <a:ext uri="{FF2B5EF4-FFF2-40B4-BE49-F238E27FC236}">
+                  <a16:creationId xmlns:a16="http://schemas.microsoft.com/office/drawing/2014/main" id="{EE8DF780-8988-42C7-B161-2990658138BD}"/>
+                </a:ext>
+              </a:extLst>
+            </p:cNvPr>
+            <p:cNvCxnSpPr>
+              <a:cxnSpLocks/>
+              <a:stCxn id="7" idx="3"/>
+              <a:endCxn id="9" idx="7"/>
+            </p:cNvCxnSpPr>
+            <p:nvPr/>
+          </p:nvCxnSpPr>
+          <p:spPr>
+            <a:xfrm flipH="1">
+              <a:off x="6948051" y="3197595"/>
+              <a:ext cx="647732" cy="448988"/>
+            </a:xfrm>
+            <a:prstGeom prst="straightConnector1">
+              <a:avLst/>
+            </a:prstGeom>
+            <a:ln w="28575">
+              <a:tailEnd type="triangle"/>
+            </a:ln>
+          </p:spPr>
+          <p:style>
+            <a:lnRef idx="1">
+              <a:schemeClr val="dk1"/>
+            </a:lnRef>
+            <a:fillRef idx="0">
+              <a:schemeClr val="dk1"/>
+            </a:fillRef>
+            <a:effectRef idx="0">
+              <a:schemeClr val="dk1"/>
+            </a:effectRef>
+            <a:fontRef idx="minor">
+              <a:schemeClr val="tx1"/>
+            </a:fontRef>
+          </p:style>
+        </p:cxnSp>
+      </p:grpSp>
+    </p:spTree>
+    <p:extLst>
+      <p:ext uri="{BB962C8B-B14F-4D97-AF65-F5344CB8AC3E}">
+        <p14:creationId xmlns:p14="http://schemas.microsoft.com/office/powerpoint/2010/main" val="890112003"/>
+      </p:ext>
+    </p:extLst>
+  </p:cSld>
+  <p:clrMapOvr>
+    <a:masterClrMapping/>
+  </p:clrMapOvr>
+</p:sld>
+</file>
+
+<file path=ppt/slides/slide41.xml><?xml version="1.0" encoding="utf-8"?>
+<p:sld xmlns:a="http://schemas.openxmlformats.org/drawingml/2006/main" xmlns:r="http://schemas.openxmlformats.org/officeDocument/2006/relationships" xmlns:p="http://schemas.openxmlformats.org/presentationml/2006/main">
+  <p:cSld>
+    <p:spTree>
+      <p:nvGrpSpPr>
+        <p:cNvPr id="1" name=""/>
+        <p:cNvGrpSpPr/>
+        <p:nvPr/>
+      </p:nvGrpSpPr>
+      <p:grpSpPr>
+        <a:xfrm>
+          <a:off x="0" y="0"/>
+          <a:ext cx="0" cy="0"/>
+          <a:chOff x="0" y="0"/>
+          <a:chExt cx="0" cy="0"/>
+        </a:xfrm>
+      </p:grpSpPr>
+      <p:sp>
+        <p:nvSpPr>
+          <p:cNvPr id="2" name="Title 1">
+            <a:extLst>
+              <a:ext uri="{FF2B5EF4-FFF2-40B4-BE49-F238E27FC236}">
+                <a16:creationId xmlns:a16="http://schemas.microsoft.com/office/drawing/2014/main" id="{5E2BE66A-D14E-4D3B-B165-8D2F9DDC56EA}"/>
+              </a:ext>
+            </a:extLst>
+          </p:cNvPr>
+          <p:cNvSpPr>
+            <a:spLocks noGrp="1"/>
+          </p:cNvSpPr>
+          <p:nvPr>
+            <p:ph type="title"/>
+          </p:nvPr>
+        </p:nvSpPr>
+        <p:spPr/>
+        <p:txBody>
+          <a:bodyPr/>
+          <a:lstStyle/>
+          <a:p>
+            <a:r>
+              <a:rPr lang="en-US" dirty="0"/>
+              <a:t>Counting</a:t>
+            </a:r>
+          </a:p>
+        </p:txBody>
+      </p:sp>
+      <p:pic>
+        <p:nvPicPr>
+          <p:cNvPr id="5" name="Picture 4">
+            <a:extLst>
+              <a:ext uri="{FF2B5EF4-FFF2-40B4-BE49-F238E27FC236}">
+                <a16:creationId xmlns:a16="http://schemas.microsoft.com/office/drawing/2014/main" id="{BBA3E107-9FB5-4C2D-A130-1B821690F197}"/>
+              </a:ext>
+            </a:extLst>
+          </p:cNvPr>
+          <p:cNvPicPr>
+            <a:picLocks noChangeAspect="1"/>
+          </p:cNvPicPr>
+          <p:nvPr/>
+        </p:nvPicPr>
+        <p:blipFill>
+          <a:blip r:embed="rId2"/>
+          <a:stretch>
+            <a:fillRect/>
+          </a:stretch>
+        </p:blipFill>
+        <p:spPr>
+          <a:xfrm>
+            <a:off x="519112" y="1690688"/>
+            <a:ext cx="11153775" cy="2505075"/>
+          </a:xfrm>
+          <a:prstGeom prst="rect">
+            <a:avLst/>
+          </a:prstGeom>
+        </p:spPr>
+      </p:pic>
+    </p:spTree>
+    <p:extLst>
+      <p:ext uri="{BB962C8B-B14F-4D97-AF65-F5344CB8AC3E}">
+        <p14:creationId xmlns:p14="http://schemas.microsoft.com/office/powerpoint/2010/main" val="2536041242"/>
+      </p:ext>
+    </p:extLst>
+  </p:cSld>
+  <p:clrMapOvr>
+    <a:masterClrMapping/>
+  </p:clrMapOvr>
+</p:sld>
+</file>
+
+<file path=ppt/slides/slide42.xml><?xml version="1.0" encoding="utf-8"?>
+<p:sld xmlns:a="http://schemas.openxmlformats.org/drawingml/2006/main" xmlns:r="http://schemas.openxmlformats.org/officeDocument/2006/relationships" xmlns:p="http://schemas.openxmlformats.org/presentationml/2006/main">
+  <p:cSld>
+    <p:spTree>
+      <p:nvGrpSpPr>
+        <p:cNvPr id="1" name=""/>
+        <p:cNvGrpSpPr/>
+        <p:nvPr/>
+      </p:nvGrpSpPr>
+      <p:grpSpPr>
+        <a:xfrm>
+          <a:off x="0" y="0"/>
+          <a:ext cx="0" cy="0"/>
+          <a:chOff x="0" y="0"/>
+          <a:chExt cx="0" cy="0"/>
+        </a:xfrm>
+      </p:grpSpPr>
+      <p:sp>
+        <p:nvSpPr>
+          <p:cNvPr id="2" name="Title 1"/>
+          <p:cNvSpPr>
+            <a:spLocks noGrp="1"/>
+          </p:cNvSpPr>
+          <p:nvPr>
+            <p:ph type="ctrTitle"/>
+          </p:nvPr>
+        </p:nvSpPr>
+        <p:spPr>
+          <a:xfrm>
+            <a:off x="1806633" y="1853882"/>
+            <a:ext cx="9144000" cy="2387600"/>
+          </a:xfrm>
+        </p:spPr>
+        <p:txBody>
+          <a:bodyPr>
+            <a:normAutofit fontScale="90000"/>
+          </a:bodyPr>
+          <a:lstStyle/>
+          <a:p>
+            <a:r>
+              <a:rPr lang="en-US" dirty="0"/>
+              <a:t>Part 2.2</a:t>
+            </a:r>
+            <a:br>
+              <a:rPr lang="en-US" dirty="0"/>
+            </a:br>
+            <a:r>
+              <a:rPr lang="en-US" dirty="0"/>
+              <a:t>Use </a:t>
+            </a:r>
+            <a:r>
+              <a:rPr lang="en-US" dirty="0" err="1"/>
+              <a:t>pgmpy</a:t>
+            </a:r>
+            <a:r>
+              <a:rPr lang="en-US" dirty="0"/>
+              <a:t> when </a:t>
+            </a:r>
+            <a:br>
+              <a:rPr lang="en-US" dirty="0"/>
+            </a:br>
+            <a:r>
+              <a:rPr lang="en-US" dirty="0"/>
+              <a:t>not knowing graph structure</a:t>
+            </a:r>
+          </a:p>
+        </p:txBody>
+      </p:sp>
+    </p:spTree>
+    <p:extLst>
+      <p:ext uri="{BB962C8B-B14F-4D97-AF65-F5344CB8AC3E}">
+        <p14:creationId xmlns:p14="http://schemas.microsoft.com/office/powerpoint/2010/main" val="3119861595"/>
+      </p:ext>
+    </p:extLst>
+  </p:cSld>
+  <p:clrMapOvr>
+    <a:masterClrMapping/>
+  </p:clrMapOvr>
+</p:sld>
+</file>
+
+<file path=ppt/slides/slide43.xml><?xml version="1.0" encoding="utf-8"?>
+<p:sld xmlns:a="http://schemas.openxmlformats.org/drawingml/2006/main" xmlns:r="http://schemas.openxmlformats.org/officeDocument/2006/relationships" xmlns:p="http://schemas.openxmlformats.org/presentationml/2006/main">
+  <p:cSld>
+    <p:spTree>
+      <p:nvGrpSpPr>
+        <p:cNvPr id="1" name=""/>
+        <p:cNvGrpSpPr/>
+        <p:nvPr/>
+      </p:nvGrpSpPr>
+      <p:grpSpPr>
+        <a:xfrm>
+          <a:off x="0" y="0"/>
+          <a:ext cx="0" cy="0"/>
+          <a:chOff x="0" y="0"/>
+          <a:chExt cx="0" cy="0"/>
+        </a:xfrm>
+      </p:grpSpPr>
+      <p:sp>
+        <p:nvSpPr>
+          <p:cNvPr id="2" name="Title 1">
+            <a:extLst>
+              <a:ext uri="{FF2B5EF4-FFF2-40B4-BE49-F238E27FC236}">
+                <a16:creationId xmlns:a16="http://schemas.microsoft.com/office/drawing/2014/main" id="{912F7379-E461-45B2-A6D3-CE54DDD4FDDF}"/>
+              </a:ext>
+            </a:extLst>
+          </p:cNvPr>
+          <p:cNvSpPr>
+            <a:spLocks noGrp="1"/>
+          </p:cNvSpPr>
+          <p:nvPr>
+            <p:ph type="title"/>
+          </p:nvPr>
+        </p:nvSpPr>
+        <p:spPr/>
+        <p:txBody>
+          <a:bodyPr/>
+          <a:lstStyle/>
+          <a:p>
+            <a:endParaRPr lang="en-US" dirty="0"/>
+          </a:p>
+        </p:txBody>
+      </p:sp>
+      <p:sp>
+        <p:nvSpPr>
+          <p:cNvPr id="3" name="Content Placeholder 2">
+            <a:extLst>
+              <a:ext uri="{FF2B5EF4-FFF2-40B4-BE49-F238E27FC236}">
+                <a16:creationId xmlns:a16="http://schemas.microsoft.com/office/drawing/2014/main" id="{E4AC4CA2-88BD-4811-AB4E-B7ECCCB3147F}"/>
+              </a:ext>
+            </a:extLst>
+          </p:cNvPr>
+          <p:cNvSpPr>
+            <a:spLocks noGrp="1"/>
+          </p:cNvSpPr>
+          <p:nvPr>
+            <p:ph idx="1"/>
+          </p:nvPr>
+        </p:nvSpPr>
+        <p:spPr/>
+        <p:txBody>
+          <a:bodyPr/>
+          <a:lstStyle/>
+          <a:p>
+            <a:endParaRPr lang="en-US"/>
+          </a:p>
+        </p:txBody>
+      </p:sp>
+    </p:spTree>
+    <p:extLst>
+      <p:ext uri="{BB962C8B-B14F-4D97-AF65-F5344CB8AC3E}">
+        <p14:creationId xmlns:p14="http://schemas.microsoft.com/office/powerpoint/2010/main" val="1729885696"/>
+      </p:ext>
+    </p:extLst>
+  </p:cSld>
+  <p:clrMapOvr>
+    <a:masterClrMapping/>
+  </p:clrMapOvr>
+</p:sld>
+</file>
+
+<file path=ppt/slides/slide44.xml><?xml version="1.0" encoding="utf-8"?>
+<p:sld xmlns:a="http://schemas.openxmlformats.org/drawingml/2006/main" xmlns:r="http://schemas.openxmlformats.org/officeDocument/2006/relationships" xmlns:p="http://schemas.openxmlformats.org/presentationml/2006/main">
+  <p:cSld>
+    <p:spTree>
+      <p:nvGrpSpPr>
+        <p:cNvPr id="1" name=""/>
+        <p:cNvGrpSpPr/>
+        <p:nvPr/>
+      </p:nvGrpSpPr>
+      <p:grpSpPr>
+        <a:xfrm>
+          <a:off x="0" y="0"/>
+          <a:ext cx="0" cy="0"/>
+          <a:chOff x="0" y="0"/>
+          <a:chExt cx="0" cy="0"/>
+        </a:xfrm>
+      </p:grpSpPr>
+      <p:sp>
+        <p:nvSpPr>
+          <p:cNvPr id="2" name="Title 1"/>
+          <p:cNvSpPr>
+            <a:spLocks noGrp="1"/>
+          </p:cNvSpPr>
+          <p:nvPr>
+            <p:ph type="ctrTitle"/>
+          </p:nvPr>
+        </p:nvSpPr>
+        <p:spPr>
+          <a:xfrm>
+            <a:off x="1806633" y="1853882"/>
+            <a:ext cx="9144000" cy="2387600"/>
+          </a:xfrm>
+        </p:spPr>
+        <p:txBody>
+          <a:bodyPr>
+            <a:normAutofit/>
+          </a:bodyPr>
+          <a:lstStyle/>
+          <a:p>
+            <a:r>
+              <a:rPr lang="en-US"/>
+              <a:t>Part 3</a:t>
+            </a:r>
+            <a:br>
+              <a:rPr lang="en-US"/>
+            </a:br>
+            <a:r>
+              <a:rPr lang="en-US"/>
+              <a:t>Application</a:t>
+            </a:r>
+          </a:p>
+        </p:txBody>
+      </p:sp>
+    </p:spTree>
+    <p:extLst>
+      <p:ext uri="{BB962C8B-B14F-4D97-AF65-F5344CB8AC3E}">
+        <p14:creationId xmlns:p14="http://schemas.microsoft.com/office/powerpoint/2010/main" val="2154522713"/>
+      </p:ext>
+    </p:extLst>
+  </p:cSld>
+  <p:clrMapOvr>
+    <a:masterClrMapping/>
+  </p:clrMapOvr>
+</p:sld>
+</file>
+
+<file path=ppt/slides/slide45.xml><?xml version="1.0" encoding="utf-8"?>
+<p:sld xmlns:a="http://schemas.openxmlformats.org/drawingml/2006/main" xmlns:r="http://schemas.openxmlformats.org/officeDocument/2006/relationships" xmlns:p="http://schemas.openxmlformats.org/presentationml/2006/main">
+  <p:cSld>
+    <p:spTree>
+      <p:nvGrpSpPr>
+        <p:cNvPr id="1" name=""/>
+        <p:cNvGrpSpPr/>
+        <p:nvPr/>
+      </p:nvGrpSpPr>
+      <p:grpSpPr>
+        <a:xfrm>
+          <a:off x="0" y="0"/>
+          <a:ext cx="0" cy="0"/>
+          <a:chOff x="0" y="0"/>
+          <a:chExt cx="0" cy="0"/>
+        </a:xfrm>
+      </p:grpSpPr>
+      <p:sp>
+        <p:nvSpPr>
           <p:cNvPr id="2" name="Title 1"/>
           <p:cNvSpPr>
             <a:spLocks noGrp="1"/>
@@ -15065,93 +17670,111 @@
           <a:p>
             <a:r>
               <a:rPr lang="en-US"/>
-              <a:t>Graph</a:t>
+              <a:t>Medical diagnosis (data)</a:t>
             </a:r>
           </a:p>
         </p:txBody>
       </p:sp>
       <p:sp>
         <p:nvSpPr>
-          <p:cNvPr id="5" name="Oval 4"/>
+          <p:cNvPr id="4" name="Rectangle 3"/>
           <p:cNvSpPr/>
           <p:nvPr/>
         </p:nvSpPr>
         <p:spPr>
           <a:xfrm>
-            <a:off x="5243945" y="1690688"/>
-            <a:ext cx="1704109" cy="955963"/>
+            <a:off x="838200" y="1690688"/>
+            <a:ext cx="8997142" cy="954107"/>
           </a:xfrm>
-          <a:prstGeom prst="ellipse">
+          <a:prstGeom prst="rect">
             <a:avLst/>
           </a:prstGeom>
         </p:spPr>
-        <p:style>
-          <a:lnRef idx="2">
-            <a:schemeClr val="accent1">
-              <a:shade val="50000"/>
-            </a:schemeClr>
-          </a:lnRef>
-          <a:fillRef idx="1">
-            <a:schemeClr val="accent1"/>
-          </a:fillRef>
-          <a:effectRef idx="0">
-            <a:schemeClr val="accent1"/>
-          </a:effectRef>
-          <a:fontRef idx="minor">
-            <a:schemeClr val="lt1"/>
-          </a:fontRef>
-        </p:style>
         <p:txBody>
-          <a:bodyPr rtlCol="0" anchor="ctr"/>
+          <a:bodyPr wrap="square">
+            <a:spAutoFit/>
+          </a:bodyPr>
           <a:lstStyle/>
           <a:p>
-            <a:pPr algn="ctr"/>
-            <a:r>
-              <a:rPr lang="en-US"/>
-              <a:t>Symptom1</a:t>
+            <a:r>
+              <a:rPr lang="en-US" sz="2800" dirty="0"/>
+              <a:t>Source: https://www.kaggle.com/itachi9604/disease-symptom-description-dataset?select=dataset.csv</a:t>
             </a:r>
           </a:p>
         </p:txBody>
       </p:sp>
-      <p:sp>
-        <p:nvSpPr>
-          <p:cNvPr id="6" name="Oval 5"/>
-          <p:cNvSpPr/>
+      <p:pic>
+        <p:nvPicPr>
+          <p:cNvPr id="5" name="Picture 4"/>
+          <p:cNvPicPr>
+            <a:picLocks noChangeAspect="1"/>
+          </p:cNvPicPr>
           <p:nvPr/>
-        </p:nvSpPr>
+        </p:nvPicPr>
+        <p:blipFill>
+          <a:blip r:embed="rId2"/>
+          <a:stretch>
+            <a:fillRect/>
+          </a:stretch>
+        </p:blipFill>
         <p:spPr>
           <a:xfrm>
-            <a:off x="3078481" y="3028604"/>
-            <a:ext cx="1704109" cy="955963"/>
+            <a:off x="4545993" y="2644795"/>
+            <a:ext cx="3100014" cy="3613920"/>
           </a:xfrm>
-          <a:prstGeom prst="ellipse">
+          <a:prstGeom prst="rect">
             <a:avLst/>
           </a:prstGeom>
         </p:spPr>
-        <p:style>
-          <a:lnRef idx="2">
-            <a:schemeClr val="accent1">
-              <a:shade val="50000"/>
-            </a:schemeClr>
-          </a:lnRef>
-          <a:fillRef idx="1">
-            <a:schemeClr val="accent1"/>
-          </a:fillRef>
-          <a:effectRef idx="0">
-            <a:schemeClr val="accent1"/>
-          </a:effectRef>
-          <a:fontRef idx="minor">
-            <a:schemeClr val="lt1"/>
-          </a:fontRef>
-        </p:style>
+      </p:pic>
+    </p:spTree>
+    <p:extLst>
+      <p:ext uri="{BB962C8B-B14F-4D97-AF65-F5344CB8AC3E}">
+        <p14:creationId xmlns:p14="http://schemas.microsoft.com/office/powerpoint/2010/main" val="2483543744"/>
+      </p:ext>
+    </p:extLst>
+  </p:cSld>
+  <p:clrMapOvr>
+    <a:masterClrMapping/>
+  </p:clrMapOvr>
+</p:sld>
+</file>
+
+<file path=ppt/slides/slide46.xml><?xml version="1.0" encoding="utf-8"?>
+<p:sld xmlns:a="http://schemas.openxmlformats.org/drawingml/2006/main" xmlns:r="http://schemas.openxmlformats.org/officeDocument/2006/relationships" xmlns:p="http://schemas.openxmlformats.org/presentationml/2006/main">
+  <p:cSld>
+    <p:spTree>
+      <p:nvGrpSpPr>
+        <p:cNvPr id="1" name=""/>
+        <p:cNvGrpSpPr/>
+        <p:nvPr/>
+      </p:nvGrpSpPr>
+      <p:grpSpPr>
+        <a:xfrm>
+          <a:off x="0" y="0"/>
+          <a:ext cx="0" cy="0"/>
+          <a:chOff x="0" y="0"/>
+          <a:chExt cx="0" cy="0"/>
+        </a:xfrm>
+      </p:grpSpPr>
+      <p:sp>
+        <p:nvSpPr>
+          <p:cNvPr id="2" name="Title 1"/>
+          <p:cNvSpPr>
+            <a:spLocks noGrp="1"/>
+          </p:cNvSpPr>
+          <p:nvPr>
+            <p:ph type="title"/>
+          </p:nvPr>
+        </p:nvSpPr>
+        <p:spPr/>
         <p:txBody>
-          <a:bodyPr rtlCol="0" anchor="ctr"/>
+          <a:bodyPr/>
           <a:lstStyle/>
           <a:p>
-            <a:pPr algn="ctr"/>
             <a:r>
               <a:rPr lang="en-US"/>
-              <a:t>Symptom2</a:t>
+              <a:t>Graph</a:t>
             </a:r>
           </a:p>
         </p:txBody>
@@ -15199,121 +17822,228 @@
           </a:p>
         </p:txBody>
       </p:sp>
-      <p:sp>
-        <p:nvSpPr>
-          <p:cNvPr id="8" name="Oval 7"/>
-          <p:cNvSpPr/>
+      <p:grpSp>
+        <p:nvGrpSpPr>
+          <p:cNvPr id="3" name="Group 2">
+            <a:extLst>
+              <a:ext uri="{FF2B5EF4-FFF2-40B4-BE49-F238E27FC236}">
+                <a16:creationId xmlns:a16="http://schemas.microsoft.com/office/drawing/2014/main" id="{D4E8970E-591F-485D-8DE3-1017F22DFA2D}"/>
+              </a:ext>
+            </a:extLst>
+          </p:cNvPr>
+          <p:cNvGrpSpPr/>
           <p:nvPr/>
-        </p:nvSpPr>
-        <p:spPr>
+        </p:nvGrpSpPr>
+        <p:grpSpPr>
           <a:xfrm>
-            <a:off x="5243944" y="4172990"/>
-            <a:ext cx="1704109" cy="955963"/>
+            <a:off x="3078481" y="1690688"/>
+            <a:ext cx="3869573" cy="3438265"/>
+            <a:chOff x="3078481" y="1690688"/>
+            <a:chExt cx="3869573" cy="3438265"/>
           </a:xfrm>
-          <a:prstGeom prst="ellipse">
-            <a:avLst/>
-          </a:prstGeom>
-        </p:spPr>
-        <p:style>
-          <a:lnRef idx="2">
-            <a:schemeClr val="accent1">
-              <a:shade val="50000"/>
-            </a:schemeClr>
-          </a:lnRef>
-          <a:fillRef idx="1">
-            <a:schemeClr val="accent1"/>
-          </a:fillRef>
-          <a:effectRef idx="0">
-            <a:schemeClr val="accent1"/>
-          </a:effectRef>
-          <a:fontRef idx="minor">
-            <a:schemeClr val="lt1"/>
-          </a:fontRef>
-        </p:style>
-        <p:txBody>
-          <a:bodyPr rtlCol="0" anchor="ctr"/>
-          <a:lstStyle/>
-          <a:p>
-            <a:pPr algn="ctr"/>
-            <a:r>
-              <a:rPr lang="en-US"/>
-              <a:t>Disease</a:t>
-            </a:r>
-          </a:p>
-        </p:txBody>
-      </p:sp>
-      <p:cxnSp>
-        <p:nvCxnSpPr>
-          <p:cNvPr id="10" name="Straight Arrow Connector 9"/>
-          <p:cNvCxnSpPr>
-            <a:stCxn id="6" idx="5"/>
-            <a:endCxn id="8" idx="1"/>
-          </p:cNvCxnSpPr>
-          <p:nvPr/>
-        </p:nvCxnSpPr>
-        <p:spPr>
-          <a:xfrm>
-            <a:off x="4533029" y="3844569"/>
-            <a:ext cx="960476" cy="468419"/>
-          </a:xfrm>
-          <a:prstGeom prst="straightConnector1">
-            <a:avLst/>
-          </a:prstGeom>
-          <a:ln w="28575">
-            <a:tailEnd type="triangle"/>
-          </a:ln>
-        </p:spPr>
-        <p:style>
-          <a:lnRef idx="1">
-            <a:schemeClr val="dk1"/>
-          </a:lnRef>
-          <a:fillRef idx="0">
-            <a:schemeClr val="dk1"/>
-          </a:fillRef>
-          <a:effectRef idx="0">
-            <a:schemeClr val="dk1"/>
-          </a:effectRef>
-          <a:fontRef idx="minor">
-            <a:schemeClr val="tx1"/>
-          </a:fontRef>
-        </p:style>
-      </p:cxnSp>
-      <p:cxnSp>
-        <p:nvCxnSpPr>
-          <p:cNvPr id="12" name="Straight Arrow Connector 11"/>
-          <p:cNvCxnSpPr>
-            <a:stCxn id="5" idx="4"/>
-            <a:endCxn id="8" idx="0"/>
-          </p:cNvCxnSpPr>
-          <p:nvPr/>
-        </p:nvCxnSpPr>
-        <p:spPr>
-          <a:xfrm flipH="1">
-            <a:off x="6095999" y="2646651"/>
-            <a:ext cx="1" cy="1526339"/>
-          </a:xfrm>
-          <a:prstGeom prst="straightConnector1">
-            <a:avLst/>
-          </a:prstGeom>
-          <a:ln w="28575">
-            <a:tailEnd type="triangle"/>
-          </a:ln>
-        </p:spPr>
-        <p:style>
-          <a:lnRef idx="1">
-            <a:schemeClr val="dk1"/>
-          </a:lnRef>
-          <a:fillRef idx="0">
-            <a:schemeClr val="dk1"/>
-          </a:fillRef>
-          <a:effectRef idx="0">
-            <a:schemeClr val="dk1"/>
-          </a:effectRef>
-          <a:fontRef idx="minor">
-            <a:schemeClr val="tx1"/>
-          </a:fontRef>
-        </p:style>
-      </p:cxnSp>
+        </p:grpSpPr>
+        <p:sp>
+          <p:nvSpPr>
+            <p:cNvPr id="5" name="Oval 4"/>
+            <p:cNvSpPr/>
+            <p:nvPr/>
+          </p:nvSpPr>
+          <p:spPr>
+            <a:xfrm>
+              <a:off x="5243945" y="1690688"/>
+              <a:ext cx="1704109" cy="955963"/>
+            </a:xfrm>
+            <a:prstGeom prst="ellipse">
+              <a:avLst/>
+            </a:prstGeom>
+          </p:spPr>
+          <p:style>
+            <a:lnRef idx="2">
+              <a:schemeClr val="accent1">
+                <a:shade val="50000"/>
+              </a:schemeClr>
+            </a:lnRef>
+            <a:fillRef idx="1">
+              <a:schemeClr val="accent1"/>
+            </a:fillRef>
+            <a:effectRef idx="0">
+              <a:schemeClr val="accent1"/>
+            </a:effectRef>
+            <a:fontRef idx="minor">
+              <a:schemeClr val="lt1"/>
+            </a:fontRef>
+          </p:style>
+          <p:txBody>
+            <a:bodyPr rtlCol="0" anchor="ctr"/>
+            <a:lstStyle/>
+            <a:p>
+              <a:pPr algn="ctr"/>
+              <a:r>
+                <a:rPr lang="en-US"/>
+                <a:t>Symptom1</a:t>
+              </a:r>
+            </a:p>
+          </p:txBody>
+        </p:sp>
+        <p:sp>
+          <p:nvSpPr>
+            <p:cNvPr id="6" name="Oval 5"/>
+            <p:cNvSpPr/>
+            <p:nvPr/>
+          </p:nvSpPr>
+          <p:spPr>
+            <a:xfrm>
+              <a:off x="3078481" y="3028604"/>
+              <a:ext cx="1704109" cy="955963"/>
+            </a:xfrm>
+            <a:prstGeom prst="ellipse">
+              <a:avLst/>
+            </a:prstGeom>
+          </p:spPr>
+          <p:style>
+            <a:lnRef idx="2">
+              <a:schemeClr val="accent1">
+                <a:shade val="50000"/>
+              </a:schemeClr>
+            </a:lnRef>
+            <a:fillRef idx="1">
+              <a:schemeClr val="accent1"/>
+            </a:fillRef>
+            <a:effectRef idx="0">
+              <a:schemeClr val="accent1"/>
+            </a:effectRef>
+            <a:fontRef idx="minor">
+              <a:schemeClr val="lt1"/>
+            </a:fontRef>
+          </p:style>
+          <p:txBody>
+            <a:bodyPr rtlCol="0" anchor="ctr"/>
+            <a:lstStyle/>
+            <a:p>
+              <a:pPr algn="ctr"/>
+              <a:r>
+                <a:rPr lang="en-US" dirty="0"/>
+                <a:t>Symptom2</a:t>
+              </a:r>
+            </a:p>
+          </p:txBody>
+        </p:sp>
+        <p:sp>
+          <p:nvSpPr>
+            <p:cNvPr id="8" name="Oval 7"/>
+            <p:cNvSpPr/>
+            <p:nvPr/>
+          </p:nvSpPr>
+          <p:spPr>
+            <a:xfrm>
+              <a:off x="5243944" y="4172990"/>
+              <a:ext cx="1704109" cy="955963"/>
+            </a:xfrm>
+            <a:prstGeom prst="ellipse">
+              <a:avLst/>
+            </a:prstGeom>
+          </p:spPr>
+          <p:style>
+            <a:lnRef idx="2">
+              <a:schemeClr val="accent1">
+                <a:shade val="50000"/>
+              </a:schemeClr>
+            </a:lnRef>
+            <a:fillRef idx="1">
+              <a:schemeClr val="accent1"/>
+            </a:fillRef>
+            <a:effectRef idx="0">
+              <a:schemeClr val="accent1"/>
+            </a:effectRef>
+            <a:fontRef idx="minor">
+              <a:schemeClr val="lt1"/>
+            </a:fontRef>
+          </p:style>
+          <p:txBody>
+            <a:bodyPr rtlCol="0" anchor="ctr"/>
+            <a:lstStyle/>
+            <a:p>
+              <a:pPr algn="ctr"/>
+              <a:r>
+                <a:rPr lang="en-US"/>
+                <a:t>Disease</a:t>
+              </a:r>
+            </a:p>
+          </p:txBody>
+        </p:sp>
+        <p:cxnSp>
+          <p:nvCxnSpPr>
+            <p:cNvPr id="10" name="Straight Arrow Connector 9"/>
+            <p:cNvCxnSpPr>
+              <a:stCxn id="6" idx="5"/>
+              <a:endCxn id="8" idx="1"/>
+            </p:cNvCxnSpPr>
+            <p:nvPr/>
+          </p:nvCxnSpPr>
+          <p:spPr>
+            <a:xfrm>
+              <a:off x="4533029" y="3844569"/>
+              <a:ext cx="960476" cy="468419"/>
+            </a:xfrm>
+            <a:prstGeom prst="straightConnector1">
+              <a:avLst/>
+            </a:prstGeom>
+            <a:ln w="28575">
+              <a:tailEnd type="triangle"/>
+            </a:ln>
+          </p:spPr>
+          <p:style>
+            <a:lnRef idx="1">
+              <a:schemeClr val="dk1"/>
+            </a:lnRef>
+            <a:fillRef idx="0">
+              <a:schemeClr val="dk1"/>
+            </a:fillRef>
+            <a:effectRef idx="0">
+              <a:schemeClr val="dk1"/>
+            </a:effectRef>
+            <a:fontRef idx="minor">
+              <a:schemeClr val="tx1"/>
+            </a:fontRef>
+          </p:style>
+        </p:cxnSp>
+        <p:cxnSp>
+          <p:nvCxnSpPr>
+            <p:cNvPr id="12" name="Straight Arrow Connector 11"/>
+            <p:cNvCxnSpPr>
+              <a:stCxn id="5" idx="4"/>
+              <a:endCxn id="8" idx="0"/>
+            </p:cNvCxnSpPr>
+            <p:nvPr/>
+          </p:nvCxnSpPr>
+          <p:spPr>
+            <a:xfrm flipH="1">
+              <a:off x="6095999" y="2646651"/>
+              <a:ext cx="1" cy="1526339"/>
+            </a:xfrm>
+            <a:prstGeom prst="straightConnector1">
+              <a:avLst/>
+            </a:prstGeom>
+            <a:ln w="28575">
+              <a:tailEnd type="triangle"/>
+            </a:ln>
+          </p:spPr>
+          <p:style>
+            <a:lnRef idx="1">
+              <a:schemeClr val="dk1"/>
+            </a:lnRef>
+            <a:fillRef idx="0">
+              <a:schemeClr val="dk1"/>
+            </a:fillRef>
+            <a:effectRef idx="0">
+              <a:schemeClr val="dk1"/>
+            </a:effectRef>
+            <a:fontRef idx="minor">
+              <a:schemeClr val="tx1"/>
+            </a:fontRef>
+          </p:style>
+        </p:cxnSp>
+      </p:grpSp>
       <p:cxnSp>
         <p:nvCxnSpPr>
           <p:cNvPr id="14" name="Straight Arrow Connector 13"/>
@@ -15363,7 +18093,7 @@
 </p:sld>
 </file>
 
-<file path=ppt/slides/slide41.xml><?xml version="1.0" encoding="utf-8"?>
+<file path=ppt/slides/slide47.xml><?xml version="1.0" encoding="utf-8"?>
 <p:sld xmlns:a="http://schemas.openxmlformats.org/drawingml/2006/main" xmlns:r="http://schemas.openxmlformats.org/officeDocument/2006/relationships" xmlns:p="http://schemas.openxmlformats.org/presentationml/2006/main">
   <p:cSld>
     <p:spTree>
@@ -15439,7 +18169,7 @@
 </p:sld>
 </file>
 
-<file path=ppt/slides/slide42.xml><?xml version="1.0" encoding="utf-8"?>
+<file path=ppt/slides/slide48.xml><?xml version="1.0" encoding="utf-8"?>
 <p:sld xmlns:a="http://schemas.openxmlformats.org/drawingml/2006/main" xmlns:r="http://schemas.openxmlformats.org/officeDocument/2006/relationships" xmlns:p="http://schemas.openxmlformats.org/presentationml/2006/main">
   <p:cSld>
     <p:spTree>
@@ -15515,7 +18245,7 @@
 </p:sld>
 </file>
 
-<file path=ppt/slides/slide43.xml><?xml version="1.0" encoding="utf-8"?>
+<file path=ppt/slides/slide49.xml><?xml version="1.0" encoding="utf-8"?>
 <p:sld xmlns:a="http://schemas.openxmlformats.org/drawingml/2006/main" xmlns:r="http://schemas.openxmlformats.org/officeDocument/2006/relationships" xmlns:p="http://schemas.openxmlformats.org/presentationml/2006/main">
   <p:cSld>
     <p:spTree>
@@ -20104,7 +22834,13 @@
                                 <a:rPr lang="en-US" sz="2800" b="0" i="1" smtClean="0">
                                   <a:latin typeface="Cambria Math" panose="02040503050406030204" pitchFamily="18" charset="0"/>
                                 </a:rPr>
-                                <m:t>−1</m:t>
+                                <m:t>−</m:t>
+                              </m:r>
+                              <m:r>
+                                <a:rPr lang="en-US" sz="2800" b="0" i="1" smtClean="0">
+                                  <a:latin typeface="Cambria Math" panose="02040503050406030204" pitchFamily="18" charset="0"/>
+                                </a:rPr>
+                                <m:t>1</m:t>
                               </m:r>
                             </m:sub>
                           </m:sSub>

--- a/NguyenDuyHanLam_196005004/baocao.pptx
+++ b/NguyenDuyHanLam_196005004/baocao.pptx
@@ -23,37 +23,39 @@
     <p:sldId id="288" r:id="rId17"/>
     <p:sldId id="289" r:id="rId18"/>
     <p:sldId id="304" r:id="rId19"/>
-    <p:sldId id="299" r:id="rId20"/>
-    <p:sldId id="266" r:id="rId21"/>
-    <p:sldId id="267" r:id="rId22"/>
-    <p:sldId id="268" r:id="rId23"/>
-    <p:sldId id="269" r:id="rId24"/>
-    <p:sldId id="270" r:id="rId25"/>
-    <p:sldId id="305" r:id="rId26"/>
-    <p:sldId id="306" r:id="rId27"/>
-    <p:sldId id="307" r:id="rId28"/>
-    <p:sldId id="280" r:id="rId29"/>
-    <p:sldId id="281" r:id="rId30"/>
-    <p:sldId id="282" r:id="rId31"/>
-    <p:sldId id="283" r:id="rId32"/>
-    <p:sldId id="272" r:id="rId33"/>
-    <p:sldId id="300" r:id="rId34"/>
-    <p:sldId id="301" r:id="rId35"/>
-    <p:sldId id="291" r:id="rId36"/>
-    <p:sldId id="290" r:id="rId37"/>
-    <p:sldId id="292" r:id="rId38"/>
-    <p:sldId id="294" r:id="rId39"/>
-    <p:sldId id="293" r:id="rId40"/>
-    <p:sldId id="302" r:id="rId41"/>
-    <p:sldId id="303" r:id="rId42"/>
-    <p:sldId id="295" r:id="rId43"/>
-    <p:sldId id="296" r:id="rId44"/>
-    <p:sldId id="273" r:id="rId45"/>
-    <p:sldId id="275" r:id="rId46"/>
-    <p:sldId id="279" r:id="rId47"/>
-    <p:sldId id="276" r:id="rId48"/>
-    <p:sldId id="277" r:id="rId49"/>
-    <p:sldId id="278" r:id="rId50"/>
+    <p:sldId id="308" r:id="rId20"/>
+    <p:sldId id="309" r:id="rId21"/>
+    <p:sldId id="310" r:id="rId22"/>
+    <p:sldId id="299" r:id="rId23"/>
+    <p:sldId id="266" r:id="rId24"/>
+    <p:sldId id="267" r:id="rId25"/>
+    <p:sldId id="268" r:id="rId26"/>
+    <p:sldId id="269" r:id="rId27"/>
+    <p:sldId id="270" r:id="rId28"/>
+    <p:sldId id="305" r:id="rId29"/>
+    <p:sldId id="307" r:id="rId30"/>
+    <p:sldId id="280" r:id="rId31"/>
+    <p:sldId id="281" r:id="rId32"/>
+    <p:sldId id="282" r:id="rId33"/>
+    <p:sldId id="283" r:id="rId34"/>
+    <p:sldId id="272" r:id="rId35"/>
+    <p:sldId id="300" r:id="rId36"/>
+    <p:sldId id="301" r:id="rId37"/>
+    <p:sldId id="291" r:id="rId38"/>
+    <p:sldId id="290" r:id="rId39"/>
+    <p:sldId id="292" r:id="rId40"/>
+    <p:sldId id="294" r:id="rId41"/>
+    <p:sldId id="293" r:id="rId42"/>
+    <p:sldId id="302" r:id="rId43"/>
+    <p:sldId id="303" r:id="rId44"/>
+    <p:sldId id="295" r:id="rId45"/>
+    <p:sldId id="296" r:id="rId46"/>
+    <p:sldId id="273" r:id="rId47"/>
+    <p:sldId id="275" r:id="rId48"/>
+    <p:sldId id="279" r:id="rId49"/>
+    <p:sldId id="276" r:id="rId50"/>
+    <p:sldId id="277" r:id="rId51"/>
+    <p:sldId id="278" r:id="rId52"/>
   </p:sldIdLst>
   <p:sldSz cx="12192000" cy="6858000"/>
   <p:notesSz cx="6858000" cy="9144000"/>
@@ -3620,8 +3622,24 @@
           <a:lstStyle/>
           <a:p>
             <a:r>
-              <a:rPr lang="en-US"/>
-              <a:t>Maximum likelihood</a:t>
+              <a:rPr lang="en-US" dirty="0"/>
+              <a:t>Maximum likelihood (</a:t>
+            </a:r>
+            <a:r>
+              <a:rPr lang="en-US" dirty="0" err="1"/>
+              <a:t>Kullback</a:t>
+            </a:r>
+            <a:r>
+              <a:rPr lang="en-US" dirty="0"/>
+              <a:t>–</a:t>
+            </a:r>
+            <a:r>
+              <a:rPr lang="en-US" dirty="0" err="1"/>
+              <a:t>Leibler</a:t>
+            </a:r>
+            <a:r>
+              <a:rPr lang="en-US" dirty="0"/>
+              <a:t> (KL) divergence)</a:t>
             </a:r>
           </a:p>
         </p:txBody>
@@ -4341,7 +4359,7 @@
                     </m:oMath>
                   </m:oMathPara>
                 </a14:m>
-                <a:endParaRPr lang="en-US"/>
+                <a:endParaRPr lang="en-US" dirty="0"/>
               </a:p>
             </p:txBody>
           </p:sp>
@@ -4827,8 +4845,8 @@
           </a:prstGeom>
         </p:spPr>
       </p:pic>
-      <mc:AlternateContent xmlns:mc="http://schemas.openxmlformats.org/markup-compatibility/2006" xmlns:a14="http://schemas.microsoft.com/office/drawing/2010/main">
-        <mc:Choice Requires="a14">
+      <mc:AlternateContent xmlns:mc="http://schemas.openxmlformats.org/markup-compatibility/2006">
+        <mc:Choice xmlns:a14="http://schemas.microsoft.com/office/drawing/2010/main" Requires="a14">
           <p:sp>
             <p:nvSpPr>
               <p:cNvPr id="9" name="TextBox 8"/>
@@ -5289,12 +5307,12 @@
                     </m:oMath>
                   </m:oMathPara>
                 </a14:m>
-                <a:endParaRPr lang="en-US"/>
+                <a:endParaRPr lang="en-US" dirty="0"/>
               </a:p>
             </p:txBody>
           </p:sp>
         </mc:Choice>
-        <mc:Fallback xmlns="">
+        <mc:Fallback>
           <p:sp>
             <p:nvSpPr>
               <p:cNvPr id="9" name="TextBox 8"/>
@@ -5379,8 +5397,8 @@
           <a:lstStyle/>
           <a:p>
             <a:r>
-              <a:rPr lang="en-US"/>
-              <a:t>Maximum likelihood</a:t>
+              <a:rPr lang="en-US" dirty="0"/>
+              <a:t>Maximum likelihood (KL divergence)</a:t>
             </a:r>
           </a:p>
         </p:txBody>
@@ -5741,7 +5759,7 @@
                     </m:oMath>
                   </m:oMathPara>
                 </a14:m>
-                <a:endParaRPr lang="en-US" sz="2800"/>
+                <a:endParaRPr lang="en-US" sz="2800" dirty="0"/>
               </a:p>
             </p:txBody>
           </p:sp>
@@ -6262,7 +6280,7 @@
                     </m:oMath>
                   </m:oMathPara>
                 </a14:m>
-                <a:endParaRPr lang="en-US" sz="2800"/>
+                <a:endParaRPr lang="en-US" sz="2800" dirty="0"/>
               </a:p>
             </p:txBody>
           </p:sp>
@@ -6495,8 +6513,16 @@
               </a:lstStyle>
               <a:p>
                 <a:r>
-                  <a:rPr lang="en-US"/>
-                  <a:t>D: is dataset drawn independent and identically distributed (i.i.d) </a:t>
+                  <a:rPr lang="en-US" dirty="0"/>
+                  <a:t>D: is dataset drawn independent and identically distributed (</a:t>
+                </a:r>
+                <a:r>
+                  <a:rPr lang="en-US" dirty="0" err="1"/>
+                  <a:t>i.i.d</a:t>
+                </a:r>
+                <a:r>
+                  <a:rPr lang="en-US" dirty="0"/>
+                  <a:t>) </a:t>
                 </a:r>
                 <a14:m>
                   <m:oMath xmlns:m="http://schemas.openxmlformats.org/officeDocument/2006/math">
@@ -6544,7 +6570,7 @@
                     </m:d>
                   </m:oMath>
                 </a14:m>
-                <a:endParaRPr lang="en-US"/>
+                <a:endParaRPr lang="en-US" dirty="0"/>
               </a:p>
             </p:txBody>
           </p:sp>
@@ -6634,8 +6660,8 @@
           <a:lstStyle/>
           <a:p>
             <a:r>
-              <a:rPr lang="en-US"/>
-              <a:t>Maximum likelihood</a:t>
+              <a:rPr lang="en-US" dirty="0"/>
+              <a:t>Maximum likelihood (KL divergence)</a:t>
             </a:r>
           </a:p>
         </p:txBody>
@@ -7106,7 +7132,7 @@
                     </m:oMath>
                   </m:oMathPara>
                 </a14:m>
-                <a:endParaRPr lang="en-US" sz="2800"/>
+                <a:endParaRPr lang="en-US" sz="2800" dirty="0"/>
               </a:p>
             </p:txBody>
           </p:sp>
@@ -7513,7 +7539,7 @@
                     </m:oMath>
                   </m:oMathPara>
                 </a14:m>
-                <a:endParaRPr lang="en-US" sz="2800"/>
+                <a:endParaRPr lang="en-US" sz="2800" dirty="0"/>
               </a:p>
             </p:txBody>
           </p:sp>
@@ -9666,51 +9692,219 @@
       </p:grpSpPr>
       <p:sp>
         <p:nvSpPr>
-          <p:cNvPr id="2" name="Title 1"/>
+          <p:cNvPr id="2" name="Title 1">
+            <a:extLst>
+              <a:ext uri="{FF2B5EF4-FFF2-40B4-BE49-F238E27FC236}">
+                <a16:creationId xmlns:a16="http://schemas.microsoft.com/office/drawing/2014/main" id="{050D3274-BB11-48C1-B2FC-7138B6882A5A}"/>
+              </a:ext>
+            </a:extLst>
+          </p:cNvPr>
           <p:cNvSpPr>
             <a:spLocks noGrp="1"/>
           </p:cNvSpPr>
           <p:nvPr>
-            <p:ph type="ctrTitle"/>
+            <p:ph type="title"/>
           </p:nvPr>
+        </p:nvSpPr>
+        <p:spPr/>
+        <p:txBody>
+          <a:bodyPr/>
+          <a:lstStyle/>
+          <a:p>
+            <a:r>
+              <a:rPr lang="en-US" dirty="0"/>
+              <a:t>Bayesian estimator</a:t>
+            </a:r>
+          </a:p>
+        </p:txBody>
+      </p:sp>
+      <p:sp>
+        <p:nvSpPr>
+          <p:cNvPr id="5" name="TextBox 4">
+            <a:extLst>
+              <a:ext uri="{FF2B5EF4-FFF2-40B4-BE49-F238E27FC236}">
+                <a16:creationId xmlns:a16="http://schemas.microsoft.com/office/drawing/2014/main" id="{1AF65B6D-05FE-451D-9312-B8835AD620CB}"/>
+              </a:ext>
+            </a:extLst>
+          </p:cNvPr>
+          <p:cNvSpPr txBox="1"/>
+          <p:nvPr/>
         </p:nvSpPr>
         <p:spPr>
           <a:xfrm>
-            <a:off x="1798320" y="2128202"/>
-            <a:ext cx="9144000" cy="2387600"/>
+            <a:off x="838200" y="1690688"/>
+            <a:ext cx="8525933" cy="954107"/>
           </a:xfrm>
+          <a:prstGeom prst="rect">
+            <a:avLst/>
+          </a:prstGeom>
+          <a:noFill/>
         </p:spPr>
         <p:txBody>
-          <a:bodyPr>
-            <a:normAutofit fontScale="90000"/>
+          <a:bodyPr wrap="square">
+            <a:spAutoFit/>
           </a:bodyPr>
           <a:lstStyle/>
           <a:p>
             <a:r>
-              <a:rPr lang="en-US" dirty="0"/>
-              <a:t>Part 1.3</a:t>
-            </a:r>
-            <a:br>
-              <a:rPr lang="en-US" dirty="0"/>
-            </a:br>
-            <a:r>
-              <a:rPr lang="en-US" dirty="0"/>
-              <a:t>Probabilistic Graphical Model</a:t>
-            </a:r>
-            <a:br>
-              <a:rPr lang="en-US" dirty="0"/>
-            </a:br>
-            <a:r>
-              <a:rPr lang="en-US" dirty="0"/>
-              <a:t>(Inferences)</a:t>
+              <a:rPr lang="en-US" sz="2800" dirty="0"/>
+              <a:t>The prior distribution p has thus far been assumed to be a true probability distribution, in that</a:t>
             </a:r>
           </a:p>
         </p:txBody>
       </p:sp>
+      <mc:AlternateContent xmlns:mc="http://schemas.openxmlformats.org/markup-compatibility/2006">
+        <mc:Choice xmlns:a14="http://schemas.microsoft.com/office/drawing/2010/main" Requires="a14">
+          <p:sp>
+            <p:nvSpPr>
+              <p:cNvPr id="6" name="TextBox 5">
+                <a:extLst>
+                  <a:ext uri="{FF2B5EF4-FFF2-40B4-BE49-F238E27FC236}">
+                    <a16:creationId xmlns:a16="http://schemas.microsoft.com/office/drawing/2014/main" id="{FCC9CE11-89E0-4DF6-9862-17144586B09B}"/>
+                  </a:ext>
+                </a:extLst>
+              </p:cNvPr>
+              <p:cNvSpPr txBox="1"/>
+              <p:nvPr/>
+            </p:nvSpPr>
+            <p:spPr>
+              <a:xfrm>
+                <a:off x="4979316" y="2644795"/>
+                <a:ext cx="2233368" cy="1130181"/>
+              </a:xfrm>
+              <a:prstGeom prst="rect">
+                <a:avLst/>
+              </a:prstGeom>
+              <a:noFill/>
+            </p:spPr>
+            <p:txBody>
+              <a:bodyPr wrap="none" lIns="0" tIns="0" rIns="0" bIns="0" rtlCol="0">
+                <a:spAutoFit/>
+              </a:bodyPr>
+              <a:lstStyle/>
+              <a:p>
+                <a14:m>
+                  <m:oMathPara xmlns:m="http://schemas.openxmlformats.org/officeDocument/2006/math">
+                    <m:oMathParaPr>
+                      <m:jc m:val="centerGroup"/>
+                    </m:oMathParaPr>
+                    <m:oMath xmlns:m="http://schemas.openxmlformats.org/officeDocument/2006/math">
+                      <m:nary>
+                        <m:naryPr>
+                          <m:limLoc m:val="undOvr"/>
+                          <m:subHide m:val="on"/>
+                          <m:supHide m:val="on"/>
+                          <m:ctrlPr>
+                            <a:rPr lang="en-US" sz="2800" i="1" smtClean="0">
+                              <a:latin typeface="Cambria Math" panose="02040503050406030204" pitchFamily="18" charset="0"/>
+                            </a:rPr>
+                          </m:ctrlPr>
+                        </m:naryPr>
+                        <m:sub/>
+                        <m:sup/>
+                        <m:e>
+                          <m:r>
+                            <a:rPr lang="en-US" sz="2800" b="0" i="1" smtClean="0">
+                              <a:latin typeface="Cambria Math" panose="02040503050406030204" pitchFamily="18" charset="0"/>
+                            </a:rPr>
+                            <m:t>𝑝</m:t>
+                          </m:r>
+                          <m:d>
+                            <m:dPr>
+                              <m:ctrlPr>
+                                <a:rPr lang="en-US" sz="2800" b="0" i="1" smtClean="0">
+                                  <a:latin typeface="Cambria Math" panose="02040503050406030204" pitchFamily="18" charset="0"/>
+                                </a:rPr>
+                              </m:ctrlPr>
+                            </m:dPr>
+                            <m:e>
+                              <m:r>
+                                <a:rPr lang="en-US" sz="2800" b="0" i="1" smtClean="0">
+                                  <a:latin typeface="Cambria Math" panose="02040503050406030204" pitchFamily="18" charset="0"/>
+                                  <a:ea typeface="Cambria Math" panose="02040503050406030204" pitchFamily="18" charset="0"/>
+                                </a:rPr>
+                                <m:t>𝜃</m:t>
+                              </m:r>
+                            </m:e>
+                          </m:d>
+                          <m:r>
+                            <a:rPr lang="en-US" sz="2800" b="0" i="1" smtClean="0">
+                              <a:latin typeface="Cambria Math" panose="02040503050406030204" pitchFamily="18" charset="0"/>
+                            </a:rPr>
+                            <m:t>𝑑</m:t>
+                          </m:r>
+                          <m:r>
+                            <a:rPr lang="en-US" sz="2800" b="0" i="1" smtClean="0">
+                              <a:latin typeface="Cambria Math" panose="02040503050406030204" pitchFamily="18" charset="0"/>
+                              <a:ea typeface="Cambria Math" panose="02040503050406030204" pitchFamily="18" charset="0"/>
+                            </a:rPr>
+                            <m:t>𝜃</m:t>
+                          </m:r>
+                        </m:e>
+                      </m:nary>
+                      <m:r>
+                        <a:rPr lang="en-US" sz="2800" b="0" i="1" smtClean="0">
+                          <a:latin typeface="Cambria Math" panose="02040503050406030204" pitchFamily="18" charset="0"/>
+                        </a:rPr>
+                        <m:t>=1</m:t>
+                      </m:r>
+                    </m:oMath>
+                  </m:oMathPara>
+                </a14:m>
+                <a:endParaRPr lang="en-US" sz="2800" dirty="0"/>
+              </a:p>
+            </p:txBody>
+          </p:sp>
+        </mc:Choice>
+        <mc:Fallback>
+          <p:sp>
+            <p:nvSpPr>
+              <p:cNvPr id="6" name="TextBox 5">
+                <a:extLst>
+                  <a:ext uri="{FF2B5EF4-FFF2-40B4-BE49-F238E27FC236}">
+                    <a16:creationId xmlns:a16="http://schemas.microsoft.com/office/drawing/2014/main" id="{FCC9CE11-89E0-4DF6-9862-17144586B09B}"/>
+                  </a:ext>
+                </a:extLst>
+              </p:cNvPr>
+              <p:cNvSpPr txBox="1">
+                <a:spLocks noRot="1" noChangeAspect="1" noMove="1" noResize="1" noEditPoints="1" noAdjustHandles="1" noChangeArrowheads="1" noChangeShapeType="1" noTextEdit="1"/>
+              </p:cNvSpPr>
+              <p:nvPr/>
+            </p:nvSpPr>
+            <p:spPr>
+              <a:xfrm>
+                <a:off x="4979316" y="2644795"/>
+                <a:ext cx="2233368" cy="1130181"/>
+              </a:xfrm>
+              <a:prstGeom prst="rect">
+                <a:avLst/>
+              </a:prstGeom>
+              <a:blipFill>
+                <a:blip r:embed="rId2"/>
+                <a:stretch>
+                  <a:fillRect/>
+                </a:stretch>
+              </a:blipFill>
+            </p:spPr>
+            <p:txBody>
+              <a:bodyPr/>
+              <a:lstStyle/>
+              <a:p>
+                <a:r>
+                  <a:rPr lang="en-US">
+                    <a:noFill/>
+                  </a:rPr>
+                  <a:t> </a:t>
+                </a:r>
+              </a:p>
+            </p:txBody>
+          </p:sp>
+        </mc:Fallback>
+      </mc:AlternateContent>
     </p:spTree>
     <p:extLst>
       <p:ext uri="{BB962C8B-B14F-4D97-AF65-F5344CB8AC3E}">
-        <p14:creationId xmlns:p14="http://schemas.microsoft.com/office/powerpoint/2010/main" val="2727333723"/>
+        <p14:creationId xmlns:p14="http://schemas.microsoft.com/office/powerpoint/2010/main" val="435230170"/>
       </p:ext>
     </p:extLst>
   </p:cSld>
@@ -9807,6 +10001,1066 @@
 </file>
 
 <file path=ppt/slides/slide20.xml><?xml version="1.0" encoding="utf-8"?>
+<p:sld xmlns:a="http://schemas.openxmlformats.org/drawingml/2006/main" xmlns:r="http://schemas.openxmlformats.org/officeDocument/2006/relationships" xmlns:p="http://schemas.openxmlformats.org/presentationml/2006/main">
+  <p:cSld>
+    <p:spTree>
+      <p:nvGrpSpPr>
+        <p:cNvPr id="1" name=""/>
+        <p:cNvGrpSpPr/>
+        <p:nvPr/>
+      </p:nvGrpSpPr>
+      <p:grpSpPr>
+        <a:xfrm>
+          <a:off x="0" y="0"/>
+          <a:ext cx="0" cy="0"/>
+          <a:chOff x="0" y="0"/>
+          <a:chExt cx="0" cy="0"/>
+        </a:xfrm>
+      </p:grpSpPr>
+      <p:sp>
+        <p:nvSpPr>
+          <p:cNvPr id="2" name="Title 1">
+            <a:extLst>
+              <a:ext uri="{FF2B5EF4-FFF2-40B4-BE49-F238E27FC236}">
+                <a16:creationId xmlns:a16="http://schemas.microsoft.com/office/drawing/2014/main" id="{050D3274-BB11-48C1-B2FC-7138B6882A5A}"/>
+              </a:ext>
+            </a:extLst>
+          </p:cNvPr>
+          <p:cNvSpPr>
+            <a:spLocks noGrp="1"/>
+          </p:cNvSpPr>
+          <p:nvPr>
+            <p:ph type="title"/>
+          </p:nvPr>
+        </p:nvSpPr>
+        <p:spPr/>
+        <p:txBody>
+          <a:bodyPr/>
+          <a:lstStyle/>
+          <a:p>
+            <a:r>
+              <a:rPr lang="en-US" dirty="0"/>
+              <a:t>Bayesian estimator</a:t>
+            </a:r>
+          </a:p>
+        </p:txBody>
+      </p:sp>
+      <p:sp>
+        <p:nvSpPr>
+          <p:cNvPr id="9" name="TextBox 8">
+            <a:extLst>
+              <a:ext uri="{FF2B5EF4-FFF2-40B4-BE49-F238E27FC236}">
+                <a16:creationId xmlns:a16="http://schemas.microsoft.com/office/drawing/2014/main" id="{A4ADFAEA-E356-4628-AE1F-F05FF33D00AD}"/>
+              </a:ext>
+            </a:extLst>
+          </p:cNvPr>
+          <p:cNvSpPr txBox="1"/>
+          <p:nvPr/>
+        </p:nvSpPr>
+        <p:spPr>
+          <a:xfrm>
+            <a:off x="838200" y="1690688"/>
+            <a:ext cx="8969518" cy="523220"/>
+          </a:xfrm>
+          <a:prstGeom prst="rect">
+            <a:avLst/>
+          </a:prstGeom>
+          <a:noFill/>
+        </p:spPr>
+        <p:txBody>
+          <a:bodyPr wrap="square">
+            <a:spAutoFit/>
+          </a:bodyPr>
+          <a:lstStyle/>
+          <a:p>
+            <a:r>
+              <a:rPr lang="en-US" sz="2800" dirty="0"/>
+              <a:t>However, occasionally this can be a restrictive requirement.</a:t>
+            </a:r>
+          </a:p>
+        </p:txBody>
+      </p:sp>
+      <p:sp>
+        <p:nvSpPr>
+          <p:cNvPr id="13" name="TextBox 12">
+            <a:extLst>
+              <a:ext uri="{FF2B5EF4-FFF2-40B4-BE49-F238E27FC236}">
+                <a16:creationId xmlns:a16="http://schemas.microsoft.com/office/drawing/2014/main" id="{AE47EAA5-1232-418A-9ECE-BBA1A801005C}"/>
+              </a:ext>
+            </a:extLst>
+          </p:cNvPr>
+          <p:cNvSpPr txBox="1"/>
+          <p:nvPr/>
+        </p:nvSpPr>
+        <p:spPr>
+          <a:xfrm>
+            <a:off x="838200" y="2213908"/>
+            <a:ext cx="10193867" cy="954107"/>
+          </a:xfrm>
+          <a:prstGeom prst="rect">
+            <a:avLst/>
+          </a:prstGeom>
+          <a:noFill/>
+        </p:spPr>
+        <p:txBody>
+          <a:bodyPr wrap="square">
+            <a:spAutoFit/>
+          </a:bodyPr>
+          <a:lstStyle/>
+          <a:p>
+            <a:pPr algn="just"/>
+            <a:r>
+              <a:rPr lang="en-US" sz="2800" dirty="0"/>
+              <a:t>There is no distribution (covering the set, R, of all real numbers) for which every real number is equally likely.</a:t>
+            </a:r>
+          </a:p>
+        </p:txBody>
+      </p:sp>
+      <p:sp>
+        <p:nvSpPr>
+          <p:cNvPr id="8" name="TextBox 7">
+            <a:extLst>
+              <a:ext uri="{FF2B5EF4-FFF2-40B4-BE49-F238E27FC236}">
+                <a16:creationId xmlns:a16="http://schemas.microsoft.com/office/drawing/2014/main" id="{938DE95B-CADB-47BD-AB3C-B38225B0C9B3}"/>
+              </a:ext>
+            </a:extLst>
+          </p:cNvPr>
+          <p:cNvSpPr txBox="1"/>
+          <p:nvPr/>
+        </p:nvSpPr>
+        <p:spPr>
+          <a:xfrm>
+            <a:off x="838200" y="3168015"/>
+            <a:ext cx="9304867" cy="1384995"/>
+          </a:xfrm>
+          <a:prstGeom prst="rect">
+            <a:avLst/>
+          </a:prstGeom>
+          <a:noFill/>
+        </p:spPr>
+        <p:txBody>
+          <a:bodyPr wrap="square">
+            <a:spAutoFit/>
+          </a:bodyPr>
+          <a:lstStyle/>
+          <a:p>
+            <a:pPr algn="just"/>
+            <a:r>
+              <a:rPr lang="en-US" sz="2800" dirty="0"/>
+              <a:t>“Distribution" seems like a natural choice, a prior distribution which does not imply a preference for any particular value of the unknown parameter.</a:t>
+            </a:r>
+          </a:p>
+        </p:txBody>
+      </p:sp>
+      <mc:AlternateContent xmlns:mc="http://schemas.openxmlformats.org/markup-compatibility/2006">
+        <mc:Choice xmlns:a14="http://schemas.microsoft.com/office/drawing/2010/main" Requires="a14">
+          <p:sp>
+            <p:nvSpPr>
+              <p:cNvPr id="10" name="TextBox 9">
+                <a:extLst>
+                  <a:ext uri="{FF2B5EF4-FFF2-40B4-BE49-F238E27FC236}">
+                    <a16:creationId xmlns:a16="http://schemas.microsoft.com/office/drawing/2014/main" id="{4E879661-7012-4C4A-A7A2-A73FA3D9AE36}"/>
+                  </a:ext>
+                </a:extLst>
+              </p:cNvPr>
+              <p:cNvSpPr txBox="1"/>
+              <p:nvPr/>
+            </p:nvSpPr>
+            <p:spPr>
+              <a:xfrm>
+                <a:off x="4979316" y="4553010"/>
+                <a:ext cx="2340769" cy="1130181"/>
+              </a:xfrm>
+              <a:prstGeom prst="rect">
+                <a:avLst/>
+              </a:prstGeom>
+              <a:noFill/>
+            </p:spPr>
+            <p:txBody>
+              <a:bodyPr wrap="none" lIns="0" tIns="0" rIns="0" bIns="0" rtlCol="0">
+                <a:spAutoFit/>
+              </a:bodyPr>
+              <a:lstStyle/>
+              <a:p>
+                <a14:m>
+                  <m:oMathPara xmlns:m="http://schemas.openxmlformats.org/officeDocument/2006/math">
+                    <m:oMathParaPr>
+                      <m:jc m:val="centerGroup"/>
+                    </m:oMathParaPr>
+                    <m:oMath xmlns:m="http://schemas.openxmlformats.org/officeDocument/2006/math">
+                      <m:nary>
+                        <m:naryPr>
+                          <m:limLoc m:val="undOvr"/>
+                          <m:subHide m:val="on"/>
+                          <m:supHide m:val="on"/>
+                          <m:ctrlPr>
+                            <a:rPr lang="en-US" sz="2800" i="1" smtClean="0">
+                              <a:latin typeface="Cambria Math" panose="02040503050406030204" pitchFamily="18" charset="0"/>
+                            </a:rPr>
+                          </m:ctrlPr>
+                        </m:naryPr>
+                        <m:sub/>
+                        <m:sup/>
+                        <m:e>
+                          <m:r>
+                            <a:rPr lang="en-US" sz="2800" b="0" i="1" smtClean="0">
+                              <a:latin typeface="Cambria Math" panose="02040503050406030204" pitchFamily="18" charset="0"/>
+                            </a:rPr>
+                            <m:t>𝑝</m:t>
+                          </m:r>
+                          <m:d>
+                            <m:dPr>
+                              <m:ctrlPr>
+                                <a:rPr lang="en-US" sz="2800" b="0" i="1" smtClean="0">
+                                  <a:latin typeface="Cambria Math" panose="02040503050406030204" pitchFamily="18" charset="0"/>
+                                </a:rPr>
+                              </m:ctrlPr>
+                            </m:dPr>
+                            <m:e>
+                              <m:r>
+                                <a:rPr lang="en-US" sz="2800" b="0" i="1" smtClean="0">
+                                  <a:latin typeface="Cambria Math" panose="02040503050406030204" pitchFamily="18" charset="0"/>
+                                  <a:ea typeface="Cambria Math" panose="02040503050406030204" pitchFamily="18" charset="0"/>
+                                </a:rPr>
+                                <m:t>𝜃</m:t>
+                              </m:r>
+                            </m:e>
+                          </m:d>
+                          <m:r>
+                            <a:rPr lang="en-US" sz="2800" b="0" i="1" smtClean="0">
+                              <a:latin typeface="Cambria Math" panose="02040503050406030204" pitchFamily="18" charset="0"/>
+                            </a:rPr>
+                            <m:t>𝑑</m:t>
+                          </m:r>
+                          <m:r>
+                            <a:rPr lang="en-US" sz="2800" b="0" i="1" smtClean="0">
+                              <a:latin typeface="Cambria Math" panose="02040503050406030204" pitchFamily="18" charset="0"/>
+                              <a:ea typeface="Cambria Math" panose="02040503050406030204" pitchFamily="18" charset="0"/>
+                            </a:rPr>
+                            <m:t>𝜃</m:t>
+                          </m:r>
+                        </m:e>
+                      </m:nary>
+                      <m:r>
+                        <a:rPr lang="en-US" sz="2800" b="0" i="1" smtClean="0">
+                          <a:latin typeface="Cambria Math" panose="02040503050406030204" pitchFamily="18" charset="0"/>
+                        </a:rPr>
+                        <m:t>=</m:t>
+                      </m:r>
+                      <m:r>
+                        <a:rPr lang="en-US" sz="2800" b="0" i="1" smtClean="0">
+                          <a:latin typeface="Cambria Math" panose="02040503050406030204" pitchFamily="18" charset="0"/>
+                          <a:ea typeface="Cambria Math" panose="02040503050406030204" pitchFamily="18" charset="0"/>
+                        </a:rPr>
+                        <m:t>∞</m:t>
+                      </m:r>
+                    </m:oMath>
+                  </m:oMathPara>
+                </a14:m>
+                <a:endParaRPr lang="en-US" sz="2800" dirty="0"/>
+              </a:p>
+            </p:txBody>
+          </p:sp>
+        </mc:Choice>
+        <mc:Fallback>
+          <p:sp>
+            <p:nvSpPr>
+              <p:cNvPr id="10" name="TextBox 9">
+                <a:extLst>
+                  <a:ext uri="{FF2B5EF4-FFF2-40B4-BE49-F238E27FC236}">
+                    <a16:creationId xmlns:a16="http://schemas.microsoft.com/office/drawing/2014/main" id="{4E879661-7012-4C4A-A7A2-A73FA3D9AE36}"/>
+                  </a:ext>
+                </a:extLst>
+              </p:cNvPr>
+              <p:cNvSpPr txBox="1">
+                <a:spLocks noRot="1" noChangeAspect="1" noMove="1" noResize="1" noEditPoints="1" noAdjustHandles="1" noChangeArrowheads="1" noChangeShapeType="1" noTextEdit="1"/>
+              </p:cNvSpPr>
+              <p:nvPr/>
+            </p:nvSpPr>
+            <p:spPr>
+              <a:xfrm>
+                <a:off x="4979316" y="4553010"/>
+                <a:ext cx="2340769" cy="1130181"/>
+              </a:xfrm>
+              <a:prstGeom prst="rect">
+                <a:avLst/>
+              </a:prstGeom>
+              <a:blipFill>
+                <a:blip r:embed="rId2"/>
+                <a:stretch>
+                  <a:fillRect/>
+                </a:stretch>
+              </a:blipFill>
+            </p:spPr>
+            <p:txBody>
+              <a:bodyPr/>
+              <a:lstStyle/>
+              <a:p>
+                <a:r>
+                  <a:rPr lang="en-US">
+                    <a:noFill/>
+                  </a:rPr>
+                  <a:t> </a:t>
+                </a:r>
+              </a:p>
+            </p:txBody>
+          </p:sp>
+        </mc:Fallback>
+      </mc:AlternateContent>
+    </p:spTree>
+    <p:extLst>
+      <p:ext uri="{BB962C8B-B14F-4D97-AF65-F5344CB8AC3E}">
+        <p14:creationId xmlns:p14="http://schemas.microsoft.com/office/powerpoint/2010/main" val="3176526820"/>
+      </p:ext>
+    </p:extLst>
+  </p:cSld>
+  <p:clrMapOvr>
+    <a:masterClrMapping/>
+  </p:clrMapOvr>
+</p:sld>
+</file>
+
+<file path=ppt/slides/slide21.xml><?xml version="1.0" encoding="utf-8"?>
+<p:sld xmlns:a="http://schemas.openxmlformats.org/drawingml/2006/main" xmlns:r="http://schemas.openxmlformats.org/officeDocument/2006/relationships" xmlns:p="http://schemas.openxmlformats.org/presentationml/2006/main">
+  <p:cSld>
+    <p:spTree>
+      <p:nvGrpSpPr>
+        <p:cNvPr id="1" name=""/>
+        <p:cNvGrpSpPr/>
+        <p:nvPr/>
+      </p:nvGrpSpPr>
+      <p:grpSpPr>
+        <a:xfrm>
+          <a:off x="0" y="0"/>
+          <a:ext cx="0" cy="0"/>
+          <a:chOff x="0" y="0"/>
+          <a:chExt cx="0" cy="0"/>
+        </a:xfrm>
+      </p:grpSpPr>
+      <p:sp>
+        <p:nvSpPr>
+          <p:cNvPr id="2" name="Title 1">
+            <a:extLst>
+              <a:ext uri="{FF2B5EF4-FFF2-40B4-BE49-F238E27FC236}">
+                <a16:creationId xmlns:a16="http://schemas.microsoft.com/office/drawing/2014/main" id="{823AC00B-BBD0-4347-82B8-659F8D52C7F3}"/>
+              </a:ext>
+            </a:extLst>
+          </p:cNvPr>
+          <p:cNvSpPr>
+            <a:spLocks noGrp="1"/>
+          </p:cNvSpPr>
+          <p:nvPr>
+            <p:ph type="title"/>
+          </p:nvPr>
+        </p:nvSpPr>
+        <p:spPr/>
+        <p:txBody>
+          <a:bodyPr/>
+          <a:lstStyle/>
+          <a:p>
+            <a:r>
+              <a:rPr lang="en-US" dirty="0"/>
+              <a:t>Bayesian estimator</a:t>
+            </a:r>
+          </a:p>
+        </p:txBody>
+      </p:sp>
+      <p:sp>
+        <p:nvSpPr>
+          <p:cNvPr id="3" name="Content Placeholder 2">
+            <a:extLst>
+              <a:ext uri="{FF2B5EF4-FFF2-40B4-BE49-F238E27FC236}">
+                <a16:creationId xmlns:a16="http://schemas.microsoft.com/office/drawing/2014/main" id="{DC93AD13-8839-4561-AAAF-2112A78ADD57}"/>
+              </a:ext>
+            </a:extLst>
+          </p:cNvPr>
+          <p:cNvSpPr>
+            <a:spLocks noGrp="1"/>
+          </p:cNvSpPr>
+          <p:nvPr>
+            <p:ph idx="1"/>
+          </p:nvPr>
+        </p:nvSpPr>
+        <p:spPr>
+          <a:xfrm>
+            <a:off x="838200" y="1690688"/>
+            <a:ext cx="10515600" cy="1325563"/>
+          </a:xfrm>
+        </p:spPr>
+        <p:txBody>
+          <a:bodyPr/>
+          <a:lstStyle/>
+          <a:p>
+            <a:pPr marL="0" indent="0">
+              <a:buNone/>
+            </a:pPr>
+            <a:r>
+              <a:rPr lang="en-US" dirty="0"/>
+              <a:t>The use of an improper prior means that the Bayes risk is undefined (since the prior is not a probability distribution and we cannot take an expectation under it).</a:t>
+            </a:r>
+          </a:p>
+        </p:txBody>
+      </p:sp>
+      <mc:AlternateContent xmlns:mc="http://schemas.openxmlformats.org/markup-compatibility/2006">
+        <mc:Choice xmlns:a14="http://schemas.microsoft.com/office/drawing/2010/main" Requires="a14">
+          <p:sp>
+            <p:nvSpPr>
+              <p:cNvPr id="4" name="TextBox 3">
+                <a:extLst>
+                  <a:ext uri="{FF2B5EF4-FFF2-40B4-BE49-F238E27FC236}">
+                    <a16:creationId xmlns:a16="http://schemas.microsoft.com/office/drawing/2014/main" id="{3E546947-EE9A-4299-BA85-B57A11C0FB5E}"/>
+                  </a:ext>
+                </a:extLst>
+              </p:cNvPr>
+              <p:cNvSpPr txBox="1"/>
+              <p:nvPr/>
+            </p:nvSpPr>
+            <p:spPr>
+              <a:xfrm>
+                <a:off x="4087694" y="3016251"/>
+                <a:ext cx="4016612" cy="992772"/>
+              </a:xfrm>
+              <a:prstGeom prst="rect">
+                <a:avLst/>
+              </a:prstGeom>
+              <a:noFill/>
+            </p:spPr>
+            <p:txBody>
+              <a:bodyPr wrap="none" lIns="0" tIns="0" rIns="0" bIns="0" rtlCol="0">
+                <a:spAutoFit/>
+              </a:bodyPr>
+              <a:lstStyle/>
+              <a:p>
+                <a14:m>
+                  <m:oMathPara xmlns:m="http://schemas.openxmlformats.org/officeDocument/2006/math">
+                    <m:oMathParaPr>
+                      <m:jc m:val="centerGroup"/>
+                    </m:oMathParaPr>
+                    <m:oMath xmlns:m="http://schemas.openxmlformats.org/officeDocument/2006/math">
+                      <m:r>
+                        <a:rPr lang="en-US" sz="2800" b="0" i="1" smtClean="0">
+                          <a:latin typeface="Cambria Math" panose="02040503050406030204" pitchFamily="18" charset="0"/>
+                        </a:rPr>
+                        <m:t>𝑝</m:t>
+                      </m:r>
+                      <m:d>
+                        <m:dPr>
+                          <m:ctrlPr>
+                            <a:rPr lang="en-US" sz="2800" b="0" i="1" smtClean="0">
+                              <a:latin typeface="Cambria Math" panose="02040503050406030204" pitchFamily="18" charset="0"/>
+                            </a:rPr>
+                          </m:ctrlPr>
+                        </m:dPr>
+                        <m:e>
+                          <m:r>
+                            <a:rPr lang="en-US" sz="2800" b="0" i="1" smtClean="0">
+                              <a:latin typeface="Cambria Math" panose="02040503050406030204" pitchFamily="18" charset="0"/>
+                              <a:ea typeface="Cambria Math" panose="02040503050406030204" pitchFamily="18" charset="0"/>
+                            </a:rPr>
+                            <m:t>𝜃</m:t>
+                          </m:r>
+                        </m:e>
+                        <m:e>
+                          <m:r>
+                            <a:rPr lang="en-US" sz="2800" b="0" i="1" smtClean="0">
+                              <a:latin typeface="Cambria Math" panose="02040503050406030204" pitchFamily="18" charset="0"/>
+                            </a:rPr>
+                            <m:t>𝑥</m:t>
+                          </m:r>
+                        </m:e>
+                      </m:d>
+                      <m:r>
+                        <a:rPr lang="en-US" sz="2800" b="0" i="1" smtClean="0">
+                          <a:latin typeface="Cambria Math" panose="02040503050406030204" pitchFamily="18" charset="0"/>
+                        </a:rPr>
+                        <m:t>=</m:t>
+                      </m:r>
+                      <m:f>
+                        <m:fPr>
+                          <m:ctrlPr>
+                            <a:rPr lang="en-US" sz="2800" b="0" i="1" smtClean="0">
+                              <a:latin typeface="Cambria Math" panose="02040503050406030204" pitchFamily="18" charset="0"/>
+                            </a:rPr>
+                          </m:ctrlPr>
+                        </m:fPr>
+                        <m:num>
+                          <m:r>
+                            <a:rPr lang="en-US" sz="2800" b="0" i="1" smtClean="0">
+                              <a:latin typeface="Cambria Math" panose="02040503050406030204" pitchFamily="18" charset="0"/>
+                            </a:rPr>
+                            <m:t>𝑝</m:t>
+                          </m:r>
+                          <m:d>
+                            <m:dPr>
+                              <m:ctrlPr>
+                                <a:rPr lang="en-US" sz="2800" b="0" i="1" smtClean="0">
+                                  <a:latin typeface="Cambria Math" panose="02040503050406030204" pitchFamily="18" charset="0"/>
+                                </a:rPr>
+                              </m:ctrlPr>
+                            </m:dPr>
+                            <m:e>
+                              <m:r>
+                                <a:rPr lang="en-US" sz="2800" b="0" i="1" smtClean="0">
+                                  <a:latin typeface="Cambria Math" panose="02040503050406030204" pitchFamily="18" charset="0"/>
+                                </a:rPr>
+                                <m:t>𝑥</m:t>
+                              </m:r>
+                            </m:e>
+                            <m:e>
+                              <m:r>
+                                <a:rPr lang="en-US" sz="2800" b="0" i="1" smtClean="0">
+                                  <a:latin typeface="Cambria Math" panose="02040503050406030204" pitchFamily="18" charset="0"/>
+                                  <a:ea typeface="Cambria Math" panose="02040503050406030204" pitchFamily="18" charset="0"/>
+                                </a:rPr>
+                                <m:t>𝜃</m:t>
+                              </m:r>
+                            </m:e>
+                          </m:d>
+                          <m:r>
+                            <a:rPr lang="en-US" sz="2800" b="0" i="1" smtClean="0">
+                              <a:latin typeface="Cambria Math" panose="02040503050406030204" pitchFamily="18" charset="0"/>
+                            </a:rPr>
+                            <m:t>𝑝</m:t>
+                          </m:r>
+                          <m:d>
+                            <m:dPr>
+                              <m:ctrlPr>
+                                <a:rPr lang="en-US" sz="2800" b="0" i="1" smtClean="0">
+                                  <a:latin typeface="Cambria Math" panose="02040503050406030204" pitchFamily="18" charset="0"/>
+                                </a:rPr>
+                              </m:ctrlPr>
+                            </m:dPr>
+                            <m:e>
+                              <m:r>
+                                <a:rPr lang="en-US" sz="2800" b="0" i="1" smtClean="0">
+                                  <a:latin typeface="Cambria Math" panose="02040503050406030204" pitchFamily="18" charset="0"/>
+                                  <a:ea typeface="Cambria Math" panose="02040503050406030204" pitchFamily="18" charset="0"/>
+                                </a:rPr>
+                                <m:t>𝜃</m:t>
+                              </m:r>
+                            </m:e>
+                          </m:d>
+                        </m:num>
+                        <m:den>
+                          <m:nary>
+                            <m:naryPr>
+                              <m:limLoc m:val="undOvr"/>
+                              <m:subHide m:val="on"/>
+                              <m:supHide m:val="on"/>
+                              <m:ctrlPr>
+                                <a:rPr lang="en-US" sz="2800" b="0" i="1" smtClean="0">
+                                  <a:latin typeface="Cambria Math" panose="02040503050406030204" pitchFamily="18" charset="0"/>
+                                </a:rPr>
+                              </m:ctrlPr>
+                            </m:naryPr>
+                            <m:sub/>
+                            <m:sup/>
+                            <m:e>
+                              <m:r>
+                                <a:rPr lang="en-US" sz="2800" i="1">
+                                  <a:latin typeface="Cambria Math" panose="02040503050406030204" pitchFamily="18" charset="0"/>
+                                </a:rPr>
+                                <m:t>𝑝</m:t>
+                              </m:r>
+                              <m:d>
+                                <m:dPr>
+                                  <m:ctrlPr>
+                                    <a:rPr lang="en-US" sz="2800" i="1">
+                                      <a:latin typeface="Cambria Math" panose="02040503050406030204" pitchFamily="18" charset="0"/>
+                                    </a:rPr>
+                                  </m:ctrlPr>
+                                </m:dPr>
+                                <m:e>
+                                  <m:r>
+                                    <a:rPr lang="en-US" sz="2800" i="1">
+                                      <a:latin typeface="Cambria Math" panose="02040503050406030204" pitchFamily="18" charset="0"/>
+                                    </a:rPr>
+                                    <m:t>𝑥</m:t>
+                                  </m:r>
+                                </m:e>
+                                <m:e>
+                                  <m:r>
+                                    <a:rPr lang="en-US" sz="2800" i="1">
+                                      <a:latin typeface="Cambria Math" panose="02040503050406030204" pitchFamily="18" charset="0"/>
+                                      <a:ea typeface="Cambria Math" panose="02040503050406030204" pitchFamily="18" charset="0"/>
+                                    </a:rPr>
+                                    <m:t>𝜃</m:t>
+                                  </m:r>
+                                </m:e>
+                              </m:d>
+                              <m:r>
+                                <a:rPr lang="en-US" sz="2800" i="1">
+                                  <a:latin typeface="Cambria Math" panose="02040503050406030204" pitchFamily="18" charset="0"/>
+                                </a:rPr>
+                                <m:t>𝑝</m:t>
+                              </m:r>
+                              <m:d>
+                                <m:dPr>
+                                  <m:ctrlPr>
+                                    <a:rPr lang="en-US" sz="2800" i="1">
+                                      <a:latin typeface="Cambria Math" panose="02040503050406030204" pitchFamily="18" charset="0"/>
+                                    </a:rPr>
+                                  </m:ctrlPr>
+                                </m:dPr>
+                                <m:e>
+                                  <m:r>
+                                    <a:rPr lang="en-US" sz="2800" i="1">
+                                      <a:latin typeface="Cambria Math" panose="02040503050406030204" pitchFamily="18" charset="0"/>
+                                      <a:ea typeface="Cambria Math" panose="02040503050406030204" pitchFamily="18" charset="0"/>
+                                    </a:rPr>
+                                    <m:t>𝜃</m:t>
+                                  </m:r>
+                                </m:e>
+                              </m:d>
+                              <m:r>
+                                <a:rPr lang="en-US" sz="2800" b="0" i="1" smtClean="0">
+                                  <a:latin typeface="Cambria Math" panose="02040503050406030204" pitchFamily="18" charset="0"/>
+                                  <a:ea typeface="Cambria Math" panose="02040503050406030204" pitchFamily="18" charset="0"/>
+                                </a:rPr>
+                                <m:t>𝑑</m:t>
+                              </m:r>
+                              <m:r>
+                                <a:rPr lang="en-US" sz="2800" b="0" i="1" smtClean="0">
+                                  <a:latin typeface="Cambria Math" panose="02040503050406030204" pitchFamily="18" charset="0"/>
+                                  <a:ea typeface="Cambria Math" panose="02040503050406030204" pitchFamily="18" charset="0"/>
+                                </a:rPr>
+                                <m:t>𝜃</m:t>
+                              </m:r>
+                            </m:e>
+                          </m:nary>
+                        </m:den>
+                      </m:f>
+                    </m:oMath>
+                  </m:oMathPara>
+                </a14:m>
+                <a:endParaRPr lang="en-US" sz="2800" dirty="0"/>
+              </a:p>
+            </p:txBody>
+          </p:sp>
+        </mc:Choice>
+        <mc:Fallback>
+          <p:sp>
+            <p:nvSpPr>
+              <p:cNvPr id="4" name="TextBox 3">
+                <a:extLst>
+                  <a:ext uri="{FF2B5EF4-FFF2-40B4-BE49-F238E27FC236}">
+                    <a16:creationId xmlns:a16="http://schemas.microsoft.com/office/drawing/2014/main" id="{3E546947-EE9A-4299-BA85-B57A11C0FB5E}"/>
+                  </a:ext>
+                </a:extLst>
+              </p:cNvPr>
+              <p:cNvSpPr txBox="1">
+                <a:spLocks noRot="1" noChangeAspect="1" noMove="1" noResize="1" noEditPoints="1" noAdjustHandles="1" noChangeArrowheads="1" noChangeShapeType="1" noTextEdit="1"/>
+              </p:cNvSpPr>
+              <p:nvPr/>
+            </p:nvSpPr>
+            <p:spPr>
+              <a:xfrm>
+                <a:off x="4087694" y="3016251"/>
+                <a:ext cx="4016612" cy="992772"/>
+              </a:xfrm>
+              <a:prstGeom prst="rect">
+                <a:avLst/>
+              </a:prstGeom>
+              <a:blipFill>
+                <a:blip r:embed="rId2"/>
+                <a:stretch>
+                  <a:fillRect/>
+                </a:stretch>
+              </a:blipFill>
+            </p:spPr>
+            <p:txBody>
+              <a:bodyPr/>
+              <a:lstStyle/>
+              <a:p>
+                <a:r>
+                  <a:rPr lang="en-US">
+                    <a:noFill/>
+                  </a:rPr>
+                  <a:t> </a:t>
+                </a:r>
+              </a:p>
+            </p:txBody>
+          </p:sp>
+        </mc:Fallback>
+      </mc:AlternateContent>
+      <p:sp>
+        <p:nvSpPr>
+          <p:cNvPr id="8" name="TextBox 7">
+            <a:extLst>
+              <a:ext uri="{FF2B5EF4-FFF2-40B4-BE49-F238E27FC236}">
+                <a16:creationId xmlns:a16="http://schemas.microsoft.com/office/drawing/2014/main" id="{40CAEF86-4A04-4F51-8781-F9E4DA239BA9}"/>
+              </a:ext>
+            </a:extLst>
+          </p:cNvPr>
+          <p:cNvSpPr txBox="1"/>
+          <p:nvPr/>
+        </p:nvSpPr>
+        <p:spPr>
+          <a:xfrm>
+            <a:off x="838200" y="4009023"/>
+            <a:ext cx="3683000" cy="523220"/>
+          </a:xfrm>
+          <a:prstGeom prst="rect">
+            <a:avLst/>
+          </a:prstGeom>
+          <a:noFill/>
+        </p:spPr>
+        <p:txBody>
+          <a:bodyPr wrap="square">
+            <a:spAutoFit/>
+          </a:bodyPr>
+          <a:lstStyle/>
+          <a:p>
+            <a:r>
+              <a:rPr lang="en-US" sz="2800" dirty="0"/>
+              <a:t>Posterior expected loss</a:t>
+            </a:r>
+          </a:p>
+        </p:txBody>
+      </p:sp>
+      <mc:AlternateContent xmlns:mc="http://schemas.openxmlformats.org/markup-compatibility/2006">
+        <mc:Choice xmlns:a14="http://schemas.microsoft.com/office/drawing/2010/main" Requires="a14">
+          <p:sp>
+            <p:nvSpPr>
+              <p:cNvPr id="10" name="TextBox 9">
+                <a:extLst>
+                  <a:ext uri="{FF2B5EF4-FFF2-40B4-BE49-F238E27FC236}">
+                    <a16:creationId xmlns:a16="http://schemas.microsoft.com/office/drawing/2014/main" id="{3297CB92-9A36-46DF-A7E4-7BAC26A6928A}"/>
+                  </a:ext>
+                </a:extLst>
+              </p:cNvPr>
+              <p:cNvSpPr txBox="1"/>
+              <p:nvPr/>
+            </p:nvSpPr>
+            <p:spPr>
+              <a:xfrm>
+                <a:off x="3048000" y="4532243"/>
+                <a:ext cx="6096000" cy="973472"/>
+              </a:xfrm>
+              <a:prstGeom prst="rect">
+                <a:avLst/>
+              </a:prstGeom>
+              <a:noFill/>
+            </p:spPr>
+            <p:txBody>
+              <a:bodyPr wrap="square">
+                <a:spAutoFit/>
+              </a:bodyPr>
+              <a:lstStyle/>
+              <a:p>
+                <a:pPr/>
+                <a14:m>
+                  <m:oMathPara xmlns:m="http://schemas.openxmlformats.org/officeDocument/2006/math">
+                    <m:oMathParaPr>
+                      <m:jc m:val="centerGroup"/>
+                    </m:oMathParaPr>
+                    <m:oMath xmlns:m="http://schemas.openxmlformats.org/officeDocument/2006/math">
+                      <m:r>
+                        <a:rPr lang="en-US" sz="2800" i="1" smtClean="0">
+                          <a:latin typeface="Cambria Math" panose="02040503050406030204" pitchFamily="18" charset="0"/>
+                        </a:rPr>
+                        <m:t>h</m:t>
+                      </m:r>
+                      <m:d>
+                        <m:dPr>
+                          <m:ctrlPr>
+                            <a:rPr lang="en-US" sz="2800" i="1">
+                              <a:solidFill>
+                                <a:srgbClr val="836967"/>
+                              </a:solidFill>
+                              <a:latin typeface="Cambria Math" panose="02040503050406030204" pitchFamily="18" charset="0"/>
+                            </a:rPr>
+                          </m:ctrlPr>
+                        </m:dPr>
+                        <m:e>
+                          <m:r>
+                            <a:rPr lang="en-US" sz="2800" i="1">
+                              <a:latin typeface="Cambria Math" panose="02040503050406030204" pitchFamily="18" charset="0"/>
+                            </a:rPr>
+                            <m:t>𝑎</m:t>
+                          </m:r>
+                        </m:e>
+                      </m:d>
+                      <m:r>
+                        <a:rPr lang="en-US" sz="2800" i="0">
+                          <a:latin typeface="Cambria Math" panose="02040503050406030204" pitchFamily="18" charset="0"/>
+                        </a:rPr>
+                        <m:t>=</m:t>
+                      </m:r>
+                      <m:nary>
+                        <m:naryPr>
+                          <m:subHide m:val="on"/>
+                          <m:supHide m:val="on"/>
+                          <m:ctrlPr>
+                            <a:rPr lang="en-US" sz="2800" i="1">
+                              <a:latin typeface="Cambria Math" panose="02040503050406030204" pitchFamily="18" charset="0"/>
+                            </a:rPr>
+                          </m:ctrlPr>
+                        </m:naryPr>
+                        <m:sub/>
+                        <m:sup/>
+                        <m:e>
+                          <m:r>
+                            <a:rPr lang="en-US" sz="2800" i="1">
+                              <a:latin typeface="Cambria Math" panose="02040503050406030204" pitchFamily="18" charset="0"/>
+                            </a:rPr>
+                            <m:t>𝐿</m:t>
+                          </m:r>
+                          <m:d>
+                            <m:dPr>
+                              <m:ctrlPr>
+                                <a:rPr lang="en-US" sz="2800" i="1">
+                                  <a:solidFill>
+                                    <a:srgbClr val="836967"/>
+                                  </a:solidFill>
+                                  <a:latin typeface="Cambria Math" panose="02040503050406030204" pitchFamily="18" charset="0"/>
+                                </a:rPr>
+                              </m:ctrlPr>
+                            </m:dPr>
+                            <m:e>
+                              <m:r>
+                                <a:rPr lang="en-US" sz="2800" i="1">
+                                  <a:latin typeface="Cambria Math" panose="02040503050406030204" pitchFamily="18" charset="0"/>
+                                </a:rPr>
+                                <m:t>𝜃</m:t>
+                              </m:r>
+                              <m:r>
+                                <a:rPr lang="en-US" sz="2800" i="0">
+                                  <a:latin typeface="Cambria Math" panose="02040503050406030204" pitchFamily="18" charset="0"/>
+                                </a:rPr>
+                                <m:t>,</m:t>
+                              </m:r>
+                              <m:r>
+                                <a:rPr lang="en-US" sz="2800" i="1">
+                                  <a:latin typeface="Cambria Math" panose="02040503050406030204" pitchFamily="18" charset="0"/>
+                                </a:rPr>
+                                <m:t>𝑎</m:t>
+                              </m:r>
+                            </m:e>
+                          </m:d>
+                          <m:r>
+                            <a:rPr lang="en-US" sz="2800" i="1">
+                              <a:latin typeface="Cambria Math" panose="02040503050406030204" pitchFamily="18" charset="0"/>
+                            </a:rPr>
+                            <m:t>𝑃</m:t>
+                          </m:r>
+                          <m:d>
+                            <m:dPr>
+                              <m:ctrlPr>
+                                <a:rPr lang="en-US" sz="2800" i="1">
+                                  <a:solidFill>
+                                    <a:srgbClr val="836967"/>
+                                  </a:solidFill>
+                                  <a:latin typeface="Cambria Math" panose="02040503050406030204" pitchFamily="18" charset="0"/>
+                                </a:rPr>
+                              </m:ctrlPr>
+                            </m:dPr>
+                            <m:e>
+                              <m:r>
+                                <a:rPr lang="en-US" sz="2800" i="1">
+                                  <a:latin typeface="Cambria Math" panose="02040503050406030204" pitchFamily="18" charset="0"/>
+                                </a:rPr>
+                                <m:t>𝜃</m:t>
+                              </m:r>
+                            </m:e>
+                            <m:e>
+                              <m:r>
+                                <a:rPr lang="en-US" sz="2800" i="1">
+                                  <a:latin typeface="Cambria Math" panose="02040503050406030204" pitchFamily="18" charset="0"/>
+                                </a:rPr>
+                                <m:t>𝑥</m:t>
+                              </m:r>
+                            </m:e>
+                          </m:d>
+                          <m:r>
+                            <a:rPr lang="en-US" sz="2800" i="1">
+                              <a:latin typeface="Cambria Math" panose="02040503050406030204" pitchFamily="18" charset="0"/>
+                            </a:rPr>
+                            <m:t>𝑑</m:t>
+                          </m:r>
+                          <m:r>
+                            <a:rPr lang="en-US" sz="2800" i="1">
+                              <a:latin typeface="Cambria Math" panose="02040503050406030204" pitchFamily="18" charset="0"/>
+                            </a:rPr>
+                            <m:t>𝜃</m:t>
+                          </m:r>
+                        </m:e>
+                      </m:nary>
+                    </m:oMath>
+                  </m:oMathPara>
+                </a14:m>
+                <a:endParaRPr lang="en-US" sz="2800" dirty="0"/>
+              </a:p>
+            </p:txBody>
+          </p:sp>
+        </mc:Choice>
+        <mc:Fallback>
+          <p:sp>
+            <p:nvSpPr>
+              <p:cNvPr id="10" name="TextBox 9">
+                <a:extLst>
+                  <a:ext uri="{FF2B5EF4-FFF2-40B4-BE49-F238E27FC236}">
+                    <a16:creationId xmlns:a16="http://schemas.microsoft.com/office/drawing/2014/main" id="{3297CB92-9A36-46DF-A7E4-7BAC26A6928A}"/>
+                  </a:ext>
+                </a:extLst>
+              </p:cNvPr>
+              <p:cNvSpPr txBox="1">
+                <a:spLocks noRot="1" noChangeAspect="1" noMove="1" noResize="1" noEditPoints="1" noAdjustHandles="1" noChangeArrowheads="1" noChangeShapeType="1" noTextEdit="1"/>
+              </p:cNvSpPr>
+              <p:nvPr/>
+            </p:nvSpPr>
+            <p:spPr>
+              <a:xfrm>
+                <a:off x="3048000" y="4532243"/>
+                <a:ext cx="6096000" cy="973472"/>
+              </a:xfrm>
+              <a:prstGeom prst="rect">
+                <a:avLst/>
+              </a:prstGeom>
+              <a:blipFill>
+                <a:blip r:embed="rId3"/>
+                <a:stretch>
+                  <a:fillRect/>
+                </a:stretch>
+              </a:blipFill>
+            </p:spPr>
+            <p:txBody>
+              <a:bodyPr/>
+              <a:lstStyle/>
+              <a:p>
+                <a:r>
+                  <a:rPr lang="en-US">
+                    <a:noFill/>
+                  </a:rPr>
+                  <a:t> </a:t>
+                </a:r>
+              </a:p>
+            </p:txBody>
+          </p:sp>
+        </mc:Fallback>
+      </mc:AlternateContent>
+      <p:sp>
+        <p:nvSpPr>
+          <p:cNvPr id="12" name="TextBox 11">
+            <a:extLst>
+              <a:ext uri="{FF2B5EF4-FFF2-40B4-BE49-F238E27FC236}">
+                <a16:creationId xmlns:a16="http://schemas.microsoft.com/office/drawing/2014/main" id="{76D38630-505E-4613-B48F-71200FF69855}"/>
+              </a:ext>
+            </a:extLst>
+          </p:cNvPr>
+          <p:cNvSpPr txBox="1"/>
+          <p:nvPr/>
+        </p:nvSpPr>
+        <p:spPr>
+          <a:xfrm>
+            <a:off x="838200" y="5505715"/>
+            <a:ext cx="10515600" cy="954107"/>
+          </a:xfrm>
+          <a:prstGeom prst="rect">
+            <a:avLst/>
+          </a:prstGeom>
+          <a:noFill/>
+        </p:spPr>
+        <p:txBody>
+          <a:bodyPr wrap="square">
+            <a:spAutoFit/>
+          </a:bodyPr>
+          <a:lstStyle/>
+          <a:p>
+            <a:r>
+              <a:rPr lang="en-US" sz="2800" dirty="0"/>
+              <a:t>An estimator which minimizes the posterior expected loss is referred to as a generalized Bayes estimator.</a:t>
+            </a:r>
+          </a:p>
+        </p:txBody>
+      </p:sp>
+    </p:spTree>
+    <p:extLst>
+      <p:ext uri="{BB962C8B-B14F-4D97-AF65-F5344CB8AC3E}">
+        <p14:creationId xmlns:p14="http://schemas.microsoft.com/office/powerpoint/2010/main" val="3661874813"/>
+      </p:ext>
+    </p:extLst>
+  </p:cSld>
+  <p:clrMapOvr>
+    <a:masterClrMapping/>
+  </p:clrMapOvr>
+</p:sld>
+</file>
+
+<file path=ppt/slides/slide22.xml><?xml version="1.0" encoding="utf-8"?>
+<p:sld xmlns:a="http://schemas.openxmlformats.org/drawingml/2006/main" xmlns:r="http://schemas.openxmlformats.org/officeDocument/2006/relationships" xmlns:p="http://schemas.openxmlformats.org/presentationml/2006/main">
+  <p:cSld>
+    <p:spTree>
+      <p:nvGrpSpPr>
+        <p:cNvPr id="1" name=""/>
+        <p:cNvGrpSpPr/>
+        <p:nvPr/>
+      </p:nvGrpSpPr>
+      <p:grpSpPr>
+        <a:xfrm>
+          <a:off x="0" y="0"/>
+          <a:ext cx="0" cy="0"/>
+          <a:chOff x="0" y="0"/>
+          <a:chExt cx="0" cy="0"/>
+        </a:xfrm>
+      </p:grpSpPr>
+      <p:sp>
+        <p:nvSpPr>
+          <p:cNvPr id="2" name="Title 1"/>
+          <p:cNvSpPr>
+            <a:spLocks noGrp="1"/>
+          </p:cNvSpPr>
+          <p:nvPr>
+            <p:ph type="ctrTitle"/>
+          </p:nvPr>
+        </p:nvSpPr>
+        <p:spPr>
+          <a:xfrm>
+            <a:off x="1798320" y="2128202"/>
+            <a:ext cx="9144000" cy="2387600"/>
+          </a:xfrm>
+        </p:spPr>
+        <p:txBody>
+          <a:bodyPr>
+            <a:normAutofit fontScale="90000"/>
+          </a:bodyPr>
+          <a:lstStyle/>
+          <a:p>
+            <a:r>
+              <a:rPr lang="en-US" dirty="0"/>
+              <a:t>Part 1.3</a:t>
+            </a:r>
+            <a:br>
+              <a:rPr lang="en-US" dirty="0"/>
+            </a:br>
+            <a:r>
+              <a:rPr lang="en-US" dirty="0"/>
+              <a:t>Probabilistic Graphical Model</a:t>
+            </a:r>
+            <a:br>
+              <a:rPr lang="en-US" dirty="0"/>
+            </a:br>
+            <a:r>
+              <a:rPr lang="en-US" dirty="0"/>
+              <a:t>(Inferences)</a:t>
+            </a:r>
+          </a:p>
+        </p:txBody>
+      </p:sp>
+    </p:spTree>
+    <p:extLst>
+      <p:ext uri="{BB962C8B-B14F-4D97-AF65-F5344CB8AC3E}">
+        <p14:creationId xmlns:p14="http://schemas.microsoft.com/office/powerpoint/2010/main" val="2727333723"/>
+      </p:ext>
+    </p:extLst>
+  </p:cSld>
+  <p:clrMapOvr>
+    <a:masterClrMapping/>
+  </p:clrMapOvr>
+</p:sld>
+</file>
+
+<file path=ppt/slides/slide23.xml><?xml version="1.0" encoding="utf-8"?>
 <p:sld xmlns:a="http://schemas.openxmlformats.org/drawingml/2006/main" xmlns:r="http://schemas.openxmlformats.org/officeDocument/2006/relationships" xmlns:p="http://schemas.openxmlformats.org/presentationml/2006/main">
   <p:cSld>
     <p:spTree>
@@ -10063,7 +11317,7 @@
 </p:sld>
 </file>
 
-<file path=ppt/slides/slide21.xml><?xml version="1.0" encoding="utf-8"?>
+<file path=ppt/slides/slide24.xml><?xml version="1.0" encoding="utf-8"?>
 <p:sld xmlns:a="http://schemas.openxmlformats.org/drawingml/2006/main" xmlns:r="http://schemas.openxmlformats.org/officeDocument/2006/relationships" xmlns:p="http://schemas.openxmlformats.org/presentationml/2006/main">
   <p:cSld>
     <p:spTree>
@@ -10320,7 +11574,7 @@
 </p:sld>
 </file>
 
-<file path=ppt/slides/slide22.xml><?xml version="1.0" encoding="utf-8"?>
+<file path=ppt/slides/slide25.xml><?xml version="1.0" encoding="utf-8"?>
 <p:sld xmlns:a="http://schemas.openxmlformats.org/drawingml/2006/main" xmlns:r="http://schemas.openxmlformats.org/officeDocument/2006/relationships" xmlns:p="http://schemas.openxmlformats.org/presentationml/2006/main">
   <p:cSld>
     <p:spTree>
@@ -10519,7 +11773,7 @@
 </p:sld>
 </file>
 
-<file path=ppt/slides/slide23.xml><?xml version="1.0" encoding="utf-8"?>
+<file path=ppt/slides/slide26.xml><?xml version="1.0" encoding="utf-8"?>
 <p:sld xmlns:a="http://schemas.openxmlformats.org/drawingml/2006/main" xmlns:r="http://schemas.openxmlformats.org/officeDocument/2006/relationships" xmlns:p="http://schemas.openxmlformats.org/presentationml/2006/main">
   <p:cSld>
     <p:spTree>
@@ -11292,8 +12546,8 @@
           </a:p>
         </p:txBody>
       </p:sp>
-      <mc:AlternateContent xmlns:mc="http://schemas.openxmlformats.org/markup-compatibility/2006" xmlns:a14="http://schemas.microsoft.com/office/drawing/2010/main">
-        <mc:Choice Requires="a14">
+      <mc:AlternateContent xmlns:mc="http://schemas.openxmlformats.org/markup-compatibility/2006">
+        <mc:Choice xmlns:a14="http://schemas.microsoft.com/office/drawing/2010/main" Requires="a14">
           <p:sp>
             <p:nvSpPr>
               <p:cNvPr id="12" name="TextBox 11"/>
@@ -11303,7 +12557,7 @@
             <p:spPr>
               <a:xfrm>
                 <a:off x="7854781" y="5594490"/>
-                <a:ext cx="2118464" cy="703782"/>
+                <a:ext cx="2436629" cy="703782"/>
               </a:xfrm>
               <a:prstGeom prst="rect">
                 <a:avLst/>
@@ -11364,18 +12618,6 @@
                             </a:rPr>
                             <m:t>𝑙</m:t>
                           </m:r>
-                          <m:r>
-                            <a:rPr lang="en-US" b="0" i="1" smtClean="0">
-                              <a:latin typeface="Cambria Math" panose="02040503050406030204" pitchFamily="18" charset="0"/>
-                            </a:rPr>
-                            <m:t>,</m:t>
-                          </m:r>
-                          <m:r>
-                            <a:rPr lang="en-US" b="0" i="1" smtClean="0">
-                              <a:latin typeface="Cambria Math" panose="02040503050406030204" pitchFamily="18" charset="0"/>
-                            </a:rPr>
-                            <m:t>𝑔</m:t>
-                          </m:r>
                         </m:e>
                       </m:d>
                       <m:r>
@@ -11438,6 +12680,50 @@
                               </m:r>
                             </m:e>
                           </m:d>
+                          <m:sSub>
+                            <m:sSubPr>
+                              <m:ctrlPr>
+                                <a:rPr lang="en-US" i="1">
+                                  <a:latin typeface="Cambria Math" panose="02040503050406030204" pitchFamily="18" charset="0"/>
+                                </a:rPr>
+                              </m:ctrlPr>
+                            </m:sSubPr>
+                            <m:e>
+                              <m:r>
+                                <a:rPr lang="en-US" i="1">
+                                  <a:latin typeface="Cambria Math" panose="02040503050406030204" pitchFamily="18" charset="0"/>
+                                  <a:ea typeface="Cambria Math" panose="02040503050406030204" pitchFamily="18" charset="0"/>
+                                </a:rPr>
+                                <m:t>𝜏</m:t>
+                              </m:r>
+                            </m:e>
+                            <m:sub>
+                              <m:r>
+                                <a:rPr lang="en-US" b="0" i="1" smtClean="0">
+                                  <a:latin typeface="Cambria Math" panose="02040503050406030204" pitchFamily="18" charset="0"/>
+                                  <a:ea typeface="Cambria Math" panose="02040503050406030204" pitchFamily="18" charset="0"/>
+                                </a:rPr>
+                                <m:t>3</m:t>
+                              </m:r>
+                            </m:sub>
+                          </m:sSub>
+                          <m:d>
+                            <m:dPr>
+                              <m:ctrlPr>
+                                <a:rPr lang="en-US" i="1">
+                                  <a:latin typeface="Cambria Math" panose="02040503050406030204" pitchFamily="18" charset="0"/>
+                                </a:rPr>
+                              </m:ctrlPr>
+                            </m:dPr>
+                            <m:e>
+                              <m:r>
+                                <a:rPr lang="en-US" b="0" i="1" smtClean="0">
+                                  <a:latin typeface="Cambria Math" panose="02040503050406030204" pitchFamily="18" charset="0"/>
+                                </a:rPr>
+                                <m:t>𝑔</m:t>
+                              </m:r>
+                            </m:e>
+                          </m:d>
                         </m:e>
                       </m:nary>
                     </m:oMath>
@@ -11448,7 +12734,7 @@
             </p:txBody>
           </p:sp>
         </mc:Choice>
-        <mc:Fallback xmlns="">
+        <mc:Fallback>
           <p:sp>
             <p:nvSpPr>
               <p:cNvPr id="12" name="TextBox 11"/>
@@ -11460,7 +12746,7 @@
             <p:spPr>
               <a:xfrm>
                 <a:off x="7854781" y="5594490"/>
-                <a:ext cx="2118464" cy="703782"/>
+                <a:ext cx="2436629" cy="703782"/>
               </a:xfrm>
               <a:prstGeom prst="rect">
                 <a:avLst/>
@@ -11500,7 +12786,7 @@
 </p:sld>
 </file>
 
-<file path=ppt/slides/slide24.xml><?xml version="1.0" encoding="utf-8"?>
+<file path=ppt/slides/slide27.xml><?xml version="1.0" encoding="utf-8"?>
 <p:sld xmlns:a="http://schemas.openxmlformats.org/drawingml/2006/main" xmlns:r="http://schemas.openxmlformats.org/officeDocument/2006/relationships" xmlns:p="http://schemas.openxmlformats.org/presentationml/2006/main">
   <p:cSld>
     <p:spTree>
@@ -11580,8 +12866,8 @@
           </a:extLst>
         </p:spPr>
       </p:pic>
-      <mc:AlternateContent xmlns:mc="http://schemas.openxmlformats.org/markup-compatibility/2006" xmlns:a14="http://schemas.microsoft.com/office/drawing/2010/main">
-        <mc:Choice Requires="a14">
+      <mc:AlternateContent xmlns:mc="http://schemas.openxmlformats.org/markup-compatibility/2006">
+        <mc:Choice xmlns:a14="http://schemas.microsoft.com/office/drawing/2010/main" Requires="a14">
           <p:sp>
             <p:nvSpPr>
               <p:cNvPr id="12" name="TextBox 11"/>
@@ -11591,7 +12877,7 @@
             <p:spPr>
               <a:xfrm>
                 <a:off x="6405596" y="2897238"/>
-                <a:ext cx="5443478" cy="430887"/>
+                <a:ext cx="1959383" cy="430887"/>
               </a:xfrm>
               <a:prstGeom prst="rect">
                 <a:avLst/>
@@ -11681,185 +12967,17 @@
                             </a:rPr>
                             <m:t>𝑙</m:t>
                           </m:r>
-                          <m:r>
-                            <a:rPr lang="en-US" sz="2800" b="0" i="1" smtClean="0">
-                              <a:latin typeface="Cambria Math" panose="02040503050406030204" pitchFamily="18" charset="0"/>
-                            </a:rPr>
-                            <m:t>,</m:t>
-                          </m:r>
-                          <m:r>
-                            <a:rPr lang="en-US" sz="2800" b="0" i="1" smtClean="0">
-                              <a:latin typeface="Cambria Math" panose="02040503050406030204" pitchFamily="18" charset="0"/>
-                            </a:rPr>
-                            <m:t>𝑔</m:t>
-                          </m:r>
-                        </m:e>
-                      </m:d>
-                      <m:sSub>
-                        <m:sSubPr>
-                          <m:ctrlPr>
-                            <a:rPr lang="en-US" sz="2800" i="1" smtClean="0">
-                              <a:latin typeface="Cambria Math" panose="02040503050406030204" pitchFamily="18" charset="0"/>
-                            </a:rPr>
-                          </m:ctrlPr>
-                        </m:sSubPr>
-                        <m:e>
-                          <m:r>
-                            <a:rPr lang="en-US" sz="2800" i="1" smtClean="0">
-                              <a:latin typeface="Cambria Math" panose="02040503050406030204" pitchFamily="18" charset="0"/>
-                              <a:ea typeface="Cambria Math" panose="02040503050406030204" pitchFamily="18" charset="0"/>
-                            </a:rPr>
-                            <m:t>𝜏</m:t>
-                          </m:r>
-                        </m:e>
-                        <m:sub>
-                          <m:r>
-                            <a:rPr lang="en-US" sz="2800" b="0" i="1" smtClean="0">
-                              <a:latin typeface="Cambria Math" panose="02040503050406030204" pitchFamily="18" charset="0"/>
-                              <a:ea typeface="Cambria Math" panose="02040503050406030204" pitchFamily="18" charset="0"/>
-                            </a:rPr>
-                            <m:t>3</m:t>
-                          </m:r>
-                        </m:sub>
-                      </m:sSub>
-                      <m:d>
-                        <m:dPr>
-                          <m:ctrlPr>
-                            <a:rPr lang="en-US" sz="2800" i="1" smtClean="0">
-                              <a:latin typeface="Cambria Math" panose="02040503050406030204" pitchFamily="18" charset="0"/>
-                            </a:rPr>
-                          </m:ctrlPr>
-                        </m:dPr>
-                        <m:e>
-                          <m:r>
-                            <a:rPr lang="en-US" sz="2800" b="0" i="1" smtClean="0">
-                              <a:latin typeface="Cambria Math" panose="02040503050406030204" pitchFamily="18" charset="0"/>
-                            </a:rPr>
-                            <m:t>𝑔</m:t>
-                          </m:r>
-                        </m:e>
-                      </m:d>
-                      <m:sSub>
-                        <m:sSubPr>
-                          <m:ctrlPr>
-                            <a:rPr lang="en-US" sz="2800" i="1" smtClean="0">
-                              <a:latin typeface="Cambria Math" panose="02040503050406030204" pitchFamily="18" charset="0"/>
-                            </a:rPr>
-                          </m:ctrlPr>
-                        </m:sSubPr>
-                        <m:e>
-                          <m:r>
-                            <a:rPr lang="en-US" sz="2800" i="1" smtClean="0">
-                              <a:latin typeface="Cambria Math" panose="02040503050406030204" pitchFamily="18" charset="0"/>
-                              <a:ea typeface="Cambria Math" panose="02040503050406030204" pitchFamily="18" charset="0"/>
-                            </a:rPr>
-                            <m:t>𝜏</m:t>
-                          </m:r>
-                        </m:e>
-                        <m:sub>
-                          <m:r>
-                            <a:rPr lang="en-US" sz="2800" b="0" i="1" smtClean="0">
-                              <a:latin typeface="Cambria Math" panose="02040503050406030204" pitchFamily="18" charset="0"/>
-                              <a:ea typeface="Cambria Math" panose="02040503050406030204" pitchFamily="18" charset="0"/>
-                            </a:rPr>
-                            <m:t>2</m:t>
-                          </m:r>
-                        </m:sub>
-                      </m:sSub>
-                      <m:d>
-                        <m:dPr>
-                          <m:ctrlPr>
-                            <a:rPr lang="en-US" sz="2800" i="1" smtClean="0">
-                              <a:latin typeface="Cambria Math" panose="02040503050406030204" pitchFamily="18" charset="0"/>
-                            </a:rPr>
-                          </m:ctrlPr>
-                        </m:dPr>
-                        <m:e>
-                          <m:r>
-                            <a:rPr lang="en-US" sz="2800" b="0" i="1" smtClean="0">
-                              <a:latin typeface="Cambria Math" panose="02040503050406030204" pitchFamily="18" charset="0"/>
-                            </a:rPr>
-                            <m:t>𝑔</m:t>
-                          </m:r>
-                          <m:r>
-                            <a:rPr lang="en-US" sz="2800" b="0" i="1" smtClean="0">
-                              <a:latin typeface="Cambria Math" panose="02040503050406030204" pitchFamily="18" charset="0"/>
-                            </a:rPr>
-                            <m:t>,</m:t>
-                          </m:r>
-                          <m:r>
-                            <a:rPr lang="en-US" sz="2800" b="0" i="1" smtClean="0">
-                              <a:latin typeface="Cambria Math" panose="02040503050406030204" pitchFamily="18" charset="0"/>
-                            </a:rPr>
-                            <m:t>𝑠</m:t>
-                          </m:r>
-                        </m:e>
-                      </m:d>
-                      <m:sSub>
-                        <m:sSubPr>
-                          <m:ctrlPr>
-                            <a:rPr lang="en-US" sz="2800" i="1" smtClean="0">
-                              <a:latin typeface="Cambria Math" panose="02040503050406030204" pitchFamily="18" charset="0"/>
-                            </a:rPr>
-                          </m:ctrlPr>
-                        </m:sSubPr>
-                        <m:e>
-                          <m:r>
-                            <a:rPr lang="en-US" sz="2800" i="1" smtClean="0">
-                              <a:latin typeface="Cambria Math" panose="02040503050406030204" pitchFamily="18" charset="0"/>
-                              <a:ea typeface="Cambria Math" panose="02040503050406030204" pitchFamily="18" charset="0"/>
-                            </a:rPr>
-                            <m:t>𝜏</m:t>
-                          </m:r>
-                        </m:e>
-                        <m:sub>
-                          <m:r>
-                            <a:rPr lang="en-US" sz="2800" b="0" i="1" smtClean="0">
-                              <a:latin typeface="Cambria Math" panose="02040503050406030204" pitchFamily="18" charset="0"/>
-                              <a:ea typeface="Cambria Math" panose="02040503050406030204" pitchFamily="18" charset="0"/>
-                            </a:rPr>
-                            <m:t>1</m:t>
-                          </m:r>
-                        </m:sub>
-                      </m:sSub>
-                      <m:d>
-                        <m:dPr>
-                          <m:ctrlPr>
-                            <a:rPr lang="en-US" sz="2800" i="1" smtClean="0">
-                              <a:latin typeface="Cambria Math" panose="02040503050406030204" pitchFamily="18" charset="0"/>
-                            </a:rPr>
-                          </m:ctrlPr>
-                        </m:dPr>
-                        <m:e>
-                          <m:r>
-                            <a:rPr lang="en-US" sz="2800" b="0" i="1" smtClean="0">
-                              <a:latin typeface="Cambria Math" panose="02040503050406030204" pitchFamily="18" charset="0"/>
-                            </a:rPr>
-                            <m:t>𝑔</m:t>
-                          </m:r>
-                          <m:r>
-                            <a:rPr lang="en-US" sz="2800" b="0" i="1" smtClean="0">
-                              <a:latin typeface="Cambria Math" panose="02040503050406030204" pitchFamily="18" charset="0"/>
-                            </a:rPr>
-                            <m:t>,</m:t>
-                          </m:r>
-                          <m:r>
-                            <a:rPr lang="en-US" sz="2800" b="0" i="1" smtClean="0">
-                              <a:latin typeface="Cambria Math" panose="02040503050406030204" pitchFamily="18" charset="0"/>
-                            </a:rPr>
-                            <m:t>𝑖</m:t>
-                          </m:r>
                         </m:e>
                       </m:d>
                     </m:oMath>
                   </m:oMathPara>
                 </a14:m>
-                <a:endParaRPr lang="en-US" sz="2800"/>
+                <a:endParaRPr lang="en-US" sz="2800" dirty="0"/>
               </a:p>
             </p:txBody>
           </p:sp>
         </mc:Choice>
-        <mc:Fallback xmlns="">
+        <mc:Fallback>
           <p:sp>
             <p:nvSpPr>
               <p:cNvPr id="12" name="TextBox 11"/>
@@ -11871,7 +12989,7 @@
             <p:spPr>
               <a:xfrm>
                 <a:off x="6405596" y="2897238"/>
-                <a:ext cx="5443478" cy="430887"/>
+                <a:ext cx="1959383" cy="430887"/>
               </a:xfrm>
               <a:prstGeom prst="rect">
                 <a:avLst/>
@@ -11935,7 +13053,7 @@
 </p:sld>
 </file>
 
-<file path=ppt/slides/slide25.xml><?xml version="1.0" encoding="utf-8"?>
+<file path=ppt/slides/slide28.xml><?xml version="1.0" encoding="utf-8"?>
 <p:sld xmlns:a="http://schemas.openxmlformats.org/drawingml/2006/main" xmlns:r="http://schemas.openxmlformats.org/officeDocument/2006/relationships" xmlns:p="http://schemas.openxmlformats.org/presentationml/2006/main">
   <p:cSld>
     <p:spTree>
@@ -12766,838 +13884,7 @@
 </p:sld>
 </file>
 
-<file path=ppt/slides/slide26.xml><?xml version="1.0" encoding="utf-8"?>
-<p:sld xmlns:a="http://schemas.openxmlformats.org/drawingml/2006/main" xmlns:r="http://schemas.openxmlformats.org/officeDocument/2006/relationships" xmlns:p="http://schemas.openxmlformats.org/presentationml/2006/main">
-  <p:cSld>
-    <p:spTree>
-      <p:nvGrpSpPr>
-        <p:cNvPr id="1" name=""/>
-        <p:cNvGrpSpPr/>
-        <p:nvPr/>
-      </p:nvGrpSpPr>
-      <p:grpSpPr>
-        <a:xfrm>
-          <a:off x="0" y="0"/>
-          <a:ext cx="0" cy="0"/>
-          <a:chOff x="0" y="0"/>
-          <a:chExt cx="0" cy="0"/>
-        </a:xfrm>
-      </p:grpSpPr>
-      <p:sp>
-        <p:nvSpPr>
-          <p:cNvPr id="2" name="Title 1">
-            <a:extLst>
-              <a:ext uri="{FF2B5EF4-FFF2-40B4-BE49-F238E27FC236}">
-                <a16:creationId xmlns:a16="http://schemas.microsoft.com/office/drawing/2014/main" id="{67C38C9E-2404-4844-AD83-BC46C422FC97}"/>
-              </a:ext>
-            </a:extLst>
-          </p:cNvPr>
-          <p:cNvSpPr>
-            <a:spLocks noGrp="1"/>
-          </p:cNvSpPr>
-          <p:nvPr>
-            <p:ph type="title"/>
-          </p:nvPr>
-        </p:nvSpPr>
-        <p:spPr/>
-        <p:txBody>
-          <a:bodyPr/>
-          <a:lstStyle/>
-          <a:p>
-            <a:r>
-              <a:rPr lang="en-US" dirty="0"/>
-              <a:t>Maximum a posteriori estimation (MAP)</a:t>
-            </a:r>
-          </a:p>
-        </p:txBody>
-      </p:sp>
-      <mc:AlternateContent xmlns:mc="http://schemas.openxmlformats.org/markup-compatibility/2006">
-        <mc:Choice xmlns:a14="http://schemas.microsoft.com/office/drawing/2010/main" Requires="a14">
-          <p:sp>
-            <p:nvSpPr>
-              <p:cNvPr id="3" name="Content Placeholder 2">
-                <a:extLst>
-                  <a:ext uri="{FF2B5EF4-FFF2-40B4-BE49-F238E27FC236}">
-                    <a16:creationId xmlns:a16="http://schemas.microsoft.com/office/drawing/2014/main" id="{52390C27-BB61-4B0F-87B8-15E9BDFD2FAE}"/>
-                  </a:ext>
-                </a:extLst>
-              </p:cNvPr>
-              <p:cNvSpPr>
-                <a:spLocks noGrp="1"/>
-              </p:cNvSpPr>
-              <p:nvPr>
-                <p:ph idx="1"/>
-              </p:nvPr>
-            </p:nvSpPr>
-            <p:spPr>
-              <a:xfrm>
-                <a:off x="838199" y="2492809"/>
-                <a:ext cx="10515600" cy="1872382"/>
-              </a:xfrm>
-            </p:spPr>
-            <p:txBody>
-              <a:bodyPr>
-                <a:normAutofit/>
-              </a:bodyPr>
-              <a:lstStyle/>
-              <a:p>
-                <a14:m>
-                  <m:oMath xmlns:m="http://schemas.openxmlformats.org/officeDocument/2006/math">
-                    <m:r>
-                      <a:rPr lang="en-US" sz="2800" b="0" i="1" smtClean="0">
-                        <a:latin typeface="Cambria Math" panose="02040503050406030204" pitchFamily="18" charset="0"/>
-                        <a:ea typeface="Cambria Math" panose="02040503050406030204" pitchFamily="18" charset="0"/>
-                      </a:rPr>
-                      <m:t>𝜃</m:t>
-                    </m:r>
-                  </m:oMath>
-                </a14:m>
-                <a:r>
-                  <a:rPr lang="en-US" dirty="0"/>
-                  <a:t>: parameter</a:t>
-                </a:r>
-              </a:p>
-              <a:p>
-                <a14:m>
-                  <m:oMath xmlns:m="http://schemas.openxmlformats.org/officeDocument/2006/math">
-                    <m:r>
-                      <a:rPr lang="en-US" sz="2800" b="0" i="1" smtClean="0">
-                        <a:latin typeface="Cambria Math" panose="02040503050406030204" pitchFamily="18" charset="0"/>
-                        <a:ea typeface="Cambria Math" panose="02040503050406030204" pitchFamily="18" charset="0"/>
-                      </a:rPr>
-                      <m:t>𝑥</m:t>
-                    </m:r>
-                  </m:oMath>
-                </a14:m>
-                <a:r>
-                  <a:rPr lang="en-US" dirty="0"/>
-                  <a:t>: observations</a:t>
-                </a:r>
-              </a:p>
-              <a:p>
-                <a14:m>
-                  <m:oMath xmlns:m="http://schemas.openxmlformats.org/officeDocument/2006/math">
-                    <m:r>
-                      <a:rPr lang="en-US" sz="2800" b="0" i="1" smtClean="0">
-                        <a:latin typeface="Cambria Math" panose="02040503050406030204" pitchFamily="18" charset="0"/>
-                        <a:ea typeface="Cambria Math" panose="02040503050406030204" pitchFamily="18" charset="0"/>
-                      </a:rPr>
-                      <m:t>𝑓</m:t>
-                    </m:r>
-                    <m:d>
-                      <m:dPr>
-                        <m:ctrlPr>
-                          <a:rPr lang="en-US" sz="2800" b="0" i="1" smtClean="0">
-                            <a:latin typeface="Cambria Math" panose="02040503050406030204" pitchFamily="18" charset="0"/>
-                            <a:ea typeface="Cambria Math" panose="02040503050406030204" pitchFamily="18" charset="0"/>
-                          </a:rPr>
-                        </m:ctrlPr>
-                      </m:dPr>
-                      <m:e>
-                        <m:r>
-                          <a:rPr lang="en-US" sz="2800" b="0" i="1" smtClean="0">
-                            <a:latin typeface="Cambria Math" panose="02040503050406030204" pitchFamily="18" charset="0"/>
-                            <a:ea typeface="Cambria Math" panose="02040503050406030204" pitchFamily="18" charset="0"/>
-                          </a:rPr>
-                          <m:t>𝑥</m:t>
-                        </m:r>
-                      </m:e>
-                      <m:e>
-                        <m:r>
-                          <a:rPr lang="en-US" sz="2800" b="0" i="1" smtClean="0">
-                            <a:latin typeface="Cambria Math" panose="02040503050406030204" pitchFamily="18" charset="0"/>
-                            <a:ea typeface="Cambria Math" panose="02040503050406030204" pitchFamily="18" charset="0"/>
-                          </a:rPr>
-                          <m:t>𝜃</m:t>
-                        </m:r>
-                      </m:e>
-                    </m:d>
-                  </m:oMath>
-                </a14:m>
-                <a:r>
-                  <a:rPr lang="en-US" dirty="0"/>
-                  <a:t>: the probability of </a:t>
-                </a:r>
-                <a14:m>
-                  <m:oMath xmlns:m="http://schemas.openxmlformats.org/officeDocument/2006/math">
-                    <m:r>
-                      <a:rPr lang="en-US" i="1">
-                        <a:latin typeface="Cambria Math" panose="02040503050406030204" pitchFamily="18" charset="0"/>
-                        <a:ea typeface="Cambria Math" panose="02040503050406030204" pitchFamily="18" charset="0"/>
-                      </a:rPr>
-                      <m:t>𝑥</m:t>
-                    </m:r>
-                  </m:oMath>
-                </a14:m>
-                <a:r>
-                  <a:rPr lang="en-US" dirty="0"/>
-                  <a:t> when the underlying parameter </a:t>
-                </a:r>
-                <a14:m>
-                  <m:oMath xmlns:m="http://schemas.openxmlformats.org/officeDocument/2006/math">
-                    <m:r>
-                      <a:rPr lang="en-US" i="1">
-                        <a:latin typeface="Cambria Math" panose="02040503050406030204" pitchFamily="18" charset="0"/>
-                        <a:ea typeface="Cambria Math" panose="02040503050406030204" pitchFamily="18" charset="0"/>
-                      </a:rPr>
-                      <m:t>𝜃</m:t>
-                    </m:r>
-                  </m:oMath>
-                </a14:m>
-                <a:r>
-                  <a:rPr lang="en-US" dirty="0"/>
-                  <a:t>.</a:t>
-                </a:r>
-              </a:p>
-            </p:txBody>
-          </p:sp>
-        </mc:Choice>
-        <mc:Fallback>
-          <p:sp>
-            <p:nvSpPr>
-              <p:cNvPr id="3" name="Content Placeholder 2">
-                <a:extLst>
-                  <a:ext uri="{FF2B5EF4-FFF2-40B4-BE49-F238E27FC236}">
-                    <a16:creationId xmlns:a16="http://schemas.microsoft.com/office/drawing/2014/main" id="{52390C27-BB61-4B0F-87B8-15E9BDFD2FAE}"/>
-                  </a:ext>
-                </a:extLst>
-              </p:cNvPr>
-              <p:cNvSpPr>
-                <a:spLocks noGrp="1" noRot="1" noChangeAspect="1" noMove="1" noResize="1" noEditPoints="1" noAdjustHandles="1" noChangeArrowheads="1" noChangeShapeType="1" noTextEdit="1"/>
-              </p:cNvSpPr>
-              <p:nvPr>
-                <p:ph idx="1"/>
-              </p:nvPr>
-            </p:nvSpPr>
-            <p:spPr>
-              <a:xfrm>
-                <a:off x="838199" y="2492809"/>
-                <a:ext cx="10515600" cy="1872382"/>
-              </a:xfrm>
-              <a:blipFill>
-                <a:blip r:embed="rId2"/>
-                <a:stretch>
-                  <a:fillRect t="-5537"/>
-                </a:stretch>
-              </a:blipFill>
-            </p:spPr>
-            <p:txBody>
-              <a:bodyPr/>
-              <a:lstStyle/>
-              <a:p>
-                <a:r>
-                  <a:rPr lang="en-US">
-                    <a:noFill/>
-                  </a:rPr>
-                  <a:t> </a:t>
-                </a:r>
-              </a:p>
-            </p:txBody>
-          </p:sp>
-        </mc:Fallback>
-      </mc:AlternateContent>
-      <mc:AlternateContent xmlns:mc="http://schemas.openxmlformats.org/markup-compatibility/2006" xmlns:a14="http://schemas.microsoft.com/office/drawing/2010/main">
-        <mc:Choice Requires="a14">
-          <p:sp>
-            <p:nvSpPr>
-              <p:cNvPr id="4" name="TextBox 3">
-                <a:extLst>
-                  <a:ext uri="{FF2B5EF4-FFF2-40B4-BE49-F238E27FC236}">
-                    <a16:creationId xmlns:a16="http://schemas.microsoft.com/office/drawing/2014/main" id="{D823164A-644E-442E-8ACB-CB9A5C171395}"/>
-                  </a:ext>
-                </a:extLst>
-              </p:cNvPr>
-              <p:cNvSpPr txBox="1"/>
-              <p:nvPr/>
-            </p:nvSpPr>
-            <p:spPr>
-              <a:xfrm>
-                <a:off x="5176068" y="1690688"/>
-                <a:ext cx="1839863" cy="430887"/>
-              </a:xfrm>
-              <a:prstGeom prst="rect">
-                <a:avLst/>
-              </a:prstGeom>
-              <a:noFill/>
-            </p:spPr>
-            <p:txBody>
-              <a:bodyPr wrap="none" lIns="0" tIns="0" rIns="0" bIns="0" rtlCol="0">
-                <a:spAutoFit/>
-              </a:bodyPr>
-              <a:lstStyle/>
-              <a:p>
-                <a:pPr/>
-                <a14:m>
-                  <m:oMathPara xmlns:m="http://schemas.openxmlformats.org/officeDocument/2006/math">
-                    <m:oMathParaPr>
-                      <m:jc m:val="centerGroup"/>
-                    </m:oMathParaPr>
-                    <m:oMath xmlns:m="http://schemas.openxmlformats.org/officeDocument/2006/math">
-                      <m:r>
-                        <a:rPr lang="en-US" sz="2800" b="0" i="1" smtClean="0">
-                          <a:latin typeface="Cambria Math" panose="02040503050406030204" pitchFamily="18" charset="0"/>
-                          <a:ea typeface="Cambria Math" panose="02040503050406030204" pitchFamily="18" charset="0"/>
-                        </a:rPr>
-                        <m:t>𝜃</m:t>
-                      </m:r>
-                      <m:r>
-                        <a:rPr lang="en-US" sz="2800" i="1" smtClean="0">
-                          <a:latin typeface="Cambria Math" panose="02040503050406030204" pitchFamily="18" charset="0"/>
-                          <a:ea typeface="Cambria Math" panose="02040503050406030204" pitchFamily="18" charset="0"/>
-                        </a:rPr>
-                        <m:t>↦</m:t>
-                      </m:r>
-                      <m:r>
-                        <a:rPr lang="en-US" sz="2800" b="0" i="1" smtClean="0">
-                          <a:latin typeface="Cambria Math" panose="02040503050406030204" pitchFamily="18" charset="0"/>
-                          <a:ea typeface="Cambria Math" panose="02040503050406030204" pitchFamily="18" charset="0"/>
-                        </a:rPr>
-                        <m:t>𝑓</m:t>
-                      </m:r>
-                      <m:d>
-                        <m:dPr>
-                          <m:ctrlPr>
-                            <a:rPr lang="en-US" sz="2800" b="0" i="1" smtClean="0">
-                              <a:latin typeface="Cambria Math" panose="02040503050406030204" pitchFamily="18" charset="0"/>
-                              <a:ea typeface="Cambria Math" panose="02040503050406030204" pitchFamily="18" charset="0"/>
-                            </a:rPr>
-                          </m:ctrlPr>
-                        </m:dPr>
-                        <m:e>
-                          <m:r>
-                            <a:rPr lang="en-US" sz="2800" b="0" i="1" smtClean="0">
-                              <a:latin typeface="Cambria Math" panose="02040503050406030204" pitchFamily="18" charset="0"/>
-                              <a:ea typeface="Cambria Math" panose="02040503050406030204" pitchFamily="18" charset="0"/>
-                            </a:rPr>
-                            <m:t>𝑥</m:t>
-                          </m:r>
-                        </m:e>
-                        <m:e>
-                          <m:r>
-                            <a:rPr lang="en-US" sz="2800" b="0" i="1" smtClean="0">
-                              <a:latin typeface="Cambria Math" panose="02040503050406030204" pitchFamily="18" charset="0"/>
-                              <a:ea typeface="Cambria Math" panose="02040503050406030204" pitchFamily="18" charset="0"/>
-                            </a:rPr>
-                            <m:t>𝜃</m:t>
-                          </m:r>
-                        </m:e>
-                      </m:d>
-                    </m:oMath>
-                  </m:oMathPara>
-                </a14:m>
-                <a:endParaRPr lang="en-US" sz="2800" dirty="0"/>
-              </a:p>
-            </p:txBody>
-          </p:sp>
-        </mc:Choice>
-        <mc:Fallback xmlns="">
-          <p:sp>
-            <p:nvSpPr>
-              <p:cNvPr id="4" name="TextBox 3">
-                <a:extLst>
-                  <a:ext uri="{FF2B5EF4-FFF2-40B4-BE49-F238E27FC236}">
-                    <a16:creationId xmlns:a16="http://schemas.microsoft.com/office/drawing/2014/main" id="{D823164A-644E-442E-8ACB-CB9A5C171395}"/>
-                  </a:ext>
-                </a:extLst>
-              </p:cNvPr>
-              <p:cNvSpPr txBox="1">
-                <a:spLocks noRot="1" noChangeAspect="1" noMove="1" noResize="1" noEditPoints="1" noAdjustHandles="1" noChangeArrowheads="1" noChangeShapeType="1" noTextEdit="1"/>
-              </p:cNvSpPr>
-              <p:nvPr/>
-            </p:nvSpPr>
-            <p:spPr>
-              <a:xfrm>
-                <a:off x="5176068" y="1690688"/>
-                <a:ext cx="1839863" cy="430887"/>
-              </a:xfrm>
-              <a:prstGeom prst="rect">
-                <a:avLst/>
-              </a:prstGeom>
-              <a:blipFill>
-                <a:blip r:embed="rId3"/>
-                <a:stretch>
-                  <a:fillRect/>
-                </a:stretch>
-              </a:blipFill>
-            </p:spPr>
-            <p:txBody>
-              <a:bodyPr/>
-              <a:lstStyle/>
-              <a:p>
-                <a:r>
-                  <a:rPr lang="en-US">
-                    <a:noFill/>
-                  </a:rPr>
-                  <a:t> </a:t>
-                </a:r>
-              </a:p>
-            </p:txBody>
-          </p:sp>
-        </mc:Fallback>
-      </mc:AlternateContent>
-      <p:sp>
-        <p:nvSpPr>
-          <p:cNvPr id="5" name="Content Placeholder 2">
-            <a:extLst>
-              <a:ext uri="{FF2B5EF4-FFF2-40B4-BE49-F238E27FC236}">
-                <a16:creationId xmlns:a16="http://schemas.microsoft.com/office/drawing/2014/main" id="{30E01EB5-D5B8-4FEC-A56E-A1BF7990620B}"/>
-              </a:ext>
-            </a:extLst>
-          </p:cNvPr>
-          <p:cNvSpPr txBox="1">
-            <a:spLocks/>
-          </p:cNvSpPr>
-          <p:nvPr/>
-        </p:nvSpPr>
-        <p:spPr>
-          <a:xfrm>
-            <a:off x="838199" y="4083282"/>
-            <a:ext cx="10515600" cy="563817"/>
-          </a:xfrm>
-          <a:prstGeom prst="rect">
-            <a:avLst/>
-          </a:prstGeom>
-        </p:spPr>
-        <p:txBody>
-          <a:bodyPr vert="horz" lIns="91440" tIns="45720" rIns="91440" bIns="45720" rtlCol="0">
-            <a:normAutofit/>
-          </a:bodyPr>
-          <a:lstStyle>
-            <a:lvl1pPr marL="228600" indent="-228600" algn="l" defTabSz="914400" rtl="0" eaLnBrk="1" latinLnBrk="0" hangingPunct="1">
-              <a:lnSpc>
-                <a:spcPct val="90000"/>
-              </a:lnSpc>
-              <a:spcBef>
-                <a:spcPts val="1000"/>
-              </a:spcBef>
-              <a:buFont typeface="Arial" panose="020B0604020202020204" pitchFamily="34" charset="0"/>
-              <a:buChar char="•"/>
-              <a:defRPr sz="2800" kern="1200">
-                <a:solidFill>
-                  <a:schemeClr val="tx1"/>
-                </a:solidFill>
-                <a:latin typeface="+mn-lt"/>
-                <a:ea typeface="+mn-ea"/>
-                <a:cs typeface="+mn-cs"/>
-              </a:defRPr>
-            </a:lvl1pPr>
-            <a:lvl2pPr marL="685800" indent="-228600" algn="l" defTabSz="914400" rtl="0" eaLnBrk="1" latinLnBrk="0" hangingPunct="1">
-              <a:lnSpc>
-                <a:spcPct val="90000"/>
-              </a:lnSpc>
-              <a:spcBef>
-                <a:spcPts val="500"/>
-              </a:spcBef>
-              <a:buFont typeface="Arial" panose="020B0604020202020204" pitchFamily="34" charset="0"/>
-              <a:buChar char="•"/>
-              <a:defRPr sz="2400" kern="1200">
-                <a:solidFill>
-                  <a:schemeClr val="tx1"/>
-                </a:solidFill>
-                <a:latin typeface="+mn-lt"/>
-                <a:ea typeface="+mn-ea"/>
-                <a:cs typeface="+mn-cs"/>
-              </a:defRPr>
-            </a:lvl2pPr>
-            <a:lvl3pPr marL="1143000" indent="-228600" algn="l" defTabSz="914400" rtl="0" eaLnBrk="1" latinLnBrk="0" hangingPunct="1">
-              <a:lnSpc>
-                <a:spcPct val="90000"/>
-              </a:lnSpc>
-              <a:spcBef>
-                <a:spcPts val="500"/>
-              </a:spcBef>
-              <a:buFont typeface="Arial" panose="020B0604020202020204" pitchFamily="34" charset="0"/>
-              <a:buChar char="•"/>
-              <a:defRPr sz="2000" kern="1200">
-                <a:solidFill>
-                  <a:schemeClr val="tx1"/>
-                </a:solidFill>
-                <a:latin typeface="+mn-lt"/>
-                <a:ea typeface="+mn-ea"/>
-                <a:cs typeface="+mn-cs"/>
-              </a:defRPr>
-            </a:lvl3pPr>
-            <a:lvl4pPr marL="1600200" indent="-228600" algn="l" defTabSz="914400" rtl="0" eaLnBrk="1" latinLnBrk="0" hangingPunct="1">
-              <a:lnSpc>
-                <a:spcPct val="90000"/>
-              </a:lnSpc>
-              <a:spcBef>
-                <a:spcPts val="500"/>
-              </a:spcBef>
-              <a:buFont typeface="Arial" panose="020B0604020202020204" pitchFamily="34" charset="0"/>
-              <a:buChar char="•"/>
-              <a:defRPr sz="1800" kern="1200">
-                <a:solidFill>
-                  <a:schemeClr val="tx1"/>
-                </a:solidFill>
-                <a:latin typeface="+mn-lt"/>
-                <a:ea typeface="+mn-ea"/>
-                <a:cs typeface="+mn-cs"/>
-              </a:defRPr>
-            </a:lvl4pPr>
-            <a:lvl5pPr marL="2057400" indent="-228600" algn="l" defTabSz="914400" rtl="0" eaLnBrk="1" latinLnBrk="0" hangingPunct="1">
-              <a:lnSpc>
-                <a:spcPct val="90000"/>
-              </a:lnSpc>
-              <a:spcBef>
-                <a:spcPts val="500"/>
-              </a:spcBef>
-              <a:buFont typeface="Arial" panose="020B0604020202020204" pitchFamily="34" charset="0"/>
-              <a:buChar char="•"/>
-              <a:defRPr sz="1800" kern="1200">
-                <a:solidFill>
-                  <a:schemeClr val="tx1"/>
-                </a:solidFill>
-                <a:latin typeface="+mn-lt"/>
-                <a:ea typeface="+mn-ea"/>
-                <a:cs typeface="+mn-cs"/>
-              </a:defRPr>
-            </a:lvl5pPr>
-            <a:lvl6pPr marL="2514600" indent="-228600" algn="l" defTabSz="914400" rtl="0" eaLnBrk="1" latinLnBrk="0" hangingPunct="1">
-              <a:lnSpc>
-                <a:spcPct val="90000"/>
-              </a:lnSpc>
-              <a:spcBef>
-                <a:spcPts val="500"/>
-              </a:spcBef>
-              <a:buFont typeface="Arial" panose="020B0604020202020204" pitchFamily="34" charset="0"/>
-              <a:buChar char="•"/>
-              <a:defRPr sz="1800" kern="1200">
-                <a:solidFill>
-                  <a:schemeClr val="tx1"/>
-                </a:solidFill>
-                <a:latin typeface="+mn-lt"/>
-                <a:ea typeface="+mn-ea"/>
-                <a:cs typeface="+mn-cs"/>
-              </a:defRPr>
-            </a:lvl6pPr>
-            <a:lvl7pPr marL="2971800" indent="-228600" algn="l" defTabSz="914400" rtl="0" eaLnBrk="1" latinLnBrk="0" hangingPunct="1">
-              <a:lnSpc>
-                <a:spcPct val="90000"/>
-              </a:lnSpc>
-              <a:spcBef>
-                <a:spcPts val="500"/>
-              </a:spcBef>
-              <a:buFont typeface="Arial" panose="020B0604020202020204" pitchFamily="34" charset="0"/>
-              <a:buChar char="•"/>
-              <a:defRPr sz="1800" kern="1200">
-                <a:solidFill>
-                  <a:schemeClr val="tx1"/>
-                </a:solidFill>
-                <a:latin typeface="+mn-lt"/>
-                <a:ea typeface="+mn-ea"/>
-                <a:cs typeface="+mn-cs"/>
-              </a:defRPr>
-            </a:lvl7pPr>
-            <a:lvl8pPr marL="3429000" indent="-228600" algn="l" defTabSz="914400" rtl="0" eaLnBrk="1" latinLnBrk="0" hangingPunct="1">
-              <a:lnSpc>
-                <a:spcPct val="90000"/>
-              </a:lnSpc>
-              <a:spcBef>
-                <a:spcPts val="500"/>
-              </a:spcBef>
-              <a:buFont typeface="Arial" panose="020B0604020202020204" pitchFamily="34" charset="0"/>
-              <a:buChar char="•"/>
-              <a:defRPr sz="1800" kern="1200">
-                <a:solidFill>
-                  <a:schemeClr val="tx1"/>
-                </a:solidFill>
-                <a:latin typeface="+mn-lt"/>
-                <a:ea typeface="+mn-ea"/>
-                <a:cs typeface="+mn-cs"/>
-              </a:defRPr>
-            </a:lvl8pPr>
-            <a:lvl9pPr marL="3886200" indent="-228600" algn="l" defTabSz="914400" rtl="0" eaLnBrk="1" latinLnBrk="0" hangingPunct="1">
-              <a:lnSpc>
-                <a:spcPct val="90000"/>
-              </a:lnSpc>
-              <a:spcBef>
-                <a:spcPts val="500"/>
-              </a:spcBef>
-              <a:buFont typeface="Arial" panose="020B0604020202020204" pitchFamily="34" charset="0"/>
-              <a:buChar char="•"/>
-              <a:defRPr sz="1800" kern="1200">
-                <a:solidFill>
-                  <a:schemeClr val="tx1"/>
-                </a:solidFill>
-                <a:latin typeface="+mn-lt"/>
-                <a:ea typeface="+mn-ea"/>
-                <a:cs typeface="+mn-cs"/>
-              </a:defRPr>
-            </a:lvl9pPr>
-          </a:lstStyle>
-          <a:p>
-            <a:pPr marL="0" indent="0">
-              <a:buNone/>
-            </a:pPr>
-            <a:r>
-              <a:rPr lang="en-US" dirty="0"/>
-              <a:t>Assume that our estimator is MLE:</a:t>
-            </a:r>
-          </a:p>
-        </p:txBody>
-      </p:sp>
-      <mc:AlternateContent xmlns:mc="http://schemas.openxmlformats.org/markup-compatibility/2006">
-        <mc:Choice xmlns:a14="http://schemas.microsoft.com/office/drawing/2010/main" Requires="a14">
-          <p:sp>
-            <p:nvSpPr>
-              <p:cNvPr id="6" name="TextBox 5">
-                <a:extLst>
-                  <a:ext uri="{FF2B5EF4-FFF2-40B4-BE49-F238E27FC236}">
-                    <a16:creationId xmlns:a16="http://schemas.microsoft.com/office/drawing/2014/main" id="{A6C4B18A-76C8-4A95-94AE-F6A52C6EA107}"/>
-                  </a:ext>
-                </a:extLst>
-              </p:cNvPr>
-              <p:cNvSpPr txBox="1"/>
-              <p:nvPr/>
-            </p:nvSpPr>
-            <p:spPr>
-              <a:xfrm>
-                <a:off x="4073009" y="4647099"/>
-                <a:ext cx="4045979" cy="667490"/>
-              </a:xfrm>
-              <a:prstGeom prst="rect">
-                <a:avLst/>
-              </a:prstGeom>
-              <a:noFill/>
-            </p:spPr>
-            <p:txBody>
-              <a:bodyPr wrap="none" lIns="0" tIns="0" rIns="0" bIns="0" rtlCol="0">
-                <a:spAutoFit/>
-              </a:bodyPr>
-              <a:lstStyle/>
-              <a:p>
-                <a:pPr/>
-                <a14:m>
-                  <m:oMathPara xmlns:m="http://schemas.openxmlformats.org/officeDocument/2006/math">
-                    <m:oMathParaPr>
-                      <m:jc m:val="centerGroup"/>
-                    </m:oMathParaPr>
-                    <m:oMath xmlns:m="http://schemas.openxmlformats.org/officeDocument/2006/math">
-                      <m:sSub>
-                        <m:sSubPr>
-                          <m:ctrlPr>
-                            <a:rPr lang="en-US" sz="2800" b="0" i="1" smtClean="0">
-                              <a:latin typeface="Cambria Math" panose="02040503050406030204" pitchFamily="18" charset="0"/>
-                              <a:ea typeface="Cambria Math" panose="02040503050406030204" pitchFamily="18" charset="0"/>
-                            </a:rPr>
-                          </m:ctrlPr>
-                        </m:sSubPr>
-                        <m:e>
-                          <m:acc>
-                            <m:accPr>
-                              <m:chr m:val="̂"/>
-                              <m:ctrlPr>
-                                <a:rPr lang="en-US" sz="2800" b="0" i="1" smtClean="0">
-                                  <a:latin typeface="Cambria Math" panose="02040503050406030204" pitchFamily="18" charset="0"/>
-                                  <a:ea typeface="Cambria Math" panose="02040503050406030204" pitchFamily="18" charset="0"/>
-                                </a:rPr>
-                              </m:ctrlPr>
-                            </m:accPr>
-                            <m:e>
-                              <m:r>
-                                <a:rPr lang="en-US" sz="2800" i="1">
-                                  <a:latin typeface="Cambria Math" panose="02040503050406030204" pitchFamily="18" charset="0"/>
-                                  <a:ea typeface="Cambria Math" panose="02040503050406030204" pitchFamily="18" charset="0"/>
-                                </a:rPr>
-                                <m:t>𝜃</m:t>
-                              </m:r>
-                            </m:e>
-                          </m:acc>
-                        </m:e>
-                        <m:sub>
-                          <m:r>
-                            <a:rPr lang="en-US" sz="2800" b="0" i="1" smtClean="0">
-                              <a:latin typeface="Cambria Math" panose="02040503050406030204" pitchFamily="18" charset="0"/>
-                              <a:ea typeface="Cambria Math" panose="02040503050406030204" pitchFamily="18" charset="0"/>
-                            </a:rPr>
-                            <m:t>𝑀𝐿𝐸</m:t>
-                          </m:r>
-                        </m:sub>
-                      </m:sSub>
-                      <m:d>
-                        <m:dPr>
-                          <m:ctrlPr>
-                            <a:rPr lang="en-US" sz="2800" b="0" i="1" smtClean="0">
-                              <a:latin typeface="Cambria Math" panose="02040503050406030204" pitchFamily="18" charset="0"/>
-                              <a:ea typeface="Cambria Math" panose="02040503050406030204" pitchFamily="18" charset="0"/>
-                            </a:rPr>
-                          </m:ctrlPr>
-                        </m:dPr>
-                        <m:e>
-                          <m:r>
-                            <a:rPr lang="en-US" sz="2800" b="0" i="1" smtClean="0">
-                              <a:latin typeface="Cambria Math" panose="02040503050406030204" pitchFamily="18" charset="0"/>
-                              <a:ea typeface="Cambria Math" panose="02040503050406030204" pitchFamily="18" charset="0"/>
-                            </a:rPr>
-                            <m:t>𝑥</m:t>
-                          </m:r>
-                        </m:e>
-                      </m:d>
-                      <m:r>
-                        <a:rPr lang="en-US" sz="2800" b="0" i="1" smtClean="0">
-                          <a:latin typeface="Cambria Math" panose="02040503050406030204" pitchFamily="18" charset="0"/>
-                          <a:ea typeface="Cambria Math" panose="02040503050406030204" pitchFamily="18" charset="0"/>
-                        </a:rPr>
-                        <m:t>=</m:t>
-                      </m:r>
-                      <m:func>
-                        <m:funcPr>
-                          <m:ctrlPr>
-                            <a:rPr lang="en-US" sz="2800" b="0" i="1" smtClean="0">
-                              <a:latin typeface="Cambria Math" panose="02040503050406030204" pitchFamily="18" charset="0"/>
-                              <a:ea typeface="Cambria Math" panose="02040503050406030204" pitchFamily="18" charset="0"/>
-                            </a:rPr>
-                          </m:ctrlPr>
-                        </m:funcPr>
-                        <m:fName>
-                          <m:limLow>
-                            <m:limLowPr>
-                              <m:ctrlPr>
-                                <a:rPr lang="en-US" sz="2800" b="0" i="1" smtClean="0">
-                                  <a:latin typeface="Cambria Math" panose="02040503050406030204" pitchFamily="18" charset="0"/>
-                                  <a:ea typeface="Cambria Math" panose="02040503050406030204" pitchFamily="18" charset="0"/>
-                                </a:rPr>
-                              </m:ctrlPr>
-                            </m:limLowPr>
-                            <m:e>
-                              <m:r>
-                                <m:rPr>
-                                  <m:sty m:val="p"/>
-                                </m:rPr>
-                                <a:rPr lang="en-US" sz="2800" b="0" i="0" smtClean="0">
-                                  <a:latin typeface="Cambria Math" panose="02040503050406030204" pitchFamily="18" charset="0"/>
-                                  <a:ea typeface="Cambria Math" panose="02040503050406030204" pitchFamily="18" charset="0"/>
-                                </a:rPr>
-                                <m:t>arg</m:t>
-                              </m:r>
-                              <m:r>
-                                <m:rPr>
-                                  <m:sty m:val="p"/>
-                                </m:rPr>
-                                <a:rPr lang="en-US" sz="2800" b="0" i="0" smtClean="0">
-                                  <a:latin typeface="Cambria Math" panose="02040503050406030204" pitchFamily="18" charset="0"/>
-                                  <a:ea typeface="Cambria Math" panose="02040503050406030204" pitchFamily="18" charset="0"/>
-                                </a:rPr>
-                                <m:t>max</m:t>
-                              </m:r>
-                            </m:e>
-                            <m:lim>
-                              <m:r>
-                                <a:rPr lang="en-US" sz="2800" i="1">
-                                  <a:latin typeface="Cambria Math" panose="02040503050406030204" pitchFamily="18" charset="0"/>
-                                  <a:ea typeface="Cambria Math" panose="02040503050406030204" pitchFamily="18" charset="0"/>
-                                </a:rPr>
-                                <m:t>𝜃</m:t>
-                              </m:r>
-                            </m:lim>
-                          </m:limLow>
-                        </m:fName>
-                        <m:e>
-                          <m:r>
-                            <a:rPr lang="en-US" sz="2800" i="1">
-                              <a:latin typeface="Cambria Math" panose="02040503050406030204" pitchFamily="18" charset="0"/>
-                              <a:ea typeface="Cambria Math" panose="02040503050406030204" pitchFamily="18" charset="0"/>
-                            </a:rPr>
-                            <m:t>𝑓</m:t>
-                          </m:r>
-                          <m:d>
-                            <m:dPr>
-                              <m:ctrlPr>
-                                <a:rPr lang="en-US" sz="2800" i="1">
-                                  <a:latin typeface="Cambria Math" panose="02040503050406030204" pitchFamily="18" charset="0"/>
-                                  <a:ea typeface="Cambria Math" panose="02040503050406030204" pitchFamily="18" charset="0"/>
-                                </a:rPr>
-                              </m:ctrlPr>
-                            </m:dPr>
-                            <m:e>
-                              <m:r>
-                                <a:rPr lang="en-US" sz="2800" i="1">
-                                  <a:latin typeface="Cambria Math" panose="02040503050406030204" pitchFamily="18" charset="0"/>
-                                  <a:ea typeface="Cambria Math" panose="02040503050406030204" pitchFamily="18" charset="0"/>
-                                </a:rPr>
-                                <m:t>𝑥</m:t>
-                              </m:r>
-                            </m:e>
-                            <m:e>
-                              <m:r>
-                                <a:rPr lang="en-US" sz="2800" i="1">
-                                  <a:latin typeface="Cambria Math" panose="02040503050406030204" pitchFamily="18" charset="0"/>
-                                  <a:ea typeface="Cambria Math" panose="02040503050406030204" pitchFamily="18" charset="0"/>
-                                </a:rPr>
-                                <m:t>𝜃</m:t>
-                              </m:r>
-                            </m:e>
-                          </m:d>
-                        </m:e>
-                      </m:func>
-                    </m:oMath>
-                  </m:oMathPara>
-                </a14:m>
-                <a:endParaRPr lang="en-US" sz="2800" dirty="0"/>
-              </a:p>
-            </p:txBody>
-          </p:sp>
-        </mc:Choice>
-        <mc:Fallback>
-          <p:sp>
-            <p:nvSpPr>
-              <p:cNvPr id="6" name="TextBox 5">
-                <a:extLst>
-                  <a:ext uri="{FF2B5EF4-FFF2-40B4-BE49-F238E27FC236}">
-                    <a16:creationId xmlns:a16="http://schemas.microsoft.com/office/drawing/2014/main" id="{A6C4B18A-76C8-4A95-94AE-F6A52C6EA107}"/>
-                  </a:ext>
-                </a:extLst>
-              </p:cNvPr>
-              <p:cNvSpPr txBox="1">
-                <a:spLocks noRot="1" noChangeAspect="1" noMove="1" noResize="1" noEditPoints="1" noAdjustHandles="1" noChangeArrowheads="1" noChangeShapeType="1" noTextEdit="1"/>
-              </p:cNvSpPr>
-              <p:nvPr/>
-            </p:nvSpPr>
-            <p:spPr>
-              <a:xfrm>
-                <a:off x="4073009" y="4647099"/>
-                <a:ext cx="4045979" cy="667490"/>
-              </a:xfrm>
-              <a:prstGeom prst="rect">
-                <a:avLst/>
-              </a:prstGeom>
-              <a:blipFill>
-                <a:blip r:embed="rId4"/>
-                <a:stretch>
-                  <a:fillRect/>
-                </a:stretch>
-              </a:blipFill>
-            </p:spPr>
-            <p:txBody>
-              <a:bodyPr/>
-              <a:lstStyle/>
-              <a:p>
-                <a:r>
-                  <a:rPr lang="en-US">
-                    <a:noFill/>
-                  </a:rPr>
-                  <a:t> </a:t>
-                </a:r>
-              </a:p>
-            </p:txBody>
-          </p:sp>
-        </mc:Fallback>
-      </mc:AlternateContent>
-    </p:spTree>
-    <p:extLst>
-      <p:ext uri="{BB962C8B-B14F-4D97-AF65-F5344CB8AC3E}">
-        <p14:creationId xmlns:p14="http://schemas.microsoft.com/office/powerpoint/2010/main" val="3890062939"/>
-      </p:ext>
-    </p:extLst>
-  </p:cSld>
-  <p:clrMapOvr>
-    <a:masterClrMapping/>
-  </p:clrMapOvr>
-</p:sld>
-</file>
-
-<file path=ppt/slides/slide27.xml><?xml version="1.0" encoding="utf-8"?>
+<file path=ppt/slides/slide29.xml><?xml version="1.0" encoding="utf-8"?>
 <p:sld xmlns:a="http://schemas.openxmlformats.org/drawingml/2006/main" xmlns:r="http://schemas.openxmlformats.org/officeDocument/2006/relationships" xmlns:p="http://schemas.openxmlformats.org/presentationml/2006/main">
   <p:cSld>
     <p:spTree>
@@ -14083,7 +14370,73 @@
 </p:sld>
 </file>
 
-<file path=ppt/slides/slide28.xml><?xml version="1.0" encoding="utf-8"?>
+<file path=ppt/slides/slide3.xml><?xml version="1.0" encoding="utf-8"?>
+<p:sld xmlns:a="http://schemas.openxmlformats.org/drawingml/2006/main" xmlns:r="http://schemas.openxmlformats.org/officeDocument/2006/relationships" xmlns:p="http://schemas.openxmlformats.org/presentationml/2006/main">
+  <p:cSld>
+    <p:spTree>
+      <p:nvGrpSpPr>
+        <p:cNvPr id="1" name=""/>
+        <p:cNvGrpSpPr/>
+        <p:nvPr/>
+      </p:nvGrpSpPr>
+      <p:grpSpPr>
+        <a:xfrm>
+          <a:off x="0" y="0"/>
+          <a:ext cx="0" cy="0"/>
+          <a:chOff x="0" y="0"/>
+          <a:chExt cx="0" cy="0"/>
+        </a:xfrm>
+      </p:grpSpPr>
+      <p:sp>
+        <p:nvSpPr>
+          <p:cNvPr id="2" name="Title 1"/>
+          <p:cNvSpPr>
+            <a:spLocks noGrp="1"/>
+          </p:cNvSpPr>
+          <p:nvPr>
+            <p:ph type="ctrTitle"/>
+          </p:nvPr>
+        </p:nvSpPr>
+        <p:spPr>
+          <a:xfrm>
+            <a:off x="1798320" y="2128202"/>
+            <a:ext cx="9144000" cy="2387600"/>
+          </a:xfrm>
+        </p:spPr>
+        <p:txBody>
+          <a:bodyPr>
+            <a:normAutofit/>
+          </a:bodyPr>
+          <a:lstStyle/>
+          <a:p>
+            <a:r>
+              <a:rPr lang="en-US" dirty="0"/>
+              <a:t>Part 1.1</a:t>
+            </a:r>
+            <a:br>
+              <a:rPr lang="en-US" dirty="0"/>
+            </a:br>
+            <a:r>
+              <a:rPr lang="en-US" dirty="0"/>
+              <a:t>Graph Introduction</a:t>
+            </a:r>
+          </a:p>
+        </p:txBody>
+      </p:sp>
+    </p:spTree>
+    <p:extLst>
+      <p:ext uri="{BB962C8B-B14F-4D97-AF65-F5344CB8AC3E}">
+        <p14:creationId xmlns:p14="http://schemas.microsoft.com/office/powerpoint/2010/main" val="1276708213"/>
+      </p:ext>
+    </p:extLst>
+  </p:cSld>
+  <p:clrMapOvr>
+    <a:masterClrMapping/>
+  </p:clrMapOvr>
+</p:sld>
+</file>
+
+<file path=ppt/slides/slide30.xml><?xml version="1.0" encoding="utf-8"?>
 <p:sld xmlns:a="http://schemas.openxmlformats.org/drawingml/2006/main" xmlns:r="http://schemas.openxmlformats.org/officeDocument/2006/relationships" xmlns:p="http://schemas.openxmlformats.org/presentationml/2006/main">
   <p:cSld>
     <p:spTree>
@@ -14210,7 +14563,7 @@
 </p:sld>
 </file>
 
-<file path=ppt/slides/slide29.xml><?xml version="1.0" encoding="utf-8"?>
+<file path=ppt/slides/slide31.xml><?xml version="1.0" encoding="utf-8"?>
 <p:sld xmlns:a="http://schemas.openxmlformats.org/drawingml/2006/main" xmlns:r="http://schemas.openxmlformats.org/officeDocument/2006/relationships" xmlns:p="http://schemas.openxmlformats.org/presentationml/2006/main">
   <p:cSld>
     <p:spTree>
@@ -14286,73 +14639,7 @@
 </p:sld>
 </file>
 
-<file path=ppt/slides/slide3.xml><?xml version="1.0" encoding="utf-8"?>
-<p:sld xmlns:a="http://schemas.openxmlformats.org/drawingml/2006/main" xmlns:r="http://schemas.openxmlformats.org/officeDocument/2006/relationships" xmlns:p="http://schemas.openxmlformats.org/presentationml/2006/main">
-  <p:cSld>
-    <p:spTree>
-      <p:nvGrpSpPr>
-        <p:cNvPr id="1" name=""/>
-        <p:cNvGrpSpPr/>
-        <p:nvPr/>
-      </p:nvGrpSpPr>
-      <p:grpSpPr>
-        <a:xfrm>
-          <a:off x="0" y="0"/>
-          <a:ext cx="0" cy="0"/>
-          <a:chOff x="0" y="0"/>
-          <a:chExt cx="0" cy="0"/>
-        </a:xfrm>
-      </p:grpSpPr>
-      <p:sp>
-        <p:nvSpPr>
-          <p:cNvPr id="2" name="Title 1"/>
-          <p:cNvSpPr>
-            <a:spLocks noGrp="1"/>
-          </p:cNvSpPr>
-          <p:nvPr>
-            <p:ph type="ctrTitle"/>
-          </p:nvPr>
-        </p:nvSpPr>
-        <p:spPr>
-          <a:xfrm>
-            <a:off x="1798320" y="2128202"/>
-            <a:ext cx="9144000" cy="2387600"/>
-          </a:xfrm>
-        </p:spPr>
-        <p:txBody>
-          <a:bodyPr>
-            <a:normAutofit/>
-          </a:bodyPr>
-          <a:lstStyle/>
-          <a:p>
-            <a:r>
-              <a:rPr lang="en-US" dirty="0"/>
-              <a:t>Part 1.1</a:t>
-            </a:r>
-            <a:br>
-              <a:rPr lang="en-US" dirty="0"/>
-            </a:br>
-            <a:r>
-              <a:rPr lang="en-US" dirty="0"/>
-              <a:t>Graph Introduction</a:t>
-            </a:r>
-          </a:p>
-        </p:txBody>
-      </p:sp>
-    </p:spTree>
-    <p:extLst>
-      <p:ext uri="{BB962C8B-B14F-4D97-AF65-F5344CB8AC3E}">
-        <p14:creationId xmlns:p14="http://schemas.microsoft.com/office/powerpoint/2010/main" val="1276708213"/>
-      </p:ext>
-    </p:extLst>
-  </p:cSld>
-  <p:clrMapOvr>
-    <a:masterClrMapping/>
-  </p:clrMapOvr>
-</p:sld>
-</file>
-
-<file path=ppt/slides/slide30.xml><?xml version="1.0" encoding="utf-8"?>
+<file path=ppt/slides/slide32.xml><?xml version="1.0" encoding="utf-8"?>
 <p:sld xmlns:a="http://schemas.openxmlformats.org/drawingml/2006/main" xmlns:r="http://schemas.openxmlformats.org/officeDocument/2006/relationships" xmlns:p="http://schemas.openxmlformats.org/presentationml/2006/main">
   <p:cSld>
     <p:spTree>
@@ -15266,7 +15553,7 @@
 </p:sld>
 </file>
 
-<file path=ppt/slides/slide31.xml><?xml version="1.0" encoding="utf-8"?>
+<file path=ppt/slides/slide33.xml><?xml version="1.0" encoding="utf-8"?>
 <p:sld xmlns:a="http://schemas.openxmlformats.org/drawingml/2006/main" xmlns:r="http://schemas.openxmlformats.org/officeDocument/2006/relationships" xmlns:p="http://schemas.openxmlformats.org/presentationml/2006/main">
   <p:cSld>
     <p:spTree>
@@ -15342,7 +15629,7 @@
 </p:sld>
 </file>
 
-<file path=ppt/slides/slide32.xml><?xml version="1.0" encoding="utf-8"?>
+<file path=ppt/slides/slide34.xml><?xml version="1.0" encoding="utf-8"?>
 <p:sld xmlns:a="http://schemas.openxmlformats.org/drawingml/2006/main" xmlns:r="http://schemas.openxmlformats.org/officeDocument/2006/relationships" xmlns:p="http://schemas.openxmlformats.org/presentationml/2006/main">
   <p:cSld>
     <p:spTree>
@@ -15412,7 +15699,7 @@
 </p:sld>
 </file>
 
-<file path=ppt/slides/slide33.xml><?xml version="1.0" encoding="utf-8"?>
+<file path=ppt/slides/slide35.xml><?xml version="1.0" encoding="utf-8"?>
 <p:sld xmlns:a="http://schemas.openxmlformats.org/drawingml/2006/main" xmlns:r="http://schemas.openxmlformats.org/officeDocument/2006/relationships" xmlns:p="http://schemas.openxmlformats.org/presentationml/2006/main">
   <p:cSld>
     <p:spTree>
@@ -15628,7 +15915,7 @@
 </p:sld>
 </file>
 
-<file path=ppt/slides/slide34.xml><?xml version="1.0" encoding="utf-8"?>
+<file path=ppt/slides/slide36.xml><?xml version="1.0" encoding="utf-8"?>
 <p:sld xmlns:a="http://schemas.openxmlformats.org/drawingml/2006/main" xmlns:r="http://schemas.openxmlformats.org/officeDocument/2006/relationships" xmlns:p="http://schemas.openxmlformats.org/presentationml/2006/main">
   <p:cSld>
     <p:spTree>
@@ -16004,7 +16291,7 @@
 </p:sld>
 </file>
 
-<file path=ppt/slides/slide35.xml><?xml version="1.0" encoding="utf-8"?>
+<file path=ppt/slides/slide37.xml><?xml version="1.0" encoding="utf-8"?>
 <p:sld xmlns:a="http://schemas.openxmlformats.org/drawingml/2006/main" xmlns:r="http://schemas.openxmlformats.org/officeDocument/2006/relationships" xmlns:p="http://schemas.openxmlformats.org/presentationml/2006/main">
   <p:cSld>
     <p:spTree>
@@ -16114,7 +16401,7 @@
 </p:sld>
 </file>
 
-<file path=ppt/slides/slide36.xml><?xml version="1.0" encoding="utf-8"?>
+<file path=ppt/slides/slide38.xml><?xml version="1.0" encoding="utf-8"?>
 <p:sld xmlns:a="http://schemas.openxmlformats.org/drawingml/2006/main" xmlns:r="http://schemas.openxmlformats.org/officeDocument/2006/relationships" xmlns:p="http://schemas.openxmlformats.org/presentationml/2006/main">
   <p:cSld>
     <p:spTree>
@@ -16293,7 +16580,7 @@
 </p:sld>
 </file>
 
-<file path=ppt/slides/slide37.xml><?xml version="1.0" encoding="utf-8"?>
+<file path=ppt/slides/slide39.xml><?xml version="1.0" encoding="utf-8"?>
 <p:sld xmlns:a="http://schemas.openxmlformats.org/drawingml/2006/main" xmlns:r="http://schemas.openxmlformats.org/officeDocument/2006/relationships" xmlns:p="http://schemas.openxmlformats.org/presentationml/2006/main">
   <p:cSld>
     <p:spTree>
@@ -16344,175 +16631,6 @@
     <p:extLst>
       <p:ext uri="{BB962C8B-B14F-4D97-AF65-F5344CB8AC3E}">
         <p14:creationId xmlns:p14="http://schemas.microsoft.com/office/powerpoint/2010/main" val="4059535104"/>
-      </p:ext>
-    </p:extLst>
-  </p:cSld>
-  <p:clrMapOvr>
-    <a:masterClrMapping/>
-  </p:clrMapOvr>
-</p:sld>
-</file>
-
-<file path=ppt/slides/slide38.xml><?xml version="1.0" encoding="utf-8"?>
-<p:sld xmlns:a="http://schemas.openxmlformats.org/drawingml/2006/main" xmlns:r="http://schemas.openxmlformats.org/officeDocument/2006/relationships" xmlns:p="http://schemas.openxmlformats.org/presentationml/2006/main">
-  <p:cSld>
-    <p:spTree>
-      <p:nvGrpSpPr>
-        <p:cNvPr id="1" name=""/>
-        <p:cNvGrpSpPr/>
-        <p:nvPr/>
-      </p:nvGrpSpPr>
-      <p:grpSpPr>
-        <a:xfrm>
-          <a:off x="0" y="0"/>
-          <a:ext cx="0" cy="0"/>
-          <a:chOff x="0" y="0"/>
-          <a:chExt cx="0" cy="0"/>
-        </a:xfrm>
-      </p:grpSpPr>
-      <p:sp>
-        <p:nvSpPr>
-          <p:cNvPr id="2" name="Title 1"/>
-          <p:cNvSpPr>
-            <a:spLocks noGrp="1"/>
-          </p:cNvSpPr>
-          <p:nvPr>
-            <p:ph type="ctrTitle"/>
-          </p:nvPr>
-        </p:nvSpPr>
-        <p:spPr>
-          <a:xfrm>
-            <a:off x="1806633" y="1853882"/>
-            <a:ext cx="9144000" cy="2387600"/>
-          </a:xfrm>
-        </p:spPr>
-        <p:txBody>
-          <a:bodyPr>
-            <a:normAutofit fontScale="90000"/>
-          </a:bodyPr>
-          <a:lstStyle/>
-          <a:p>
-            <a:r>
-              <a:rPr lang="en-US" dirty="0"/>
-              <a:t>Part 2.1</a:t>
-            </a:r>
-            <a:br>
-              <a:rPr lang="en-US" dirty="0"/>
-            </a:br>
-            <a:r>
-              <a:rPr lang="en-US" dirty="0"/>
-              <a:t>Use </a:t>
-            </a:r>
-            <a:r>
-              <a:rPr lang="en-US" dirty="0" err="1"/>
-              <a:t>pgmpy</a:t>
-            </a:r>
-            <a:r>
-              <a:rPr lang="en-US" dirty="0"/>
-              <a:t> when </a:t>
-            </a:r>
-            <a:br>
-              <a:rPr lang="en-US" dirty="0"/>
-            </a:br>
-            <a:r>
-              <a:rPr lang="en-US" dirty="0"/>
-              <a:t>knowing graph structure</a:t>
-            </a:r>
-          </a:p>
-        </p:txBody>
-      </p:sp>
-    </p:spTree>
-    <p:extLst>
-      <p:ext uri="{BB962C8B-B14F-4D97-AF65-F5344CB8AC3E}">
-        <p14:creationId xmlns:p14="http://schemas.microsoft.com/office/powerpoint/2010/main" val="4247931073"/>
-      </p:ext>
-    </p:extLst>
-  </p:cSld>
-  <p:clrMapOvr>
-    <a:masterClrMapping/>
-  </p:clrMapOvr>
-</p:sld>
-</file>
-
-<file path=ppt/slides/slide39.xml><?xml version="1.0" encoding="utf-8"?>
-<p:sld xmlns:a="http://schemas.openxmlformats.org/drawingml/2006/main" xmlns:r="http://schemas.openxmlformats.org/officeDocument/2006/relationships" xmlns:p="http://schemas.openxmlformats.org/presentationml/2006/main">
-  <p:cSld>
-    <p:spTree>
-      <p:nvGrpSpPr>
-        <p:cNvPr id="1" name=""/>
-        <p:cNvGrpSpPr/>
-        <p:nvPr/>
-      </p:nvGrpSpPr>
-      <p:grpSpPr>
-        <a:xfrm>
-          <a:off x="0" y="0"/>
-          <a:ext cx="0" cy="0"/>
-          <a:chOff x="0" y="0"/>
-          <a:chExt cx="0" cy="0"/>
-        </a:xfrm>
-      </p:grpSpPr>
-      <p:sp>
-        <p:nvSpPr>
-          <p:cNvPr id="2" name="Title 1">
-            <a:extLst>
-              <a:ext uri="{FF2B5EF4-FFF2-40B4-BE49-F238E27FC236}">
-                <a16:creationId xmlns:a16="http://schemas.microsoft.com/office/drawing/2014/main" id="{912F7379-E461-45B2-A6D3-CE54DDD4FDDF}"/>
-              </a:ext>
-            </a:extLst>
-          </p:cNvPr>
-          <p:cNvSpPr>
-            <a:spLocks noGrp="1"/>
-          </p:cNvSpPr>
-          <p:nvPr>
-            <p:ph type="title"/>
-          </p:nvPr>
-        </p:nvSpPr>
-        <p:spPr/>
-        <p:txBody>
-          <a:bodyPr/>
-          <a:lstStyle/>
-          <a:p>
-            <a:r>
-              <a:rPr lang="en-US" dirty="0"/>
-              <a:t>Data (Bayesian network)</a:t>
-            </a:r>
-          </a:p>
-        </p:txBody>
-      </p:sp>
-      <p:pic>
-        <p:nvPicPr>
-          <p:cNvPr id="9" name="Picture 8">
-            <a:extLst>
-              <a:ext uri="{FF2B5EF4-FFF2-40B4-BE49-F238E27FC236}">
-                <a16:creationId xmlns:a16="http://schemas.microsoft.com/office/drawing/2014/main" id="{6B81149C-872C-4103-A380-1292FB80EEF1}"/>
-              </a:ext>
-            </a:extLst>
-          </p:cNvPr>
-          <p:cNvPicPr>
-            <a:picLocks noChangeAspect="1"/>
-          </p:cNvPicPr>
-          <p:nvPr/>
-        </p:nvPicPr>
-        <p:blipFill>
-          <a:blip r:embed="rId2"/>
-          <a:stretch>
-            <a:fillRect/>
-          </a:stretch>
-        </p:blipFill>
-        <p:spPr>
-          <a:xfrm>
-            <a:off x="542925" y="1690688"/>
-            <a:ext cx="11106150" cy="4171950"/>
-          </a:xfrm>
-          <a:prstGeom prst="rect">
-            <a:avLst/>
-          </a:prstGeom>
-        </p:spPr>
-      </p:pic>
-    </p:spTree>
-    <p:extLst>
-      <p:ext uri="{BB962C8B-B14F-4D97-AF65-F5344CB8AC3E}">
-        <p14:creationId xmlns:p14="http://schemas.microsoft.com/office/powerpoint/2010/main" val="2342477112"/>
       </p:ext>
     </p:extLst>
   </p:cSld>
@@ -16998,6 +17116,175 @@
       </p:grpSpPr>
       <p:sp>
         <p:nvSpPr>
+          <p:cNvPr id="2" name="Title 1"/>
+          <p:cNvSpPr>
+            <a:spLocks noGrp="1"/>
+          </p:cNvSpPr>
+          <p:nvPr>
+            <p:ph type="ctrTitle"/>
+          </p:nvPr>
+        </p:nvSpPr>
+        <p:spPr>
+          <a:xfrm>
+            <a:off x="1806633" y="1853882"/>
+            <a:ext cx="9144000" cy="2387600"/>
+          </a:xfrm>
+        </p:spPr>
+        <p:txBody>
+          <a:bodyPr>
+            <a:normAutofit fontScale="90000"/>
+          </a:bodyPr>
+          <a:lstStyle/>
+          <a:p>
+            <a:r>
+              <a:rPr lang="en-US" dirty="0"/>
+              <a:t>Part 2.1</a:t>
+            </a:r>
+            <a:br>
+              <a:rPr lang="en-US" dirty="0"/>
+            </a:br>
+            <a:r>
+              <a:rPr lang="en-US" dirty="0"/>
+              <a:t>Use </a:t>
+            </a:r>
+            <a:r>
+              <a:rPr lang="en-US" dirty="0" err="1"/>
+              <a:t>pgmpy</a:t>
+            </a:r>
+            <a:r>
+              <a:rPr lang="en-US" dirty="0"/>
+              <a:t> when </a:t>
+            </a:r>
+            <a:br>
+              <a:rPr lang="en-US" dirty="0"/>
+            </a:br>
+            <a:r>
+              <a:rPr lang="en-US" dirty="0"/>
+              <a:t>knowing graph structure</a:t>
+            </a:r>
+          </a:p>
+        </p:txBody>
+      </p:sp>
+    </p:spTree>
+    <p:extLst>
+      <p:ext uri="{BB962C8B-B14F-4D97-AF65-F5344CB8AC3E}">
+        <p14:creationId xmlns:p14="http://schemas.microsoft.com/office/powerpoint/2010/main" val="4247931073"/>
+      </p:ext>
+    </p:extLst>
+  </p:cSld>
+  <p:clrMapOvr>
+    <a:masterClrMapping/>
+  </p:clrMapOvr>
+</p:sld>
+</file>
+
+<file path=ppt/slides/slide41.xml><?xml version="1.0" encoding="utf-8"?>
+<p:sld xmlns:a="http://schemas.openxmlformats.org/drawingml/2006/main" xmlns:r="http://schemas.openxmlformats.org/officeDocument/2006/relationships" xmlns:p="http://schemas.openxmlformats.org/presentationml/2006/main">
+  <p:cSld>
+    <p:spTree>
+      <p:nvGrpSpPr>
+        <p:cNvPr id="1" name=""/>
+        <p:cNvGrpSpPr/>
+        <p:nvPr/>
+      </p:nvGrpSpPr>
+      <p:grpSpPr>
+        <a:xfrm>
+          <a:off x="0" y="0"/>
+          <a:ext cx="0" cy="0"/>
+          <a:chOff x="0" y="0"/>
+          <a:chExt cx="0" cy="0"/>
+        </a:xfrm>
+      </p:grpSpPr>
+      <p:sp>
+        <p:nvSpPr>
+          <p:cNvPr id="2" name="Title 1">
+            <a:extLst>
+              <a:ext uri="{FF2B5EF4-FFF2-40B4-BE49-F238E27FC236}">
+                <a16:creationId xmlns:a16="http://schemas.microsoft.com/office/drawing/2014/main" id="{912F7379-E461-45B2-A6D3-CE54DDD4FDDF}"/>
+              </a:ext>
+            </a:extLst>
+          </p:cNvPr>
+          <p:cNvSpPr>
+            <a:spLocks noGrp="1"/>
+          </p:cNvSpPr>
+          <p:nvPr>
+            <p:ph type="title"/>
+          </p:nvPr>
+        </p:nvSpPr>
+        <p:spPr/>
+        <p:txBody>
+          <a:bodyPr/>
+          <a:lstStyle/>
+          <a:p>
+            <a:r>
+              <a:rPr lang="en-US" dirty="0"/>
+              <a:t>Data (Bayesian network)</a:t>
+            </a:r>
+          </a:p>
+        </p:txBody>
+      </p:sp>
+      <p:pic>
+        <p:nvPicPr>
+          <p:cNvPr id="9" name="Picture 8">
+            <a:extLst>
+              <a:ext uri="{FF2B5EF4-FFF2-40B4-BE49-F238E27FC236}">
+                <a16:creationId xmlns:a16="http://schemas.microsoft.com/office/drawing/2014/main" id="{6B81149C-872C-4103-A380-1292FB80EEF1}"/>
+              </a:ext>
+            </a:extLst>
+          </p:cNvPr>
+          <p:cNvPicPr>
+            <a:picLocks noChangeAspect="1"/>
+          </p:cNvPicPr>
+          <p:nvPr/>
+        </p:nvPicPr>
+        <p:blipFill>
+          <a:blip r:embed="rId2"/>
+          <a:stretch>
+            <a:fillRect/>
+          </a:stretch>
+        </p:blipFill>
+        <p:spPr>
+          <a:xfrm>
+            <a:off x="542925" y="1690688"/>
+            <a:ext cx="11106150" cy="4171950"/>
+          </a:xfrm>
+          <a:prstGeom prst="rect">
+            <a:avLst/>
+          </a:prstGeom>
+        </p:spPr>
+      </p:pic>
+    </p:spTree>
+    <p:extLst>
+      <p:ext uri="{BB962C8B-B14F-4D97-AF65-F5344CB8AC3E}">
+        <p14:creationId xmlns:p14="http://schemas.microsoft.com/office/powerpoint/2010/main" val="2342477112"/>
+      </p:ext>
+    </p:extLst>
+  </p:cSld>
+  <p:clrMapOvr>
+    <a:masterClrMapping/>
+  </p:clrMapOvr>
+</p:sld>
+</file>
+
+<file path=ppt/slides/slide42.xml><?xml version="1.0" encoding="utf-8"?>
+<p:sld xmlns:a="http://schemas.openxmlformats.org/drawingml/2006/main" xmlns:r="http://schemas.openxmlformats.org/officeDocument/2006/relationships" xmlns:p="http://schemas.openxmlformats.org/presentationml/2006/main">
+  <p:cSld>
+    <p:spTree>
+      <p:nvGrpSpPr>
+        <p:cNvPr id="1" name=""/>
+        <p:cNvGrpSpPr/>
+        <p:nvPr/>
+      </p:nvGrpSpPr>
+      <p:grpSpPr>
+        <a:xfrm>
+          <a:off x="0" y="0"/>
+          <a:ext cx="0" cy="0"/>
+          <a:chOff x="0" y="0"/>
+          <a:chExt cx="0" cy="0"/>
+        </a:xfrm>
+      </p:grpSpPr>
+      <p:sp>
+        <p:nvSpPr>
           <p:cNvPr id="2" name="Title 1">
             <a:extLst>
               <a:ext uri="{FF2B5EF4-FFF2-40B4-BE49-F238E27FC236}">
@@ -17321,7 +17608,7 @@
 </p:sld>
 </file>
 
-<file path=ppt/slides/slide41.xml><?xml version="1.0" encoding="utf-8"?>
+<file path=ppt/slides/slide43.xml><?xml version="1.0" encoding="utf-8"?>
 <p:sld xmlns:a="http://schemas.openxmlformats.org/drawingml/2006/main" xmlns:r="http://schemas.openxmlformats.org/officeDocument/2006/relationships" xmlns:p="http://schemas.openxmlformats.org/presentationml/2006/main">
   <p:cSld>
     <p:spTree>
@@ -17409,7 +17696,7 @@
 </p:sld>
 </file>
 
-<file path=ppt/slides/slide42.xml><?xml version="1.0" encoding="utf-8"?>
+<file path=ppt/slides/slide44.xml><?xml version="1.0" encoding="utf-8"?>
 <p:sld xmlns:a="http://schemas.openxmlformats.org/drawingml/2006/main" xmlns:r="http://schemas.openxmlformats.org/officeDocument/2006/relationships" xmlns:p="http://schemas.openxmlformats.org/presentationml/2006/main">
   <p:cSld>
     <p:spTree>
@@ -17490,7 +17777,7 @@
 </p:sld>
 </file>
 
-<file path=ppt/slides/slide43.xml><?xml version="1.0" encoding="utf-8"?>
+<file path=ppt/slides/slide45.xml><?xml version="1.0" encoding="utf-8"?>
 <p:sld xmlns:a="http://schemas.openxmlformats.org/drawingml/2006/main" xmlns:r="http://schemas.openxmlformats.org/officeDocument/2006/relationships" xmlns:p="http://schemas.openxmlformats.org/presentationml/2006/main">
   <p:cSld>
     <p:spTree>
@@ -17570,7 +17857,7 @@
 </p:sld>
 </file>
 
-<file path=ppt/slides/slide44.xml><?xml version="1.0" encoding="utf-8"?>
+<file path=ppt/slides/slide46.xml><?xml version="1.0" encoding="utf-8"?>
 <p:sld xmlns:a="http://schemas.openxmlformats.org/drawingml/2006/main" xmlns:r="http://schemas.openxmlformats.org/officeDocument/2006/relationships" xmlns:p="http://schemas.openxmlformats.org/presentationml/2006/main">
   <p:cSld>
     <p:spTree>
@@ -17636,7 +17923,7 @@
 </p:sld>
 </file>
 
-<file path=ppt/slides/slide45.xml><?xml version="1.0" encoding="utf-8"?>
+<file path=ppt/slides/slide47.xml><?xml version="1.0" encoding="utf-8"?>
 <p:sld xmlns:a="http://schemas.openxmlformats.org/drawingml/2006/main" xmlns:r="http://schemas.openxmlformats.org/officeDocument/2006/relationships" xmlns:p="http://schemas.openxmlformats.org/presentationml/2006/main">
   <p:cSld>
     <p:spTree>
@@ -17740,7 +18027,7 @@
 </p:sld>
 </file>
 
-<file path=ppt/slides/slide46.xml><?xml version="1.0" encoding="utf-8"?>
+<file path=ppt/slides/slide48.xml><?xml version="1.0" encoding="utf-8"?>
 <p:sld xmlns:a="http://schemas.openxmlformats.org/drawingml/2006/main" xmlns:r="http://schemas.openxmlformats.org/officeDocument/2006/relationships" xmlns:p="http://schemas.openxmlformats.org/presentationml/2006/main">
   <p:cSld>
     <p:spTree>
@@ -18093,158 +18380,6 @@
 </p:sld>
 </file>
 
-<file path=ppt/slides/slide47.xml><?xml version="1.0" encoding="utf-8"?>
-<p:sld xmlns:a="http://schemas.openxmlformats.org/drawingml/2006/main" xmlns:r="http://schemas.openxmlformats.org/officeDocument/2006/relationships" xmlns:p="http://schemas.openxmlformats.org/presentationml/2006/main">
-  <p:cSld>
-    <p:spTree>
-      <p:nvGrpSpPr>
-        <p:cNvPr id="1" name=""/>
-        <p:cNvGrpSpPr/>
-        <p:nvPr/>
-      </p:nvGrpSpPr>
-      <p:grpSpPr>
-        <a:xfrm>
-          <a:off x="0" y="0"/>
-          <a:ext cx="0" cy="0"/>
-          <a:chOff x="0" y="0"/>
-          <a:chExt cx="0" cy="0"/>
-        </a:xfrm>
-      </p:grpSpPr>
-      <p:sp>
-        <p:nvSpPr>
-          <p:cNvPr id="2" name="Title 1"/>
-          <p:cNvSpPr>
-            <a:spLocks noGrp="1"/>
-          </p:cNvSpPr>
-          <p:nvPr>
-            <p:ph type="title"/>
-          </p:nvPr>
-        </p:nvSpPr>
-        <p:spPr/>
-        <p:txBody>
-          <a:bodyPr/>
-          <a:lstStyle/>
-          <a:p>
-            <a:r>
-              <a:rPr lang="en-US"/>
-              <a:t>Counting result example</a:t>
-            </a:r>
-          </a:p>
-        </p:txBody>
-      </p:sp>
-      <p:pic>
-        <p:nvPicPr>
-          <p:cNvPr id="6" name="Picture 5"/>
-          <p:cNvPicPr>
-            <a:picLocks noChangeAspect="1"/>
-          </p:cNvPicPr>
-          <p:nvPr/>
-        </p:nvPicPr>
-        <p:blipFill>
-          <a:blip r:embed="rId2"/>
-          <a:stretch>
-            <a:fillRect/>
-          </a:stretch>
-        </p:blipFill>
-        <p:spPr>
-          <a:xfrm>
-            <a:off x="2677390" y="1367438"/>
-            <a:ext cx="6837219" cy="5255557"/>
-          </a:xfrm>
-          <a:prstGeom prst="rect">
-            <a:avLst/>
-          </a:prstGeom>
-        </p:spPr>
-      </p:pic>
-    </p:spTree>
-    <p:extLst>
-      <p:ext uri="{BB962C8B-B14F-4D97-AF65-F5344CB8AC3E}">
-        <p14:creationId xmlns:p14="http://schemas.microsoft.com/office/powerpoint/2010/main" val="3574515845"/>
-      </p:ext>
-    </p:extLst>
-  </p:cSld>
-  <p:clrMapOvr>
-    <a:masterClrMapping/>
-  </p:clrMapOvr>
-</p:sld>
-</file>
-
-<file path=ppt/slides/slide48.xml><?xml version="1.0" encoding="utf-8"?>
-<p:sld xmlns:a="http://schemas.openxmlformats.org/drawingml/2006/main" xmlns:r="http://schemas.openxmlformats.org/officeDocument/2006/relationships" xmlns:p="http://schemas.openxmlformats.org/presentationml/2006/main">
-  <p:cSld>
-    <p:spTree>
-      <p:nvGrpSpPr>
-        <p:cNvPr id="1" name=""/>
-        <p:cNvGrpSpPr/>
-        <p:nvPr/>
-      </p:nvGrpSpPr>
-      <p:grpSpPr>
-        <a:xfrm>
-          <a:off x="0" y="0"/>
-          <a:ext cx="0" cy="0"/>
-          <a:chOff x="0" y="0"/>
-          <a:chExt cx="0" cy="0"/>
-        </a:xfrm>
-      </p:grpSpPr>
-      <p:sp>
-        <p:nvSpPr>
-          <p:cNvPr id="2" name="Title 1"/>
-          <p:cNvSpPr>
-            <a:spLocks noGrp="1"/>
-          </p:cNvSpPr>
-          <p:nvPr>
-            <p:ph type="title"/>
-          </p:nvPr>
-        </p:nvSpPr>
-        <p:spPr/>
-        <p:txBody>
-          <a:bodyPr/>
-          <a:lstStyle/>
-          <a:p>
-            <a:r>
-              <a:rPr lang="en-US"/>
-              <a:t>Maximum Likelihood Estimation example</a:t>
-            </a:r>
-          </a:p>
-        </p:txBody>
-      </p:sp>
-      <p:pic>
-        <p:nvPicPr>
-          <p:cNvPr id="4" name="Picture 3"/>
-          <p:cNvPicPr>
-            <a:picLocks noChangeAspect="1"/>
-          </p:cNvPicPr>
-          <p:nvPr/>
-        </p:nvPicPr>
-        <p:blipFill>
-          <a:blip r:embed="rId2"/>
-          <a:stretch>
-            <a:fillRect/>
-          </a:stretch>
-        </p:blipFill>
-        <p:spPr>
-          <a:xfrm>
-            <a:off x="2796915" y="1419641"/>
-            <a:ext cx="6598170" cy="5117605"/>
-          </a:xfrm>
-          <a:prstGeom prst="rect">
-            <a:avLst/>
-          </a:prstGeom>
-        </p:spPr>
-      </p:pic>
-    </p:spTree>
-    <p:extLst>
-      <p:ext uri="{BB962C8B-B14F-4D97-AF65-F5344CB8AC3E}">
-        <p14:creationId xmlns:p14="http://schemas.microsoft.com/office/powerpoint/2010/main" val="2561198065"/>
-      </p:ext>
-    </p:extLst>
-  </p:cSld>
-  <p:clrMapOvr>
-    <a:masterClrMapping/>
-  </p:clrMapOvr>
-</p:sld>
-</file>
-
 <file path=ppt/slides/slide49.xml><?xml version="1.0" encoding="utf-8"?>
 <p:sld xmlns:a="http://schemas.openxmlformats.org/drawingml/2006/main" xmlns:r="http://schemas.openxmlformats.org/officeDocument/2006/relationships" xmlns:p="http://schemas.openxmlformats.org/presentationml/2006/main">
   <p:cSld>
@@ -18279,14 +18414,14 @@
           <a:p>
             <a:r>
               <a:rPr lang="en-US"/>
-              <a:t>Bayesian Parameter Estimator example</a:t>
+              <a:t>Counting result example</a:t>
             </a:r>
           </a:p>
         </p:txBody>
       </p:sp>
       <p:pic>
         <p:nvPicPr>
-          <p:cNvPr id="4" name="Picture 3"/>
+          <p:cNvPr id="6" name="Picture 5"/>
           <p:cNvPicPr>
             <a:picLocks noChangeAspect="1"/>
           </p:cNvPicPr>
@@ -18300,8 +18435,8 @@
         </p:blipFill>
         <p:spPr>
           <a:xfrm>
-            <a:off x="2577681" y="1340865"/>
-            <a:ext cx="7036637" cy="5434007"/>
+            <a:off x="2677390" y="1367438"/>
+            <a:ext cx="6837219" cy="5255557"/>
           </a:xfrm>
           <a:prstGeom prst="rect">
             <a:avLst/>
@@ -18311,7 +18446,7 @@
     </p:spTree>
     <p:extLst>
       <p:ext uri="{BB962C8B-B14F-4D97-AF65-F5344CB8AC3E}">
-        <p14:creationId xmlns:p14="http://schemas.microsoft.com/office/powerpoint/2010/main" val="4153553471"/>
+        <p14:creationId xmlns:p14="http://schemas.microsoft.com/office/powerpoint/2010/main" val="3574515845"/>
       </p:ext>
     </p:extLst>
   </p:cSld>
@@ -21355,6 +21490,158 @@
 </p:sld>
 </file>
 
+<file path=ppt/slides/slide50.xml><?xml version="1.0" encoding="utf-8"?>
+<p:sld xmlns:a="http://schemas.openxmlformats.org/drawingml/2006/main" xmlns:r="http://schemas.openxmlformats.org/officeDocument/2006/relationships" xmlns:p="http://schemas.openxmlformats.org/presentationml/2006/main">
+  <p:cSld>
+    <p:spTree>
+      <p:nvGrpSpPr>
+        <p:cNvPr id="1" name=""/>
+        <p:cNvGrpSpPr/>
+        <p:nvPr/>
+      </p:nvGrpSpPr>
+      <p:grpSpPr>
+        <a:xfrm>
+          <a:off x="0" y="0"/>
+          <a:ext cx="0" cy="0"/>
+          <a:chOff x="0" y="0"/>
+          <a:chExt cx="0" cy="0"/>
+        </a:xfrm>
+      </p:grpSpPr>
+      <p:sp>
+        <p:nvSpPr>
+          <p:cNvPr id="2" name="Title 1"/>
+          <p:cNvSpPr>
+            <a:spLocks noGrp="1"/>
+          </p:cNvSpPr>
+          <p:nvPr>
+            <p:ph type="title"/>
+          </p:nvPr>
+        </p:nvSpPr>
+        <p:spPr/>
+        <p:txBody>
+          <a:bodyPr/>
+          <a:lstStyle/>
+          <a:p>
+            <a:r>
+              <a:rPr lang="en-US"/>
+              <a:t>Maximum Likelihood Estimation example</a:t>
+            </a:r>
+          </a:p>
+        </p:txBody>
+      </p:sp>
+      <p:pic>
+        <p:nvPicPr>
+          <p:cNvPr id="4" name="Picture 3"/>
+          <p:cNvPicPr>
+            <a:picLocks noChangeAspect="1"/>
+          </p:cNvPicPr>
+          <p:nvPr/>
+        </p:nvPicPr>
+        <p:blipFill>
+          <a:blip r:embed="rId2"/>
+          <a:stretch>
+            <a:fillRect/>
+          </a:stretch>
+        </p:blipFill>
+        <p:spPr>
+          <a:xfrm>
+            <a:off x="2796915" y="1419641"/>
+            <a:ext cx="6598170" cy="5117605"/>
+          </a:xfrm>
+          <a:prstGeom prst="rect">
+            <a:avLst/>
+          </a:prstGeom>
+        </p:spPr>
+      </p:pic>
+    </p:spTree>
+    <p:extLst>
+      <p:ext uri="{BB962C8B-B14F-4D97-AF65-F5344CB8AC3E}">
+        <p14:creationId xmlns:p14="http://schemas.microsoft.com/office/powerpoint/2010/main" val="2561198065"/>
+      </p:ext>
+    </p:extLst>
+  </p:cSld>
+  <p:clrMapOvr>
+    <a:masterClrMapping/>
+  </p:clrMapOvr>
+</p:sld>
+</file>
+
+<file path=ppt/slides/slide51.xml><?xml version="1.0" encoding="utf-8"?>
+<p:sld xmlns:a="http://schemas.openxmlformats.org/drawingml/2006/main" xmlns:r="http://schemas.openxmlformats.org/officeDocument/2006/relationships" xmlns:p="http://schemas.openxmlformats.org/presentationml/2006/main">
+  <p:cSld>
+    <p:spTree>
+      <p:nvGrpSpPr>
+        <p:cNvPr id="1" name=""/>
+        <p:cNvGrpSpPr/>
+        <p:nvPr/>
+      </p:nvGrpSpPr>
+      <p:grpSpPr>
+        <a:xfrm>
+          <a:off x="0" y="0"/>
+          <a:ext cx="0" cy="0"/>
+          <a:chOff x="0" y="0"/>
+          <a:chExt cx="0" cy="0"/>
+        </a:xfrm>
+      </p:grpSpPr>
+      <p:sp>
+        <p:nvSpPr>
+          <p:cNvPr id="2" name="Title 1"/>
+          <p:cNvSpPr>
+            <a:spLocks noGrp="1"/>
+          </p:cNvSpPr>
+          <p:nvPr>
+            <p:ph type="title"/>
+          </p:nvPr>
+        </p:nvSpPr>
+        <p:spPr/>
+        <p:txBody>
+          <a:bodyPr/>
+          <a:lstStyle/>
+          <a:p>
+            <a:r>
+              <a:rPr lang="en-US"/>
+              <a:t>Bayesian Parameter Estimator example</a:t>
+            </a:r>
+          </a:p>
+        </p:txBody>
+      </p:sp>
+      <p:pic>
+        <p:nvPicPr>
+          <p:cNvPr id="4" name="Picture 3"/>
+          <p:cNvPicPr>
+            <a:picLocks noChangeAspect="1"/>
+          </p:cNvPicPr>
+          <p:nvPr/>
+        </p:nvPicPr>
+        <p:blipFill>
+          <a:blip r:embed="rId2"/>
+          <a:stretch>
+            <a:fillRect/>
+          </a:stretch>
+        </p:blipFill>
+        <p:spPr>
+          <a:xfrm>
+            <a:off x="2577681" y="1340865"/>
+            <a:ext cx="7036637" cy="5434007"/>
+          </a:xfrm>
+          <a:prstGeom prst="rect">
+            <a:avLst/>
+          </a:prstGeom>
+        </p:spPr>
+      </p:pic>
+    </p:spTree>
+    <p:extLst>
+      <p:ext uri="{BB962C8B-B14F-4D97-AF65-F5344CB8AC3E}">
+        <p14:creationId xmlns:p14="http://schemas.microsoft.com/office/powerpoint/2010/main" val="4153553471"/>
+      </p:ext>
+    </p:extLst>
+  </p:cSld>
+  <p:clrMapOvr>
+    <a:masterClrMapping/>
+  </p:clrMapOvr>
+</p:sld>
+</file>
+
 <file path=ppt/slides/slide6.xml><?xml version="1.0" encoding="utf-8"?>
 <p:sld xmlns:a="http://schemas.openxmlformats.org/drawingml/2006/main" xmlns:r="http://schemas.openxmlformats.org/officeDocument/2006/relationships" xmlns:p="http://schemas.openxmlformats.org/presentationml/2006/main">
   <p:cSld>
@@ -22834,13 +23121,7 @@
                                 <a:rPr lang="en-US" sz="2800" b="0" i="1" smtClean="0">
                                   <a:latin typeface="Cambria Math" panose="02040503050406030204" pitchFamily="18" charset="0"/>
                                 </a:rPr>
-                                <m:t>−</m:t>
-                              </m:r>
-                              <m:r>
-                                <a:rPr lang="en-US" sz="2800" b="0" i="1" smtClean="0">
-                                  <a:latin typeface="Cambria Math" panose="02040503050406030204" pitchFamily="18" charset="0"/>
-                                </a:rPr>
-                                <m:t>1</m:t>
+                                <m:t>−1</m:t>
                               </m:r>
                             </m:sub>
                           </m:sSub>
